--- a/FinalReport_Team_Bengio.pptx
+++ b/FinalReport_Team_Bengio.pptx
@@ -10,13 +10,16 @@
     <p:sldId id="265" r:id="rId4"/>
     <p:sldId id="268" r:id="rId5"/>
     <p:sldId id="270" r:id="rId6"/>
-    <p:sldId id="272" r:id="rId7"/>
-    <p:sldId id="273" r:id="rId8"/>
-    <p:sldId id="271" r:id="rId9"/>
-    <p:sldId id="276" r:id="rId10"/>
-    <p:sldId id="277" r:id="rId11"/>
-    <p:sldId id="274" r:id="rId12"/>
-    <p:sldId id="259" r:id="rId13"/>
+    <p:sldId id="278" r:id="rId7"/>
+    <p:sldId id="279" r:id="rId8"/>
+    <p:sldId id="281" r:id="rId9"/>
+    <p:sldId id="272" r:id="rId10"/>
+    <p:sldId id="273" r:id="rId11"/>
+    <p:sldId id="276" r:id="rId12"/>
+    <p:sldId id="277" r:id="rId13"/>
+    <p:sldId id="280" r:id="rId14"/>
+    <p:sldId id="274" r:id="rId15"/>
+    <p:sldId id="259" r:id="rId16"/>
   </p:sldIdLst>
   <p:sldSz cx="12192000" cy="6858000"/>
   <p:notesSz cx="6858000" cy="9144000"/>
@@ -118,7 +121,7 @@
   <p:extLst>
     <p:ext uri="{EFAFB233-063F-42B5-8137-9DF3F51BA10A}">
       <p15:sldGuideLst xmlns:p15="http://schemas.microsoft.com/office/powerpoint/2012/main">
-        <p15:guide id="1" orient="horz" pos="720" userDrawn="1">
+        <p15:guide id="1" orient="horz" pos="1080" userDrawn="1">
           <p15:clr>
             <a:srgbClr val="A4A3A4"/>
           </p15:clr>
@@ -861,7 +864,7 @@
             <a:fld id="{B61BEF0D-F0BB-DE4B-95CE-6DB70DBA9567}" type="datetimeFigureOut">
               <a:rPr lang="en-US" dirty="0"/>
               <a:pPr/>
-              <a:t>6/17/2017</a:t>
+              <a:t>6/18/2017</a:t>
             </a:fld>
             <a:endParaRPr lang="en-US" dirty="0"/>
           </a:p>
@@ -1109,7 +1112,7 @@
             <a:fld id="{B61BEF0D-F0BB-DE4B-95CE-6DB70DBA9567}" type="datetimeFigureOut">
               <a:rPr lang="en-US" dirty="0"/>
               <a:pPr/>
-              <a:t>6/17/2017</a:t>
+              <a:t>6/18/2017</a:t>
             </a:fld>
             <a:endParaRPr lang="en-US" dirty="0"/>
           </a:p>
@@ -1420,7 +1423,7 @@
             <a:fld id="{B61BEF0D-F0BB-DE4B-95CE-6DB70DBA9567}" type="datetimeFigureOut">
               <a:rPr lang="en-US" dirty="0"/>
               <a:pPr/>
-              <a:t>6/17/2017</a:t>
+              <a:t>6/18/2017</a:t>
             </a:fld>
             <a:endParaRPr lang="en-US" dirty="0"/>
           </a:p>
@@ -1758,7 +1761,7 @@
             <a:fld id="{B61BEF0D-F0BB-DE4B-95CE-6DB70DBA9567}" type="datetimeFigureOut">
               <a:rPr lang="en-US" dirty="0"/>
               <a:pPr/>
-              <a:t>6/17/2017</a:t>
+              <a:t>6/18/2017</a:t>
             </a:fld>
             <a:endParaRPr lang="en-US" dirty="0"/>
           </a:p>
@@ -2069,7 +2072,7 @@
             <a:fld id="{B61BEF0D-F0BB-DE4B-95CE-6DB70DBA9567}" type="datetimeFigureOut">
               <a:rPr lang="en-US" dirty="0"/>
               <a:pPr/>
-              <a:t>6/17/2017</a:t>
+              <a:t>6/18/2017</a:t>
             </a:fld>
             <a:endParaRPr lang="en-US" dirty="0"/>
           </a:p>
@@ -2459,7 +2462,7 @@
             <a:fld id="{B61BEF0D-F0BB-DE4B-95CE-6DB70DBA9567}" type="datetimeFigureOut">
               <a:rPr lang="en-US" dirty="0"/>
               <a:pPr/>
-              <a:t>6/17/2017</a:t>
+              <a:t>6/18/2017</a:t>
             </a:fld>
             <a:endParaRPr lang="en-US" dirty="0"/>
           </a:p>
@@ -2625,7 +2628,7 @@
           <a:p>
             <a:fld id="{55C6B4A9-1611-4792-9094-5F34BCA07E0B}" type="datetimeFigureOut">
               <a:rPr lang="en-US" dirty="0"/>
-              <a:t>6/17/2017</a:t>
+              <a:t>6/18/2017</a:t>
             </a:fld>
             <a:endParaRPr lang="en-US" dirty="0"/>
           </a:p>
@@ -2801,7 +2804,7 @@
             <a:fld id="{B61BEF0D-F0BB-DE4B-95CE-6DB70DBA9567}" type="datetimeFigureOut">
               <a:rPr lang="en-US" dirty="0"/>
               <a:pPr/>
-              <a:t>6/17/2017</a:t>
+              <a:t>6/18/2017</a:t>
             </a:fld>
             <a:endParaRPr lang="en-US" dirty="0"/>
           </a:p>
@@ -2974,7 +2977,7 @@
             <a:fld id="{B61BEF0D-F0BB-DE4B-95CE-6DB70DBA9567}" type="datetimeFigureOut">
               <a:rPr lang="en-US" dirty="0"/>
               <a:pPr/>
-              <a:t>6/17/2017</a:t>
+              <a:t>6/18/2017</a:t>
             </a:fld>
             <a:endParaRPr lang="en-US" dirty="0"/>
           </a:p>
@@ -3218,7 +3221,7 @@
             <a:fld id="{B61BEF0D-F0BB-DE4B-95CE-6DB70DBA9567}" type="datetimeFigureOut">
               <a:rPr lang="en-US" dirty="0"/>
               <a:pPr/>
-              <a:t>6/17/2017</a:t>
+              <a:t>6/18/2017</a:t>
             </a:fld>
             <a:endParaRPr lang="en-US" dirty="0"/>
           </a:p>
@@ -3446,7 +3449,7 @@
           <a:p>
             <a:fld id="{EB712588-04B1-427B-82EE-E8DB90309F08}" type="datetimeFigureOut">
               <a:rPr lang="en-US" dirty="0"/>
-              <a:t>6/17/2017</a:t>
+              <a:t>6/18/2017</a:t>
             </a:fld>
             <a:endParaRPr lang="en-US" dirty="0"/>
           </a:p>
@@ -3816,7 +3819,7 @@
             <a:fld id="{B61BEF0D-F0BB-DE4B-95CE-6DB70DBA9567}" type="datetimeFigureOut">
               <a:rPr lang="en-US" dirty="0"/>
               <a:pPr/>
-              <a:t>6/17/2017</a:t>
+              <a:t>6/18/2017</a:t>
             </a:fld>
             <a:endParaRPr lang="en-US" dirty="0"/>
           </a:p>
@@ -3936,7 +3939,7 @@
             <a:fld id="{B61BEF0D-F0BB-DE4B-95CE-6DB70DBA9567}" type="datetimeFigureOut">
               <a:rPr lang="en-US" dirty="0"/>
               <a:pPr/>
-              <a:t>6/17/2017</a:t>
+              <a:t>6/18/2017</a:t>
             </a:fld>
             <a:endParaRPr lang="en-US" dirty="0"/>
           </a:p>
@@ -4028,7 +4031,7 @@
             <a:fld id="{B61BEF0D-F0BB-DE4B-95CE-6DB70DBA9567}" type="datetimeFigureOut">
               <a:rPr lang="en-US" dirty="0"/>
               <a:pPr/>
-              <a:t>6/17/2017</a:t>
+              <a:t>6/18/2017</a:t>
             </a:fld>
             <a:endParaRPr lang="en-US" dirty="0"/>
           </a:p>
@@ -4279,7 +4282,7 @@
           <a:p>
             <a:fld id="{42A54C80-263E-416B-A8E0-580EDEADCBDC}" type="datetimeFigureOut">
               <a:rPr lang="en-US" dirty="0"/>
-              <a:t>6/17/2017</a:t>
+              <a:t>6/18/2017</a:t>
             </a:fld>
             <a:endParaRPr lang="en-US" dirty="0"/>
           </a:p>
@@ -4538,7 +4541,7 @@
             <a:fld id="{B61BEF0D-F0BB-DE4B-95CE-6DB70DBA9567}" type="datetimeFigureOut">
               <a:rPr lang="en-US" dirty="0"/>
               <a:pPr/>
-              <a:t>6/17/2017</a:t>
+              <a:t>6/18/2017</a:t>
             </a:fld>
             <a:endParaRPr lang="en-US" dirty="0"/>
           </a:p>
@@ -5278,7 +5281,7 @@
             <a:fld id="{B61BEF0D-F0BB-DE4B-95CE-6DB70DBA9567}" type="datetimeFigureOut">
               <a:rPr lang="en-US" dirty="0"/>
               <a:pPr/>
-              <a:t>6/17/2017</a:t>
+              <a:t>6/18/2017</a:t>
             </a:fld>
             <a:endParaRPr lang="en-US" dirty="0"/>
           </a:p>
@@ -5825,15 +5828,27 @@
           <a:lstStyle/>
           <a:p>
             <a:r>
-              <a:rPr lang="en-US" dirty="0"/>
+              <a:rPr lang="en-US" dirty="0">
+                <a:solidFill>
+                  <a:srgbClr val="7030A0"/>
+                </a:solidFill>
+              </a:rPr>
               <a:t>A Comparison of Six 10-Class Classifiers Using the </a:t>
             </a:r>
             <a:r>
-              <a:rPr lang="en-US" dirty="0" err="1"/>
+              <a:rPr lang="en-US" dirty="0" err="1">
+                <a:solidFill>
+                  <a:srgbClr val="7030A0"/>
+                </a:solidFill>
+              </a:rPr>
               <a:t>NotMNIST</a:t>
             </a:r>
             <a:r>
-              <a:rPr lang="en-US" dirty="0"/>
+              <a:rPr lang="en-US" dirty="0">
+                <a:solidFill>
+                  <a:srgbClr val="7030A0"/>
+                </a:solidFill>
+              </a:rPr>
               <a:t> Data Set</a:t>
             </a:r>
           </a:p>
@@ -5894,6 +5909,1360 @@
 </file>
 
 <file path=ppt/slides/slide10.xml><?xml version="1.0" encoding="utf-8"?>
+<p:sld xmlns:a="http://schemas.openxmlformats.org/drawingml/2006/main" xmlns:r="http://schemas.openxmlformats.org/officeDocument/2006/relationships" xmlns:p="http://schemas.openxmlformats.org/presentationml/2006/main">
+  <p:cSld>
+    <p:spTree>
+      <p:nvGrpSpPr>
+        <p:cNvPr id="1" name=""/>
+        <p:cNvGrpSpPr/>
+        <p:nvPr/>
+      </p:nvGrpSpPr>
+      <p:grpSpPr>
+        <a:xfrm>
+          <a:off x="0" y="0"/>
+          <a:ext cx="0" cy="0"/>
+          <a:chOff x="0" y="0"/>
+          <a:chExt cx="0" cy="0"/>
+        </a:xfrm>
+      </p:grpSpPr>
+      <p:sp>
+        <p:nvSpPr>
+          <p:cNvPr id="5" name="Title 1">
+            <a:extLst>
+              <a:ext uri="{FF2B5EF4-FFF2-40B4-BE49-F238E27FC236}">
+                <a16:creationId xmlns:a16="http://schemas.microsoft.com/office/drawing/2014/main" id="{F11C875C-9CAA-4838-BBDD-43705F932F58}"/>
+              </a:ext>
+            </a:extLst>
+          </p:cNvPr>
+          <p:cNvSpPr txBox="1">
+            <a:spLocks/>
+          </p:cNvSpPr>
+          <p:nvPr/>
+        </p:nvSpPr>
+        <p:spPr>
+          <a:xfrm>
+            <a:off x="292000" y="181661"/>
+            <a:ext cx="11518999" cy="847465"/>
+          </a:xfrm>
+          <a:prstGeom prst="rect">
+            <a:avLst/>
+          </a:prstGeom>
+        </p:spPr>
+        <p:txBody>
+          <a:bodyPr vert="horz" lIns="91440" tIns="45720" rIns="91440" bIns="45720" rtlCol="0" anchor="t">
+            <a:normAutofit fontScale="97500"/>
+          </a:bodyPr>
+          <a:lstStyle>
+            <a:lvl1pPr algn="l" defTabSz="457200" rtl="0" eaLnBrk="1" latinLnBrk="0" hangingPunct="1">
+              <a:spcBef>
+                <a:spcPct val="0"/>
+              </a:spcBef>
+              <a:buNone/>
+              <a:defRPr sz="3600" kern="1200">
+                <a:solidFill>
+                  <a:schemeClr val="accent1"/>
+                </a:solidFill>
+                <a:latin typeface="+mj-lt"/>
+                <a:ea typeface="+mj-ea"/>
+                <a:cs typeface="+mj-cs"/>
+              </a:defRPr>
+            </a:lvl1pPr>
+            <a:lvl2pPr eaLnBrk="1" hangingPunct="1">
+              <a:defRPr>
+                <a:solidFill>
+                  <a:schemeClr val="tx2"/>
+                </a:solidFill>
+              </a:defRPr>
+            </a:lvl2pPr>
+            <a:lvl3pPr eaLnBrk="1" hangingPunct="1">
+              <a:defRPr>
+                <a:solidFill>
+                  <a:schemeClr val="tx2"/>
+                </a:solidFill>
+              </a:defRPr>
+            </a:lvl3pPr>
+            <a:lvl4pPr eaLnBrk="1" hangingPunct="1">
+              <a:defRPr>
+                <a:solidFill>
+                  <a:schemeClr val="tx2"/>
+                </a:solidFill>
+              </a:defRPr>
+            </a:lvl4pPr>
+            <a:lvl5pPr eaLnBrk="1" hangingPunct="1">
+              <a:defRPr>
+                <a:solidFill>
+                  <a:schemeClr val="tx2"/>
+                </a:solidFill>
+              </a:defRPr>
+            </a:lvl5pPr>
+            <a:lvl6pPr eaLnBrk="1" hangingPunct="1">
+              <a:defRPr>
+                <a:solidFill>
+                  <a:schemeClr val="tx2"/>
+                </a:solidFill>
+              </a:defRPr>
+            </a:lvl6pPr>
+            <a:lvl7pPr eaLnBrk="1" hangingPunct="1">
+              <a:defRPr>
+                <a:solidFill>
+                  <a:schemeClr val="tx2"/>
+                </a:solidFill>
+              </a:defRPr>
+            </a:lvl7pPr>
+            <a:lvl8pPr eaLnBrk="1" hangingPunct="1">
+              <a:defRPr>
+                <a:solidFill>
+                  <a:schemeClr val="tx2"/>
+                </a:solidFill>
+              </a:defRPr>
+            </a:lvl8pPr>
+            <a:lvl9pPr eaLnBrk="1" hangingPunct="1">
+              <a:defRPr>
+                <a:solidFill>
+                  <a:schemeClr val="tx2"/>
+                </a:solidFill>
+              </a:defRPr>
+            </a:lvl9pPr>
+          </a:lstStyle>
+          <a:p>
+            <a:r>
+              <a:rPr lang="en-US" dirty="0">
+                <a:solidFill>
+                  <a:srgbClr val="002060"/>
+                </a:solidFill>
+              </a:rPr>
+              <a:t>Results: Elapsed CPU Time vs Accuracy</a:t>
+            </a:r>
+          </a:p>
+          <a:p>
+            <a:endParaRPr lang="en-US" dirty="0">
+              <a:solidFill>
+                <a:srgbClr val="002060"/>
+              </a:solidFill>
+            </a:endParaRPr>
+          </a:p>
+        </p:txBody>
+      </p:sp>
+      <p:pic>
+        <p:nvPicPr>
+          <p:cNvPr id="4" name="Picture 3">
+            <a:extLst>
+              <a:ext uri="{FF2B5EF4-FFF2-40B4-BE49-F238E27FC236}">
+                <a16:creationId xmlns:a16="http://schemas.microsoft.com/office/drawing/2014/main" id="{7B393A30-7610-4901-951C-32DBC3375DB3}"/>
+              </a:ext>
+            </a:extLst>
+          </p:cNvPr>
+          <p:cNvPicPr>
+            <a:picLocks noChangeAspect="1"/>
+          </p:cNvPicPr>
+          <p:nvPr/>
+        </p:nvPicPr>
+        <p:blipFill>
+          <a:blip r:embed="rId2"/>
+          <a:stretch>
+            <a:fillRect/>
+          </a:stretch>
+        </p:blipFill>
+        <p:spPr>
+          <a:xfrm>
+            <a:off x="1308100" y="863600"/>
+            <a:ext cx="9789304" cy="5994400"/>
+          </a:xfrm>
+          <a:prstGeom prst="rect">
+            <a:avLst/>
+          </a:prstGeom>
+        </p:spPr>
+      </p:pic>
+      <p:grpSp>
+        <p:nvGrpSpPr>
+          <p:cNvPr id="13" name="Group 12">
+            <a:extLst>
+              <a:ext uri="{FF2B5EF4-FFF2-40B4-BE49-F238E27FC236}">
+                <a16:creationId xmlns:a16="http://schemas.microsoft.com/office/drawing/2014/main" id="{E7CC4D30-929F-40A5-A394-7A5DF51AE9F6}"/>
+              </a:ext>
+            </a:extLst>
+          </p:cNvPr>
+          <p:cNvGrpSpPr/>
+          <p:nvPr/>
+        </p:nvGrpSpPr>
+        <p:grpSpPr>
+          <a:xfrm>
+            <a:off x="6896100" y="2768600"/>
+            <a:ext cx="3771900" cy="2400300"/>
+            <a:chOff x="6896100" y="2768600"/>
+            <a:chExt cx="3771900" cy="2400300"/>
+          </a:xfrm>
+        </p:grpSpPr>
+        <p:sp>
+          <p:nvSpPr>
+            <p:cNvPr id="10" name="Oval 9">
+              <a:extLst>
+                <a:ext uri="{FF2B5EF4-FFF2-40B4-BE49-F238E27FC236}">
+                  <a16:creationId xmlns:a16="http://schemas.microsoft.com/office/drawing/2014/main" id="{A61665EE-7087-437A-ADDC-2A23001C1E19}"/>
+                </a:ext>
+              </a:extLst>
+            </p:cNvPr>
+            <p:cNvSpPr/>
+            <p:nvPr/>
+          </p:nvSpPr>
+          <p:spPr>
+            <a:xfrm>
+              <a:off x="6896100" y="2768600"/>
+              <a:ext cx="571500" cy="2400300"/>
+            </a:xfrm>
+            <a:prstGeom prst="ellipse">
+              <a:avLst/>
+            </a:prstGeom>
+            <a:noFill/>
+            <a:ln w="76200">
+              <a:solidFill>
+                <a:srgbClr val="00B0F0">
+                  <a:alpha val="48000"/>
+                </a:srgbClr>
+              </a:solidFill>
+            </a:ln>
+          </p:spPr>
+          <p:style>
+            <a:lnRef idx="2">
+              <a:schemeClr val="accent1">
+                <a:shade val="50000"/>
+              </a:schemeClr>
+            </a:lnRef>
+            <a:fillRef idx="1">
+              <a:schemeClr val="accent1"/>
+            </a:fillRef>
+            <a:effectRef idx="0">
+              <a:schemeClr val="accent1"/>
+            </a:effectRef>
+            <a:fontRef idx="minor">
+              <a:schemeClr val="lt1"/>
+            </a:fontRef>
+          </p:style>
+          <p:txBody>
+            <a:bodyPr rot="0" spcFirstLastPara="0" vertOverflow="overflow" horzOverflow="overflow" vert="horz" wrap="square" lIns="91440" tIns="45720" rIns="91440" bIns="45720" numCol="1" spcCol="0" rtlCol="0" fromWordArt="0" anchor="ctr" anchorCtr="0" forceAA="0" compatLnSpc="1">
+              <a:prstTxWarp prst="textNoShape">
+                <a:avLst/>
+              </a:prstTxWarp>
+              <a:noAutofit/>
+            </a:bodyPr>
+            <a:lstStyle/>
+            <a:p>
+              <a:pPr algn="ctr"/>
+              <a:endParaRPr lang="en-US"/>
+            </a:p>
+          </p:txBody>
+        </p:sp>
+        <p:sp>
+          <p:nvSpPr>
+            <p:cNvPr id="12" name="Speech Bubble: Rectangle with Corners Rounded 11">
+              <a:extLst>
+                <a:ext uri="{FF2B5EF4-FFF2-40B4-BE49-F238E27FC236}">
+                  <a16:creationId xmlns:a16="http://schemas.microsoft.com/office/drawing/2014/main" id="{8E74D0FC-7C2F-49D1-BFC6-E151E676CD54}"/>
+                </a:ext>
+              </a:extLst>
+            </p:cNvPr>
+            <p:cNvSpPr/>
+            <p:nvPr/>
+          </p:nvSpPr>
+          <p:spPr>
+            <a:xfrm>
+              <a:off x="8039100" y="3517900"/>
+              <a:ext cx="2628900" cy="1651000"/>
+            </a:xfrm>
+            <a:prstGeom prst="wedgeRoundRectCallout">
+              <a:avLst>
+                <a:gd name="adj1" fmla="val -71063"/>
+                <a:gd name="adj2" fmla="val 14084"/>
+                <a:gd name="adj3" fmla="val 16667"/>
+              </a:avLst>
+            </a:prstGeom>
+            <a:solidFill>
+              <a:srgbClr val="FFFF00"/>
+            </a:solidFill>
+          </p:spPr>
+          <p:style>
+            <a:lnRef idx="2">
+              <a:schemeClr val="accent1">
+                <a:shade val="50000"/>
+              </a:schemeClr>
+            </a:lnRef>
+            <a:fillRef idx="1">
+              <a:schemeClr val="accent1"/>
+            </a:fillRef>
+            <a:effectRef idx="0">
+              <a:schemeClr val="accent1"/>
+            </a:effectRef>
+            <a:fontRef idx="minor">
+              <a:schemeClr val="lt1"/>
+            </a:fontRef>
+          </p:style>
+          <p:txBody>
+            <a:bodyPr rtlCol="0" anchor="ctr"/>
+            <a:lstStyle/>
+            <a:p>
+              <a:pPr algn="ctr"/>
+              <a:r>
+                <a:rPr lang="en-US" b="1" dirty="0">
+                  <a:solidFill>
+                    <a:srgbClr val="002060"/>
+                  </a:solidFill>
+                </a:rPr>
+                <a:t>Linear classifiers with non-linear combination of feature have the best accuracy</a:t>
+              </a:r>
+            </a:p>
+          </p:txBody>
+        </p:sp>
+      </p:grpSp>
+      <p:grpSp>
+        <p:nvGrpSpPr>
+          <p:cNvPr id="21" name="Group 20">
+            <a:extLst>
+              <a:ext uri="{FF2B5EF4-FFF2-40B4-BE49-F238E27FC236}">
+                <a16:creationId xmlns:a16="http://schemas.microsoft.com/office/drawing/2014/main" id="{2016CB66-0B0E-4159-87DF-7177CC09E36B}"/>
+              </a:ext>
+            </a:extLst>
+          </p:cNvPr>
+          <p:cNvGrpSpPr/>
+          <p:nvPr/>
+        </p:nvGrpSpPr>
+        <p:grpSpPr>
+          <a:xfrm>
+            <a:off x="2620793" y="1261374"/>
+            <a:ext cx="2718359" cy="1507226"/>
+            <a:chOff x="2620793" y="1261374"/>
+            <a:chExt cx="2718359" cy="1507226"/>
+          </a:xfrm>
+        </p:grpSpPr>
+        <p:sp>
+          <p:nvSpPr>
+            <p:cNvPr id="15" name="Oval 14">
+              <a:extLst>
+                <a:ext uri="{FF2B5EF4-FFF2-40B4-BE49-F238E27FC236}">
+                  <a16:creationId xmlns:a16="http://schemas.microsoft.com/office/drawing/2014/main" id="{6517D2BB-E709-4022-934B-2181AF478D1D}"/>
+                </a:ext>
+              </a:extLst>
+            </p:cNvPr>
+            <p:cNvSpPr/>
+            <p:nvPr/>
+          </p:nvSpPr>
+          <p:spPr>
+            <a:xfrm>
+              <a:off x="4767652" y="1841500"/>
+              <a:ext cx="571500" cy="927100"/>
+            </a:xfrm>
+            <a:prstGeom prst="ellipse">
+              <a:avLst/>
+            </a:prstGeom>
+            <a:noFill/>
+            <a:ln w="76200">
+              <a:solidFill>
+                <a:srgbClr val="00B0F0">
+                  <a:alpha val="48000"/>
+                </a:srgbClr>
+              </a:solidFill>
+            </a:ln>
+          </p:spPr>
+          <p:style>
+            <a:lnRef idx="2">
+              <a:schemeClr val="accent1">
+                <a:shade val="50000"/>
+              </a:schemeClr>
+            </a:lnRef>
+            <a:fillRef idx="1">
+              <a:schemeClr val="accent1"/>
+            </a:fillRef>
+            <a:effectRef idx="0">
+              <a:schemeClr val="accent1"/>
+            </a:effectRef>
+            <a:fontRef idx="minor">
+              <a:schemeClr val="lt1"/>
+            </a:fontRef>
+          </p:style>
+          <p:txBody>
+            <a:bodyPr rot="0" spcFirstLastPara="0" vertOverflow="overflow" horzOverflow="overflow" vert="horz" wrap="square" lIns="91440" tIns="45720" rIns="91440" bIns="45720" numCol="1" spcCol="0" rtlCol="0" fromWordArt="0" anchor="ctr" anchorCtr="0" forceAA="0" compatLnSpc="1">
+              <a:prstTxWarp prst="textNoShape">
+                <a:avLst/>
+              </a:prstTxWarp>
+              <a:noAutofit/>
+            </a:bodyPr>
+            <a:lstStyle/>
+            <a:p>
+              <a:pPr algn="ctr"/>
+              <a:endParaRPr lang="en-US"/>
+            </a:p>
+          </p:txBody>
+        </p:sp>
+        <p:sp>
+          <p:nvSpPr>
+            <p:cNvPr id="16" name="Speech Bubble: Rectangle with Corners Rounded 15">
+              <a:extLst>
+                <a:ext uri="{FF2B5EF4-FFF2-40B4-BE49-F238E27FC236}">
+                  <a16:creationId xmlns:a16="http://schemas.microsoft.com/office/drawing/2014/main" id="{1F45A44D-462B-4E24-8C55-A55422487F8E}"/>
+                </a:ext>
+              </a:extLst>
+            </p:cNvPr>
+            <p:cNvSpPr/>
+            <p:nvPr/>
+          </p:nvSpPr>
+          <p:spPr>
+            <a:xfrm>
+              <a:off x="2620793" y="1261374"/>
+              <a:ext cx="1778459" cy="685800"/>
+            </a:xfrm>
+            <a:prstGeom prst="wedgeRoundRectCallout">
+              <a:avLst>
+                <a:gd name="adj1" fmla="val 70645"/>
+                <a:gd name="adj2" fmla="val 45568"/>
+                <a:gd name="adj3" fmla="val 16667"/>
+              </a:avLst>
+            </a:prstGeom>
+            <a:solidFill>
+              <a:srgbClr val="FFFF00"/>
+            </a:solidFill>
+          </p:spPr>
+          <p:style>
+            <a:lnRef idx="2">
+              <a:schemeClr val="accent1">
+                <a:shade val="50000"/>
+              </a:schemeClr>
+            </a:lnRef>
+            <a:fillRef idx="1">
+              <a:schemeClr val="accent1"/>
+            </a:fillRef>
+            <a:effectRef idx="0">
+              <a:schemeClr val="accent1"/>
+            </a:effectRef>
+            <a:fontRef idx="minor">
+              <a:schemeClr val="lt1"/>
+            </a:fontRef>
+          </p:style>
+          <p:txBody>
+            <a:bodyPr rtlCol="0" anchor="ctr"/>
+            <a:lstStyle/>
+            <a:p>
+              <a:pPr algn="ctr"/>
+              <a:r>
+                <a:rPr lang="en-US" b="1" dirty="0">
+                  <a:solidFill>
+                    <a:srgbClr val="002060"/>
+                  </a:solidFill>
+                </a:rPr>
+                <a:t>Bayes are slowest</a:t>
+              </a:r>
+            </a:p>
+          </p:txBody>
+        </p:sp>
+      </p:grpSp>
+      <p:grpSp>
+        <p:nvGrpSpPr>
+          <p:cNvPr id="22" name="Group 21">
+            <a:extLst>
+              <a:ext uri="{FF2B5EF4-FFF2-40B4-BE49-F238E27FC236}">
+                <a16:creationId xmlns:a16="http://schemas.microsoft.com/office/drawing/2014/main" id="{F8B6916F-E023-4EF3-BFC6-61AC5E4DABBE}"/>
+              </a:ext>
+            </a:extLst>
+          </p:cNvPr>
+          <p:cNvGrpSpPr/>
+          <p:nvPr/>
+        </p:nvGrpSpPr>
+        <p:grpSpPr>
+          <a:xfrm>
+            <a:off x="2552191" y="2864063"/>
+            <a:ext cx="2710761" cy="1485687"/>
+            <a:chOff x="2552191" y="2864063"/>
+            <a:chExt cx="2710761" cy="1485687"/>
+          </a:xfrm>
+        </p:grpSpPr>
+        <p:sp>
+          <p:nvSpPr>
+            <p:cNvPr id="17" name="Oval 16">
+              <a:extLst>
+                <a:ext uri="{FF2B5EF4-FFF2-40B4-BE49-F238E27FC236}">
+                  <a16:creationId xmlns:a16="http://schemas.microsoft.com/office/drawing/2014/main" id="{63521CBF-F26F-4019-901A-ED7D225C4FC4}"/>
+                </a:ext>
+              </a:extLst>
+            </p:cNvPr>
+            <p:cNvSpPr/>
+            <p:nvPr/>
+          </p:nvSpPr>
+          <p:spPr>
+            <a:xfrm>
+              <a:off x="4838700" y="3517900"/>
+              <a:ext cx="424252" cy="831850"/>
+            </a:xfrm>
+            <a:prstGeom prst="ellipse">
+              <a:avLst/>
+            </a:prstGeom>
+            <a:noFill/>
+            <a:ln w="76200">
+              <a:solidFill>
+                <a:srgbClr val="00B0F0">
+                  <a:alpha val="48000"/>
+                </a:srgbClr>
+              </a:solidFill>
+            </a:ln>
+          </p:spPr>
+          <p:style>
+            <a:lnRef idx="2">
+              <a:schemeClr val="accent1">
+                <a:shade val="50000"/>
+              </a:schemeClr>
+            </a:lnRef>
+            <a:fillRef idx="1">
+              <a:schemeClr val="accent1"/>
+            </a:fillRef>
+            <a:effectRef idx="0">
+              <a:schemeClr val="accent1"/>
+            </a:effectRef>
+            <a:fontRef idx="minor">
+              <a:schemeClr val="lt1"/>
+            </a:fontRef>
+          </p:style>
+          <p:txBody>
+            <a:bodyPr rot="0" spcFirstLastPara="0" vertOverflow="overflow" horzOverflow="overflow" vert="horz" wrap="square" lIns="91440" tIns="45720" rIns="91440" bIns="45720" numCol="1" spcCol="0" rtlCol="0" fromWordArt="0" anchor="ctr" anchorCtr="0" forceAA="0" compatLnSpc="1">
+              <a:prstTxWarp prst="textNoShape">
+                <a:avLst/>
+              </a:prstTxWarp>
+              <a:noAutofit/>
+            </a:bodyPr>
+            <a:lstStyle/>
+            <a:p>
+              <a:pPr algn="ctr"/>
+              <a:endParaRPr lang="en-US"/>
+            </a:p>
+          </p:txBody>
+        </p:sp>
+        <p:sp>
+          <p:nvSpPr>
+            <p:cNvPr id="18" name="Speech Bubble: Rectangle with Corners Rounded 17">
+              <a:extLst>
+                <a:ext uri="{FF2B5EF4-FFF2-40B4-BE49-F238E27FC236}">
+                  <a16:creationId xmlns:a16="http://schemas.microsoft.com/office/drawing/2014/main" id="{1ECADFA8-18A3-4F84-BB13-625E50AC8E45}"/>
+                </a:ext>
+              </a:extLst>
+            </p:cNvPr>
+            <p:cNvSpPr/>
+            <p:nvPr/>
+          </p:nvSpPr>
+          <p:spPr>
+            <a:xfrm>
+              <a:off x="2552191" y="2864063"/>
+              <a:ext cx="1778459" cy="685800"/>
+            </a:xfrm>
+            <a:prstGeom prst="wedgeRoundRectCallout">
+              <a:avLst>
+                <a:gd name="adj1" fmla="val 76357"/>
+                <a:gd name="adj2" fmla="val 52975"/>
+                <a:gd name="adj3" fmla="val 16667"/>
+              </a:avLst>
+            </a:prstGeom>
+            <a:solidFill>
+              <a:srgbClr val="FFFF00"/>
+            </a:solidFill>
+          </p:spPr>
+          <p:style>
+            <a:lnRef idx="2">
+              <a:schemeClr val="accent1">
+                <a:shade val="50000"/>
+              </a:schemeClr>
+            </a:lnRef>
+            <a:fillRef idx="1">
+              <a:schemeClr val="accent1"/>
+            </a:fillRef>
+            <a:effectRef idx="0">
+              <a:schemeClr val="accent1"/>
+            </a:effectRef>
+            <a:fontRef idx="minor">
+              <a:schemeClr val="lt1"/>
+            </a:fontRef>
+          </p:style>
+          <p:txBody>
+            <a:bodyPr rtlCol="0" anchor="ctr"/>
+            <a:lstStyle/>
+            <a:p>
+              <a:pPr algn="ctr"/>
+              <a:r>
+                <a:rPr lang="en-US" b="1" dirty="0" err="1">
+                  <a:solidFill>
+                    <a:srgbClr val="002060"/>
+                  </a:solidFill>
+                </a:rPr>
+                <a:t>OneVsOne</a:t>
+              </a:r>
+              <a:r>
+                <a:rPr lang="en-US" b="1" dirty="0">
+                  <a:solidFill>
+                    <a:srgbClr val="002060"/>
+                  </a:solidFill>
+                </a:rPr>
+                <a:t> is slow</a:t>
+              </a:r>
+            </a:p>
+          </p:txBody>
+        </p:sp>
+      </p:grpSp>
+      <p:grpSp>
+        <p:nvGrpSpPr>
+          <p:cNvPr id="23" name="Group 22">
+            <a:extLst>
+              <a:ext uri="{FF2B5EF4-FFF2-40B4-BE49-F238E27FC236}">
+                <a16:creationId xmlns:a16="http://schemas.microsoft.com/office/drawing/2014/main" id="{4054503E-1722-4A7A-A377-4F993D284459}"/>
+              </a:ext>
+            </a:extLst>
+          </p:cNvPr>
+          <p:cNvGrpSpPr/>
+          <p:nvPr/>
+        </p:nvGrpSpPr>
+        <p:grpSpPr>
+          <a:xfrm>
+            <a:off x="2316322" y="4231802"/>
+            <a:ext cx="1803630" cy="1857848"/>
+            <a:chOff x="2316322" y="4231802"/>
+            <a:chExt cx="1803630" cy="1857848"/>
+          </a:xfrm>
+        </p:grpSpPr>
+        <p:sp>
+          <p:nvSpPr>
+            <p:cNvPr id="19" name="Oval 18">
+              <a:extLst>
+                <a:ext uri="{FF2B5EF4-FFF2-40B4-BE49-F238E27FC236}">
+                  <a16:creationId xmlns:a16="http://schemas.microsoft.com/office/drawing/2014/main" id="{2E0B18F7-FEAD-4032-A208-470DBB5AB3B5}"/>
+                </a:ext>
+              </a:extLst>
+            </p:cNvPr>
+            <p:cNvSpPr/>
+            <p:nvPr/>
+          </p:nvSpPr>
+          <p:spPr>
+            <a:xfrm>
+              <a:off x="3695700" y="5257800"/>
+              <a:ext cx="424252" cy="831850"/>
+            </a:xfrm>
+            <a:prstGeom prst="ellipse">
+              <a:avLst/>
+            </a:prstGeom>
+            <a:noFill/>
+            <a:ln w="76200">
+              <a:solidFill>
+                <a:srgbClr val="00B0F0">
+                  <a:alpha val="48000"/>
+                </a:srgbClr>
+              </a:solidFill>
+            </a:ln>
+          </p:spPr>
+          <p:style>
+            <a:lnRef idx="2">
+              <a:schemeClr val="accent1">
+                <a:shade val="50000"/>
+              </a:schemeClr>
+            </a:lnRef>
+            <a:fillRef idx="1">
+              <a:schemeClr val="accent1"/>
+            </a:fillRef>
+            <a:effectRef idx="0">
+              <a:schemeClr val="accent1"/>
+            </a:effectRef>
+            <a:fontRef idx="minor">
+              <a:schemeClr val="lt1"/>
+            </a:fontRef>
+          </p:style>
+          <p:txBody>
+            <a:bodyPr rot="0" spcFirstLastPara="0" vertOverflow="overflow" horzOverflow="overflow" vert="horz" wrap="square" lIns="91440" tIns="45720" rIns="91440" bIns="45720" numCol="1" spcCol="0" rtlCol="0" fromWordArt="0" anchor="ctr" anchorCtr="0" forceAA="0" compatLnSpc="1">
+              <a:prstTxWarp prst="textNoShape">
+                <a:avLst/>
+              </a:prstTxWarp>
+              <a:noAutofit/>
+            </a:bodyPr>
+            <a:lstStyle/>
+            <a:p>
+              <a:pPr algn="ctr"/>
+              <a:endParaRPr lang="en-US"/>
+            </a:p>
+          </p:txBody>
+        </p:sp>
+        <p:sp>
+          <p:nvSpPr>
+            <p:cNvPr id="20" name="Speech Bubble: Rectangle with Corners Rounded 19">
+              <a:extLst>
+                <a:ext uri="{FF2B5EF4-FFF2-40B4-BE49-F238E27FC236}">
+                  <a16:creationId xmlns:a16="http://schemas.microsoft.com/office/drawing/2014/main" id="{CED676FD-EBB7-4CA0-A69D-CBE1E899F856}"/>
+                </a:ext>
+              </a:extLst>
+            </p:cNvPr>
+            <p:cNvSpPr/>
+            <p:nvPr/>
+          </p:nvSpPr>
+          <p:spPr>
+            <a:xfrm>
+              <a:off x="2316322" y="4231802"/>
+              <a:ext cx="1778459" cy="793750"/>
+            </a:xfrm>
+            <a:prstGeom prst="wedgeRoundRectCallout">
+              <a:avLst>
+                <a:gd name="adj1" fmla="val 33511"/>
+                <a:gd name="adj2" fmla="val 76886"/>
+                <a:gd name="adj3" fmla="val 16667"/>
+              </a:avLst>
+            </a:prstGeom>
+            <a:solidFill>
+              <a:srgbClr val="FFFF00"/>
+            </a:solidFill>
+          </p:spPr>
+          <p:style>
+            <a:lnRef idx="2">
+              <a:schemeClr val="accent1">
+                <a:shade val="50000"/>
+              </a:schemeClr>
+            </a:lnRef>
+            <a:fillRef idx="1">
+              <a:schemeClr val="accent1"/>
+            </a:fillRef>
+            <a:effectRef idx="0">
+              <a:schemeClr val="accent1"/>
+            </a:effectRef>
+            <a:fontRef idx="minor">
+              <a:schemeClr val="lt1"/>
+            </a:fontRef>
+          </p:style>
+          <p:txBody>
+            <a:bodyPr rtlCol="0" anchor="ctr"/>
+            <a:lstStyle/>
+            <a:p>
+              <a:pPr algn="ctr"/>
+              <a:r>
+                <a:rPr lang="en-US" b="1" dirty="0">
+                  <a:solidFill>
+                    <a:srgbClr val="002060"/>
+                  </a:solidFill>
+                </a:rPr>
+                <a:t>Linear </a:t>
+              </a:r>
+              <a:r>
+                <a:rPr lang="en-US" b="1" dirty="0" err="1">
+                  <a:solidFill>
+                    <a:srgbClr val="002060"/>
+                  </a:solidFill>
+                </a:rPr>
+                <a:t>classifers</a:t>
+              </a:r>
+              <a:r>
+                <a:rPr lang="en-US" b="1" dirty="0">
+                  <a:solidFill>
+                    <a:srgbClr val="002060"/>
+                  </a:solidFill>
+                </a:rPr>
+                <a:t> are fast</a:t>
+              </a:r>
+            </a:p>
+          </p:txBody>
+        </p:sp>
+      </p:grpSp>
+    </p:spTree>
+    <p:extLst>
+      <p:ext uri="{BB962C8B-B14F-4D97-AF65-F5344CB8AC3E}">
+        <p14:creationId xmlns:p14="http://schemas.microsoft.com/office/powerpoint/2010/main" val="1445043821"/>
+      </p:ext>
+    </p:extLst>
+  </p:cSld>
+  <p:clrMapOvr>
+    <a:masterClrMapping/>
+  </p:clrMapOvr>
+  <p:timing>
+    <p:tnLst>
+      <p:par>
+        <p:cTn id="1" dur="indefinite" restart="never" nodeType="tmRoot">
+          <p:childTnLst>
+            <p:seq concurrent="1" nextAc="seek">
+              <p:cTn id="2" dur="indefinite" nodeType="mainSeq">
+                <p:childTnLst>
+                  <p:par>
+                    <p:cTn id="3" fill="hold">
+                      <p:stCondLst>
+                        <p:cond delay="indefinite"/>
+                      </p:stCondLst>
+                      <p:childTnLst>
+                        <p:par>
+                          <p:cTn id="4" fill="hold">
+                            <p:stCondLst>
+                              <p:cond delay="0"/>
+                            </p:stCondLst>
+                            <p:childTnLst>
+                              <p:par>
+                                <p:cTn id="5" presetID="10" presetClass="entr" presetSubtype="0" fill="hold" nodeType="clickEffect">
+                                  <p:stCondLst>
+                                    <p:cond delay="0"/>
+                                  </p:stCondLst>
+                                  <p:childTnLst>
+                                    <p:set>
+                                      <p:cBhvr>
+                                        <p:cTn id="6" dur="1" fill="hold">
+                                          <p:stCondLst>
+                                            <p:cond delay="0"/>
+                                          </p:stCondLst>
+                                        </p:cTn>
+                                        <p:tgtEl>
+                                          <p:spTgt spid="21"/>
+                                        </p:tgtEl>
+                                        <p:attrNameLst>
+                                          <p:attrName>style.visibility</p:attrName>
+                                        </p:attrNameLst>
+                                      </p:cBhvr>
+                                      <p:to>
+                                        <p:strVal val="visible"/>
+                                      </p:to>
+                                    </p:set>
+                                    <p:animEffect transition="in" filter="fade">
+                                      <p:cBhvr>
+                                        <p:cTn id="7" dur="500"/>
+                                        <p:tgtEl>
+                                          <p:spTgt spid="21"/>
+                                        </p:tgtEl>
+                                      </p:cBhvr>
+                                    </p:animEffect>
+                                  </p:childTnLst>
+                                </p:cTn>
+                              </p:par>
+                            </p:childTnLst>
+                          </p:cTn>
+                        </p:par>
+                      </p:childTnLst>
+                    </p:cTn>
+                  </p:par>
+                  <p:par>
+                    <p:cTn id="8" fill="hold">
+                      <p:stCondLst>
+                        <p:cond delay="indefinite"/>
+                      </p:stCondLst>
+                      <p:childTnLst>
+                        <p:par>
+                          <p:cTn id="9" fill="hold">
+                            <p:stCondLst>
+                              <p:cond delay="0"/>
+                            </p:stCondLst>
+                            <p:childTnLst>
+                              <p:par>
+                                <p:cTn id="10" presetID="10" presetClass="entr" presetSubtype="0" fill="hold" nodeType="clickEffect">
+                                  <p:stCondLst>
+                                    <p:cond delay="0"/>
+                                  </p:stCondLst>
+                                  <p:childTnLst>
+                                    <p:set>
+                                      <p:cBhvr>
+                                        <p:cTn id="11" dur="1" fill="hold">
+                                          <p:stCondLst>
+                                            <p:cond delay="0"/>
+                                          </p:stCondLst>
+                                        </p:cTn>
+                                        <p:tgtEl>
+                                          <p:spTgt spid="22"/>
+                                        </p:tgtEl>
+                                        <p:attrNameLst>
+                                          <p:attrName>style.visibility</p:attrName>
+                                        </p:attrNameLst>
+                                      </p:cBhvr>
+                                      <p:to>
+                                        <p:strVal val="visible"/>
+                                      </p:to>
+                                    </p:set>
+                                    <p:animEffect transition="in" filter="fade">
+                                      <p:cBhvr>
+                                        <p:cTn id="12" dur="500"/>
+                                        <p:tgtEl>
+                                          <p:spTgt spid="22"/>
+                                        </p:tgtEl>
+                                      </p:cBhvr>
+                                    </p:animEffect>
+                                  </p:childTnLst>
+                                </p:cTn>
+                              </p:par>
+                            </p:childTnLst>
+                          </p:cTn>
+                        </p:par>
+                      </p:childTnLst>
+                    </p:cTn>
+                  </p:par>
+                  <p:par>
+                    <p:cTn id="13" fill="hold">
+                      <p:stCondLst>
+                        <p:cond delay="indefinite"/>
+                      </p:stCondLst>
+                      <p:childTnLst>
+                        <p:par>
+                          <p:cTn id="14" fill="hold">
+                            <p:stCondLst>
+                              <p:cond delay="0"/>
+                            </p:stCondLst>
+                            <p:childTnLst>
+                              <p:par>
+                                <p:cTn id="15" presetID="10" presetClass="entr" presetSubtype="0" fill="hold" nodeType="clickEffect">
+                                  <p:stCondLst>
+                                    <p:cond delay="0"/>
+                                  </p:stCondLst>
+                                  <p:childTnLst>
+                                    <p:set>
+                                      <p:cBhvr>
+                                        <p:cTn id="16" dur="1" fill="hold">
+                                          <p:stCondLst>
+                                            <p:cond delay="0"/>
+                                          </p:stCondLst>
+                                        </p:cTn>
+                                        <p:tgtEl>
+                                          <p:spTgt spid="23"/>
+                                        </p:tgtEl>
+                                        <p:attrNameLst>
+                                          <p:attrName>style.visibility</p:attrName>
+                                        </p:attrNameLst>
+                                      </p:cBhvr>
+                                      <p:to>
+                                        <p:strVal val="visible"/>
+                                      </p:to>
+                                    </p:set>
+                                    <p:animEffect transition="in" filter="fade">
+                                      <p:cBhvr>
+                                        <p:cTn id="17" dur="500"/>
+                                        <p:tgtEl>
+                                          <p:spTgt spid="23"/>
+                                        </p:tgtEl>
+                                      </p:cBhvr>
+                                    </p:animEffect>
+                                  </p:childTnLst>
+                                </p:cTn>
+                              </p:par>
+                            </p:childTnLst>
+                          </p:cTn>
+                        </p:par>
+                      </p:childTnLst>
+                    </p:cTn>
+                  </p:par>
+                  <p:par>
+                    <p:cTn id="18" fill="hold">
+                      <p:stCondLst>
+                        <p:cond delay="indefinite"/>
+                      </p:stCondLst>
+                      <p:childTnLst>
+                        <p:par>
+                          <p:cTn id="19" fill="hold">
+                            <p:stCondLst>
+                              <p:cond delay="0"/>
+                            </p:stCondLst>
+                            <p:childTnLst>
+                              <p:par>
+                                <p:cTn id="20" presetID="42" presetClass="entr" presetSubtype="0" fill="hold" nodeType="clickEffect">
+                                  <p:stCondLst>
+                                    <p:cond delay="0"/>
+                                  </p:stCondLst>
+                                  <p:childTnLst>
+                                    <p:set>
+                                      <p:cBhvr>
+                                        <p:cTn id="21" dur="1" fill="hold">
+                                          <p:stCondLst>
+                                            <p:cond delay="0"/>
+                                          </p:stCondLst>
+                                        </p:cTn>
+                                        <p:tgtEl>
+                                          <p:spTgt spid="13"/>
+                                        </p:tgtEl>
+                                        <p:attrNameLst>
+                                          <p:attrName>style.visibility</p:attrName>
+                                        </p:attrNameLst>
+                                      </p:cBhvr>
+                                      <p:to>
+                                        <p:strVal val="visible"/>
+                                      </p:to>
+                                    </p:set>
+                                    <p:animEffect transition="in" filter="fade">
+                                      <p:cBhvr>
+                                        <p:cTn id="22" dur="1000"/>
+                                        <p:tgtEl>
+                                          <p:spTgt spid="13"/>
+                                        </p:tgtEl>
+                                      </p:cBhvr>
+                                    </p:animEffect>
+                                    <p:anim calcmode="lin" valueType="num">
+                                      <p:cBhvr>
+                                        <p:cTn id="23" dur="1000" fill="hold"/>
+                                        <p:tgtEl>
+                                          <p:spTgt spid="13"/>
+                                        </p:tgtEl>
+                                        <p:attrNameLst>
+                                          <p:attrName>ppt_x</p:attrName>
+                                        </p:attrNameLst>
+                                      </p:cBhvr>
+                                      <p:tavLst>
+                                        <p:tav tm="0">
+                                          <p:val>
+                                            <p:strVal val="#ppt_x"/>
+                                          </p:val>
+                                        </p:tav>
+                                        <p:tav tm="100000">
+                                          <p:val>
+                                            <p:strVal val="#ppt_x"/>
+                                          </p:val>
+                                        </p:tav>
+                                      </p:tavLst>
+                                    </p:anim>
+                                    <p:anim calcmode="lin" valueType="num">
+                                      <p:cBhvr>
+                                        <p:cTn id="24" dur="1000" fill="hold"/>
+                                        <p:tgtEl>
+                                          <p:spTgt spid="13"/>
+                                        </p:tgtEl>
+                                        <p:attrNameLst>
+                                          <p:attrName>ppt_y</p:attrName>
+                                        </p:attrNameLst>
+                                      </p:cBhvr>
+                                      <p:tavLst>
+                                        <p:tav tm="0">
+                                          <p:val>
+                                            <p:strVal val="#ppt_y+.1"/>
+                                          </p:val>
+                                        </p:tav>
+                                        <p:tav tm="100000">
+                                          <p:val>
+                                            <p:strVal val="#ppt_y"/>
+                                          </p:val>
+                                        </p:tav>
+                                      </p:tavLst>
+                                    </p:anim>
+                                  </p:childTnLst>
+                                </p:cTn>
+                              </p:par>
+                            </p:childTnLst>
+                          </p:cTn>
+                        </p:par>
+                      </p:childTnLst>
+                    </p:cTn>
+                  </p:par>
+                </p:childTnLst>
+              </p:cTn>
+              <p:prevCondLst>
+                <p:cond evt="onPrev" delay="0">
+                  <p:tgtEl>
+                    <p:sldTgt/>
+                  </p:tgtEl>
+                </p:cond>
+              </p:prevCondLst>
+              <p:nextCondLst>
+                <p:cond evt="onNext" delay="0">
+                  <p:tgtEl>
+                    <p:sldTgt/>
+                  </p:tgtEl>
+                </p:cond>
+              </p:nextCondLst>
+            </p:seq>
+          </p:childTnLst>
+        </p:cTn>
+      </p:par>
+    </p:tnLst>
+  </p:timing>
+</p:sld>
+</file>
+
+<file path=ppt/slides/slide11.xml><?xml version="1.0" encoding="utf-8"?>
+<p:sld xmlns:a="http://schemas.openxmlformats.org/drawingml/2006/main" xmlns:r="http://schemas.openxmlformats.org/officeDocument/2006/relationships" xmlns:p="http://schemas.openxmlformats.org/presentationml/2006/main">
+  <p:cSld>
+    <p:spTree>
+      <p:nvGrpSpPr>
+        <p:cNvPr id="1" name=""/>
+        <p:cNvGrpSpPr/>
+        <p:nvPr/>
+      </p:nvGrpSpPr>
+      <p:grpSpPr>
+        <a:xfrm>
+          <a:off x="0" y="0"/>
+          <a:ext cx="0" cy="0"/>
+          <a:chOff x="0" y="0"/>
+          <a:chExt cx="0" cy="0"/>
+        </a:xfrm>
+      </p:grpSpPr>
+      <p:sp>
+        <p:nvSpPr>
+          <p:cNvPr id="4" name="Title 1">
+            <a:extLst>
+              <a:ext uri="{FF2B5EF4-FFF2-40B4-BE49-F238E27FC236}">
+                <a16:creationId xmlns:a16="http://schemas.microsoft.com/office/drawing/2014/main" id="{94B69BDE-2E3C-4D3D-ADDB-96B638AF3FF7}"/>
+              </a:ext>
+            </a:extLst>
+          </p:cNvPr>
+          <p:cNvSpPr txBox="1">
+            <a:spLocks/>
+          </p:cNvSpPr>
+          <p:nvPr/>
+        </p:nvSpPr>
+        <p:spPr>
+          <a:xfrm>
+            <a:off x="292001" y="181661"/>
+            <a:ext cx="11019366" cy="847465"/>
+          </a:xfrm>
+          <a:prstGeom prst="rect">
+            <a:avLst/>
+          </a:prstGeom>
+        </p:spPr>
+        <p:txBody>
+          <a:bodyPr vert="horz" lIns="91440" tIns="45720" rIns="91440" bIns="45720" rtlCol="0" anchor="t">
+            <a:normAutofit fontScale="97500"/>
+          </a:bodyPr>
+          <a:lstStyle>
+            <a:lvl1pPr algn="l" defTabSz="457200" rtl="0" eaLnBrk="1" latinLnBrk="0" hangingPunct="1">
+              <a:spcBef>
+                <a:spcPct val="0"/>
+              </a:spcBef>
+              <a:buNone/>
+              <a:defRPr sz="3600" kern="1200">
+                <a:solidFill>
+                  <a:schemeClr val="accent1"/>
+                </a:solidFill>
+                <a:latin typeface="+mj-lt"/>
+                <a:ea typeface="+mj-ea"/>
+                <a:cs typeface="+mj-cs"/>
+              </a:defRPr>
+            </a:lvl1pPr>
+            <a:lvl2pPr eaLnBrk="1" hangingPunct="1">
+              <a:defRPr>
+                <a:solidFill>
+                  <a:schemeClr val="tx2"/>
+                </a:solidFill>
+              </a:defRPr>
+            </a:lvl2pPr>
+            <a:lvl3pPr eaLnBrk="1" hangingPunct="1">
+              <a:defRPr>
+                <a:solidFill>
+                  <a:schemeClr val="tx2"/>
+                </a:solidFill>
+              </a:defRPr>
+            </a:lvl3pPr>
+            <a:lvl4pPr eaLnBrk="1" hangingPunct="1">
+              <a:defRPr>
+                <a:solidFill>
+                  <a:schemeClr val="tx2"/>
+                </a:solidFill>
+              </a:defRPr>
+            </a:lvl4pPr>
+            <a:lvl5pPr eaLnBrk="1" hangingPunct="1">
+              <a:defRPr>
+                <a:solidFill>
+                  <a:schemeClr val="tx2"/>
+                </a:solidFill>
+              </a:defRPr>
+            </a:lvl5pPr>
+            <a:lvl6pPr eaLnBrk="1" hangingPunct="1">
+              <a:defRPr>
+                <a:solidFill>
+                  <a:schemeClr val="tx2"/>
+                </a:solidFill>
+              </a:defRPr>
+            </a:lvl6pPr>
+            <a:lvl7pPr eaLnBrk="1" hangingPunct="1">
+              <a:defRPr>
+                <a:solidFill>
+                  <a:schemeClr val="tx2"/>
+                </a:solidFill>
+              </a:defRPr>
+            </a:lvl7pPr>
+            <a:lvl8pPr eaLnBrk="1" hangingPunct="1">
+              <a:defRPr>
+                <a:solidFill>
+                  <a:schemeClr val="tx2"/>
+                </a:solidFill>
+              </a:defRPr>
+            </a:lvl8pPr>
+            <a:lvl9pPr eaLnBrk="1" hangingPunct="1">
+              <a:defRPr>
+                <a:solidFill>
+                  <a:schemeClr val="tx2"/>
+                </a:solidFill>
+              </a:defRPr>
+            </a:lvl9pPr>
+          </a:lstStyle>
+          <a:p>
+            <a:r>
+              <a:rPr lang="en-US" dirty="0">
+                <a:solidFill>
+                  <a:srgbClr val="002060"/>
+                </a:solidFill>
+              </a:rPr>
+              <a:t>Conclusions</a:t>
+            </a:r>
+          </a:p>
+          <a:p>
+            <a:endParaRPr lang="en-US" dirty="0">
+              <a:solidFill>
+                <a:srgbClr val="002060"/>
+              </a:solidFill>
+            </a:endParaRPr>
+          </a:p>
+        </p:txBody>
+      </p:sp>
+      <p:sp>
+        <p:nvSpPr>
+          <p:cNvPr id="6" name="Content Placeholder 5">
+            <a:extLst>
+              <a:ext uri="{FF2B5EF4-FFF2-40B4-BE49-F238E27FC236}">
+                <a16:creationId xmlns:a16="http://schemas.microsoft.com/office/drawing/2014/main" id="{8AC93AEF-1C0F-4B94-80B8-E9BCF056E8C3}"/>
+              </a:ext>
+            </a:extLst>
+          </p:cNvPr>
+          <p:cNvSpPr>
+            <a:spLocks noGrp="1"/>
+          </p:cNvSpPr>
+          <p:nvPr>
+            <p:ph idx="1"/>
+          </p:nvPr>
+        </p:nvSpPr>
+        <p:spPr>
+          <a:xfrm>
+            <a:off x="677334" y="1143000"/>
+            <a:ext cx="9419166" cy="5372099"/>
+          </a:xfrm>
+        </p:spPr>
+        <p:txBody>
+          <a:bodyPr>
+            <a:normAutofit/>
+          </a:bodyPr>
+          <a:lstStyle/>
+          <a:p>
+            <a:r>
+              <a:rPr lang="en-US" sz="3200" dirty="0">
+                <a:solidFill>
+                  <a:srgbClr val="002060"/>
+                </a:solidFill>
+              </a:rPr>
+              <a:t>Bayes classifier is the slowest.</a:t>
+            </a:r>
+          </a:p>
+          <a:p>
+            <a:r>
+              <a:rPr lang="en-US" sz="3200" dirty="0" err="1">
+                <a:solidFill>
+                  <a:srgbClr val="002060"/>
+                </a:solidFill>
+              </a:rPr>
+              <a:t>OneVsOne</a:t>
+            </a:r>
+            <a:r>
+              <a:rPr lang="en-US" sz="3200" dirty="0">
+                <a:solidFill>
+                  <a:srgbClr val="002060"/>
+                </a:solidFill>
+              </a:rPr>
+              <a:t> has higher accuracy than </a:t>
+            </a:r>
+            <a:r>
+              <a:rPr lang="en-US" sz="3200" dirty="0" err="1">
+                <a:solidFill>
+                  <a:srgbClr val="002060"/>
+                </a:solidFill>
+              </a:rPr>
+              <a:t>OneVsRest</a:t>
+            </a:r>
+            <a:r>
+              <a:rPr lang="en-US" sz="3200" dirty="0">
+                <a:solidFill>
+                  <a:srgbClr val="002060"/>
+                </a:solidFill>
+              </a:rPr>
+              <a:t> when the number of PC &lt; 15.</a:t>
+            </a:r>
+          </a:p>
+          <a:p>
+            <a:pPr lvl="1"/>
+            <a:r>
+              <a:rPr lang="en-US" sz="3000" dirty="0">
+                <a:solidFill>
+                  <a:schemeClr val="accent4">
+                    <a:lumMod val="75000"/>
+                  </a:schemeClr>
+                </a:solidFill>
+              </a:rPr>
+              <a:t>When the number of PC &gt; 20, the difference in the accuracy between </a:t>
+            </a:r>
+            <a:r>
+              <a:rPr lang="en-US" sz="3000" dirty="0" err="1">
+                <a:solidFill>
+                  <a:schemeClr val="accent4">
+                    <a:lumMod val="75000"/>
+                  </a:schemeClr>
+                </a:solidFill>
+              </a:rPr>
+              <a:t>OneVsOne</a:t>
+            </a:r>
+            <a:r>
+              <a:rPr lang="en-US" sz="3000" dirty="0">
+                <a:solidFill>
+                  <a:schemeClr val="accent4">
+                    <a:lumMod val="75000"/>
+                  </a:schemeClr>
+                </a:solidFill>
+              </a:rPr>
+              <a:t> and </a:t>
+            </a:r>
+            <a:r>
+              <a:rPr lang="en-US" sz="3000" dirty="0" err="1">
+                <a:solidFill>
+                  <a:schemeClr val="accent4">
+                    <a:lumMod val="75000"/>
+                  </a:schemeClr>
+                </a:solidFill>
+              </a:rPr>
+              <a:t>OneVsRest</a:t>
+            </a:r>
+            <a:r>
+              <a:rPr lang="en-US" sz="3000" dirty="0">
+                <a:solidFill>
+                  <a:schemeClr val="accent4">
+                    <a:lumMod val="75000"/>
+                  </a:schemeClr>
+                </a:solidFill>
+              </a:rPr>
+              <a:t> is small. But </a:t>
+            </a:r>
+            <a:r>
+              <a:rPr lang="en-US" sz="3000" dirty="0" err="1">
+                <a:solidFill>
+                  <a:schemeClr val="accent4">
+                    <a:lumMod val="75000"/>
+                  </a:schemeClr>
+                </a:solidFill>
+              </a:rPr>
+              <a:t>OneVsOne</a:t>
+            </a:r>
+            <a:r>
+              <a:rPr lang="en-US" sz="3000" dirty="0">
+                <a:solidFill>
+                  <a:schemeClr val="accent4">
+                    <a:lumMod val="75000"/>
+                  </a:schemeClr>
+                </a:solidFill>
+              </a:rPr>
+              <a:t> is more computational intensive.</a:t>
+            </a:r>
+          </a:p>
+          <a:p>
+            <a:r>
+              <a:rPr lang="en-US" sz="3200" dirty="0">
+                <a:solidFill>
+                  <a:srgbClr val="002060"/>
+                </a:solidFill>
+              </a:rPr>
+              <a:t>Linear classifier with non-linear combinations of features has the best trade-off in computation/accuracy/number of PC.</a:t>
+            </a:r>
+          </a:p>
+        </p:txBody>
+      </p:sp>
+    </p:spTree>
+    <p:extLst>
+      <p:ext uri="{BB962C8B-B14F-4D97-AF65-F5344CB8AC3E}">
+        <p14:creationId xmlns:p14="http://schemas.microsoft.com/office/powerpoint/2010/main" val="1815420191"/>
+      </p:ext>
+    </p:extLst>
+  </p:cSld>
+  <p:clrMapOvr>
+    <a:masterClrMapping/>
+  </p:clrMapOvr>
+</p:sld>
+</file>
+
+<file path=ppt/slides/slide12.xml><?xml version="1.0" encoding="utf-8"?>
 <p:sld xmlns:a="http://schemas.openxmlformats.org/drawingml/2006/main" xmlns:r="http://schemas.openxmlformats.org/officeDocument/2006/relationships" xmlns:p="http://schemas.openxmlformats.org/presentationml/2006/main">
   <p:cSld>
     <p:spTree>
@@ -5956,7 +7325,294 @@
 </p:sld>
 </file>
 
-<file path=ppt/slides/slide11.xml><?xml version="1.0" encoding="utf-8"?>
+<file path=ppt/slides/slide13.xml><?xml version="1.0" encoding="utf-8"?>
+<p:sld xmlns:a="http://schemas.openxmlformats.org/drawingml/2006/main" xmlns:r="http://schemas.openxmlformats.org/officeDocument/2006/relationships" xmlns:p="http://schemas.openxmlformats.org/presentationml/2006/main">
+  <p:cSld>
+    <p:spTree>
+      <p:nvGrpSpPr>
+        <p:cNvPr id="1" name=""/>
+        <p:cNvGrpSpPr/>
+        <p:nvPr/>
+      </p:nvGrpSpPr>
+      <p:grpSpPr>
+        <a:xfrm>
+          <a:off x="0" y="0"/>
+          <a:ext cx="0" cy="0"/>
+          <a:chOff x="0" y="0"/>
+          <a:chExt cx="0" cy="0"/>
+        </a:xfrm>
+      </p:grpSpPr>
+      <p:sp>
+        <p:nvSpPr>
+          <p:cNvPr id="3" name="Title 1">
+            <a:extLst>
+              <a:ext uri="{FF2B5EF4-FFF2-40B4-BE49-F238E27FC236}">
+                <a16:creationId xmlns:a16="http://schemas.microsoft.com/office/drawing/2014/main" id="{022C0EF2-32B3-443D-804C-08EF1ADB4E25}"/>
+              </a:ext>
+            </a:extLst>
+          </p:cNvPr>
+          <p:cNvSpPr txBox="1">
+            <a:spLocks/>
+          </p:cNvSpPr>
+          <p:nvPr/>
+        </p:nvSpPr>
+        <p:spPr>
+          <a:xfrm>
+            <a:off x="292001" y="181661"/>
+            <a:ext cx="11019366" cy="847465"/>
+          </a:xfrm>
+          <a:prstGeom prst="rect">
+            <a:avLst/>
+          </a:prstGeom>
+        </p:spPr>
+        <p:txBody>
+          <a:bodyPr vert="horz" lIns="91440" tIns="45720" rIns="91440" bIns="45720" rtlCol="0" anchor="t">
+            <a:normAutofit fontScale="97500"/>
+          </a:bodyPr>
+          <a:lstStyle>
+            <a:lvl1pPr algn="l" defTabSz="457200" rtl="0" eaLnBrk="1" latinLnBrk="0" hangingPunct="1">
+              <a:spcBef>
+                <a:spcPct val="0"/>
+              </a:spcBef>
+              <a:buNone/>
+              <a:defRPr sz="3600" kern="1200">
+                <a:solidFill>
+                  <a:schemeClr val="accent1"/>
+                </a:solidFill>
+                <a:latin typeface="+mj-lt"/>
+                <a:ea typeface="+mj-ea"/>
+                <a:cs typeface="+mj-cs"/>
+              </a:defRPr>
+            </a:lvl1pPr>
+            <a:lvl2pPr eaLnBrk="1" hangingPunct="1">
+              <a:defRPr>
+                <a:solidFill>
+                  <a:schemeClr val="tx2"/>
+                </a:solidFill>
+              </a:defRPr>
+            </a:lvl2pPr>
+            <a:lvl3pPr eaLnBrk="1" hangingPunct="1">
+              <a:defRPr>
+                <a:solidFill>
+                  <a:schemeClr val="tx2"/>
+                </a:solidFill>
+              </a:defRPr>
+            </a:lvl3pPr>
+            <a:lvl4pPr eaLnBrk="1" hangingPunct="1">
+              <a:defRPr>
+                <a:solidFill>
+                  <a:schemeClr val="tx2"/>
+                </a:solidFill>
+              </a:defRPr>
+            </a:lvl4pPr>
+            <a:lvl5pPr eaLnBrk="1" hangingPunct="1">
+              <a:defRPr>
+                <a:solidFill>
+                  <a:schemeClr val="tx2"/>
+                </a:solidFill>
+              </a:defRPr>
+            </a:lvl5pPr>
+            <a:lvl6pPr eaLnBrk="1" hangingPunct="1">
+              <a:defRPr>
+                <a:solidFill>
+                  <a:schemeClr val="tx2"/>
+                </a:solidFill>
+              </a:defRPr>
+            </a:lvl6pPr>
+            <a:lvl7pPr eaLnBrk="1" hangingPunct="1">
+              <a:defRPr>
+                <a:solidFill>
+                  <a:schemeClr val="tx2"/>
+                </a:solidFill>
+              </a:defRPr>
+            </a:lvl7pPr>
+            <a:lvl8pPr eaLnBrk="1" hangingPunct="1">
+              <a:defRPr>
+                <a:solidFill>
+                  <a:schemeClr val="tx2"/>
+                </a:solidFill>
+              </a:defRPr>
+            </a:lvl8pPr>
+            <a:lvl9pPr eaLnBrk="1" hangingPunct="1">
+              <a:defRPr>
+                <a:solidFill>
+                  <a:schemeClr val="tx2"/>
+                </a:solidFill>
+              </a:defRPr>
+            </a:lvl9pPr>
+          </a:lstStyle>
+          <a:p>
+            <a:r>
+              <a:rPr lang="en-US" dirty="0">
+                <a:solidFill>
+                  <a:srgbClr val="002060"/>
+                </a:solidFill>
+              </a:rPr>
+              <a:t>Results: Examples of Confusion Matrix (16 PCs)</a:t>
+            </a:r>
+          </a:p>
+          <a:p>
+            <a:endParaRPr lang="en-US" dirty="0">
+              <a:solidFill>
+                <a:srgbClr val="002060"/>
+              </a:solidFill>
+            </a:endParaRPr>
+          </a:p>
+        </p:txBody>
+      </p:sp>
+      <p:pic>
+        <p:nvPicPr>
+          <p:cNvPr id="5" name="Picture 4">
+            <a:extLst>
+              <a:ext uri="{FF2B5EF4-FFF2-40B4-BE49-F238E27FC236}">
+                <a16:creationId xmlns:a16="http://schemas.microsoft.com/office/drawing/2014/main" id="{DA72E527-7FB9-4702-831C-15AB0A63E38E}"/>
+              </a:ext>
+            </a:extLst>
+          </p:cNvPr>
+          <p:cNvPicPr>
+            <a:picLocks noChangeAspect="1"/>
+          </p:cNvPicPr>
+          <p:nvPr/>
+        </p:nvPicPr>
+        <p:blipFill>
+          <a:blip r:embed="rId2"/>
+          <a:stretch>
+            <a:fillRect/>
+          </a:stretch>
+        </p:blipFill>
+        <p:spPr>
+          <a:xfrm>
+            <a:off x="6210300" y="1943100"/>
+            <a:ext cx="5715000" cy="3692768"/>
+          </a:xfrm>
+          <a:prstGeom prst="rect">
+            <a:avLst/>
+          </a:prstGeom>
+        </p:spPr>
+      </p:pic>
+      <p:pic>
+        <p:nvPicPr>
+          <p:cNvPr id="7" name="Picture 6">
+            <a:extLst>
+              <a:ext uri="{FF2B5EF4-FFF2-40B4-BE49-F238E27FC236}">
+                <a16:creationId xmlns:a16="http://schemas.microsoft.com/office/drawing/2014/main" id="{7290D52D-29B7-42BC-8ABD-8494C1989189}"/>
+              </a:ext>
+            </a:extLst>
+          </p:cNvPr>
+          <p:cNvPicPr>
+            <a:picLocks noChangeAspect="1"/>
+          </p:cNvPicPr>
+          <p:nvPr/>
+        </p:nvPicPr>
+        <p:blipFill>
+          <a:blip r:embed="rId3"/>
+          <a:stretch>
+            <a:fillRect/>
+          </a:stretch>
+        </p:blipFill>
+        <p:spPr>
+          <a:xfrm>
+            <a:off x="292001" y="1943100"/>
+            <a:ext cx="5798683" cy="3692768"/>
+          </a:xfrm>
+          <a:prstGeom prst="rect">
+            <a:avLst/>
+          </a:prstGeom>
+        </p:spPr>
+      </p:pic>
+      <p:sp>
+        <p:nvSpPr>
+          <p:cNvPr id="8" name="TextBox 7">
+            <a:extLst>
+              <a:ext uri="{FF2B5EF4-FFF2-40B4-BE49-F238E27FC236}">
+                <a16:creationId xmlns:a16="http://schemas.microsoft.com/office/drawing/2014/main" id="{79A5C341-84F7-4C44-9944-892AFCAB25F8}"/>
+              </a:ext>
+            </a:extLst>
+          </p:cNvPr>
+          <p:cNvSpPr txBox="1"/>
+          <p:nvPr/>
+        </p:nvSpPr>
+        <p:spPr>
+          <a:xfrm>
+            <a:off x="495300" y="1146995"/>
+            <a:ext cx="5366784" cy="830997"/>
+          </a:xfrm>
+          <a:prstGeom prst="rect">
+            <a:avLst/>
+          </a:prstGeom>
+          <a:noFill/>
+        </p:spPr>
+        <p:txBody>
+          <a:bodyPr wrap="square" rtlCol="0">
+            <a:spAutoFit/>
+          </a:bodyPr>
+          <a:lstStyle/>
+          <a:p>
+            <a:pPr algn="ctr"/>
+            <a:r>
+              <a:rPr lang="en-US" sz="2400" dirty="0"/>
+              <a:t>One vs One Linear Classifier with </a:t>
+            </a:r>
+          </a:p>
+          <a:p>
+            <a:pPr algn="ctr"/>
+            <a:r>
+              <a:rPr lang="en-US" sz="2400" dirty="0"/>
+              <a:t>Non-Linear Combination of Features</a:t>
+            </a:r>
+          </a:p>
+        </p:txBody>
+      </p:sp>
+      <p:sp>
+        <p:nvSpPr>
+          <p:cNvPr id="9" name="TextBox 8">
+            <a:extLst>
+              <a:ext uri="{FF2B5EF4-FFF2-40B4-BE49-F238E27FC236}">
+                <a16:creationId xmlns:a16="http://schemas.microsoft.com/office/drawing/2014/main" id="{CEF91413-B775-4086-85A8-CCA76A13B789}"/>
+              </a:ext>
+            </a:extLst>
+          </p:cNvPr>
+          <p:cNvSpPr txBox="1"/>
+          <p:nvPr/>
+        </p:nvSpPr>
+        <p:spPr>
+          <a:xfrm>
+            <a:off x="6444216" y="1367135"/>
+            <a:ext cx="5366784" cy="461665"/>
+          </a:xfrm>
+          <a:prstGeom prst="rect">
+            <a:avLst/>
+          </a:prstGeom>
+          <a:noFill/>
+        </p:spPr>
+        <p:txBody>
+          <a:bodyPr wrap="square" rtlCol="0">
+            <a:spAutoFit/>
+          </a:bodyPr>
+          <a:lstStyle/>
+          <a:p>
+            <a:pPr algn="ctr"/>
+            <a:r>
+              <a:rPr lang="en-US" sz="2400" dirty="0"/>
+              <a:t>One vs Rest Bayesian Classifier</a:t>
+            </a:r>
+          </a:p>
+        </p:txBody>
+      </p:sp>
+    </p:spTree>
+    <p:extLst>
+      <p:ext uri="{BB962C8B-B14F-4D97-AF65-F5344CB8AC3E}">
+        <p14:creationId xmlns:p14="http://schemas.microsoft.com/office/powerpoint/2010/main" val="3624858700"/>
+      </p:ext>
+    </p:extLst>
+  </p:cSld>
+  <p:clrMapOvr>
+    <a:masterClrMapping/>
+  </p:clrMapOvr>
+</p:sld>
+</file>
+
+<file path=ppt/slides/slide14.xml><?xml version="1.0" encoding="utf-8"?>
 <p:sld xmlns:a="http://schemas.openxmlformats.org/drawingml/2006/main" xmlns:r="http://schemas.openxmlformats.org/officeDocument/2006/relationships" xmlns:p="http://schemas.openxmlformats.org/presentationml/2006/main">
   <p:cSld>
     <p:spTree>
@@ -6079,7 +7735,7 @@
                   <a:srgbClr val="002060"/>
                 </a:solidFill>
               </a:rPr>
-              <a:t>Results</a:t>
+              <a:t>Results: Elapsed CPU Time vs Number of PCs</a:t>
             </a:r>
           </a:p>
           <a:p>
@@ -6414,7 +8070,7 @@
 </p:sld>
 </file>
 
-<file path=ppt/slides/slide12.xml><?xml version="1.0" encoding="utf-8"?>
+<file path=ppt/slides/slide15.xml><?xml version="1.0" encoding="utf-8"?>
 <p:sld xmlns:a="http://schemas.openxmlformats.org/drawingml/2006/main" xmlns:r="http://schemas.openxmlformats.org/officeDocument/2006/relationships" xmlns:p="http://schemas.openxmlformats.org/presentationml/2006/main">
   <p:cSld>
     <p:spTree>
@@ -6847,7 +8503,7 @@
                   <a:srgbClr val="002060"/>
                 </a:solidFill>
               </a:rPr>
-              <a:t>Evaluated CPU time and accuracy trade-off from 1 to 50 principle components</a:t>
+              <a:t>Evaluated Elapsed CPU time and accuracy trade-off from 1 to 50 principle components</a:t>
             </a:r>
           </a:p>
         </p:txBody>
@@ -7245,13 +8901,14 @@
           </p:cNvPr>
           <p:cNvCxnSpPr>
             <a:cxnSpLocks/>
+            <a:stCxn id="8" idx="3"/>
           </p:cNvCxnSpPr>
           <p:nvPr/>
         </p:nvCxnSpPr>
         <p:spPr>
           <a:xfrm>
-            <a:off x="5514456" y="2857501"/>
-            <a:ext cx="616296" cy="0"/>
+            <a:off x="5409095" y="2857500"/>
+            <a:ext cx="721657" cy="1"/>
           </a:xfrm>
           <a:prstGeom prst="straightConnector1">
             <a:avLst/>
@@ -7297,7 +8954,7 @@
         </p:nvCxnSpPr>
         <p:spPr>
           <a:xfrm>
-            <a:off x="8337204" y="2857501"/>
+            <a:off x="8222904" y="2857501"/>
             <a:ext cx="616296" cy="0"/>
           </a:xfrm>
           <a:prstGeom prst="straightConnector1">
@@ -7488,32 +9145,56 @@
           <a:lstStyle/>
           <a:p>
             <a:r>
-              <a:rPr lang="en-US" sz="2800" dirty="0" err="1"/>
+              <a:rPr lang="en-US" sz="2800" dirty="0" err="1">
+                <a:solidFill>
+                  <a:srgbClr val="002060"/>
+                </a:solidFill>
+              </a:rPr>
               <a:t>NotMNIST</a:t>
             </a:r>
             <a:r>
-              <a:rPr lang="en-US" sz="2800" dirty="0"/>
+              <a:rPr lang="en-US" sz="2800" dirty="0">
+                <a:solidFill>
+                  <a:srgbClr val="002060"/>
+                </a:solidFill>
+              </a:rPr>
               <a:t> Data Set of A to J in the same format as MNIST</a:t>
             </a:r>
           </a:p>
           <a:p>
             <a:r>
-              <a:rPr lang="en-US" sz="2800" dirty="0"/>
+              <a:rPr lang="en-US" sz="2800" dirty="0">
+                <a:solidFill>
+                  <a:srgbClr val="002060"/>
+                </a:solidFill>
+              </a:rPr>
               <a:t>From https://github.com/davidflanagan/notMNIST-to-MNIST</a:t>
             </a:r>
           </a:p>
           <a:p>
-            <a:endParaRPr lang="en-US" sz="2800" dirty="0"/>
+            <a:endParaRPr lang="en-US" sz="2800" dirty="0">
+              <a:solidFill>
+                <a:srgbClr val="002060"/>
+              </a:solidFill>
+            </a:endParaRPr>
           </a:p>
           <a:p>
             <a:r>
-              <a:rPr lang="en-US" sz="2800" dirty="0"/>
+              <a:rPr lang="en-US" sz="2800" dirty="0">
+                <a:solidFill>
+                  <a:srgbClr val="002060"/>
+                </a:solidFill>
+              </a:rPr>
               <a:t>Training set size 60000 with 6000 per letter</a:t>
             </a:r>
           </a:p>
           <a:p>
             <a:r>
-              <a:rPr lang="en-US" sz="2800" dirty="0"/>
+              <a:rPr lang="en-US" sz="2800" dirty="0">
+                <a:solidFill>
+                  <a:srgbClr val="002060"/>
+                </a:solidFill>
+              </a:rPr>
               <a:t>Test set size 10000 with 1000 per letter</a:t>
             </a:r>
           </a:p>
@@ -10520,7 +12201,7 @@
                             </p:stCondLst>
                             <p:childTnLst>
                               <p:par>
-                                <p:cTn id="5" presetID="22" presetClass="entr" presetSubtype="8" fill="hold" nodeType="clickEffect">
+                                <p:cTn id="5" presetID="22" presetClass="entr" presetSubtype="1" fill="hold" nodeType="clickEffect">
                                   <p:stCondLst>
                                     <p:cond delay="0"/>
                                   </p:stCondLst>
@@ -10528,6 +12209,59 @@
                                     <p:set>
                                       <p:cBhvr>
                                         <p:cTn id="6" dur="1" fill="hold">
+                                          <p:stCondLst>
+                                            <p:cond delay="0"/>
+                                          </p:stCondLst>
+                                        </p:cTn>
+                                        <p:tgtEl>
+                                          <p:spTgt spid="10"/>
+                                        </p:tgtEl>
+                                        <p:attrNameLst>
+                                          <p:attrName>style.visibility</p:attrName>
+                                        </p:attrNameLst>
+                                      </p:cBhvr>
+                                      <p:to>
+                                        <p:strVal val="visible"/>
+                                      </p:to>
+                                    </p:set>
+                                    <p:animEffect transition="in" filter="wipe(up)">
+                                      <p:cBhvr>
+                                        <p:cTn id="7" dur="500"/>
+                                        <p:tgtEl>
+                                          <p:spTgt spid="10"/>
+                                        </p:tgtEl>
+                                      </p:cBhvr>
+                                    </p:animEffect>
+                                  </p:childTnLst>
+                                </p:cTn>
+                              </p:par>
+                            </p:childTnLst>
+                          </p:cTn>
+                        </p:par>
+                      </p:childTnLst>
+                    </p:cTn>
+                  </p:par>
+                  <p:par>
+                    <p:cTn id="8" fill="hold">
+                      <p:stCondLst>
+                        <p:cond delay="indefinite"/>
+                      </p:stCondLst>
+                      <p:childTnLst>
+                        <p:par>
+                          <p:cTn id="9" fill="hold">
+                            <p:stCondLst>
+                              <p:cond delay="0"/>
+                            </p:stCondLst>
+                            <p:childTnLst>
+                              <p:par>
+                                <p:cTn id="10" presetID="22" presetClass="entr" presetSubtype="8" fill="hold" nodeType="clickEffect">
+                                  <p:stCondLst>
+                                    <p:cond delay="0"/>
+                                  </p:stCondLst>
+                                  <p:childTnLst>
+                                    <p:set>
+                                      <p:cBhvr>
+                                        <p:cTn id="11" dur="1" fill="hold">
                                           <p:stCondLst>
                                             <p:cond delay="0"/>
                                           </p:stCondLst>
@@ -10545,7 +12279,7 @@
                                     </p:set>
                                     <p:animEffect transition="in" filter="wipe(left)">
                                       <p:cBhvr>
-                                        <p:cTn id="7" dur="500"/>
+                                        <p:cTn id="12" dur="500"/>
                                         <p:tgtEl>
                                           <p:spTgt spid="3"/>
                                         </p:tgtEl>
@@ -10558,64 +12292,20 @@
                           </p:cTn>
                         </p:par>
                         <p:par>
-                          <p:cTn id="8" fill="hold">
+                          <p:cTn id="13" fill="hold">
                             <p:stCondLst>
                               <p:cond delay="500"/>
                             </p:stCondLst>
                             <p:childTnLst>
                               <p:par>
-                                <p:cTn id="9" presetID="22" presetClass="entr" presetSubtype="1" fill="hold" nodeType="afterEffect">
+                                <p:cTn id="14" presetID="22" presetClass="entr" presetSubtype="8" fill="hold" nodeType="afterEffect">
                                   <p:stCondLst>
                                     <p:cond delay="0"/>
                                   </p:stCondLst>
                                   <p:childTnLst>
                                     <p:set>
                                       <p:cBhvr>
-                                        <p:cTn id="10" dur="1" fill="hold">
-                                          <p:stCondLst>
-                                            <p:cond delay="0"/>
-                                          </p:stCondLst>
-                                        </p:cTn>
-                                        <p:tgtEl>
-                                          <p:spTgt spid="10"/>
-                                        </p:tgtEl>
-                                        <p:attrNameLst>
-                                          <p:attrName>style.visibility</p:attrName>
-                                        </p:attrNameLst>
-                                      </p:cBhvr>
-                                      <p:to>
-                                        <p:strVal val="visible"/>
-                                      </p:to>
-                                    </p:set>
-                                    <p:animEffect transition="in" filter="wipe(up)">
-                                      <p:cBhvr>
-                                        <p:cTn id="11" dur="500"/>
-                                        <p:tgtEl>
-                                          <p:spTgt spid="10"/>
-                                        </p:tgtEl>
-                                      </p:cBhvr>
-                                    </p:animEffect>
-                                  </p:childTnLst>
-                                </p:cTn>
-                              </p:par>
-                            </p:childTnLst>
-                          </p:cTn>
-                        </p:par>
-                        <p:par>
-                          <p:cTn id="12" fill="hold">
-                            <p:stCondLst>
-                              <p:cond delay="1000"/>
-                            </p:stCondLst>
-                            <p:childTnLst>
-                              <p:par>
-                                <p:cTn id="13" presetID="22" presetClass="entr" presetSubtype="8" fill="hold" nodeType="afterEffect">
-                                  <p:stCondLst>
-                                    <p:cond delay="0"/>
-                                  </p:stCondLst>
-                                  <p:childTnLst>
-                                    <p:set>
-                                      <p:cBhvr>
-                                        <p:cTn id="14" dur="1" fill="hold">
+                                        <p:cTn id="15" dur="1" fill="hold">
                                           <p:stCondLst>
                                             <p:cond delay="0"/>
                                           </p:stCondLst>
@@ -10633,7 +12323,7 @@
                                     </p:set>
                                     <p:animEffect transition="in" filter="wipe(left)">
                                       <p:cBhvr>
-                                        <p:cTn id="15" dur="500"/>
+                                        <p:cTn id="16" dur="500"/>
                                         <p:tgtEl>
                                           <p:spTgt spid="29"/>
                                         </p:tgtEl>
@@ -10643,14 +12333,14 @@
                                 </p:cTn>
                               </p:par>
                               <p:par>
-                                <p:cTn id="16" presetID="22" presetClass="entr" presetSubtype="8" fill="hold" nodeType="withEffect">
+                                <p:cTn id="17" presetID="22" presetClass="entr" presetSubtype="8" fill="hold" nodeType="withEffect">
                                   <p:stCondLst>
                                     <p:cond delay="0"/>
                                   </p:stCondLst>
                                   <p:childTnLst>
                                     <p:set>
                                       <p:cBhvr>
-                                        <p:cTn id="17" dur="1" fill="hold">
+                                        <p:cTn id="18" dur="1" fill="hold">
                                           <p:stCondLst>
                                             <p:cond delay="0"/>
                                           </p:stCondLst>
@@ -10668,7 +12358,7 @@
                                     </p:set>
                                     <p:animEffect transition="in" filter="wipe(left)">
                                       <p:cBhvr>
-                                        <p:cTn id="18" dur="500"/>
+                                        <p:cTn id="19" dur="500"/>
                                         <p:tgtEl>
                                           <p:spTgt spid="20"/>
                                         </p:tgtEl>
@@ -10681,20 +12371,20 @@
                           </p:cTn>
                         </p:par>
                         <p:par>
-                          <p:cTn id="19" fill="hold">
+                          <p:cTn id="20" fill="hold">
                             <p:stCondLst>
-                              <p:cond delay="1500"/>
+                              <p:cond delay="1000"/>
                             </p:stCondLst>
                             <p:childTnLst>
                               <p:par>
-                                <p:cTn id="20" presetID="22" presetClass="entr" presetSubtype="8" fill="hold" nodeType="afterEffect">
+                                <p:cTn id="21" presetID="22" presetClass="entr" presetSubtype="8" fill="hold" nodeType="afterEffect">
                                   <p:stCondLst>
                                     <p:cond delay="0"/>
                                   </p:stCondLst>
                                   <p:childTnLst>
                                     <p:set>
                                       <p:cBhvr>
-                                        <p:cTn id="21" dur="1" fill="hold">
+                                        <p:cTn id="22" dur="1" fill="hold">
                                           <p:stCondLst>
                                             <p:cond delay="0"/>
                                           </p:stCondLst>
@@ -10712,7 +12402,7 @@
                                     </p:set>
                                     <p:animEffect transition="in" filter="wipe(left)">
                                       <p:cBhvr>
-                                        <p:cTn id="22" dur="500"/>
+                                        <p:cTn id="23" dur="500"/>
                                         <p:tgtEl>
                                           <p:spTgt spid="41"/>
                                         </p:tgtEl>
@@ -10725,20 +12415,20 @@
                           </p:cTn>
                         </p:par>
                         <p:par>
-                          <p:cTn id="23" fill="hold">
+                          <p:cTn id="24" fill="hold">
                             <p:stCondLst>
-                              <p:cond delay="2000"/>
+                              <p:cond delay="1500"/>
                             </p:stCondLst>
                             <p:childTnLst>
                               <p:par>
-                                <p:cTn id="24" presetID="22" presetClass="entr" presetSubtype="8" fill="hold" grpId="0" nodeType="afterEffect">
+                                <p:cTn id="25" presetID="22" presetClass="entr" presetSubtype="8" fill="hold" grpId="0" nodeType="afterEffect">
                                   <p:stCondLst>
                                     <p:cond delay="0"/>
                                   </p:stCondLst>
                                   <p:childTnLst>
                                     <p:set>
                                       <p:cBhvr>
-                                        <p:cTn id="25" dur="1" fill="hold">
+                                        <p:cTn id="26" dur="1" fill="hold">
                                           <p:stCondLst>
                                             <p:cond delay="0"/>
                                           </p:stCondLst>
@@ -10756,7 +12446,7 @@
                                     </p:set>
                                     <p:animEffect transition="in" filter="wipe(left)">
                                       <p:cBhvr>
-                                        <p:cTn id="26" dur="500"/>
+                                        <p:cTn id="27" dur="500"/>
                                         <p:tgtEl>
                                           <p:spTgt spid="42"/>
                                         </p:tgtEl>
@@ -10772,26 +12462,79 @@
                     </p:cTn>
                   </p:par>
                   <p:par>
-                    <p:cTn id="27" fill="hold">
+                    <p:cTn id="28" fill="hold">
                       <p:stCondLst>
                         <p:cond delay="indefinite"/>
                       </p:stCondLst>
                       <p:childTnLst>
                         <p:par>
-                          <p:cTn id="28" fill="hold">
+                          <p:cTn id="29" fill="hold">
                             <p:stCondLst>
                               <p:cond delay="0"/>
                             </p:stCondLst>
                             <p:childTnLst>
                               <p:par>
-                                <p:cTn id="29" presetID="22" presetClass="entr" presetSubtype="8" fill="hold" nodeType="clickEffect">
+                                <p:cTn id="30" presetID="22" presetClass="entr" presetSubtype="2" fill="hold" nodeType="clickEffect">
                                   <p:stCondLst>
                                     <p:cond delay="0"/>
                                   </p:stCondLst>
                                   <p:childTnLst>
                                     <p:set>
                                       <p:cBhvr>
-                                        <p:cTn id="30" dur="1" fill="hold">
+                                        <p:cTn id="31" dur="1" fill="hold">
+                                          <p:stCondLst>
+                                            <p:cond delay="0"/>
+                                          </p:stCondLst>
+                                        </p:cTn>
+                                        <p:tgtEl>
+                                          <p:spTgt spid="33"/>
+                                        </p:tgtEl>
+                                        <p:attrNameLst>
+                                          <p:attrName>style.visibility</p:attrName>
+                                        </p:attrNameLst>
+                                      </p:cBhvr>
+                                      <p:to>
+                                        <p:strVal val="visible"/>
+                                      </p:to>
+                                    </p:set>
+                                    <p:animEffect transition="in" filter="wipe(right)">
+                                      <p:cBhvr>
+                                        <p:cTn id="32" dur="500"/>
+                                        <p:tgtEl>
+                                          <p:spTgt spid="33"/>
+                                        </p:tgtEl>
+                                      </p:cBhvr>
+                                    </p:animEffect>
+                                  </p:childTnLst>
+                                </p:cTn>
+                              </p:par>
+                            </p:childTnLst>
+                          </p:cTn>
+                        </p:par>
+                      </p:childTnLst>
+                    </p:cTn>
+                  </p:par>
+                  <p:par>
+                    <p:cTn id="33" fill="hold">
+                      <p:stCondLst>
+                        <p:cond delay="indefinite"/>
+                      </p:stCondLst>
+                      <p:childTnLst>
+                        <p:par>
+                          <p:cTn id="34" fill="hold">
+                            <p:stCondLst>
+                              <p:cond delay="0"/>
+                            </p:stCondLst>
+                            <p:childTnLst>
+                              <p:par>
+                                <p:cTn id="35" presetID="22" presetClass="entr" presetSubtype="8" fill="hold" nodeType="clickEffect">
+                                  <p:stCondLst>
+                                    <p:cond delay="0"/>
+                                  </p:stCondLst>
+                                  <p:childTnLst>
+                                    <p:set>
+                                      <p:cBhvr>
+                                        <p:cTn id="36" dur="1" fill="hold">
                                           <p:stCondLst>
                                             <p:cond delay="0"/>
                                           </p:stCondLst>
@@ -10809,7 +12552,7 @@
                                     </p:set>
                                     <p:animEffect transition="in" filter="wipe(left)">
                                       <p:cBhvr>
-                                        <p:cTn id="31" dur="500"/>
+                                        <p:cTn id="37" dur="500"/>
                                         <p:tgtEl>
                                           <p:spTgt spid="4"/>
                                         </p:tgtEl>
@@ -10822,20 +12565,20 @@
                           </p:cTn>
                         </p:par>
                         <p:par>
-                          <p:cTn id="32" fill="hold">
+                          <p:cTn id="38" fill="hold">
                             <p:stCondLst>
                               <p:cond delay="500"/>
                             </p:stCondLst>
                             <p:childTnLst>
                               <p:par>
-                                <p:cTn id="33" presetID="22" presetClass="entr" presetSubtype="8" fill="hold" nodeType="afterEffect">
+                                <p:cTn id="39" presetID="22" presetClass="entr" presetSubtype="8" fill="hold" nodeType="afterEffect">
                                   <p:stCondLst>
                                     <p:cond delay="0"/>
                                   </p:stCondLst>
                                   <p:childTnLst>
                                     <p:set>
                                       <p:cBhvr>
-                                        <p:cTn id="34" dur="1" fill="hold">
+                                        <p:cTn id="40" dur="1" fill="hold">
                                           <p:stCondLst>
                                             <p:cond delay="0"/>
                                           </p:stCondLst>
@@ -10853,44 +12596,9 @@
                                     </p:set>
                                     <p:animEffect transition="in" filter="wipe(left)">
                                       <p:cBhvr>
-                                        <p:cTn id="35" dur="500"/>
+                                        <p:cTn id="41" dur="500"/>
                                         <p:tgtEl>
                                           <p:spTgt spid="22"/>
-                                        </p:tgtEl>
-                                      </p:cBhvr>
-                                    </p:animEffect>
-                                  </p:childTnLst>
-                                </p:cTn>
-                              </p:par>
-                              <p:par>
-                                <p:cTn id="36" presetID="22" presetClass="entr" presetSubtype="2" fill="hold" nodeType="withEffect">
-                                  <p:stCondLst>
-                                    <p:cond delay="0"/>
-                                  </p:stCondLst>
-                                  <p:childTnLst>
-                                    <p:set>
-                                      <p:cBhvr>
-                                        <p:cTn id="37" dur="1" fill="hold">
-                                          <p:stCondLst>
-                                            <p:cond delay="0"/>
-                                          </p:stCondLst>
-                                        </p:cTn>
-                                        <p:tgtEl>
-                                          <p:spTgt spid="33"/>
-                                        </p:tgtEl>
-                                        <p:attrNameLst>
-                                          <p:attrName>style.visibility</p:attrName>
-                                        </p:attrNameLst>
-                                      </p:cBhvr>
-                                      <p:to>
-                                        <p:strVal val="visible"/>
-                                      </p:to>
-                                    </p:set>
-                                    <p:animEffect transition="in" filter="wipe(right)">
-                                      <p:cBhvr>
-                                        <p:cTn id="38" dur="500"/>
-                                        <p:tgtEl>
-                                          <p:spTgt spid="33"/>
                                         </p:tgtEl>
                                       </p:cBhvr>
                                     </p:animEffect>
@@ -10901,20 +12609,20 @@
                           </p:cTn>
                         </p:par>
                         <p:par>
-                          <p:cTn id="39" fill="hold">
+                          <p:cTn id="42" fill="hold">
                             <p:stCondLst>
                               <p:cond delay="1000"/>
                             </p:stCondLst>
                             <p:childTnLst>
                               <p:par>
-                                <p:cTn id="40" presetID="22" presetClass="entr" presetSubtype="8" fill="hold" nodeType="afterEffect">
+                                <p:cTn id="43" presetID="22" presetClass="entr" presetSubtype="8" fill="hold" nodeType="afterEffect">
                                   <p:stCondLst>
                                     <p:cond delay="0"/>
                                   </p:stCondLst>
                                   <p:childTnLst>
                                     <p:set>
                                       <p:cBhvr>
-                                        <p:cTn id="41" dur="1" fill="hold">
+                                        <p:cTn id="44" dur="1" fill="hold">
                                           <p:stCondLst>
                                             <p:cond delay="0"/>
                                           </p:stCondLst>
@@ -10932,7 +12640,7 @@
                                     </p:set>
                                     <p:animEffect transition="in" filter="wipe(left)">
                                       <p:cBhvr>
-                                        <p:cTn id="42" dur="500"/>
+                                        <p:cTn id="45" dur="500"/>
                                         <p:tgtEl>
                                           <p:spTgt spid="21"/>
                                         </p:tgtEl>
@@ -10948,26 +12656,26 @@
                     </p:cTn>
                   </p:par>
                   <p:par>
-                    <p:cTn id="43" fill="hold">
+                    <p:cTn id="46" fill="hold">
                       <p:stCondLst>
                         <p:cond delay="indefinite"/>
                       </p:stCondLst>
                       <p:childTnLst>
                         <p:par>
-                          <p:cTn id="44" fill="hold">
+                          <p:cTn id="47" fill="hold">
                             <p:stCondLst>
                               <p:cond delay="0"/>
                             </p:stCondLst>
                             <p:childTnLst>
                               <p:par>
-                                <p:cTn id="45" presetID="10" presetClass="exit" presetSubtype="0" fill="hold" grpId="0" nodeType="clickEffect">
+                                <p:cTn id="48" presetID="10" presetClass="exit" presetSubtype="0" fill="hold" grpId="0" nodeType="clickEffect">
                                   <p:stCondLst>
                                     <p:cond delay="0"/>
                                   </p:stCondLst>
                                   <p:childTnLst>
                                     <p:animEffect transition="out" filter="fade">
                                       <p:cBhvr>
-                                        <p:cTn id="46" dur="500"/>
+                                        <p:cTn id="49" dur="500"/>
                                         <p:tgtEl>
                                           <p:spTgt spid="26"/>
                                         </p:tgtEl>
@@ -10975,7 +12683,7 @@
                                     </p:animEffect>
                                     <p:set>
                                       <p:cBhvr>
-                                        <p:cTn id="47" dur="1" fill="hold">
+                                        <p:cTn id="50" dur="1" fill="hold">
                                           <p:stCondLst>
                                             <p:cond delay="499"/>
                                           </p:stCondLst>
@@ -10995,14 +12703,14 @@
                                 </p:cTn>
                               </p:par>
                               <p:par>
-                                <p:cTn id="48" presetID="42" presetClass="entr" presetSubtype="0" fill="hold" grpId="0" nodeType="withEffect">
+                                <p:cTn id="51" presetID="42" presetClass="entr" presetSubtype="0" fill="hold" grpId="0" nodeType="withEffect">
                                   <p:stCondLst>
                                     <p:cond delay="0"/>
                                   </p:stCondLst>
                                   <p:childTnLst>
                                     <p:set>
                                       <p:cBhvr>
-                                        <p:cTn id="49" dur="1" fill="hold">
+                                        <p:cTn id="52" dur="1" fill="hold">
                                           <p:stCondLst>
                                             <p:cond delay="0"/>
                                           </p:stCondLst>
@@ -11020,7 +12728,7 @@
                                     </p:set>
                                     <p:animEffect transition="in" filter="fade">
                                       <p:cBhvr>
-                                        <p:cTn id="50" dur="1000"/>
+                                        <p:cTn id="53" dur="1000"/>
                                         <p:tgtEl>
                                           <p:spTgt spid="11"/>
                                         </p:tgtEl>
@@ -11028,7 +12736,7 @@
                                     </p:animEffect>
                                     <p:anim calcmode="lin" valueType="num">
                                       <p:cBhvr>
-                                        <p:cTn id="51" dur="1000" fill="hold"/>
+                                        <p:cTn id="54" dur="1000" fill="hold"/>
                                         <p:tgtEl>
                                           <p:spTgt spid="11"/>
                                         </p:tgtEl>
@@ -11051,7 +12759,7 @@
                                     </p:anim>
                                     <p:anim calcmode="lin" valueType="num">
                                       <p:cBhvr>
-                                        <p:cTn id="52" dur="1000" fill="hold"/>
+                                        <p:cTn id="55" dur="1000" fill="hold"/>
                                         <p:tgtEl>
                                           <p:spTgt spid="11"/>
                                         </p:tgtEl>
@@ -11082,26 +12790,26 @@
                     </p:cTn>
                   </p:par>
                   <p:par>
-                    <p:cTn id="53" fill="hold">
+                    <p:cTn id="56" fill="hold">
                       <p:stCondLst>
                         <p:cond delay="indefinite"/>
                       </p:stCondLst>
                       <p:childTnLst>
                         <p:par>
-                          <p:cTn id="54" fill="hold">
+                          <p:cTn id="57" fill="hold">
                             <p:stCondLst>
                               <p:cond delay="0"/>
                             </p:stCondLst>
                             <p:childTnLst>
                               <p:par>
-                                <p:cTn id="55" presetID="42" presetClass="entr" presetSubtype="0" fill="hold" nodeType="clickEffect">
+                                <p:cTn id="58" presetID="42" presetClass="entr" presetSubtype="0" fill="hold" nodeType="clickEffect">
                                   <p:stCondLst>
                                     <p:cond delay="0"/>
                                   </p:stCondLst>
                                   <p:childTnLst>
                                     <p:set>
                                       <p:cBhvr>
-                                        <p:cTn id="56" dur="1" fill="hold">
+                                        <p:cTn id="59" dur="1" fill="hold">
                                           <p:stCondLst>
                                             <p:cond delay="0"/>
                                           </p:stCondLst>
@@ -11119,7 +12827,7 @@
                                     </p:set>
                                     <p:animEffect transition="in" filter="fade">
                                       <p:cBhvr>
-                                        <p:cTn id="57" dur="1000"/>
+                                        <p:cTn id="60" dur="1000"/>
                                         <p:tgtEl>
                                           <p:spTgt spid="12"/>
                                         </p:tgtEl>
@@ -11127,7 +12835,7 @@
                                     </p:animEffect>
                                     <p:anim calcmode="lin" valueType="num">
                                       <p:cBhvr>
-                                        <p:cTn id="58" dur="1000" fill="hold"/>
+                                        <p:cTn id="61" dur="1000" fill="hold"/>
                                         <p:tgtEl>
                                           <p:spTgt spid="12"/>
                                         </p:tgtEl>
@@ -11150,7 +12858,7 @@
                                     </p:anim>
                                     <p:anim calcmode="lin" valueType="num">
                                       <p:cBhvr>
-                                        <p:cTn id="59" dur="1000" fill="hold"/>
+                                        <p:cTn id="62" dur="1000" fill="hold"/>
                                         <p:tgtEl>
                                           <p:spTgt spid="12"/>
                                         </p:tgtEl>
@@ -11181,26 +12889,26 @@
                     </p:cTn>
                   </p:par>
                   <p:par>
-                    <p:cTn id="60" fill="hold">
+                    <p:cTn id="63" fill="hold">
                       <p:stCondLst>
                         <p:cond delay="indefinite"/>
                       </p:stCondLst>
                       <p:childTnLst>
                         <p:par>
-                          <p:cTn id="61" fill="hold">
+                          <p:cTn id="64" fill="hold">
                             <p:stCondLst>
                               <p:cond delay="0"/>
                             </p:stCondLst>
                             <p:childTnLst>
                               <p:par>
-                                <p:cTn id="62" presetID="42" presetClass="entr" presetSubtype="0" fill="hold" nodeType="clickEffect">
+                                <p:cTn id="65" presetID="42" presetClass="entr" presetSubtype="0" fill="hold" nodeType="clickEffect">
                                   <p:stCondLst>
                                     <p:cond delay="0"/>
                                   </p:stCondLst>
                                   <p:childTnLst>
                                     <p:set>
                                       <p:cBhvr>
-                                        <p:cTn id="63" dur="1" fill="hold">
+                                        <p:cTn id="66" dur="1" fill="hold">
                                           <p:stCondLst>
                                             <p:cond delay="0"/>
                                           </p:stCondLst>
@@ -11218,7 +12926,7 @@
                                     </p:set>
                                     <p:animEffect transition="in" filter="fade">
                                       <p:cBhvr>
-                                        <p:cTn id="64" dur="1000"/>
+                                        <p:cTn id="67" dur="1000"/>
                                         <p:tgtEl>
                                           <p:spTgt spid="14"/>
                                         </p:tgtEl>
@@ -11226,7 +12934,7 @@
                                     </p:animEffect>
                                     <p:anim calcmode="lin" valueType="num">
                                       <p:cBhvr>
-                                        <p:cTn id="65" dur="1000" fill="hold"/>
+                                        <p:cTn id="68" dur="1000" fill="hold"/>
                                         <p:tgtEl>
                                           <p:spTgt spid="14"/>
                                         </p:tgtEl>
@@ -11249,7 +12957,7 @@
                                     </p:anim>
                                     <p:anim calcmode="lin" valueType="num">
                                       <p:cBhvr>
-                                        <p:cTn id="66" dur="1000" fill="hold"/>
+                                        <p:cTn id="69" dur="1000" fill="hold"/>
                                         <p:tgtEl>
                                           <p:spTgt spid="14"/>
                                         </p:tgtEl>
@@ -11280,26 +12988,26 @@
                     </p:cTn>
                   </p:par>
                   <p:par>
-                    <p:cTn id="67" fill="hold">
+                    <p:cTn id="70" fill="hold">
                       <p:stCondLst>
                         <p:cond delay="indefinite"/>
                       </p:stCondLst>
                       <p:childTnLst>
                         <p:par>
-                          <p:cTn id="68" fill="hold">
+                          <p:cTn id="71" fill="hold">
                             <p:stCondLst>
                               <p:cond delay="0"/>
                             </p:stCondLst>
                             <p:childTnLst>
                               <p:par>
-                                <p:cTn id="69" presetID="42" presetClass="entr" presetSubtype="0" fill="hold" nodeType="clickEffect">
+                                <p:cTn id="72" presetID="42" presetClass="entr" presetSubtype="0" fill="hold" nodeType="clickEffect">
                                   <p:stCondLst>
                                     <p:cond delay="0"/>
                                   </p:stCondLst>
                                   <p:childTnLst>
                                     <p:set>
                                       <p:cBhvr>
-                                        <p:cTn id="70" dur="1" fill="hold">
+                                        <p:cTn id="73" dur="1" fill="hold">
                                           <p:stCondLst>
                                             <p:cond delay="0"/>
                                           </p:stCondLst>
@@ -11321,7 +13029,7 @@
                                     </p:set>
                                     <p:animEffect transition="in" filter="fade">
                                       <p:cBhvr>
-                                        <p:cTn id="71" dur="1000"/>
+                                        <p:cTn id="74" dur="1000"/>
                                         <p:tgtEl>
                                           <p:spTgt spid="16">
                                             <p:txEl>
@@ -11333,7 +13041,7 @@
                                     </p:animEffect>
                                     <p:anim calcmode="lin" valueType="num">
                                       <p:cBhvr>
-                                        <p:cTn id="72" dur="1000" fill="hold"/>
+                                        <p:cTn id="75" dur="1000" fill="hold"/>
                                         <p:tgtEl>
                                           <p:spTgt spid="16">
                                             <p:txEl>
@@ -11360,7 +13068,7 @@
                                     </p:anim>
                                     <p:anim calcmode="lin" valueType="num">
                                       <p:cBhvr>
-                                        <p:cTn id="73" dur="1000" fill="hold"/>
+                                        <p:cTn id="76" dur="1000" fill="hold"/>
                                         <p:tgtEl>
                                           <p:spTgt spid="16">
                                             <p:txEl>
@@ -11395,26 +13103,26 @@
                     </p:cTn>
                   </p:par>
                   <p:par>
-                    <p:cTn id="74" fill="hold">
+                    <p:cTn id="77" fill="hold">
                       <p:stCondLst>
                         <p:cond delay="indefinite"/>
                       </p:stCondLst>
                       <p:childTnLst>
                         <p:par>
-                          <p:cTn id="75" fill="hold">
+                          <p:cTn id="78" fill="hold">
                             <p:stCondLst>
                               <p:cond delay="0"/>
                             </p:stCondLst>
                             <p:childTnLst>
                               <p:par>
-                                <p:cTn id="76" presetID="42" presetClass="entr" presetSubtype="0" fill="hold" grpId="0" nodeType="clickEffect">
+                                <p:cTn id="79" presetID="42" presetClass="entr" presetSubtype="0" fill="hold" grpId="0" nodeType="clickEffect">
                                   <p:stCondLst>
                                     <p:cond delay="0"/>
                                   </p:stCondLst>
                                   <p:childTnLst>
                                     <p:set>
                                       <p:cBhvr>
-                                        <p:cTn id="77" dur="1" fill="hold">
+                                        <p:cTn id="80" dur="1" fill="hold">
                                           <p:stCondLst>
                                             <p:cond delay="0"/>
                                           </p:stCondLst>
@@ -11432,7 +13140,7 @@
                                     </p:set>
                                     <p:animEffect transition="in" filter="fade">
                                       <p:cBhvr>
-                                        <p:cTn id="78" dur="1000"/>
+                                        <p:cTn id="81" dur="1000"/>
                                         <p:tgtEl>
                                           <p:spTgt spid="50"/>
                                         </p:tgtEl>
@@ -11440,7 +13148,7 @@
                                     </p:animEffect>
                                     <p:anim calcmode="lin" valueType="num">
                                       <p:cBhvr>
-                                        <p:cTn id="79" dur="1000" fill="hold"/>
+                                        <p:cTn id="82" dur="1000" fill="hold"/>
                                         <p:tgtEl>
                                           <p:spTgt spid="50"/>
                                         </p:tgtEl>
@@ -11463,7 +13171,7 @@
                                     </p:anim>
                                     <p:anim calcmode="lin" valueType="num">
                                       <p:cBhvr>
-                                        <p:cTn id="80" dur="1000" fill="hold"/>
+                                        <p:cTn id="83" dur="1000" fill="hold"/>
                                         <p:tgtEl>
                                           <p:spTgt spid="50"/>
                                         </p:tgtEl>
@@ -11761,6 +13469,9 @@
           <a:prstGeom prst="rect">
             <a:avLst/>
           </a:prstGeom>
+          <a:solidFill>
+            <a:srgbClr val="FFC000"/>
+          </a:solidFill>
           <a:ln w="57150">
             <a:solidFill>
               <a:srgbClr val="7030A0"/>
@@ -12433,8 +14144,8 @@
           </p:sp>
         </mc:Fallback>
       </mc:AlternateContent>
-      <mc:AlternateContent xmlns:mc="http://schemas.openxmlformats.org/markup-compatibility/2006" xmlns:a14="http://schemas.microsoft.com/office/drawing/2010/main">
-        <mc:Choice Requires="a14">
+      <mc:AlternateContent xmlns:mc="http://schemas.openxmlformats.org/markup-compatibility/2006">
+        <mc:Choice xmlns:a14="http://schemas.microsoft.com/office/drawing/2010/main" Requires="a14">
           <p:sp>
             <p:nvSpPr>
               <p:cNvPr id="40" name="TextBox 39">
@@ -12450,7 +14161,7 @@
             <p:spPr>
               <a:xfrm>
                 <a:off x="4533778" y="4457700"/>
-                <a:ext cx="6266652" cy="2094484"/>
+                <a:ext cx="6200865" cy="2193164"/>
               </a:xfrm>
               <a:prstGeom prst="rect">
                 <a:avLst/>
@@ -12648,14 +14359,14 @@
                                       </m:sSub>
                                     </m:e>
                                     <m:e>
-                                      <m:sSub>
-                                        <m:sSubPr>
+                                      <m:sSubSup>
+                                        <m:sSubSupPr>
                                           <m:ctrlPr>
                                             <a:rPr lang="en-US" sz="3600" b="0" i="1" smtClean="0">
                                               <a:latin typeface="Cambria Math" panose="02040503050406030204" pitchFamily="18" charset="0"/>
                                             </a:rPr>
                                           </m:ctrlPr>
-                                        </m:sSubPr>
+                                        </m:sSubSupPr>
                                         <m:e>
                                           <m:r>
                                             <a:rPr lang="en-US" sz="3600" b="0" i="1" smtClean="0">
@@ -12672,32 +14383,15 @@
                                             <m:t>1</m:t>
                                           </m:r>
                                         </m:sub>
-                                      </m:sSub>
-                                      <m:sSub>
-                                        <m:sSubPr>
-                                          <m:ctrlPr>
-                                            <a:rPr lang="en-US" sz="3600" b="0" i="1" smtClean="0">
-                                              <a:latin typeface="Cambria Math" panose="02040503050406030204" pitchFamily="18" charset="0"/>
-                                            </a:rPr>
-                                          </m:ctrlPr>
-                                        </m:sSubPr>
-                                        <m:e>
+                                        <m:sup>
                                           <m:r>
                                             <a:rPr lang="en-US" sz="3600" b="0" i="1" smtClean="0">
                                               <a:latin typeface="Cambria Math" panose="02040503050406030204" pitchFamily="18" charset="0"/>
                                             </a:rPr>
-                                            <m:t>𝑥</m:t>
+                                            <m:t>2</m:t>
                                           </m:r>
-                                        </m:e>
-                                        <m:sub>
-                                          <m:r>
-                                            <a:rPr lang="en-US" sz="3600" b="0" i="1" smtClean="0">
-                                              <a:latin typeface="Cambria Math" panose="02040503050406030204" pitchFamily="18" charset="0"/>
-                                            </a:rPr>
-                                            <m:t>1</m:t>
-                                          </m:r>
-                                        </m:sub>
-                                      </m:sSub>
+                                        </m:sup>
+                                      </m:sSubSup>
                                     </m:e>
                                   </m:mr>
                                 </m:m>
@@ -12991,14 +14685,14 @@
                                       </m:r>
                                     </m:e>
                                     <m:e>
-                                      <m:sSub>
-                                        <m:sSubPr>
+                                      <m:sSubSup>
+                                        <m:sSubSupPr>
                                           <m:ctrlPr>
                                             <a:rPr lang="en-US" sz="3600" b="0" i="1" smtClean="0">
                                               <a:latin typeface="Cambria Math" panose="02040503050406030204" pitchFamily="18" charset="0"/>
                                             </a:rPr>
                                           </m:ctrlPr>
-                                        </m:sSubPr>
+                                        </m:sSubSupPr>
                                         <m:e>
                                           <m:r>
                                             <a:rPr lang="en-US" sz="3600" b="0" i="1" smtClean="0">
@@ -13015,32 +14709,15 @@
                                             <m:t>𝑛</m:t>
                                           </m:r>
                                         </m:sub>
-                                      </m:sSub>
-                                      <m:sSub>
-                                        <m:sSubPr>
-                                          <m:ctrlPr>
-                                            <a:rPr lang="en-US" sz="3600" b="0" i="1" smtClean="0">
-                                              <a:latin typeface="Cambria Math" panose="02040503050406030204" pitchFamily="18" charset="0"/>
-                                            </a:rPr>
-                                          </m:ctrlPr>
-                                        </m:sSubPr>
-                                        <m:e>
+                                        <m:sup>
                                           <m:r>
                                             <a:rPr lang="en-US" sz="3600" b="0" i="1" smtClean="0">
                                               <a:latin typeface="Cambria Math" panose="02040503050406030204" pitchFamily="18" charset="0"/>
                                             </a:rPr>
-                                            <m:t>𝑥</m:t>
+                                            <m:t>2</m:t>
                                           </m:r>
-                                        </m:e>
-                                        <m:sub>
-                                          <m:r>
-                                            <a:rPr lang="en-US" sz="3600" b="0" i="1" smtClean="0">
-                                              <a:latin typeface="Cambria Math" panose="02040503050406030204" pitchFamily="18" charset="0"/>
-                                            </a:rPr>
-                                            <m:t>𝑛</m:t>
-                                          </m:r>
-                                        </m:sub>
-                                      </m:sSub>
+                                        </m:sup>
+                                      </m:sSubSup>
                                     </m:e>
                                   </m:mr>
                                 </m:m>
@@ -13057,7 +14734,7 @@
             </p:txBody>
           </p:sp>
         </mc:Choice>
-        <mc:Fallback xmlns="">
+        <mc:Fallback>
           <p:sp>
             <p:nvSpPr>
               <p:cNvPr id="40" name="TextBox 39">
@@ -13075,7 +14752,7 @@
             <p:spPr>
               <a:xfrm>
                 <a:off x="4533778" y="4457700"/>
-                <a:ext cx="6266652" cy="2094484"/>
+                <a:ext cx="6200865" cy="2193164"/>
               </a:xfrm>
               <a:prstGeom prst="rect">
                 <a:avLst/>
@@ -13336,6 +15013,9 @@
             <a:prstGeom prst="rect">
               <a:avLst/>
             </a:prstGeom>
+            <a:solidFill>
+              <a:srgbClr val="FFC000"/>
+            </a:solidFill>
             <a:ln w="57150">
               <a:solidFill>
                 <a:srgbClr val="7030A0"/>
@@ -13460,6 +15140,9 @@
             <a:prstGeom prst="rect">
               <a:avLst/>
             </a:prstGeom>
+            <a:solidFill>
+              <a:srgbClr val="FFC000"/>
+            </a:solidFill>
             <a:ln w="57150">
               <a:solidFill>
                 <a:srgbClr val="7030A0"/>
@@ -13548,6 +15231,9 @@
             <a:prstGeom prst="rect">
               <a:avLst/>
             </a:prstGeom>
+            <a:solidFill>
+              <a:srgbClr val="FFC000"/>
+            </a:solidFill>
             <a:ln w="57150">
               <a:solidFill>
                 <a:srgbClr val="7030A0"/>
@@ -14787,7 +16473,7 @@
                   <a:srgbClr val="002060"/>
                 </a:solidFill>
               </a:rPr>
-              <a:t>One-vs-Rest and One-vs-One Multiclass Classification</a:t>
+              <a:t>One-vs-Rest Multiclass Classification with K Classes</a:t>
             </a:r>
           </a:p>
         </p:txBody>
@@ -14814,7 +16500,7 @@
         </p:blipFill>
         <p:spPr>
           <a:xfrm>
-            <a:off x="50800" y="1917700"/>
+            <a:off x="3124200" y="1879600"/>
             <a:ext cx="5254895" cy="2460751"/>
           </a:xfrm>
           <a:prstGeom prst="rect">
@@ -14822,106 +16508,6 @@
           </a:prstGeom>
         </p:spPr>
       </p:pic>
-      <p:pic>
-        <p:nvPicPr>
-          <p:cNvPr id="7" name="Picture 6">
-            <a:extLst>
-              <a:ext uri="{FF2B5EF4-FFF2-40B4-BE49-F238E27FC236}">
-                <a16:creationId xmlns:a16="http://schemas.microsoft.com/office/drawing/2014/main" id="{880130BA-E803-4AF9-84DE-FEC7D1B8465C}"/>
-              </a:ext>
-            </a:extLst>
-          </p:cNvPr>
-          <p:cNvPicPr>
-            <a:picLocks noChangeAspect="1"/>
-          </p:cNvPicPr>
-          <p:nvPr/>
-        </p:nvPicPr>
-        <p:blipFill>
-          <a:blip r:embed="rId3"/>
-          <a:stretch>
-            <a:fillRect/>
-          </a:stretch>
-        </p:blipFill>
-        <p:spPr>
-          <a:xfrm>
-            <a:off x="5861145" y="1917700"/>
-            <a:ext cx="5786735" cy="2397249"/>
-          </a:xfrm>
-          <a:prstGeom prst="rect">
-            <a:avLst/>
-          </a:prstGeom>
-        </p:spPr>
-      </p:pic>
-      <p:sp>
-        <p:nvSpPr>
-          <p:cNvPr id="8" name="TextBox 7">
-            <a:extLst>
-              <a:ext uri="{FF2B5EF4-FFF2-40B4-BE49-F238E27FC236}">
-                <a16:creationId xmlns:a16="http://schemas.microsoft.com/office/drawing/2014/main" id="{5AB2A0B0-DC96-40EE-AB9C-BA3EEE1C6534}"/>
-              </a:ext>
-            </a:extLst>
-          </p:cNvPr>
-          <p:cNvSpPr txBox="1"/>
-          <p:nvPr/>
-        </p:nvSpPr>
-        <p:spPr>
-          <a:xfrm>
-            <a:off x="1638300" y="1332925"/>
-            <a:ext cx="3086100" cy="584775"/>
-          </a:xfrm>
-          <a:prstGeom prst="rect">
-            <a:avLst/>
-          </a:prstGeom>
-          <a:noFill/>
-        </p:spPr>
-        <p:txBody>
-          <a:bodyPr wrap="square" rtlCol="0">
-            <a:spAutoFit/>
-          </a:bodyPr>
-          <a:lstStyle/>
-          <a:p>
-            <a:r>
-              <a:rPr lang="en-US" sz="3200" dirty="0"/>
-              <a:t>One-vs-Rest</a:t>
-            </a:r>
-          </a:p>
-        </p:txBody>
-      </p:sp>
-      <p:sp>
-        <p:nvSpPr>
-          <p:cNvPr id="17" name="TextBox 16">
-            <a:extLst>
-              <a:ext uri="{FF2B5EF4-FFF2-40B4-BE49-F238E27FC236}">
-                <a16:creationId xmlns:a16="http://schemas.microsoft.com/office/drawing/2014/main" id="{259A2A59-0DB5-4550-86F8-76635D9969AF}"/>
-              </a:ext>
-            </a:extLst>
-          </p:cNvPr>
-          <p:cNvSpPr txBox="1"/>
-          <p:nvPr/>
-        </p:nvSpPr>
-        <p:spPr>
-          <a:xfrm>
-            <a:off x="7239000" y="1209387"/>
-            <a:ext cx="3086100" cy="584775"/>
-          </a:xfrm>
-          <a:prstGeom prst="rect">
-            <a:avLst/>
-          </a:prstGeom>
-          <a:noFill/>
-        </p:spPr>
-        <p:txBody>
-          <a:bodyPr wrap="square" rtlCol="0">
-            <a:spAutoFit/>
-          </a:bodyPr>
-          <a:lstStyle/>
-          <a:p>
-            <a:r>
-              <a:rPr lang="en-US" sz="3200" dirty="0"/>
-              <a:t>One-Vs-One</a:t>
-            </a:r>
-          </a:p>
-        </p:txBody>
-      </p:sp>
       <p:sp>
         <p:nvSpPr>
           <p:cNvPr id="10" name="TextBox 9">
@@ -14936,8 +16522,8 @@
         </p:nvSpPr>
         <p:spPr>
           <a:xfrm>
-            <a:off x="598622" y="4777696"/>
-            <a:ext cx="4798878" cy="954107"/>
+            <a:off x="3695700" y="4800600"/>
+            <a:ext cx="6400800" cy="1569660"/>
           </a:xfrm>
           <a:prstGeom prst="rect">
             <a:avLst/>
@@ -14945,80 +16531,62 @@
           <a:noFill/>
         </p:spPr>
         <p:txBody>
-          <a:bodyPr wrap="none" rtlCol="0">
+          <a:bodyPr wrap="square" rtlCol="0">
             <a:spAutoFit/>
           </a:bodyPr>
           <a:lstStyle/>
           <a:p>
             <a:r>
-              <a:rPr lang="en-US" sz="2800" dirty="0" err="1"/>
-              <a:t>Kesler’s</a:t>
+              <a:rPr lang="en-US" sz="2400" dirty="0">
+                <a:solidFill>
+                  <a:srgbClr val="002060"/>
+                </a:solidFill>
+              </a:rPr>
+              <a:t>Same as home work:</a:t>
+            </a:r>
+          </a:p>
+          <a:p>
+            <a:pPr marL="342900" indent="-342900">
+              <a:buFont typeface="Arial" panose="020B0604020202020204" pitchFamily="34" charset="0"/>
+              <a:buChar char="•"/>
+            </a:pPr>
+            <a:r>
+              <a:rPr lang="en-US" sz="2400" dirty="0">
+                <a:solidFill>
+                  <a:srgbClr val="002060"/>
+                </a:solidFill>
+              </a:rPr>
+              <a:t>K-classes linear classifiers with </a:t>
             </a:r>
             <a:r>
-              <a:rPr lang="en-US" sz="2800" dirty="0"/>
-              <a:t> Construction on the </a:t>
+              <a:rPr lang="en-US" sz="2400" dirty="0" err="1">
+                <a:solidFill>
+                  <a:srgbClr val="002060"/>
+                </a:solidFill>
+              </a:rPr>
+              <a:t>Kesler</a:t>
             </a:r>
-          </a:p>
-          <a:p>
             <a:r>
-              <a:rPr lang="en-US" sz="2800" dirty="0"/>
-              <a:t>class labels</a:t>
+              <a:rPr lang="en-US" sz="2400" dirty="0">
+                <a:solidFill>
+                  <a:srgbClr val="002060"/>
+                </a:solidFill>
+              </a:rPr>
+              <a:t> Construction</a:t>
             </a:r>
           </a:p>
-        </p:txBody>
-      </p:sp>
-      <p:sp>
-        <p:nvSpPr>
-          <p:cNvPr id="19" name="TextBox 18">
-            <a:extLst>
-              <a:ext uri="{FF2B5EF4-FFF2-40B4-BE49-F238E27FC236}">
-                <a16:creationId xmlns:a16="http://schemas.microsoft.com/office/drawing/2014/main" id="{D8D0DE4E-798E-48AC-B5F0-09A08252B1EA}"/>
-              </a:ext>
-            </a:extLst>
-          </p:cNvPr>
-          <p:cNvSpPr txBox="1"/>
-          <p:nvPr/>
-        </p:nvSpPr>
-        <p:spPr>
-          <a:xfrm>
-            <a:off x="6096000" y="4621119"/>
-            <a:ext cx="6152646" cy="2246769"/>
-          </a:xfrm>
-          <a:prstGeom prst="rect">
-            <a:avLst/>
-          </a:prstGeom>
-          <a:noFill/>
-        </p:spPr>
-        <p:txBody>
-          <a:bodyPr wrap="none" rtlCol="0">
-            <a:spAutoFit/>
-          </a:bodyPr>
-          <a:lstStyle/>
-          <a:p>
+          <a:p>
+            <a:pPr marL="342900" indent="-342900">
+              <a:buFont typeface="Arial" panose="020B0604020202020204" pitchFamily="34" charset="0"/>
+              <a:buChar char="•"/>
+            </a:pPr>
             <a:r>
-              <a:rPr lang="en-US" sz="2800" dirty="0"/>
-              <a:t>Do classification of a data vector</a:t>
-            </a:r>
-          </a:p>
-          <a:p>
-            <a:r>
-              <a:rPr lang="en-US" sz="2800" dirty="0"/>
-              <a:t>on a pair of labels at a time.</a:t>
-            </a:r>
-          </a:p>
-          <a:p>
-            <a:endParaRPr lang="en-US" sz="2800" dirty="0"/>
-          </a:p>
-          <a:p>
-            <a:r>
-              <a:rPr lang="en-US" sz="2800" dirty="0"/>
-              <a:t>The most frequent label of the data</a:t>
-            </a:r>
-          </a:p>
-          <a:p>
-            <a:r>
-              <a:rPr lang="en-US" sz="2800" dirty="0"/>
-              <a:t>is the final classification of the data.</a:t>
+              <a:rPr lang="en-US" sz="2400" dirty="0">
+                <a:solidFill>
+                  <a:srgbClr val="002060"/>
+                </a:solidFill>
+              </a:rPr>
+              <a:t>K-classes  Bayesian classifiers</a:t>
             </a:r>
           </a:p>
         </p:txBody>
@@ -15037,6 +16605,2721 @@
 </file>
 
 <file path=ppt/slides/slide6.xml><?xml version="1.0" encoding="utf-8"?>
+<p:sld xmlns:a="http://schemas.openxmlformats.org/drawingml/2006/main" xmlns:r="http://schemas.openxmlformats.org/officeDocument/2006/relationships" xmlns:p="http://schemas.openxmlformats.org/presentationml/2006/main">
+  <p:cSld>
+    <p:spTree>
+      <p:nvGrpSpPr>
+        <p:cNvPr id="1" name=""/>
+        <p:cNvGrpSpPr/>
+        <p:nvPr/>
+      </p:nvGrpSpPr>
+      <p:grpSpPr>
+        <a:xfrm>
+          <a:off x="0" y="0"/>
+          <a:ext cx="0" cy="0"/>
+          <a:chOff x="0" y="0"/>
+          <a:chExt cx="0" cy="0"/>
+        </a:xfrm>
+      </p:grpSpPr>
+      <p:sp>
+        <p:nvSpPr>
+          <p:cNvPr id="39" name="Title 1">
+            <a:extLst>
+              <a:ext uri="{FF2B5EF4-FFF2-40B4-BE49-F238E27FC236}">
+                <a16:creationId xmlns:a16="http://schemas.microsoft.com/office/drawing/2014/main" id="{A8100B3E-DBA4-4DE0-864F-F152EE250F6F}"/>
+              </a:ext>
+            </a:extLst>
+          </p:cNvPr>
+          <p:cNvSpPr>
+            <a:spLocks noGrp="1"/>
+          </p:cNvSpPr>
+          <p:nvPr>
+            <p:ph type="title"/>
+          </p:nvPr>
+        </p:nvSpPr>
+        <p:spPr>
+          <a:xfrm>
+            <a:off x="266700" y="181235"/>
+            <a:ext cx="11201400" cy="847465"/>
+          </a:xfrm>
+        </p:spPr>
+        <p:txBody>
+          <a:bodyPr>
+            <a:normAutofit/>
+          </a:bodyPr>
+          <a:lstStyle/>
+          <a:p>
+            <a:r>
+              <a:rPr lang="en-US" dirty="0">
+                <a:solidFill>
+                  <a:srgbClr val="002060"/>
+                </a:solidFill>
+              </a:rPr>
+              <a:t>One-vs-One Multiclass Classification with K Classes</a:t>
+            </a:r>
+          </a:p>
+        </p:txBody>
+      </p:sp>
+      <p:pic>
+        <p:nvPicPr>
+          <p:cNvPr id="7" name="Picture 6">
+            <a:extLst>
+              <a:ext uri="{FF2B5EF4-FFF2-40B4-BE49-F238E27FC236}">
+                <a16:creationId xmlns:a16="http://schemas.microsoft.com/office/drawing/2014/main" id="{880130BA-E803-4AF9-84DE-FEC7D1B8465C}"/>
+              </a:ext>
+            </a:extLst>
+          </p:cNvPr>
+          <p:cNvPicPr>
+            <a:picLocks noChangeAspect="1"/>
+          </p:cNvPicPr>
+          <p:nvPr/>
+        </p:nvPicPr>
+        <p:blipFill>
+          <a:blip r:embed="rId2"/>
+          <a:stretch>
+            <a:fillRect/>
+          </a:stretch>
+        </p:blipFill>
+        <p:spPr>
+          <a:xfrm>
+            <a:off x="9832" y="1714500"/>
+            <a:ext cx="6086168" cy="2521294"/>
+          </a:xfrm>
+          <a:prstGeom prst="rect">
+            <a:avLst/>
+          </a:prstGeom>
+        </p:spPr>
+      </p:pic>
+      <mc:AlternateContent xmlns:mc="http://schemas.openxmlformats.org/markup-compatibility/2006">
+        <mc:Choice xmlns:a14="http://schemas.microsoft.com/office/drawing/2010/main" Requires="a14">
+          <p:sp>
+            <p:nvSpPr>
+              <p:cNvPr id="19" name="TextBox 18">
+                <a:extLst>
+                  <a:ext uri="{FF2B5EF4-FFF2-40B4-BE49-F238E27FC236}">
+                    <a16:creationId xmlns:a16="http://schemas.microsoft.com/office/drawing/2014/main" id="{D8D0DE4E-798E-48AC-B5F0-09A08252B1EA}"/>
+                  </a:ext>
+                </a:extLst>
+              </p:cNvPr>
+              <p:cNvSpPr txBox="1"/>
+              <p:nvPr/>
+            </p:nvSpPr>
+            <p:spPr>
+              <a:xfrm>
+                <a:off x="495300" y="4572000"/>
+                <a:ext cx="5809283" cy="830997"/>
+              </a:xfrm>
+              <a:prstGeom prst="rect">
+                <a:avLst/>
+              </a:prstGeom>
+              <a:noFill/>
+            </p:spPr>
+            <p:txBody>
+              <a:bodyPr wrap="none" rtlCol="0">
+                <a:spAutoFit/>
+              </a:bodyPr>
+              <a:lstStyle/>
+              <a:p>
+                <a:r>
+                  <a:rPr lang="en-US" sz="2400" dirty="0">
+                    <a:solidFill>
+                      <a:srgbClr val="002060"/>
+                    </a:solidFill>
+                  </a:rPr>
+                  <a:t>Do </a:t>
+                </a:r>
+                <a14:m>
+                  <m:oMath xmlns:m="http://schemas.openxmlformats.org/officeDocument/2006/math">
+                    <m:r>
+                      <a:rPr lang="en-US" sz="2400" b="0" i="1" smtClean="0">
+                        <a:solidFill>
+                          <a:srgbClr val="002060"/>
+                        </a:solidFill>
+                        <a:latin typeface="Cambria Math" panose="02040503050406030204" pitchFamily="18" charset="0"/>
+                      </a:rPr>
+                      <m:t>𝐾</m:t>
+                    </m:r>
+                  </m:oMath>
+                </a14:m>
+                <a:r>
+                  <a:rPr lang="en-US" sz="2400" dirty="0">
+                    <a:solidFill>
+                      <a:srgbClr val="002060"/>
+                    </a:solidFill>
+                  </a:rPr>
+                  <a:t> class classification of a data vector</a:t>
+                </a:r>
+              </a:p>
+              <a:p>
+                <a:r>
+                  <a:rPr lang="en-US" sz="2400" dirty="0">
+                    <a:solidFill>
+                      <a:srgbClr val="002060"/>
+                    </a:solidFill>
+                  </a:rPr>
+                  <a:t>on a pair of classes at a time</a:t>
+                </a:r>
+              </a:p>
+            </p:txBody>
+          </p:sp>
+        </mc:Choice>
+        <mc:Fallback>
+          <p:sp>
+            <p:nvSpPr>
+              <p:cNvPr id="19" name="TextBox 18">
+                <a:extLst>
+                  <a:ext uri="{FF2B5EF4-FFF2-40B4-BE49-F238E27FC236}">
+                    <a16:creationId xmlns:a16="http://schemas.microsoft.com/office/drawing/2014/main" id="{D8D0DE4E-798E-48AC-B5F0-09A08252B1EA}"/>
+                  </a:ext>
+                </a:extLst>
+              </p:cNvPr>
+              <p:cNvSpPr txBox="1">
+                <a:spLocks noRot="1" noChangeAspect="1" noMove="1" noResize="1" noEditPoints="1" noAdjustHandles="1" noChangeArrowheads="1" noChangeShapeType="1" noTextEdit="1"/>
+              </p:cNvSpPr>
+              <p:nvPr/>
+            </p:nvSpPr>
+            <p:spPr>
+              <a:xfrm>
+                <a:off x="495300" y="4572000"/>
+                <a:ext cx="5809283" cy="830997"/>
+              </a:xfrm>
+              <a:prstGeom prst="rect">
+                <a:avLst/>
+              </a:prstGeom>
+              <a:blipFill>
+                <a:blip r:embed="rId3"/>
+                <a:stretch>
+                  <a:fillRect l="-1574" t="-5882" r="-630" b="-16176"/>
+                </a:stretch>
+              </a:blipFill>
+            </p:spPr>
+            <p:txBody>
+              <a:bodyPr/>
+              <a:lstStyle/>
+              <a:p>
+                <a:r>
+                  <a:rPr lang="en-US">
+                    <a:noFill/>
+                  </a:rPr>
+                  <a:t> </a:t>
+                </a:r>
+              </a:p>
+            </p:txBody>
+          </p:sp>
+        </mc:Fallback>
+      </mc:AlternateContent>
+      <p:pic>
+        <p:nvPicPr>
+          <p:cNvPr id="4" name="Picture 3">
+            <a:extLst>
+              <a:ext uri="{FF2B5EF4-FFF2-40B4-BE49-F238E27FC236}">
+                <a16:creationId xmlns:a16="http://schemas.microsoft.com/office/drawing/2014/main" id="{356AFBDB-AE54-4D90-959E-3EA191380400}"/>
+              </a:ext>
+            </a:extLst>
+          </p:cNvPr>
+          <p:cNvPicPr>
+            <a:picLocks noChangeAspect="1"/>
+          </p:cNvPicPr>
+          <p:nvPr/>
+        </p:nvPicPr>
+        <p:blipFill>
+          <a:blip r:embed="rId4"/>
+          <a:stretch>
+            <a:fillRect/>
+          </a:stretch>
+        </p:blipFill>
+        <p:spPr>
+          <a:xfrm>
+            <a:off x="6725363" y="1828800"/>
+            <a:ext cx="5315223" cy="2400423"/>
+          </a:xfrm>
+          <a:prstGeom prst="rect">
+            <a:avLst/>
+          </a:prstGeom>
+          <a:ln w="57150">
+            <a:noFill/>
+          </a:ln>
+        </p:spPr>
+      </p:pic>
+      <mc:AlternateContent xmlns:mc="http://schemas.openxmlformats.org/markup-compatibility/2006">
+        <mc:Choice xmlns:a14="http://schemas.microsoft.com/office/drawing/2010/main" Requires="a14">
+          <p:sp>
+            <p:nvSpPr>
+              <p:cNvPr id="14" name="TextBox 13">
+                <a:extLst>
+                  <a:ext uri="{FF2B5EF4-FFF2-40B4-BE49-F238E27FC236}">
+                    <a16:creationId xmlns:a16="http://schemas.microsoft.com/office/drawing/2014/main" id="{11386286-1DB9-48C0-B384-3982ECB152DC}"/>
+                  </a:ext>
+                </a:extLst>
+              </p:cNvPr>
+              <p:cNvSpPr txBox="1"/>
+              <p:nvPr/>
+            </p:nvSpPr>
+            <p:spPr>
+              <a:xfrm>
+                <a:off x="6553200" y="4429158"/>
+                <a:ext cx="5549596" cy="2487412"/>
+              </a:xfrm>
+              <a:prstGeom prst="rect">
+                <a:avLst/>
+              </a:prstGeom>
+              <a:noFill/>
+            </p:spPr>
+            <p:txBody>
+              <a:bodyPr wrap="square" rtlCol="0">
+                <a:noAutofit/>
+              </a:bodyPr>
+              <a:lstStyle/>
+              <a:p>
+                <a:r>
+                  <a:rPr lang="en-US" sz="2400" dirty="0">
+                    <a:solidFill>
+                      <a:srgbClr val="002060"/>
+                    </a:solidFill>
+                  </a:rPr>
+                  <a:t>The most frequent label of the </a:t>
+                </a:r>
+                <a14:m>
+                  <m:oMath xmlns:m="http://schemas.openxmlformats.org/officeDocument/2006/math">
+                    <m:f>
+                      <m:fPr>
+                        <m:ctrlPr>
+                          <a:rPr lang="en-US" sz="2400" i="1">
+                            <a:solidFill>
+                              <a:srgbClr val="002060"/>
+                            </a:solidFill>
+                            <a:latin typeface="Cambria Math" panose="02040503050406030204" pitchFamily="18" charset="0"/>
+                          </a:rPr>
+                        </m:ctrlPr>
+                      </m:fPr>
+                      <m:num>
+                        <m:d>
+                          <m:dPr>
+                            <m:ctrlPr>
+                              <a:rPr lang="en-US" sz="2400" i="1">
+                                <a:solidFill>
+                                  <a:srgbClr val="002060"/>
+                                </a:solidFill>
+                                <a:latin typeface="Cambria Math" panose="02040503050406030204" pitchFamily="18" charset="0"/>
+                              </a:rPr>
+                            </m:ctrlPr>
+                          </m:dPr>
+                          <m:e>
+                            <m:r>
+                              <a:rPr lang="en-US" sz="2400" i="1">
+                                <a:solidFill>
+                                  <a:srgbClr val="002060"/>
+                                </a:solidFill>
+                                <a:latin typeface="Cambria Math" panose="02040503050406030204" pitchFamily="18" charset="0"/>
+                              </a:rPr>
+                              <m:t>𝐾</m:t>
+                            </m:r>
+                            <m:r>
+                              <a:rPr lang="en-US" sz="2400" i="1">
+                                <a:solidFill>
+                                  <a:srgbClr val="002060"/>
+                                </a:solidFill>
+                                <a:latin typeface="Cambria Math" panose="02040503050406030204" pitchFamily="18" charset="0"/>
+                              </a:rPr>
+                              <m:t>+1</m:t>
+                            </m:r>
+                          </m:e>
+                        </m:d>
+                        <m:r>
+                          <a:rPr lang="en-US" sz="2400" i="1">
+                            <a:solidFill>
+                              <a:srgbClr val="002060"/>
+                            </a:solidFill>
+                            <a:latin typeface="Cambria Math" panose="02040503050406030204" pitchFamily="18" charset="0"/>
+                          </a:rPr>
+                          <m:t>𝐾</m:t>
+                        </m:r>
+                      </m:num>
+                      <m:den>
+                        <m:r>
+                          <a:rPr lang="en-US" sz="2400" i="1">
+                            <a:solidFill>
+                              <a:srgbClr val="002060"/>
+                            </a:solidFill>
+                            <a:latin typeface="Cambria Math" panose="02040503050406030204" pitchFamily="18" charset="0"/>
+                          </a:rPr>
+                          <m:t>2</m:t>
+                        </m:r>
+                      </m:den>
+                    </m:f>
+                  </m:oMath>
+                </a14:m>
+                <a:r>
+                  <a:rPr lang="en-US" sz="2400" dirty="0">
+                    <a:solidFill>
+                      <a:srgbClr val="002060"/>
+                    </a:solidFill>
+                  </a:rPr>
+                  <a:t>  </a:t>
+                </a:r>
+              </a:p>
+              <a:p>
+                <a:r>
+                  <a:rPr lang="en-US" sz="2400" dirty="0">
+                    <a:solidFill>
+                      <a:srgbClr val="002060"/>
+                    </a:solidFill>
+                  </a:rPr>
+                  <a:t>predicted labels of the data vector is </a:t>
+                </a:r>
+              </a:p>
+              <a:p>
+                <a:r>
+                  <a:rPr lang="en-US" sz="2400" dirty="0">
+                    <a:solidFill>
+                      <a:srgbClr val="002060"/>
+                    </a:solidFill>
+                  </a:rPr>
+                  <a:t>the final predicted label of the data </a:t>
+                </a:r>
+              </a:p>
+              <a:p>
+                <a:r>
+                  <a:rPr lang="en-US" sz="2400" dirty="0">
+                    <a:solidFill>
+                      <a:srgbClr val="002060"/>
+                    </a:solidFill>
+                  </a:rPr>
+                  <a:t>vector.</a:t>
+                </a:r>
+              </a:p>
+              <a:p>
+                <a:pPr marL="342900" indent="-342900">
+                  <a:buFont typeface="Arial" panose="020B0604020202020204" pitchFamily="34" charset="0"/>
+                  <a:buChar char="•"/>
+                </a:pPr>
+                <a:r>
+                  <a:rPr lang="en-US" sz="2400" dirty="0">
+                    <a:solidFill>
+                      <a:srgbClr val="002060"/>
+                    </a:solidFill>
+                  </a:rPr>
+                  <a:t>The predicted  class label with the most votes win</a:t>
+                </a:r>
+              </a:p>
+            </p:txBody>
+          </p:sp>
+        </mc:Choice>
+        <mc:Fallback>
+          <p:sp>
+            <p:nvSpPr>
+              <p:cNvPr id="14" name="TextBox 13">
+                <a:extLst>
+                  <a:ext uri="{FF2B5EF4-FFF2-40B4-BE49-F238E27FC236}">
+                    <a16:creationId xmlns:a16="http://schemas.microsoft.com/office/drawing/2014/main" id="{11386286-1DB9-48C0-B384-3982ECB152DC}"/>
+                  </a:ext>
+                </a:extLst>
+              </p:cNvPr>
+              <p:cNvSpPr txBox="1">
+                <a:spLocks noRot="1" noChangeAspect="1" noMove="1" noResize="1" noEditPoints="1" noAdjustHandles="1" noChangeArrowheads="1" noChangeShapeType="1" noTextEdit="1"/>
+              </p:cNvSpPr>
+              <p:nvPr/>
+            </p:nvSpPr>
+            <p:spPr>
+              <a:xfrm>
+                <a:off x="6553200" y="4429158"/>
+                <a:ext cx="5549596" cy="2487412"/>
+              </a:xfrm>
+              <a:prstGeom prst="rect">
+                <a:avLst/>
+              </a:prstGeom>
+              <a:blipFill>
+                <a:blip r:embed="rId5"/>
+                <a:stretch>
+                  <a:fillRect l="-1648" b="-4657"/>
+                </a:stretch>
+              </a:blipFill>
+            </p:spPr>
+            <p:txBody>
+              <a:bodyPr/>
+              <a:lstStyle/>
+              <a:p>
+                <a:r>
+                  <a:rPr lang="en-US">
+                    <a:noFill/>
+                  </a:rPr>
+                  <a:t> </a:t>
+                </a:r>
+              </a:p>
+            </p:txBody>
+          </p:sp>
+        </mc:Fallback>
+      </mc:AlternateContent>
+      <p:cxnSp>
+        <p:nvCxnSpPr>
+          <p:cNvPr id="15" name="Straight Arrow Connector 14">
+            <a:extLst>
+              <a:ext uri="{FF2B5EF4-FFF2-40B4-BE49-F238E27FC236}">
+                <a16:creationId xmlns:a16="http://schemas.microsoft.com/office/drawing/2014/main" id="{DED34169-5224-478D-AC0E-AC722990B934}"/>
+              </a:ext>
+            </a:extLst>
+          </p:cNvPr>
+          <p:cNvCxnSpPr>
+            <a:cxnSpLocks/>
+          </p:cNvCxnSpPr>
+          <p:nvPr/>
+        </p:nvCxnSpPr>
+        <p:spPr>
+          <a:xfrm>
+            <a:off x="5557956" y="2971800"/>
+            <a:ext cx="995244" cy="0"/>
+          </a:xfrm>
+          <a:prstGeom prst="straightConnector1">
+            <a:avLst/>
+          </a:prstGeom>
+          <a:noFill/>
+          <a:ln w="76200">
+            <a:solidFill>
+              <a:srgbClr val="7030A0"/>
+            </a:solidFill>
+            <a:tailEnd type="triangle"/>
+          </a:ln>
+        </p:spPr>
+        <p:style>
+          <a:lnRef idx="2">
+            <a:schemeClr val="accent1">
+              <a:shade val="50000"/>
+            </a:schemeClr>
+          </a:lnRef>
+          <a:fillRef idx="1">
+            <a:schemeClr val="accent1"/>
+          </a:fillRef>
+          <a:effectRef idx="0">
+            <a:schemeClr val="accent1"/>
+          </a:effectRef>
+          <a:fontRef idx="minor">
+            <a:schemeClr val="lt1"/>
+          </a:fontRef>
+        </p:style>
+      </p:cxnSp>
+      <mc:AlternateContent xmlns:mc="http://schemas.openxmlformats.org/markup-compatibility/2006">
+        <mc:Choice xmlns:a14="http://schemas.microsoft.com/office/drawing/2010/main" Requires="a14">
+          <p:sp>
+            <p:nvSpPr>
+              <p:cNvPr id="9" name="TextBox 8">
+                <a:extLst>
+                  <a:ext uri="{FF2B5EF4-FFF2-40B4-BE49-F238E27FC236}">
+                    <a16:creationId xmlns:a16="http://schemas.microsoft.com/office/drawing/2014/main" id="{E61FDD08-D0F9-42EB-BB2D-C8273378B37C}"/>
+                  </a:ext>
+                </a:extLst>
+              </p:cNvPr>
+              <p:cNvSpPr txBox="1"/>
+              <p:nvPr/>
+            </p:nvSpPr>
+            <p:spPr>
+              <a:xfrm>
+                <a:off x="7467600" y="1028700"/>
+                <a:ext cx="3941592" cy="731932"/>
+              </a:xfrm>
+              <a:prstGeom prst="rect">
+                <a:avLst/>
+              </a:prstGeom>
+              <a:noFill/>
+            </p:spPr>
+            <p:txBody>
+              <a:bodyPr wrap="none" rtlCol="0">
+                <a:spAutoFit/>
+              </a:bodyPr>
+              <a:lstStyle/>
+              <a:p>
+                <a14:m>
+                  <m:oMath xmlns:m="http://schemas.openxmlformats.org/officeDocument/2006/math">
+                    <m:f>
+                      <m:fPr>
+                        <m:ctrlPr>
+                          <a:rPr lang="en-US" sz="2800" i="1">
+                            <a:latin typeface="Cambria Math" panose="02040503050406030204" pitchFamily="18" charset="0"/>
+                          </a:rPr>
+                        </m:ctrlPr>
+                      </m:fPr>
+                      <m:num>
+                        <m:d>
+                          <m:dPr>
+                            <m:ctrlPr>
+                              <a:rPr lang="en-US" sz="2800" i="1">
+                                <a:latin typeface="Cambria Math" panose="02040503050406030204" pitchFamily="18" charset="0"/>
+                              </a:rPr>
+                            </m:ctrlPr>
+                          </m:dPr>
+                          <m:e>
+                            <m:r>
+                              <a:rPr lang="en-US" sz="2800" i="1">
+                                <a:latin typeface="Cambria Math" panose="02040503050406030204" pitchFamily="18" charset="0"/>
+                              </a:rPr>
+                              <m:t>𝐾</m:t>
+                            </m:r>
+                            <m:r>
+                              <a:rPr lang="en-US" sz="2800" i="1">
+                                <a:latin typeface="Cambria Math" panose="02040503050406030204" pitchFamily="18" charset="0"/>
+                              </a:rPr>
+                              <m:t>+1</m:t>
+                            </m:r>
+                          </m:e>
+                        </m:d>
+                        <m:r>
+                          <a:rPr lang="en-US" sz="2800" i="1">
+                            <a:latin typeface="Cambria Math" panose="02040503050406030204" pitchFamily="18" charset="0"/>
+                          </a:rPr>
+                          <m:t>𝐾</m:t>
+                        </m:r>
+                      </m:num>
+                      <m:den>
+                        <m:r>
+                          <a:rPr lang="en-US" sz="2800" i="1">
+                            <a:latin typeface="Cambria Math" panose="02040503050406030204" pitchFamily="18" charset="0"/>
+                          </a:rPr>
+                          <m:t>2</m:t>
+                        </m:r>
+                      </m:den>
+                    </m:f>
+                  </m:oMath>
+                </a14:m>
+                <a:r>
+                  <a:rPr lang="en-US" sz="2800" dirty="0"/>
+                  <a:t> binary classifiers</a:t>
+                </a:r>
+                <a:endParaRPr lang="en-US" sz="2400" dirty="0"/>
+              </a:p>
+            </p:txBody>
+          </p:sp>
+        </mc:Choice>
+        <mc:Fallback>
+          <p:sp>
+            <p:nvSpPr>
+              <p:cNvPr id="9" name="TextBox 8">
+                <a:extLst>
+                  <a:ext uri="{FF2B5EF4-FFF2-40B4-BE49-F238E27FC236}">
+                    <a16:creationId xmlns:a16="http://schemas.microsoft.com/office/drawing/2014/main" id="{E61FDD08-D0F9-42EB-BB2D-C8273378B37C}"/>
+                  </a:ext>
+                </a:extLst>
+              </p:cNvPr>
+              <p:cNvSpPr txBox="1">
+                <a:spLocks noRot="1" noChangeAspect="1" noMove="1" noResize="1" noEditPoints="1" noAdjustHandles="1" noChangeArrowheads="1" noChangeShapeType="1" noTextEdit="1"/>
+              </p:cNvSpPr>
+              <p:nvPr/>
+            </p:nvSpPr>
+            <p:spPr>
+              <a:xfrm>
+                <a:off x="7467600" y="1028700"/>
+                <a:ext cx="3941592" cy="731932"/>
+              </a:xfrm>
+              <a:prstGeom prst="rect">
+                <a:avLst/>
+              </a:prstGeom>
+              <a:blipFill>
+                <a:blip r:embed="rId6"/>
+                <a:stretch>
+                  <a:fillRect r="-1700" b="-10000"/>
+                </a:stretch>
+              </a:blipFill>
+            </p:spPr>
+            <p:txBody>
+              <a:bodyPr/>
+              <a:lstStyle/>
+              <a:p>
+                <a:r>
+                  <a:rPr lang="en-US">
+                    <a:noFill/>
+                  </a:rPr>
+                  <a:t> </a:t>
+                </a:r>
+              </a:p>
+            </p:txBody>
+          </p:sp>
+        </mc:Fallback>
+      </mc:AlternateContent>
+      <p:sp>
+        <p:nvSpPr>
+          <p:cNvPr id="12" name="Rectangle 11">
+            <a:extLst>
+              <a:ext uri="{FF2B5EF4-FFF2-40B4-BE49-F238E27FC236}">
+                <a16:creationId xmlns:a16="http://schemas.microsoft.com/office/drawing/2014/main" id="{7BEC8890-3B6C-46BD-B8CD-C983AA8200F5}"/>
+              </a:ext>
+            </a:extLst>
+          </p:cNvPr>
+          <p:cNvSpPr/>
+          <p:nvPr/>
+        </p:nvSpPr>
+        <p:spPr>
+          <a:xfrm>
+            <a:off x="8839200" y="2590363"/>
+            <a:ext cx="457200" cy="182468"/>
+          </a:xfrm>
+          <a:prstGeom prst="rect">
+            <a:avLst/>
+          </a:prstGeom>
+          <a:solidFill>
+            <a:srgbClr val="FF0000">
+              <a:alpha val="20000"/>
+            </a:srgbClr>
+          </a:solidFill>
+          <a:ln>
+            <a:solidFill>
+              <a:srgbClr val="00B0F0"/>
+            </a:solidFill>
+          </a:ln>
+        </p:spPr>
+        <p:style>
+          <a:lnRef idx="2">
+            <a:schemeClr val="accent1">
+              <a:shade val="50000"/>
+            </a:schemeClr>
+          </a:lnRef>
+          <a:fillRef idx="1">
+            <a:schemeClr val="accent1"/>
+          </a:fillRef>
+          <a:effectRef idx="0">
+            <a:schemeClr val="accent1"/>
+          </a:effectRef>
+          <a:fontRef idx="minor">
+            <a:schemeClr val="lt1"/>
+          </a:fontRef>
+        </p:style>
+        <p:txBody>
+          <a:bodyPr rtlCol="0" anchor="ctr"/>
+          <a:lstStyle/>
+          <a:p>
+            <a:pPr algn="ctr"/>
+            <a:endParaRPr lang="en-US"/>
+          </a:p>
+        </p:txBody>
+      </p:sp>
+      <p:sp>
+        <p:nvSpPr>
+          <p:cNvPr id="16" name="Speech Bubble: Rectangle with Corners Rounded 15">
+            <a:extLst>
+              <a:ext uri="{FF2B5EF4-FFF2-40B4-BE49-F238E27FC236}">
+                <a16:creationId xmlns:a16="http://schemas.microsoft.com/office/drawing/2014/main" id="{99D61782-029C-4E3C-978F-66F996BC6628}"/>
+              </a:ext>
+            </a:extLst>
+          </p:cNvPr>
+          <p:cNvSpPr/>
+          <p:nvPr/>
+        </p:nvSpPr>
+        <p:spPr>
+          <a:xfrm>
+            <a:off x="7581900" y="3314700"/>
+            <a:ext cx="1028700" cy="571500"/>
+          </a:xfrm>
+          <a:prstGeom prst="wedgeRoundRectCallout">
+            <a:avLst>
+              <a:gd name="adj1" fmla="val 70114"/>
+              <a:gd name="adj2" fmla="val -140463"/>
+              <a:gd name="adj3" fmla="val 16667"/>
+            </a:avLst>
+          </a:prstGeom>
+          <a:solidFill>
+            <a:schemeClr val="accent2">
+              <a:alpha val="20000"/>
+            </a:schemeClr>
+          </a:solidFill>
+          <a:ln>
+            <a:solidFill>
+              <a:srgbClr val="00B0F0"/>
+            </a:solidFill>
+          </a:ln>
+        </p:spPr>
+        <p:style>
+          <a:lnRef idx="2">
+            <a:schemeClr val="accent1">
+              <a:shade val="50000"/>
+            </a:schemeClr>
+          </a:lnRef>
+          <a:fillRef idx="1">
+            <a:schemeClr val="accent1"/>
+          </a:fillRef>
+          <a:effectRef idx="0">
+            <a:schemeClr val="accent1"/>
+          </a:effectRef>
+          <a:fontRef idx="minor">
+            <a:schemeClr val="lt1"/>
+          </a:fontRef>
+        </p:style>
+        <p:txBody>
+          <a:bodyPr rot="0" spcFirstLastPara="0" vertOverflow="overflow" horzOverflow="overflow" vert="horz" wrap="square" lIns="91440" tIns="45720" rIns="91440" bIns="45720" numCol="1" spcCol="0" rtlCol="0" fromWordArt="0" anchor="ctr" anchorCtr="0" forceAA="0" compatLnSpc="1">
+            <a:prstTxWarp prst="textNoShape">
+              <a:avLst/>
+            </a:prstTxWarp>
+            <a:noAutofit/>
+          </a:bodyPr>
+          <a:lstStyle/>
+          <a:p>
+            <a:pPr algn="ctr"/>
+            <a:r>
+              <a:rPr lang="en-US" dirty="0">
+                <a:solidFill>
+                  <a:srgbClr val="FF0000"/>
+                </a:solidFill>
+              </a:rPr>
+              <a:t>C or E ?</a:t>
+            </a:r>
+          </a:p>
+        </p:txBody>
+      </p:sp>
+    </p:spTree>
+    <p:extLst>
+      <p:ext uri="{BB962C8B-B14F-4D97-AF65-F5344CB8AC3E}">
+        <p14:creationId xmlns:p14="http://schemas.microsoft.com/office/powerpoint/2010/main" val="2052829995"/>
+      </p:ext>
+    </p:extLst>
+  </p:cSld>
+  <p:clrMapOvr>
+    <a:masterClrMapping/>
+  </p:clrMapOvr>
+  <p:timing>
+    <p:tnLst>
+      <p:par>
+        <p:cTn id="1" dur="indefinite" restart="never" nodeType="tmRoot">
+          <p:childTnLst>
+            <p:seq concurrent="1" nextAc="seek">
+              <p:cTn id="2" dur="indefinite" nodeType="mainSeq">
+                <p:childTnLst>
+                  <p:par>
+                    <p:cTn id="3" fill="hold">
+                      <p:stCondLst>
+                        <p:cond delay="indefinite"/>
+                      </p:stCondLst>
+                      <p:childTnLst>
+                        <p:par>
+                          <p:cTn id="4" fill="hold">
+                            <p:stCondLst>
+                              <p:cond delay="0"/>
+                            </p:stCondLst>
+                            <p:childTnLst>
+                              <p:par>
+                                <p:cTn id="5" presetID="42" presetClass="entr" presetSubtype="0" fill="hold" grpId="0" nodeType="clickEffect">
+                                  <p:stCondLst>
+                                    <p:cond delay="0"/>
+                                  </p:stCondLst>
+                                  <p:childTnLst>
+                                    <p:set>
+                                      <p:cBhvr>
+                                        <p:cTn id="6" dur="1" fill="hold">
+                                          <p:stCondLst>
+                                            <p:cond delay="0"/>
+                                          </p:stCondLst>
+                                        </p:cTn>
+                                        <p:tgtEl>
+                                          <p:spTgt spid="19"/>
+                                        </p:tgtEl>
+                                        <p:attrNameLst>
+                                          <p:attrName>style.visibility</p:attrName>
+                                        </p:attrNameLst>
+                                      </p:cBhvr>
+                                      <p:to>
+                                        <p:strVal val="visible"/>
+                                      </p:to>
+                                    </p:set>
+                                    <p:animEffect transition="in" filter="fade">
+                                      <p:cBhvr>
+                                        <p:cTn id="7" dur="1000"/>
+                                        <p:tgtEl>
+                                          <p:spTgt spid="19"/>
+                                        </p:tgtEl>
+                                      </p:cBhvr>
+                                    </p:animEffect>
+                                    <p:anim calcmode="lin" valueType="num">
+                                      <p:cBhvr>
+                                        <p:cTn id="8" dur="1000" fill="hold"/>
+                                        <p:tgtEl>
+                                          <p:spTgt spid="19"/>
+                                        </p:tgtEl>
+                                        <p:attrNameLst>
+                                          <p:attrName>ppt_x</p:attrName>
+                                        </p:attrNameLst>
+                                      </p:cBhvr>
+                                      <p:tavLst>
+                                        <p:tav tm="0">
+                                          <p:val>
+                                            <p:strVal val="#ppt_x"/>
+                                          </p:val>
+                                        </p:tav>
+                                        <p:tav tm="100000">
+                                          <p:val>
+                                            <p:strVal val="#ppt_x"/>
+                                          </p:val>
+                                        </p:tav>
+                                      </p:tavLst>
+                                    </p:anim>
+                                    <p:anim calcmode="lin" valueType="num">
+                                      <p:cBhvr>
+                                        <p:cTn id="9" dur="1000" fill="hold"/>
+                                        <p:tgtEl>
+                                          <p:spTgt spid="19"/>
+                                        </p:tgtEl>
+                                        <p:attrNameLst>
+                                          <p:attrName>ppt_y</p:attrName>
+                                        </p:attrNameLst>
+                                      </p:cBhvr>
+                                      <p:tavLst>
+                                        <p:tav tm="0">
+                                          <p:val>
+                                            <p:strVal val="#ppt_y+.1"/>
+                                          </p:val>
+                                        </p:tav>
+                                        <p:tav tm="100000">
+                                          <p:val>
+                                            <p:strVal val="#ppt_y"/>
+                                          </p:val>
+                                        </p:tav>
+                                      </p:tavLst>
+                                    </p:anim>
+                                  </p:childTnLst>
+                                </p:cTn>
+                              </p:par>
+                            </p:childTnLst>
+                          </p:cTn>
+                        </p:par>
+                      </p:childTnLst>
+                    </p:cTn>
+                  </p:par>
+                  <p:par>
+                    <p:cTn id="10" fill="hold">
+                      <p:stCondLst>
+                        <p:cond delay="indefinite"/>
+                      </p:stCondLst>
+                      <p:childTnLst>
+                        <p:par>
+                          <p:cTn id="11" fill="hold">
+                            <p:stCondLst>
+                              <p:cond delay="0"/>
+                            </p:stCondLst>
+                            <p:childTnLst>
+                              <p:par>
+                                <p:cTn id="12" presetID="22" presetClass="entr" presetSubtype="8" fill="hold" nodeType="clickEffect">
+                                  <p:stCondLst>
+                                    <p:cond delay="0"/>
+                                  </p:stCondLst>
+                                  <p:childTnLst>
+                                    <p:set>
+                                      <p:cBhvr>
+                                        <p:cTn id="13" dur="1" fill="hold">
+                                          <p:stCondLst>
+                                            <p:cond delay="0"/>
+                                          </p:stCondLst>
+                                        </p:cTn>
+                                        <p:tgtEl>
+                                          <p:spTgt spid="15"/>
+                                        </p:tgtEl>
+                                        <p:attrNameLst>
+                                          <p:attrName>style.visibility</p:attrName>
+                                        </p:attrNameLst>
+                                      </p:cBhvr>
+                                      <p:to>
+                                        <p:strVal val="visible"/>
+                                      </p:to>
+                                    </p:set>
+                                    <p:animEffect transition="in" filter="wipe(left)">
+                                      <p:cBhvr>
+                                        <p:cTn id="14" dur="500"/>
+                                        <p:tgtEl>
+                                          <p:spTgt spid="15"/>
+                                        </p:tgtEl>
+                                      </p:cBhvr>
+                                    </p:animEffect>
+                                  </p:childTnLst>
+                                </p:cTn>
+                              </p:par>
+                            </p:childTnLst>
+                          </p:cTn>
+                        </p:par>
+                        <p:par>
+                          <p:cTn id="15" fill="hold">
+                            <p:stCondLst>
+                              <p:cond delay="500"/>
+                            </p:stCondLst>
+                            <p:childTnLst>
+                              <p:par>
+                                <p:cTn id="16" presetID="22" presetClass="entr" presetSubtype="8" fill="hold" nodeType="afterEffect">
+                                  <p:stCondLst>
+                                    <p:cond delay="0"/>
+                                  </p:stCondLst>
+                                  <p:childTnLst>
+                                    <p:set>
+                                      <p:cBhvr>
+                                        <p:cTn id="17" dur="1" fill="hold">
+                                          <p:stCondLst>
+                                            <p:cond delay="0"/>
+                                          </p:stCondLst>
+                                        </p:cTn>
+                                        <p:tgtEl>
+                                          <p:spTgt spid="4"/>
+                                        </p:tgtEl>
+                                        <p:attrNameLst>
+                                          <p:attrName>style.visibility</p:attrName>
+                                        </p:attrNameLst>
+                                      </p:cBhvr>
+                                      <p:to>
+                                        <p:strVal val="visible"/>
+                                      </p:to>
+                                    </p:set>
+                                    <p:animEffect transition="in" filter="wipe(left)">
+                                      <p:cBhvr>
+                                        <p:cTn id="18" dur="500"/>
+                                        <p:tgtEl>
+                                          <p:spTgt spid="4"/>
+                                        </p:tgtEl>
+                                      </p:cBhvr>
+                                    </p:animEffect>
+                                  </p:childTnLst>
+                                </p:cTn>
+                              </p:par>
+                              <p:par>
+                                <p:cTn id="19" presetID="10" presetClass="entr" presetSubtype="0" fill="hold" grpId="0" nodeType="withEffect">
+                                  <p:stCondLst>
+                                    <p:cond delay="0"/>
+                                  </p:stCondLst>
+                                  <p:childTnLst>
+                                    <p:set>
+                                      <p:cBhvr>
+                                        <p:cTn id="20" dur="1" fill="hold">
+                                          <p:stCondLst>
+                                            <p:cond delay="0"/>
+                                          </p:stCondLst>
+                                        </p:cTn>
+                                        <p:tgtEl>
+                                          <p:spTgt spid="9"/>
+                                        </p:tgtEl>
+                                        <p:attrNameLst>
+                                          <p:attrName>style.visibility</p:attrName>
+                                        </p:attrNameLst>
+                                      </p:cBhvr>
+                                      <p:to>
+                                        <p:strVal val="visible"/>
+                                      </p:to>
+                                    </p:set>
+                                    <p:animEffect transition="in" filter="fade">
+                                      <p:cBhvr>
+                                        <p:cTn id="21" dur="500"/>
+                                        <p:tgtEl>
+                                          <p:spTgt spid="9"/>
+                                        </p:tgtEl>
+                                      </p:cBhvr>
+                                    </p:animEffect>
+                                  </p:childTnLst>
+                                </p:cTn>
+                              </p:par>
+                            </p:childTnLst>
+                          </p:cTn>
+                        </p:par>
+                      </p:childTnLst>
+                    </p:cTn>
+                  </p:par>
+                  <p:par>
+                    <p:cTn id="22" fill="hold">
+                      <p:stCondLst>
+                        <p:cond delay="indefinite"/>
+                      </p:stCondLst>
+                      <p:childTnLst>
+                        <p:par>
+                          <p:cTn id="23" fill="hold">
+                            <p:stCondLst>
+                              <p:cond delay="0"/>
+                            </p:stCondLst>
+                            <p:childTnLst>
+                              <p:par>
+                                <p:cTn id="24" presetID="10" presetClass="entr" presetSubtype="0" fill="hold" grpId="0" nodeType="clickEffect">
+                                  <p:stCondLst>
+                                    <p:cond delay="0"/>
+                                  </p:stCondLst>
+                                  <p:childTnLst>
+                                    <p:set>
+                                      <p:cBhvr>
+                                        <p:cTn id="25" dur="1" fill="hold">
+                                          <p:stCondLst>
+                                            <p:cond delay="0"/>
+                                          </p:stCondLst>
+                                        </p:cTn>
+                                        <p:tgtEl>
+                                          <p:spTgt spid="12"/>
+                                        </p:tgtEl>
+                                        <p:attrNameLst>
+                                          <p:attrName>style.visibility</p:attrName>
+                                        </p:attrNameLst>
+                                      </p:cBhvr>
+                                      <p:to>
+                                        <p:strVal val="visible"/>
+                                      </p:to>
+                                    </p:set>
+                                    <p:animEffect transition="in" filter="fade">
+                                      <p:cBhvr>
+                                        <p:cTn id="26" dur="500"/>
+                                        <p:tgtEl>
+                                          <p:spTgt spid="12"/>
+                                        </p:tgtEl>
+                                      </p:cBhvr>
+                                    </p:animEffect>
+                                  </p:childTnLst>
+                                </p:cTn>
+                              </p:par>
+                            </p:childTnLst>
+                          </p:cTn>
+                        </p:par>
+                      </p:childTnLst>
+                    </p:cTn>
+                  </p:par>
+                  <p:par>
+                    <p:cTn id="27" fill="hold">
+                      <p:stCondLst>
+                        <p:cond delay="indefinite"/>
+                      </p:stCondLst>
+                      <p:childTnLst>
+                        <p:par>
+                          <p:cTn id="28" fill="hold">
+                            <p:stCondLst>
+                              <p:cond delay="0"/>
+                            </p:stCondLst>
+                            <p:childTnLst>
+                              <p:par>
+                                <p:cTn id="29" presetID="10" presetClass="entr" presetSubtype="0" fill="hold" grpId="0" nodeType="clickEffect">
+                                  <p:stCondLst>
+                                    <p:cond delay="0"/>
+                                  </p:stCondLst>
+                                  <p:childTnLst>
+                                    <p:set>
+                                      <p:cBhvr>
+                                        <p:cTn id="30" dur="1" fill="hold">
+                                          <p:stCondLst>
+                                            <p:cond delay="0"/>
+                                          </p:stCondLst>
+                                        </p:cTn>
+                                        <p:tgtEl>
+                                          <p:spTgt spid="16"/>
+                                        </p:tgtEl>
+                                        <p:attrNameLst>
+                                          <p:attrName>style.visibility</p:attrName>
+                                        </p:attrNameLst>
+                                      </p:cBhvr>
+                                      <p:to>
+                                        <p:strVal val="visible"/>
+                                      </p:to>
+                                    </p:set>
+                                    <p:animEffect transition="in" filter="fade">
+                                      <p:cBhvr>
+                                        <p:cTn id="31" dur="500"/>
+                                        <p:tgtEl>
+                                          <p:spTgt spid="16"/>
+                                        </p:tgtEl>
+                                      </p:cBhvr>
+                                    </p:animEffect>
+                                  </p:childTnLst>
+                                </p:cTn>
+                              </p:par>
+                            </p:childTnLst>
+                          </p:cTn>
+                        </p:par>
+                      </p:childTnLst>
+                    </p:cTn>
+                  </p:par>
+                  <p:par>
+                    <p:cTn id="32" fill="hold">
+                      <p:stCondLst>
+                        <p:cond delay="indefinite"/>
+                      </p:stCondLst>
+                      <p:childTnLst>
+                        <p:par>
+                          <p:cTn id="33" fill="hold">
+                            <p:stCondLst>
+                              <p:cond delay="0"/>
+                            </p:stCondLst>
+                            <p:childTnLst>
+                              <p:par>
+                                <p:cTn id="34" presetID="42" presetClass="entr" presetSubtype="0" fill="hold" grpId="0" nodeType="clickEffect">
+                                  <p:stCondLst>
+                                    <p:cond delay="0"/>
+                                  </p:stCondLst>
+                                  <p:childTnLst>
+                                    <p:set>
+                                      <p:cBhvr>
+                                        <p:cTn id="35" dur="1" fill="hold">
+                                          <p:stCondLst>
+                                            <p:cond delay="0"/>
+                                          </p:stCondLst>
+                                        </p:cTn>
+                                        <p:tgtEl>
+                                          <p:spTgt spid="14"/>
+                                        </p:tgtEl>
+                                        <p:attrNameLst>
+                                          <p:attrName>style.visibility</p:attrName>
+                                        </p:attrNameLst>
+                                      </p:cBhvr>
+                                      <p:to>
+                                        <p:strVal val="visible"/>
+                                      </p:to>
+                                    </p:set>
+                                    <p:animEffect transition="in" filter="fade">
+                                      <p:cBhvr>
+                                        <p:cTn id="36" dur="1000"/>
+                                        <p:tgtEl>
+                                          <p:spTgt spid="14"/>
+                                        </p:tgtEl>
+                                      </p:cBhvr>
+                                    </p:animEffect>
+                                    <p:anim calcmode="lin" valueType="num">
+                                      <p:cBhvr>
+                                        <p:cTn id="37" dur="1000" fill="hold"/>
+                                        <p:tgtEl>
+                                          <p:spTgt spid="14"/>
+                                        </p:tgtEl>
+                                        <p:attrNameLst>
+                                          <p:attrName>ppt_x</p:attrName>
+                                        </p:attrNameLst>
+                                      </p:cBhvr>
+                                      <p:tavLst>
+                                        <p:tav tm="0">
+                                          <p:val>
+                                            <p:strVal val="#ppt_x"/>
+                                          </p:val>
+                                        </p:tav>
+                                        <p:tav tm="100000">
+                                          <p:val>
+                                            <p:strVal val="#ppt_x"/>
+                                          </p:val>
+                                        </p:tav>
+                                      </p:tavLst>
+                                    </p:anim>
+                                    <p:anim calcmode="lin" valueType="num">
+                                      <p:cBhvr>
+                                        <p:cTn id="38" dur="1000" fill="hold"/>
+                                        <p:tgtEl>
+                                          <p:spTgt spid="14"/>
+                                        </p:tgtEl>
+                                        <p:attrNameLst>
+                                          <p:attrName>ppt_y</p:attrName>
+                                        </p:attrNameLst>
+                                      </p:cBhvr>
+                                      <p:tavLst>
+                                        <p:tav tm="0">
+                                          <p:val>
+                                            <p:strVal val="#ppt_y+.1"/>
+                                          </p:val>
+                                        </p:tav>
+                                        <p:tav tm="100000">
+                                          <p:val>
+                                            <p:strVal val="#ppt_y"/>
+                                          </p:val>
+                                        </p:tav>
+                                      </p:tavLst>
+                                    </p:anim>
+                                  </p:childTnLst>
+                                </p:cTn>
+                              </p:par>
+                            </p:childTnLst>
+                          </p:cTn>
+                        </p:par>
+                      </p:childTnLst>
+                    </p:cTn>
+                  </p:par>
+                </p:childTnLst>
+              </p:cTn>
+              <p:prevCondLst>
+                <p:cond evt="onPrev" delay="0">
+                  <p:tgtEl>
+                    <p:sldTgt/>
+                  </p:tgtEl>
+                </p:cond>
+              </p:prevCondLst>
+              <p:nextCondLst>
+                <p:cond evt="onNext" delay="0">
+                  <p:tgtEl>
+                    <p:sldTgt/>
+                  </p:tgtEl>
+                </p:cond>
+              </p:nextCondLst>
+            </p:seq>
+          </p:childTnLst>
+        </p:cTn>
+      </p:par>
+    </p:tnLst>
+    <p:bldLst>
+      <p:bldP spid="19" grpId="0"/>
+      <p:bldP spid="14" grpId="0"/>
+      <p:bldP spid="9" grpId="0"/>
+      <p:bldP spid="12" grpId="0" animBg="1"/>
+      <p:bldP spid="16" grpId="0" animBg="1"/>
+    </p:bldLst>
+  </p:timing>
+</p:sld>
+</file>
+
+<file path=ppt/slides/slide7.xml><?xml version="1.0" encoding="utf-8"?>
+<p:sld xmlns:a="http://schemas.openxmlformats.org/drawingml/2006/main" xmlns:r="http://schemas.openxmlformats.org/officeDocument/2006/relationships" xmlns:p="http://schemas.openxmlformats.org/presentationml/2006/main">
+  <p:cSld>
+    <p:spTree>
+      <p:nvGrpSpPr>
+        <p:cNvPr id="1" name=""/>
+        <p:cNvGrpSpPr/>
+        <p:nvPr/>
+      </p:nvGrpSpPr>
+      <p:grpSpPr>
+        <a:xfrm>
+          <a:off x="0" y="0"/>
+          <a:ext cx="0" cy="0"/>
+          <a:chOff x="0" y="0"/>
+          <a:chExt cx="0" cy="0"/>
+        </a:xfrm>
+      </p:grpSpPr>
+      <p:sp>
+        <p:nvSpPr>
+          <p:cNvPr id="5" name="Title 1">
+            <a:extLst>
+              <a:ext uri="{FF2B5EF4-FFF2-40B4-BE49-F238E27FC236}">
+                <a16:creationId xmlns:a16="http://schemas.microsoft.com/office/drawing/2014/main" id="{F11C875C-9CAA-4838-BBDD-43705F932F58}"/>
+              </a:ext>
+            </a:extLst>
+          </p:cNvPr>
+          <p:cNvSpPr txBox="1">
+            <a:spLocks/>
+          </p:cNvSpPr>
+          <p:nvPr/>
+        </p:nvSpPr>
+        <p:spPr>
+          <a:xfrm>
+            <a:off x="292001" y="181661"/>
+            <a:ext cx="11019366" cy="847465"/>
+          </a:xfrm>
+          <a:prstGeom prst="rect">
+            <a:avLst/>
+          </a:prstGeom>
+        </p:spPr>
+        <p:txBody>
+          <a:bodyPr vert="horz" lIns="91440" tIns="45720" rIns="91440" bIns="45720" rtlCol="0" anchor="t">
+            <a:normAutofit fontScale="97500"/>
+          </a:bodyPr>
+          <a:lstStyle>
+            <a:lvl1pPr algn="l" defTabSz="457200" rtl="0" eaLnBrk="1" latinLnBrk="0" hangingPunct="1">
+              <a:spcBef>
+                <a:spcPct val="0"/>
+              </a:spcBef>
+              <a:buNone/>
+              <a:defRPr sz="3600" kern="1200">
+                <a:solidFill>
+                  <a:schemeClr val="accent1"/>
+                </a:solidFill>
+                <a:latin typeface="+mj-lt"/>
+                <a:ea typeface="+mj-ea"/>
+                <a:cs typeface="+mj-cs"/>
+              </a:defRPr>
+            </a:lvl1pPr>
+            <a:lvl2pPr eaLnBrk="1" hangingPunct="1">
+              <a:defRPr>
+                <a:solidFill>
+                  <a:schemeClr val="tx2"/>
+                </a:solidFill>
+              </a:defRPr>
+            </a:lvl2pPr>
+            <a:lvl3pPr eaLnBrk="1" hangingPunct="1">
+              <a:defRPr>
+                <a:solidFill>
+                  <a:schemeClr val="tx2"/>
+                </a:solidFill>
+              </a:defRPr>
+            </a:lvl3pPr>
+            <a:lvl4pPr eaLnBrk="1" hangingPunct="1">
+              <a:defRPr>
+                <a:solidFill>
+                  <a:schemeClr val="tx2"/>
+                </a:solidFill>
+              </a:defRPr>
+            </a:lvl4pPr>
+            <a:lvl5pPr eaLnBrk="1" hangingPunct="1">
+              <a:defRPr>
+                <a:solidFill>
+                  <a:schemeClr val="tx2"/>
+                </a:solidFill>
+              </a:defRPr>
+            </a:lvl5pPr>
+            <a:lvl6pPr eaLnBrk="1" hangingPunct="1">
+              <a:defRPr>
+                <a:solidFill>
+                  <a:schemeClr val="tx2"/>
+                </a:solidFill>
+              </a:defRPr>
+            </a:lvl6pPr>
+            <a:lvl7pPr eaLnBrk="1" hangingPunct="1">
+              <a:defRPr>
+                <a:solidFill>
+                  <a:schemeClr val="tx2"/>
+                </a:solidFill>
+              </a:defRPr>
+            </a:lvl7pPr>
+            <a:lvl8pPr eaLnBrk="1" hangingPunct="1">
+              <a:defRPr>
+                <a:solidFill>
+                  <a:schemeClr val="tx2"/>
+                </a:solidFill>
+              </a:defRPr>
+            </a:lvl8pPr>
+            <a:lvl9pPr eaLnBrk="1" hangingPunct="1">
+              <a:defRPr>
+                <a:solidFill>
+                  <a:schemeClr val="tx2"/>
+                </a:solidFill>
+              </a:defRPr>
+            </a:lvl9pPr>
+          </a:lstStyle>
+          <a:p>
+            <a:r>
+              <a:rPr lang="en-US" dirty="0">
+                <a:solidFill>
+                  <a:srgbClr val="002060"/>
+                </a:solidFill>
+              </a:rPr>
+              <a:t>Results: Accuracy vs Number of PC</a:t>
+            </a:r>
+          </a:p>
+          <a:p>
+            <a:endParaRPr lang="en-US" dirty="0">
+              <a:solidFill>
+                <a:srgbClr val="002060"/>
+              </a:solidFill>
+            </a:endParaRPr>
+          </a:p>
+        </p:txBody>
+      </p:sp>
+      <p:pic>
+        <p:nvPicPr>
+          <p:cNvPr id="14" name="Picture 13">
+            <a:extLst>
+              <a:ext uri="{FF2B5EF4-FFF2-40B4-BE49-F238E27FC236}">
+                <a16:creationId xmlns:a16="http://schemas.microsoft.com/office/drawing/2014/main" id="{A5018CE7-28D9-4022-9A9E-B2B9B8CA48FE}"/>
+              </a:ext>
+            </a:extLst>
+          </p:cNvPr>
+          <p:cNvPicPr>
+            <a:picLocks noChangeAspect="1"/>
+          </p:cNvPicPr>
+          <p:nvPr/>
+        </p:nvPicPr>
+        <p:blipFill>
+          <a:blip r:embed="rId2"/>
+          <a:stretch>
+            <a:fillRect/>
+          </a:stretch>
+        </p:blipFill>
+        <p:spPr>
+          <a:xfrm>
+            <a:off x="1984216" y="1702903"/>
+            <a:ext cx="8112284" cy="5155097"/>
+          </a:xfrm>
+          <a:prstGeom prst="rect">
+            <a:avLst/>
+          </a:prstGeom>
+        </p:spPr>
+      </p:pic>
+      <p:grpSp>
+        <p:nvGrpSpPr>
+          <p:cNvPr id="23" name="Group 22">
+            <a:extLst>
+              <a:ext uri="{FF2B5EF4-FFF2-40B4-BE49-F238E27FC236}">
+                <a16:creationId xmlns:a16="http://schemas.microsoft.com/office/drawing/2014/main" id="{92AFB317-F39E-4D8D-BF6D-081F2F0B5691}"/>
+              </a:ext>
+            </a:extLst>
+          </p:cNvPr>
+          <p:cNvGrpSpPr/>
+          <p:nvPr/>
+        </p:nvGrpSpPr>
+        <p:grpSpPr>
+          <a:xfrm>
+            <a:off x="3284119" y="3200400"/>
+            <a:ext cx="2695730" cy="1496716"/>
+            <a:chOff x="3400270" y="2732384"/>
+            <a:chExt cx="2695730" cy="1496716"/>
+          </a:xfrm>
+        </p:grpSpPr>
+        <p:sp>
+          <p:nvSpPr>
+            <p:cNvPr id="17" name="Oval 16">
+              <a:extLst>
+                <a:ext uri="{FF2B5EF4-FFF2-40B4-BE49-F238E27FC236}">
+                  <a16:creationId xmlns:a16="http://schemas.microsoft.com/office/drawing/2014/main" id="{520F6D53-68A7-4282-831D-E164F3C4C7C3}"/>
+                </a:ext>
+              </a:extLst>
+            </p:cNvPr>
+            <p:cNvSpPr/>
+            <p:nvPr/>
+          </p:nvSpPr>
+          <p:spPr>
+            <a:xfrm rot="1773951">
+              <a:off x="3400270" y="2732384"/>
+              <a:ext cx="1003399" cy="457200"/>
+            </a:xfrm>
+            <a:prstGeom prst="ellipse">
+              <a:avLst/>
+            </a:prstGeom>
+            <a:noFill/>
+            <a:ln w="76200">
+              <a:solidFill>
+                <a:srgbClr val="00B0F0">
+                  <a:alpha val="48000"/>
+                </a:srgbClr>
+              </a:solidFill>
+            </a:ln>
+          </p:spPr>
+          <p:style>
+            <a:lnRef idx="2">
+              <a:schemeClr val="accent1">
+                <a:shade val="50000"/>
+              </a:schemeClr>
+            </a:lnRef>
+            <a:fillRef idx="1">
+              <a:schemeClr val="accent1"/>
+            </a:fillRef>
+            <a:effectRef idx="0">
+              <a:schemeClr val="accent1"/>
+            </a:effectRef>
+            <a:fontRef idx="minor">
+              <a:schemeClr val="lt1"/>
+            </a:fontRef>
+          </p:style>
+          <p:txBody>
+            <a:bodyPr rtlCol="0" anchor="ctr"/>
+            <a:lstStyle/>
+            <a:p>
+              <a:pPr algn="ctr"/>
+              <a:endParaRPr lang="en-US"/>
+            </a:p>
+          </p:txBody>
+        </p:sp>
+        <p:sp>
+          <p:nvSpPr>
+            <p:cNvPr id="18" name="Speech Bubble: Rectangle with Corners Rounded 17">
+              <a:extLst>
+                <a:ext uri="{FF2B5EF4-FFF2-40B4-BE49-F238E27FC236}">
+                  <a16:creationId xmlns:a16="http://schemas.microsoft.com/office/drawing/2014/main" id="{80EB8B5B-B3C1-44AB-99E3-63FF1DF8C61B}"/>
+                </a:ext>
+              </a:extLst>
+            </p:cNvPr>
+            <p:cNvSpPr/>
+            <p:nvPr/>
+          </p:nvSpPr>
+          <p:spPr>
+            <a:xfrm>
+              <a:off x="4610100" y="3543300"/>
+              <a:ext cx="1485900" cy="685800"/>
+            </a:xfrm>
+            <a:prstGeom prst="wedgeRoundRectCallout">
+              <a:avLst>
+                <a:gd name="adj1" fmla="val -69853"/>
+                <a:gd name="adj2" fmla="val -80357"/>
+                <a:gd name="adj3" fmla="val 16667"/>
+              </a:avLst>
+            </a:prstGeom>
+            <a:solidFill>
+              <a:srgbClr val="FFFF00"/>
+            </a:solidFill>
+          </p:spPr>
+          <p:style>
+            <a:lnRef idx="2">
+              <a:schemeClr val="accent1">
+                <a:shade val="50000"/>
+              </a:schemeClr>
+            </a:lnRef>
+            <a:fillRef idx="1">
+              <a:schemeClr val="accent1"/>
+            </a:fillRef>
+            <a:effectRef idx="0">
+              <a:schemeClr val="accent1"/>
+            </a:effectRef>
+            <a:fontRef idx="minor">
+              <a:schemeClr val="lt1"/>
+            </a:fontRef>
+          </p:style>
+          <p:txBody>
+            <a:bodyPr rtlCol="0" anchor="ctr"/>
+            <a:lstStyle/>
+            <a:p>
+              <a:pPr algn="ctr"/>
+              <a:r>
+                <a:rPr lang="en-US" dirty="0" err="1">
+                  <a:solidFill>
+                    <a:srgbClr val="002060"/>
+                  </a:solidFill>
+                </a:rPr>
+                <a:t>OneVsRest</a:t>
+              </a:r>
+              <a:endParaRPr lang="en-US" dirty="0">
+                <a:solidFill>
+                  <a:srgbClr val="002060"/>
+                </a:solidFill>
+              </a:endParaRPr>
+            </a:p>
+          </p:txBody>
+        </p:sp>
+      </p:grpSp>
+      <p:grpSp>
+        <p:nvGrpSpPr>
+          <p:cNvPr id="3" name="Group 2">
+            <a:extLst>
+              <a:ext uri="{FF2B5EF4-FFF2-40B4-BE49-F238E27FC236}">
+                <a16:creationId xmlns:a16="http://schemas.microsoft.com/office/drawing/2014/main" id="{6752D4F8-081A-4556-8E37-2F42D8215138}"/>
+              </a:ext>
+            </a:extLst>
+          </p:cNvPr>
+          <p:cNvGrpSpPr/>
+          <p:nvPr/>
+        </p:nvGrpSpPr>
+        <p:grpSpPr>
+          <a:xfrm>
+            <a:off x="344539" y="1877374"/>
+            <a:ext cx="3147163" cy="1088563"/>
+            <a:chOff x="344539" y="1877374"/>
+            <a:chExt cx="3147163" cy="1088563"/>
+          </a:xfrm>
+        </p:grpSpPr>
+        <p:sp>
+          <p:nvSpPr>
+            <p:cNvPr id="19" name="Speech Bubble: Rectangle with Corners Rounded 18">
+              <a:extLst>
+                <a:ext uri="{FF2B5EF4-FFF2-40B4-BE49-F238E27FC236}">
+                  <a16:creationId xmlns:a16="http://schemas.microsoft.com/office/drawing/2014/main" id="{52381E81-23BB-4204-8FD5-D26B6A1F5C7A}"/>
+                </a:ext>
+              </a:extLst>
+            </p:cNvPr>
+            <p:cNvSpPr/>
+            <p:nvPr/>
+          </p:nvSpPr>
+          <p:spPr>
+            <a:xfrm>
+              <a:off x="344539" y="1877374"/>
+              <a:ext cx="1485900" cy="685800"/>
+            </a:xfrm>
+            <a:prstGeom prst="wedgeRoundRectCallout">
+              <a:avLst>
+                <a:gd name="adj1" fmla="val 132818"/>
+                <a:gd name="adj2" fmla="val 85490"/>
+                <a:gd name="adj3" fmla="val 16667"/>
+              </a:avLst>
+            </a:prstGeom>
+            <a:solidFill>
+              <a:srgbClr val="FFFF00"/>
+            </a:solidFill>
+          </p:spPr>
+          <p:style>
+            <a:lnRef idx="2">
+              <a:schemeClr val="accent1">
+                <a:shade val="50000"/>
+              </a:schemeClr>
+            </a:lnRef>
+            <a:fillRef idx="1">
+              <a:schemeClr val="accent1"/>
+            </a:fillRef>
+            <a:effectRef idx="0">
+              <a:schemeClr val="accent1"/>
+            </a:effectRef>
+            <a:fontRef idx="minor">
+              <a:schemeClr val="lt1"/>
+            </a:fontRef>
+          </p:style>
+          <p:txBody>
+            <a:bodyPr rtlCol="0" anchor="ctr"/>
+            <a:lstStyle/>
+            <a:p>
+              <a:pPr algn="ctr"/>
+              <a:r>
+                <a:rPr lang="en-US" dirty="0" err="1">
+                  <a:solidFill>
+                    <a:srgbClr val="002060"/>
+                  </a:solidFill>
+                </a:rPr>
+                <a:t>OneVsOne</a:t>
+              </a:r>
+              <a:endParaRPr lang="en-US" dirty="0">
+                <a:solidFill>
+                  <a:srgbClr val="002060"/>
+                </a:solidFill>
+              </a:endParaRPr>
+            </a:p>
+          </p:txBody>
+        </p:sp>
+        <p:sp>
+          <p:nvSpPr>
+            <p:cNvPr id="20" name="Oval 19">
+              <a:extLst>
+                <a:ext uri="{FF2B5EF4-FFF2-40B4-BE49-F238E27FC236}">
+                  <a16:creationId xmlns:a16="http://schemas.microsoft.com/office/drawing/2014/main" id="{73B86C22-E865-4134-B8BA-7261808CE2CE}"/>
+                </a:ext>
+              </a:extLst>
+            </p:cNvPr>
+            <p:cNvSpPr/>
+            <p:nvPr/>
+          </p:nvSpPr>
+          <p:spPr>
+            <a:xfrm rot="1773951">
+              <a:off x="3114637" y="2563385"/>
+              <a:ext cx="377065" cy="402552"/>
+            </a:xfrm>
+            <a:prstGeom prst="ellipse">
+              <a:avLst/>
+            </a:prstGeom>
+            <a:noFill/>
+            <a:ln w="76200">
+              <a:solidFill>
+                <a:srgbClr val="00B0F0">
+                  <a:alpha val="48000"/>
+                </a:srgbClr>
+              </a:solidFill>
+            </a:ln>
+          </p:spPr>
+          <p:style>
+            <a:lnRef idx="2">
+              <a:schemeClr val="accent1">
+                <a:shade val="50000"/>
+              </a:schemeClr>
+            </a:lnRef>
+            <a:fillRef idx="1">
+              <a:schemeClr val="accent1"/>
+            </a:fillRef>
+            <a:effectRef idx="0">
+              <a:schemeClr val="accent1"/>
+            </a:effectRef>
+            <a:fontRef idx="minor">
+              <a:schemeClr val="lt1"/>
+            </a:fontRef>
+          </p:style>
+          <p:txBody>
+            <a:bodyPr rtlCol="0" anchor="ctr"/>
+            <a:lstStyle/>
+            <a:p>
+              <a:pPr algn="ctr"/>
+              <a:endParaRPr lang="en-US" dirty="0"/>
+            </a:p>
+          </p:txBody>
+        </p:sp>
+      </p:grpSp>
+      <p:sp>
+        <p:nvSpPr>
+          <p:cNvPr id="21" name="TextBox 20">
+            <a:extLst>
+              <a:ext uri="{FF2B5EF4-FFF2-40B4-BE49-F238E27FC236}">
+                <a16:creationId xmlns:a16="http://schemas.microsoft.com/office/drawing/2014/main" id="{586A0C4C-167D-41C8-BC77-8C4E9A9D51FD}"/>
+              </a:ext>
+            </a:extLst>
+          </p:cNvPr>
+          <p:cNvSpPr txBox="1"/>
+          <p:nvPr/>
+        </p:nvSpPr>
+        <p:spPr>
+          <a:xfrm>
+            <a:off x="7353300" y="3311937"/>
+            <a:ext cx="1883849" cy="1569660"/>
+          </a:xfrm>
+          <a:prstGeom prst="rect">
+            <a:avLst/>
+          </a:prstGeom>
+          <a:noFill/>
+        </p:spPr>
+        <p:txBody>
+          <a:bodyPr wrap="none" rtlCol="0">
+            <a:spAutoFit/>
+          </a:bodyPr>
+          <a:lstStyle/>
+          <a:p>
+            <a:r>
+              <a:rPr lang="en-US" sz="2400" dirty="0" err="1">
+                <a:solidFill>
+                  <a:srgbClr val="002060"/>
+                </a:solidFill>
+              </a:rPr>
+              <a:t>OneVsOne</a:t>
+            </a:r>
+            <a:r>
+              <a:rPr lang="en-US" sz="2400" dirty="0">
+                <a:solidFill>
+                  <a:srgbClr val="002060"/>
+                </a:solidFill>
+              </a:rPr>
+              <a:t> is</a:t>
+            </a:r>
+          </a:p>
+          <a:p>
+            <a:r>
+              <a:rPr lang="en-US" sz="2400" dirty="0">
+                <a:solidFill>
+                  <a:srgbClr val="002060"/>
+                </a:solidFill>
+              </a:rPr>
+              <a:t>better when</a:t>
+            </a:r>
+          </a:p>
+          <a:p>
+            <a:r>
+              <a:rPr lang="en-US" sz="2400" dirty="0">
+                <a:solidFill>
+                  <a:srgbClr val="002060"/>
+                </a:solidFill>
+              </a:rPr>
+              <a:t>the number </a:t>
+            </a:r>
+          </a:p>
+          <a:p>
+            <a:r>
+              <a:rPr lang="en-US" sz="2400" dirty="0">
+                <a:solidFill>
+                  <a:srgbClr val="002060"/>
+                </a:solidFill>
+              </a:rPr>
+              <a:t>of PC &lt; 15</a:t>
+            </a:r>
+          </a:p>
+        </p:txBody>
+      </p:sp>
+      <p:sp>
+        <p:nvSpPr>
+          <p:cNvPr id="2" name="Rectangle 1">
+            <a:extLst>
+              <a:ext uri="{FF2B5EF4-FFF2-40B4-BE49-F238E27FC236}">
+                <a16:creationId xmlns:a16="http://schemas.microsoft.com/office/drawing/2014/main" id="{3101410B-4D12-422F-B98B-D38CFF7D5334}"/>
+              </a:ext>
+            </a:extLst>
+          </p:cNvPr>
+          <p:cNvSpPr/>
+          <p:nvPr/>
+        </p:nvSpPr>
+        <p:spPr>
+          <a:xfrm>
+            <a:off x="2667000" y="935664"/>
+            <a:ext cx="8070607" cy="523220"/>
+          </a:xfrm>
+          <a:prstGeom prst="rect">
+            <a:avLst/>
+          </a:prstGeom>
+        </p:spPr>
+        <p:txBody>
+          <a:bodyPr wrap="none">
+            <a:spAutoFit/>
+          </a:bodyPr>
+          <a:lstStyle/>
+          <a:p>
+            <a:r>
+              <a:rPr lang="en-US" sz="2800" dirty="0">
+                <a:solidFill>
+                  <a:srgbClr val="0070C0"/>
+                </a:solidFill>
+              </a:rPr>
+              <a:t>Accuracy = Percentage of Correct Classifications </a:t>
+            </a:r>
+          </a:p>
+        </p:txBody>
+      </p:sp>
+      <p:grpSp>
+        <p:nvGrpSpPr>
+          <p:cNvPr id="7" name="Group 6">
+            <a:extLst>
+              <a:ext uri="{FF2B5EF4-FFF2-40B4-BE49-F238E27FC236}">
+                <a16:creationId xmlns:a16="http://schemas.microsoft.com/office/drawing/2014/main" id="{D020B265-BF6B-40E4-B76C-77519FD68172}"/>
+              </a:ext>
+            </a:extLst>
+          </p:cNvPr>
+          <p:cNvGrpSpPr/>
+          <p:nvPr/>
+        </p:nvGrpSpPr>
+        <p:grpSpPr>
+          <a:xfrm>
+            <a:off x="4704601" y="2181532"/>
+            <a:ext cx="1789348" cy="1476068"/>
+            <a:chOff x="4704601" y="2181532"/>
+            <a:chExt cx="1789348" cy="1476068"/>
+          </a:xfrm>
+        </p:grpSpPr>
+        <p:sp>
+          <p:nvSpPr>
+            <p:cNvPr id="4" name="Oval 3">
+              <a:extLst>
+                <a:ext uri="{FF2B5EF4-FFF2-40B4-BE49-F238E27FC236}">
+                  <a16:creationId xmlns:a16="http://schemas.microsoft.com/office/drawing/2014/main" id="{4D458EBB-5B35-4391-8BF2-99C410B5C56E}"/>
+                </a:ext>
+              </a:extLst>
+            </p:cNvPr>
+            <p:cNvSpPr/>
+            <p:nvPr/>
+          </p:nvSpPr>
+          <p:spPr>
+            <a:xfrm>
+              <a:off x="4704601" y="2181532"/>
+              <a:ext cx="228600" cy="861056"/>
+            </a:xfrm>
+            <a:prstGeom prst="ellipse">
+              <a:avLst/>
+            </a:prstGeom>
+            <a:noFill/>
+            <a:ln w="57150">
+              <a:solidFill>
+                <a:srgbClr val="00B0F0">
+                  <a:alpha val="50000"/>
+                </a:srgbClr>
+              </a:solidFill>
+            </a:ln>
+          </p:spPr>
+          <p:style>
+            <a:lnRef idx="2">
+              <a:schemeClr val="accent1">
+                <a:shade val="50000"/>
+              </a:schemeClr>
+            </a:lnRef>
+            <a:fillRef idx="1">
+              <a:schemeClr val="accent1"/>
+            </a:fillRef>
+            <a:effectRef idx="0">
+              <a:schemeClr val="accent1"/>
+            </a:effectRef>
+            <a:fontRef idx="minor">
+              <a:schemeClr val="lt1"/>
+            </a:fontRef>
+          </p:style>
+          <p:txBody>
+            <a:bodyPr rtlCol="0" anchor="ctr"/>
+            <a:lstStyle/>
+            <a:p>
+              <a:pPr algn="ctr"/>
+              <a:endParaRPr lang="en-US">
+                <a:solidFill>
+                  <a:srgbClr val="002060"/>
+                </a:solidFill>
+              </a:endParaRPr>
+            </a:p>
+          </p:txBody>
+        </p:sp>
+        <p:sp>
+          <p:nvSpPr>
+            <p:cNvPr id="6" name="Speech Bubble: Rectangle with Corners Rounded 5">
+              <a:extLst>
+                <a:ext uri="{FF2B5EF4-FFF2-40B4-BE49-F238E27FC236}">
+                  <a16:creationId xmlns:a16="http://schemas.microsoft.com/office/drawing/2014/main" id="{36130E7F-235F-42D0-A9FA-86591749D944}"/>
+                </a:ext>
+              </a:extLst>
+            </p:cNvPr>
+            <p:cNvSpPr/>
+            <p:nvPr/>
+          </p:nvSpPr>
+          <p:spPr>
+            <a:xfrm>
+              <a:off x="5368130" y="3042588"/>
+              <a:ext cx="1125819" cy="615012"/>
+            </a:xfrm>
+            <a:prstGeom prst="wedgeRoundRectCallout">
+              <a:avLst>
+                <a:gd name="adj1" fmla="val -87041"/>
+                <a:gd name="adj2" fmla="val -68052"/>
+                <a:gd name="adj3" fmla="val 16667"/>
+              </a:avLst>
+            </a:prstGeom>
+            <a:solidFill>
+              <a:srgbClr val="FFFF00"/>
+            </a:solidFill>
+          </p:spPr>
+          <p:style>
+            <a:lnRef idx="2">
+              <a:schemeClr val="accent1">
+                <a:shade val="50000"/>
+              </a:schemeClr>
+            </a:lnRef>
+            <a:fillRef idx="1">
+              <a:schemeClr val="accent1"/>
+            </a:fillRef>
+            <a:effectRef idx="0">
+              <a:schemeClr val="accent1"/>
+            </a:effectRef>
+            <a:fontRef idx="minor">
+              <a:schemeClr val="lt1"/>
+            </a:fontRef>
+          </p:style>
+          <p:txBody>
+            <a:bodyPr rtlCol="0" anchor="ctr"/>
+            <a:lstStyle/>
+            <a:p>
+              <a:pPr algn="ctr"/>
+              <a:r>
+                <a:rPr lang="en-US" dirty="0">
+                  <a:solidFill>
+                    <a:srgbClr val="002060"/>
+                  </a:solidFill>
+                </a:rPr>
+                <a:t>More on 16 PCs</a:t>
+              </a:r>
+            </a:p>
+          </p:txBody>
+        </p:sp>
+      </p:grpSp>
+    </p:spTree>
+    <p:extLst>
+      <p:ext uri="{BB962C8B-B14F-4D97-AF65-F5344CB8AC3E}">
+        <p14:creationId xmlns:p14="http://schemas.microsoft.com/office/powerpoint/2010/main" val="3702932866"/>
+      </p:ext>
+    </p:extLst>
+  </p:cSld>
+  <p:clrMapOvr>
+    <a:masterClrMapping/>
+  </p:clrMapOvr>
+  <p:timing>
+    <p:tnLst>
+      <p:par>
+        <p:cTn id="1" dur="indefinite" restart="never" nodeType="tmRoot">
+          <p:childTnLst>
+            <p:seq concurrent="1" nextAc="seek">
+              <p:cTn id="2" dur="indefinite" nodeType="mainSeq">
+                <p:childTnLst>
+                  <p:par>
+                    <p:cTn id="3" fill="hold">
+                      <p:stCondLst>
+                        <p:cond delay="indefinite"/>
+                      </p:stCondLst>
+                      <p:childTnLst>
+                        <p:par>
+                          <p:cTn id="4" fill="hold">
+                            <p:stCondLst>
+                              <p:cond delay="0"/>
+                            </p:stCondLst>
+                            <p:childTnLst>
+                              <p:par>
+                                <p:cTn id="5" presetID="42" presetClass="entr" presetSubtype="0" fill="hold" grpId="0" nodeType="clickEffect">
+                                  <p:stCondLst>
+                                    <p:cond delay="0"/>
+                                  </p:stCondLst>
+                                  <p:childTnLst>
+                                    <p:set>
+                                      <p:cBhvr>
+                                        <p:cTn id="6" dur="1" fill="hold">
+                                          <p:stCondLst>
+                                            <p:cond delay="0"/>
+                                          </p:stCondLst>
+                                        </p:cTn>
+                                        <p:tgtEl>
+                                          <p:spTgt spid="2"/>
+                                        </p:tgtEl>
+                                        <p:attrNameLst>
+                                          <p:attrName>style.visibility</p:attrName>
+                                        </p:attrNameLst>
+                                      </p:cBhvr>
+                                      <p:to>
+                                        <p:strVal val="visible"/>
+                                      </p:to>
+                                    </p:set>
+                                    <p:animEffect transition="in" filter="fade">
+                                      <p:cBhvr>
+                                        <p:cTn id="7" dur="1000"/>
+                                        <p:tgtEl>
+                                          <p:spTgt spid="2"/>
+                                        </p:tgtEl>
+                                      </p:cBhvr>
+                                    </p:animEffect>
+                                    <p:anim calcmode="lin" valueType="num">
+                                      <p:cBhvr>
+                                        <p:cTn id="8" dur="1000" fill="hold"/>
+                                        <p:tgtEl>
+                                          <p:spTgt spid="2"/>
+                                        </p:tgtEl>
+                                        <p:attrNameLst>
+                                          <p:attrName>ppt_x</p:attrName>
+                                        </p:attrNameLst>
+                                      </p:cBhvr>
+                                      <p:tavLst>
+                                        <p:tav tm="0">
+                                          <p:val>
+                                            <p:strVal val="#ppt_x"/>
+                                          </p:val>
+                                        </p:tav>
+                                        <p:tav tm="100000">
+                                          <p:val>
+                                            <p:strVal val="#ppt_x"/>
+                                          </p:val>
+                                        </p:tav>
+                                      </p:tavLst>
+                                    </p:anim>
+                                    <p:anim calcmode="lin" valueType="num">
+                                      <p:cBhvr>
+                                        <p:cTn id="9" dur="1000" fill="hold"/>
+                                        <p:tgtEl>
+                                          <p:spTgt spid="2"/>
+                                        </p:tgtEl>
+                                        <p:attrNameLst>
+                                          <p:attrName>ppt_y</p:attrName>
+                                        </p:attrNameLst>
+                                      </p:cBhvr>
+                                      <p:tavLst>
+                                        <p:tav tm="0">
+                                          <p:val>
+                                            <p:strVal val="#ppt_y+.1"/>
+                                          </p:val>
+                                        </p:tav>
+                                        <p:tav tm="100000">
+                                          <p:val>
+                                            <p:strVal val="#ppt_y"/>
+                                          </p:val>
+                                        </p:tav>
+                                      </p:tavLst>
+                                    </p:anim>
+                                  </p:childTnLst>
+                                </p:cTn>
+                              </p:par>
+                            </p:childTnLst>
+                          </p:cTn>
+                        </p:par>
+                      </p:childTnLst>
+                    </p:cTn>
+                  </p:par>
+                  <p:par>
+                    <p:cTn id="10" fill="hold">
+                      <p:stCondLst>
+                        <p:cond delay="indefinite"/>
+                      </p:stCondLst>
+                      <p:childTnLst>
+                        <p:par>
+                          <p:cTn id="11" fill="hold">
+                            <p:stCondLst>
+                              <p:cond delay="0"/>
+                            </p:stCondLst>
+                            <p:childTnLst>
+                              <p:par>
+                                <p:cTn id="12" presetID="10" presetClass="entr" presetSubtype="0" fill="hold" nodeType="clickEffect">
+                                  <p:stCondLst>
+                                    <p:cond delay="0"/>
+                                  </p:stCondLst>
+                                  <p:childTnLst>
+                                    <p:set>
+                                      <p:cBhvr>
+                                        <p:cTn id="13" dur="1" fill="hold">
+                                          <p:stCondLst>
+                                            <p:cond delay="0"/>
+                                          </p:stCondLst>
+                                        </p:cTn>
+                                        <p:tgtEl>
+                                          <p:spTgt spid="14"/>
+                                        </p:tgtEl>
+                                        <p:attrNameLst>
+                                          <p:attrName>style.visibility</p:attrName>
+                                        </p:attrNameLst>
+                                      </p:cBhvr>
+                                      <p:to>
+                                        <p:strVal val="visible"/>
+                                      </p:to>
+                                    </p:set>
+                                    <p:animEffect transition="in" filter="fade">
+                                      <p:cBhvr>
+                                        <p:cTn id="14" dur="500"/>
+                                        <p:tgtEl>
+                                          <p:spTgt spid="14"/>
+                                        </p:tgtEl>
+                                      </p:cBhvr>
+                                    </p:animEffect>
+                                  </p:childTnLst>
+                                </p:cTn>
+                              </p:par>
+                            </p:childTnLst>
+                          </p:cTn>
+                        </p:par>
+                      </p:childTnLst>
+                    </p:cTn>
+                  </p:par>
+                  <p:par>
+                    <p:cTn id="15" fill="hold">
+                      <p:stCondLst>
+                        <p:cond delay="indefinite"/>
+                      </p:stCondLst>
+                      <p:childTnLst>
+                        <p:par>
+                          <p:cTn id="16" fill="hold">
+                            <p:stCondLst>
+                              <p:cond delay="0"/>
+                            </p:stCondLst>
+                            <p:childTnLst>
+                              <p:par>
+                                <p:cTn id="17" presetID="42" presetClass="entr" presetSubtype="0" fill="hold" nodeType="clickEffect">
+                                  <p:stCondLst>
+                                    <p:cond delay="0"/>
+                                  </p:stCondLst>
+                                  <p:childTnLst>
+                                    <p:set>
+                                      <p:cBhvr>
+                                        <p:cTn id="18" dur="1" fill="hold">
+                                          <p:stCondLst>
+                                            <p:cond delay="0"/>
+                                          </p:stCondLst>
+                                        </p:cTn>
+                                        <p:tgtEl>
+                                          <p:spTgt spid="3"/>
+                                        </p:tgtEl>
+                                        <p:attrNameLst>
+                                          <p:attrName>style.visibility</p:attrName>
+                                        </p:attrNameLst>
+                                      </p:cBhvr>
+                                      <p:to>
+                                        <p:strVal val="visible"/>
+                                      </p:to>
+                                    </p:set>
+                                    <p:animEffect transition="in" filter="fade">
+                                      <p:cBhvr>
+                                        <p:cTn id="19" dur="1000"/>
+                                        <p:tgtEl>
+                                          <p:spTgt spid="3"/>
+                                        </p:tgtEl>
+                                      </p:cBhvr>
+                                    </p:animEffect>
+                                    <p:anim calcmode="lin" valueType="num">
+                                      <p:cBhvr>
+                                        <p:cTn id="20" dur="1000" fill="hold"/>
+                                        <p:tgtEl>
+                                          <p:spTgt spid="3"/>
+                                        </p:tgtEl>
+                                        <p:attrNameLst>
+                                          <p:attrName>ppt_x</p:attrName>
+                                        </p:attrNameLst>
+                                      </p:cBhvr>
+                                      <p:tavLst>
+                                        <p:tav tm="0">
+                                          <p:val>
+                                            <p:strVal val="#ppt_x"/>
+                                          </p:val>
+                                        </p:tav>
+                                        <p:tav tm="100000">
+                                          <p:val>
+                                            <p:strVal val="#ppt_x"/>
+                                          </p:val>
+                                        </p:tav>
+                                      </p:tavLst>
+                                    </p:anim>
+                                    <p:anim calcmode="lin" valueType="num">
+                                      <p:cBhvr>
+                                        <p:cTn id="21" dur="1000" fill="hold"/>
+                                        <p:tgtEl>
+                                          <p:spTgt spid="3"/>
+                                        </p:tgtEl>
+                                        <p:attrNameLst>
+                                          <p:attrName>ppt_y</p:attrName>
+                                        </p:attrNameLst>
+                                      </p:cBhvr>
+                                      <p:tavLst>
+                                        <p:tav tm="0">
+                                          <p:val>
+                                            <p:strVal val="#ppt_y+.1"/>
+                                          </p:val>
+                                        </p:tav>
+                                        <p:tav tm="100000">
+                                          <p:val>
+                                            <p:strVal val="#ppt_y"/>
+                                          </p:val>
+                                        </p:tav>
+                                      </p:tavLst>
+                                    </p:anim>
+                                  </p:childTnLst>
+                                </p:cTn>
+                              </p:par>
+                            </p:childTnLst>
+                          </p:cTn>
+                        </p:par>
+                      </p:childTnLst>
+                    </p:cTn>
+                  </p:par>
+                  <p:par>
+                    <p:cTn id="22" fill="hold">
+                      <p:stCondLst>
+                        <p:cond delay="indefinite"/>
+                      </p:stCondLst>
+                      <p:childTnLst>
+                        <p:par>
+                          <p:cTn id="23" fill="hold">
+                            <p:stCondLst>
+                              <p:cond delay="0"/>
+                            </p:stCondLst>
+                            <p:childTnLst>
+                              <p:par>
+                                <p:cTn id="24" presetID="42" presetClass="entr" presetSubtype="0" fill="hold" nodeType="clickEffect">
+                                  <p:stCondLst>
+                                    <p:cond delay="0"/>
+                                  </p:stCondLst>
+                                  <p:childTnLst>
+                                    <p:set>
+                                      <p:cBhvr>
+                                        <p:cTn id="25" dur="1" fill="hold">
+                                          <p:stCondLst>
+                                            <p:cond delay="0"/>
+                                          </p:stCondLst>
+                                        </p:cTn>
+                                        <p:tgtEl>
+                                          <p:spTgt spid="23"/>
+                                        </p:tgtEl>
+                                        <p:attrNameLst>
+                                          <p:attrName>style.visibility</p:attrName>
+                                        </p:attrNameLst>
+                                      </p:cBhvr>
+                                      <p:to>
+                                        <p:strVal val="visible"/>
+                                      </p:to>
+                                    </p:set>
+                                    <p:animEffect transition="in" filter="fade">
+                                      <p:cBhvr>
+                                        <p:cTn id="26" dur="1000"/>
+                                        <p:tgtEl>
+                                          <p:spTgt spid="23"/>
+                                        </p:tgtEl>
+                                      </p:cBhvr>
+                                    </p:animEffect>
+                                    <p:anim calcmode="lin" valueType="num">
+                                      <p:cBhvr>
+                                        <p:cTn id="27" dur="1000" fill="hold"/>
+                                        <p:tgtEl>
+                                          <p:spTgt spid="23"/>
+                                        </p:tgtEl>
+                                        <p:attrNameLst>
+                                          <p:attrName>ppt_x</p:attrName>
+                                        </p:attrNameLst>
+                                      </p:cBhvr>
+                                      <p:tavLst>
+                                        <p:tav tm="0">
+                                          <p:val>
+                                            <p:strVal val="#ppt_x"/>
+                                          </p:val>
+                                        </p:tav>
+                                        <p:tav tm="100000">
+                                          <p:val>
+                                            <p:strVal val="#ppt_x"/>
+                                          </p:val>
+                                        </p:tav>
+                                      </p:tavLst>
+                                    </p:anim>
+                                    <p:anim calcmode="lin" valueType="num">
+                                      <p:cBhvr>
+                                        <p:cTn id="28" dur="1000" fill="hold"/>
+                                        <p:tgtEl>
+                                          <p:spTgt spid="23"/>
+                                        </p:tgtEl>
+                                        <p:attrNameLst>
+                                          <p:attrName>ppt_y</p:attrName>
+                                        </p:attrNameLst>
+                                      </p:cBhvr>
+                                      <p:tavLst>
+                                        <p:tav tm="0">
+                                          <p:val>
+                                            <p:strVal val="#ppt_y+.1"/>
+                                          </p:val>
+                                        </p:tav>
+                                        <p:tav tm="100000">
+                                          <p:val>
+                                            <p:strVal val="#ppt_y"/>
+                                          </p:val>
+                                        </p:tav>
+                                      </p:tavLst>
+                                    </p:anim>
+                                  </p:childTnLst>
+                                </p:cTn>
+                              </p:par>
+                            </p:childTnLst>
+                          </p:cTn>
+                        </p:par>
+                      </p:childTnLst>
+                    </p:cTn>
+                  </p:par>
+                  <p:par>
+                    <p:cTn id="29" fill="hold">
+                      <p:stCondLst>
+                        <p:cond delay="indefinite"/>
+                      </p:stCondLst>
+                      <p:childTnLst>
+                        <p:par>
+                          <p:cTn id="30" fill="hold">
+                            <p:stCondLst>
+                              <p:cond delay="0"/>
+                            </p:stCondLst>
+                            <p:childTnLst>
+                              <p:par>
+                                <p:cTn id="31" presetID="42" presetClass="entr" presetSubtype="0" fill="hold" grpId="0" nodeType="clickEffect">
+                                  <p:stCondLst>
+                                    <p:cond delay="0"/>
+                                  </p:stCondLst>
+                                  <p:childTnLst>
+                                    <p:set>
+                                      <p:cBhvr>
+                                        <p:cTn id="32" dur="1" fill="hold">
+                                          <p:stCondLst>
+                                            <p:cond delay="0"/>
+                                          </p:stCondLst>
+                                        </p:cTn>
+                                        <p:tgtEl>
+                                          <p:spTgt spid="21"/>
+                                        </p:tgtEl>
+                                        <p:attrNameLst>
+                                          <p:attrName>style.visibility</p:attrName>
+                                        </p:attrNameLst>
+                                      </p:cBhvr>
+                                      <p:to>
+                                        <p:strVal val="visible"/>
+                                      </p:to>
+                                    </p:set>
+                                    <p:animEffect transition="in" filter="fade">
+                                      <p:cBhvr>
+                                        <p:cTn id="33" dur="1000"/>
+                                        <p:tgtEl>
+                                          <p:spTgt spid="21"/>
+                                        </p:tgtEl>
+                                      </p:cBhvr>
+                                    </p:animEffect>
+                                    <p:anim calcmode="lin" valueType="num">
+                                      <p:cBhvr>
+                                        <p:cTn id="34" dur="1000" fill="hold"/>
+                                        <p:tgtEl>
+                                          <p:spTgt spid="21"/>
+                                        </p:tgtEl>
+                                        <p:attrNameLst>
+                                          <p:attrName>ppt_x</p:attrName>
+                                        </p:attrNameLst>
+                                      </p:cBhvr>
+                                      <p:tavLst>
+                                        <p:tav tm="0">
+                                          <p:val>
+                                            <p:strVal val="#ppt_x"/>
+                                          </p:val>
+                                        </p:tav>
+                                        <p:tav tm="100000">
+                                          <p:val>
+                                            <p:strVal val="#ppt_x"/>
+                                          </p:val>
+                                        </p:tav>
+                                      </p:tavLst>
+                                    </p:anim>
+                                    <p:anim calcmode="lin" valueType="num">
+                                      <p:cBhvr>
+                                        <p:cTn id="35" dur="1000" fill="hold"/>
+                                        <p:tgtEl>
+                                          <p:spTgt spid="21"/>
+                                        </p:tgtEl>
+                                        <p:attrNameLst>
+                                          <p:attrName>ppt_y</p:attrName>
+                                        </p:attrNameLst>
+                                      </p:cBhvr>
+                                      <p:tavLst>
+                                        <p:tav tm="0">
+                                          <p:val>
+                                            <p:strVal val="#ppt_y+.1"/>
+                                          </p:val>
+                                        </p:tav>
+                                        <p:tav tm="100000">
+                                          <p:val>
+                                            <p:strVal val="#ppt_y"/>
+                                          </p:val>
+                                        </p:tav>
+                                      </p:tavLst>
+                                    </p:anim>
+                                  </p:childTnLst>
+                                </p:cTn>
+                              </p:par>
+                            </p:childTnLst>
+                          </p:cTn>
+                        </p:par>
+                      </p:childTnLst>
+                    </p:cTn>
+                  </p:par>
+                  <p:par>
+                    <p:cTn id="36" fill="hold">
+                      <p:stCondLst>
+                        <p:cond delay="indefinite"/>
+                      </p:stCondLst>
+                      <p:childTnLst>
+                        <p:par>
+                          <p:cTn id="37" fill="hold">
+                            <p:stCondLst>
+                              <p:cond delay="0"/>
+                            </p:stCondLst>
+                            <p:childTnLst>
+                              <p:par>
+                                <p:cTn id="38" presetID="42" presetClass="entr" presetSubtype="0" fill="hold" nodeType="clickEffect">
+                                  <p:stCondLst>
+                                    <p:cond delay="0"/>
+                                  </p:stCondLst>
+                                  <p:childTnLst>
+                                    <p:set>
+                                      <p:cBhvr>
+                                        <p:cTn id="39" dur="1" fill="hold">
+                                          <p:stCondLst>
+                                            <p:cond delay="0"/>
+                                          </p:stCondLst>
+                                        </p:cTn>
+                                        <p:tgtEl>
+                                          <p:spTgt spid="7"/>
+                                        </p:tgtEl>
+                                        <p:attrNameLst>
+                                          <p:attrName>style.visibility</p:attrName>
+                                        </p:attrNameLst>
+                                      </p:cBhvr>
+                                      <p:to>
+                                        <p:strVal val="visible"/>
+                                      </p:to>
+                                    </p:set>
+                                    <p:animEffect transition="in" filter="fade">
+                                      <p:cBhvr>
+                                        <p:cTn id="40" dur="1000"/>
+                                        <p:tgtEl>
+                                          <p:spTgt spid="7"/>
+                                        </p:tgtEl>
+                                      </p:cBhvr>
+                                    </p:animEffect>
+                                    <p:anim calcmode="lin" valueType="num">
+                                      <p:cBhvr>
+                                        <p:cTn id="41" dur="1000" fill="hold"/>
+                                        <p:tgtEl>
+                                          <p:spTgt spid="7"/>
+                                        </p:tgtEl>
+                                        <p:attrNameLst>
+                                          <p:attrName>ppt_x</p:attrName>
+                                        </p:attrNameLst>
+                                      </p:cBhvr>
+                                      <p:tavLst>
+                                        <p:tav tm="0">
+                                          <p:val>
+                                            <p:strVal val="#ppt_x"/>
+                                          </p:val>
+                                        </p:tav>
+                                        <p:tav tm="100000">
+                                          <p:val>
+                                            <p:strVal val="#ppt_x"/>
+                                          </p:val>
+                                        </p:tav>
+                                      </p:tavLst>
+                                    </p:anim>
+                                    <p:anim calcmode="lin" valueType="num">
+                                      <p:cBhvr>
+                                        <p:cTn id="42" dur="1000" fill="hold"/>
+                                        <p:tgtEl>
+                                          <p:spTgt spid="7"/>
+                                        </p:tgtEl>
+                                        <p:attrNameLst>
+                                          <p:attrName>ppt_y</p:attrName>
+                                        </p:attrNameLst>
+                                      </p:cBhvr>
+                                      <p:tavLst>
+                                        <p:tav tm="0">
+                                          <p:val>
+                                            <p:strVal val="#ppt_y+.1"/>
+                                          </p:val>
+                                        </p:tav>
+                                        <p:tav tm="100000">
+                                          <p:val>
+                                            <p:strVal val="#ppt_y"/>
+                                          </p:val>
+                                        </p:tav>
+                                      </p:tavLst>
+                                    </p:anim>
+                                  </p:childTnLst>
+                                </p:cTn>
+                              </p:par>
+                            </p:childTnLst>
+                          </p:cTn>
+                        </p:par>
+                      </p:childTnLst>
+                    </p:cTn>
+                  </p:par>
+                </p:childTnLst>
+              </p:cTn>
+              <p:prevCondLst>
+                <p:cond evt="onPrev" delay="0">
+                  <p:tgtEl>
+                    <p:sldTgt/>
+                  </p:tgtEl>
+                </p:cond>
+              </p:prevCondLst>
+              <p:nextCondLst>
+                <p:cond evt="onNext" delay="0">
+                  <p:tgtEl>
+                    <p:sldTgt/>
+                  </p:tgtEl>
+                </p:cond>
+              </p:nextCondLst>
+            </p:seq>
+          </p:childTnLst>
+        </p:cTn>
+      </p:par>
+    </p:tnLst>
+    <p:bldLst>
+      <p:bldP spid="21" grpId="0"/>
+      <p:bldP spid="2" grpId="0"/>
+    </p:bldLst>
+  </p:timing>
+</p:sld>
+</file>
+
+<file path=ppt/slides/slide8.xml><?xml version="1.0" encoding="utf-8"?>
+<p:sld xmlns:a="http://schemas.openxmlformats.org/drawingml/2006/main" xmlns:r="http://schemas.openxmlformats.org/officeDocument/2006/relationships" xmlns:p="http://schemas.openxmlformats.org/presentationml/2006/main">
+  <p:cSld>
+    <p:spTree>
+      <p:nvGrpSpPr>
+        <p:cNvPr id="1" name=""/>
+        <p:cNvGrpSpPr/>
+        <p:nvPr/>
+      </p:nvGrpSpPr>
+      <p:grpSpPr>
+        <a:xfrm>
+          <a:off x="0" y="0"/>
+          <a:ext cx="0" cy="0"/>
+          <a:chOff x="0" y="0"/>
+          <a:chExt cx="0" cy="0"/>
+        </a:xfrm>
+      </p:grpSpPr>
+      <p:sp>
+        <p:nvSpPr>
+          <p:cNvPr id="2" name="Title 1">
+            <a:extLst>
+              <a:ext uri="{FF2B5EF4-FFF2-40B4-BE49-F238E27FC236}">
+                <a16:creationId xmlns:a16="http://schemas.microsoft.com/office/drawing/2014/main" id="{74BDEF2B-CF04-4FC7-B45D-7BFB4D26ED44}"/>
+              </a:ext>
+            </a:extLst>
+          </p:cNvPr>
+          <p:cNvSpPr txBox="1">
+            <a:spLocks/>
+          </p:cNvSpPr>
+          <p:nvPr/>
+        </p:nvSpPr>
+        <p:spPr>
+          <a:xfrm>
+            <a:off x="292001" y="181661"/>
+            <a:ext cx="11019366" cy="847465"/>
+          </a:xfrm>
+          <a:prstGeom prst="rect">
+            <a:avLst/>
+          </a:prstGeom>
+        </p:spPr>
+        <p:txBody>
+          <a:bodyPr vert="horz" lIns="91440" tIns="45720" rIns="91440" bIns="45720" rtlCol="0" anchor="t">
+            <a:normAutofit fontScale="97500"/>
+          </a:bodyPr>
+          <a:lstStyle>
+            <a:lvl1pPr algn="l" defTabSz="457200" rtl="0" eaLnBrk="1" latinLnBrk="0" hangingPunct="1">
+              <a:spcBef>
+                <a:spcPct val="0"/>
+              </a:spcBef>
+              <a:buNone/>
+              <a:defRPr sz="3600" kern="1200">
+                <a:solidFill>
+                  <a:schemeClr val="accent1"/>
+                </a:solidFill>
+                <a:latin typeface="+mj-lt"/>
+                <a:ea typeface="+mj-ea"/>
+                <a:cs typeface="+mj-cs"/>
+              </a:defRPr>
+            </a:lvl1pPr>
+            <a:lvl2pPr eaLnBrk="1" hangingPunct="1">
+              <a:defRPr>
+                <a:solidFill>
+                  <a:schemeClr val="tx2"/>
+                </a:solidFill>
+              </a:defRPr>
+            </a:lvl2pPr>
+            <a:lvl3pPr eaLnBrk="1" hangingPunct="1">
+              <a:defRPr>
+                <a:solidFill>
+                  <a:schemeClr val="tx2"/>
+                </a:solidFill>
+              </a:defRPr>
+            </a:lvl3pPr>
+            <a:lvl4pPr eaLnBrk="1" hangingPunct="1">
+              <a:defRPr>
+                <a:solidFill>
+                  <a:schemeClr val="tx2"/>
+                </a:solidFill>
+              </a:defRPr>
+            </a:lvl4pPr>
+            <a:lvl5pPr eaLnBrk="1" hangingPunct="1">
+              <a:defRPr>
+                <a:solidFill>
+                  <a:schemeClr val="tx2"/>
+                </a:solidFill>
+              </a:defRPr>
+            </a:lvl5pPr>
+            <a:lvl6pPr eaLnBrk="1" hangingPunct="1">
+              <a:defRPr>
+                <a:solidFill>
+                  <a:schemeClr val="tx2"/>
+                </a:solidFill>
+              </a:defRPr>
+            </a:lvl6pPr>
+            <a:lvl7pPr eaLnBrk="1" hangingPunct="1">
+              <a:defRPr>
+                <a:solidFill>
+                  <a:schemeClr val="tx2"/>
+                </a:solidFill>
+              </a:defRPr>
+            </a:lvl7pPr>
+            <a:lvl8pPr eaLnBrk="1" hangingPunct="1">
+              <a:defRPr>
+                <a:solidFill>
+                  <a:schemeClr val="tx2"/>
+                </a:solidFill>
+              </a:defRPr>
+            </a:lvl8pPr>
+            <a:lvl9pPr eaLnBrk="1" hangingPunct="1">
+              <a:defRPr>
+                <a:solidFill>
+                  <a:schemeClr val="tx2"/>
+                </a:solidFill>
+              </a:defRPr>
+            </a:lvl9pPr>
+          </a:lstStyle>
+          <a:p>
+            <a:r>
+              <a:rPr lang="en-US" dirty="0">
+                <a:solidFill>
+                  <a:srgbClr val="002060"/>
+                </a:solidFill>
+              </a:rPr>
+              <a:t>Results: Metrics for 16 Principle Components</a:t>
+            </a:r>
+          </a:p>
+          <a:p>
+            <a:endParaRPr lang="en-US" dirty="0">
+              <a:solidFill>
+                <a:srgbClr val="002060"/>
+              </a:solidFill>
+            </a:endParaRPr>
+          </a:p>
+        </p:txBody>
+      </p:sp>
+      <p:pic>
+        <p:nvPicPr>
+          <p:cNvPr id="6" name="Picture 5">
+            <a:extLst>
+              <a:ext uri="{FF2B5EF4-FFF2-40B4-BE49-F238E27FC236}">
+                <a16:creationId xmlns:a16="http://schemas.microsoft.com/office/drawing/2014/main" id="{D2182FCA-0A45-4DDF-8AB2-4A00AAE7D739}"/>
+              </a:ext>
+            </a:extLst>
+          </p:cNvPr>
+          <p:cNvPicPr>
+            <a:picLocks noChangeAspect="1"/>
+          </p:cNvPicPr>
+          <p:nvPr/>
+        </p:nvPicPr>
+        <p:blipFill>
+          <a:blip r:embed="rId2"/>
+          <a:stretch>
+            <a:fillRect/>
+          </a:stretch>
+        </p:blipFill>
+        <p:spPr>
+          <a:xfrm>
+            <a:off x="1295400" y="1065605"/>
+            <a:ext cx="8801100" cy="5489648"/>
+          </a:xfrm>
+          <a:prstGeom prst="rect">
+            <a:avLst/>
+          </a:prstGeom>
+        </p:spPr>
+      </p:pic>
+    </p:spTree>
+    <p:extLst>
+      <p:ext uri="{BB962C8B-B14F-4D97-AF65-F5344CB8AC3E}">
+        <p14:creationId xmlns:p14="http://schemas.microsoft.com/office/powerpoint/2010/main" val="4242621402"/>
+      </p:ext>
+    </p:extLst>
+  </p:cSld>
+  <p:clrMapOvr>
+    <a:masterClrMapping/>
+  </p:clrMapOvr>
+</p:sld>
+</file>
+
+<file path=ppt/slides/slide9.xml><?xml version="1.0" encoding="utf-8"?>
 <p:sld xmlns:a="http://schemas.openxmlformats.org/drawingml/2006/main" xmlns:r="http://schemas.openxmlformats.org/officeDocument/2006/relationships" xmlns:p="http://schemas.openxmlformats.org/presentationml/2006/main">
   <p:cSld>
     <p:spTree>
@@ -15189,7 +19472,7 @@
                   <a:srgbClr val="002060"/>
                 </a:solidFill>
               </a:rPr>
-              <a:t>Results</a:t>
+              <a:t>Results: Elapsed CPU Time vs Accuracy</a:t>
             </a:r>
           </a:p>
           <a:p>
@@ -15401,2139 +19684,6 @@
       <p:bldP spid="19" grpId="0" animBg="1"/>
     </p:bldLst>
   </p:timing>
-</p:sld>
-</file>
-
-<file path=ppt/slides/slide7.xml><?xml version="1.0" encoding="utf-8"?>
-<p:sld xmlns:a="http://schemas.openxmlformats.org/drawingml/2006/main" xmlns:r="http://schemas.openxmlformats.org/officeDocument/2006/relationships" xmlns:p="http://schemas.openxmlformats.org/presentationml/2006/main">
-  <p:cSld>
-    <p:spTree>
-      <p:nvGrpSpPr>
-        <p:cNvPr id="1" name=""/>
-        <p:cNvGrpSpPr/>
-        <p:nvPr/>
-      </p:nvGrpSpPr>
-      <p:grpSpPr>
-        <a:xfrm>
-          <a:off x="0" y="0"/>
-          <a:ext cx="0" cy="0"/>
-          <a:chOff x="0" y="0"/>
-          <a:chExt cx="0" cy="0"/>
-        </a:xfrm>
-      </p:grpSpPr>
-      <p:sp>
-        <p:nvSpPr>
-          <p:cNvPr id="5" name="Title 1">
-            <a:extLst>
-              <a:ext uri="{FF2B5EF4-FFF2-40B4-BE49-F238E27FC236}">
-                <a16:creationId xmlns:a16="http://schemas.microsoft.com/office/drawing/2014/main" id="{F11C875C-9CAA-4838-BBDD-43705F932F58}"/>
-              </a:ext>
-            </a:extLst>
-          </p:cNvPr>
-          <p:cNvSpPr txBox="1">
-            <a:spLocks/>
-          </p:cNvSpPr>
-          <p:nvPr/>
-        </p:nvSpPr>
-        <p:spPr>
-          <a:xfrm>
-            <a:off x="292001" y="181661"/>
-            <a:ext cx="11019366" cy="847465"/>
-          </a:xfrm>
-          <a:prstGeom prst="rect">
-            <a:avLst/>
-          </a:prstGeom>
-        </p:spPr>
-        <p:txBody>
-          <a:bodyPr vert="horz" lIns="91440" tIns="45720" rIns="91440" bIns="45720" rtlCol="0" anchor="t">
-            <a:normAutofit fontScale="97500"/>
-          </a:bodyPr>
-          <a:lstStyle>
-            <a:lvl1pPr algn="l" defTabSz="457200" rtl="0" eaLnBrk="1" latinLnBrk="0" hangingPunct="1">
-              <a:spcBef>
-                <a:spcPct val="0"/>
-              </a:spcBef>
-              <a:buNone/>
-              <a:defRPr sz="3600" kern="1200">
-                <a:solidFill>
-                  <a:schemeClr val="accent1"/>
-                </a:solidFill>
-                <a:latin typeface="+mj-lt"/>
-                <a:ea typeface="+mj-ea"/>
-                <a:cs typeface="+mj-cs"/>
-              </a:defRPr>
-            </a:lvl1pPr>
-            <a:lvl2pPr eaLnBrk="1" hangingPunct="1">
-              <a:defRPr>
-                <a:solidFill>
-                  <a:schemeClr val="tx2"/>
-                </a:solidFill>
-              </a:defRPr>
-            </a:lvl2pPr>
-            <a:lvl3pPr eaLnBrk="1" hangingPunct="1">
-              <a:defRPr>
-                <a:solidFill>
-                  <a:schemeClr val="tx2"/>
-                </a:solidFill>
-              </a:defRPr>
-            </a:lvl3pPr>
-            <a:lvl4pPr eaLnBrk="1" hangingPunct="1">
-              <a:defRPr>
-                <a:solidFill>
-                  <a:schemeClr val="tx2"/>
-                </a:solidFill>
-              </a:defRPr>
-            </a:lvl4pPr>
-            <a:lvl5pPr eaLnBrk="1" hangingPunct="1">
-              <a:defRPr>
-                <a:solidFill>
-                  <a:schemeClr val="tx2"/>
-                </a:solidFill>
-              </a:defRPr>
-            </a:lvl5pPr>
-            <a:lvl6pPr eaLnBrk="1" hangingPunct="1">
-              <a:defRPr>
-                <a:solidFill>
-                  <a:schemeClr val="tx2"/>
-                </a:solidFill>
-              </a:defRPr>
-            </a:lvl6pPr>
-            <a:lvl7pPr eaLnBrk="1" hangingPunct="1">
-              <a:defRPr>
-                <a:solidFill>
-                  <a:schemeClr val="tx2"/>
-                </a:solidFill>
-              </a:defRPr>
-            </a:lvl7pPr>
-            <a:lvl8pPr eaLnBrk="1" hangingPunct="1">
-              <a:defRPr>
-                <a:solidFill>
-                  <a:schemeClr val="tx2"/>
-                </a:solidFill>
-              </a:defRPr>
-            </a:lvl8pPr>
-            <a:lvl9pPr eaLnBrk="1" hangingPunct="1">
-              <a:defRPr>
-                <a:solidFill>
-                  <a:schemeClr val="tx2"/>
-                </a:solidFill>
-              </a:defRPr>
-            </a:lvl9pPr>
-          </a:lstStyle>
-          <a:p>
-            <a:r>
-              <a:rPr lang="en-US" dirty="0">
-                <a:solidFill>
-                  <a:srgbClr val="002060"/>
-                </a:solidFill>
-              </a:rPr>
-              <a:t>Results</a:t>
-            </a:r>
-          </a:p>
-          <a:p>
-            <a:endParaRPr lang="en-US" dirty="0">
-              <a:solidFill>
-                <a:srgbClr val="002060"/>
-              </a:solidFill>
-            </a:endParaRPr>
-          </a:p>
-        </p:txBody>
-      </p:sp>
-      <p:pic>
-        <p:nvPicPr>
-          <p:cNvPr id="4" name="Picture 3">
-            <a:extLst>
-              <a:ext uri="{FF2B5EF4-FFF2-40B4-BE49-F238E27FC236}">
-                <a16:creationId xmlns:a16="http://schemas.microsoft.com/office/drawing/2014/main" id="{7B393A30-7610-4901-951C-32DBC3375DB3}"/>
-              </a:ext>
-            </a:extLst>
-          </p:cNvPr>
-          <p:cNvPicPr>
-            <a:picLocks noChangeAspect="1"/>
-          </p:cNvPicPr>
-          <p:nvPr/>
-        </p:nvPicPr>
-        <p:blipFill>
-          <a:blip r:embed="rId2"/>
-          <a:stretch>
-            <a:fillRect/>
-          </a:stretch>
-        </p:blipFill>
-        <p:spPr>
-          <a:xfrm>
-            <a:off x="1308100" y="863600"/>
-            <a:ext cx="9789304" cy="5994400"/>
-          </a:xfrm>
-          <a:prstGeom prst="rect">
-            <a:avLst/>
-          </a:prstGeom>
-        </p:spPr>
-      </p:pic>
-      <p:grpSp>
-        <p:nvGrpSpPr>
-          <p:cNvPr id="13" name="Group 12">
-            <a:extLst>
-              <a:ext uri="{FF2B5EF4-FFF2-40B4-BE49-F238E27FC236}">
-                <a16:creationId xmlns:a16="http://schemas.microsoft.com/office/drawing/2014/main" id="{E7CC4D30-929F-40A5-A394-7A5DF51AE9F6}"/>
-              </a:ext>
-            </a:extLst>
-          </p:cNvPr>
-          <p:cNvGrpSpPr/>
-          <p:nvPr/>
-        </p:nvGrpSpPr>
-        <p:grpSpPr>
-          <a:xfrm>
-            <a:off x="6896100" y="2768600"/>
-            <a:ext cx="3771900" cy="2400300"/>
-            <a:chOff x="6896100" y="2768600"/>
-            <a:chExt cx="3771900" cy="2400300"/>
-          </a:xfrm>
-        </p:grpSpPr>
-        <p:sp>
-          <p:nvSpPr>
-            <p:cNvPr id="10" name="Oval 9">
-              <a:extLst>
-                <a:ext uri="{FF2B5EF4-FFF2-40B4-BE49-F238E27FC236}">
-                  <a16:creationId xmlns:a16="http://schemas.microsoft.com/office/drawing/2014/main" id="{A61665EE-7087-437A-ADDC-2A23001C1E19}"/>
-                </a:ext>
-              </a:extLst>
-            </p:cNvPr>
-            <p:cNvSpPr/>
-            <p:nvPr/>
-          </p:nvSpPr>
-          <p:spPr>
-            <a:xfrm>
-              <a:off x="6896100" y="2768600"/>
-              <a:ext cx="571500" cy="2400300"/>
-            </a:xfrm>
-            <a:prstGeom prst="ellipse">
-              <a:avLst/>
-            </a:prstGeom>
-            <a:noFill/>
-            <a:ln w="76200">
-              <a:solidFill>
-                <a:srgbClr val="00B0F0">
-                  <a:alpha val="48000"/>
-                </a:srgbClr>
-              </a:solidFill>
-            </a:ln>
-          </p:spPr>
-          <p:style>
-            <a:lnRef idx="2">
-              <a:schemeClr val="accent1">
-                <a:shade val="50000"/>
-              </a:schemeClr>
-            </a:lnRef>
-            <a:fillRef idx="1">
-              <a:schemeClr val="accent1"/>
-            </a:fillRef>
-            <a:effectRef idx="0">
-              <a:schemeClr val="accent1"/>
-            </a:effectRef>
-            <a:fontRef idx="minor">
-              <a:schemeClr val="lt1"/>
-            </a:fontRef>
-          </p:style>
-          <p:txBody>
-            <a:bodyPr rot="0" spcFirstLastPara="0" vertOverflow="overflow" horzOverflow="overflow" vert="horz" wrap="square" lIns="91440" tIns="45720" rIns="91440" bIns="45720" numCol="1" spcCol="0" rtlCol="0" fromWordArt="0" anchor="ctr" anchorCtr="0" forceAA="0" compatLnSpc="1">
-              <a:prstTxWarp prst="textNoShape">
-                <a:avLst/>
-              </a:prstTxWarp>
-              <a:noAutofit/>
-            </a:bodyPr>
-            <a:lstStyle/>
-            <a:p>
-              <a:pPr algn="ctr"/>
-              <a:endParaRPr lang="en-US"/>
-            </a:p>
-          </p:txBody>
-        </p:sp>
-        <p:sp>
-          <p:nvSpPr>
-            <p:cNvPr id="12" name="Speech Bubble: Rectangle with Corners Rounded 11">
-              <a:extLst>
-                <a:ext uri="{FF2B5EF4-FFF2-40B4-BE49-F238E27FC236}">
-                  <a16:creationId xmlns:a16="http://schemas.microsoft.com/office/drawing/2014/main" id="{8E74D0FC-7C2F-49D1-BFC6-E151E676CD54}"/>
-                </a:ext>
-              </a:extLst>
-            </p:cNvPr>
-            <p:cNvSpPr/>
-            <p:nvPr/>
-          </p:nvSpPr>
-          <p:spPr>
-            <a:xfrm>
-              <a:off x="8039100" y="3517900"/>
-              <a:ext cx="2628900" cy="1651000"/>
-            </a:xfrm>
-            <a:prstGeom prst="wedgeRoundRectCallout">
-              <a:avLst>
-                <a:gd name="adj1" fmla="val -71063"/>
-                <a:gd name="adj2" fmla="val 14084"/>
-                <a:gd name="adj3" fmla="val 16667"/>
-              </a:avLst>
-            </a:prstGeom>
-            <a:solidFill>
-              <a:srgbClr val="FFFF00"/>
-            </a:solidFill>
-          </p:spPr>
-          <p:style>
-            <a:lnRef idx="2">
-              <a:schemeClr val="accent1">
-                <a:shade val="50000"/>
-              </a:schemeClr>
-            </a:lnRef>
-            <a:fillRef idx="1">
-              <a:schemeClr val="accent1"/>
-            </a:fillRef>
-            <a:effectRef idx="0">
-              <a:schemeClr val="accent1"/>
-            </a:effectRef>
-            <a:fontRef idx="minor">
-              <a:schemeClr val="lt1"/>
-            </a:fontRef>
-          </p:style>
-          <p:txBody>
-            <a:bodyPr rtlCol="0" anchor="ctr"/>
-            <a:lstStyle/>
-            <a:p>
-              <a:pPr algn="ctr"/>
-              <a:r>
-                <a:rPr lang="en-US" b="1" dirty="0">
-                  <a:solidFill>
-                    <a:srgbClr val="002060"/>
-                  </a:solidFill>
-                </a:rPr>
-                <a:t>Linear classifiers with non-linear combination of feature have the best accuracy</a:t>
-              </a:r>
-            </a:p>
-          </p:txBody>
-        </p:sp>
-      </p:grpSp>
-      <p:grpSp>
-        <p:nvGrpSpPr>
-          <p:cNvPr id="21" name="Group 20">
-            <a:extLst>
-              <a:ext uri="{FF2B5EF4-FFF2-40B4-BE49-F238E27FC236}">
-                <a16:creationId xmlns:a16="http://schemas.microsoft.com/office/drawing/2014/main" id="{2016CB66-0B0E-4159-87DF-7177CC09E36B}"/>
-              </a:ext>
-            </a:extLst>
-          </p:cNvPr>
-          <p:cNvGrpSpPr/>
-          <p:nvPr/>
-        </p:nvGrpSpPr>
-        <p:grpSpPr>
-          <a:xfrm>
-            <a:off x="2620793" y="1261374"/>
-            <a:ext cx="2718359" cy="1507226"/>
-            <a:chOff x="2620793" y="1261374"/>
-            <a:chExt cx="2718359" cy="1507226"/>
-          </a:xfrm>
-        </p:grpSpPr>
-        <p:sp>
-          <p:nvSpPr>
-            <p:cNvPr id="15" name="Oval 14">
-              <a:extLst>
-                <a:ext uri="{FF2B5EF4-FFF2-40B4-BE49-F238E27FC236}">
-                  <a16:creationId xmlns:a16="http://schemas.microsoft.com/office/drawing/2014/main" id="{6517D2BB-E709-4022-934B-2181AF478D1D}"/>
-                </a:ext>
-              </a:extLst>
-            </p:cNvPr>
-            <p:cNvSpPr/>
-            <p:nvPr/>
-          </p:nvSpPr>
-          <p:spPr>
-            <a:xfrm>
-              <a:off x="4767652" y="1841500"/>
-              <a:ext cx="571500" cy="927100"/>
-            </a:xfrm>
-            <a:prstGeom prst="ellipse">
-              <a:avLst/>
-            </a:prstGeom>
-            <a:noFill/>
-            <a:ln w="76200">
-              <a:solidFill>
-                <a:srgbClr val="00B0F0">
-                  <a:alpha val="48000"/>
-                </a:srgbClr>
-              </a:solidFill>
-            </a:ln>
-          </p:spPr>
-          <p:style>
-            <a:lnRef idx="2">
-              <a:schemeClr val="accent1">
-                <a:shade val="50000"/>
-              </a:schemeClr>
-            </a:lnRef>
-            <a:fillRef idx="1">
-              <a:schemeClr val="accent1"/>
-            </a:fillRef>
-            <a:effectRef idx="0">
-              <a:schemeClr val="accent1"/>
-            </a:effectRef>
-            <a:fontRef idx="minor">
-              <a:schemeClr val="lt1"/>
-            </a:fontRef>
-          </p:style>
-          <p:txBody>
-            <a:bodyPr rot="0" spcFirstLastPara="0" vertOverflow="overflow" horzOverflow="overflow" vert="horz" wrap="square" lIns="91440" tIns="45720" rIns="91440" bIns="45720" numCol="1" spcCol="0" rtlCol="0" fromWordArt="0" anchor="ctr" anchorCtr="0" forceAA="0" compatLnSpc="1">
-              <a:prstTxWarp prst="textNoShape">
-                <a:avLst/>
-              </a:prstTxWarp>
-              <a:noAutofit/>
-            </a:bodyPr>
-            <a:lstStyle/>
-            <a:p>
-              <a:pPr algn="ctr"/>
-              <a:endParaRPr lang="en-US"/>
-            </a:p>
-          </p:txBody>
-        </p:sp>
-        <p:sp>
-          <p:nvSpPr>
-            <p:cNvPr id="16" name="Speech Bubble: Rectangle with Corners Rounded 15">
-              <a:extLst>
-                <a:ext uri="{FF2B5EF4-FFF2-40B4-BE49-F238E27FC236}">
-                  <a16:creationId xmlns:a16="http://schemas.microsoft.com/office/drawing/2014/main" id="{1F45A44D-462B-4E24-8C55-A55422487F8E}"/>
-                </a:ext>
-              </a:extLst>
-            </p:cNvPr>
-            <p:cNvSpPr/>
-            <p:nvPr/>
-          </p:nvSpPr>
-          <p:spPr>
-            <a:xfrm>
-              <a:off x="2620793" y="1261374"/>
-              <a:ext cx="1778459" cy="685800"/>
-            </a:xfrm>
-            <a:prstGeom prst="wedgeRoundRectCallout">
-              <a:avLst>
-                <a:gd name="adj1" fmla="val 70645"/>
-                <a:gd name="adj2" fmla="val 45568"/>
-                <a:gd name="adj3" fmla="val 16667"/>
-              </a:avLst>
-            </a:prstGeom>
-            <a:solidFill>
-              <a:srgbClr val="FFFF00"/>
-            </a:solidFill>
-          </p:spPr>
-          <p:style>
-            <a:lnRef idx="2">
-              <a:schemeClr val="accent1">
-                <a:shade val="50000"/>
-              </a:schemeClr>
-            </a:lnRef>
-            <a:fillRef idx="1">
-              <a:schemeClr val="accent1"/>
-            </a:fillRef>
-            <a:effectRef idx="0">
-              <a:schemeClr val="accent1"/>
-            </a:effectRef>
-            <a:fontRef idx="minor">
-              <a:schemeClr val="lt1"/>
-            </a:fontRef>
-          </p:style>
-          <p:txBody>
-            <a:bodyPr rtlCol="0" anchor="ctr"/>
-            <a:lstStyle/>
-            <a:p>
-              <a:pPr algn="ctr"/>
-              <a:r>
-                <a:rPr lang="en-US" b="1" dirty="0">
-                  <a:solidFill>
-                    <a:srgbClr val="002060"/>
-                  </a:solidFill>
-                </a:rPr>
-                <a:t>Bayes are slowest</a:t>
-              </a:r>
-            </a:p>
-          </p:txBody>
-        </p:sp>
-      </p:grpSp>
-      <p:grpSp>
-        <p:nvGrpSpPr>
-          <p:cNvPr id="22" name="Group 21">
-            <a:extLst>
-              <a:ext uri="{FF2B5EF4-FFF2-40B4-BE49-F238E27FC236}">
-                <a16:creationId xmlns:a16="http://schemas.microsoft.com/office/drawing/2014/main" id="{F8B6916F-E023-4EF3-BFC6-61AC5E4DABBE}"/>
-              </a:ext>
-            </a:extLst>
-          </p:cNvPr>
-          <p:cNvGrpSpPr/>
-          <p:nvPr/>
-        </p:nvGrpSpPr>
-        <p:grpSpPr>
-          <a:xfrm>
-            <a:off x="2552191" y="2864063"/>
-            <a:ext cx="2710761" cy="1485687"/>
-            <a:chOff x="2552191" y="2864063"/>
-            <a:chExt cx="2710761" cy="1485687"/>
-          </a:xfrm>
-        </p:grpSpPr>
-        <p:sp>
-          <p:nvSpPr>
-            <p:cNvPr id="17" name="Oval 16">
-              <a:extLst>
-                <a:ext uri="{FF2B5EF4-FFF2-40B4-BE49-F238E27FC236}">
-                  <a16:creationId xmlns:a16="http://schemas.microsoft.com/office/drawing/2014/main" id="{63521CBF-F26F-4019-901A-ED7D225C4FC4}"/>
-                </a:ext>
-              </a:extLst>
-            </p:cNvPr>
-            <p:cNvSpPr/>
-            <p:nvPr/>
-          </p:nvSpPr>
-          <p:spPr>
-            <a:xfrm>
-              <a:off x="4838700" y="3517900"/>
-              <a:ext cx="424252" cy="831850"/>
-            </a:xfrm>
-            <a:prstGeom prst="ellipse">
-              <a:avLst/>
-            </a:prstGeom>
-            <a:noFill/>
-            <a:ln w="76200">
-              <a:solidFill>
-                <a:srgbClr val="00B0F0">
-                  <a:alpha val="48000"/>
-                </a:srgbClr>
-              </a:solidFill>
-            </a:ln>
-          </p:spPr>
-          <p:style>
-            <a:lnRef idx="2">
-              <a:schemeClr val="accent1">
-                <a:shade val="50000"/>
-              </a:schemeClr>
-            </a:lnRef>
-            <a:fillRef idx="1">
-              <a:schemeClr val="accent1"/>
-            </a:fillRef>
-            <a:effectRef idx="0">
-              <a:schemeClr val="accent1"/>
-            </a:effectRef>
-            <a:fontRef idx="minor">
-              <a:schemeClr val="lt1"/>
-            </a:fontRef>
-          </p:style>
-          <p:txBody>
-            <a:bodyPr rot="0" spcFirstLastPara="0" vertOverflow="overflow" horzOverflow="overflow" vert="horz" wrap="square" lIns="91440" tIns="45720" rIns="91440" bIns="45720" numCol="1" spcCol="0" rtlCol="0" fromWordArt="0" anchor="ctr" anchorCtr="0" forceAA="0" compatLnSpc="1">
-              <a:prstTxWarp prst="textNoShape">
-                <a:avLst/>
-              </a:prstTxWarp>
-              <a:noAutofit/>
-            </a:bodyPr>
-            <a:lstStyle/>
-            <a:p>
-              <a:pPr algn="ctr"/>
-              <a:endParaRPr lang="en-US"/>
-            </a:p>
-          </p:txBody>
-        </p:sp>
-        <p:sp>
-          <p:nvSpPr>
-            <p:cNvPr id="18" name="Speech Bubble: Rectangle with Corners Rounded 17">
-              <a:extLst>
-                <a:ext uri="{FF2B5EF4-FFF2-40B4-BE49-F238E27FC236}">
-                  <a16:creationId xmlns:a16="http://schemas.microsoft.com/office/drawing/2014/main" id="{1ECADFA8-18A3-4F84-BB13-625E50AC8E45}"/>
-                </a:ext>
-              </a:extLst>
-            </p:cNvPr>
-            <p:cNvSpPr/>
-            <p:nvPr/>
-          </p:nvSpPr>
-          <p:spPr>
-            <a:xfrm>
-              <a:off x="2552191" y="2864063"/>
-              <a:ext cx="1778459" cy="685800"/>
-            </a:xfrm>
-            <a:prstGeom prst="wedgeRoundRectCallout">
-              <a:avLst>
-                <a:gd name="adj1" fmla="val 76357"/>
-                <a:gd name="adj2" fmla="val 52975"/>
-                <a:gd name="adj3" fmla="val 16667"/>
-              </a:avLst>
-            </a:prstGeom>
-            <a:solidFill>
-              <a:srgbClr val="FFFF00"/>
-            </a:solidFill>
-          </p:spPr>
-          <p:style>
-            <a:lnRef idx="2">
-              <a:schemeClr val="accent1">
-                <a:shade val="50000"/>
-              </a:schemeClr>
-            </a:lnRef>
-            <a:fillRef idx="1">
-              <a:schemeClr val="accent1"/>
-            </a:fillRef>
-            <a:effectRef idx="0">
-              <a:schemeClr val="accent1"/>
-            </a:effectRef>
-            <a:fontRef idx="minor">
-              <a:schemeClr val="lt1"/>
-            </a:fontRef>
-          </p:style>
-          <p:txBody>
-            <a:bodyPr rtlCol="0" anchor="ctr"/>
-            <a:lstStyle/>
-            <a:p>
-              <a:pPr algn="ctr"/>
-              <a:r>
-                <a:rPr lang="en-US" b="1" dirty="0" err="1">
-                  <a:solidFill>
-                    <a:srgbClr val="002060"/>
-                  </a:solidFill>
-                </a:rPr>
-                <a:t>OneVsOne</a:t>
-              </a:r>
-              <a:r>
-                <a:rPr lang="en-US" b="1" dirty="0">
-                  <a:solidFill>
-                    <a:srgbClr val="002060"/>
-                  </a:solidFill>
-                </a:rPr>
-                <a:t> is slow</a:t>
-              </a:r>
-            </a:p>
-          </p:txBody>
-        </p:sp>
-      </p:grpSp>
-      <p:grpSp>
-        <p:nvGrpSpPr>
-          <p:cNvPr id="23" name="Group 22">
-            <a:extLst>
-              <a:ext uri="{FF2B5EF4-FFF2-40B4-BE49-F238E27FC236}">
-                <a16:creationId xmlns:a16="http://schemas.microsoft.com/office/drawing/2014/main" id="{4054503E-1722-4A7A-A377-4F993D284459}"/>
-              </a:ext>
-            </a:extLst>
-          </p:cNvPr>
-          <p:cNvGrpSpPr/>
-          <p:nvPr/>
-        </p:nvGrpSpPr>
-        <p:grpSpPr>
-          <a:xfrm>
-            <a:off x="2316322" y="4231802"/>
-            <a:ext cx="1803630" cy="1857848"/>
-            <a:chOff x="2316322" y="4231802"/>
-            <a:chExt cx="1803630" cy="1857848"/>
-          </a:xfrm>
-        </p:grpSpPr>
-        <p:sp>
-          <p:nvSpPr>
-            <p:cNvPr id="19" name="Oval 18">
-              <a:extLst>
-                <a:ext uri="{FF2B5EF4-FFF2-40B4-BE49-F238E27FC236}">
-                  <a16:creationId xmlns:a16="http://schemas.microsoft.com/office/drawing/2014/main" id="{2E0B18F7-FEAD-4032-A208-470DBB5AB3B5}"/>
-                </a:ext>
-              </a:extLst>
-            </p:cNvPr>
-            <p:cNvSpPr/>
-            <p:nvPr/>
-          </p:nvSpPr>
-          <p:spPr>
-            <a:xfrm>
-              <a:off x="3695700" y="5257800"/>
-              <a:ext cx="424252" cy="831850"/>
-            </a:xfrm>
-            <a:prstGeom prst="ellipse">
-              <a:avLst/>
-            </a:prstGeom>
-            <a:noFill/>
-            <a:ln w="76200">
-              <a:solidFill>
-                <a:srgbClr val="00B0F0">
-                  <a:alpha val="48000"/>
-                </a:srgbClr>
-              </a:solidFill>
-            </a:ln>
-          </p:spPr>
-          <p:style>
-            <a:lnRef idx="2">
-              <a:schemeClr val="accent1">
-                <a:shade val="50000"/>
-              </a:schemeClr>
-            </a:lnRef>
-            <a:fillRef idx="1">
-              <a:schemeClr val="accent1"/>
-            </a:fillRef>
-            <a:effectRef idx="0">
-              <a:schemeClr val="accent1"/>
-            </a:effectRef>
-            <a:fontRef idx="minor">
-              <a:schemeClr val="lt1"/>
-            </a:fontRef>
-          </p:style>
-          <p:txBody>
-            <a:bodyPr rot="0" spcFirstLastPara="0" vertOverflow="overflow" horzOverflow="overflow" vert="horz" wrap="square" lIns="91440" tIns="45720" rIns="91440" bIns="45720" numCol="1" spcCol="0" rtlCol="0" fromWordArt="0" anchor="ctr" anchorCtr="0" forceAA="0" compatLnSpc="1">
-              <a:prstTxWarp prst="textNoShape">
-                <a:avLst/>
-              </a:prstTxWarp>
-              <a:noAutofit/>
-            </a:bodyPr>
-            <a:lstStyle/>
-            <a:p>
-              <a:pPr algn="ctr"/>
-              <a:endParaRPr lang="en-US"/>
-            </a:p>
-          </p:txBody>
-        </p:sp>
-        <p:sp>
-          <p:nvSpPr>
-            <p:cNvPr id="20" name="Speech Bubble: Rectangle with Corners Rounded 19">
-              <a:extLst>
-                <a:ext uri="{FF2B5EF4-FFF2-40B4-BE49-F238E27FC236}">
-                  <a16:creationId xmlns:a16="http://schemas.microsoft.com/office/drawing/2014/main" id="{CED676FD-EBB7-4CA0-A69D-CBE1E899F856}"/>
-                </a:ext>
-              </a:extLst>
-            </p:cNvPr>
-            <p:cNvSpPr/>
-            <p:nvPr/>
-          </p:nvSpPr>
-          <p:spPr>
-            <a:xfrm>
-              <a:off x="2316322" y="4231802"/>
-              <a:ext cx="1778459" cy="793750"/>
-            </a:xfrm>
-            <a:prstGeom prst="wedgeRoundRectCallout">
-              <a:avLst>
-                <a:gd name="adj1" fmla="val 33511"/>
-                <a:gd name="adj2" fmla="val 76886"/>
-                <a:gd name="adj3" fmla="val 16667"/>
-              </a:avLst>
-            </a:prstGeom>
-            <a:solidFill>
-              <a:srgbClr val="FFFF00"/>
-            </a:solidFill>
-          </p:spPr>
-          <p:style>
-            <a:lnRef idx="2">
-              <a:schemeClr val="accent1">
-                <a:shade val="50000"/>
-              </a:schemeClr>
-            </a:lnRef>
-            <a:fillRef idx="1">
-              <a:schemeClr val="accent1"/>
-            </a:fillRef>
-            <a:effectRef idx="0">
-              <a:schemeClr val="accent1"/>
-            </a:effectRef>
-            <a:fontRef idx="minor">
-              <a:schemeClr val="lt1"/>
-            </a:fontRef>
-          </p:style>
-          <p:txBody>
-            <a:bodyPr rtlCol="0" anchor="ctr"/>
-            <a:lstStyle/>
-            <a:p>
-              <a:pPr algn="ctr"/>
-              <a:r>
-                <a:rPr lang="en-US" b="1" dirty="0">
-                  <a:solidFill>
-                    <a:srgbClr val="002060"/>
-                  </a:solidFill>
-                </a:rPr>
-                <a:t>Linear </a:t>
-              </a:r>
-              <a:r>
-                <a:rPr lang="en-US" b="1" dirty="0" err="1">
-                  <a:solidFill>
-                    <a:srgbClr val="002060"/>
-                  </a:solidFill>
-                </a:rPr>
-                <a:t>classifers</a:t>
-              </a:r>
-              <a:r>
-                <a:rPr lang="en-US" b="1" dirty="0">
-                  <a:solidFill>
-                    <a:srgbClr val="002060"/>
-                  </a:solidFill>
-                </a:rPr>
-                <a:t> are fast</a:t>
-              </a:r>
-            </a:p>
-          </p:txBody>
-        </p:sp>
-      </p:grpSp>
-    </p:spTree>
-    <p:extLst>
-      <p:ext uri="{BB962C8B-B14F-4D97-AF65-F5344CB8AC3E}">
-        <p14:creationId xmlns:p14="http://schemas.microsoft.com/office/powerpoint/2010/main" val="1445043821"/>
-      </p:ext>
-    </p:extLst>
-  </p:cSld>
-  <p:clrMapOvr>
-    <a:masterClrMapping/>
-  </p:clrMapOvr>
-  <p:timing>
-    <p:tnLst>
-      <p:par>
-        <p:cTn id="1" dur="indefinite" restart="never" nodeType="tmRoot">
-          <p:childTnLst>
-            <p:seq concurrent="1" nextAc="seek">
-              <p:cTn id="2" dur="indefinite" nodeType="mainSeq">
-                <p:childTnLst>
-                  <p:par>
-                    <p:cTn id="3" fill="hold">
-                      <p:stCondLst>
-                        <p:cond delay="indefinite"/>
-                      </p:stCondLst>
-                      <p:childTnLst>
-                        <p:par>
-                          <p:cTn id="4" fill="hold">
-                            <p:stCondLst>
-                              <p:cond delay="0"/>
-                            </p:stCondLst>
-                            <p:childTnLst>
-                              <p:par>
-                                <p:cTn id="5" presetID="42" presetClass="entr" presetSubtype="0" fill="hold" nodeType="clickEffect">
-                                  <p:stCondLst>
-                                    <p:cond delay="0"/>
-                                  </p:stCondLst>
-                                  <p:childTnLst>
-                                    <p:set>
-                                      <p:cBhvr>
-                                        <p:cTn id="6" dur="1" fill="hold">
-                                          <p:stCondLst>
-                                            <p:cond delay="0"/>
-                                          </p:stCondLst>
-                                        </p:cTn>
-                                        <p:tgtEl>
-                                          <p:spTgt spid="13"/>
-                                        </p:tgtEl>
-                                        <p:attrNameLst>
-                                          <p:attrName>style.visibility</p:attrName>
-                                        </p:attrNameLst>
-                                      </p:cBhvr>
-                                      <p:to>
-                                        <p:strVal val="visible"/>
-                                      </p:to>
-                                    </p:set>
-                                    <p:animEffect transition="in" filter="fade">
-                                      <p:cBhvr>
-                                        <p:cTn id="7" dur="1000"/>
-                                        <p:tgtEl>
-                                          <p:spTgt spid="13"/>
-                                        </p:tgtEl>
-                                      </p:cBhvr>
-                                    </p:animEffect>
-                                    <p:anim calcmode="lin" valueType="num">
-                                      <p:cBhvr>
-                                        <p:cTn id="8" dur="1000" fill="hold"/>
-                                        <p:tgtEl>
-                                          <p:spTgt spid="13"/>
-                                        </p:tgtEl>
-                                        <p:attrNameLst>
-                                          <p:attrName>ppt_x</p:attrName>
-                                        </p:attrNameLst>
-                                      </p:cBhvr>
-                                      <p:tavLst>
-                                        <p:tav tm="0">
-                                          <p:val>
-                                            <p:strVal val="#ppt_x"/>
-                                          </p:val>
-                                        </p:tav>
-                                        <p:tav tm="100000">
-                                          <p:val>
-                                            <p:strVal val="#ppt_x"/>
-                                          </p:val>
-                                        </p:tav>
-                                      </p:tavLst>
-                                    </p:anim>
-                                    <p:anim calcmode="lin" valueType="num">
-                                      <p:cBhvr>
-                                        <p:cTn id="9" dur="1000" fill="hold"/>
-                                        <p:tgtEl>
-                                          <p:spTgt spid="13"/>
-                                        </p:tgtEl>
-                                        <p:attrNameLst>
-                                          <p:attrName>ppt_y</p:attrName>
-                                        </p:attrNameLst>
-                                      </p:cBhvr>
-                                      <p:tavLst>
-                                        <p:tav tm="0">
-                                          <p:val>
-                                            <p:strVal val="#ppt_y+.1"/>
-                                          </p:val>
-                                        </p:tav>
-                                        <p:tav tm="100000">
-                                          <p:val>
-                                            <p:strVal val="#ppt_y"/>
-                                          </p:val>
-                                        </p:tav>
-                                      </p:tavLst>
-                                    </p:anim>
-                                  </p:childTnLst>
-                                </p:cTn>
-                              </p:par>
-                            </p:childTnLst>
-                          </p:cTn>
-                        </p:par>
-                      </p:childTnLst>
-                    </p:cTn>
-                  </p:par>
-                  <p:par>
-                    <p:cTn id="10" fill="hold">
-                      <p:stCondLst>
-                        <p:cond delay="indefinite"/>
-                      </p:stCondLst>
-                      <p:childTnLst>
-                        <p:par>
-                          <p:cTn id="11" fill="hold">
-                            <p:stCondLst>
-                              <p:cond delay="0"/>
-                            </p:stCondLst>
-                            <p:childTnLst>
-                              <p:par>
-                                <p:cTn id="12" presetID="10" presetClass="entr" presetSubtype="0" fill="hold" nodeType="clickEffect">
-                                  <p:stCondLst>
-                                    <p:cond delay="0"/>
-                                  </p:stCondLst>
-                                  <p:childTnLst>
-                                    <p:set>
-                                      <p:cBhvr>
-                                        <p:cTn id="13" dur="1" fill="hold">
-                                          <p:stCondLst>
-                                            <p:cond delay="0"/>
-                                          </p:stCondLst>
-                                        </p:cTn>
-                                        <p:tgtEl>
-                                          <p:spTgt spid="21"/>
-                                        </p:tgtEl>
-                                        <p:attrNameLst>
-                                          <p:attrName>style.visibility</p:attrName>
-                                        </p:attrNameLst>
-                                      </p:cBhvr>
-                                      <p:to>
-                                        <p:strVal val="visible"/>
-                                      </p:to>
-                                    </p:set>
-                                    <p:animEffect transition="in" filter="fade">
-                                      <p:cBhvr>
-                                        <p:cTn id="14" dur="500"/>
-                                        <p:tgtEl>
-                                          <p:spTgt spid="21"/>
-                                        </p:tgtEl>
-                                      </p:cBhvr>
-                                    </p:animEffect>
-                                  </p:childTnLst>
-                                </p:cTn>
-                              </p:par>
-                            </p:childTnLst>
-                          </p:cTn>
-                        </p:par>
-                      </p:childTnLst>
-                    </p:cTn>
-                  </p:par>
-                  <p:par>
-                    <p:cTn id="15" fill="hold">
-                      <p:stCondLst>
-                        <p:cond delay="indefinite"/>
-                      </p:stCondLst>
-                      <p:childTnLst>
-                        <p:par>
-                          <p:cTn id="16" fill="hold">
-                            <p:stCondLst>
-                              <p:cond delay="0"/>
-                            </p:stCondLst>
-                            <p:childTnLst>
-                              <p:par>
-                                <p:cTn id="17" presetID="10" presetClass="entr" presetSubtype="0" fill="hold" nodeType="clickEffect">
-                                  <p:stCondLst>
-                                    <p:cond delay="0"/>
-                                  </p:stCondLst>
-                                  <p:childTnLst>
-                                    <p:set>
-                                      <p:cBhvr>
-                                        <p:cTn id="18" dur="1" fill="hold">
-                                          <p:stCondLst>
-                                            <p:cond delay="0"/>
-                                          </p:stCondLst>
-                                        </p:cTn>
-                                        <p:tgtEl>
-                                          <p:spTgt spid="22"/>
-                                        </p:tgtEl>
-                                        <p:attrNameLst>
-                                          <p:attrName>style.visibility</p:attrName>
-                                        </p:attrNameLst>
-                                      </p:cBhvr>
-                                      <p:to>
-                                        <p:strVal val="visible"/>
-                                      </p:to>
-                                    </p:set>
-                                    <p:animEffect transition="in" filter="fade">
-                                      <p:cBhvr>
-                                        <p:cTn id="19" dur="500"/>
-                                        <p:tgtEl>
-                                          <p:spTgt spid="22"/>
-                                        </p:tgtEl>
-                                      </p:cBhvr>
-                                    </p:animEffect>
-                                  </p:childTnLst>
-                                </p:cTn>
-                              </p:par>
-                            </p:childTnLst>
-                          </p:cTn>
-                        </p:par>
-                      </p:childTnLst>
-                    </p:cTn>
-                  </p:par>
-                  <p:par>
-                    <p:cTn id="20" fill="hold">
-                      <p:stCondLst>
-                        <p:cond delay="indefinite"/>
-                      </p:stCondLst>
-                      <p:childTnLst>
-                        <p:par>
-                          <p:cTn id="21" fill="hold">
-                            <p:stCondLst>
-                              <p:cond delay="0"/>
-                            </p:stCondLst>
-                            <p:childTnLst>
-                              <p:par>
-                                <p:cTn id="22" presetID="10" presetClass="entr" presetSubtype="0" fill="hold" nodeType="clickEffect">
-                                  <p:stCondLst>
-                                    <p:cond delay="0"/>
-                                  </p:stCondLst>
-                                  <p:childTnLst>
-                                    <p:set>
-                                      <p:cBhvr>
-                                        <p:cTn id="23" dur="1" fill="hold">
-                                          <p:stCondLst>
-                                            <p:cond delay="0"/>
-                                          </p:stCondLst>
-                                        </p:cTn>
-                                        <p:tgtEl>
-                                          <p:spTgt spid="23"/>
-                                        </p:tgtEl>
-                                        <p:attrNameLst>
-                                          <p:attrName>style.visibility</p:attrName>
-                                        </p:attrNameLst>
-                                      </p:cBhvr>
-                                      <p:to>
-                                        <p:strVal val="visible"/>
-                                      </p:to>
-                                    </p:set>
-                                    <p:animEffect transition="in" filter="fade">
-                                      <p:cBhvr>
-                                        <p:cTn id="24" dur="500"/>
-                                        <p:tgtEl>
-                                          <p:spTgt spid="23"/>
-                                        </p:tgtEl>
-                                      </p:cBhvr>
-                                    </p:animEffect>
-                                  </p:childTnLst>
-                                </p:cTn>
-                              </p:par>
-                            </p:childTnLst>
-                          </p:cTn>
-                        </p:par>
-                      </p:childTnLst>
-                    </p:cTn>
-                  </p:par>
-                </p:childTnLst>
-              </p:cTn>
-              <p:prevCondLst>
-                <p:cond evt="onPrev" delay="0">
-                  <p:tgtEl>
-                    <p:sldTgt/>
-                  </p:tgtEl>
-                </p:cond>
-              </p:prevCondLst>
-              <p:nextCondLst>
-                <p:cond evt="onNext" delay="0">
-                  <p:tgtEl>
-                    <p:sldTgt/>
-                  </p:tgtEl>
-                </p:cond>
-              </p:nextCondLst>
-            </p:seq>
-          </p:childTnLst>
-        </p:cTn>
-      </p:par>
-    </p:tnLst>
-  </p:timing>
-</p:sld>
-</file>
-
-<file path=ppt/slides/slide8.xml><?xml version="1.0" encoding="utf-8"?>
-<p:sld xmlns:a="http://schemas.openxmlformats.org/drawingml/2006/main" xmlns:r="http://schemas.openxmlformats.org/officeDocument/2006/relationships" xmlns:p="http://schemas.openxmlformats.org/presentationml/2006/main">
-  <p:cSld>
-    <p:spTree>
-      <p:nvGrpSpPr>
-        <p:cNvPr id="1" name=""/>
-        <p:cNvGrpSpPr/>
-        <p:nvPr/>
-      </p:nvGrpSpPr>
-      <p:grpSpPr>
-        <a:xfrm>
-          <a:off x="0" y="0"/>
-          <a:ext cx="0" cy="0"/>
-          <a:chOff x="0" y="0"/>
-          <a:chExt cx="0" cy="0"/>
-        </a:xfrm>
-      </p:grpSpPr>
-      <p:sp>
-        <p:nvSpPr>
-          <p:cNvPr id="5" name="Title 1">
-            <a:extLst>
-              <a:ext uri="{FF2B5EF4-FFF2-40B4-BE49-F238E27FC236}">
-                <a16:creationId xmlns:a16="http://schemas.microsoft.com/office/drawing/2014/main" id="{F11C875C-9CAA-4838-BBDD-43705F932F58}"/>
-              </a:ext>
-            </a:extLst>
-          </p:cNvPr>
-          <p:cNvSpPr txBox="1">
-            <a:spLocks/>
-          </p:cNvSpPr>
-          <p:nvPr/>
-        </p:nvSpPr>
-        <p:spPr>
-          <a:xfrm>
-            <a:off x="292001" y="181661"/>
-            <a:ext cx="11019366" cy="847465"/>
-          </a:xfrm>
-          <a:prstGeom prst="rect">
-            <a:avLst/>
-          </a:prstGeom>
-        </p:spPr>
-        <p:txBody>
-          <a:bodyPr vert="horz" lIns="91440" tIns="45720" rIns="91440" bIns="45720" rtlCol="0" anchor="t">
-            <a:normAutofit fontScale="97500"/>
-          </a:bodyPr>
-          <a:lstStyle>
-            <a:lvl1pPr algn="l" defTabSz="457200" rtl="0" eaLnBrk="1" latinLnBrk="0" hangingPunct="1">
-              <a:spcBef>
-                <a:spcPct val="0"/>
-              </a:spcBef>
-              <a:buNone/>
-              <a:defRPr sz="3600" kern="1200">
-                <a:solidFill>
-                  <a:schemeClr val="accent1"/>
-                </a:solidFill>
-                <a:latin typeface="+mj-lt"/>
-                <a:ea typeface="+mj-ea"/>
-                <a:cs typeface="+mj-cs"/>
-              </a:defRPr>
-            </a:lvl1pPr>
-            <a:lvl2pPr eaLnBrk="1" hangingPunct="1">
-              <a:defRPr>
-                <a:solidFill>
-                  <a:schemeClr val="tx2"/>
-                </a:solidFill>
-              </a:defRPr>
-            </a:lvl2pPr>
-            <a:lvl3pPr eaLnBrk="1" hangingPunct="1">
-              <a:defRPr>
-                <a:solidFill>
-                  <a:schemeClr val="tx2"/>
-                </a:solidFill>
-              </a:defRPr>
-            </a:lvl3pPr>
-            <a:lvl4pPr eaLnBrk="1" hangingPunct="1">
-              <a:defRPr>
-                <a:solidFill>
-                  <a:schemeClr val="tx2"/>
-                </a:solidFill>
-              </a:defRPr>
-            </a:lvl4pPr>
-            <a:lvl5pPr eaLnBrk="1" hangingPunct="1">
-              <a:defRPr>
-                <a:solidFill>
-                  <a:schemeClr val="tx2"/>
-                </a:solidFill>
-              </a:defRPr>
-            </a:lvl5pPr>
-            <a:lvl6pPr eaLnBrk="1" hangingPunct="1">
-              <a:defRPr>
-                <a:solidFill>
-                  <a:schemeClr val="tx2"/>
-                </a:solidFill>
-              </a:defRPr>
-            </a:lvl6pPr>
-            <a:lvl7pPr eaLnBrk="1" hangingPunct="1">
-              <a:defRPr>
-                <a:solidFill>
-                  <a:schemeClr val="tx2"/>
-                </a:solidFill>
-              </a:defRPr>
-            </a:lvl7pPr>
-            <a:lvl8pPr eaLnBrk="1" hangingPunct="1">
-              <a:defRPr>
-                <a:solidFill>
-                  <a:schemeClr val="tx2"/>
-                </a:solidFill>
-              </a:defRPr>
-            </a:lvl8pPr>
-            <a:lvl9pPr eaLnBrk="1" hangingPunct="1">
-              <a:defRPr>
-                <a:solidFill>
-                  <a:schemeClr val="tx2"/>
-                </a:solidFill>
-              </a:defRPr>
-            </a:lvl9pPr>
-          </a:lstStyle>
-          <a:p>
-            <a:r>
-              <a:rPr lang="en-US" dirty="0">
-                <a:solidFill>
-                  <a:srgbClr val="002060"/>
-                </a:solidFill>
-              </a:rPr>
-              <a:t>Results</a:t>
-            </a:r>
-          </a:p>
-          <a:p>
-            <a:endParaRPr lang="en-US" dirty="0">
-              <a:solidFill>
-                <a:srgbClr val="002060"/>
-              </a:solidFill>
-            </a:endParaRPr>
-          </a:p>
-        </p:txBody>
-      </p:sp>
-      <p:pic>
-        <p:nvPicPr>
-          <p:cNvPr id="14" name="Picture 13">
-            <a:extLst>
-              <a:ext uri="{FF2B5EF4-FFF2-40B4-BE49-F238E27FC236}">
-                <a16:creationId xmlns:a16="http://schemas.microsoft.com/office/drawing/2014/main" id="{A5018CE7-28D9-4022-9A9E-B2B9B8CA48FE}"/>
-              </a:ext>
-            </a:extLst>
-          </p:cNvPr>
-          <p:cNvPicPr>
-            <a:picLocks noChangeAspect="1"/>
-          </p:cNvPicPr>
-          <p:nvPr/>
-        </p:nvPicPr>
-        <p:blipFill>
-          <a:blip r:embed="rId2"/>
-          <a:stretch>
-            <a:fillRect/>
-          </a:stretch>
-        </p:blipFill>
-        <p:spPr>
-          <a:xfrm>
-            <a:off x="1984216" y="1149436"/>
-            <a:ext cx="8983244" cy="5708564"/>
-          </a:xfrm>
-          <a:prstGeom prst="rect">
-            <a:avLst/>
-          </a:prstGeom>
-        </p:spPr>
-      </p:pic>
-      <p:grpSp>
-        <p:nvGrpSpPr>
-          <p:cNvPr id="23" name="Group 22">
-            <a:extLst>
-              <a:ext uri="{FF2B5EF4-FFF2-40B4-BE49-F238E27FC236}">
-                <a16:creationId xmlns:a16="http://schemas.microsoft.com/office/drawing/2014/main" id="{92AFB317-F39E-4D8D-BF6D-081F2F0B5691}"/>
-              </a:ext>
-            </a:extLst>
-          </p:cNvPr>
-          <p:cNvGrpSpPr/>
-          <p:nvPr/>
-        </p:nvGrpSpPr>
-        <p:grpSpPr>
-          <a:xfrm>
-            <a:off x="3400270" y="2732384"/>
-            <a:ext cx="2695730" cy="1496716"/>
-            <a:chOff x="3400270" y="2732384"/>
-            <a:chExt cx="2695730" cy="1496716"/>
-          </a:xfrm>
-        </p:grpSpPr>
-        <p:sp>
-          <p:nvSpPr>
-            <p:cNvPr id="17" name="Oval 16">
-              <a:extLst>
-                <a:ext uri="{FF2B5EF4-FFF2-40B4-BE49-F238E27FC236}">
-                  <a16:creationId xmlns:a16="http://schemas.microsoft.com/office/drawing/2014/main" id="{520F6D53-68A7-4282-831D-E164F3C4C7C3}"/>
-                </a:ext>
-              </a:extLst>
-            </p:cNvPr>
-            <p:cNvSpPr/>
-            <p:nvPr/>
-          </p:nvSpPr>
-          <p:spPr>
-            <a:xfrm rot="1773951">
-              <a:off x="3400270" y="2732384"/>
-              <a:ext cx="1003399" cy="457200"/>
-            </a:xfrm>
-            <a:prstGeom prst="ellipse">
-              <a:avLst/>
-            </a:prstGeom>
-            <a:noFill/>
-            <a:ln w="76200">
-              <a:solidFill>
-                <a:srgbClr val="00B0F0">
-                  <a:alpha val="48000"/>
-                </a:srgbClr>
-              </a:solidFill>
-            </a:ln>
-          </p:spPr>
-          <p:style>
-            <a:lnRef idx="2">
-              <a:schemeClr val="accent1">
-                <a:shade val="50000"/>
-              </a:schemeClr>
-            </a:lnRef>
-            <a:fillRef idx="1">
-              <a:schemeClr val="accent1"/>
-            </a:fillRef>
-            <a:effectRef idx="0">
-              <a:schemeClr val="accent1"/>
-            </a:effectRef>
-            <a:fontRef idx="minor">
-              <a:schemeClr val="lt1"/>
-            </a:fontRef>
-          </p:style>
-          <p:txBody>
-            <a:bodyPr rtlCol="0" anchor="ctr"/>
-            <a:lstStyle/>
-            <a:p>
-              <a:pPr algn="ctr"/>
-              <a:endParaRPr lang="en-US"/>
-            </a:p>
-          </p:txBody>
-        </p:sp>
-        <p:sp>
-          <p:nvSpPr>
-            <p:cNvPr id="18" name="Speech Bubble: Rectangle with Corners Rounded 17">
-              <a:extLst>
-                <a:ext uri="{FF2B5EF4-FFF2-40B4-BE49-F238E27FC236}">
-                  <a16:creationId xmlns:a16="http://schemas.microsoft.com/office/drawing/2014/main" id="{80EB8B5B-B3C1-44AB-99E3-63FF1DF8C61B}"/>
-                </a:ext>
-              </a:extLst>
-            </p:cNvPr>
-            <p:cNvSpPr/>
-            <p:nvPr/>
-          </p:nvSpPr>
-          <p:spPr>
-            <a:xfrm>
-              <a:off x="4610100" y="3543300"/>
-              <a:ext cx="1485900" cy="685800"/>
-            </a:xfrm>
-            <a:prstGeom prst="wedgeRoundRectCallout">
-              <a:avLst>
-                <a:gd name="adj1" fmla="val -69853"/>
-                <a:gd name="adj2" fmla="val -80357"/>
-                <a:gd name="adj3" fmla="val 16667"/>
-              </a:avLst>
-            </a:prstGeom>
-            <a:solidFill>
-              <a:srgbClr val="FFFF00"/>
-            </a:solidFill>
-          </p:spPr>
-          <p:style>
-            <a:lnRef idx="2">
-              <a:schemeClr val="accent1">
-                <a:shade val="50000"/>
-              </a:schemeClr>
-            </a:lnRef>
-            <a:fillRef idx="1">
-              <a:schemeClr val="accent1"/>
-            </a:fillRef>
-            <a:effectRef idx="0">
-              <a:schemeClr val="accent1"/>
-            </a:effectRef>
-            <a:fontRef idx="minor">
-              <a:schemeClr val="lt1"/>
-            </a:fontRef>
-          </p:style>
-          <p:txBody>
-            <a:bodyPr rtlCol="0" anchor="ctr"/>
-            <a:lstStyle/>
-            <a:p>
-              <a:pPr algn="ctr"/>
-              <a:r>
-                <a:rPr lang="en-US" dirty="0" err="1">
-                  <a:solidFill>
-                    <a:srgbClr val="002060"/>
-                  </a:solidFill>
-                </a:rPr>
-                <a:t>OneVsRest</a:t>
-              </a:r>
-              <a:endParaRPr lang="en-US" dirty="0">
-                <a:solidFill>
-                  <a:srgbClr val="002060"/>
-                </a:solidFill>
-              </a:endParaRPr>
-            </a:p>
-          </p:txBody>
-        </p:sp>
-      </p:grpSp>
-      <p:grpSp>
-        <p:nvGrpSpPr>
-          <p:cNvPr id="22" name="Group 21">
-            <a:extLst>
-              <a:ext uri="{FF2B5EF4-FFF2-40B4-BE49-F238E27FC236}">
-                <a16:creationId xmlns:a16="http://schemas.microsoft.com/office/drawing/2014/main" id="{C438FF78-68BD-4D2F-8CE0-538F1FA19552}"/>
-              </a:ext>
-            </a:extLst>
-          </p:cNvPr>
-          <p:cNvGrpSpPr/>
-          <p:nvPr/>
-        </p:nvGrpSpPr>
-        <p:grpSpPr>
-          <a:xfrm>
-            <a:off x="495300" y="1618515"/>
-            <a:ext cx="3301151" cy="874376"/>
-            <a:chOff x="495300" y="1618515"/>
-            <a:chExt cx="3301151" cy="874376"/>
-          </a:xfrm>
-        </p:grpSpPr>
-        <p:sp>
-          <p:nvSpPr>
-            <p:cNvPr id="19" name="Speech Bubble: Rectangle with Corners Rounded 18">
-              <a:extLst>
-                <a:ext uri="{FF2B5EF4-FFF2-40B4-BE49-F238E27FC236}">
-                  <a16:creationId xmlns:a16="http://schemas.microsoft.com/office/drawing/2014/main" id="{52381E81-23BB-4204-8FD5-D26B6A1F5C7A}"/>
-                </a:ext>
-              </a:extLst>
-            </p:cNvPr>
-            <p:cNvSpPr/>
-            <p:nvPr/>
-          </p:nvSpPr>
-          <p:spPr>
-            <a:xfrm>
-              <a:off x="495300" y="1618515"/>
-              <a:ext cx="1485900" cy="685800"/>
-            </a:xfrm>
-            <a:prstGeom prst="wedgeRoundRectCallout">
-              <a:avLst>
-                <a:gd name="adj1" fmla="val 126728"/>
-                <a:gd name="adj2" fmla="val 60383"/>
-                <a:gd name="adj3" fmla="val 16667"/>
-              </a:avLst>
-            </a:prstGeom>
-            <a:solidFill>
-              <a:srgbClr val="FFFF00"/>
-            </a:solidFill>
-          </p:spPr>
-          <p:style>
-            <a:lnRef idx="2">
-              <a:schemeClr val="accent1">
-                <a:shade val="50000"/>
-              </a:schemeClr>
-            </a:lnRef>
-            <a:fillRef idx="1">
-              <a:schemeClr val="accent1"/>
-            </a:fillRef>
-            <a:effectRef idx="0">
-              <a:schemeClr val="accent1"/>
-            </a:effectRef>
-            <a:fontRef idx="minor">
-              <a:schemeClr val="lt1"/>
-            </a:fontRef>
-          </p:style>
-          <p:txBody>
-            <a:bodyPr rtlCol="0" anchor="ctr"/>
-            <a:lstStyle/>
-            <a:p>
-              <a:pPr algn="ctr"/>
-              <a:r>
-                <a:rPr lang="en-US" dirty="0" err="1">
-                  <a:solidFill>
-                    <a:srgbClr val="002060"/>
-                  </a:solidFill>
-                </a:rPr>
-                <a:t>OneVsOne</a:t>
-              </a:r>
-              <a:endParaRPr lang="en-US" dirty="0">
-                <a:solidFill>
-                  <a:srgbClr val="002060"/>
-                </a:solidFill>
-              </a:endParaRPr>
-            </a:p>
-          </p:txBody>
-        </p:sp>
-        <p:sp>
-          <p:nvSpPr>
-            <p:cNvPr id="20" name="Oval 19">
-              <a:extLst>
-                <a:ext uri="{FF2B5EF4-FFF2-40B4-BE49-F238E27FC236}">
-                  <a16:creationId xmlns:a16="http://schemas.microsoft.com/office/drawing/2014/main" id="{73B86C22-E865-4134-B8BA-7261808CE2CE}"/>
-                </a:ext>
-              </a:extLst>
-            </p:cNvPr>
-            <p:cNvSpPr/>
-            <p:nvPr/>
-          </p:nvSpPr>
-          <p:spPr>
-            <a:xfrm rot="1773951">
-              <a:off x="3093415" y="2090339"/>
-              <a:ext cx="703036" cy="402552"/>
-            </a:xfrm>
-            <a:prstGeom prst="ellipse">
-              <a:avLst/>
-            </a:prstGeom>
-            <a:noFill/>
-            <a:ln w="76200">
-              <a:solidFill>
-                <a:srgbClr val="00B0F0">
-                  <a:alpha val="48000"/>
-                </a:srgbClr>
-              </a:solidFill>
-            </a:ln>
-          </p:spPr>
-          <p:style>
-            <a:lnRef idx="2">
-              <a:schemeClr val="accent1">
-                <a:shade val="50000"/>
-              </a:schemeClr>
-            </a:lnRef>
-            <a:fillRef idx="1">
-              <a:schemeClr val="accent1"/>
-            </a:fillRef>
-            <a:effectRef idx="0">
-              <a:schemeClr val="accent1"/>
-            </a:effectRef>
-            <a:fontRef idx="minor">
-              <a:schemeClr val="lt1"/>
-            </a:fontRef>
-          </p:style>
-          <p:txBody>
-            <a:bodyPr rtlCol="0" anchor="ctr"/>
-            <a:lstStyle/>
-            <a:p>
-              <a:pPr algn="ctr"/>
-              <a:endParaRPr lang="en-US"/>
-            </a:p>
-          </p:txBody>
-        </p:sp>
-      </p:grpSp>
-      <p:sp>
-        <p:nvSpPr>
-          <p:cNvPr id="21" name="TextBox 20">
-            <a:extLst>
-              <a:ext uri="{FF2B5EF4-FFF2-40B4-BE49-F238E27FC236}">
-                <a16:creationId xmlns:a16="http://schemas.microsoft.com/office/drawing/2014/main" id="{586A0C4C-167D-41C8-BC77-8C4E9A9D51FD}"/>
-              </a:ext>
-            </a:extLst>
-          </p:cNvPr>
-          <p:cNvSpPr txBox="1"/>
-          <p:nvPr/>
-        </p:nvSpPr>
-        <p:spPr>
-          <a:xfrm>
-            <a:off x="7353300" y="2758470"/>
-            <a:ext cx="1883849" cy="1569660"/>
-          </a:xfrm>
-          <a:prstGeom prst="rect">
-            <a:avLst/>
-          </a:prstGeom>
-          <a:noFill/>
-        </p:spPr>
-        <p:txBody>
-          <a:bodyPr wrap="none" rtlCol="0">
-            <a:spAutoFit/>
-          </a:bodyPr>
-          <a:lstStyle/>
-          <a:p>
-            <a:r>
-              <a:rPr lang="en-US" sz="2400" dirty="0" err="1"/>
-              <a:t>OneVsOne</a:t>
-            </a:r>
-            <a:r>
-              <a:rPr lang="en-US" sz="2400" dirty="0"/>
-              <a:t> is</a:t>
-            </a:r>
-          </a:p>
-          <a:p>
-            <a:r>
-              <a:rPr lang="en-US" sz="2400" dirty="0"/>
-              <a:t>better when</a:t>
-            </a:r>
-          </a:p>
-          <a:p>
-            <a:r>
-              <a:rPr lang="en-US" sz="2400" dirty="0"/>
-              <a:t>the number </a:t>
-            </a:r>
-          </a:p>
-          <a:p>
-            <a:r>
-              <a:rPr lang="en-US" sz="2400" dirty="0"/>
-              <a:t>of PC &lt; 15</a:t>
-            </a:r>
-          </a:p>
-        </p:txBody>
-      </p:sp>
-    </p:spTree>
-    <p:extLst>
-      <p:ext uri="{BB962C8B-B14F-4D97-AF65-F5344CB8AC3E}">
-        <p14:creationId xmlns:p14="http://schemas.microsoft.com/office/powerpoint/2010/main" val="3958144422"/>
-      </p:ext>
-    </p:extLst>
-  </p:cSld>
-  <p:clrMapOvr>
-    <a:masterClrMapping/>
-  </p:clrMapOvr>
-  <p:timing>
-    <p:tnLst>
-      <p:par>
-        <p:cTn id="1" dur="indefinite" restart="never" nodeType="tmRoot">
-          <p:childTnLst>
-            <p:seq concurrent="1" nextAc="seek">
-              <p:cTn id="2" dur="indefinite" nodeType="mainSeq">
-                <p:childTnLst>
-                  <p:par>
-                    <p:cTn id="3" fill="hold">
-                      <p:stCondLst>
-                        <p:cond delay="indefinite"/>
-                      </p:stCondLst>
-                      <p:childTnLst>
-                        <p:par>
-                          <p:cTn id="4" fill="hold">
-                            <p:stCondLst>
-                              <p:cond delay="0"/>
-                            </p:stCondLst>
-                            <p:childTnLst>
-                              <p:par>
-                                <p:cTn id="5" presetID="42" presetClass="entr" presetSubtype="0" fill="hold" nodeType="clickEffect">
-                                  <p:stCondLst>
-                                    <p:cond delay="0"/>
-                                  </p:stCondLst>
-                                  <p:childTnLst>
-                                    <p:set>
-                                      <p:cBhvr>
-                                        <p:cTn id="6" dur="1" fill="hold">
-                                          <p:stCondLst>
-                                            <p:cond delay="0"/>
-                                          </p:stCondLst>
-                                        </p:cTn>
-                                        <p:tgtEl>
-                                          <p:spTgt spid="22"/>
-                                        </p:tgtEl>
-                                        <p:attrNameLst>
-                                          <p:attrName>style.visibility</p:attrName>
-                                        </p:attrNameLst>
-                                      </p:cBhvr>
-                                      <p:to>
-                                        <p:strVal val="visible"/>
-                                      </p:to>
-                                    </p:set>
-                                    <p:animEffect transition="in" filter="fade">
-                                      <p:cBhvr>
-                                        <p:cTn id="7" dur="1000"/>
-                                        <p:tgtEl>
-                                          <p:spTgt spid="22"/>
-                                        </p:tgtEl>
-                                      </p:cBhvr>
-                                    </p:animEffect>
-                                    <p:anim calcmode="lin" valueType="num">
-                                      <p:cBhvr>
-                                        <p:cTn id="8" dur="1000" fill="hold"/>
-                                        <p:tgtEl>
-                                          <p:spTgt spid="22"/>
-                                        </p:tgtEl>
-                                        <p:attrNameLst>
-                                          <p:attrName>ppt_x</p:attrName>
-                                        </p:attrNameLst>
-                                      </p:cBhvr>
-                                      <p:tavLst>
-                                        <p:tav tm="0">
-                                          <p:val>
-                                            <p:strVal val="#ppt_x"/>
-                                          </p:val>
-                                        </p:tav>
-                                        <p:tav tm="100000">
-                                          <p:val>
-                                            <p:strVal val="#ppt_x"/>
-                                          </p:val>
-                                        </p:tav>
-                                      </p:tavLst>
-                                    </p:anim>
-                                    <p:anim calcmode="lin" valueType="num">
-                                      <p:cBhvr>
-                                        <p:cTn id="9" dur="1000" fill="hold"/>
-                                        <p:tgtEl>
-                                          <p:spTgt spid="22"/>
-                                        </p:tgtEl>
-                                        <p:attrNameLst>
-                                          <p:attrName>ppt_y</p:attrName>
-                                        </p:attrNameLst>
-                                      </p:cBhvr>
-                                      <p:tavLst>
-                                        <p:tav tm="0">
-                                          <p:val>
-                                            <p:strVal val="#ppt_y+.1"/>
-                                          </p:val>
-                                        </p:tav>
-                                        <p:tav tm="100000">
-                                          <p:val>
-                                            <p:strVal val="#ppt_y"/>
-                                          </p:val>
-                                        </p:tav>
-                                      </p:tavLst>
-                                    </p:anim>
-                                  </p:childTnLst>
-                                </p:cTn>
-                              </p:par>
-                            </p:childTnLst>
-                          </p:cTn>
-                        </p:par>
-                      </p:childTnLst>
-                    </p:cTn>
-                  </p:par>
-                  <p:par>
-                    <p:cTn id="10" fill="hold">
-                      <p:stCondLst>
-                        <p:cond delay="indefinite"/>
-                      </p:stCondLst>
-                      <p:childTnLst>
-                        <p:par>
-                          <p:cTn id="11" fill="hold">
-                            <p:stCondLst>
-                              <p:cond delay="0"/>
-                            </p:stCondLst>
-                            <p:childTnLst>
-                              <p:par>
-                                <p:cTn id="12" presetID="42" presetClass="entr" presetSubtype="0" fill="hold" nodeType="clickEffect">
-                                  <p:stCondLst>
-                                    <p:cond delay="0"/>
-                                  </p:stCondLst>
-                                  <p:childTnLst>
-                                    <p:set>
-                                      <p:cBhvr>
-                                        <p:cTn id="13" dur="1" fill="hold">
-                                          <p:stCondLst>
-                                            <p:cond delay="0"/>
-                                          </p:stCondLst>
-                                        </p:cTn>
-                                        <p:tgtEl>
-                                          <p:spTgt spid="23"/>
-                                        </p:tgtEl>
-                                        <p:attrNameLst>
-                                          <p:attrName>style.visibility</p:attrName>
-                                        </p:attrNameLst>
-                                      </p:cBhvr>
-                                      <p:to>
-                                        <p:strVal val="visible"/>
-                                      </p:to>
-                                    </p:set>
-                                    <p:animEffect transition="in" filter="fade">
-                                      <p:cBhvr>
-                                        <p:cTn id="14" dur="1000"/>
-                                        <p:tgtEl>
-                                          <p:spTgt spid="23"/>
-                                        </p:tgtEl>
-                                      </p:cBhvr>
-                                    </p:animEffect>
-                                    <p:anim calcmode="lin" valueType="num">
-                                      <p:cBhvr>
-                                        <p:cTn id="15" dur="1000" fill="hold"/>
-                                        <p:tgtEl>
-                                          <p:spTgt spid="23"/>
-                                        </p:tgtEl>
-                                        <p:attrNameLst>
-                                          <p:attrName>ppt_x</p:attrName>
-                                        </p:attrNameLst>
-                                      </p:cBhvr>
-                                      <p:tavLst>
-                                        <p:tav tm="0">
-                                          <p:val>
-                                            <p:strVal val="#ppt_x"/>
-                                          </p:val>
-                                        </p:tav>
-                                        <p:tav tm="100000">
-                                          <p:val>
-                                            <p:strVal val="#ppt_x"/>
-                                          </p:val>
-                                        </p:tav>
-                                      </p:tavLst>
-                                    </p:anim>
-                                    <p:anim calcmode="lin" valueType="num">
-                                      <p:cBhvr>
-                                        <p:cTn id="16" dur="1000" fill="hold"/>
-                                        <p:tgtEl>
-                                          <p:spTgt spid="23"/>
-                                        </p:tgtEl>
-                                        <p:attrNameLst>
-                                          <p:attrName>ppt_y</p:attrName>
-                                        </p:attrNameLst>
-                                      </p:cBhvr>
-                                      <p:tavLst>
-                                        <p:tav tm="0">
-                                          <p:val>
-                                            <p:strVal val="#ppt_y+.1"/>
-                                          </p:val>
-                                        </p:tav>
-                                        <p:tav tm="100000">
-                                          <p:val>
-                                            <p:strVal val="#ppt_y"/>
-                                          </p:val>
-                                        </p:tav>
-                                      </p:tavLst>
-                                    </p:anim>
-                                  </p:childTnLst>
-                                </p:cTn>
-                              </p:par>
-                            </p:childTnLst>
-                          </p:cTn>
-                        </p:par>
-                      </p:childTnLst>
-                    </p:cTn>
-                  </p:par>
-                  <p:par>
-                    <p:cTn id="17" fill="hold">
-                      <p:stCondLst>
-                        <p:cond delay="indefinite"/>
-                      </p:stCondLst>
-                      <p:childTnLst>
-                        <p:par>
-                          <p:cTn id="18" fill="hold">
-                            <p:stCondLst>
-                              <p:cond delay="0"/>
-                            </p:stCondLst>
-                            <p:childTnLst>
-                              <p:par>
-                                <p:cTn id="19" presetID="42" presetClass="entr" presetSubtype="0" fill="hold" grpId="0" nodeType="clickEffect">
-                                  <p:stCondLst>
-                                    <p:cond delay="0"/>
-                                  </p:stCondLst>
-                                  <p:childTnLst>
-                                    <p:set>
-                                      <p:cBhvr>
-                                        <p:cTn id="20" dur="1" fill="hold">
-                                          <p:stCondLst>
-                                            <p:cond delay="0"/>
-                                          </p:stCondLst>
-                                        </p:cTn>
-                                        <p:tgtEl>
-                                          <p:spTgt spid="21"/>
-                                        </p:tgtEl>
-                                        <p:attrNameLst>
-                                          <p:attrName>style.visibility</p:attrName>
-                                        </p:attrNameLst>
-                                      </p:cBhvr>
-                                      <p:to>
-                                        <p:strVal val="visible"/>
-                                      </p:to>
-                                    </p:set>
-                                    <p:animEffect transition="in" filter="fade">
-                                      <p:cBhvr>
-                                        <p:cTn id="21" dur="1000"/>
-                                        <p:tgtEl>
-                                          <p:spTgt spid="21"/>
-                                        </p:tgtEl>
-                                      </p:cBhvr>
-                                    </p:animEffect>
-                                    <p:anim calcmode="lin" valueType="num">
-                                      <p:cBhvr>
-                                        <p:cTn id="22" dur="1000" fill="hold"/>
-                                        <p:tgtEl>
-                                          <p:spTgt spid="21"/>
-                                        </p:tgtEl>
-                                        <p:attrNameLst>
-                                          <p:attrName>ppt_x</p:attrName>
-                                        </p:attrNameLst>
-                                      </p:cBhvr>
-                                      <p:tavLst>
-                                        <p:tav tm="0">
-                                          <p:val>
-                                            <p:strVal val="#ppt_x"/>
-                                          </p:val>
-                                        </p:tav>
-                                        <p:tav tm="100000">
-                                          <p:val>
-                                            <p:strVal val="#ppt_x"/>
-                                          </p:val>
-                                        </p:tav>
-                                      </p:tavLst>
-                                    </p:anim>
-                                    <p:anim calcmode="lin" valueType="num">
-                                      <p:cBhvr>
-                                        <p:cTn id="23" dur="1000" fill="hold"/>
-                                        <p:tgtEl>
-                                          <p:spTgt spid="21"/>
-                                        </p:tgtEl>
-                                        <p:attrNameLst>
-                                          <p:attrName>ppt_y</p:attrName>
-                                        </p:attrNameLst>
-                                      </p:cBhvr>
-                                      <p:tavLst>
-                                        <p:tav tm="0">
-                                          <p:val>
-                                            <p:strVal val="#ppt_y+.1"/>
-                                          </p:val>
-                                        </p:tav>
-                                        <p:tav tm="100000">
-                                          <p:val>
-                                            <p:strVal val="#ppt_y"/>
-                                          </p:val>
-                                        </p:tav>
-                                      </p:tavLst>
-                                    </p:anim>
-                                  </p:childTnLst>
-                                </p:cTn>
-                              </p:par>
-                            </p:childTnLst>
-                          </p:cTn>
-                        </p:par>
-                      </p:childTnLst>
-                    </p:cTn>
-                  </p:par>
-                </p:childTnLst>
-              </p:cTn>
-              <p:prevCondLst>
-                <p:cond evt="onPrev" delay="0">
-                  <p:tgtEl>
-                    <p:sldTgt/>
-                  </p:tgtEl>
-                </p:cond>
-              </p:prevCondLst>
-              <p:nextCondLst>
-                <p:cond evt="onNext" delay="0">
-                  <p:tgtEl>
-                    <p:sldTgt/>
-                  </p:tgtEl>
-                </p:cond>
-              </p:nextCondLst>
-            </p:seq>
-          </p:childTnLst>
-        </p:cTn>
-      </p:par>
-    </p:tnLst>
-    <p:bldLst>
-      <p:bldP spid="21" grpId="0"/>
-    </p:bldLst>
-  </p:timing>
-</p:sld>
-</file>
-
-<file path=ppt/slides/slide9.xml><?xml version="1.0" encoding="utf-8"?>
-<p:sld xmlns:a="http://schemas.openxmlformats.org/drawingml/2006/main" xmlns:r="http://schemas.openxmlformats.org/officeDocument/2006/relationships" xmlns:p="http://schemas.openxmlformats.org/presentationml/2006/main">
-  <p:cSld>
-    <p:spTree>
-      <p:nvGrpSpPr>
-        <p:cNvPr id="1" name=""/>
-        <p:cNvGrpSpPr/>
-        <p:nvPr/>
-      </p:nvGrpSpPr>
-      <p:grpSpPr>
-        <a:xfrm>
-          <a:off x="0" y="0"/>
-          <a:ext cx="0" cy="0"/>
-          <a:chOff x="0" y="0"/>
-          <a:chExt cx="0" cy="0"/>
-        </a:xfrm>
-      </p:grpSpPr>
-      <p:sp>
-        <p:nvSpPr>
-          <p:cNvPr id="4" name="Title 1">
-            <a:extLst>
-              <a:ext uri="{FF2B5EF4-FFF2-40B4-BE49-F238E27FC236}">
-                <a16:creationId xmlns:a16="http://schemas.microsoft.com/office/drawing/2014/main" id="{94B69BDE-2E3C-4D3D-ADDB-96B638AF3FF7}"/>
-              </a:ext>
-            </a:extLst>
-          </p:cNvPr>
-          <p:cNvSpPr txBox="1">
-            <a:spLocks/>
-          </p:cNvSpPr>
-          <p:nvPr/>
-        </p:nvSpPr>
-        <p:spPr>
-          <a:xfrm>
-            <a:off x="292001" y="181661"/>
-            <a:ext cx="11019366" cy="847465"/>
-          </a:xfrm>
-          <a:prstGeom prst="rect">
-            <a:avLst/>
-          </a:prstGeom>
-        </p:spPr>
-        <p:txBody>
-          <a:bodyPr vert="horz" lIns="91440" tIns="45720" rIns="91440" bIns="45720" rtlCol="0" anchor="t">
-            <a:normAutofit fontScale="97500"/>
-          </a:bodyPr>
-          <a:lstStyle>
-            <a:lvl1pPr algn="l" defTabSz="457200" rtl="0" eaLnBrk="1" latinLnBrk="0" hangingPunct="1">
-              <a:spcBef>
-                <a:spcPct val="0"/>
-              </a:spcBef>
-              <a:buNone/>
-              <a:defRPr sz="3600" kern="1200">
-                <a:solidFill>
-                  <a:schemeClr val="accent1"/>
-                </a:solidFill>
-                <a:latin typeface="+mj-lt"/>
-                <a:ea typeface="+mj-ea"/>
-                <a:cs typeface="+mj-cs"/>
-              </a:defRPr>
-            </a:lvl1pPr>
-            <a:lvl2pPr eaLnBrk="1" hangingPunct="1">
-              <a:defRPr>
-                <a:solidFill>
-                  <a:schemeClr val="tx2"/>
-                </a:solidFill>
-              </a:defRPr>
-            </a:lvl2pPr>
-            <a:lvl3pPr eaLnBrk="1" hangingPunct="1">
-              <a:defRPr>
-                <a:solidFill>
-                  <a:schemeClr val="tx2"/>
-                </a:solidFill>
-              </a:defRPr>
-            </a:lvl3pPr>
-            <a:lvl4pPr eaLnBrk="1" hangingPunct="1">
-              <a:defRPr>
-                <a:solidFill>
-                  <a:schemeClr val="tx2"/>
-                </a:solidFill>
-              </a:defRPr>
-            </a:lvl4pPr>
-            <a:lvl5pPr eaLnBrk="1" hangingPunct="1">
-              <a:defRPr>
-                <a:solidFill>
-                  <a:schemeClr val="tx2"/>
-                </a:solidFill>
-              </a:defRPr>
-            </a:lvl5pPr>
-            <a:lvl6pPr eaLnBrk="1" hangingPunct="1">
-              <a:defRPr>
-                <a:solidFill>
-                  <a:schemeClr val="tx2"/>
-                </a:solidFill>
-              </a:defRPr>
-            </a:lvl6pPr>
-            <a:lvl7pPr eaLnBrk="1" hangingPunct="1">
-              <a:defRPr>
-                <a:solidFill>
-                  <a:schemeClr val="tx2"/>
-                </a:solidFill>
-              </a:defRPr>
-            </a:lvl7pPr>
-            <a:lvl8pPr eaLnBrk="1" hangingPunct="1">
-              <a:defRPr>
-                <a:solidFill>
-                  <a:schemeClr val="tx2"/>
-                </a:solidFill>
-              </a:defRPr>
-            </a:lvl8pPr>
-            <a:lvl9pPr eaLnBrk="1" hangingPunct="1">
-              <a:defRPr>
-                <a:solidFill>
-                  <a:schemeClr val="tx2"/>
-                </a:solidFill>
-              </a:defRPr>
-            </a:lvl9pPr>
-          </a:lstStyle>
-          <a:p>
-            <a:r>
-              <a:rPr lang="en-US" dirty="0">
-                <a:solidFill>
-                  <a:srgbClr val="002060"/>
-                </a:solidFill>
-              </a:rPr>
-              <a:t>Conclusions</a:t>
-            </a:r>
-          </a:p>
-          <a:p>
-            <a:endParaRPr lang="en-US" dirty="0">
-              <a:solidFill>
-                <a:srgbClr val="002060"/>
-              </a:solidFill>
-            </a:endParaRPr>
-          </a:p>
-        </p:txBody>
-      </p:sp>
-      <p:sp>
-        <p:nvSpPr>
-          <p:cNvPr id="6" name="Content Placeholder 5">
-            <a:extLst>
-              <a:ext uri="{FF2B5EF4-FFF2-40B4-BE49-F238E27FC236}">
-                <a16:creationId xmlns:a16="http://schemas.microsoft.com/office/drawing/2014/main" id="{8AC93AEF-1C0F-4B94-80B8-E9BCF056E8C3}"/>
-              </a:ext>
-            </a:extLst>
-          </p:cNvPr>
-          <p:cNvSpPr>
-            <a:spLocks noGrp="1"/>
-          </p:cNvSpPr>
-          <p:nvPr>
-            <p:ph idx="1"/>
-          </p:nvPr>
-        </p:nvSpPr>
-        <p:spPr>
-          <a:xfrm>
-            <a:off x="677334" y="1143000"/>
-            <a:ext cx="9419166" cy="5372099"/>
-          </a:xfrm>
-        </p:spPr>
-        <p:txBody>
-          <a:bodyPr>
-            <a:normAutofit/>
-          </a:bodyPr>
-          <a:lstStyle/>
-          <a:p>
-            <a:r>
-              <a:rPr lang="en-US" sz="3200" dirty="0"/>
-              <a:t>Bayes classifier is the slowest.</a:t>
-            </a:r>
-          </a:p>
-          <a:p>
-            <a:r>
-              <a:rPr lang="en-US" sz="3200" dirty="0" err="1"/>
-              <a:t>OneVsOne</a:t>
-            </a:r>
-            <a:r>
-              <a:rPr lang="en-US" sz="3200" dirty="0"/>
-              <a:t> has higher accuracy than </a:t>
-            </a:r>
-            <a:r>
-              <a:rPr lang="en-US" sz="3200" dirty="0" err="1"/>
-              <a:t>OneVsRest</a:t>
-            </a:r>
-            <a:r>
-              <a:rPr lang="en-US" sz="3200" dirty="0"/>
-              <a:t> when the number of PC &lt; 15.</a:t>
-            </a:r>
-          </a:p>
-          <a:p>
-            <a:pPr lvl="1"/>
-            <a:r>
-              <a:rPr lang="en-US" sz="3000" dirty="0"/>
-              <a:t>When the number of PC &gt; 20, the difference in accuracy between </a:t>
-            </a:r>
-            <a:r>
-              <a:rPr lang="en-US" sz="3000" dirty="0" err="1"/>
-              <a:t>OneVsOne</a:t>
-            </a:r>
-            <a:r>
-              <a:rPr lang="en-US" sz="3000" dirty="0"/>
-              <a:t> and </a:t>
-            </a:r>
-            <a:r>
-              <a:rPr lang="en-US" sz="3000" dirty="0" err="1"/>
-              <a:t>OneVsRest</a:t>
-            </a:r>
-            <a:r>
-              <a:rPr lang="en-US" sz="3000" dirty="0"/>
-              <a:t> is small. But </a:t>
-            </a:r>
-            <a:r>
-              <a:rPr lang="en-US" sz="3000" dirty="0" err="1"/>
-              <a:t>OneVsOne</a:t>
-            </a:r>
-            <a:r>
-              <a:rPr lang="en-US" sz="3000" dirty="0"/>
-              <a:t> is more computational intensive.</a:t>
-            </a:r>
-          </a:p>
-          <a:p>
-            <a:r>
-              <a:rPr lang="en-US" sz="3200" dirty="0"/>
-              <a:t>Linear classifier with non-linear combinations of features has the best trade-off in computation/accuracy/number of PC.</a:t>
-            </a:r>
-          </a:p>
-        </p:txBody>
-      </p:sp>
-    </p:spTree>
-    <p:extLst>
-      <p:ext uri="{BB962C8B-B14F-4D97-AF65-F5344CB8AC3E}">
-        <p14:creationId xmlns:p14="http://schemas.microsoft.com/office/powerpoint/2010/main" val="1815420191"/>
-      </p:ext>
-    </p:extLst>
-  </p:cSld>
-  <p:clrMapOvr>
-    <a:masterClrMapping/>
-  </p:clrMapOvr>
 </p:sld>
 </file>
 

--- a/FinalReport_Team_Bengio.pptx
+++ b/FinalReport_Team_Bengio.pptx
@@ -1,25 +1,32 @@
 
 <file path=ppt/presentation.xml><?xml version="1.0" encoding="utf-8"?>
-<p:presentation xmlns:a="http://schemas.openxmlformats.org/drawingml/2006/main" xmlns:r="http://schemas.openxmlformats.org/officeDocument/2006/relationships" xmlns:p="http://schemas.openxmlformats.org/presentationml/2006/main" autoCompressPictures="0">
+<p:presentation xmlns:a="http://schemas.openxmlformats.org/drawingml/2006/main" xmlns:r="http://schemas.openxmlformats.org/officeDocument/2006/relationships" xmlns:p="http://schemas.openxmlformats.org/presentationml/2006/main" showSpecialPlsOnTitleSld="0" autoCompressPictures="0">
   <p:sldMasterIdLst>
     <p:sldMasterId id="2147483648" r:id="rId1"/>
   </p:sldMasterIdLst>
+  <p:notesMasterIdLst>
+    <p:notesMasterId r:id="rId18"/>
+  </p:notesMasterIdLst>
+  <p:handoutMasterIdLst>
+    <p:handoutMasterId r:id="rId19"/>
+  </p:handoutMasterIdLst>
   <p:sldIdLst>
     <p:sldId id="256" r:id="rId2"/>
     <p:sldId id="258" r:id="rId3"/>
-    <p:sldId id="265" r:id="rId4"/>
+    <p:sldId id="283" r:id="rId4"/>
     <p:sldId id="268" r:id="rId5"/>
-    <p:sldId id="270" r:id="rId6"/>
-    <p:sldId id="278" r:id="rId7"/>
-    <p:sldId id="279" r:id="rId8"/>
-    <p:sldId id="281" r:id="rId9"/>
-    <p:sldId id="272" r:id="rId10"/>
-    <p:sldId id="273" r:id="rId11"/>
-    <p:sldId id="276" r:id="rId12"/>
-    <p:sldId id="277" r:id="rId13"/>
-    <p:sldId id="280" r:id="rId14"/>
-    <p:sldId id="274" r:id="rId15"/>
-    <p:sldId id="259" r:id="rId16"/>
+    <p:sldId id="282" r:id="rId6"/>
+    <p:sldId id="270" r:id="rId7"/>
+    <p:sldId id="278" r:id="rId8"/>
+    <p:sldId id="279" r:id="rId9"/>
+    <p:sldId id="281" r:id="rId10"/>
+    <p:sldId id="272" r:id="rId11"/>
+    <p:sldId id="273" r:id="rId12"/>
+    <p:sldId id="276" r:id="rId13"/>
+    <p:sldId id="277" r:id="rId14"/>
+    <p:sldId id="280" r:id="rId15"/>
+    <p:sldId id="274" r:id="rId16"/>
+    <p:sldId id="259" r:id="rId17"/>
   </p:sldIdLst>
   <p:sldSz cx="12192000" cy="6858000"/>
   <p:notesSz cx="6858000" cy="9144000"/>
@@ -126,12 +133,26 @@
             <a:srgbClr val="A4A3A4"/>
           </p15:clr>
         </p15:guide>
-        <p15:guide id="2" pos="1248" userDrawn="1">
+        <p15:guide id="2" pos="5280" userDrawn="1">
           <p15:clr>
             <a:srgbClr val="A4A3A4"/>
           </p15:clr>
         </p15:guide>
       </p15:sldGuideLst>
+    </p:ext>
+    <p:ext uri="{2D200454-40CA-4A62-9FC3-DE9A4176ACB9}">
+      <p15:notesGuideLst xmlns:p15="http://schemas.microsoft.com/office/powerpoint/2012/main">
+        <p15:guide id="1" orient="horz" pos="2880" userDrawn="1">
+          <p15:clr>
+            <a:srgbClr val="A4A3A4"/>
+          </p15:clr>
+        </p15:guide>
+        <p15:guide id="2" pos="2160" userDrawn="1">
+          <p15:clr>
+            <a:srgbClr val="A4A3A4"/>
+          </p15:clr>
+        </p15:guide>
+      </p15:notesGuideLst>
     </p:ext>
   </p:extLst>
 </p:presentation>
@@ -139,6 +160,1384 @@
 
 <file path=ppt/revisionInfo.xml><?xml version="1.0" encoding="utf-8"?>
 <p1510:revInfo xmlns:a="http://schemas.openxmlformats.org/drawingml/2006/main" xmlns:r="http://schemas.openxmlformats.org/officeDocument/2006/relationships" xmlns:p1510="http://schemas.microsoft.com/office/powerpoint/2015/10/main"/>
+</file>
+
+<file path=ppt/handoutMasters/handoutMaster1.xml><?xml version="1.0" encoding="utf-8"?>
+<p:handoutMaster xmlns:a="http://schemas.openxmlformats.org/drawingml/2006/main" xmlns:r="http://schemas.openxmlformats.org/officeDocument/2006/relationships" xmlns:p="http://schemas.openxmlformats.org/presentationml/2006/main">
+  <p:cSld>
+    <p:bg>
+      <p:bgRef idx="1001">
+        <a:schemeClr val="bg1"/>
+      </p:bgRef>
+    </p:bg>
+    <p:spTree>
+      <p:nvGrpSpPr>
+        <p:cNvPr id="1" name=""/>
+        <p:cNvGrpSpPr/>
+        <p:nvPr/>
+      </p:nvGrpSpPr>
+      <p:grpSpPr>
+        <a:xfrm>
+          <a:off x="0" y="0"/>
+          <a:ext cx="0" cy="0"/>
+          <a:chOff x="0" y="0"/>
+          <a:chExt cx="0" cy="0"/>
+        </a:xfrm>
+      </p:grpSpPr>
+      <p:sp>
+        <p:nvSpPr>
+          <p:cNvPr id="2" name="Header Placeholder 1">
+            <a:extLst>
+              <a:ext uri="{FF2B5EF4-FFF2-40B4-BE49-F238E27FC236}">
+                <a16:creationId xmlns:a16="http://schemas.microsoft.com/office/drawing/2014/main" id="{27EF4775-AD35-41B2-88B0-64A2DA4D7CC3}"/>
+              </a:ext>
+            </a:extLst>
+          </p:cNvPr>
+          <p:cNvSpPr>
+            <a:spLocks noGrp="1"/>
+          </p:cNvSpPr>
+          <p:nvPr>
+            <p:ph type="hdr" sz="quarter"/>
+          </p:nvPr>
+        </p:nvSpPr>
+        <p:spPr>
+          <a:xfrm>
+            <a:off x="0" y="0"/>
+            <a:ext cx="2971800" cy="458788"/>
+          </a:xfrm>
+          <a:prstGeom prst="rect">
+            <a:avLst/>
+          </a:prstGeom>
+        </p:spPr>
+        <p:txBody>
+          <a:bodyPr vert="horz" lIns="91440" tIns="45720" rIns="91440" bIns="45720" rtlCol="0"/>
+          <a:lstStyle>
+            <a:lvl1pPr algn="l">
+              <a:defRPr sz="1200"/>
+            </a:lvl1pPr>
+          </a:lstStyle>
+          <a:p>
+            <a:endParaRPr lang="en-US"/>
+          </a:p>
+        </p:txBody>
+      </p:sp>
+      <p:sp>
+        <p:nvSpPr>
+          <p:cNvPr id="3" name="Date Placeholder 2">
+            <a:extLst>
+              <a:ext uri="{FF2B5EF4-FFF2-40B4-BE49-F238E27FC236}">
+                <a16:creationId xmlns:a16="http://schemas.microsoft.com/office/drawing/2014/main" id="{2ADE11AC-244E-4519-A3F3-843E036AE852}"/>
+              </a:ext>
+            </a:extLst>
+          </p:cNvPr>
+          <p:cNvSpPr>
+            <a:spLocks noGrp="1"/>
+          </p:cNvSpPr>
+          <p:nvPr>
+            <p:ph type="dt" sz="quarter" idx="1"/>
+          </p:nvPr>
+        </p:nvSpPr>
+        <p:spPr>
+          <a:xfrm>
+            <a:off x="3884613" y="0"/>
+            <a:ext cx="2971800" cy="458788"/>
+          </a:xfrm>
+          <a:prstGeom prst="rect">
+            <a:avLst/>
+          </a:prstGeom>
+        </p:spPr>
+        <p:txBody>
+          <a:bodyPr vert="horz" lIns="91440" tIns="45720" rIns="91440" bIns="45720" rtlCol="0"/>
+          <a:lstStyle>
+            <a:lvl1pPr algn="r">
+              <a:defRPr sz="1200"/>
+            </a:lvl1pPr>
+          </a:lstStyle>
+          <a:p>
+            <a:fld id="{8691FFE1-0C4A-4976-B4DD-704F9FCB903D}" type="datetimeFigureOut">
+              <a:rPr lang="en-US" smtClean="0"/>
+              <a:t>6/19/2017</a:t>
+            </a:fld>
+            <a:endParaRPr lang="en-US"/>
+          </a:p>
+        </p:txBody>
+      </p:sp>
+      <p:sp>
+        <p:nvSpPr>
+          <p:cNvPr id="4" name="Footer Placeholder 3">
+            <a:extLst>
+              <a:ext uri="{FF2B5EF4-FFF2-40B4-BE49-F238E27FC236}">
+                <a16:creationId xmlns:a16="http://schemas.microsoft.com/office/drawing/2014/main" id="{7C4A3E00-1FC7-430B-B8C4-C511868F37E4}"/>
+              </a:ext>
+            </a:extLst>
+          </p:cNvPr>
+          <p:cNvSpPr>
+            <a:spLocks noGrp="1"/>
+          </p:cNvSpPr>
+          <p:nvPr>
+            <p:ph type="ftr" sz="quarter" idx="2"/>
+          </p:nvPr>
+        </p:nvSpPr>
+        <p:spPr>
+          <a:xfrm>
+            <a:off x="0" y="8685213"/>
+            <a:ext cx="2971800" cy="458787"/>
+          </a:xfrm>
+          <a:prstGeom prst="rect">
+            <a:avLst/>
+          </a:prstGeom>
+        </p:spPr>
+        <p:txBody>
+          <a:bodyPr vert="horz" lIns="91440" tIns="45720" rIns="91440" bIns="45720" rtlCol="0" anchor="b"/>
+          <a:lstStyle>
+            <a:lvl1pPr algn="l">
+              <a:defRPr sz="1200"/>
+            </a:lvl1pPr>
+          </a:lstStyle>
+          <a:p>
+            <a:endParaRPr lang="en-US"/>
+          </a:p>
+        </p:txBody>
+      </p:sp>
+      <p:sp>
+        <p:nvSpPr>
+          <p:cNvPr id="5" name="Slide Number Placeholder 4">
+            <a:extLst>
+              <a:ext uri="{FF2B5EF4-FFF2-40B4-BE49-F238E27FC236}">
+                <a16:creationId xmlns:a16="http://schemas.microsoft.com/office/drawing/2014/main" id="{E1FEDF45-CD80-47DE-88E6-F472D3ED7152}"/>
+              </a:ext>
+            </a:extLst>
+          </p:cNvPr>
+          <p:cNvSpPr>
+            <a:spLocks noGrp="1"/>
+          </p:cNvSpPr>
+          <p:nvPr>
+            <p:ph type="sldNum" sz="quarter" idx="3"/>
+          </p:nvPr>
+        </p:nvSpPr>
+        <p:spPr>
+          <a:xfrm>
+            <a:off x="3884613" y="8685213"/>
+            <a:ext cx="2971800" cy="458787"/>
+          </a:xfrm>
+          <a:prstGeom prst="rect">
+            <a:avLst/>
+          </a:prstGeom>
+        </p:spPr>
+        <p:txBody>
+          <a:bodyPr vert="horz" lIns="91440" tIns="45720" rIns="91440" bIns="45720" rtlCol="0" anchor="b"/>
+          <a:lstStyle>
+            <a:lvl1pPr algn="r">
+              <a:defRPr sz="1200"/>
+            </a:lvl1pPr>
+          </a:lstStyle>
+          <a:p>
+            <a:fld id="{0CA39386-C058-422F-951C-F975AC31675A}" type="slidenum">
+              <a:rPr lang="en-US" smtClean="0"/>
+              <a:t>‹#›</a:t>
+            </a:fld>
+            <a:endParaRPr lang="en-US"/>
+          </a:p>
+        </p:txBody>
+      </p:sp>
+    </p:spTree>
+    <p:extLst>
+      <p:ext uri="{BB962C8B-B14F-4D97-AF65-F5344CB8AC3E}">
+        <p14:creationId xmlns:p14="http://schemas.microsoft.com/office/powerpoint/2010/main" val="2298714223"/>
+      </p:ext>
+    </p:extLst>
+  </p:cSld>
+  <p:clrMap bg1="lt1" tx1="dk1" bg2="lt2" tx2="dk2" accent1="accent1" accent2="accent2" accent3="accent3" accent4="accent4" accent5="accent5" accent6="accent6" hlink="hlink" folHlink="folHlink"/>
+</p:handoutMaster>
+</file>
+
+<file path=ppt/notesMasters/notesMaster1.xml><?xml version="1.0" encoding="utf-8"?>
+<p:notesMaster xmlns:a="http://schemas.openxmlformats.org/drawingml/2006/main" xmlns:r="http://schemas.openxmlformats.org/officeDocument/2006/relationships" xmlns:p="http://schemas.openxmlformats.org/presentationml/2006/main">
+  <p:cSld>
+    <p:bg>
+      <p:bgRef idx="1001">
+        <a:schemeClr val="bg1"/>
+      </p:bgRef>
+    </p:bg>
+    <p:spTree>
+      <p:nvGrpSpPr>
+        <p:cNvPr id="1" name=""/>
+        <p:cNvGrpSpPr/>
+        <p:nvPr/>
+      </p:nvGrpSpPr>
+      <p:grpSpPr>
+        <a:xfrm>
+          <a:off x="0" y="0"/>
+          <a:ext cx="0" cy="0"/>
+          <a:chOff x="0" y="0"/>
+          <a:chExt cx="0" cy="0"/>
+        </a:xfrm>
+      </p:grpSpPr>
+      <p:sp>
+        <p:nvSpPr>
+          <p:cNvPr id="2" name="Header Placeholder 1"/>
+          <p:cNvSpPr>
+            <a:spLocks noGrp="1"/>
+          </p:cNvSpPr>
+          <p:nvPr>
+            <p:ph type="hdr" sz="quarter"/>
+          </p:nvPr>
+        </p:nvSpPr>
+        <p:spPr>
+          <a:xfrm>
+            <a:off x="0" y="0"/>
+            <a:ext cx="2971800" cy="458788"/>
+          </a:xfrm>
+          <a:prstGeom prst="rect">
+            <a:avLst/>
+          </a:prstGeom>
+        </p:spPr>
+        <p:txBody>
+          <a:bodyPr vert="horz" lIns="91440" tIns="45720" rIns="91440" bIns="45720" rtlCol="0"/>
+          <a:lstStyle>
+            <a:lvl1pPr algn="l">
+              <a:defRPr sz="1200"/>
+            </a:lvl1pPr>
+          </a:lstStyle>
+          <a:p>
+            <a:endParaRPr lang="en-US"/>
+          </a:p>
+        </p:txBody>
+      </p:sp>
+      <p:sp>
+        <p:nvSpPr>
+          <p:cNvPr id="3" name="Date Placeholder 2"/>
+          <p:cNvSpPr>
+            <a:spLocks noGrp="1"/>
+          </p:cNvSpPr>
+          <p:nvPr>
+            <p:ph type="dt" idx="1"/>
+          </p:nvPr>
+        </p:nvSpPr>
+        <p:spPr>
+          <a:xfrm>
+            <a:off x="3884613" y="0"/>
+            <a:ext cx="2971800" cy="458788"/>
+          </a:xfrm>
+          <a:prstGeom prst="rect">
+            <a:avLst/>
+          </a:prstGeom>
+        </p:spPr>
+        <p:txBody>
+          <a:bodyPr vert="horz" lIns="91440" tIns="45720" rIns="91440" bIns="45720" rtlCol="0"/>
+          <a:lstStyle>
+            <a:lvl1pPr algn="r">
+              <a:defRPr sz="1200"/>
+            </a:lvl1pPr>
+          </a:lstStyle>
+          <a:p>
+            <a:fld id="{5BDD007C-BA52-4E5D-A46A-23301A480D2B}" type="datetimeFigureOut">
+              <a:rPr lang="en-US" smtClean="0"/>
+              <a:t>6/19/2017</a:t>
+            </a:fld>
+            <a:endParaRPr lang="en-US"/>
+          </a:p>
+        </p:txBody>
+      </p:sp>
+      <p:sp>
+        <p:nvSpPr>
+          <p:cNvPr id="4" name="Slide Image Placeholder 3"/>
+          <p:cNvSpPr>
+            <a:spLocks noGrp="1" noRot="1" noChangeAspect="1"/>
+          </p:cNvSpPr>
+          <p:nvPr>
+            <p:ph type="sldImg" idx="2"/>
+          </p:nvPr>
+        </p:nvSpPr>
+        <p:spPr>
+          <a:xfrm>
+            <a:off x="685800" y="1143000"/>
+            <a:ext cx="5486400" cy="3086100"/>
+          </a:xfrm>
+          <a:prstGeom prst="rect">
+            <a:avLst/>
+          </a:prstGeom>
+          <a:noFill/>
+          <a:ln w="12700">
+            <a:solidFill>
+              <a:prstClr val="black"/>
+            </a:solidFill>
+          </a:ln>
+        </p:spPr>
+        <p:txBody>
+          <a:bodyPr vert="horz" lIns="91440" tIns="45720" rIns="91440" bIns="45720" rtlCol="0" anchor="ctr"/>
+          <a:lstStyle/>
+          <a:p>
+            <a:endParaRPr lang="en-US"/>
+          </a:p>
+        </p:txBody>
+      </p:sp>
+      <p:sp>
+        <p:nvSpPr>
+          <p:cNvPr id="5" name="Notes Placeholder 4"/>
+          <p:cNvSpPr>
+            <a:spLocks noGrp="1"/>
+          </p:cNvSpPr>
+          <p:nvPr>
+            <p:ph type="body" sz="quarter" idx="3"/>
+          </p:nvPr>
+        </p:nvSpPr>
+        <p:spPr>
+          <a:xfrm>
+            <a:off x="685800" y="4400550"/>
+            <a:ext cx="5486400" cy="3600450"/>
+          </a:xfrm>
+          <a:prstGeom prst="rect">
+            <a:avLst/>
+          </a:prstGeom>
+        </p:spPr>
+        <p:txBody>
+          <a:bodyPr vert="horz" lIns="91440" tIns="45720" rIns="91440" bIns="45720" rtlCol="0"/>
+          <a:lstStyle/>
+          <a:p>
+            <a:pPr lvl="0"/>
+            <a:r>
+              <a:rPr lang="en-US"/>
+              <a:t>Edit Master text styles</a:t>
+            </a:r>
+          </a:p>
+          <a:p>
+            <a:pPr lvl="1"/>
+            <a:r>
+              <a:rPr lang="en-US"/>
+              <a:t>Second level</a:t>
+            </a:r>
+          </a:p>
+          <a:p>
+            <a:pPr lvl="2"/>
+            <a:r>
+              <a:rPr lang="en-US"/>
+              <a:t>Third level</a:t>
+            </a:r>
+          </a:p>
+          <a:p>
+            <a:pPr lvl="3"/>
+            <a:r>
+              <a:rPr lang="en-US"/>
+              <a:t>Fourth level</a:t>
+            </a:r>
+          </a:p>
+          <a:p>
+            <a:pPr lvl="4"/>
+            <a:r>
+              <a:rPr lang="en-US"/>
+              <a:t>Fifth level</a:t>
+            </a:r>
+          </a:p>
+        </p:txBody>
+      </p:sp>
+      <p:sp>
+        <p:nvSpPr>
+          <p:cNvPr id="6" name="Footer Placeholder 5"/>
+          <p:cNvSpPr>
+            <a:spLocks noGrp="1"/>
+          </p:cNvSpPr>
+          <p:nvPr>
+            <p:ph type="ftr" sz="quarter" idx="4"/>
+          </p:nvPr>
+        </p:nvSpPr>
+        <p:spPr>
+          <a:xfrm>
+            <a:off x="0" y="8685213"/>
+            <a:ext cx="2971800" cy="458787"/>
+          </a:xfrm>
+          <a:prstGeom prst="rect">
+            <a:avLst/>
+          </a:prstGeom>
+        </p:spPr>
+        <p:txBody>
+          <a:bodyPr vert="horz" lIns="91440" tIns="45720" rIns="91440" bIns="45720" rtlCol="0" anchor="b"/>
+          <a:lstStyle>
+            <a:lvl1pPr algn="l">
+              <a:defRPr sz="1200"/>
+            </a:lvl1pPr>
+          </a:lstStyle>
+          <a:p>
+            <a:endParaRPr lang="en-US"/>
+          </a:p>
+        </p:txBody>
+      </p:sp>
+      <p:sp>
+        <p:nvSpPr>
+          <p:cNvPr id="7" name="Slide Number Placeholder 6"/>
+          <p:cNvSpPr>
+            <a:spLocks noGrp="1"/>
+          </p:cNvSpPr>
+          <p:nvPr>
+            <p:ph type="sldNum" sz="quarter" idx="5"/>
+          </p:nvPr>
+        </p:nvSpPr>
+        <p:spPr>
+          <a:xfrm>
+            <a:off x="3884613" y="8685213"/>
+            <a:ext cx="2971800" cy="458787"/>
+          </a:xfrm>
+          <a:prstGeom prst="rect">
+            <a:avLst/>
+          </a:prstGeom>
+        </p:spPr>
+        <p:txBody>
+          <a:bodyPr vert="horz" lIns="91440" tIns="45720" rIns="91440" bIns="45720" rtlCol="0" anchor="b"/>
+          <a:lstStyle>
+            <a:lvl1pPr algn="r">
+              <a:defRPr sz="1200"/>
+            </a:lvl1pPr>
+          </a:lstStyle>
+          <a:p>
+            <a:fld id="{5748392D-034F-42F7-8664-098912936F2C}" type="slidenum">
+              <a:rPr lang="en-US" smtClean="0"/>
+              <a:t>‹#›</a:t>
+            </a:fld>
+            <a:endParaRPr lang="en-US"/>
+          </a:p>
+        </p:txBody>
+      </p:sp>
+    </p:spTree>
+    <p:extLst>
+      <p:ext uri="{BB962C8B-B14F-4D97-AF65-F5344CB8AC3E}">
+        <p14:creationId xmlns:p14="http://schemas.microsoft.com/office/powerpoint/2010/main" val="2313045679"/>
+      </p:ext>
+    </p:extLst>
+  </p:cSld>
+  <p:clrMap bg1="lt1" tx1="dk1" bg2="lt2" tx2="dk2" accent1="accent1" accent2="accent2" accent3="accent3" accent4="accent4" accent5="accent5" accent6="accent6" hlink="hlink" folHlink="folHlink"/>
+  <p:notesStyle>
+    <a:lvl1pPr marL="0" algn="l" defTabSz="914400" rtl="0" eaLnBrk="1" latinLnBrk="0" hangingPunct="1">
+      <a:defRPr sz="1200" kern="1200">
+        <a:solidFill>
+          <a:schemeClr val="tx1"/>
+        </a:solidFill>
+        <a:latin typeface="+mn-lt"/>
+        <a:ea typeface="+mn-ea"/>
+        <a:cs typeface="+mn-cs"/>
+      </a:defRPr>
+    </a:lvl1pPr>
+    <a:lvl2pPr marL="457200" algn="l" defTabSz="914400" rtl="0" eaLnBrk="1" latinLnBrk="0" hangingPunct="1">
+      <a:defRPr sz="1200" kern="1200">
+        <a:solidFill>
+          <a:schemeClr val="tx1"/>
+        </a:solidFill>
+        <a:latin typeface="+mn-lt"/>
+        <a:ea typeface="+mn-ea"/>
+        <a:cs typeface="+mn-cs"/>
+      </a:defRPr>
+    </a:lvl2pPr>
+    <a:lvl3pPr marL="914400" algn="l" defTabSz="914400" rtl="0" eaLnBrk="1" latinLnBrk="0" hangingPunct="1">
+      <a:defRPr sz="1200" kern="1200">
+        <a:solidFill>
+          <a:schemeClr val="tx1"/>
+        </a:solidFill>
+        <a:latin typeface="+mn-lt"/>
+        <a:ea typeface="+mn-ea"/>
+        <a:cs typeface="+mn-cs"/>
+      </a:defRPr>
+    </a:lvl3pPr>
+    <a:lvl4pPr marL="1371600" algn="l" defTabSz="914400" rtl="0" eaLnBrk="1" latinLnBrk="0" hangingPunct="1">
+      <a:defRPr sz="1200" kern="1200">
+        <a:solidFill>
+          <a:schemeClr val="tx1"/>
+        </a:solidFill>
+        <a:latin typeface="+mn-lt"/>
+        <a:ea typeface="+mn-ea"/>
+        <a:cs typeface="+mn-cs"/>
+      </a:defRPr>
+    </a:lvl4pPr>
+    <a:lvl5pPr marL="1828800" algn="l" defTabSz="914400" rtl="0" eaLnBrk="1" latinLnBrk="0" hangingPunct="1">
+      <a:defRPr sz="1200" kern="1200">
+        <a:solidFill>
+          <a:schemeClr val="tx1"/>
+        </a:solidFill>
+        <a:latin typeface="+mn-lt"/>
+        <a:ea typeface="+mn-ea"/>
+        <a:cs typeface="+mn-cs"/>
+      </a:defRPr>
+    </a:lvl5pPr>
+    <a:lvl6pPr marL="2286000" algn="l" defTabSz="914400" rtl="0" eaLnBrk="1" latinLnBrk="0" hangingPunct="1">
+      <a:defRPr sz="1200" kern="1200">
+        <a:solidFill>
+          <a:schemeClr val="tx1"/>
+        </a:solidFill>
+        <a:latin typeface="+mn-lt"/>
+        <a:ea typeface="+mn-ea"/>
+        <a:cs typeface="+mn-cs"/>
+      </a:defRPr>
+    </a:lvl6pPr>
+    <a:lvl7pPr marL="2743200" algn="l" defTabSz="914400" rtl="0" eaLnBrk="1" latinLnBrk="0" hangingPunct="1">
+      <a:defRPr sz="1200" kern="1200">
+        <a:solidFill>
+          <a:schemeClr val="tx1"/>
+        </a:solidFill>
+        <a:latin typeface="+mn-lt"/>
+        <a:ea typeface="+mn-ea"/>
+        <a:cs typeface="+mn-cs"/>
+      </a:defRPr>
+    </a:lvl7pPr>
+    <a:lvl8pPr marL="3200400" algn="l" defTabSz="914400" rtl="0" eaLnBrk="1" latinLnBrk="0" hangingPunct="1">
+      <a:defRPr sz="1200" kern="1200">
+        <a:solidFill>
+          <a:schemeClr val="tx1"/>
+        </a:solidFill>
+        <a:latin typeface="+mn-lt"/>
+        <a:ea typeface="+mn-ea"/>
+        <a:cs typeface="+mn-cs"/>
+      </a:defRPr>
+    </a:lvl8pPr>
+    <a:lvl9pPr marL="3657600" algn="l" defTabSz="914400" rtl="0" eaLnBrk="1" latinLnBrk="0" hangingPunct="1">
+      <a:defRPr sz="1200" kern="1200">
+        <a:solidFill>
+          <a:schemeClr val="tx1"/>
+        </a:solidFill>
+        <a:latin typeface="+mn-lt"/>
+        <a:ea typeface="+mn-ea"/>
+        <a:cs typeface="+mn-cs"/>
+      </a:defRPr>
+    </a:lvl9pPr>
+  </p:notesStyle>
+</p:notesMaster>
+</file>
+
+<file path=ppt/notesSlides/notesSlide1.xml><?xml version="1.0" encoding="utf-8"?>
+<p:notes xmlns:a="http://schemas.openxmlformats.org/drawingml/2006/main" xmlns:r="http://schemas.openxmlformats.org/officeDocument/2006/relationships" xmlns:p="http://schemas.openxmlformats.org/presentationml/2006/main">
+  <p:cSld>
+    <p:spTree>
+      <p:nvGrpSpPr>
+        <p:cNvPr id="1" name=""/>
+        <p:cNvGrpSpPr/>
+        <p:nvPr/>
+      </p:nvGrpSpPr>
+      <p:grpSpPr>
+        <a:xfrm>
+          <a:off x="0" y="0"/>
+          <a:ext cx="0" cy="0"/>
+          <a:chOff x="0" y="0"/>
+          <a:chExt cx="0" cy="0"/>
+        </a:xfrm>
+      </p:grpSpPr>
+      <p:sp>
+        <p:nvSpPr>
+          <p:cNvPr id="2" name="Slide Image Placeholder 1"/>
+          <p:cNvSpPr>
+            <a:spLocks noGrp="1" noRot="1" noChangeAspect="1"/>
+          </p:cNvSpPr>
+          <p:nvPr>
+            <p:ph type="sldImg"/>
+          </p:nvPr>
+        </p:nvSpPr>
+        <p:spPr/>
+      </p:sp>
+      <p:sp>
+        <p:nvSpPr>
+          <p:cNvPr id="3" name="Notes Placeholder 2"/>
+          <p:cNvSpPr>
+            <a:spLocks noGrp="1"/>
+          </p:cNvSpPr>
+          <p:nvPr>
+            <p:ph type="body" idx="1"/>
+          </p:nvPr>
+        </p:nvSpPr>
+        <p:spPr/>
+        <p:txBody>
+          <a:bodyPr/>
+          <a:lstStyle/>
+          <a:p>
+            <a:endParaRPr lang="en-US" dirty="0"/>
+          </a:p>
+        </p:txBody>
+      </p:sp>
+      <p:sp>
+        <p:nvSpPr>
+          <p:cNvPr id="4" name="Slide Number Placeholder 3"/>
+          <p:cNvSpPr>
+            <a:spLocks noGrp="1"/>
+          </p:cNvSpPr>
+          <p:nvPr>
+            <p:ph type="sldNum" sz="quarter" idx="10"/>
+          </p:nvPr>
+        </p:nvSpPr>
+        <p:spPr/>
+        <p:txBody>
+          <a:bodyPr/>
+          <a:lstStyle/>
+          <a:p>
+            <a:fld id="{5748392D-034F-42F7-8664-098912936F2C}" type="slidenum">
+              <a:rPr lang="en-US" smtClean="0"/>
+              <a:t>1</a:t>
+            </a:fld>
+            <a:endParaRPr lang="en-US"/>
+          </a:p>
+        </p:txBody>
+      </p:sp>
+    </p:spTree>
+    <p:extLst>
+      <p:ext uri="{BB962C8B-B14F-4D97-AF65-F5344CB8AC3E}">
+        <p14:creationId xmlns:p14="http://schemas.microsoft.com/office/powerpoint/2010/main" val="558608890"/>
+      </p:ext>
+    </p:extLst>
+  </p:cSld>
+  <p:clrMapOvr>
+    <a:masterClrMapping/>
+  </p:clrMapOvr>
+</p:notes>
+</file>
+
+<file path=ppt/notesSlides/notesSlide10.xml><?xml version="1.0" encoding="utf-8"?>
+<p:notes xmlns:a="http://schemas.openxmlformats.org/drawingml/2006/main" xmlns:r="http://schemas.openxmlformats.org/officeDocument/2006/relationships" xmlns:p="http://schemas.openxmlformats.org/presentationml/2006/main">
+  <p:cSld>
+    <p:spTree>
+      <p:nvGrpSpPr>
+        <p:cNvPr id="1" name=""/>
+        <p:cNvGrpSpPr/>
+        <p:nvPr/>
+      </p:nvGrpSpPr>
+      <p:grpSpPr>
+        <a:xfrm>
+          <a:off x="0" y="0"/>
+          <a:ext cx="0" cy="0"/>
+          <a:chOff x="0" y="0"/>
+          <a:chExt cx="0" cy="0"/>
+        </a:xfrm>
+      </p:grpSpPr>
+      <p:sp>
+        <p:nvSpPr>
+          <p:cNvPr id="2" name="Slide Image Placeholder 1"/>
+          <p:cNvSpPr>
+            <a:spLocks noGrp="1" noRot="1" noChangeAspect="1"/>
+          </p:cNvSpPr>
+          <p:nvPr>
+            <p:ph type="sldImg"/>
+          </p:nvPr>
+        </p:nvSpPr>
+        <p:spPr/>
+      </p:sp>
+      <p:sp>
+        <p:nvSpPr>
+          <p:cNvPr id="3" name="Notes Placeholder 2"/>
+          <p:cNvSpPr>
+            <a:spLocks noGrp="1"/>
+          </p:cNvSpPr>
+          <p:nvPr>
+            <p:ph type="body" idx="1"/>
+          </p:nvPr>
+        </p:nvSpPr>
+        <p:spPr/>
+        <p:txBody>
+          <a:bodyPr/>
+          <a:lstStyle/>
+          <a:p>
+            <a:endParaRPr lang="en-US" dirty="0"/>
+          </a:p>
+        </p:txBody>
+      </p:sp>
+      <p:sp>
+        <p:nvSpPr>
+          <p:cNvPr id="4" name="Slide Number Placeholder 3"/>
+          <p:cNvSpPr>
+            <a:spLocks noGrp="1"/>
+          </p:cNvSpPr>
+          <p:nvPr>
+            <p:ph type="sldNum" sz="quarter" idx="10"/>
+          </p:nvPr>
+        </p:nvSpPr>
+        <p:spPr/>
+        <p:txBody>
+          <a:bodyPr/>
+          <a:lstStyle/>
+          <a:p>
+            <a:fld id="{5748392D-034F-42F7-8664-098912936F2C}" type="slidenum">
+              <a:rPr lang="en-US" smtClean="0"/>
+              <a:t>10</a:t>
+            </a:fld>
+            <a:endParaRPr lang="en-US"/>
+          </a:p>
+        </p:txBody>
+      </p:sp>
+    </p:spTree>
+    <p:extLst>
+      <p:ext uri="{BB962C8B-B14F-4D97-AF65-F5344CB8AC3E}">
+        <p14:creationId xmlns:p14="http://schemas.microsoft.com/office/powerpoint/2010/main" val="31849532"/>
+      </p:ext>
+    </p:extLst>
+  </p:cSld>
+  <p:clrMapOvr>
+    <a:masterClrMapping/>
+  </p:clrMapOvr>
+</p:notes>
+</file>
+
+<file path=ppt/notesSlides/notesSlide2.xml><?xml version="1.0" encoding="utf-8"?>
+<p:notes xmlns:a="http://schemas.openxmlformats.org/drawingml/2006/main" xmlns:r="http://schemas.openxmlformats.org/officeDocument/2006/relationships" xmlns:p="http://schemas.openxmlformats.org/presentationml/2006/main">
+  <p:cSld>
+    <p:spTree>
+      <p:nvGrpSpPr>
+        <p:cNvPr id="1" name=""/>
+        <p:cNvGrpSpPr/>
+        <p:nvPr/>
+      </p:nvGrpSpPr>
+      <p:grpSpPr>
+        <a:xfrm>
+          <a:off x="0" y="0"/>
+          <a:ext cx="0" cy="0"/>
+          <a:chOff x="0" y="0"/>
+          <a:chExt cx="0" cy="0"/>
+        </a:xfrm>
+      </p:grpSpPr>
+      <p:sp>
+        <p:nvSpPr>
+          <p:cNvPr id="2" name="Slide Image Placeholder 1"/>
+          <p:cNvSpPr>
+            <a:spLocks noGrp="1" noRot="1" noChangeAspect="1"/>
+          </p:cNvSpPr>
+          <p:nvPr>
+            <p:ph type="sldImg"/>
+          </p:nvPr>
+        </p:nvSpPr>
+        <p:spPr/>
+      </p:sp>
+      <p:sp>
+        <p:nvSpPr>
+          <p:cNvPr id="3" name="Notes Placeholder 2"/>
+          <p:cNvSpPr>
+            <a:spLocks noGrp="1"/>
+          </p:cNvSpPr>
+          <p:nvPr>
+            <p:ph type="body" idx="1"/>
+          </p:nvPr>
+        </p:nvSpPr>
+        <p:spPr/>
+        <p:txBody>
+          <a:bodyPr/>
+          <a:lstStyle/>
+          <a:p>
+            <a:endParaRPr lang="en-US"/>
+          </a:p>
+        </p:txBody>
+      </p:sp>
+      <p:sp>
+        <p:nvSpPr>
+          <p:cNvPr id="4" name="Slide Number Placeholder 3"/>
+          <p:cNvSpPr>
+            <a:spLocks noGrp="1"/>
+          </p:cNvSpPr>
+          <p:nvPr>
+            <p:ph type="sldNum" sz="quarter" idx="10"/>
+          </p:nvPr>
+        </p:nvSpPr>
+        <p:spPr/>
+        <p:txBody>
+          <a:bodyPr/>
+          <a:lstStyle/>
+          <a:p>
+            <a:fld id="{5748392D-034F-42F7-8664-098912936F2C}" type="slidenum">
+              <a:rPr lang="en-US" smtClean="0"/>
+              <a:t>2</a:t>
+            </a:fld>
+            <a:endParaRPr lang="en-US"/>
+          </a:p>
+        </p:txBody>
+      </p:sp>
+    </p:spTree>
+    <p:extLst>
+      <p:ext uri="{BB962C8B-B14F-4D97-AF65-F5344CB8AC3E}">
+        <p14:creationId xmlns:p14="http://schemas.microsoft.com/office/powerpoint/2010/main" val="3767507623"/>
+      </p:ext>
+    </p:extLst>
+  </p:cSld>
+  <p:clrMapOvr>
+    <a:masterClrMapping/>
+  </p:clrMapOvr>
+</p:notes>
+</file>
+
+<file path=ppt/notesSlides/notesSlide3.xml><?xml version="1.0" encoding="utf-8"?>
+<p:notes xmlns:a="http://schemas.openxmlformats.org/drawingml/2006/main" xmlns:r="http://schemas.openxmlformats.org/officeDocument/2006/relationships" xmlns:p="http://schemas.openxmlformats.org/presentationml/2006/main">
+  <p:cSld>
+    <p:spTree>
+      <p:nvGrpSpPr>
+        <p:cNvPr id="1" name=""/>
+        <p:cNvGrpSpPr/>
+        <p:nvPr/>
+      </p:nvGrpSpPr>
+      <p:grpSpPr>
+        <a:xfrm>
+          <a:off x="0" y="0"/>
+          <a:ext cx="0" cy="0"/>
+          <a:chOff x="0" y="0"/>
+          <a:chExt cx="0" cy="0"/>
+        </a:xfrm>
+      </p:grpSpPr>
+      <p:sp>
+        <p:nvSpPr>
+          <p:cNvPr id="2" name="Slide Image Placeholder 1"/>
+          <p:cNvSpPr>
+            <a:spLocks noGrp="1" noRot="1" noChangeAspect="1"/>
+          </p:cNvSpPr>
+          <p:nvPr>
+            <p:ph type="sldImg"/>
+          </p:nvPr>
+        </p:nvSpPr>
+        <p:spPr/>
+      </p:sp>
+      <p:sp>
+        <p:nvSpPr>
+          <p:cNvPr id="3" name="Notes Placeholder 2"/>
+          <p:cNvSpPr>
+            <a:spLocks noGrp="1"/>
+          </p:cNvSpPr>
+          <p:nvPr>
+            <p:ph type="body" idx="1"/>
+          </p:nvPr>
+        </p:nvSpPr>
+        <p:spPr/>
+        <p:txBody>
+          <a:bodyPr/>
+          <a:lstStyle/>
+          <a:p>
+            <a:endParaRPr lang="en-US"/>
+          </a:p>
+        </p:txBody>
+      </p:sp>
+      <p:sp>
+        <p:nvSpPr>
+          <p:cNvPr id="4" name="Slide Number Placeholder 3"/>
+          <p:cNvSpPr>
+            <a:spLocks noGrp="1"/>
+          </p:cNvSpPr>
+          <p:nvPr>
+            <p:ph type="sldNum" sz="quarter" idx="10"/>
+          </p:nvPr>
+        </p:nvSpPr>
+        <p:spPr/>
+        <p:txBody>
+          <a:bodyPr/>
+          <a:lstStyle/>
+          <a:p>
+            <a:fld id="{5748392D-034F-42F7-8664-098912936F2C}" type="slidenum">
+              <a:rPr lang="en-US" smtClean="0"/>
+              <a:t>3</a:t>
+            </a:fld>
+            <a:endParaRPr lang="en-US"/>
+          </a:p>
+        </p:txBody>
+      </p:sp>
+    </p:spTree>
+    <p:extLst>
+      <p:ext uri="{BB962C8B-B14F-4D97-AF65-F5344CB8AC3E}">
+        <p14:creationId xmlns:p14="http://schemas.microsoft.com/office/powerpoint/2010/main" val="981890459"/>
+      </p:ext>
+    </p:extLst>
+  </p:cSld>
+  <p:clrMapOvr>
+    <a:masterClrMapping/>
+  </p:clrMapOvr>
+</p:notes>
+</file>
+
+<file path=ppt/notesSlides/notesSlide4.xml><?xml version="1.0" encoding="utf-8"?>
+<p:notes xmlns:a="http://schemas.openxmlformats.org/drawingml/2006/main" xmlns:r="http://schemas.openxmlformats.org/officeDocument/2006/relationships" xmlns:p="http://schemas.openxmlformats.org/presentationml/2006/main">
+  <p:cSld>
+    <p:spTree>
+      <p:nvGrpSpPr>
+        <p:cNvPr id="1" name=""/>
+        <p:cNvGrpSpPr/>
+        <p:nvPr/>
+      </p:nvGrpSpPr>
+      <p:grpSpPr>
+        <a:xfrm>
+          <a:off x="0" y="0"/>
+          <a:ext cx="0" cy="0"/>
+          <a:chOff x="0" y="0"/>
+          <a:chExt cx="0" cy="0"/>
+        </a:xfrm>
+      </p:grpSpPr>
+      <p:sp>
+        <p:nvSpPr>
+          <p:cNvPr id="2" name="Slide Image Placeholder 1"/>
+          <p:cNvSpPr>
+            <a:spLocks noGrp="1" noRot="1" noChangeAspect="1"/>
+          </p:cNvSpPr>
+          <p:nvPr>
+            <p:ph type="sldImg"/>
+          </p:nvPr>
+        </p:nvSpPr>
+        <p:spPr/>
+      </p:sp>
+      <p:sp>
+        <p:nvSpPr>
+          <p:cNvPr id="3" name="Notes Placeholder 2"/>
+          <p:cNvSpPr>
+            <a:spLocks noGrp="1"/>
+          </p:cNvSpPr>
+          <p:nvPr>
+            <p:ph type="body" idx="1"/>
+          </p:nvPr>
+        </p:nvSpPr>
+        <p:spPr/>
+        <p:txBody>
+          <a:bodyPr/>
+          <a:lstStyle/>
+          <a:p>
+            <a:endParaRPr lang="en-US"/>
+          </a:p>
+        </p:txBody>
+      </p:sp>
+      <p:sp>
+        <p:nvSpPr>
+          <p:cNvPr id="4" name="Slide Number Placeholder 3"/>
+          <p:cNvSpPr>
+            <a:spLocks noGrp="1"/>
+          </p:cNvSpPr>
+          <p:nvPr>
+            <p:ph type="sldNum" sz="quarter" idx="10"/>
+          </p:nvPr>
+        </p:nvSpPr>
+        <p:spPr/>
+        <p:txBody>
+          <a:bodyPr/>
+          <a:lstStyle/>
+          <a:p>
+            <a:fld id="{5748392D-034F-42F7-8664-098912936F2C}" type="slidenum">
+              <a:rPr lang="en-US" smtClean="0"/>
+              <a:t>4</a:t>
+            </a:fld>
+            <a:endParaRPr lang="en-US"/>
+          </a:p>
+        </p:txBody>
+      </p:sp>
+    </p:spTree>
+    <p:extLst>
+      <p:ext uri="{BB962C8B-B14F-4D97-AF65-F5344CB8AC3E}">
+        <p14:creationId xmlns:p14="http://schemas.microsoft.com/office/powerpoint/2010/main" val="2211307460"/>
+      </p:ext>
+    </p:extLst>
+  </p:cSld>
+  <p:clrMapOvr>
+    <a:masterClrMapping/>
+  </p:clrMapOvr>
+</p:notes>
+</file>
+
+<file path=ppt/notesSlides/notesSlide5.xml><?xml version="1.0" encoding="utf-8"?>
+<p:notes xmlns:a="http://schemas.openxmlformats.org/drawingml/2006/main" xmlns:r="http://schemas.openxmlformats.org/officeDocument/2006/relationships" xmlns:p="http://schemas.openxmlformats.org/presentationml/2006/main">
+  <p:cSld>
+    <p:spTree>
+      <p:nvGrpSpPr>
+        <p:cNvPr id="1" name=""/>
+        <p:cNvGrpSpPr/>
+        <p:nvPr/>
+      </p:nvGrpSpPr>
+      <p:grpSpPr>
+        <a:xfrm>
+          <a:off x="0" y="0"/>
+          <a:ext cx="0" cy="0"/>
+          <a:chOff x="0" y="0"/>
+          <a:chExt cx="0" cy="0"/>
+        </a:xfrm>
+      </p:grpSpPr>
+      <p:sp>
+        <p:nvSpPr>
+          <p:cNvPr id="2" name="Slide Image Placeholder 1"/>
+          <p:cNvSpPr>
+            <a:spLocks noGrp="1" noRot="1" noChangeAspect="1"/>
+          </p:cNvSpPr>
+          <p:nvPr>
+            <p:ph type="sldImg"/>
+          </p:nvPr>
+        </p:nvSpPr>
+        <p:spPr/>
+      </p:sp>
+      <p:sp>
+        <p:nvSpPr>
+          <p:cNvPr id="3" name="Notes Placeholder 2"/>
+          <p:cNvSpPr>
+            <a:spLocks noGrp="1"/>
+          </p:cNvSpPr>
+          <p:nvPr>
+            <p:ph type="body" idx="1"/>
+          </p:nvPr>
+        </p:nvSpPr>
+        <p:spPr/>
+        <p:txBody>
+          <a:bodyPr/>
+          <a:lstStyle/>
+          <a:p>
+            <a:endParaRPr lang="en-US"/>
+          </a:p>
+        </p:txBody>
+      </p:sp>
+      <p:sp>
+        <p:nvSpPr>
+          <p:cNvPr id="4" name="Slide Number Placeholder 3"/>
+          <p:cNvSpPr>
+            <a:spLocks noGrp="1"/>
+          </p:cNvSpPr>
+          <p:nvPr>
+            <p:ph type="sldNum" sz="quarter" idx="10"/>
+          </p:nvPr>
+        </p:nvSpPr>
+        <p:spPr/>
+        <p:txBody>
+          <a:bodyPr/>
+          <a:lstStyle/>
+          <a:p>
+            <a:fld id="{5748392D-034F-42F7-8664-098912936F2C}" type="slidenum">
+              <a:rPr lang="en-US" smtClean="0"/>
+              <a:t>5</a:t>
+            </a:fld>
+            <a:endParaRPr lang="en-US"/>
+          </a:p>
+        </p:txBody>
+      </p:sp>
+    </p:spTree>
+    <p:extLst>
+      <p:ext uri="{BB962C8B-B14F-4D97-AF65-F5344CB8AC3E}">
+        <p14:creationId xmlns:p14="http://schemas.microsoft.com/office/powerpoint/2010/main" val="1766556076"/>
+      </p:ext>
+    </p:extLst>
+  </p:cSld>
+  <p:clrMapOvr>
+    <a:masterClrMapping/>
+  </p:clrMapOvr>
+</p:notes>
+</file>
+
+<file path=ppt/notesSlides/notesSlide6.xml><?xml version="1.0" encoding="utf-8"?>
+<p:notes xmlns:a="http://schemas.openxmlformats.org/drawingml/2006/main" xmlns:r="http://schemas.openxmlformats.org/officeDocument/2006/relationships" xmlns:p="http://schemas.openxmlformats.org/presentationml/2006/main">
+  <p:cSld>
+    <p:spTree>
+      <p:nvGrpSpPr>
+        <p:cNvPr id="1" name=""/>
+        <p:cNvGrpSpPr/>
+        <p:nvPr/>
+      </p:nvGrpSpPr>
+      <p:grpSpPr>
+        <a:xfrm>
+          <a:off x="0" y="0"/>
+          <a:ext cx="0" cy="0"/>
+          <a:chOff x="0" y="0"/>
+          <a:chExt cx="0" cy="0"/>
+        </a:xfrm>
+      </p:grpSpPr>
+      <p:sp>
+        <p:nvSpPr>
+          <p:cNvPr id="2" name="Slide Image Placeholder 1"/>
+          <p:cNvSpPr>
+            <a:spLocks noGrp="1" noRot="1" noChangeAspect="1"/>
+          </p:cNvSpPr>
+          <p:nvPr>
+            <p:ph type="sldImg"/>
+          </p:nvPr>
+        </p:nvSpPr>
+        <p:spPr/>
+      </p:sp>
+      <p:sp>
+        <p:nvSpPr>
+          <p:cNvPr id="3" name="Notes Placeholder 2"/>
+          <p:cNvSpPr>
+            <a:spLocks noGrp="1"/>
+          </p:cNvSpPr>
+          <p:nvPr>
+            <p:ph type="body" idx="1"/>
+          </p:nvPr>
+        </p:nvSpPr>
+        <p:spPr/>
+        <p:txBody>
+          <a:bodyPr/>
+          <a:lstStyle/>
+          <a:p>
+            <a:endParaRPr lang="en-US"/>
+          </a:p>
+        </p:txBody>
+      </p:sp>
+      <p:sp>
+        <p:nvSpPr>
+          <p:cNvPr id="4" name="Slide Number Placeholder 3"/>
+          <p:cNvSpPr>
+            <a:spLocks noGrp="1"/>
+          </p:cNvSpPr>
+          <p:nvPr>
+            <p:ph type="sldNum" sz="quarter" idx="10"/>
+          </p:nvPr>
+        </p:nvSpPr>
+        <p:spPr/>
+        <p:txBody>
+          <a:bodyPr/>
+          <a:lstStyle/>
+          <a:p>
+            <a:fld id="{5748392D-034F-42F7-8664-098912936F2C}" type="slidenum">
+              <a:rPr lang="en-US" smtClean="0"/>
+              <a:t>6</a:t>
+            </a:fld>
+            <a:endParaRPr lang="en-US"/>
+          </a:p>
+        </p:txBody>
+      </p:sp>
+    </p:spTree>
+    <p:extLst>
+      <p:ext uri="{BB962C8B-B14F-4D97-AF65-F5344CB8AC3E}">
+        <p14:creationId xmlns:p14="http://schemas.microsoft.com/office/powerpoint/2010/main" val="2919244497"/>
+      </p:ext>
+    </p:extLst>
+  </p:cSld>
+  <p:clrMapOvr>
+    <a:masterClrMapping/>
+  </p:clrMapOvr>
+</p:notes>
+</file>
+
+<file path=ppt/notesSlides/notesSlide7.xml><?xml version="1.0" encoding="utf-8"?>
+<p:notes xmlns:a="http://schemas.openxmlformats.org/drawingml/2006/main" xmlns:r="http://schemas.openxmlformats.org/officeDocument/2006/relationships" xmlns:p="http://schemas.openxmlformats.org/presentationml/2006/main">
+  <p:cSld>
+    <p:spTree>
+      <p:nvGrpSpPr>
+        <p:cNvPr id="1" name=""/>
+        <p:cNvGrpSpPr/>
+        <p:nvPr/>
+      </p:nvGrpSpPr>
+      <p:grpSpPr>
+        <a:xfrm>
+          <a:off x="0" y="0"/>
+          <a:ext cx="0" cy="0"/>
+          <a:chOff x="0" y="0"/>
+          <a:chExt cx="0" cy="0"/>
+        </a:xfrm>
+      </p:grpSpPr>
+      <p:sp>
+        <p:nvSpPr>
+          <p:cNvPr id="2" name="Slide Image Placeholder 1"/>
+          <p:cNvSpPr>
+            <a:spLocks noGrp="1" noRot="1" noChangeAspect="1"/>
+          </p:cNvSpPr>
+          <p:nvPr>
+            <p:ph type="sldImg"/>
+          </p:nvPr>
+        </p:nvSpPr>
+        <p:spPr/>
+      </p:sp>
+      <p:sp>
+        <p:nvSpPr>
+          <p:cNvPr id="3" name="Notes Placeholder 2"/>
+          <p:cNvSpPr>
+            <a:spLocks noGrp="1"/>
+          </p:cNvSpPr>
+          <p:nvPr>
+            <p:ph type="body" idx="1"/>
+          </p:nvPr>
+        </p:nvSpPr>
+        <p:spPr/>
+        <p:txBody>
+          <a:bodyPr/>
+          <a:lstStyle/>
+          <a:p>
+            <a:endParaRPr lang="en-US"/>
+          </a:p>
+        </p:txBody>
+      </p:sp>
+      <p:sp>
+        <p:nvSpPr>
+          <p:cNvPr id="4" name="Slide Number Placeholder 3"/>
+          <p:cNvSpPr>
+            <a:spLocks noGrp="1"/>
+          </p:cNvSpPr>
+          <p:nvPr>
+            <p:ph type="sldNum" sz="quarter" idx="10"/>
+          </p:nvPr>
+        </p:nvSpPr>
+        <p:spPr/>
+        <p:txBody>
+          <a:bodyPr/>
+          <a:lstStyle/>
+          <a:p>
+            <a:fld id="{5748392D-034F-42F7-8664-098912936F2C}" type="slidenum">
+              <a:rPr lang="en-US" smtClean="0"/>
+              <a:t>7</a:t>
+            </a:fld>
+            <a:endParaRPr lang="en-US"/>
+          </a:p>
+        </p:txBody>
+      </p:sp>
+    </p:spTree>
+    <p:extLst>
+      <p:ext uri="{BB962C8B-B14F-4D97-AF65-F5344CB8AC3E}">
+        <p14:creationId xmlns:p14="http://schemas.microsoft.com/office/powerpoint/2010/main" val="1714422383"/>
+      </p:ext>
+    </p:extLst>
+  </p:cSld>
+  <p:clrMapOvr>
+    <a:masterClrMapping/>
+  </p:clrMapOvr>
+</p:notes>
+</file>
+
+<file path=ppt/notesSlides/notesSlide8.xml><?xml version="1.0" encoding="utf-8"?>
+<p:notes xmlns:a="http://schemas.openxmlformats.org/drawingml/2006/main" xmlns:r="http://schemas.openxmlformats.org/officeDocument/2006/relationships" xmlns:p="http://schemas.openxmlformats.org/presentationml/2006/main">
+  <p:cSld>
+    <p:spTree>
+      <p:nvGrpSpPr>
+        <p:cNvPr id="1" name=""/>
+        <p:cNvGrpSpPr/>
+        <p:nvPr/>
+      </p:nvGrpSpPr>
+      <p:grpSpPr>
+        <a:xfrm>
+          <a:off x="0" y="0"/>
+          <a:ext cx="0" cy="0"/>
+          <a:chOff x="0" y="0"/>
+          <a:chExt cx="0" cy="0"/>
+        </a:xfrm>
+      </p:grpSpPr>
+      <p:sp>
+        <p:nvSpPr>
+          <p:cNvPr id="2" name="Slide Image Placeholder 1"/>
+          <p:cNvSpPr>
+            <a:spLocks noGrp="1" noRot="1" noChangeAspect="1"/>
+          </p:cNvSpPr>
+          <p:nvPr>
+            <p:ph type="sldImg"/>
+          </p:nvPr>
+        </p:nvSpPr>
+        <p:spPr/>
+      </p:sp>
+      <p:sp>
+        <p:nvSpPr>
+          <p:cNvPr id="3" name="Notes Placeholder 2"/>
+          <p:cNvSpPr>
+            <a:spLocks noGrp="1"/>
+          </p:cNvSpPr>
+          <p:nvPr>
+            <p:ph type="body" idx="1"/>
+          </p:nvPr>
+        </p:nvSpPr>
+        <p:spPr/>
+        <p:txBody>
+          <a:bodyPr/>
+          <a:lstStyle/>
+          <a:p>
+            <a:endParaRPr lang="en-US"/>
+          </a:p>
+        </p:txBody>
+      </p:sp>
+      <p:sp>
+        <p:nvSpPr>
+          <p:cNvPr id="4" name="Slide Number Placeholder 3"/>
+          <p:cNvSpPr>
+            <a:spLocks noGrp="1"/>
+          </p:cNvSpPr>
+          <p:nvPr>
+            <p:ph type="sldNum" sz="quarter" idx="10"/>
+          </p:nvPr>
+        </p:nvSpPr>
+        <p:spPr/>
+        <p:txBody>
+          <a:bodyPr/>
+          <a:lstStyle/>
+          <a:p>
+            <a:fld id="{5748392D-034F-42F7-8664-098912936F2C}" type="slidenum">
+              <a:rPr lang="en-US" smtClean="0"/>
+              <a:t>8</a:t>
+            </a:fld>
+            <a:endParaRPr lang="en-US"/>
+          </a:p>
+        </p:txBody>
+      </p:sp>
+    </p:spTree>
+    <p:extLst>
+      <p:ext uri="{BB962C8B-B14F-4D97-AF65-F5344CB8AC3E}">
+        <p14:creationId xmlns:p14="http://schemas.microsoft.com/office/powerpoint/2010/main" val="4083199757"/>
+      </p:ext>
+    </p:extLst>
+  </p:cSld>
+  <p:clrMapOvr>
+    <a:masterClrMapping/>
+  </p:clrMapOvr>
+</p:notes>
+</file>
+
+<file path=ppt/notesSlides/notesSlide9.xml><?xml version="1.0" encoding="utf-8"?>
+<p:notes xmlns:a="http://schemas.openxmlformats.org/drawingml/2006/main" xmlns:r="http://schemas.openxmlformats.org/officeDocument/2006/relationships" xmlns:p="http://schemas.openxmlformats.org/presentationml/2006/main">
+  <p:cSld>
+    <p:spTree>
+      <p:nvGrpSpPr>
+        <p:cNvPr id="1" name=""/>
+        <p:cNvGrpSpPr/>
+        <p:nvPr/>
+      </p:nvGrpSpPr>
+      <p:grpSpPr>
+        <a:xfrm>
+          <a:off x="0" y="0"/>
+          <a:ext cx="0" cy="0"/>
+          <a:chOff x="0" y="0"/>
+          <a:chExt cx="0" cy="0"/>
+        </a:xfrm>
+      </p:grpSpPr>
+      <p:sp>
+        <p:nvSpPr>
+          <p:cNvPr id="2" name="Slide Image Placeholder 1"/>
+          <p:cNvSpPr>
+            <a:spLocks noGrp="1" noRot="1" noChangeAspect="1"/>
+          </p:cNvSpPr>
+          <p:nvPr>
+            <p:ph type="sldImg"/>
+          </p:nvPr>
+        </p:nvSpPr>
+        <p:spPr/>
+      </p:sp>
+      <p:sp>
+        <p:nvSpPr>
+          <p:cNvPr id="3" name="Notes Placeholder 2"/>
+          <p:cNvSpPr>
+            <a:spLocks noGrp="1"/>
+          </p:cNvSpPr>
+          <p:nvPr>
+            <p:ph type="body" idx="1"/>
+          </p:nvPr>
+        </p:nvSpPr>
+        <p:spPr/>
+        <p:txBody>
+          <a:bodyPr/>
+          <a:lstStyle/>
+          <a:p>
+            <a:endParaRPr lang="en-US"/>
+          </a:p>
+        </p:txBody>
+      </p:sp>
+      <p:sp>
+        <p:nvSpPr>
+          <p:cNvPr id="4" name="Slide Number Placeholder 3"/>
+          <p:cNvSpPr>
+            <a:spLocks noGrp="1"/>
+          </p:cNvSpPr>
+          <p:nvPr>
+            <p:ph type="sldNum" sz="quarter" idx="10"/>
+          </p:nvPr>
+        </p:nvSpPr>
+        <p:spPr/>
+        <p:txBody>
+          <a:bodyPr/>
+          <a:lstStyle/>
+          <a:p>
+            <a:fld id="{5748392D-034F-42F7-8664-098912936F2C}" type="slidenum">
+              <a:rPr lang="en-US" smtClean="0"/>
+              <a:t>9</a:t>
+            </a:fld>
+            <a:endParaRPr lang="en-US"/>
+          </a:p>
+        </p:txBody>
+      </p:sp>
+    </p:spTree>
+    <p:extLst>
+      <p:ext uri="{BB962C8B-B14F-4D97-AF65-F5344CB8AC3E}">
+        <p14:creationId xmlns:p14="http://schemas.microsoft.com/office/powerpoint/2010/main" val="3474064019"/>
+      </p:ext>
+    </p:extLst>
+  </p:cSld>
+  <p:clrMapOvr>
+    <a:masterClrMapping/>
+  </p:clrMapOvr>
+</p:notes>
 </file>
 
 <file path=ppt/slideLayouts/slideLayout1.xml><?xml version="1.0" encoding="utf-8"?>
@@ -848,30 +2247,6 @@
       </p:sp>
       <p:sp>
         <p:nvSpPr>
-          <p:cNvPr id="4" name="Date Placeholder 3"/>
-          <p:cNvSpPr>
-            <a:spLocks noGrp="1"/>
-          </p:cNvSpPr>
-          <p:nvPr>
-            <p:ph type="dt" sz="half" idx="10"/>
-          </p:nvPr>
-        </p:nvSpPr>
-        <p:spPr/>
-        <p:txBody>
-          <a:bodyPr/>
-          <a:lstStyle/>
-          <a:p>
-            <a:fld id="{B61BEF0D-F0BB-DE4B-95CE-6DB70DBA9567}" type="datetimeFigureOut">
-              <a:rPr lang="en-US" dirty="0"/>
-              <a:pPr/>
-              <a:t>6/18/2017</a:t>
-            </a:fld>
-            <a:endParaRPr lang="en-US" dirty="0"/>
-          </a:p>
-        </p:txBody>
-      </p:sp>
-      <p:sp>
-        <p:nvSpPr>
           <p:cNvPr id="5" name="Footer Placeholder 4"/>
           <p:cNvSpPr>
             <a:spLocks noGrp="1"/>
@@ -891,21 +2266,43 @@
       </p:sp>
       <p:sp>
         <p:nvSpPr>
-          <p:cNvPr id="6" name="Slide Number Placeholder 5"/>
+          <p:cNvPr id="18" name="Slide Number Placeholder 5">
+            <a:extLst>
+              <a:ext uri="{FF2B5EF4-FFF2-40B4-BE49-F238E27FC236}">
+                <a16:creationId xmlns:a16="http://schemas.microsoft.com/office/drawing/2014/main" id="{F7E597E2-118F-47DF-9A03-1F5A2C0A8857}"/>
+              </a:ext>
+            </a:extLst>
+          </p:cNvPr>
           <p:cNvSpPr>
             <a:spLocks noGrp="1"/>
           </p:cNvSpPr>
           <p:nvPr>
-            <p:ph type="sldNum" sz="quarter" idx="12"/>
+            <p:ph type="sldNum" sz="quarter" idx="4"/>
           </p:nvPr>
         </p:nvSpPr>
-        <p:spPr/>
+        <p:spPr>
+          <a:xfrm>
+            <a:off x="11318076" y="6406487"/>
+            <a:ext cx="683339" cy="365125"/>
+          </a:xfrm>
+          <a:prstGeom prst="rect">
+            <a:avLst/>
+          </a:prstGeom>
+        </p:spPr>
         <p:txBody>
-          <a:bodyPr/>
-          <a:lstStyle/>
+          <a:bodyPr vert="horz" lIns="91440" tIns="45720" rIns="91440" bIns="45720" rtlCol="0" anchor="ctr"/>
+          <a:lstStyle>
+            <a:lvl1pPr algn="r">
+              <a:defRPr sz="2000">
+                <a:solidFill>
+                  <a:srgbClr val="002060"/>
+                </a:solidFill>
+              </a:defRPr>
+            </a:lvl1pPr>
+          </a:lstStyle>
           <a:p>
             <a:fld id="{D57F1E4F-1CFF-5643-939E-217C01CDF565}" type="slidenum">
-              <a:rPr lang="en-US" dirty="0"/>
+              <a:rPr lang="en-US" smtClean="0"/>
               <a:pPr/>
               <a:t>‹#›</a:t>
             </a:fld>
@@ -1109,10 +2506,9 @@
           <a:bodyPr/>
           <a:lstStyle/>
           <a:p>
-            <a:fld id="{B61BEF0D-F0BB-DE4B-95CE-6DB70DBA9567}" type="datetimeFigureOut">
-              <a:rPr lang="en-US" dirty="0"/>
-              <a:pPr/>
-              <a:t>6/18/2017</a:t>
+            <a:fld id="{5584D41E-ECCD-469A-A688-027E915CB521}" type="datetime1">
+              <a:rPr lang="en-US" smtClean="0"/>
+              <a:t>6/19/2017</a:t>
             </a:fld>
             <a:endParaRPr lang="en-US" dirty="0"/>
           </a:p>
@@ -1420,10 +2816,9 @@
           <a:bodyPr/>
           <a:lstStyle/>
           <a:p>
-            <a:fld id="{B61BEF0D-F0BB-DE4B-95CE-6DB70DBA9567}" type="datetimeFigureOut">
-              <a:rPr lang="en-US" dirty="0"/>
-              <a:pPr/>
-              <a:t>6/18/2017</a:t>
+            <a:fld id="{37FEC672-057D-467E-BA4C-CC8A47D984EF}" type="datetime1">
+              <a:rPr lang="en-US" smtClean="0"/>
+              <a:t>6/19/2017</a:t>
             </a:fld>
             <a:endParaRPr lang="en-US" dirty="0"/>
           </a:p>
@@ -1444,30 +2839,6 @@
           <a:bodyPr/>
           <a:lstStyle/>
           <a:p>
-            <a:endParaRPr lang="en-US" dirty="0"/>
-          </a:p>
-        </p:txBody>
-      </p:sp>
-      <p:sp>
-        <p:nvSpPr>
-          <p:cNvPr id="6" name="Slide Number Placeholder 5"/>
-          <p:cNvSpPr>
-            <a:spLocks noGrp="1"/>
-          </p:cNvSpPr>
-          <p:nvPr>
-            <p:ph type="sldNum" sz="quarter" idx="12"/>
-          </p:nvPr>
-        </p:nvSpPr>
-        <p:spPr/>
-        <p:txBody>
-          <a:bodyPr/>
-          <a:lstStyle/>
-          <a:p>
-            <a:fld id="{D57F1E4F-1CFF-5643-939E-217C01CDF565}" type="slidenum">
-              <a:rPr lang="en-US" dirty="0"/>
-              <a:pPr/>
-              <a:t>‹#›</a:t>
-            </a:fld>
             <a:endParaRPr lang="en-US" dirty="0"/>
           </a:p>
         </p:txBody>
@@ -1559,6 +2930,136 @@
               </a:solidFill>
               <a:latin typeface="Arial"/>
             </a:endParaRPr>
+          </a:p>
+        </p:txBody>
+      </p:sp>
+      <p:sp>
+        <p:nvSpPr>
+          <p:cNvPr id="10" name="Slide Number Placeholder 5">
+            <a:extLst>
+              <a:ext uri="{FF2B5EF4-FFF2-40B4-BE49-F238E27FC236}">
+                <a16:creationId xmlns:a16="http://schemas.microsoft.com/office/drawing/2014/main" id="{E56CF6C3-1900-43CB-8E33-D8CBE7D39EDE}"/>
+              </a:ext>
+            </a:extLst>
+          </p:cNvPr>
+          <p:cNvSpPr txBox="1">
+            <a:spLocks/>
+          </p:cNvSpPr>
+          <p:nvPr userDrawn="1"/>
+        </p:nvSpPr>
+        <p:spPr>
+          <a:xfrm>
+            <a:off x="11318076" y="6406487"/>
+            <a:ext cx="683339" cy="365125"/>
+          </a:xfrm>
+          <a:prstGeom prst="rect">
+            <a:avLst/>
+          </a:prstGeom>
+        </p:spPr>
+        <p:txBody>
+          <a:bodyPr vert="horz" lIns="91440" tIns="45720" rIns="91440" bIns="45720" rtlCol="0" anchor="ctr"/>
+          <a:lstStyle>
+            <a:defPPr>
+              <a:defRPr lang="en-US"/>
+            </a:defPPr>
+            <a:lvl1pPr marL="0" algn="r" defTabSz="457200" rtl="0" eaLnBrk="1" latinLnBrk="0" hangingPunct="1">
+              <a:defRPr sz="2000" kern="1200">
+                <a:solidFill>
+                  <a:srgbClr val="002060"/>
+                </a:solidFill>
+                <a:latin typeface="+mn-lt"/>
+                <a:ea typeface="+mn-ea"/>
+                <a:cs typeface="+mn-cs"/>
+              </a:defRPr>
+            </a:lvl1pPr>
+            <a:lvl2pPr marL="457200" algn="l" defTabSz="457200" rtl="0" eaLnBrk="1" latinLnBrk="0" hangingPunct="1">
+              <a:defRPr sz="1800" kern="1200">
+                <a:solidFill>
+                  <a:schemeClr val="tx1"/>
+                </a:solidFill>
+                <a:latin typeface="+mn-lt"/>
+                <a:ea typeface="+mn-ea"/>
+                <a:cs typeface="+mn-cs"/>
+              </a:defRPr>
+            </a:lvl2pPr>
+            <a:lvl3pPr marL="914400" algn="l" defTabSz="457200" rtl="0" eaLnBrk="1" latinLnBrk="0" hangingPunct="1">
+              <a:defRPr sz="1800" kern="1200">
+                <a:solidFill>
+                  <a:schemeClr val="tx1"/>
+                </a:solidFill>
+                <a:latin typeface="+mn-lt"/>
+                <a:ea typeface="+mn-ea"/>
+                <a:cs typeface="+mn-cs"/>
+              </a:defRPr>
+            </a:lvl3pPr>
+            <a:lvl4pPr marL="1371600" algn="l" defTabSz="457200" rtl="0" eaLnBrk="1" latinLnBrk="0" hangingPunct="1">
+              <a:defRPr sz="1800" kern="1200">
+                <a:solidFill>
+                  <a:schemeClr val="tx1"/>
+                </a:solidFill>
+                <a:latin typeface="+mn-lt"/>
+                <a:ea typeface="+mn-ea"/>
+                <a:cs typeface="+mn-cs"/>
+              </a:defRPr>
+            </a:lvl4pPr>
+            <a:lvl5pPr marL="1828800" algn="l" defTabSz="457200" rtl="0" eaLnBrk="1" latinLnBrk="0" hangingPunct="1">
+              <a:defRPr sz="1800" kern="1200">
+                <a:solidFill>
+                  <a:schemeClr val="tx1"/>
+                </a:solidFill>
+                <a:latin typeface="+mn-lt"/>
+                <a:ea typeface="+mn-ea"/>
+                <a:cs typeface="+mn-cs"/>
+              </a:defRPr>
+            </a:lvl5pPr>
+            <a:lvl6pPr marL="2286000" algn="l" defTabSz="457200" rtl="0" eaLnBrk="1" latinLnBrk="0" hangingPunct="1">
+              <a:defRPr sz="1800" kern="1200">
+                <a:solidFill>
+                  <a:schemeClr val="tx1"/>
+                </a:solidFill>
+                <a:latin typeface="+mn-lt"/>
+                <a:ea typeface="+mn-ea"/>
+                <a:cs typeface="+mn-cs"/>
+              </a:defRPr>
+            </a:lvl6pPr>
+            <a:lvl7pPr marL="2743200" algn="l" defTabSz="457200" rtl="0" eaLnBrk="1" latinLnBrk="0" hangingPunct="1">
+              <a:defRPr sz="1800" kern="1200">
+                <a:solidFill>
+                  <a:schemeClr val="tx1"/>
+                </a:solidFill>
+                <a:latin typeface="+mn-lt"/>
+                <a:ea typeface="+mn-ea"/>
+                <a:cs typeface="+mn-cs"/>
+              </a:defRPr>
+            </a:lvl7pPr>
+            <a:lvl8pPr marL="3200400" algn="l" defTabSz="457200" rtl="0" eaLnBrk="1" latinLnBrk="0" hangingPunct="1">
+              <a:defRPr sz="1800" kern="1200">
+                <a:solidFill>
+                  <a:schemeClr val="tx1"/>
+                </a:solidFill>
+                <a:latin typeface="+mn-lt"/>
+                <a:ea typeface="+mn-ea"/>
+                <a:cs typeface="+mn-cs"/>
+              </a:defRPr>
+            </a:lvl8pPr>
+            <a:lvl9pPr marL="3657600" algn="l" defTabSz="457200" rtl="0" eaLnBrk="1" latinLnBrk="0" hangingPunct="1">
+              <a:defRPr sz="1800" kern="1200">
+                <a:solidFill>
+                  <a:schemeClr val="tx1"/>
+                </a:solidFill>
+                <a:latin typeface="+mn-lt"/>
+                <a:ea typeface="+mn-ea"/>
+                <a:cs typeface="+mn-cs"/>
+              </a:defRPr>
+            </a:lvl9pPr>
+          </a:lstStyle>
+          <a:p>
+            <a:fld id="{D57F1E4F-1CFF-5643-939E-217C01CDF565}" type="slidenum">
+              <a:rPr lang="en-US" smtClean="0"/>
+              <a:pPr/>
+              <a:t>‹#›</a:t>
+            </a:fld>
+            <a:endParaRPr lang="en-US" dirty="0"/>
           </a:p>
         </p:txBody>
       </p:sp>
@@ -1758,10 +3259,9 @@
           <a:bodyPr/>
           <a:lstStyle/>
           <a:p>
-            <a:fld id="{B61BEF0D-F0BB-DE4B-95CE-6DB70DBA9567}" type="datetimeFigureOut">
-              <a:rPr lang="en-US" dirty="0"/>
-              <a:pPr/>
-              <a:t>6/18/2017</a:t>
+            <a:fld id="{29367DF6-E5E3-489A-B126-195C5069A6F3}" type="datetime1">
+              <a:rPr lang="en-US" smtClean="0"/>
+              <a:t>6/19/2017</a:t>
             </a:fld>
             <a:endParaRPr lang="en-US" dirty="0"/>
           </a:p>
@@ -2069,10 +3569,9 @@
           <a:bodyPr/>
           <a:lstStyle/>
           <a:p>
-            <a:fld id="{B61BEF0D-F0BB-DE4B-95CE-6DB70DBA9567}" type="datetimeFigureOut">
-              <a:rPr lang="en-US" dirty="0"/>
-              <a:pPr/>
-              <a:t>6/18/2017</a:t>
+            <a:fld id="{9B31C6C6-9DE9-456B-AED9-726F033DF690}" type="datetime1">
+              <a:rPr lang="en-US" smtClean="0"/>
+              <a:t>6/19/2017</a:t>
             </a:fld>
             <a:endParaRPr lang="en-US" dirty="0"/>
           </a:p>
@@ -2459,10 +3958,9 @@
           <a:bodyPr/>
           <a:lstStyle/>
           <a:p>
-            <a:fld id="{B61BEF0D-F0BB-DE4B-95CE-6DB70DBA9567}" type="datetimeFigureOut">
-              <a:rPr lang="en-US" dirty="0"/>
-              <a:pPr/>
-              <a:t>6/18/2017</a:t>
+            <a:fld id="{D5BEEA30-5A4A-4762-8F67-CF7471431EAC}" type="datetime1">
+              <a:rPr lang="en-US" smtClean="0"/>
+              <a:t>6/19/2017</a:t>
             </a:fld>
             <a:endParaRPr lang="en-US" dirty="0"/>
           </a:p>
@@ -2626,9 +4124,9 @@
           <a:bodyPr/>
           <a:lstStyle/>
           <a:p>
-            <a:fld id="{55C6B4A9-1611-4792-9094-5F34BCA07E0B}" type="datetimeFigureOut">
-              <a:rPr lang="en-US" dirty="0"/>
-              <a:t>6/18/2017</a:t>
+            <a:fld id="{383E5AC3-809B-4088-B8DA-0699C9AC2539}" type="datetime1">
+              <a:rPr lang="en-US" smtClean="0"/>
+              <a:t>6/19/2017</a:t>
             </a:fld>
             <a:endParaRPr lang="en-US" dirty="0"/>
           </a:p>
@@ -2801,10 +4299,9 @@
           <a:bodyPr/>
           <a:lstStyle/>
           <a:p>
-            <a:fld id="{B61BEF0D-F0BB-DE4B-95CE-6DB70DBA9567}" type="datetimeFigureOut">
-              <a:rPr lang="en-US" dirty="0"/>
-              <a:pPr/>
-              <a:t>6/18/2017</a:t>
+            <a:fld id="{232710CB-3BDD-4633-BD7F-4610F5B446FE}" type="datetime1">
+              <a:rPr lang="en-US" smtClean="0"/>
+              <a:t>6/19/2017</a:t>
             </a:fld>
             <a:endParaRPr lang="en-US" dirty="0"/>
           </a:p>
@@ -2974,10 +4471,9 @@
           <a:bodyPr/>
           <a:lstStyle/>
           <a:p>
-            <a:fld id="{B61BEF0D-F0BB-DE4B-95CE-6DB70DBA9567}" type="datetimeFigureOut">
-              <a:rPr lang="en-US" dirty="0"/>
-              <a:pPr/>
-              <a:t>6/18/2017</a:t>
+            <a:fld id="{D68BBBC4-48BB-40C7-8573-BE257AC89E63}" type="datetime1">
+              <a:rPr lang="en-US" smtClean="0"/>
+              <a:t>6/19/2017</a:t>
             </a:fld>
             <a:endParaRPr lang="en-US" dirty="0"/>
           </a:p>
@@ -3205,64 +4701,43 @@
       </p:sp>
       <p:sp>
         <p:nvSpPr>
-          <p:cNvPr id="4" name="Date Placeholder 3"/>
+          <p:cNvPr id="7" name="Slide Number Placeholder 5">
+            <a:extLst>
+              <a:ext uri="{FF2B5EF4-FFF2-40B4-BE49-F238E27FC236}">
+                <a16:creationId xmlns:a16="http://schemas.microsoft.com/office/drawing/2014/main" id="{EB3DD466-D729-4677-9DC7-EEFB05BF9FDC}"/>
+              </a:ext>
+            </a:extLst>
+          </p:cNvPr>
           <p:cNvSpPr>
             <a:spLocks noGrp="1"/>
           </p:cNvSpPr>
           <p:nvPr>
-            <p:ph type="dt" sz="half" idx="10"/>
+            <p:ph type="sldNum" sz="quarter" idx="4"/>
           </p:nvPr>
         </p:nvSpPr>
-        <p:spPr/>
+        <p:spPr>
+          <a:xfrm>
+            <a:off x="11318076" y="6406487"/>
+            <a:ext cx="683339" cy="365125"/>
+          </a:xfrm>
+          <a:prstGeom prst="rect">
+            <a:avLst/>
+          </a:prstGeom>
+        </p:spPr>
         <p:txBody>
-          <a:bodyPr/>
-          <a:lstStyle/>
-          <a:p>
-            <a:fld id="{B61BEF0D-F0BB-DE4B-95CE-6DB70DBA9567}" type="datetimeFigureOut">
-              <a:rPr lang="en-US" dirty="0"/>
-              <a:pPr/>
-              <a:t>6/18/2017</a:t>
-            </a:fld>
-            <a:endParaRPr lang="en-US" dirty="0"/>
-          </a:p>
-        </p:txBody>
-      </p:sp>
-      <p:sp>
-        <p:nvSpPr>
-          <p:cNvPr id="5" name="Footer Placeholder 4"/>
-          <p:cNvSpPr>
-            <a:spLocks noGrp="1"/>
-          </p:cNvSpPr>
-          <p:nvPr>
-            <p:ph type="ftr" sz="quarter" idx="11"/>
-          </p:nvPr>
-        </p:nvSpPr>
-        <p:spPr/>
-        <p:txBody>
-          <a:bodyPr/>
-          <a:lstStyle/>
-          <a:p>
-            <a:endParaRPr lang="en-US" dirty="0"/>
-          </a:p>
-        </p:txBody>
-      </p:sp>
-      <p:sp>
-        <p:nvSpPr>
-          <p:cNvPr id="6" name="Slide Number Placeholder 5"/>
-          <p:cNvSpPr>
-            <a:spLocks noGrp="1"/>
-          </p:cNvSpPr>
-          <p:nvPr>
-            <p:ph type="sldNum" sz="quarter" idx="12"/>
-          </p:nvPr>
-        </p:nvSpPr>
-        <p:spPr/>
-        <p:txBody>
-          <a:bodyPr/>
-          <a:lstStyle/>
+          <a:bodyPr vert="horz" lIns="91440" tIns="45720" rIns="91440" bIns="45720" rtlCol="0" anchor="ctr"/>
+          <a:lstStyle>
+            <a:lvl1pPr algn="r">
+              <a:defRPr sz="2000">
+                <a:solidFill>
+                  <a:srgbClr val="002060"/>
+                </a:solidFill>
+              </a:defRPr>
+            </a:lvl1pPr>
+          </a:lstStyle>
           <a:p>
             <a:fld id="{D57F1E4F-1CFF-5643-939E-217C01CDF565}" type="slidenum">
-              <a:rPr lang="en-US" dirty="0"/>
+              <a:rPr lang="en-US" smtClean="0"/>
               <a:pPr/>
               <a:t>‹#›</a:t>
             </a:fld>
@@ -3447,9 +4922,9 @@
           <a:bodyPr/>
           <a:lstStyle/>
           <a:p>
-            <a:fld id="{EB712588-04B1-427B-82EE-E8DB90309F08}" type="datetimeFigureOut">
-              <a:rPr lang="en-US" dirty="0"/>
-              <a:t>6/18/2017</a:t>
+            <a:fld id="{02C7217F-CE63-45E6-8375-59B10C747384}" type="datetime1">
+              <a:rPr lang="en-US" smtClean="0"/>
+              <a:t>6/19/2017</a:t>
             </a:fld>
             <a:endParaRPr lang="en-US" dirty="0"/>
           </a:p>
@@ -3816,10 +5291,9 @@
           <a:bodyPr/>
           <a:lstStyle/>
           <a:p>
-            <a:fld id="{B61BEF0D-F0BB-DE4B-95CE-6DB70DBA9567}" type="datetimeFigureOut">
-              <a:rPr lang="en-US" dirty="0"/>
-              <a:pPr/>
-              <a:t>6/18/2017</a:t>
+            <a:fld id="{31D10638-02D3-4D63-BF78-1DA4765062DA}" type="datetime1">
+              <a:rPr lang="en-US" smtClean="0"/>
+              <a:t>6/19/2017</a:t>
             </a:fld>
             <a:endParaRPr lang="en-US" dirty="0"/>
           </a:p>
@@ -3936,10 +5410,9 @@
           <a:bodyPr/>
           <a:lstStyle/>
           <a:p>
-            <a:fld id="{B61BEF0D-F0BB-DE4B-95CE-6DB70DBA9567}" type="datetimeFigureOut">
-              <a:rPr lang="en-US" dirty="0"/>
-              <a:pPr/>
-              <a:t>6/18/2017</a:t>
+            <a:fld id="{41B9CB85-5CA8-4486-904C-0B697A1E77C0}" type="datetime1">
+              <a:rPr lang="en-US" smtClean="0"/>
+              <a:t>6/19/2017</a:t>
             </a:fld>
             <a:endParaRPr lang="en-US" dirty="0"/>
           </a:p>
@@ -4028,10 +5501,9 @@
           <a:bodyPr/>
           <a:lstStyle/>
           <a:p>
-            <a:fld id="{B61BEF0D-F0BB-DE4B-95CE-6DB70DBA9567}" type="datetimeFigureOut">
-              <a:rPr lang="en-US" dirty="0"/>
-              <a:pPr/>
-              <a:t>6/18/2017</a:t>
+            <a:fld id="{FB853D0A-05D4-4C41-BFB2-5F79004EB7DD}" type="datetime1">
+              <a:rPr lang="en-US" smtClean="0"/>
+              <a:t>6/19/2017</a:t>
             </a:fld>
             <a:endParaRPr lang="en-US" dirty="0"/>
           </a:p>
@@ -4280,9 +5752,9 @@
           <a:bodyPr/>
           <a:lstStyle/>
           <a:p>
-            <a:fld id="{42A54C80-263E-416B-A8E0-580EDEADCBDC}" type="datetimeFigureOut">
-              <a:rPr lang="en-US" dirty="0"/>
-              <a:t>6/18/2017</a:t>
+            <a:fld id="{C341C2EE-EBFF-49DF-8B0E-1582029F3458}" type="datetime1">
+              <a:rPr lang="en-US" smtClean="0"/>
+              <a:t>6/19/2017</a:t>
             </a:fld>
             <a:endParaRPr lang="en-US" dirty="0"/>
           </a:p>
@@ -4538,10 +6010,9 @@
           <a:bodyPr/>
           <a:lstStyle/>
           <a:p>
-            <a:fld id="{B61BEF0D-F0BB-DE4B-95CE-6DB70DBA9567}" type="datetimeFigureOut">
-              <a:rPr lang="en-US" dirty="0"/>
-              <a:pPr/>
-              <a:t>6/18/2017</a:t>
+            <a:fld id="{EF2F2483-1DD5-49A6-8D3E-B45317D7588A}" type="datetime1">
+              <a:rPr lang="en-US" smtClean="0"/>
+              <a:t>6/19/2017</a:t>
             </a:fld>
             <a:endParaRPr lang="en-US" dirty="0"/>
           </a:p>
@@ -5107,6 +6578,13 @@
               <a:schemeClr val="lt1"/>
             </a:fontRef>
           </p:style>
+          <p:txBody>
+            <a:bodyPr/>
+            <a:lstStyle/>
+            <a:p>
+              <a:endParaRPr lang="en-US" dirty="0"/>
+            </a:p>
+          </p:txBody>
         </p:sp>
         <p:sp>
           <p:nvSpPr>
@@ -5278,10 +6756,9 @@
             </a:lvl1pPr>
           </a:lstStyle>
           <a:p>
-            <a:fld id="{B61BEF0D-F0BB-DE4B-95CE-6DB70DBA9567}" type="datetimeFigureOut">
-              <a:rPr lang="en-US" dirty="0"/>
-              <a:pPr/>
-              <a:t>6/18/2017</a:t>
+            <a:fld id="{52767998-3159-4C71-ABFF-AA9298230A46}" type="datetime1">
+              <a:rPr lang="en-US" smtClean="0"/>
+              <a:t>6/19/2017</a:t>
             </a:fld>
             <a:endParaRPr lang="en-US" dirty="0"/>
           </a:p>
@@ -5336,7 +6813,7 @@
         </p:nvSpPr>
         <p:spPr>
           <a:xfrm>
-            <a:off x="8590663" y="6041362"/>
+            <a:off x="11318076" y="6406487"/>
             <a:ext cx="683339" cy="365125"/>
           </a:xfrm>
           <a:prstGeom prst="rect">
@@ -5347,16 +6824,16 @@
           <a:bodyPr vert="horz" lIns="91440" tIns="45720" rIns="91440" bIns="45720" rtlCol="0" anchor="ctr"/>
           <a:lstStyle>
             <a:lvl1pPr algn="r">
-              <a:defRPr sz="900">
+              <a:defRPr sz="2000">
                 <a:solidFill>
-                  <a:schemeClr val="accent1"/>
+                  <a:srgbClr val="002060"/>
                 </a:solidFill>
               </a:defRPr>
             </a:lvl1pPr>
           </a:lstStyle>
           <a:p>
             <a:fld id="{D57F1E4F-1CFF-5643-939E-217C01CDF565}" type="slidenum">
-              <a:rPr lang="en-US" dirty="0"/>
+              <a:rPr lang="en-US" smtClean="0"/>
               <a:pPr/>
               <a:t>‹#›</a:t>
             </a:fld>
@@ -5385,6 +6862,7 @@
     <p:sldLayoutId id="2147483667" r:id="rId15"/>
     <p:sldLayoutId id="2147483659" r:id="rId16"/>
   </p:sldLayoutIdLst>
+  <p:hf hdr="0" ftr="0" dt="0"/>
   <p:txStyles>
     <p:titleStyle>
       <a:lvl1pPr algn="l" defTabSz="457200" rtl="0" eaLnBrk="1" latinLnBrk="0" hangingPunct="1">
@@ -5909,6 +7387,404 @@
 </file>
 
 <file path=ppt/slides/slide10.xml><?xml version="1.0" encoding="utf-8"?>
+<p:sld xmlns:a="http://schemas.openxmlformats.org/drawingml/2006/main" xmlns:r="http://schemas.openxmlformats.org/officeDocument/2006/relationships" xmlns:p="http://schemas.openxmlformats.org/presentationml/2006/main">
+  <p:cSld>
+    <p:spTree>
+      <p:nvGrpSpPr>
+        <p:cNvPr id="1" name=""/>
+        <p:cNvGrpSpPr/>
+        <p:nvPr/>
+      </p:nvGrpSpPr>
+      <p:grpSpPr>
+        <a:xfrm>
+          <a:off x="0" y="0"/>
+          <a:ext cx="0" cy="0"/>
+          <a:chOff x="0" y="0"/>
+          <a:chExt cx="0" cy="0"/>
+        </a:xfrm>
+      </p:grpSpPr>
+      <p:pic>
+        <p:nvPicPr>
+          <p:cNvPr id="21" name="Picture 20">
+            <a:extLst>
+              <a:ext uri="{FF2B5EF4-FFF2-40B4-BE49-F238E27FC236}">
+                <a16:creationId xmlns:a16="http://schemas.microsoft.com/office/drawing/2014/main" id="{1F8EE730-898B-4039-BAC3-D603895B728D}"/>
+              </a:ext>
+            </a:extLst>
+          </p:cNvPr>
+          <p:cNvPicPr>
+            <a:picLocks noChangeAspect="1"/>
+          </p:cNvPicPr>
+          <p:nvPr/>
+        </p:nvPicPr>
+        <p:blipFill>
+          <a:blip r:embed="rId3"/>
+          <a:stretch>
+            <a:fillRect/>
+          </a:stretch>
+        </p:blipFill>
+        <p:spPr>
+          <a:xfrm>
+            <a:off x="1318985" y="863600"/>
+            <a:ext cx="9711858" cy="5994400"/>
+          </a:xfrm>
+          <a:prstGeom prst="rect">
+            <a:avLst/>
+          </a:prstGeom>
+        </p:spPr>
+      </p:pic>
+      <p:sp>
+        <p:nvSpPr>
+          <p:cNvPr id="5" name="Title 1">
+            <a:extLst>
+              <a:ext uri="{FF2B5EF4-FFF2-40B4-BE49-F238E27FC236}">
+                <a16:creationId xmlns:a16="http://schemas.microsoft.com/office/drawing/2014/main" id="{F11C875C-9CAA-4838-BBDD-43705F932F58}"/>
+              </a:ext>
+            </a:extLst>
+          </p:cNvPr>
+          <p:cNvSpPr txBox="1">
+            <a:spLocks/>
+          </p:cNvSpPr>
+          <p:nvPr/>
+        </p:nvSpPr>
+        <p:spPr>
+          <a:xfrm>
+            <a:off x="292001" y="181661"/>
+            <a:ext cx="11019366" cy="847465"/>
+          </a:xfrm>
+          <a:prstGeom prst="rect">
+            <a:avLst/>
+          </a:prstGeom>
+        </p:spPr>
+        <p:txBody>
+          <a:bodyPr vert="horz" lIns="91440" tIns="45720" rIns="91440" bIns="45720" rtlCol="0" anchor="t">
+            <a:normAutofit fontScale="97500"/>
+          </a:bodyPr>
+          <a:lstStyle>
+            <a:lvl1pPr algn="l" defTabSz="457200" rtl="0" eaLnBrk="1" latinLnBrk="0" hangingPunct="1">
+              <a:spcBef>
+                <a:spcPct val="0"/>
+              </a:spcBef>
+              <a:buNone/>
+              <a:defRPr sz="3600" kern="1200">
+                <a:solidFill>
+                  <a:schemeClr val="accent1"/>
+                </a:solidFill>
+                <a:latin typeface="+mj-lt"/>
+                <a:ea typeface="+mj-ea"/>
+                <a:cs typeface="+mj-cs"/>
+              </a:defRPr>
+            </a:lvl1pPr>
+            <a:lvl2pPr eaLnBrk="1" hangingPunct="1">
+              <a:defRPr>
+                <a:solidFill>
+                  <a:schemeClr val="tx2"/>
+                </a:solidFill>
+              </a:defRPr>
+            </a:lvl2pPr>
+            <a:lvl3pPr eaLnBrk="1" hangingPunct="1">
+              <a:defRPr>
+                <a:solidFill>
+                  <a:schemeClr val="tx2"/>
+                </a:solidFill>
+              </a:defRPr>
+            </a:lvl3pPr>
+            <a:lvl4pPr eaLnBrk="1" hangingPunct="1">
+              <a:defRPr>
+                <a:solidFill>
+                  <a:schemeClr val="tx2"/>
+                </a:solidFill>
+              </a:defRPr>
+            </a:lvl4pPr>
+            <a:lvl5pPr eaLnBrk="1" hangingPunct="1">
+              <a:defRPr>
+                <a:solidFill>
+                  <a:schemeClr val="tx2"/>
+                </a:solidFill>
+              </a:defRPr>
+            </a:lvl5pPr>
+            <a:lvl6pPr eaLnBrk="1" hangingPunct="1">
+              <a:defRPr>
+                <a:solidFill>
+                  <a:schemeClr val="tx2"/>
+                </a:solidFill>
+              </a:defRPr>
+            </a:lvl6pPr>
+            <a:lvl7pPr eaLnBrk="1" hangingPunct="1">
+              <a:defRPr>
+                <a:solidFill>
+                  <a:schemeClr val="tx2"/>
+                </a:solidFill>
+              </a:defRPr>
+            </a:lvl7pPr>
+            <a:lvl8pPr eaLnBrk="1" hangingPunct="1">
+              <a:defRPr>
+                <a:solidFill>
+                  <a:schemeClr val="tx2"/>
+                </a:solidFill>
+              </a:defRPr>
+            </a:lvl8pPr>
+            <a:lvl9pPr eaLnBrk="1" hangingPunct="1">
+              <a:defRPr>
+                <a:solidFill>
+                  <a:schemeClr val="tx2"/>
+                </a:solidFill>
+              </a:defRPr>
+            </a:lvl9pPr>
+          </a:lstStyle>
+          <a:p>
+            <a:r>
+              <a:rPr lang="en-US" dirty="0">
+                <a:solidFill>
+                  <a:srgbClr val="002060"/>
+                </a:solidFill>
+              </a:rPr>
+              <a:t>Results: Elapsed CPU Time vs Accuracy</a:t>
+            </a:r>
+          </a:p>
+          <a:p>
+            <a:endParaRPr lang="en-US" dirty="0">
+              <a:solidFill>
+                <a:srgbClr val="002060"/>
+              </a:solidFill>
+            </a:endParaRPr>
+          </a:p>
+        </p:txBody>
+      </p:sp>
+      <p:sp>
+        <p:nvSpPr>
+          <p:cNvPr id="19" name="Rectangle 18">
+            <a:extLst>
+              <a:ext uri="{FF2B5EF4-FFF2-40B4-BE49-F238E27FC236}">
+                <a16:creationId xmlns:a16="http://schemas.microsoft.com/office/drawing/2014/main" id="{BF98BCEA-D55A-4113-B873-849012A84EFC}"/>
+              </a:ext>
+            </a:extLst>
+          </p:cNvPr>
+          <p:cNvSpPr/>
+          <p:nvPr/>
+        </p:nvSpPr>
+        <p:spPr>
+          <a:xfrm>
+            <a:off x="8953500" y="1143000"/>
+            <a:ext cx="1828800" cy="5143500"/>
+          </a:xfrm>
+          <a:prstGeom prst="rect">
+            <a:avLst/>
+          </a:prstGeom>
+          <a:solidFill>
+            <a:srgbClr val="FFFF00">
+              <a:alpha val="20000"/>
+            </a:srgbClr>
+          </a:solidFill>
+        </p:spPr>
+        <p:style>
+          <a:lnRef idx="2">
+            <a:schemeClr val="accent1">
+              <a:shade val="50000"/>
+            </a:schemeClr>
+          </a:lnRef>
+          <a:fillRef idx="1">
+            <a:schemeClr val="accent1"/>
+          </a:fillRef>
+          <a:effectRef idx="0">
+            <a:schemeClr val="accent1"/>
+          </a:effectRef>
+          <a:fontRef idx="minor">
+            <a:schemeClr val="lt1"/>
+          </a:fontRef>
+        </p:style>
+        <p:txBody>
+          <a:bodyPr rtlCol="0" anchor="ctr"/>
+          <a:lstStyle/>
+          <a:p>
+            <a:pPr algn="ctr"/>
+            <a:r>
+              <a:rPr lang="en-US" sz="4800" dirty="0">
+                <a:solidFill>
+                  <a:srgbClr val="002060"/>
+                </a:solidFill>
+              </a:rPr>
+              <a:t>Zoom</a:t>
+            </a:r>
+          </a:p>
+        </p:txBody>
+      </p:sp>
+      <p:sp>
+        <p:nvSpPr>
+          <p:cNvPr id="4" name="Slide Number Placeholder 3">
+            <a:extLst>
+              <a:ext uri="{FF2B5EF4-FFF2-40B4-BE49-F238E27FC236}">
+                <a16:creationId xmlns:a16="http://schemas.microsoft.com/office/drawing/2014/main" id="{F84FDF19-CDD8-49D9-8864-6D3392CDB04B}"/>
+              </a:ext>
+            </a:extLst>
+          </p:cNvPr>
+          <p:cNvSpPr>
+            <a:spLocks noGrp="1"/>
+          </p:cNvSpPr>
+          <p:nvPr>
+            <p:ph type="sldNum" sz="quarter" idx="12"/>
+          </p:nvPr>
+        </p:nvSpPr>
+        <p:spPr/>
+        <p:txBody>
+          <a:bodyPr/>
+          <a:lstStyle/>
+          <a:p>
+            <a:fld id="{D57F1E4F-1CFF-5643-939E-217C01CDF565}" type="slidenum">
+              <a:rPr lang="en-US" smtClean="0"/>
+              <a:pPr/>
+              <a:t>10</a:t>
+            </a:fld>
+            <a:endParaRPr lang="en-US" dirty="0"/>
+          </a:p>
+        </p:txBody>
+      </p:sp>
+    </p:spTree>
+    <p:extLst>
+      <p:ext uri="{BB962C8B-B14F-4D97-AF65-F5344CB8AC3E}">
+        <p14:creationId xmlns:p14="http://schemas.microsoft.com/office/powerpoint/2010/main" val="71401296"/>
+      </p:ext>
+    </p:extLst>
+  </p:cSld>
+  <p:clrMapOvr>
+    <a:masterClrMapping/>
+  </p:clrMapOvr>
+  <p:timing>
+    <p:tnLst>
+      <p:par>
+        <p:cTn id="1" dur="indefinite" restart="never" nodeType="tmRoot">
+          <p:childTnLst>
+            <p:seq concurrent="1" nextAc="seek">
+              <p:cTn id="2" dur="indefinite" nodeType="mainSeq">
+                <p:childTnLst>
+                  <p:par>
+                    <p:cTn id="3" fill="hold">
+                      <p:stCondLst>
+                        <p:cond delay="indefinite"/>
+                      </p:stCondLst>
+                      <p:childTnLst>
+                        <p:par>
+                          <p:cTn id="4" fill="hold">
+                            <p:stCondLst>
+                              <p:cond delay="0"/>
+                            </p:stCondLst>
+                            <p:childTnLst>
+                              <p:par>
+                                <p:cTn id="5" presetID="53" presetClass="entr" presetSubtype="16" fill="hold" grpId="0" nodeType="clickEffect">
+                                  <p:stCondLst>
+                                    <p:cond delay="0"/>
+                                  </p:stCondLst>
+                                  <p:childTnLst>
+                                    <p:set>
+                                      <p:cBhvr>
+                                        <p:cTn id="6" dur="1" fill="hold">
+                                          <p:stCondLst>
+                                            <p:cond delay="0"/>
+                                          </p:stCondLst>
+                                        </p:cTn>
+                                        <p:tgtEl>
+                                          <p:spTgt spid="19"/>
+                                        </p:tgtEl>
+                                        <p:attrNameLst>
+                                          <p:attrName>style.visibility</p:attrName>
+                                        </p:attrNameLst>
+                                      </p:cBhvr>
+                                      <p:to>
+                                        <p:strVal val="visible"/>
+                                      </p:to>
+                                    </p:set>
+                                    <p:anim calcmode="lin" valueType="num">
+                                      <p:cBhvr>
+                                        <p:cTn id="7" dur="500" fill="hold"/>
+                                        <p:tgtEl>
+                                          <p:spTgt spid="19"/>
+                                        </p:tgtEl>
+                                        <p:attrNameLst>
+                                          <p:attrName>ppt_w</p:attrName>
+                                        </p:attrNameLst>
+                                      </p:cBhvr>
+                                      <p:tavLst>
+                                        <p:tav tm="0">
+                                          <p:val>
+                                            <p:fltVal val="0"/>
+                                          </p:val>
+                                        </p:tav>
+                                        <p:tav tm="100000">
+                                          <p:val>
+                                            <p:strVal val="#ppt_w"/>
+                                          </p:val>
+                                        </p:tav>
+                                      </p:tavLst>
+                                    </p:anim>
+                                    <p:anim calcmode="lin" valueType="num">
+                                      <p:cBhvr>
+                                        <p:cTn id="8" dur="500" fill="hold"/>
+                                        <p:tgtEl>
+                                          <p:spTgt spid="19"/>
+                                        </p:tgtEl>
+                                        <p:attrNameLst>
+                                          <p:attrName>ppt_h</p:attrName>
+                                        </p:attrNameLst>
+                                      </p:cBhvr>
+                                      <p:tavLst>
+                                        <p:tav tm="0">
+                                          <p:val>
+                                            <p:fltVal val="0"/>
+                                          </p:val>
+                                        </p:tav>
+                                        <p:tav tm="100000">
+                                          <p:val>
+                                            <p:strVal val="#ppt_h"/>
+                                          </p:val>
+                                        </p:tav>
+                                      </p:tavLst>
+                                    </p:anim>
+                                    <p:animEffect transition="in" filter="fade">
+                                      <p:cBhvr>
+                                        <p:cTn id="9" dur="500"/>
+                                        <p:tgtEl>
+                                          <p:spTgt spid="19"/>
+                                        </p:tgtEl>
+                                      </p:cBhvr>
+                                    </p:animEffect>
+                                  </p:childTnLst>
+                                </p:cTn>
+                              </p:par>
+                            </p:childTnLst>
+                          </p:cTn>
+                        </p:par>
+                      </p:childTnLst>
+                    </p:cTn>
+                  </p:par>
+                </p:childTnLst>
+              </p:cTn>
+              <p:prevCondLst>
+                <p:cond evt="onPrev" delay="0">
+                  <p:tgtEl>
+                    <p:sldTgt/>
+                  </p:tgtEl>
+                </p:cond>
+              </p:prevCondLst>
+              <p:nextCondLst>
+                <p:cond evt="onNext" delay="0">
+                  <p:tgtEl>
+                    <p:sldTgt/>
+                  </p:tgtEl>
+                </p:cond>
+              </p:nextCondLst>
+            </p:seq>
+          </p:childTnLst>
+        </p:cTn>
+      </p:par>
+    </p:tnLst>
+    <p:bldLst>
+      <p:bldP spid="19" grpId="0" animBg="1"/>
+    </p:bldLst>
+  </p:timing>
+</p:sld>
+</file>
+
+<file path=ppt/slides/slide11.xml><?xml version="1.0" encoding="utf-8"?>
 <p:sld xmlns:a="http://schemas.openxmlformats.org/drawingml/2006/main" xmlns:r="http://schemas.openxmlformats.org/officeDocument/2006/relationships" xmlns:p="http://schemas.openxmlformats.org/presentationml/2006/main">
   <p:cSld>
     <p:spTree>
@@ -6651,12 +8527,42 @@
                     <a:srgbClr val="002060"/>
                   </a:solidFill>
                 </a:rPr>
-                <a:t> are fast</a:t>
+                <a:t> are faster</a:t>
               </a:r>
             </a:p>
           </p:txBody>
         </p:sp>
       </p:grpSp>
+      <p:sp>
+        <p:nvSpPr>
+          <p:cNvPr id="6" name="Slide Number Placeholder 5">
+            <a:extLst>
+              <a:ext uri="{FF2B5EF4-FFF2-40B4-BE49-F238E27FC236}">
+                <a16:creationId xmlns:a16="http://schemas.microsoft.com/office/drawing/2014/main" id="{FF735714-8A59-42AC-9461-94886EC0B19B}"/>
+              </a:ext>
+            </a:extLst>
+          </p:cNvPr>
+          <p:cNvSpPr>
+            <a:spLocks noGrp="1"/>
+          </p:cNvSpPr>
+          <p:nvPr>
+            <p:ph type="sldNum" sz="quarter" idx="12"/>
+          </p:nvPr>
+        </p:nvSpPr>
+        <p:spPr/>
+        <p:txBody>
+          <a:bodyPr/>
+          <a:lstStyle/>
+          <a:p>
+            <a:fld id="{D57F1E4F-1CFF-5643-939E-217C01CDF565}" type="slidenum">
+              <a:rPr lang="en-US" smtClean="0"/>
+              <a:pPr/>
+              <a:t>11</a:t>
+            </a:fld>
+            <a:endParaRPr lang="en-US" dirty="0"/>
+          </a:p>
+        </p:txBody>
+      </p:sp>
     </p:spTree>
     <p:extLst>
       <p:ext uri="{BB962C8B-B14F-4D97-AF65-F5344CB8AC3E}">
@@ -6958,7 +8864,7 @@
 </p:sld>
 </file>
 
-<file path=ppt/slides/slide11.xml><?xml version="1.0" encoding="utf-8"?>
+<file path=ppt/slides/slide12.xml><?xml version="1.0" encoding="utf-8"?>
 <p:sld xmlns:a="http://schemas.openxmlformats.org/drawingml/2006/main" xmlns:r="http://schemas.openxmlformats.org/officeDocument/2006/relationships" xmlns:p="http://schemas.openxmlformats.org/presentationml/2006/main">
   <p:cSld>
     <p:spTree>
@@ -7249,6 +9155,36 @@
           </a:p>
         </p:txBody>
       </p:sp>
+      <p:sp>
+        <p:nvSpPr>
+          <p:cNvPr id="5" name="Slide Number Placeholder 4">
+            <a:extLst>
+              <a:ext uri="{FF2B5EF4-FFF2-40B4-BE49-F238E27FC236}">
+                <a16:creationId xmlns:a16="http://schemas.microsoft.com/office/drawing/2014/main" id="{DCDB03CD-D0F1-4CAC-AAF1-B8B2D0EE8164}"/>
+              </a:ext>
+            </a:extLst>
+          </p:cNvPr>
+          <p:cNvSpPr>
+            <a:spLocks noGrp="1"/>
+          </p:cNvSpPr>
+          <p:nvPr>
+            <p:ph type="sldNum" sz="quarter" idx="12"/>
+          </p:nvPr>
+        </p:nvSpPr>
+        <p:spPr/>
+        <p:txBody>
+          <a:bodyPr/>
+          <a:lstStyle/>
+          <a:p>
+            <a:fld id="{D57F1E4F-1CFF-5643-939E-217C01CDF565}" type="slidenum">
+              <a:rPr lang="en-US" smtClean="0"/>
+              <a:pPr/>
+              <a:t>12</a:t>
+            </a:fld>
+            <a:endParaRPr lang="en-US" dirty="0"/>
+          </a:p>
+        </p:txBody>
+      </p:sp>
     </p:spTree>
     <p:extLst>
       <p:ext uri="{BB962C8B-B14F-4D97-AF65-F5344CB8AC3E}">
@@ -7262,7 +9198,7 @@
 </p:sld>
 </file>
 
-<file path=ppt/slides/slide12.xml><?xml version="1.0" encoding="utf-8"?>
+<file path=ppt/slides/slide13.xml><?xml version="1.0" encoding="utf-8"?>
 <p:sld xmlns:a="http://schemas.openxmlformats.org/drawingml/2006/main" xmlns:r="http://schemas.openxmlformats.org/officeDocument/2006/relationships" xmlns:p="http://schemas.openxmlformats.org/presentationml/2006/main">
   <p:cSld>
     <p:spTree>
@@ -7312,6 +9248,52 @@
           </a:p>
         </p:txBody>
       </p:sp>
+      <p:sp>
+        <p:nvSpPr>
+          <p:cNvPr id="6" name="Slide Number Placeholder 5">
+            <a:extLst>
+              <a:ext uri="{FF2B5EF4-FFF2-40B4-BE49-F238E27FC236}">
+                <a16:creationId xmlns:a16="http://schemas.microsoft.com/office/drawing/2014/main" id="{B2C876A0-C60B-4A17-B217-A09108C31EE5}"/>
+              </a:ext>
+            </a:extLst>
+          </p:cNvPr>
+          <p:cNvSpPr>
+            <a:spLocks noGrp="1"/>
+          </p:cNvSpPr>
+          <p:nvPr>
+            <p:ph type="sldNum" sz="quarter" idx="4"/>
+          </p:nvPr>
+        </p:nvSpPr>
+        <p:spPr>
+          <a:xfrm>
+            <a:off x="11318076" y="6406487"/>
+            <a:ext cx="683339" cy="365125"/>
+          </a:xfrm>
+          <a:prstGeom prst="rect">
+            <a:avLst/>
+          </a:prstGeom>
+        </p:spPr>
+        <p:txBody>
+          <a:bodyPr vert="horz" lIns="91440" tIns="45720" rIns="91440" bIns="45720" rtlCol="0" anchor="ctr"/>
+          <a:lstStyle>
+            <a:lvl1pPr algn="r">
+              <a:defRPr sz="2000">
+                <a:solidFill>
+                  <a:srgbClr val="002060"/>
+                </a:solidFill>
+              </a:defRPr>
+            </a:lvl1pPr>
+          </a:lstStyle>
+          <a:p>
+            <a:fld id="{D57F1E4F-1CFF-5643-939E-217C01CDF565}" type="slidenum">
+              <a:rPr lang="en-US" smtClean="0"/>
+              <a:pPr/>
+              <a:t>13</a:t>
+            </a:fld>
+            <a:endParaRPr lang="en-US" dirty="0"/>
+          </a:p>
+        </p:txBody>
+      </p:sp>
     </p:spTree>
     <p:extLst>
       <p:ext uri="{BB962C8B-B14F-4D97-AF65-F5344CB8AC3E}">
@@ -7325,7 +9307,7 @@
 </p:sld>
 </file>
 
-<file path=ppt/slides/slide13.xml><?xml version="1.0" encoding="utf-8"?>
+<file path=ppt/slides/slide14.xml><?xml version="1.0" encoding="utf-8"?>
 <p:sld xmlns:a="http://schemas.openxmlformats.org/drawingml/2006/main" xmlns:r="http://schemas.openxmlformats.org/officeDocument/2006/relationships" xmlns:p="http://schemas.openxmlformats.org/presentationml/2006/main">
   <p:cSld>
     <p:spTree>
@@ -7599,6 +9581,36 @@
           </a:p>
         </p:txBody>
       </p:sp>
+      <p:sp>
+        <p:nvSpPr>
+          <p:cNvPr id="6" name="Slide Number Placeholder 5">
+            <a:extLst>
+              <a:ext uri="{FF2B5EF4-FFF2-40B4-BE49-F238E27FC236}">
+                <a16:creationId xmlns:a16="http://schemas.microsoft.com/office/drawing/2014/main" id="{A705F972-01FC-4B84-BD27-C892119BCFDE}"/>
+              </a:ext>
+            </a:extLst>
+          </p:cNvPr>
+          <p:cNvSpPr>
+            <a:spLocks noGrp="1"/>
+          </p:cNvSpPr>
+          <p:nvPr>
+            <p:ph type="sldNum" sz="quarter" idx="12"/>
+          </p:nvPr>
+        </p:nvSpPr>
+        <p:spPr/>
+        <p:txBody>
+          <a:bodyPr/>
+          <a:lstStyle/>
+          <a:p>
+            <a:fld id="{D57F1E4F-1CFF-5643-939E-217C01CDF565}" type="slidenum">
+              <a:rPr lang="en-US" smtClean="0"/>
+              <a:pPr/>
+              <a:t>14</a:t>
+            </a:fld>
+            <a:endParaRPr lang="en-US" dirty="0"/>
+          </a:p>
+        </p:txBody>
+      </p:sp>
     </p:spTree>
     <p:extLst>
       <p:ext uri="{BB962C8B-B14F-4D97-AF65-F5344CB8AC3E}">
@@ -7612,7 +9624,7 @@
 </p:sld>
 </file>
 
-<file path=ppt/slides/slide14.xml><?xml version="1.0" encoding="utf-8"?>
+<file path=ppt/slides/slide15.xml><?xml version="1.0" encoding="utf-8"?>
 <p:sld xmlns:a="http://schemas.openxmlformats.org/drawingml/2006/main" xmlns:r="http://schemas.openxmlformats.org/officeDocument/2006/relationships" xmlns:p="http://schemas.openxmlformats.org/presentationml/2006/main">
   <p:cSld>
     <p:spTree>
@@ -7928,6 +9940,36 @@
           </p:txBody>
         </p:sp>
       </p:grpSp>
+      <p:sp>
+        <p:nvSpPr>
+          <p:cNvPr id="8" name="Slide Number Placeholder 7">
+            <a:extLst>
+              <a:ext uri="{FF2B5EF4-FFF2-40B4-BE49-F238E27FC236}">
+                <a16:creationId xmlns:a16="http://schemas.microsoft.com/office/drawing/2014/main" id="{DF61D421-F17A-4953-A9D1-EDD58F6180A2}"/>
+              </a:ext>
+            </a:extLst>
+          </p:cNvPr>
+          <p:cNvSpPr>
+            <a:spLocks noGrp="1"/>
+          </p:cNvSpPr>
+          <p:nvPr>
+            <p:ph type="sldNum" sz="quarter" idx="12"/>
+          </p:nvPr>
+        </p:nvSpPr>
+        <p:spPr/>
+        <p:txBody>
+          <a:bodyPr/>
+          <a:lstStyle/>
+          <a:p>
+            <a:fld id="{D57F1E4F-1CFF-5643-939E-217C01CDF565}" type="slidenum">
+              <a:rPr lang="en-US" smtClean="0"/>
+              <a:pPr/>
+              <a:t>15</a:t>
+            </a:fld>
+            <a:endParaRPr lang="en-US" dirty="0"/>
+          </a:p>
+        </p:txBody>
+      </p:sp>
     </p:spTree>
     <p:extLst>
       <p:ext uri="{BB962C8B-B14F-4D97-AF65-F5344CB8AC3E}">
@@ -8070,7 +10112,7 @@
 </p:sld>
 </file>
 
-<file path=ppt/slides/slide15.xml><?xml version="1.0" encoding="utf-8"?>
+<file path=ppt/slides/slide16.xml><?xml version="1.0" encoding="utf-8"?>
 <p:sld xmlns:a="http://schemas.openxmlformats.org/drawingml/2006/main" xmlns:r="http://schemas.openxmlformats.org/officeDocument/2006/relationships" xmlns:p="http://schemas.openxmlformats.org/presentationml/2006/main">
   <p:cSld>
     <p:spTree>
@@ -8505,6 +10547,36 @@
               </a:rPr>
               <a:t>Evaluated Elapsed CPU time and accuracy trade-off from 1 to 50 principle components</a:t>
             </a:r>
+          </a:p>
+        </p:txBody>
+      </p:sp>
+      <p:sp>
+        <p:nvSpPr>
+          <p:cNvPr id="4" name="Slide Number Placeholder 3">
+            <a:extLst>
+              <a:ext uri="{FF2B5EF4-FFF2-40B4-BE49-F238E27FC236}">
+                <a16:creationId xmlns:a16="http://schemas.microsoft.com/office/drawing/2014/main" id="{A25E451D-EFF0-4C7E-9194-591559E11F4F}"/>
+              </a:ext>
+            </a:extLst>
+          </p:cNvPr>
+          <p:cNvSpPr>
+            <a:spLocks noGrp="1"/>
+          </p:cNvSpPr>
+          <p:nvPr>
+            <p:ph type="sldNum" sz="quarter" idx="12"/>
+          </p:nvPr>
+        </p:nvSpPr>
+        <p:spPr/>
+        <p:txBody>
+          <a:bodyPr/>
+          <a:lstStyle/>
+          <a:p>
+            <a:fld id="{D57F1E4F-1CFF-5643-939E-217C01CDF565}" type="slidenum">
+              <a:rPr lang="en-US" smtClean="0"/>
+              <a:pPr/>
+              <a:t>16</a:t>
+            </a:fld>
+            <a:endParaRPr lang="en-US" dirty="0"/>
           </a:p>
         </p:txBody>
       </p:sp>
@@ -9392,7 +11464,7 @@
           <p:nvPr/>
         </p:nvPicPr>
         <p:blipFill>
-          <a:blip r:embed="rId2"/>
+          <a:blip r:embed="rId3"/>
           <a:stretch>
             <a:fillRect/>
           </a:stretch>
@@ -9407,6 +11479,36 @@
           </a:prstGeom>
         </p:spPr>
       </p:pic>
+      <p:sp>
+        <p:nvSpPr>
+          <p:cNvPr id="4" name="Slide Number Placeholder 3">
+            <a:extLst>
+              <a:ext uri="{FF2B5EF4-FFF2-40B4-BE49-F238E27FC236}">
+                <a16:creationId xmlns:a16="http://schemas.microsoft.com/office/drawing/2014/main" id="{8C0E9D76-D46F-47B4-A6C4-A6431BE6D82D}"/>
+              </a:ext>
+            </a:extLst>
+          </p:cNvPr>
+          <p:cNvSpPr>
+            <a:spLocks noGrp="1"/>
+          </p:cNvSpPr>
+          <p:nvPr>
+            <p:ph type="sldNum" sz="quarter" idx="12"/>
+          </p:nvPr>
+        </p:nvSpPr>
+        <p:spPr/>
+        <p:txBody>
+          <a:bodyPr/>
+          <a:lstStyle/>
+          <a:p>
+            <a:fld id="{D57F1E4F-1CFF-5643-939E-217C01CDF565}" type="slidenum">
+              <a:rPr lang="en-US" smtClean="0"/>
+              <a:pPr/>
+              <a:t>2</a:t>
+            </a:fld>
+            <a:endParaRPr lang="en-US" dirty="0"/>
+          </a:p>
+        </p:txBody>
+      </p:sp>
     </p:spTree>
     <p:extLst>
       <p:ext uri="{BB962C8B-B14F-4D97-AF65-F5344CB8AC3E}">
@@ -10066,85 +12168,6 @@
       </p:sp>
       <p:sp>
         <p:nvSpPr>
-          <p:cNvPr id="13" name="Rectangle 12">
-            <a:extLst>
-              <a:ext uri="{FF2B5EF4-FFF2-40B4-BE49-F238E27FC236}">
-                <a16:creationId xmlns:a16="http://schemas.microsoft.com/office/drawing/2014/main" id="{5B60D3BE-7386-4020-9540-3FA876CB1FD8}"/>
-              </a:ext>
-            </a:extLst>
-          </p:cNvPr>
-          <p:cNvSpPr/>
-          <p:nvPr/>
-        </p:nvSpPr>
-        <p:spPr>
-          <a:xfrm>
-            <a:off x="4245734" y="1193532"/>
-            <a:ext cx="4593466" cy="4452135"/>
-          </a:xfrm>
-          <a:prstGeom prst="rect">
-            <a:avLst/>
-          </a:prstGeom>
-          <a:noFill/>
-          <a:ln w="76200">
-            <a:solidFill>
-              <a:srgbClr val="7030A0"/>
-            </a:solidFill>
-          </a:ln>
-        </p:spPr>
-        <p:style>
-          <a:lnRef idx="2">
-            <a:schemeClr val="accent1">
-              <a:shade val="50000"/>
-            </a:schemeClr>
-          </a:lnRef>
-          <a:fillRef idx="1">
-            <a:schemeClr val="accent1"/>
-          </a:fillRef>
-          <a:effectRef idx="0">
-            <a:schemeClr val="accent1"/>
-          </a:effectRef>
-          <a:fontRef idx="minor">
-            <a:schemeClr val="lt1"/>
-          </a:fontRef>
-        </p:style>
-        <p:txBody>
-          <a:bodyPr rtlCol="0" anchor="ctr"/>
-          <a:lstStyle/>
-          <a:p>
-            <a:pPr marL="0" marR="0" lvl="0" indent="0" algn="ctr" defTabSz="457200" rtl="0" eaLnBrk="1" fontAlgn="auto" latinLnBrk="0" hangingPunct="1">
-              <a:lnSpc>
-                <a:spcPct val="100000"/>
-              </a:lnSpc>
-              <a:spcBef>
-                <a:spcPts val="0"/>
-              </a:spcBef>
-              <a:spcAft>
-                <a:spcPts val="0"/>
-              </a:spcAft>
-              <a:buClrTx/>
-              <a:buSzTx/>
-              <a:buFontTx/>
-              <a:buNone/>
-              <a:tabLst/>
-              <a:defRPr/>
-            </a:pPr>
-            <a:endParaRPr kumimoji="0" lang="en-US" sz="1800" b="0" i="0" u="none" strike="noStrike" kern="1200" cap="none" spc="0" normalizeH="0" baseline="0" noProof="0" dirty="0">
-              <a:ln>
-                <a:noFill/>
-              </a:ln>
-              <a:solidFill>
-                <a:schemeClr val="tx1"/>
-              </a:solidFill>
-              <a:effectLst/>
-              <a:uLnTx/>
-              <a:uFillTx/>
-              <a:latin typeface="Trebuchet MS" panose="020B0603020202020204"/>
-            </a:endParaRPr>
-          </a:p>
-        </p:txBody>
-      </p:sp>
-      <p:sp>
-        <p:nvSpPr>
           <p:cNvPr id="16" name="TextBox 15">
             <a:extLst>
               <a:ext uri="{FF2B5EF4-FFF2-40B4-BE49-F238E27FC236}">
@@ -10157,8 +12180,8 @@
         </p:nvSpPr>
         <p:spPr>
           <a:xfrm>
-            <a:off x="3937586" y="5680331"/>
-            <a:ext cx="5351017" cy="523220"/>
+            <a:off x="3623038" y="5680331"/>
+            <a:ext cx="6016262" cy="523220"/>
           </a:xfrm>
           <a:prstGeom prst="rect">
             <a:avLst/>
@@ -10203,7 +12226,7 @@
                 <a:ea typeface="+mn-ea"/>
                 <a:cs typeface="+mn-cs"/>
               </a:rPr>
-              <a:t>One VS Rest Multiclass Classifier</a:t>
+              <a:t>One VS Rest Multiclass Classification</a:t>
             </a:r>
           </a:p>
         </p:txBody>
@@ -10907,7 +12930,7 @@
                   <a:avLst/>
                 </a:prstGeom>
                 <a:blipFill>
-                  <a:blip r:embed="rId2"/>
+                  <a:blip r:embed="rId3"/>
                   <a:stretch>
                     <a:fillRect/>
                   </a:stretch>
@@ -10929,439 +12952,6 @@
           </mc:Fallback>
         </mc:AlternateContent>
       </p:grpSp>
-      <p:grpSp>
-        <p:nvGrpSpPr>
-          <p:cNvPr id="12" name="Group 11">
-            <a:extLst>
-              <a:ext uri="{FF2B5EF4-FFF2-40B4-BE49-F238E27FC236}">
-                <a16:creationId xmlns:a16="http://schemas.microsoft.com/office/drawing/2014/main" id="{DCEACDF1-4DC1-41FC-912C-E4F1455931CD}"/>
-              </a:ext>
-            </a:extLst>
-          </p:cNvPr>
-          <p:cNvGrpSpPr/>
-          <p:nvPr/>
-        </p:nvGrpSpPr>
-        <p:grpSpPr>
-          <a:xfrm>
-            <a:off x="4699000" y="2894005"/>
-            <a:ext cx="3677385" cy="914399"/>
-            <a:chOff x="4699000" y="2937134"/>
-            <a:chExt cx="3677385" cy="914399"/>
-          </a:xfrm>
-        </p:grpSpPr>
-        <p:sp>
-          <p:nvSpPr>
-            <p:cNvPr id="9" name="Rectangle 8">
-              <a:extLst>
-                <a:ext uri="{FF2B5EF4-FFF2-40B4-BE49-F238E27FC236}">
-                  <a16:creationId xmlns:a16="http://schemas.microsoft.com/office/drawing/2014/main" id="{FB42EF04-A437-49B1-92F3-40520BFE817F}"/>
-                </a:ext>
-              </a:extLst>
-            </p:cNvPr>
-            <p:cNvSpPr/>
-            <p:nvPr/>
-          </p:nvSpPr>
-          <p:spPr>
-            <a:xfrm>
-              <a:off x="6438900" y="2937134"/>
-              <a:ext cx="1937485" cy="914399"/>
-            </a:xfrm>
-            <a:prstGeom prst="rect">
-              <a:avLst/>
-            </a:prstGeom>
-            <a:ln w="57150">
-              <a:solidFill>
-                <a:srgbClr val="7030A0"/>
-              </a:solidFill>
-            </a:ln>
-          </p:spPr>
-          <p:style>
-            <a:lnRef idx="2">
-              <a:schemeClr val="accent1">
-                <a:shade val="50000"/>
-              </a:schemeClr>
-            </a:lnRef>
-            <a:fillRef idx="1">
-              <a:schemeClr val="accent1"/>
-            </a:fillRef>
-            <a:effectRef idx="0">
-              <a:schemeClr val="accent1"/>
-            </a:effectRef>
-            <a:fontRef idx="minor">
-              <a:schemeClr val="lt1"/>
-            </a:fontRef>
-          </p:style>
-          <p:txBody>
-            <a:bodyPr rot="0" spcFirstLastPara="0" vertOverflow="overflow" horzOverflow="overflow" vert="horz" wrap="square" lIns="91440" tIns="45720" rIns="91440" bIns="45720" numCol="1" spcCol="0" rtlCol="0" fromWordArt="0" anchor="ctr" anchorCtr="0" forceAA="0" compatLnSpc="1">
-              <a:prstTxWarp prst="textNoShape">
-                <a:avLst/>
-              </a:prstTxWarp>
-              <a:noAutofit/>
-            </a:bodyPr>
-            <a:lstStyle/>
-            <a:p>
-              <a:pPr marL="0" marR="0" lvl="0" indent="0" algn="ctr" defTabSz="457200" rtl="0" eaLnBrk="1" fontAlgn="auto" latinLnBrk="0" hangingPunct="1">
-                <a:lnSpc>
-                  <a:spcPct val="100000"/>
-                </a:lnSpc>
-                <a:spcBef>
-                  <a:spcPts val="0"/>
-                </a:spcBef>
-                <a:spcAft>
-                  <a:spcPts val="0"/>
-                </a:spcAft>
-                <a:buClrTx/>
-                <a:buSzTx/>
-                <a:buFontTx/>
-                <a:buNone/>
-                <a:tabLst/>
-                <a:defRPr/>
-              </a:pPr>
-              <a:r>
-                <a:rPr kumimoji="0" lang="en-US" sz="1800" b="0" i="0" u="none" strike="noStrike" kern="1200" cap="none" spc="0" normalizeH="0" baseline="0" noProof="0" dirty="0">
-                  <a:ln>
-                    <a:noFill/>
-                  </a:ln>
-                  <a:solidFill>
-                    <a:srgbClr val="002060"/>
-                  </a:solidFill>
-                  <a:effectLst/>
-                  <a:uLnTx/>
-                  <a:uFillTx/>
-                  <a:latin typeface="Trebuchet MS" panose="020B0603020202020204"/>
-                  <a:ea typeface="+mn-ea"/>
-                  <a:cs typeface="+mn-cs"/>
-                </a:rPr>
-                <a:t>Linear Classifier</a:t>
-              </a:r>
-            </a:p>
-          </p:txBody>
-        </p:sp>
-        <p:sp>
-          <p:nvSpPr>
-            <p:cNvPr id="46" name="Rectangle 45">
-              <a:extLst>
-                <a:ext uri="{FF2B5EF4-FFF2-40B4-BE49-F238E27FC236}">
-                  <a16:creationId xmlns:a16="http://schemas.microsoft.com/office/drawing/2014/main" id="{9E39DF92-E3B0-4C79-9BE0-2C566D4558EA}"/>
-                </a:ext>
-              </a:extLst>
-            </p:cNvPr>
-            <p:cNvSpPr/>
-            <p:nvPr/>
-          </p:nvSpPr>
-          <p:spPr>
-            <a:xfrm>
-              <a:off x="4699000" y="2937134"/>
-              <a:ext cx="1714500" cy="914399"/>
-            </a:xfrm>
-            <a:prstGeom prst="rect">
-              <a:avLst/>
-            </a:prstGeom>
-            <a:ln w="57150">
-              <a:solidFill>
-                <a:srgbClr val="7030A0"/>
-              </a:solidFill>
-            </a:ln>
-          </p:spPr>
-          <p:style>
-            <a:lnRef idx="2">
-              <a:schemeClr val="accent1">
-                <a:shade val="50000"/>
-              </a:schemeClr>
-            </a:lnRef>
-            <a:fillRef idx="1">
-              <a:schemeClr val="accent1"/>
-            </a:fillRef>
-            <a:effectRef idx="0">
-              <a:schemeClr val="accent1"/>
-            </a:effectRef>
-            <a:fontRef idx="minor">
-              <a:schemeClr val="lt1"/>
-            </a:fontRef>
-          </p:style>
-          <p:txBody>
-            <a:bodyPr rot="0" spcFirstLastPara="0" vertOverflow="overflow" horzOverflow="overflow" vert="horz" wrap="square" lIns="91440" tIns="45720" rIns="91440" bIns="45720" numCol="1" spcCol="0" rtlCol="0" fromWordArt="0" anchor="ctr" anchorCtr="0" forceAA="0" compatLnSpc="1">
-              <a:prstTxWarp prst="textNoShape">
-                <a:avLst/>
-              </a:prstTxWarp>
-              <a:noAutofit/>
-            </a:bodyPr>
-            <a:lstStyle/>
-            <a:p>
-              <a:pPr marL="0" marR="0" lvl="0" indent="0" algn="ctr" defTabSz="457200" rtl="0" eaLnBrk="1" fontAlgn="auto" latinLnBrk="0" hangingPunct="1">
-                <a:lnSpc>
-                  <a:spcPct val="100000"/>
-                </a:lnSpc>
-                <a:spcBef>
-                  <a:spcPts val="0"/>
-                </a:spcBef>
-                <a:spcAft>
-                  <a:spcPts val="0"/>
-                </a:spcAft>
-                <a:buClrTx/>
-                <a:buSzTx/>
-                <a:buFontTx/>
-                <a:buNone/>
-                <a:tabLst/>
-                <a:defRPr/>
-              </a:pPr>
-              <a:r>
-                <a:rPr kumimoji="0" lang="en-US" sz="1800" b="0" i="0" u="none" strike="noStrike" kern="1200" cap="none" spc="0" normalizeH="0" baseline="0" noProof="0" dirty="0">
-                  <a:ln>
-                    <a:noFill/>
-                  </a:ln>
-                  <a:solidFill>
-                    <a:srgbClr val="002060"/>
-                  </a:solidFill>
-                  <a:effectLst/>
-                  <a:uLnTx/>
-                  <a:uFillTx/>
-                  <a:latin typeface="Trebuchet MS" panose="020B0603020202020204"/>
-                  <a:ea typeface="+mn-ea"/>
-                  <a:cs typeface="+mn-cs"/>
-                </a:rPr>
-                <a:t>Augment by 1</a:t>
-              </a:r>
-            </a:p>
-          </p:txBody>
-        </p:sp>
-      </p:grpSp>
-      <p:grpSp>
-        <p:nvGrpSpPr>
-          <p:cNvPr id="14" name="Group 13">
-            <a:extLst>
-              <a:ext uri="{FF2B5EF4-FFF2-40B4-BE49-F238E27FC236}">
-                <a16:creationId xmlns:a16="http://schemas.microsoft.com/office/drawing/2014/main" id="{A7F18DE9-1FA9-4BFC-93BC-E2BD43635DBC}"/>
-              </a:ext>
-            </a:extLst>
-          </p:cNvPr>
-          <p:cNvGrpSpPr/>
-          <p:nvPr/>
-        </p:nvGrpSpPr>
-        <p:grpSpPr>
-          <a:xfrm>
-            <a:off x="4704615" y="4274068"/>
-            <a:ext cx="3677385" cy="914399"/>
-            <a:chOff x="4704615" y="4274068"/>
-            <a:chExt cx="3677385" cy="914399"/>
-          </a:xfrm>
-        </p:grpSpPr>
-        <p:sp>
-          <p:nvSpPr>
-            <p:cNvPr id="47" name="Rectangle 46">
-              <a:extLst>
-                <a:ext uri="{FF2B5EF4-FFF2-40B4-BE49-F238E27FC236}">
-                  <a16:creationId xmlns:a16="http://schemas.microsoft.com/office/drawing/2014/main" id="{E33E5640-3ED1-4A60-A2C1-88A47377BA0C}"/>
-                </a:ext>
-              </a:extLst>
-            </p:cNvPr>
-            <p:cNvSpPr/>
-            <p:nvPr/>
-          </p:nvSpPr>
-          <p:spPr>
-            <a:xfrm>
-              <a:off x="6444515" y="4274068"/>
-              <a:ext cx="1937485" cy="914399"/>
-            </a:xfrm>
-            <a:prstGeom prst="rect">
-              <a:avLst/>
-            </a:prstGeom>
-            <a:ln w="57150">
-              <a:solidFill>
-                <a:srgbClr val="7030A0"/>
-              </a:solidFill>
-            </a:ln>
-          </p:spPr>
-          <p:style>
-            <a:lnRef idx="2">
-              <a:schemeClr val="accent1">
-                <a:shade val="50000"/>
-              </a:schemeClr>
-            </a:lnRef>
-            <a:fillRef idx="1">
-              <a:schemeClr val="accent1"/>
-            </a:fillRef>
-            <a:effectRef idx="0">
-              <a:schemeClr val="accent1"/>
-            </a:effectRef>
-            <a:fontRef idx="minor">
-              <a:schemeClr val="lt1"/>
-            </a:fontRef>
-          </p:style>
-          <p:txBody>
-            <a:bodyPr rot="0" spcFirstLastPara="0" vertOverflow="overflow" horzOverflow="overflow" vert="horz" wrap="square" lIns="91440" tIns="45720" rIns="91440" bIns="45720" numCol="1" spcCol="0" rtlCol="0" fromWordArt="0" anchor="ctr" anchorCtr="0" forceAA="0" compatLnSpc="1">
-              <a:prstTxWarp prst="textNoShape">
-                <a:avLst/>
-              </a:prstTxWarp>
-              <a:noAutofit/>
-            </a:bodyPr>
-            <a:lstStyle/>
-            <a:p>
-              <a:pPr marL="0" marR="0" lvl="0" indent="0" algn="ctr" defTabSz="457200" rtl="0" eaLnBrk="1" fontAlgn="auto" latinLnBrk="0" hangingPunct="1">
-                <a:lnSpc>
-                  <a:spcPct val="100000"/>
-                </a:lnSpc>
-                <a:spcBef>
-                  <a:spcPts val="0"/>
-                </a:spcBef>
-                <a:spcAft>
-                  <a:spcPts val="0"/>
-                </a:spcAft>
-                <a:buClrTx/>
-                <a:buSzTx/>
-                <a:buFontTx/>
-                <a:buNone/>
-                <a:tabLst/>
-                <a:defRPr/>
-              </a:pPr>
-              <a:r>
-                <a:rPr kumimoji="0" lang="en-US" sz="1800" b="0" i="0" u="none" strike="noStrike" kern="1200" cap="none" spc="0" normalizeH="0" baseline="0" noProof="0" dirty="0">
-                  <a:ln>
-                    <a:noFill/>
-                  </a:ln>
-                  <a:solidFill>
-                    <a:srgbClr val="002060"/>
-                  </a:solidFill>
-                  <a:effectLst/>
-                  <a:uLnTx/>
-                  <a:uFillTx/>
-                  <a:latin typeface="Trebuchet MS" panose="020B0603020202020204"/>
-                  <a:ea typeface="+mn-ea"/>
-                  <a:cs typeface="+mn-cs"/>
-                </a:rPr>
-                <a:t>Linear Classifier</a:t>
-              </a:r>
-            </a:p>
-          </p:txBody>
-        </p:sp>
-        <p:sp>
-          <p:nvSpPr>
-            <p:cNvPr id="48" name="Rectangle 47">
-              <a:extLst>
-                <a:ext uri="{FF2B5EF4-FFF2-40B4-BE49-F238E27FC236}">
-                  <a16:creationId xmlns:a16="http://schemas.microsoft.com/office/drawing/2014/main" id="{443CF2E7-3344-4452-99A5-CAC1F527AF55}"/>
-                </a:ext>
-              </a:extLst>
-            </p:cNvPr>
-            <p:cNvSpPr/>
-            <p:nvPr/>
-          </p:nvSpPr>
-          <p:spPr>
-            <a:xfrm>
-              <a:off x="4704615" y="4274068"/>
-              <a:ext cx="1714500" cy="914399"/>
-            </a:xfrm>
-            <a:prstGeom prst="rect">
-              <a:avLst/>
-            </a:prstGeom>
-            <a:solidFill>
-              <a:srgbClr val="FFC000"/>
-            </a:solidFill>
-            <a:ln w="57150">
-              <a:solidFill>
-                <a:srgbClr val="7030A0"/>
-              </a:solidFill>
-            </a:ln>
-          </p:spPr>
-          <p:style>
-            <a:lnRef idx="2">
-              <a:schemeClr val="accent1">
-                <a:shade val="50000"/>
-              </a:schemeClr>
-            </a:lnRef>
-            <a:fillRef idx="1">
-              <a:schemeClr val="accent1"/>
-            </a:fillRef>
-            <a:effectRef idx="0">
-              <a:schemeClr val="accent1"/>
-            </a:effectRef>
-            <a:fontRef idx="minor">
-              <a:schemeClr val="lt1"/>
-            </a:fontRef>
-          </p:style>
-          <p:txBody>
-            <a:bodyPr rot="0" spcFirstLastPara="0" vertOverflow="overflow" horzOverflow="overflow" vert="horz" wrap="square" lIns="91440" tIns="45720" rIns="91440" bIns="45720" numCol="1" spcCol="0" rtlCol="0" fromWordArt="0" anchor="ctr" anchorCtr="0" forceAA="0" compatLnSpc="1">
-              <a:prstTxWarp prst="textNoShape">
-                <a:avLst/>
-              </a:prstTxWarp>
-              <a:noAutofit/>
-            </a:bodyPr>
-            <a:lstStyle/>
-            <a:p>
-              <a:pPr marL="0" marR="0" lvl="0" indent="0" algn="ctr" defTabSz="457200" rtl="0" eaLnBrk="1" fontAlgn="auto" latinLnBrk="0" hangingPunct="1">
-                <a:lnSpc>
-                  <a:spcPct val="100000"/>
-                </a:lnSpc>
-                <a:spcBef>
-                  <a:spcPts val="0"/>
-                </a:spcBef>
-                <a:spcAft>
-                  <a:spcPts val="0"/>
-                </a:spcAft>
-                <a:buClrTx/>
-                <a:buSzTx/>
-                <a:buFontTx/>
-                <a:buNone/>
-                <a:tabLst/>
-                <a:defRPr/>
-              </a:pPr>
-              <a:r>
-                <a:rPr kumimoji="0" lang="en-US" sz="1800" b="0" i="0" u="none" strike="noStrike" kern="1200" cap="none" spc="0" normalizeH="0" baseline="0" noProof="0" dirty="0">
-                  <a:ln>
-                    <a:noFill/>
-                  </a:ln>
-                  <a:solidFill>
-                    <a:srgbClr val="002060"/>
-                  </a:solidFill>
-                  <a:effectLst/>
-                  <a:uLnTx/>
-                  <a:uFillTx/>
-                  <a:latin typeface="Trebuchet MS" panose="020B0603020202020204"/>
-                  <a:ea typeface="+mn-ea"/>
-                  <a:cs typeface="+mn-cs"/>
-                </a:rPr>
-                <a:t>Augment by</a:t>
-              </a:r>
-            </a:p>
-            <a:p>
-              <a:pPr marL="0" marR="0" lvl="0" indent="0" algn="ctr" defTabSz="457200" rtl="0" eaLnBrk="1" fontAlgn="auto" latinLnBrk="0" hangingPunct="1">
-                <a:lnSpc>
-                  <a:spcPct val="100000"/>
-                </a:lnSpc>
-                <a:spcBef>
-                  <a:spcPts val="0"/>
-                </a:spcBef>
-                <a:spcAft>
-                  <a:spcPts val="0"/>
-                </a:spcAft>
-                <a:buClrTx/>
-                <a:buSzTx/>
-                <a:buFontTx/>
-                <a:buNone/>
-                <a:tabLst/>
-                <a:defRPr/>
-              </a:pPr>
-              <a:r>
-                <a:rPr kumimoji="0" lang="en-US" sz="1800" b="0" i="0" u="none" strike="noStrike" kern="1200" cap="none" spc="0" normalizeH="0" baseline="0" noProof="0" dirty="0">
-                  <a:ln>
-                    <a:noFill/>
-                  </a:ln>
-                  <a:solidFill>
-                    <a:srgbClr val="002060"/>
-                  </a:solidFill>
-                  <a:effectLst/>
-                  <a:uLnTx/>
-                  <a:uFillTx/>
-                  <a:latin typeface="Trebuchet MS" panose="020B0603020202020204"/>
-                  <a:ea typeface="+mn-ea"/>
-                  <a:cs typeface="+mn-cs"/>
-                </a:rPr>
-                <a:t>non-linear combinations</a:t>
-              </a:r>
-            </a:p>
-          </p:txBody>
-        </p:sp>
-      </p:grpSp>
       <p:sp>
         <p:nvSpPr>
           <p:cNvPr id="50" name="TextBox 49">
@@ -11376,8 +12966,8 @@
         </p:nvSpPr>
         <p:spPr>
           <a:xfrm>
-            <a:off x="3990139" y="6220480"/>
-            <a:ext cx="5306261" cy="523220"/>
+            <a:off x="3667793" y="6220480"/>
+            <a:ext cx="5971507" cy="523220"/>
           </a:xfrm>
           <a:prstGeom prst="rect">
             <a:avLst/>
@@ -11422,7 +13012,7 @@
                 <a:ea typeface="+mn-ea"/>
                 <a:cs typeface="+mn-cs"/>
               </a:rPr>
-              <a:t>One VS One Multiclass Classifier</a:t>
+              <a:t>One VS One Multiclass Classification</a:t>
             </a:r>
           </a:p>
         </p:txBody>
@@ -11600,7 +13190,7 @@
                   <a:avLst/>
                 </a:prstGeom>
                 <a:blipFill>
-                  <a:blip r:embed="rId3"/>
+                  <a:blip r:embed="rId4"/>
                   <a:stretch>
                     <a:fillRect r="-17757"/>
                   </a:stretch>
@@ -11833,7 +13423,7 @@
                   <a:avLst/>
                 </a:prstGeom>
                 <a:blipFill>
-                  <a:blip r:embed="rId4"/>
+                  <a:blip r:embed="rId5"/>
                   <a:stretch>
                     <a:fillRect/>
                   </a:stretch>
@@ -12019,7 +13609,7 @@
                   <a:avLst/>
                 </a:prstGeom>
                 <a:blipFill>
-                  <a:blip r:embed="rId5"/>
+                  <a:blip r:embed="rId6"/>
                   <a:stretch>
                     <a:fillRect/>
                   </a:stretch>
@@ -12121,17 +13711,865 @@
                   <a:srgbClr val="002060"/>
                 </a:solidFill>
               </a:rPr>
-              <a:t>Objective: Accuracy vs CPU Time vs Number of PC</a:t>
+              <a:t>Method: Accuracy vs CPU Time vs Number of PC</a:t>
             </a:r>
           </a:p>
         </p:txBody>
       </p:sp>
       <p:sp>
         <p:nvSpPr>
-          <p:cNvPr id="26" name="TextBox 25">
+          <p:cNvPr id="6" name="Slide Number Placeholder 5">
             <a:extLst>
               <a:ext uri="{FF2B5EF4-FFF2-40B4-BE49-F238E27FC236}">
-                <a16:creationId xmlns:a16="http://schemas.microsoft.com/office/drawing/2014/main" id="{194E6F51-B414-44B5-96BA-A80FC0864F4F}"/>
+                <a16:creationId xmlns:a16="http://schemas.microsoft.com/office/drawing/2014/main" id="{B09A1548-527A-433B-9B4A-E8989CFB6B15}"/>
+              </a:ext>
+            </a:extLst>
+          </p:cNvPr>
+          <p:cNvSpPr>
+            <a:spLocks noGrp="1"/>
+          </p:cNvSpPr>
+          <p:nvPr>
+            <p:ph type="sldNum" sz="quarter" idx="12"/>
+          </p:nvPr>
+        </p:nvSpPr>
+        <p:spPr/>
+        <p:txBody>
+          <a:bodyPr/>
+          <a:lstStyle/>
+          <a:p>
+            <a:fld id="{D57F1E4F-1CFF-5643-939E-217C01CDF565}" type="slidenum">
+              <a:rPr lang="en-US" smtClean="0"/>
+              <a:pPr/>
+              <a:t>3</a:t>
+            </a:fld>
+            <a:endParaRPr lang="en-US" dirty="0"/>
+          </a:p>
+        </p:txBody>
+      </p:sp>
+      <p:grpSp>
+        <p:nvGrpSpPr>
+          <p:cNvPr id="8" name="Group 7">
+            <a:extLst>
+              <a:ext uri="{FF2B5EF4-FFF2-40B4-BE49-F238E27FC236}">
+                <a16:creationId xmlns:a16="http://schemas.microsoft.com/office/drawing/2014/main" id="{EABDCBF1-6629-4261-8977-A400FB700610}"/>
+              </a:ext>
+            </a:extLst>
+          </p:cNvPr>
+          <p:cNvGrpSpPr/>
+          <p:nvPr/>
+        </p:nvGrpSpPr>
+        <p:grpSpPr>
+          <a:xfrm>
+            <a:off x="4781550" y="2988725"/>
+            <a:ext cx="3592618" cy="914401"/>
+            <a:chOff x="4781550" y="2988725"/>
+            <a:chExt cx="3592618" cy="914401"/>
+          </a:xfrm>
+        </p:grpSpPr>
+        <p:sp>
+          <p:nvSpPr>
+            <p:cNvPr id="26" name="TextBox 25">
+              <a:extLst>
+                <a:ext uri="{FF2B5EF4-FFF2-40B4-BE49-F238E27FC236}">
+                  <a16:creationId xmlns:a16="http://schemas.microsoft.com/office/drawing/2014/main" id="{194E6F51-B414-44B5-96BA-A80FC0864F4F}"/>
+                </a:ext>
+              </a:extLst>
+            </p:cNvPr>
+            <p:cNvSpPr txBox="1"/>
+            <p:nvPr/>
+          </p:nvSpPr>
+          <p:spPr>
+            <a:xfrm>
+              <a:off x="5170215" y="3008972"/>
+              <a:ext cx="2497800" cy="769441"/>
+            </a:xfrm>
+            <a:prstGeom prst="rect">
+              <a:avLst/>
+            </a:prstGeom>
+            <a:noFill/>
+          </p:spPr>
+          <p:txBody>
+            <a:bodyPr wrap="none" rtlCol="0">
+              <a:spAutoFit/>
+            </a:bodyPr>
+            <a:lstStyle/>
+            <a:p>
+              <a:r>
+                <a:rPr lang="en-US" sz="4400" dirty="0">
+                  <a:solidFill>
+                    <a:srgbClr val="002060"/>
+                  </a:solidFill>
+                </a:rPr>
+                <a:t>Classifier</a:t>
+              </a:r>
+              <a:endParaRPr lang="en-US" dirty="0">
+                <a:solidFill>
+                  <a:srgbClr val="002060"/>
+                </a:solidFill>
+              </a:endParaRPr>
+            </a:p>
+          </p:txBody>
+        </p:sp>
+        <p:grpSp>
+          <p:nvGrpSpPr>
+            <p:cNvPr id="40" name="Group 39">
+              <a:extLst>
+                <a:ext uri="{FF2B5EF4-FFF2-40B4-BE49-F238E27FC236}">
+                  <a16:creationId xmlns:a16="http://schemas.microsoft.com/office/drawing/2014/main" id="{70AE469F-6C2F-4084-858C-6FA02B66A2F3}"/>
+                </a:ext>
+              </a:extLst>
+            </p:cNvPr>
+            <p:cNvGrpSpPr/>
+            <p:nvPr/>
+          </p:nvGrpSpPr>
+          <p:grpSpPr>
+            <a:xfrm>
+              <a:off x="4781550" y="2988725"/>
+              <a:ext cx="3592618" cy="914401"/>
+              <a:chOff x="4783767" y="4343400"/>
+              <a:chExt cx="3592618" cy="914401"/>
+            </a:xfrm>
+          </p:grpSpPr>
+          <p:sp>
+            <p:nvSpPr>
+              <p:cNvPr id="44" name="Rectangle 43">
+                <a:extLst>
+                  <a:ext uri="{FF2B5EF4-FFF2-40B4-BE49-F238E27FC236}">
+                    <a16:creationId xmlns:a16="http://schemas.microsoft.com/office/drawing/2014/main" id="{558891A4-A660-4D63-887E-457B959EA9B6}"/>
+                  </a:ext>
+                </a:extLst>
+              </p:cNvPr>
+              <p:cNvSpPr/>
+              <p:nvPr/>
+            </p:nvSpPr>
+            <p:spPr>
+              <a:xfrm>
+                <a:off x="4783767" y="4343400"/>
+                <a:ext cx="3592618" cy="914401"/>
+              </a:xfrm>
+              <a:prstGeom prst="rect">
+                <a:avLst/>
+              </a:prstGeom>
+              <a:ln w="57150">
+                <a:solidFill>
+                  <a:srgbClr val="7030A0"/>
+                </a:solidFill>
+              </a:ln>
+            </p:spPr>
+            <p:style>
+              <a:lnRef idx="2">
+                <a:schemeClr val="accent1">
+                  <a:shade val="50000"/>
+                </a:schemeClr>
+              </a:lnRef>
+              <a:fillRef idx="1">
+                <a:schemeClr val="accent1"/>
+              </a:fillRef>
+              <a:effectRef idx="0">
+                <a:schemeClr val="accent1"/>
+              </a:effectRef>
+              <a:fontRef idx="minor">
+                <a:schemeClr val="lt1"/>
+              </a:fontRef>
+            </p:style>
+            <p:txBody>
+              <a:bodyPr rtlCol="0" anchor="ctr"/>
+              <a:lstStyle/>
+              <a:p>
+                <a:pPr marL="0" marR="0" lvl="0" indent="0" algn="ctr" defTabSz="457200" rtl="0" eaLnBrk="1" fontAlgn="auto" latinLnBrk="0" hangingPunct="1">
+                  <a:lnSpc>
+                    <a:spcPct val="100000"/>
+                  </a:lnSpc>
+                  <a:spcBef>
+                    <a:spcPts val="0"/>
+                  </a:spcBef>
+                  <a:spcAft>
+                    <a:spcPts val="0"/>
+                  </a:spcAft>
+                  <a:buClrTx/>
+                  <a:buSzTx/>
+                  <a:buFontTx/>
+                  <a:buNone/>
+                  <a:tabLst/>
+                  <a:defRPr/>
+                </a:pPr>
+                <a:endParaRPr kumimoji="0" lang="en-US" sz="1800" b="0" i="0" u="none" strike="noStrike" kern="1200" cap="none" spc="0" normalizeH="0" baseline="0" noProof="0" dirty="0">
+                  <a:ln>
+                    <a:noFill/>
+                  </a:ln>
+                  <a:solidFill>
+                    <a:srgbClr val="002060"/>
+                  </a:solidFill>
+                  <a:effectLst/>
+                  <a:uLnTx/>
+                  <a:uFillTx/>
+                  <a:latin typeface="Trebuchet MS" panose="020B0603020202020204"/>
+                  <a:ea typeface="+mn-ea"/>
+                  <a:cs typeface="+mn-cs"/>
+                </a:endParaRPr>
+              </a:p>
+            </p:txBody>
+          </p:sp>
+          <p:grpSp>
+            <p:nvGrpSpPr>
+              <p:cNvPr id="45" name="Group 44">
+                <a:extLst>
+                  <a:ext uri="{FF2B5EF4-FFF2-40B4-BE49-F238E27FC236}">
+                    <a16:creationId xmlns:a16="http://schemas.microsoft.com/office/drawing/2014/main" id="{1F370D1A-BCE0-4EEC-97CC-A8A009EDB468}"/>
+                  </a:ext>
+                </a:extLst>
+              </p:cNvPr>
+              <p:cNvGrpSpPr/>
+              <p:nvPr/>
+            </p:nvGrpSpPr>
+            <p:grpSpPr>
+              <a:xfrm>
+                <a:off x="4953000" y="4343400"/>
+                <a:ext cx="3105897" cy="914401"/>
+                <a:chOff x="4953000" y="4276434"/>
+                <a:chExt cx="3105897" cy="1042323"/>
+              </a:xfrm>
+            </p:grpSpPr>
+            <p:sp>
+              <p:nvSpPr>
+                <p:cNvPr id="49" name="Rectangle 48">
+                  <a:extLst>
+                    <a:ext uri="{FF2B5EF4-FFF2-40B4-BE49-F238E27FC236}">
+                      <a16:creationId xmlns:a16="http://schemas.microsoft.com/office/drawing/2014/main" id="{4A79A2CA-9D54-4E73-BCDF-14EAB2A42A7B}"/>
+                    </a:ext>
+                  </a:extLst>
+                </p:cNvPr>
+                <p:cNvSpPr/>
+                <p:nvPr/>
+              </p:nvSpPr>
+              <p:spPr>
+                <a:xfrm>
+                  <a:off x="6902117" y="4276434"/>
+                  <a:ext cx="1156780" cy="1042323"/>
+                </a:xfrm>
+                <a:prstGeom prst="rect">
+                  <a:avLst/>
+                </a:prstGeom>
+                <a:noFill/>
+                <a:ln w="57150">
+                  <a:noFill/>
+                </a:ln>
+              </p:spPr>
+              <p:style>
+                <a:lnRef idx="2">
+                  <a:schemeClr val="accent1">
+                    <a:shade val="50000"/>
+                  </a:schemeClr>
+                </a:lnRef>
+                <a:fillRef idx="1">
+                  <a:schemeClr val="accent1"/>
+                </a:fillRef>
+                <a:effectRef idx="0">
+                  <a:schemeClr val="accent1"/>
+                </a:effectRef>
+                <a:fontRef idx="minor">
+                  <a:schemeClr val="lt1"/>
+                </a:fontRef>
+              </p:style>
+              <p:txBody>
+                <a:bodyPr rot="0" spcFirstLastPara="0" vertOverflow="overflow" horzOverflow="overflow" vert="horz" wrap="square" lIns="91440" tIns="45720" rIns="91440" bIns="45720" numCol="1" spcCol="0" rtlCol="0" fromWordArt="0" anchor="ctr" anchorCtr="0" forceAA="0" compatLnSpc="1">
+                  <a:prstTxWarp prst="textNoShape">
+                    <a:avLst/>
+                  </a:prstTxWarp>
+                  <a:noAutofit/>
+                </a:bodyPr>
+                <a:lstStyle/>
+                <a:p>
+                  <a:pPr marL="0" marR="0" lvl="0" indent="0" algn="ctr" defTabSz="457200" rtl="0" eaLnBrk="1" fontAlgn="auto" latinLnBrk="0" hangingPunct="1">
+                    <a:lnSpc>
+                      <a:spcPct val="100000"/>
+                    </a:lnSpc>
+                    <a:spcBef>
+                      <a:spcPts val="0"/>
+                    </a:spcBef>
+                    <a:spcAft>
+                      <a:spcPts val="0"/>
+                    </a:spcAft>
+                    <a:buClrTx/>
+                    <a:buSzTx/>
+                    <a:buFontTx/>
+                    <a:buNone/>
+                    <a:tabLst/>
+                    <a:defRPr/>
+                  </a:pPr>
+                  <a:r>
+                    <a:rPr kumimoji="0" lang="en-US" sz="1800" b="0" i="0" u="none" strike="noStrike" kern="1200" cap="none" spc="0" normalizeH="0" baseline="0" noProof="0" dirty="0">
+                      <a:ln>
+                        <a:noFill/>
+                      </a:ln>
+                      <a:solidFill>
+                        <a:srgbClr val="002060"/>
+                      </a:solidFill>
+                      <a:effectLst/>
+                      <a:uLnTx/>
+                      <a:uFillTx/>
+                      <a:latin typeface="Trebuchet MS" panose="020B0603020202020204"/>
+                      <a:ea typeface="+mn-ea"/>
+                      <a:cs typeface="+mn-cs"/>
+                    </a:rPr>
+                    <a:t>Linear Classifier</a:t>
+                  </a:r>
+                </a:p>
+              </p:txBody>
+            </p:sp>
+            <p:sp>
+              <p:nvSpPr>
+                <p:cNvPr id="51" name="Rectangle 50">
+                  <a:extLst>
+                    <a:ext uri="{FF2B5EF4-FFF2-40B4-BE49-F238E27FC236}">
+                      <a16:creationId xmlns:a16="http://schemas.microsoft.com/office/drawing/2014/main" id="{D0684D9D-0EFA-457A-8BC6-1606FC273FD9}"/>
+                    </a:ext>
+                  </a:extLst>
+                </p:cNvPr>
+                <p:cNvSpPr/>
+                <p:nvPr/>
+              </p:nvSpPr>
+              <p:spPr>
+                <a:xfrm>
+                  <a:off x="4953000" y="4341580"/>
+                  <a:ext cx="1560452" cy="912033"/>
+                </a:xfrm>
+                <a:prstGeom prst="rect">
+                  <a:avLst/>
+                </a:prstGeom>
+                <a:solidFill>
+                  <a:srgbClr val="FFC000"/>
+                </a:solidFill>
+                <a:ln w="28575">
+                  <a:solidFill>
+                    <a:srgbClr val="7030A0"/>
+                  </a:solidFill>
+                  <a:prstDash val="sysDash"/>
+                </a:ln>
+              </p:spPr>
+              <p:style>
+                <a:lnRef idx="2">
+                  <a:schemeClr val="accent1">
+                    <a:shade val="50000"/>
+                  </a:schemeClr>
+                </a:lnRef>
+                <a:fillRef idx="1">
+                  <a:schemeClr val="accent1"/>
+                </a:fillRef>
+                <a:effectRef idx="0">
+                  <a:schemeClr val="accent1"/>
+                </a:effectRef>
+                <a:fontRef idx="minor">
+                  <a:schemeClr val="lt1"/>
+                </a:fontRef>
+              </p:style>
+              <p:txBody>
+                <a:bodyPr rot="0" spcFirstLastPara="0" vertOverflow="overflow" horzOverflow="overflow" vert="horz" wrap="square" lIns="91440" tIns="45720" rIns="91440" bIns="45720" numCol="1" spcCol="0" rtlCol="0" fromWordArt="0" anchor="ctr" anchorCtr="0" forceAA="0" compatLnSpc="1">
+                  <a:prstTxWarp prst="textNoShape">
+                    <a:avLst/>
+                  </a:prstTxWarp>
+                  <a:noAutofit/>
+                </a:bodyPr>
+                <a:lstStyle/>
+                <a:p>
+                  <a:pPr marL="0" marR="0" lvl="0" indent="0" algn="ctr" defTabSz="457200" rtl="0" eaLnBrk="1" fontAlgn="auto" latinLnBrk="0" hangingPunct="1">
+                    <a:lnSpc>
+                      <a:spcPct val="100000"/>
+                    </a:lnSpc>
+                    <a:spcBef>
+                      <a:spcPts val="0"/>
+                    </a:spcBef>
+                    <a:spcAft>
+                      <a:spcPts val="0"/>
+                    </a:spcAft>
+                    <a:buClrTx/>
+                    <a:buSzTx/>
+                    <a:buFontTx/>
+                    <a:buNone/>
+                    <a:tabLst/>
+                    <a:defRPr/>
+                  </a:pPr>
+                  <a:r>
+                    <a:rPr kumimoji="0" lang="en-US" sz="1800" b="0" i="0" u="none" strike="noStrike" kern="1200" cap="none" spc="0" normalizeH="0" baseline="0" noProof="0" dirty="0">
+                      <a:ln>
+                        <a:noFill/>
+                      </a:ln>
+                      <a:solidFill>
+                        <a:srgbClr val="002060"/>
+                      </a:solidFill>
+                      <a:effectLst/>
+                      <a:uLnTx/>
+                      <a:uFillTx/>
+                      <a:latin typeface="Trebuchet MS" panose="020B0603020202020204"/>
+                      <a:ea typeface="+mn-ea"/>
+                      <a:cs typeface="+mn-cs"/>
+                    </a:rPr>
+                    <a:t>Augment by</a:t>
+                  </a:r>
+                </a:p>
+                <a:p>
+                  <a:pPr marL="0" marR="0" lvl="0" indent="0" algn="ctr" defTabSz="457200" rtl="0" eaLnBrk="1" fontAlgn="auto" latinLnBrk="0" hangingPunct="1">
+                    <a:lnSpc>
+                      <a:spcPct val="100000"/>
+                    </a:lnSpc>
+                    <a:spcBef>
+                      <a:spcPts val="0"/>
+                    </a:spcBef>
+                    <a:spcAft>
+                      <a:spcPts val="0"/>
+                    </a:spcAft>
+                    <a:buClrTx/>
+                    <a:buSzTx/>
+                    <a:buFontTx/>
+                    <a:buNone/>
+                    <a:tabLst/>
+                    <a:defRPr/>
+                  </a:pPr>
+                  <a:r>
+                    <a:rPr kumimoji="0" lang="en-US" sz="1800" b="0" i="0" u="none" strike="noStrike" kern="1200" cap="none" spc="0" normalizeH="0" baseline="0" noProof="0" dirty="0">
+                      <a:ln>
+                        <a:noFill/>
+                      </a:ln>
+                      <a:solidFill>
+                        <a:srgbClr val="002060"/>
+                      </a:solidFill>
+                      <a:effectLst/>
+                      <a:uLnTx/>
+                      <a:uFillTx/>
+                      <a:latin typeface="Trebuchet MS" panose="020B0603020202020204"/>
+                      <a:ea typeface="+mn-ea"/>
+                      <a:cs typeface="+mn-cs"/>
+                    </a:rPr>
+                    <a:t>1</a:t>
+                  </a:r>
+                </a:p>
+              </p:txBody>
+            </p:sp>
+          </p:grpSp>
+        </p:grpSp>
+      </p:grpSp>
+      <p:grpSp>
+        <p:nvGrpSpPr>
+          <p:cNvPr id="7" name="Group 6">
+            <a:extLst>
+              <a:ext uri="{FF2B5EF4-FFF2-40B4-BE49-F238E27FC236}">
+                <a16:creationId xmlns:a16="http://schemas.microsoft.com/office/drawing/2014/main" id="{739A96B0-70B1-417A-80F2-363E64367A32}"/>
+              </a:ext>
+            </a:extLst>
+          </p:cNvPr>
+          <p:cNvGrpSpPr/>
+          <p:nvPr/>
+        </p:nvGrpSpPr>
+        <p:grpSpPr>
+          <a:xfrm>
+            <a:off x="4783767" y="4343399"/>
+            <a:ext cx="3592618" cy="914402"/>
+            <a:chOff x="4783767" y="4343399"/>
+            <a:chExt cx="3592618" cy="914402"/>
+          </a:xfrm>
+        </p:grpSpPr>
+        <p:grpSp>
+          <p:nvGrpSpPr>
+            <p:cNvPr id="5" name="Group 4">
+              <a:extLst>
+                <a:ext uri="{FF2B5EF4-FFF2-40B4-BE49-F238E27FC236}">
+                  <a16:creationId xmlns:a16="http://schemas.microsoft.com/office/drawing/2014/main" id="{766600B2-43D6-426A-BF4F-E893A35FBE58}"/>
+                </a:ext>
+              </a:extLst>
+            </p:cNvPr>
+            <p:cNvGrpSpPr/>
+            <p:nvPr/>
+          </p:nvGrpSpPr>
+          <p:grpSpPr>
+            <a:xfrm>
+              <a:off x="4783767" y="4343400"/>
+              <a:ext cx="3592618" cy="914401"/>
+              <a:chOff x="4783767" y="4343400"/>
+              <a:chExt cx="3592618" cy="914401"/>
+            </a:xfrm>
+          </p:grpSpPr>
+          <p:sp>
+            <p:nvSpPr>
+              <p:cNvPr id="36" name="Rectangle 35">
+                <a:extLst>
+                  <a:ext uri="{FF2B5EF4-FFF2-40B4-BE49-F238E27FC236}">
+                    <a16:creationId xmlns:a16="http://schemas.microsoft.com/office/drawing/2014/main" id="{69ADB7BC-9BA6-4C17-9E6D-B422AED9DAEC}"/>
+                  </a:ext>
+                </a:extLst>
+              </p:cNvPr>
+              <p:cNvSpPr/>
+              <p:nvPr/>
+            </p:nvSpPr>
+            <p:spPr>
+              <a:xfrm>
+                <a:off x="4783767" y="4343400"/>
+                <a:ext cx="3592618" cy="914401"/>
+              </a:xfrm>
+              <a:prstGeom prst="rect">
+                <a:avLst/>
+              </a:prstGeom>
+              <a:ln w="57150">
+                <a:solidFill>
+                  <a:srgbClr val="7030A0"/>
+                </a:solidFill>
+              </a:ln>
+            </p:spPr>
+            <p:style>
+              <a:lnRef idx="2">
+                <a:schemeClr val="accent1">
+                  <a:shade val="50000"/>
+                </a:schemeClr>
+              </a:lnRef>
+              <a:fillRef idx="1">
+                <a:schemeClr val="accent1"/>
+              </a:fillRef>
+              <a:effectRef idx="0">
+                <a:schemeClr val="accent1"/>
+              </a:effectRef>
+              <a:fontRef idx="minor">
+                <a:schemeClr val="lt1"/>
+              </a:fontRef>
+            </p:style>
+            <p:txBody>
+              <a:bodyPr rtlCol="0" anchor="ctr"/>
+              <a:lstStyle/>
+              <a:p>
+                <a:pPr marL="0" marR="0" lvl="0" indent="0" algn="ctr" defTabSz="457200" rtl="0" eaLnBrk="1" fontAlgn="auto" latinLnBrk="0" hangingPunct="1">
+                  <a:lnSpc>
+                    <a:spcPct val="100000"/>
+                  </a:lnSpc>
+                  <a:spcBef>
+                    <a:spcPts val="0"/>
+                  </a:spcBef>
+                  <a:spcAft>
+                    <a:spcPts val="0"/>
+                  </a:spcAft>
+                  <a:buClrTx/>
+                  <a:buSzTx/>
+                  <a:buFontTx/>
+                  <a:buNone/>
+                  <a:tabLst/>
+                  <a:defRPr/>
+                </a:pPr>
+                <a:endParaRPr kumimoji="0" lang="en-US" sz="1800" b="0" i="0" u="none" strike="noStrike" kern="1200" cap="none" spc="0" normalizeH="0" baseline="0" noProof="0" dirty="0">
+                  <a:ln>
+                    <a:noFill/>
+                  </a:ln>
+                  <a:solidFill>
+                    <a:srgbClr val="002060"/>
+                  </a:solidFill>
+                  <a:effectLst/>
+                  <a:uLnTx/>
+                  <a:uFillTx/>
+                  <a:latin typeface="Trebuchet MS" panose="020B0603020202020204"/>
+                  <a:ea typeface="+mn-ea"/>
+                  <a:cs typeface="+mn-cs"/>
+                </a:endParaRPr>
+              </a:p>
+            </p:txBody>
+          </p:sp>
+          <p:sp>
+            <p:nvSpPr>
+              <p:cNvPr id="48" name="Rectangle 47">
+                <a:extLst>
+                  <a:ext uri="{FF2B5EF4-FFF2-40B4-BE49-F238E27FC236}">
+                    <a16:creationId xmlns:a16="http://schemas.microsoft.com/office/drawing/2014/main" id="{443CF2E7-3344-4452-99A5-CAC1F527AF55}"/>
+                  </a:ext>
+                </a:extLst>
+              </p:cNvPr>
+              <p:cNvSpPr/>
+              <p:nvPr/>
+            </p:nvSpPr>
+            <p:spPr>
+              <a:xfrm>
+                <a:off x="4953000" y="4400550"/>
+                <a:ext cx="1560452" cy="800101"/>
+              </a:xfrm>
+              <a:prstGeom prst="rect">
+                <a:avLst/>
+              </a:prstGeom>
+              <a:solidFill>
+                <a:srgbClr val="FFC000"/>
+              </a:solidFill>
+              <a:ln w="28575">
+                <a:solidFill>
+                  <a:srgbClr val="7030A0"/>
+                </a:solidFill>
+                <a:prstDash val="sysDash"/>
+              </a:ln>
+            </p:spPr>
+            <p:style>
+              <a:lnRef idx="2">
+                <a:schemeClr val="accent1">
+                  <a:shade val="50000"/>
+                </a:schemeClr>
+              </a:lnRef>
+              <a:fillRef idx="1">
+                <a:schemeClr val="accent1"/>
+              </a:fillRef>
+              <a:effectRef idx="0">
+                <a:schemeClr val="accent1"/>
+              </a:effectRef>
+              <a:fontRef idx="minor">
+                <a:schemeClr val="lt1"/>
+              </a:fontRef>
+            </p:style>
+            <p:txBody>
+              <a:bodyPr rot="0" spcFirstLastPara="0" vertOverflow="overflow" horzOverflow="overflow" vert="horz" wrap="square" lIns="91440" tIns="45720" rIns="91440" bIns="45720" numCol="1" spcCol="0" rtlCol="0" fromWordArt="0" anchor="ctr" anchorCtr="0" forceAA="0" compatLnSpc="1">
+                <a:prstTxWarp prst="textNoShape">
+                  <a:avLst/>
+                </a:prstTxWarp>
+                <a:noAutofit/>
+              </a:bodyPr>
+              <a:lstStyle/>
+              <a:p>
+                <a:pPr marL="0" marR="0" lvl="0" indent="0" algn="ctr" defTabSz="457200" rtl="0" eaLnBrk="1" fontAlgn="auto" latinLnBrk="0" hangingPunct="1">
+                  <a:lnSpc>
+                    <a:spcPct val="100000"/>
+                  </a:lnSpc>
+                  <a:spcBef>
+                    <a:spcPts val="0"/>
+                  </a:spcBef>
+                  <a:spcAft>
+                    <a:spcPts val="0"/>
+                  </a:spcAft>
+                  <a:buClrTx/>
+                  <a:buSzTx/>
+                  <a:buFontTx/>
+                  <a:buNone/>
+                  <a:tabLst/>
+                  <a:defRPr/>
+                </a:pPr>
+                <a:r>
+                  <a:rPr kumimoji="0" lang="en-US" sz="1800" b="0" i="0" u="none" strike="noStrike" kern="1200" cap="none" spc="0" normalizeH="0" baseline="0" noProof="0" dirty="0">
+                    <a:ln>
+                      <a:noFill/>
+                    </a:ln>
+                    <a:solidFill>
+                      <a:srgbClr val="002060"/>
+                    </a:solidFill>
+                    <a:effectLst/>
+                    <a:uLnTx/>
+                    <a:uFillTx/>
+                    <a:latin typeface="Trebuchet MS" panose="020B0603020202020204"/>
+                    <a:ea typeface="+mn-ea"/>
+                    <a:cs typeface="+mn-cs"/>
+                  </a:rPr>
+                  <a:t>Augment by</a:t>
+                </a:r>
+              </a:p>
+              <a:p>
+                <a:pPr marL="0" marR="0" lvl="0" indent="0" algn="ctr" defTabSz="457200" rtl="0" eaLnBrk="1" fontAlgn="auto" latinLnBrk="0" hangingPunct="1">
+                  <a:lnSpc>
+                    <a:spcPct val="100000"/>
+                  </a:lnSpc>
+                  <a:spcBef>
+                    <a:spcPts val="0"/>
+                  </a:spcBef>
+                  <a:spcAft>
+                    <a:spcPts val="0"/>
+                  </a:spcAft>
+                  <a:buClrTx/>
+                  <a:buSzTx/>
+                  <a:buFontTx/>
+                  <a:buNone/>
+                  <a:tabLst/>
+                  <a:defRPr/>
+                </a:pPr>
+                <a:r>
+                  <a:rPr kumimoji="0" lang="en-US" sz="1800" b="0" i="0" u="none" strike="noStrike" kern="1200" cap="none" spc="0" normalizeH="0" baseline="0" noProof="0" dirty="0">
+                    <a:ln>
+                      <a:noFill/>
+                    </a:ln>
+                    <a:solidFill>
+                      <a:srgbClr val="002060"/>
+                    </a:solidFill>
+                    <a:effectLst/>
+                    <a:uLnTx/>
+                    <a:uFillTx/>
+                    <a:latin typeface="Trebuchet MS" panose="020B0603020202020204"/>
+                    <a:ea typeface="+mn-ea"/>
+                    <a:cs typeface="+mn-cs"/>
+                  </a:rPr>
+                  <a:t>non-linear combinations</a:t>
+                </a:r>
+              </a:p>
+            </p:txBody>
+          </p:sp>
+        </p:grpSp>
+        <p:sp>
+          <p:nvSpPr>
+            <p:cNvPr id="52" name="Rectangle 51">
+              <a:extLst>
+                <a:ext uri="{FF2B5EF4-FFF2-40B4-BE49-F238E27FC236}">
+                  <a16:creationId xmlns:a16="http://schemas.microsoft.com/office/drawing/2014/main" id="{1134DA3A-0540-4260-BAB4-7484BD13F541}"/>
+                </a:ext>
+              </a:extLst>
+            </p:cNvPr>
+            <p:cNvSpPr/>
+            <p:nvPr/>
+          </p:nvSpPr>
+          <p:spPr>
+            <a:xfrm>
+              <a:off x="6896100" y="4343399"/>
+              <a:ext cx="1156780" cy="914401"/>
+            </a:xfrm>
+            <a:prstGeom prst="rect">
+              <a:avLst/>
+            </a:prstGeom>
+            <a:noFill/>
+            <a:ln w="57150">
+              <a:noFill/>
+            </a:ln>
+          </p:spPr>
+          <p:style>
+            <a:lnRef idx="2">
+              <a:schemeClr val="accent1">
+                <a:shade val="50000"/>
+              </a:schemeClr>
+            </a:lnRef>
+            <a:fillRef idx="1">
+              <a:schemeClr val="accent1"/>
+            </a:fillRef>
+            <a:effectRef idx="0">
+              <a:schemeClr val="accent1"/>
+            </a:effectRef>
+            <a:fontRef idx="minor">
+              <a:schemeClr val="lt1"/>
+            </a:fontRef>
+          </p:style>
+          <p:txBody>
+            <a:bodyPr rot="0" spcFirstLastPara="0" vertOverflow="overflow" horzOverflow="overflow" vert="horz" wrap="square" lIns="91440" tIns="45720" rIns="91440" bIns="45720" numCol="1" spcCol="0" rtlCol="0" fromWordArt="0" anchor="ctr" anchorCtr="0" forceAA="0" compatLnSpc="1">
+              <a:prstTxWarp prst="textNoShape">
+                <a:avLst/>
+              </a:prstTxWarp>
+              <a:noAutofit/>
+            </a:bodyPr>
+            <a:lstStyle/>
+            <a:p>
+              <a:pPr marL="0" marR="0" lvl="0" indent="0" algn="ctr" defTabSz="457200" rtl="0" eaLnBrk="1" fontAlgn="auto" latinLnBrk="0" hangingPunct="1">
+                <a:lnSpc>
+                  <a:spcPct val="100000"/>
+                </a:lnSpc>
+                <a:spcBef>
+                  <a:spcPts val="0"/>
+                </a:spcBef>
+                <a:spcAft>
+                  <a:spcPts val="0"/>
+                </a:spcAft>
+                <a:buClrTx/>
+                <a:buSzTx/>
+                <a:buFontTx/>
+                <a:buNone/>
+                <a:tabLst/>
+                <a:defRPr/>
+              </a:pPr>
+              <a:r>
+                <a:rPr kumimoji="0" lang="en-US" sz="1800" b="0" i="0" u="none" strike="noStrike" kern="1200" cap="none" spc="0" normalizeH="0" baseline="0" noProof="0" dirty="0">
+                  <a:ln>
+                    <a:noFill/>
+                  </a:ln>
+                  <a:solidFill>
+                    <a:srgbClr val="002060"/>
+                  </a:solidFill>
+                  <a:effectLst/>
+                  <a:uLnTx/>
+                  <a:uFillTx/>
+                  <a:latin typeface="Trebuchet MS" panose="020B0603020202020204"/>
+                  <a:ea typeface="+mn-ea"/>
+                  <a:cs typeface="+mn-cs"/>
+                </a:rPr>
+                <a:t>Linear Classifier</a:t>
+              </a:r>
+            </a:p>
+          </p:txBody>
+        </p:sp>
+      </p:grpSp>
+      <p:sp>
+        <p:nvSpPr>
+          <p:cNvPr id="53" name="Rectangle 52">
+            <a:extLst>
+              <a:ext uri="{FF2B5EF4-FFF2-40B4-BE49-F238E27FC236}">
+                <a16:creationId xmlns:a16="http://schemas.microsoft.com/office/drawing/2014/main" id="{E9B56035-CA91-4D33-9DEA-9922173D2D5B}"/>
+              </a:ext>
+            </a:extLst>
+          </p:cNvPr>
+          <p:cNvSpPr/>
+          <p:nvPr/>
+        </p:nvSpPr>
+        <p:spPr>
+          <a:xfrm>
+            <a:off x="4245734" y="1193532"/>
+            <a:ext cx="4593466" cy="4452135"/>
+          </a:xfrm>
+          <a:prstGeom prst="rect">
+            <a:avLst/>
+          </a:prstGeom>
+          <a:noFill/>
+          <a:ln w="76200">
+            <a:solidFill>
+              <a:srgbClr val="7030A0"/>
+            </a:solidFill>
+          </a:ln>
+        </p:spPr>
+        <p:style>
+          <a:lnRef idx="2">
+            <a:schemeClr val="accent1">
+              <a:shade val="50000"/>
+            </a:schemeClr>
+          </a:lnRef>
+          <a:fillRef idx="1">
+            <a:schemeClr val="accent1"/>
+          </a:fillRef>
+          <a:effectRef idx="0">
+            <a:schemeClr val="accent1"/>
+          </a:effectRef>
+          <a:fontRef idx="minor">
+            <a:schemeClr val="lt1"/>
+          </a:fontRef>
+        </p:style>
+        <p:txBody>
+          <a:bodyPr rtlCol="0" anchor="ctr"/>
+          <a:lstStyle/>
+          <a:p>
+            <a:pPr marL="0" marR="0" lvl="0" indent="0" algn="ctr" defTabSz="457200" rtl="0" eaLnBrk="1" fontAlgn="auto" latinLnBrk="0" hangingPunct="1">
+              <a:lnSpc>
+                <a:spcPct val="100000"/>
+              </a:lnSpc>
+              <a:spcBef>
+                <a:spcPts val="0"/>
+              </a:spcBef>
+              <a:spcAft>
+                <a:spcPts val="0"/>
+              </a:spcAft>
+              <a:buClrTx/>
+              <a:buSzTx/>
+              <a:buFontTx/>
+              <a:buNone/>
+              <a:tabLst/>
+              <a:defRPr/>
+            </a:pPr>
+            <a:endParaRPr kumimoji="0" lang="en-US" sz="1800" b="0" i="0" u="none" strike="noStrike" kern="1200" cap="none" spc="0" normalizeH="0" baseline="0" noProof="0" dirty="0">
+              <a:ln>
+                <a:noFill/>
+              </a:ln>
+              <a:solidFill>
+                <a:schemeClr val="tx1"/>
+              </a:solidFill>
+              <a:effectLst/>
+              <a:uLnTx/>
+              <a:uFillTx/>
+              <a:latin typeface="Trebuchet MS" panose="020B0603020202020204"/>
+            </a:endParaRPr>
+          </a:p>
+        </p:txBody>
+      </p:sp>
+      <p:sp>
+        <p:nvSpPr>
+          <p:cNvPr id="54" name="TextBox 53">
+            <a:extLst>
+              <a:ext uri="{FF2B5EF4-FFF2-40B4-BE49-F238E27FC236}">
+                <a16:creationId xmlns:a16="http://schemas.microsoft.com/office/drawing/2014/main" id="{367C69FA-901B-4FBD-B9B8-F7AB6C777723}"/>
               </a:ext>
             </a:extLst>
           </p:cNvPr>
@@ -12140,7 +14578,7 @@
         </p:nvSpPr>
         <p:spPr>
           <a:xfrm>
-            <a:off x="5170215" y="3008972"/>
+            <a:off x="5322615" y="3028950"/>
             <a:ext cx="2497800" cy="769441"/>
           </a:xfrm>
           <a:prstGeom prst="rect">
@@ -12173,7 +14611,7 @@
     </p:spTree>
     <p:extLst>
       <p:ext uri="{BB962C8B-B14F-4D97-AF65-F5344CB8AC3E}">
-        <p14:creationId xmlns:p14="http://schemas.microsoft.com/office/powerpoint/2010/main" val="4263747758"/>
+        <p14:creationId xmlns:p14="http://schemas.microsoft.com/office/powerpoint/2010/main" val="2615375539"/>
       </p:ext>
     </p:extLst>
   </p:cSld>
@@ -12668,49 +15106,14 @@
                             </p:stCondLst>
                             <p:childTnLst>
                               <p:par>
-                                <p:cTn id="48" presetID="10" presetClass="exit" presetSubtype="0" fill="hold" grpId="0" nodeType="clickEffect">
-                                  <p:stCondLst>
-                                    <p:cond delay="0"/>
-                                  </p:stCondLst>
-                                  <p:childTnLst>
-                                    <p:animEffect transition="out" filter="fade">
-                                      <p:cBhvr>
-                                        <p:cTn id="49" dur="500"/>
-                                        <p:tgtEl>
-                                          <p:spTgt spid="26"/>
-                                        </p:tgtEl>
-                                      </p:cBhvr>
-                                    </p:animEffect>
-                                    <p:set>
-                                      <p:cBhvr>
-                                        <p:cTn id="50" dur="1" fill="hold">
-                                          <p:stCondLst>
-                                            <p:cond delay="499"/>
-                                          </p:stCondLst>
-                                        </p:cTn>
-                                        <p:tgtEl>
-                                          <p:spTgt spid="26"/>
-                                        </p:tgtEl>
-                                        <p:attrNameLst>
-                                          <p:attrName>style.visibility</p:attrName>
-                                        </p:attrNameLst>
-                                      </p:cBhvr>
-                                      <p:to>
-                                        <p:strVal val="hidden"/>
-                                      </p:to>
-                                    </p:set>
-                                  </p:childTnLst>
-                                </p:cTn>
-                              </p:par>
-                              <p:par>
-                                <p:cTn id="51" presetID="42" presetClass="entr" presetSubtype="0" fill="hold" grpId="0" nodeType="withEffect">
+                                <p:cTn id="48" presetID="42" presetClass="entr" presetSubtype="0" fill="hold" grpId="0" nodeType="clickEffect">
                                   <p:stCondLst>
                                     <p:cond delay="0"/>
                                   </p:stCondLst>
                                   <p:childTnLst>
                                     <p:set>
                                       <p:cBhvr>
-                                        <p:cTn id="52" dur="1" fill="hold">
+                                        <p:cTn id="49" dur="1" fill="hold">
                                           <p:stCondLst>
                                             <p:cond delay="0"/>
                                           </p:stCondLst>
@@ -12728,7 +15131,7 @@
                                     </p:set>
                                     <p:animEffect transition="in" filter="fade">
                                       <p:cBhvr>
-                                        <p:cTn id="53" dur="1000"/>
+                                        <p:cTn id="50" dur="1000"/>
                                         <p:tgtEl>
                                           <p:spTgt spid="11"/>
                                         </p:tgtEl>
@@ -12736,7 +15139,7 @@
                                     </p:animEffect>
                                     <p:anim calcmode="lin" valueType="num">
                                       <p:cBhvr>
-                                        <p:cTn id="54" dur="1000" fill="hold"/>
+                                        <p:cTn id="51" dur="1000" fill="hold"/>
                                         <p:tgtEl>
                                           <p:spTgt spid="11"/>
                                         </p:tgtEl>
@@ -12759,7 +15162,7 @@
                                     </p:anim>
                                     <p:anim calcmode="lin" valueType="num">
                                       <p:cBhvr>
-                                        <p:cTn id="55" dur="1000" fill="hold"/>
+                                        <p:cTn id="52" dur="1000" fill="hold"/>
                                         <p:tgtEl>
                                           <p:spTgt spid="11"/>
                                         </p:tgtEl>
@@ -12780,6 +15183,41 @@
                                         </p:tav>
                                       </p:tavLst>
                                     </p:anim>
+                                  </p:childTnLst>
+                                </p:cTn>
+                              </p:par>
+                              <p:par>
+                                <p:cTn id="53" presetID="10" presetClass="exit" presetSubtype="0" fill="hold" grpId="0" nodeType="withEffect">
+                                  <p:stCondLst>
+                                    <p:cond delay="0"/>
+                                  </p:stCondLst>
+                                  <p:childTnLst>
+                                    <p:animEffect transition="out" filter="fade">
+                                      <p:cBhvr>
+                                        <p:cTn id="54" dur="500"/>
+                                        <p:tgtEl>
+                                          <p:spTgt spid="54"/>
+                                        </p:tgtEl>
+                                      </p:cBhvr>
+                                    </p:animEffect>
+                                    <p:set>
+                                      <p:cBhvr>
+                                        <p:cTn id="55" dur="1" fill="hold">
+                                          <p:stCondLst>
+                                            <p:cond delay="499"/>
+                                          </p:stCondLst>
+                                        </p:cTn>
+                                        <p:tgtEl>
+                                          <p:spTgt spid="54"/>
+                                        </p:tgtEl>
+                                        <p:attrNameLst>
+                                          <p:attrName>style.visibility</p:attrName>
+                                        </p:attrNameLst>
+                                      </p:cBhvr>
+                                      <p:to>
+                                        <p:strVal val="hidden"/>
+                                      </p:to>
+                                    </p:set>
                                   </p:childTnLst>
                                 </p:cTn>
                               </p:par>
@@ -12815,7 +15253,7 @@
                                           </p:stCondLst>
                                         </p:cTn>
                                         <p:tgtEl>
-                                          <p:spTgt spid="12"/>
+                                          <p:spTgt spid="8"/>
                                         </p:tgtEl>
                                         <p:attrNameLst>
                                           <p:attrName>style.visibility</p:attrName>
@@ -12829,7 +15267,7 @@
                                       <p:cBhvr>
                                         <p:cTn id="60" dur="1000"/>
                                         <p:tgtEl>
-                                          <p:spTgt spid="12"/>
+                                          <p:spTgt spid="8"/>
                                         </p:tgtEl>
                                       </p:cBhvr>
                                     </p:animEffect>
@@ -12837,7 +15275,7 @@
                                       <p:cBhvr>
                                         <p:cTn id="61" dur="1000" fill="hold"/>
                                         <p:tgtEl>
-                                          <p:spTgt spid="12"/>
+                                          <p:spTgt spid="8"/>
                                         </p:tgtEl>
                                         <p:attrNameLst>
                                           <p:attrName>ppt_x</p:attrName>
@@ -12860,7 +15298,7 @@
                                       <p:cBhvr>
                                         <p:cTn id="62" dur="1000" fill="hold"/>
                                         <p:tgtEl>
-                                          <p:spTgt spid="12"/>
+                                          <p:spTgt spid="8"/>
                                         </p:tgtEl>
                                         <p:attrNameLst>
                                           <p:attrName>ppt_y</p:attrName>
@@ -12914,7 +15352,7 @@
                                           </p:stCondLst>
                                         </p:cTn>
                                         <p:tgtEl>
-                                          <p:spTgt spid="14"/>
+                                          <p:spTgt spid="7"/>
                                         </p:tgtEl>
                                         <p:attrNameLst>
                                           <p:attrName>style.visibility</p:attrName>
@@ -12928,7 +15366,7 @@
                                       <p:cBhvr>
                                         <p:cTn id="67" dur="1000"/>
                                         <p:tgtEl>
-                                          <p:spTgt spid="14"/>
+                                          <p:spTgt spid="7"/>
                                         </p:tgtEl>
                                       </p:cBhvr>
                                     </p:animEffect>
@@ -12936,7 +15374,7 @@
                                       <p:cBhvr>
                                         <p:cTn id="68" dur="1000" fill="hold"/>
                                         <p:tgtEl>
-                                          <p:spTgt spid="14"/>
+                                          <p:spTgt spid="7"/>
                                         </p:tgtEl>
                                         <p:attrNameLst>
                                           <p:attrName>ppt_x</p:attrName>
@@ -12959,7 +15397,7 @@
                                       <p:cBhvr>
                                         <p:cTn id="69" dur="1000" fill="hold"/>
                                         <p:tgtEl>
-                                          <p:spTgt spid="14"/>
+                                          <p:spTgt spid="7"/>
                                         </p:tgtEl>
                                         <p:attrNameLst>
                                           <p:attrName>ppt_y</p:attrName>
@@ -13226,13 +15664,1730 @@
       <p:bldP spid="11" grpId="0" animBg="1"/>
       <p:bldP spid="42" grpId="0"/>
       <p:bldP spid="50" grpId="0"/>
-      <p:bldP spid="26" grpId="0"/>
+      <p:bldP spid="54" grpId="0"/>
     </p:bldLst>
   </p:timing>
 </p:sld>
 </file>
 
 <file path=ppt/slides/slide4.xml><?xml version="1.0" encoding="utf-8"?>
+<p:sld xmlns:a="http://schemas.openxmlformats.org/drawingml/2006/main" xmlns:r="http://schemas.openxmlformats.org/officeDocument/2006/relationships" xmlns:p="http://schemas.openxmlformats.org/presentationml/2006/main">
+  <p:cSld>
+    <p:spTree>
+      <p:nvGrpSpPr>
+        <p:cNvPr id="1" name=""/>
+        <p:cNvGrpSpPr/>
+        <p:nvPr/>
+      </p:nvGrpSpPr>
+      <p:grpSpPr>
+        <a:xfrm>
+          <a:off x="0" y="0"/>
+          <a:ext cx="0" cy="0"/>
+          <a:chOff x="0" y="0"/>
+          <a:chExt cx="0" cy="0"/>
+        </a:xfrm>
+      </p:grpSpPr>
+      <p:sp>
+        <p:nvSpPr>
+          <p:cNvPr id="47" name="Rectangle 46">
+            <a:extLst>
+              <a:ext uri="{FF2B5EF4-FFF2-40B4-BE49-F238E27FC236}">
+                <a16:creationId xmlns:a16="http://schemas.microsoft.com/office/drawing/2014/main" id="{E33E5640-3ED1-4A60-A2C1-88A47377BA0C}"/>
+              </a:ext>
+            </a:extLst>
+          </p:cNvPr>
+          <p:cNvSpPr/>
+          <p:nvPr/>
+        </p:nvSpPr>
+        <p:spPr>
+          <a:xfrm>
+            <a:off x="7816115" y="1371601"/>
+            <a:ext cx="1937485" cy="914399"/>
+          </a:xfrm>
+          <a:prstGeom prst="rect">
+            <a:avLst/>
+          </a:prstGeom>
+          <a:ln w="57150">
+            <a:solidFill>
+              <a:srgbClr val="7030A0"/>
+            </a:solidFill>
+          </a:ln>
+        </p:spPr>
+        <p:style>
+          <a:lnRef idx="2">
+            <a:schemeClr val="accent1">
+              <a:shade val="50000"/>
+            </a:schemeClr>
+          </a:lnRef>
+          <a:fillRef idx="1">
+            <a:schemeClr val="accent1"/>
+          </a:fillRef>
+          <a:effectRef idx="0">
+            <a:schemeClr val="accent1"/>
+          </a:effectRef>
+          <a:fontRef idx="minor">
+            <a:schemeClr val="lt1"/>
+          </a:fontRef>
+        </p:style>
+        <p:txBody>
+          <a:bodyPr rot="0" spcFirstLastPara="0" vertOverflow="overflow" horzOverflow="overflow" vert="horz" wrap="square" lIns="91440" tIns="45720" rIns="91440" bIns="45720" numCol="1" spcCol="0" rtlCol="0" fromWordArt="0" anchor="ctr" anchorCtr="0" forceAA="0" compatLnSpc="1">
+            <a:prstTxWarp prst="textNoShape">
+              <a:avLst/>
+            </a:prstTxWarp>
+            <a:noAutofit/>
+          </a:bodyPr>
+          <a:lstStyle/>
+          <a:p>
+            <a:pPr marL="0" marR="0" lvl="0" indent="0" algn="ctr" defTabSz="457200" rtl="0" eaLnBrk="1" fontAlgn="auto" latinLnBrk="0" hangingPunct="1">
+              <a:lnSpc>
+                <a:spcPct val="100000"/>
+              </a:lnSpc>
+              <a:spcBef>
+                <a:spcPts val="0"/>
+              </a:spcBef>
+              <a:spcAft>
+                <a:spcPts val="0"/>
+              </a:spcAft>
+              <a:buClrTx/>
+              <a:buSzTx/>
+              <a:buFontTx/>
+              <a:buNone/>
+              <a:tabLst/>
+              <a:defRPr/>
+            </a:pPr>
+            <a:r>
+              <a:rPr kumimoji="0" lang="en-US" sz="1800" b="0" i="0" u="none" strike="noStrike" kern="1200" cap="none" spc="0" normalizeH="0" baseline="0" noProof="0" dirty="0">
+                <a:ln>
+                  <a:noFill/>
+                </a:ln>
+                <a:solidFill>
+                  <a:srgbClr val="002060"/>
+                </a:solidFill>
+                <a:effectLst/>
+                <a:uLnTx/>
+                <a:uFillTx/>
+                <a:latin typeface="Trebuchet MS" panose="020B0603020202020204"/>
+                <a:ea typeface="+mn-ea"/>
+                <a:cs typeface="+mn-cs"/>
+              </a:rPr>
+              <a:t>Linear Classifier</a:t>
+            </a:r>
+          </a:p>
+          <a:p>
+            <a:pPr marL="0" marR="0" lvl="0" indent="0" algn="ctr" defTabSz="457200" rtl="0" eaLnBrk="1" fontAlgn="auto" latinLnBrk="0" hangingPunct="1">
+              <a:lnSpc>
+                <a:spcPct val="100000"/>
+              </a:lnSpc>
+              <a:spcBef>
+                <a:spcPts val="0"/>
+              </a:spcBef>
+              <a:spcAft>
+                <a:spcPts val="0"/>
+              </a:spcAft>
+              <a:buClrTx/>
+              <a:buSzTx/>
+              <a:buFontTx/>
+              <a:buNone/>
+              <a:tabLst/>
+              <a:defRPr/>
+            </a:pPr>
+            <a:r>
+              <a:rPr lang="en-US" dirty="0">
+                <a:solidFill>
+                  <a:srgbClr val="002060"/>
+                </a:solidFill>
+                <a:latin typeface="Trebuchet MS" panose="020B0603020202020204"/>
+              </a:rPr>
+              <a:t>backend</a:t>
+            </a:r>
+            <a:endParaRPr kumimoji="0" lang="en-US" sz="1800" b="0" i="0" u="none" strike="noStrike" kern="1200" cap="none" spc="0" normalizeH="0" baseline="0" noProof="0" dirty="0">
+              <a:ln>
+                <a:noFill/>
+              </a:ln>
+              <a:solidFill>
+                <a:srgbClr val="002060"/>
+              </a:solidFill>
+              <a:effectLst/>
+              <a:uLnTx/>
+              <a:uFillTx/>
+              <a:latin typeface="Trebuchet MS" panose="020B0603020202020204"/>
+              <a:ea typeface="+mn-ea"/>
+              <a:cs typeface="+mn-cs"/>
+            </a:endParaRPr>
+          </a:p>
+        </p:txBody>
+      </p:sp>
+      <p:sp>
+        <p:nvSpPr>
+          <p:cNvPr id="48" name="Rectangle 47">
+            <a:extLst>
+              <a:ext uri="{FF2B5EF4-FFF2-40B4-BE49-F238E27FC236}">
+                <a16:creationId xmlns:a16="http://schemas.microsoft.com/office/drawing/2014/main" id="{443CF2E7-3344-4452-99A5-CAC1F527AF55}"/>
+              </a:ext>
+            </a:extLst>
+          </p:cNvPr>
+          <p:cNvSpPr/>
+          <p:nvPr/>
+        </p:nvSpPr>
+        <p:spPr>
+          <a:xfrm>
+            <a:off x="4387115" y="1371601"/>
+            <a:ext cx="1714500" cy="914399"/>
+          </a:xfrm>
+          <a:prstGeom prst="rect">
+            <a:avLst/>
+          </a:prstGeom>
+          <a:solidFill>
+            <a:srgbClr val="FFC000"/>
+          </a:solidFill>
+          <a:ln w="57150">
+            <a:solidFill>
+              <a:srgbClr val="7030A0"/>
+            </a:solidFill>
+          </a:ln>
+        </p:spPr>
+        <p:style>
+          <a:lnRef idx="2">
+            <a:schemeClr val="accent1">
+              <a:shade val="50000"/>
+            </a:schemeClr>
+          </a:lnRef>
+          <a:fillRef idx="1">
+            <a:schemeClr val="accent1"/>
+          </a:fillRef>
+          <a:effectRef idx="0">
+            <a:schemeClr val="accent1"/>
+          </a:effectRef>
+          <a:fontRef idx="minor">
+            <a:schemeClr val="lt1"/>
+          </a:fontRef>
+        </p:style>
+        <p:txBody>
+          <a:bodyPr rot="0" spcFirstLastPara="0" vertOverflow="overflow" horzOverflow="overflow" vert="horz" wrap="square" lIns="91440" tIns="45720" rIns="91440" bIns="45720" numCol="1" spcCol="0" rtlCol="0" fromWordArt="0" anchor="ctr" anchorCtr="0" forceAA="0" compatLnSpc="1">
+            <a:prstTxWarp prst="textNoShape">
+              <a:avLst/>
+            </a:prstTxWarp>
+            <a:noAutofit/>
+          </a:bodyPr>
+          <a:lstStyle/>
+          <a:p>
+            <a:pPr marL="0" marR="0" lvl="0" indent="0" algn="ctr" defTabSz="457200" rtl="0" eaLnBrk="1" fontAlgn="auto" latinLnBrk="0" hangingPunct="1">
+              <a:lnSpc>
+                <a:spcPct val="100000"/>
+              </a:lnSpc>
+              <a:spcBef>
+                <a:spcPts val="0"/>
+              </a:spcBef>
+              <a:spcAft>
+                <a:spcPts val="0"/>
+              </a:spcAft>
+              <a:buClrTx/>
+              <a:buSzTx/>
+              <a:buFontTx/>
+              <a:buNone/>
+              <a:tabLst/>
+              <a:defRPr/>
+            </a:pPr>
+            <a:r>
+              <a:rPr kumimoji="0" lang="en-US" sz="1800" b="0" i="0" u="none" strike="noStrike" kern="1200" cap="none" spc="0" normalizeH="0" baseline="0" noProof="0" dirty="0">
+                <a:ln>
+                  <a:noFill/>
+                </a:ln>
+                <a:solidFill>
+                  <a:srgbClr val="002060"/>
+                </a:solidFill>
+                <a:effectLst/>
+                <a:uLnTx/>
+                <a:uFillTx/>
+                <a:latin typeface="Trebuchet MS" panose="020B0603020202020204"/>
+                <a:ea typeface="+mn-ea"/>
+                <a:cs typeface="+mn-cs"/>
+              </a:rPr>
+              <a:t>Augment by</a:t>
+            </a:r>
+          </a:p>
+          <a:p>
+            <a:pPr marL="0" marR="0" lvl="0" indent="0" algn="ctr" defTabSz="457200" rtl="0" eaLnBrk="1" fontAlgn="auto" latinLnBrk="0" hangingPunct="1">
+              <a:lnSpc>
+                <a:spcPct val="100000"/>
+              </a:lnSpc>
+              <a:spcBef>
+                <a:spcPts val="0"/>
+              </a:spcBef>
+              <a:spcAft>
+                <a:spcPts val="0"/>
+              </a:spcAft>
+              <a:buClrTx/>
+              <a:buSzTx/>
+              <a:buFontTx/>
+              <a:buNone/>
+              <a:tabLst/>
+              <a:defRPr/>
+            </a:pPr>
+            <a:r>
+              <a:rPr kumimoji="0" lang="en-US" sz="1800" b="0" i="0" u="none" strike="noStrike" kern="1200" cap="none" spc="0" normalizeH="0" baseline="0" noProof="0" dirty="0">
+                <a:ln>
+                  <a:noFill/>
+                </a:ln>
+                <a:solidFill>
+                  <a:srgbClr val="002060"/>
+                </a:solidFill>
+                <a:effectLst/>
+                <a:uLnTx/>
+                <a:uFillTx/>
+                <a:latin typeface="Trebuchet MS" panose="020B0603020202020204"/>
+                <a:ea typeface="+mn-ea"/>
+                <a:cs typeface="+mn-cs"/>
+              </a:rPr>
+              <a:t>1</a:t>
+            </a:r>
+          </a:p>
+        </p:txBody>
+      </p:sp>
+      <p:sp>
+        <p:nvSpPr>
+          <p:cNvPr id="39" name="Title 1">
+            <a:extLst>
+              <a:ext uri="{FF2B5EF4-FFF2-40B4-BE49-F238E27FC236}">
+                <a16:creationId xmlns:a16="http://schemas.microsoft.com/office/drawing/2014/main" id="{A8100B3E-DBA4-4DE0-864F-F152EE250F6F}"/>
+              </a:ext>
+            </a:extLst>
+          </p:cNvPr>
+          <p:cNvSpPr>
+            <a:spLocks noGrp="1"/>
+          </p:cNvSpPr>
+          <p:nvPr>
+            <p:ph type="title"/>
+          </p:nvPr>
+        </p:nvSpPr>
+        <p:spPr>
+          <a:xfrm>
+            <a:off x="292001" y="181661"/>
+            <a:ext cx="11019366" cy="847465"/>
+          </a:xfrm>
+        </p:spPr>
+        <p:txBody>
+          <a:bodyPr>
+            <a:normAutofit/>
+          </a:bodyPr>
+          <a:lstStyle/>
+          <a:p>
+            <a:r>
+              <a:rPr lang="en-US" dirty="0">
+                <a:solidFill>
+                  <a:srgbClr val="002060"/>
+                </a:solidFill>
+              </a:rPr>
+              <a:t>Linear Classifier</a:t>
+            </a:r>
+          </a:p>
+        </p:txBody>
+      </p:sp>
+      <p:cxnSp>
+        <p:nvCxnSpPr>
+          <p:cNvPr id="37" name="Straight Arrow Connector 36">
+            <a:extLst>
+              <a:ext uri="{FF2B5EF4-FFF2-40B4-BE49-F238E27FC236}">
+                <a16:creationId xmlns:a16="http://schemas.microsoft.com/office/drawing/2014/main" id="{9830D0AB-E7C4-4A5F-AE4C-FF9BCADD29CB}"/>
+              </a:ext>
+            </a:extLst>
+          </p:cNvPr>
+          <p:cNvCxnSpPr>
+            <a:cxnSpLocks/>
+            <a:endCxn id="47" idx="1"/>
+          </p:cNvCxnSpPr>
+          <p:nvPr/>
+        </p:nvCxnSpPr>
+        <p:spPr>
+          <a:xfrm>
+            <a:off x="6165003" y="1828799"/>
+            <a:ext cx="1651112" cy="2"/>
+          </a:xfrm>
+          <a:prstGeom prst="straightConnector1">
+            <a:avLst/>
+          </a:prstGeom>
+          <a:noFill/>
+          <a:ln w="76200">
+            <a:solidFill>
+              <a:srgbClr val="7030A0"/>
+            </a:solidFill>
+            <a:tailEnd type="triangle"/>
+          </a:ln>
+        </p:spPr>
+        <p:style>
+          <a:lnRef idx="2">
+            <a:schemeClr val="accent1">
+              <a:shade val="50000"/>
+            </a:schemeClr>
+          </a:lnRef>
+          <a:fillRef idx="1">
+            <a:schemeClr val="accent1"/>
+          </a:fillRef>
+          <a:effectRef idx="0">
+            <a:schemeClr val="accent1"/>
+          </a:effectRef>
+          <a:fontRef idx="minor">
+            <a:schemeClr val="lt1"/>
+          </a:fontRef>
+        </p:style>
+      </p:cxnSp>
+      <mc:AlternateContent xmlns:mc="http://schemas.openxmlformats.org/markup-compatibility/2006">
+        <mc:Choice xmlns:a14="http://schemas.microsoft.com/office/drawing/2010/main" Requires="a14">
+          <p:sp>
+            <p:nvSpPr>
+              <p:cNvPr id="18" name="TextBox 17">
+                <a:extLst>
+                  <a:ext uri="{FF2B5EF4-FFF2-40B4-BE49-F238E27FC236}">
+                    <a16:creationId xmlns:a16="http://schemas.microsoft.com/office/drawing/2014/main" id="{DBC36B95-FD05-42EA-B8DB-4052D4B6088B}"/>
+                  </a:ext>
+                </a:extLst>
+              </p:cNvPr>
+              <p:cNvSpPr txBox="1"/>
+              <p:nvPr/>
+            </p:nvSpPr>
+            <p:spPr>
+              <a:xfrm>
+                <a:off x="3009900" y="1551800"/>
+                <a:ext cx="448905" cy="553998"/>
+              </a:xfrm>
+              <a:prstGeom prst="rect">
+                <a:avLst/>
+              </a:prstGeom>
+              <a:noFill/>
+            </p:spPr>
+            <p:txBody>
+              <a:bodyPr wrap="square" lIns="0" tIns="0" rIns="0" bIns="0" rtlCol="0">
+                <a:spAutoFit/>
+              </a:bodyPr>
+              <a:lstStyle/>
+              <a:p>
+                <a:pPr/>
+                <a14:m>
+                  <m:oMathPara xmlns:m="http://schemas.openxmlformats.org/officeDocument/2006/math">
+                    <m:oMathParaPr>
+                      <m:jc m:val="centerGroup"/>
+                    </m:oMathParaPr>
+                    <m:oMath xmlns:m="http://schemas.openxmlformats.org/officeDocument/2006/math">
+                      <m:r>
+                        <a:rPr lang="en-US" sz="3600" b="0" i="1" smtClean="0">
+                          <a:latin typeface="Cambria Math" panose="02040503050406030204" pitchFamily="18" charset="0"/>
+                        </a:rPr>
+                        <m:t>𝑥</m:t>
+                      </m:r>
+                    </m:oMath>
+                  </m:oMathPara>
+                </a14:m>
+                <a:endParaRPr lang="en-US" sz="3600" dirty="0"/>
+              </a:p>
+            </p:txBody>
+          </p:sp>
+        </mc:Choice>
+        <mc:Fallback>
+          <p:sp>
+            <p:nvSpPr>
+              <p:cNvPr id="18" name="TextBox 17">
+                <a:extLst>
+                  <a:ext uri="{FF2B5EF4-FFF2-40B4-BE49-F238E27FC236}">
+                    <a16:creationId xmlns:a16="http://schemas.microsoft.com/office/drawing/2014/main" id="{DBC36B95-FD05-42EA-B8DB-4052D4B6088B}"/>
+                  </a:ext>
+                </a:extLst>
+              </p:cNvPr>
+              <p:cNvSpPr txBox="1">
+                <a:spLocks noRot="1" noChangeAspect="1" noMove="1" noResize="1" noEditPoints="1" noAdjustHandles="1" noChangeArrowheads="1" noChangeShapeType="1" noTextEdit="1"/>
+              </p:cNvSpPr>
+              <p:nvPr/>
+            </p:nvSpPr>
+            <p:spPr>
+              <a:xfrm>
+                <a:off x="3009900" y="1551800"/>
+                <a:ext cx="448905" cy="553998"/>
+              </a:xfrm>
+              <a:prstGeom prst="rect">
+                <a:avLst/>
+              </a:prstGeom>
+              <a:blipFill>
+                <a:blip r:embed="rId3"/>
+                <a:stretch>
+                  <a:fillRect/>
+                </a:stretch>
+              </a:blipFill>
+            </p:spPr>
+            <p:txBody>
+              <a:bodyPr/>
+              <a:lstStyle/>
+              <a:p>
+                <a:r>
+                  <a:rPr lang="en-US">
+                    <a:noFill/>
+                  </a:rPr>
+                  <a:t> </a:t>
+                </a:r>
+              </a:p>
+            </p:txBody>
+          </p:sp>
+        </mc:Fallback>
+      </mc:AlternateContent>
+      <mc:AlternateContent xmlns:mc="http://schemas.openxmlformats.org/markup-compatibility/2006">
+        <mc:Choice xmlns:a14="http://schemas.microsoft.com/office/drawing/2010/main" Requires="a14">
+          <p:sp>
+            <p:nvSpPr>
+              <p:cNvPr id="49" name="TextBox 48">
+                <a:extLst>
+                  <a:ext uri="{FF2B5EF4-FFF2-40B4-BE49-F238E27FC236}">
+                    <a16:creationId xmlns:a16="http://schemas.microsoft.com/office/drawing/2014/main" id="{B7F51AAA-655B-4D93-A1BE-A16A2F16B9C7}"/>
+                  </a:ext>
+                </a:extLst>
+              </p:cNvPr>
+              <p:cNvSpPr txBox="1"/>
+              <p:nvPr/>
+            </p:nvSpPr>
+            <p:spPr>
+              <a:xfrm>
+                <a:off x="6420588" y="1204439"/>
+                <a:ext cx="791805" cy="553998"/>
+              </a:xfrm>
+              <a:prstGeom prst="rect">
+                <a:avLst/>
+              </a:prstGeom>
+              <a:noFill/>
+            </p:spPr>
+            <p:txBody>
+              <a:bodyPr wrap="square" lIns="0" tIns="0" rIns="0" bIns="0" rtlCol="0">
+                <a:spAutoFit/>
+              </a:bodyPr>
+              <a:lstStyle/>
+              <a:p>
+                <a:pPr>
+                  <a:tabLst>
+                    <a:tab pos="515938" algn="l"/>
+                  </a:tabLst>
+                </a:pPr>
+                <a14:m>
+                  <m:oMathPara xmlns:m="http://schemas.openxmlformats.org/officeDocument/2006/math">
+                    <m:oMathParaPr>
+                      <m:jc m:val="centerGroup"/>
+                    </m:oMathParaPr>
+                    <m:oMath xmlns:m="http://schemas.openxmlformats.org/officeDocument/2006/math">
+                      <m:sSub>
+                        <m:sSubPr>
+                          <m:ctrlPr>
+                            <a:rPr lang="en-US" sz="3600" b="0" i="1" smtClean="0">
+                              <a:latin typeface="Cambria Math" panose="02040503050406030204" pitchFamily="18" charset="0"/>
+                            </a:rPr>
+                          </m:ctrlPr>
+                        </m:sSubPr>
+                        <m:e>
+                          <m:r>
+                            <a:rPr lang="en-US" sz="3600" b="0" i="1" smtClean="0">
+                              <a:latin typeface="Cambria Math" panose="02040503050406030204" pitchFamily="18" charset="0"/>
+                            </a:rPr>
+                            <m:t>𝑥</m:t>
+                          </m:r>
+                        </m:e>
+                        <m:sub>
+                          <m:r>
+                            <a:rPr lang="en-US" sz="3600" b="0" i="1" smtClean="0">
+                              <a:latin typeface="Cambria Math" panose="02040503050406030204" pitchFamily="18" charset="0"/>
+                            </a:rPr>
+                            <m:t>𝑎</m:t>
+                          </m:r>
+                        </m:sub>
+                      </m:sSub>
+                    </m:oMath>
+                  </m:oMathPara>
+                </a14:m>
+                <a:endParaRPr lang="en-US" sz="3600" dirty="0"/>
+              </a:p>
+            </p:txBody>
+          </p:sp>
+        </mc:Choice>
+        <mc:Fallback>
+          <p:sp>
+            <p:nvSpPr>
+              <p:cNvPr id="49" name="TextBox 48">
+                <a:extLst>
+                  <a:ext uri="{FF2B5EF4-FFF2-40B4-BE49-F238E27FC236}">
+                    <a16:creationId xmlns:a16="http://schemas.microsoft.com/office/drawing/2014/main" id="{B7F51AAA-655B-4D93-A1BE-A16A2F16B9C7}"/>
+                  </a:ext>
+                </a:extLst>
+              </p:cNvPr>
+              <p:cNvSpPr txBox="1">
+                <a:spLocks noRot="1" noChangeAspect="1" noMove="1" noResize="1" noEditPoints="1" noAdjustHandles="1" noChangeArrowheads="1" noChangeShapeType="1" noTextEdit="1"/>
+              </p:cNvSpPr>
+              <p:nvPr/>
+            </p:nvSpPr>
+            <p:spPr>
+              <a:xfrm>
+                <a:off x="6420588" y="1204439"/>
+                <a:ext cx="791805" cy="553998"/>
+              </a:xfrm>
+              <a:prstGeom prst="rect">
+                <a:avLst/>
+              </a:prstGeom>
+              <a:blipFill>
+                <a:blip r:embed="rId4"/>
+                <a:stretch>
+                  <a:fillRect/>
+                </a:stretch>
+              </a:blipFill>
+            </p:spPr>
+            <p:txBody>
+              <a:bodyPr/>
+              <a:lstStyle/>
+              <a:p>
+                <a:r>
+                  <a:rPr lang="en-US">
+                    <a:noFill/>
+                  </a:rPr>
+                  <a:t> </a:t>
+                </a:r>
+              </a:p>
+            </p:txBody>
+          </p:sp>
+        </mc:Fallback>
+      </mc:AlternateContent>
+      <p:cxnSp>
+        <p:nvCxnSpPr>
+          <p:cNvPr id="61" name="Straight Arrow Connector 60">
+            <a:extLst>
+              <a:ext uri="{FF2B5EF4-FFF2-40B4-BE49-F238E27FC236}">
+                <a16:creationId xmlns:a16="http://schemas.microsoft.com/office/drawing/2014/main" id="{BB190311-64E6-41BA-8AC5-E1B36EE27BBC}"/>
+              </a:ext>
+            </a:extLst>
+          </p:cNvPr>
+          <p:cNvCxnSpPr>
+            <a:cxnSpLocks/>
+          </p:cNvCxnSpPr>
+          <p:nvPr/>
+        </p:nvCxnSpPr>
+        <p:spPr>
+          <a:xfrm>
+            <a:off x="3512483" y="1851658"/>
+            <a:ext cx="847487" cy="1"/>
+          </a:xfrm>
+          <a:prstGeom prst="straightConnector1">
+            <a:avLst/>
+          </a:prstGeom>
+          <a:noFill/>
+          <a:ln w="76200">
+            <a:solidFill>
+              <a:srgbClr val="7030A0"/>
+            </a:solidFill>
+            <a:tailEnd type="triangle"/>
+          </a:ln>
+        </p:spPr>
+        <p:style>
+          <a:lnRef idx="2">
+            <a:schemeClr val="accent1">
+              <a:shade val="50000"/>
+            </a:schemeClr>
+          </a:lnRef>
+          <a:fillRef idx="1">
+            <a:schemeClr val="accent1"/>
+          </a:fillRef>
+          <a:effectRef idx="0">
+            <a:schemeClr val="accent1"/>
+          </a:effectRef>
+          <a:fontRef idx="minor">
+            <a:schemeClr val="lt1"/>
+          </a:fontRef>
+        </p:style>
+      </p:cxnSp>
+      <mc:AlternateContent xmlns:mc="http://schemas.openxmlformats.org/markup-compatibility/2006">
+        <mc:Choice xmlns:a14="http://schemas.microsoft.com/office/drawing/2010/main" Requires="a14">
+          <p:sp>
+            <p:nvSpPr>
+              <p:cNvPr id="62" name="TextBox 61">
+                <a:extLst>
+                  <a:ext uri="{FF2B5EF4-FFF2-40B4-BE49-F238E27FC236}">
+                    <a16:creationId xmlns:a16="http://schemas.microsoft.com/office/drawing/2014/main" id="{DCB73AB5-1E79-4FA1-9E38-323F1C5A5A7E}"/>
+                  </a:ext>
+                </a:extLst>
+              </p:cNvPr>
+              <p:cNvSpPr txBox="1"/>
+              <p:nvPr/>
+            </p:nvSpPr>
+            <p:spPr>
+              <a:xfrm>
+                <a:off x="5960469" y="3154397"/>
+                <a:ext cx="4255460" cy="554062"/>
+              </a:xfrm>
+              <a:prstGeom prst="rect">
+                <a:avLst/>
+              </a:prstGeom>
+              <a:noFill/>
+            </p:spPr>
+            <p:txBody>
+              <a:bodyPr wrap="none" lIns="0" tIns="0" rIns="0" bIns="0" rtlCol="0">
+                <a:spAutoFit/>
+              </a:bodyPr>
+              <a:lstStyle/>
+              <a:p>
+                <a:pPr/>
+                <a14:m>
+                  <m:oMathPara xmlns:m="http://schemas.openxmlformats.org/officeDocument/2006/math">
+                    <m:oMathParaPr>
+                      <m:jc m:val="centerGroup"/>
+                    </m:oMathParaPr>
+                    <m:oMath xmlns:m="http://schemas.openxmlformats.org/officeDocument/2006/math">
+                      <m:sSub>
+                        <m:sSubPr>
+                          <m:ctrlPr>
+                            <a:rPr lang="en-US" sz="3600" b="0" i="1" smtClean="0">
+                              <a:latin typeface="Cambria Math" panose="02040503050406030204" pitchFamily="18" charset="0"/>
+                            </a:rPr>
+                          </m:ctrlPr>
+                        </m:sSubPr>
+                        <m:e>
+                          <m:r>
+                            <a:rPr lang="en-US" sz="3600" b="0" i="1" smtClean="0">
+                              <a:latin typeface="Cambria Math" panose="02040503050406030204" pitchFamily="18" charset="0"/>
+                            </a:rPr>
+                            <m:t>𝑥</m:t>
+                          </m:r>
+                        </m:e>
+                        <m:sub>
+                          <m:r>
+                            <a:rPr lang="en-US" sz="3600" b="0" i="1" smtClean="0">
+                              <a:latin typeface="Cambria Math" panose="02040503050406030204" pitchFamily="18" charset="0"/>
+                            </a:rPr>
+                            <m:t>𝑎</m:t>
+                          </m:r>
+                        </m:sub>
+                      </m:sSub>
+                      <m:r>
+                        <a:rPr lang="en-US" sz="3600" b="0" i="1" smtClean="0">
+                          <a:latin typeface="Cambria Math" panose="02040503050406030204" pitchFamily="18" charset="0"/>
+                        </a:rPr>
+                        <m:t>=[1,</m:t>
+                      </m:r>
+                      <m:sSub>
+                        <m:sSubPr>
+                          <m:ctrlPr>
+                            <a:rPr lang="en-US" sz="3600" b="0" i="1" smtClean="0">
+                              <a:latin typeface="Cambria Math" panose="02040503050406030204" pitchFamily="18" charset="0"/>
+                            </a:rPr>
+                          </m:ctrlPr>
+                        </m:sSubPr>
+                        <m:e>
+                          <m:r>
+                            <a:rPr lang="en-US" sz="3600" b="0" i="1" smtClean="0">
+                              <a:latin typeface="Cambria Math" panose="02040503050406030204" pitchFamily="18" charset="0"/>
+                            </a:rPr>
+                            <m:t>𝑥</m:t>
+                          </m:r>
+                        </m:e>
+                        <m:sub>
+                          <m:r>
+                            <a:rPr lang="en-US" sz="3600" b="0" i="1" smtClean="0">
+                              <a:latin typeface="Cambria Math" panose="02040503050406030204" pitchFamily="18" charset="0"/>
+                            </a:rPr>
+                            <m:t>1</m:t>
+                          </m:r>
+                        </m:sub>
+                      </m:sSub>
+                      <m:r>
+                        <a:rPr lang="en-US" sz="3600" b="0" i="1" smtClean="0">
+                          <a:latin typeface="Cambria Math" panose="02040503050406030204" pitchFamily="18" charset="0"/>
+                        </a:rPr>
+                        <m:t>,</m:t>
+                      </m:r>
+                      <m:sSub>
+                        <m:sSubPr>
+                          <m:ctrlPr>
+                            <a:rPr lang="en-US" sz="3600" b="0" i="1" smtClean="0">
+                              <a:latin typeface="Cambria Math" panose="02040503050406030204" pitchFamily="18" charset="0"/>
+                            </a:rPr>
+                          </m:ctrlPr>
+                        </m:sSubPr>
+                        <m:e>
+                          <m:r>
+                            <a:rPr lang="en-US" sz="3600" b="0" i="1" smtClean="0">
+                              <a:latin typeface="Cambria Math" panose="02040503050406030204" pitchFamily="18" charset="0"/>
+                            </a:rPr>
+                            <m:t>𝑥</m:t>
+                          </m:r>
+                        </m:e>
+                        <m:sub>
+                          <m:r>
+                            <a:rPr lang="en-US" sz="3600" b="0" i="1" smtClean="0">
+                              <a:latin typeface="Cambria Math" panose="02040503050406030204" pitchFamily="18" charset="0"/>
+                            </a:rPr>
+                            <m:t>2</m:t>
+                          </m:r>
+                        </m:sub>
+                      </m:sSub>
+                      <m:r>
+                        <a:rPr lang="en-US" sz="3600" b="0" i="1" smtClean="0">
+                          <a:latin typeface="Cambria Math" panose="02040503050406030204" pitchFamily="18" charset="0"/>
+                        </a:rPr>
+                        <m:t>,…,</m:t>
+                      </m:r>
+                      <m:sSub>
+                        <m:sSubPr>
+                          <m:ctrlPr>
+                            <a:rPr lang="en-US" sz="3600" b="0" i="1" smtClean="0">
+                              <a:latin typeface="Cambria Math" panose="02040503050406030204" pitchFamily="18" charset="0"/>
+                            </a:rPr>
+                          </m:ctrlPr>
+                        </m:sSubPr>
+                        <m:e>
+                          <m:r>
+                            <a:rPr lang="en-US" sz="3600" b="0" i="1" smtClean="0">
+                              <a:latin typeface="Cambria Math" panose="02040503050406030204" pitchFamily="18" charset="0"/>
+                            </a:rPr>
+                            <m:t>𝑥</m:t>
+                          </m:r>
+                        </m:e>
+                        <m:sub>
+                          <m:r>
+                            <a:rPr lang="en-US" sz="3600" b="0" i="1" smtClean="0">
+                              <a:latin typeface="Cambria Math" panose="02040503050406030204" pitchFamily="18" charset="0"/>
+                            </a:rPr>
+                            <m:t>𝑛</m:t>
+                          </m:r>
+                        </m:sub>
+                      </m:sSub>
+                      <m:r>
+                        <a:rPr lang="en-US" sz="3600" b="0" i="1" smtClean="0">
+                          <a:latin typeface="Cambria Math" panose="02040503050406030204" pitchFamily="18" charset="0"/>
+                        </a:rPr>
+                        <m:t>]</m:t>
+                      </m:r>
+                    </m:oMath>
+                  </m:oMathPara>
+                </a14:m>
+                <a:br>
+                  <a:rPr lang="en-US" sz="3600" b="0" i="1" dirty="0">
+                    <a:latin typeface="Cambria Math" panose="02040503050406030204" pitchFamily="18" charset="0"/>
+                  </a:rPr>
+                </a:br>
+                <a:endParaRPr lang="en-US" sz="3600" dirty="0"/>
+              </a:p>
+            </p:txBody>
+          </p:sp>
+        </mc:Choice>
+        <mc:Fallback>
+          <p:sp>
+            <p:nvSpPr>
+              <p:cNvPr id="62" name="TextBox 61">
+                <a:extLst>
+                  <a:ext uri="{FF2B5EF4-FFF2-40B4-BE49-F238E27FC236}">
+                    <a16:creationId xmlns:a16="http://schemas.microsoft.com/office/drawing/2014/main" id="{DCB73AB5-1E79-4FA1-9E38-323F1C5A5A7E}"/>
+                  </a:ext>
+                </a:extLst>
+              </p:cNvPr>
+              <p:cNvSpPr txBox="1">
+                <a:spLocks noRot="1" noChangeAspect="1" noMove="1" noResize="1" noEditPoints="1" noAdjustHandles="1" noChangeArrowheads="1" noChangeShapeType="1" noTextEdit="1"/>
+              </p:cNvSpPr>
+              <p:nvPr/>
+            </p:nvSpPr>
+            <p:spPr>
+              <a:xfrm>
+                <a:off x="5960469" y="3154397"/>
+                <a:ext cx="4255460" cy="554062"/>
+              </a:xfrm>
+              <a:prstGeom prst="rect">
+                <a:avLst/>
+              </a:prstGeom>
+              <a:blipFill>
+                <a:blip r:embed="rId5"/>
+                <a:stretch>
+                  <a:fillRect/>
+                </a:stretch>
+              </a:blipFill>
+            </p:spPr>
+            <p:txBody>
+              <a:bodyPr/>
+              <a:lstStyle/>
+              <a:p>
+                <a:r>
+                  <a:rPr lang="en-US">
+                    <a:noFill/>
+                  </a:rPr>
+                  <a:t> </a:t>
+                </a:r>
+              </a:p>
+            </p:txBody>
+          </p:sp>
+        </mc:Fallback>
+      </mc:AlternateContent>
+      <mc:AlternateContent xmlns:mc="http://schemas.openxmlformats.org/markup-compatibility/2006">
+        <mc:Choice xmlns:a14="http://schemas.microsoft.com/office/drawing/2010/main" Requires="a14">
+          <p:sp>
+            <p:nvSpPr>
+              <p:cNvPr id="44" name="TextBox 43">
+                <a:extLst>
+                  <a:ext uri="{FF2B5EF4-FFF2-40B4-BE49-F238E27FC236}">
+                    <a16:creationId xmlns:a16="http://schemas.microsoft.com/office/drawing/2014/main" id="{96AEF92C-3820-4AD1-9DEF-96AAE9B6ECC4}"/>
+                  </a:ext>
+                </a:extLst>
+              </p:cNvPr>
+              <p:cNvSpPr txBox="1"/>
+              <p:nvPr/>
+            </p:nvSpPr>
+            <p:spPr>
+              <a:xfrm>
+                <a:off x="-216014" y="2788917"/>
+                <a:ext cx="3130152" cy="554062"/>
+              </a:xfrm>
+              <a:prstGeom prst="rect">
+                <a:avLst/>
+              </a:prstGeom>
+              <a:noFill/>
+            </p:spPr>
+            <p:txBody>
+              <a:bodyPr wrap="none" lIns="0" tIns="0" rIns="0" bIns="0" rtlCol="0">
+                <a:spAutoFit/>
+              </a:bodyPr>
+              <a:lstStyle/>
+              <a:p>
+                <a:pPr/>
+                <a14:m>
+                  <m:oMathPara xmlns:m="http://schemas.openxmlformats.org/officeDocument/2006/math">
+                    <m:oMathParaPr>
+                      <m:jc m:val="centerGroup"/>
+                    </m:oMathParaPr>
+                    <m:oMath xmlns:m="http://schemas.openxmlformats.org/officeDocument/2006/math">
+                      <m:r>
+                        <a:rPr lang="en-US" sz="3600" b="0" i="1" smtClean="0">
+                          <a:latin typeface="Cambria Math" panose="02040503050406030204" pitchFamily="18" charset="0"/>
+                        </a:rPr>
+                        <m:t>[</m:t>
+                      </m:r>
+                      <m:sSub>
+                        <m:sSubPr>
+                          <m:ctrlPr>
+                            <a:rPr lang="en-US" sz="3600" b="0" i="1" smtClean="0">
+                              <a:latin typeface="Cambria Math" panose="02040503050406030204" pitchFamily="18" charset="0"/>
+                            </a:rPr>
+                          </m:ctrlPr>
+                        </m:sSubPr>
+                        <m:e>
+                          <m:r>
+                            <a:rPr lang="en-US" sz="3600" b="0" i="1" smtClean="0">
+                              <a:latin typeface="Cambria Math" panose="02040503050406030204" pitchFamily="18" charset="0"/>
+                            </a:rPr>
+                            <m:t>𝑥</m:t>
+                          </m:r>
+                        </m:e>
+                        <m:sub>
+                          <m:r>
+                            <a:rPr lang="en-US" sz="3600" b="0" i="1" smtClean="0">
+                              <a:latin typeface="Cambria Math" panose="02040503050406030204" pitchFamily="18" charset="0"/>
+                            </a:rPr>
+                            <m:t>1</m:t>
+                          </m:r>
+                        </m:sub>
+                      </m:sSub>
+                      <m:r>
+                        <a:rPr lang="en-US" sz="3600" b="0" i="1" smtClean="0">
+                          <a:latin typeface="Cambria Math" panose="02040503050406030204" pitchFamily="18" charset="0"/>
+                        </a:rPr>
+                        <m:t>,</m:t>
+                      </m:r>
+                      <m:sSub>
+                        <m:sSubPr>
+                          <m:ctrlPr>
+                            <a:rPr lang="en-US" sz="3600" b="0" i="1" smtClean="0">
+                              <a:latin typeface="Cambria Math" panose="02040503050406030204" pitchFamily="18" charset="0"/>
+                            </a:rPr>
+                          </m:ctrlPr>
+                        </m:sSubPr>
+                        <m:e>
+                          <m:r>
+                            <a:rPr lang="en-US" sz="3600" b="0" i="1" smtClean="0">
+                              <a:latin typeface="Cambria Math" panose="02040503050406030204" pitchFamily="18" charset="0"/>
+                            </a:rPr>
+                            <m:t>𝑥</m:t>
+                          </m:r>
+                        </m:e>
+                        <m:sub>
+                          <m:r>
+                            <a:rPr lang="en-US" sz="3600" b="0" i="1" smtClean="0">
+                              <a:latin typeface="Cambria Math" panose="02040503050406030204" pitchFamily="18" charset="0"/>
+                            </a:rPr>
+                            <m:t>2</m:t>
+                          </m:r>
+                        </m:sub>
+                      </m:sSub>
+                      <m:r>
+                        <a:rPr lang="en-US" sz="3600" b="0" i="1" smtClean="0">
+                          <a:latin typeface="Cambria Math" panose="02040503050406030204" pitchFamily="18" charset="0"/>
+                        </a:rPr>
+                        <m:t>,…,</m:t>
+                      </m:r>
+                      <m:sSub>
+                        <m:sSubPr>
+                          <m:ctrlPr>
+                            <a:rPr lang="en-US" sz="3600" b="0" i="1" smtClean="0">
+                              <a:latin typeface="Cambria Math" panose="02040503050406030204" pitchFamily="18" charset="0"/>
+                            </a:rPr>
+                          </m:ctrlPr>
+                        </m:sSubPr>
+                        <m:e>
+                          <m:r>
+                            <a:rPr lang="en-US" sz="3600" b="0" i="1" smtClean="0">
+                              <a:latin typeface="Cambria Math" panose="02040503050406030204" pitchFamily="18" charset="0"/>
+                            </a:rPr>
+                            <m:t>𝑥</m:t>
+                          </m:r>
+                        </m:e>
+                        <m:sub>
+                          <m:r>
+                            <a:rPr lang="en-US" sz="3600" b="0" i="1" smtClean="0">
+                              <a:latin typeface="Cambria Math" panose="02040503050406030204" pitchFamily="18" charset="0"/>
+                            </a:rPr>
+                            <m:t>𝑛</m:t>
+                          </m:r>
+                        </m:sub>
+                      </m:sSub>
+                      <m:r>
+                        <a:rPr lang="en-US" sz="3600" b="0" i="1" smtClean="0">
+                          <a:latin typeface="Cambria Math" panose="02040503050406030204" pitchFamily="18" charset="0"/>
+                        </a:rPr>
+                        <m:t>]</m:t>
+                      </m:r>
+                    </m:oMath>
+                  </m:oMathPara>
+                </a14:m>
+                <a:br>
+                  <a:rPr lang="en-US" sz="3600" b="0" i="1" dirty="0">
+                    <a:latin typeface="Cambria Math" panose="02040503050406030204" pitchFamily="18" charset="0"/>
+                  </a:rPr>
+                </a:br>
+                <a:endParaRPr lang="en-US" sz="3600" dirty="0"/>
+              </a:p>
+            </p:txBody>
+          </p:sp>
+        </mc:Choice>
+        <mc:Fallback>
+          <p:sp>
+            <p:nvSpPr>
+              <p:cNvPr id="44" name="TextBox 43">
+                <a:extLst>
+                  <a:ext uri="{FF2B5EF4-FFF2-40B4-BE49-F238E27FC236}">
+                    <a16:creationId xmlns:a16="http://schemas.microsoft.com/office/drawing/2014/main" id="{96AEF92C-3820-4AD1-9DEF-96AAE9B6ECC4}"/>
+                  </a:ext>
+                </a:extLst>
+              </p:cNvPr>
+              <p:cNvSpPr txBox="1">
+                <a:spLocks noRot="1" noChangeAspect="1" noMove="1" noResize="1" noEditPoints="1" noAdjustHandles="1" noChangeArrowheads="1" noChangeShapeType="1" noTextEdit="1"/>
+              </p:cNvSpPr>
+              <p:nvPr/>
+            </p:nvSpPr>
+            <p:spPr>
+              <a:xfrm>
+                <a:off x="-216014" y="2788917"/>
+                <a:ext cx="3130152" cy="554062"/>
+              </a:xfrm>
+              <a:prstGeom prst="rect">
+                <a:avLst/>
+              </a:prstGeom>
+              <a:blipFill>
+                <a:blip r:embed="rId6"/>
+                <a:stretch>
+                  <a:fillRect/>
+                </a:stretch>
+              </a:blipFill>
+            </p:spPr>
+            <p:txBody>
+              <a:bodyPr/>
+              <a:lstStyle/>
+              <a:p>
+                <a:r>
+                  <a:rPr lang="en-US">
+                    <a:noFill/>
+                  </a:rPr>
+                  <a:t> </a:t>
+                </a:r>
+              </a:p>
+            </p:txBody>
+          </p:sp>
+        </mc:Fallback>
+      </mc:AlternateContent>
+      <p:grpSp>
+        <p:nvGrpSpPr>
+          <p:cNvPr id="6" name="Group 5">
+            <a:extLst>
+              <a:ext uri="{FF2B5EF4-FFF2-40B4-BE49-F238E27FC236}">
+                <a16:creationId xmlns:a16="http://schemas.microsoft.com/office/drawing/2014/main" id="{9C65EE93-1366-4529-AC02-C93EF0A2EAD8}"/>
+              </a:ext>
+            </a:extLst>
+          </p:cNvPr>
+          <p:cNvGrpSpPr/>
+          <p:nvPr/>
+        </p:nvGrpSpPr>
+        <p:grpSpPr>
+          <a:xfrm>
+            <a:off x="2271518" y="2281113"/>
+            <a:ext cx="3830097" cy="1719387"/>
+            <a:chOff x="2271518" y="2281113"/>
+            <a:chExt cx="3830097" cy="1719387"/>
+          </a:xfrm>
+        </p:grpSpPr>
+        <p:sp>
+          <p:nvSpPr>
+            <p:cNvPr id="52" name="Rectangle 51">
+              <a:extLst>
+                <a:ext uri="{FF2B5EF4-FFF2-40B4-BE49-F238E27FC236}">
+                  <a16:creationId xmlns:a16="http://schemas.microsoft.com/office/drawing/2014/main" id="{91FC43B0-13BB-407B-9AD3-1C274931DD69}"/>
+                </a:ext>
+              </a:extLst>
+            </p:cNvPr>
+            <p:cNvSpPr/>
+            <p:nvPr/>
+          </p:nvSpPr>
+          <p:spPr>
+            <a:xfrm>
+              <a:off x="3062632" y="3086101"/>
+              <a:ext cx="1828800" cy="914399"/>
+            </a:xfrm>
+            <a:prstGeom prst="rect">
+              <a:avLst/>
+            </a:prstGeom>
+            <a:solidFill>
+              <a:srgbClr val="FFC000"/>
+            </a:solidFill>
+            <a:ln w="57150">
+              <a:solidFill>
+                <a:srgbClr val="7030A0"/>
+              </a:solidFill>
+            </a:ln>
+          </p:spPr>
+          <p:style>
+            <a:lnRef idx="2">
+              <a:schemeClr val="accent1">
+                <a:shade val="50000"/>
+              </a:schemeClr>
+            </a:lnRef>
+            <a:fillRef idx="1">
+              <a:schemeClr val="accent1"/>
+            </a:fillRef>
+            <a:effectRef idx="0">
+              <a:schemeClr val="accent1"/>
+            </a:effectRef>
+            <a:fontRef idx="minor">
+              <a:schemeClr val="lt1"/>
+            </a:fontRef>
+          </p:style>
+          <p:txBody>
+            <a:bodyPr rot="0" spcFirstLastPara="0" vertOverflow="overflow" horzOverflow="overflow" vert="horz" wrap="square" lIns="91440" tIns="45720" rIns="91440" bIns="45720" numCol="1" spcCol="0" rtlCol="0" fromWordArt="0" anchor="ctr" anchorCtr="0" forceAA="0" compatLnSpc="1">
+              <a:prstTxWarp prst="textNoShape">
+                <a:avLst/>
+              </a:prstTxWarp>
+              <a:noAutofit/>
+            </a:bodyPr>
+            <a:lstStyle/>
+            <a:p>
+              <a:pPr marL="0" marR="0" lvl="0" indent="0" algn="ctr" defTabSz="457200" rtl="0" eaLnBrk="1" fontAlgn="auto" latinLnBrk="0" hangingPunct="1">
+                <a:lnSpc>
+                  <a:spcPct val="100000"/>
+                </a:lnSpc>
+                <a:spcBef>
+                  <a:spcPts val="0"/>
+                </a:spcBef>
+                <a:spcAft>
+                  <a:spcPts val="0"/>
+                </a:spcAft>
+                <a:buClrTx/>
+                <a:buSzTx/>
+                <a:buFontTx/>
+                <a:buNone/>
+                <a:tabLst/>
+                <a:defRPr/>
+              </a:pPr>
+              <a:r>
+                <a:rPr kumimoji="0" lang="en-US" sz="1800" b="0" i="0" u="none" strike="noStrike" kern="1200" cap="none" spc="0" normalizeH="0" baseline="0" noProof="0" dirty="0">
+                  <a:ln>
+                    <a:noFill/>
+                  </a:ln>
+                  <a:solidFill>
+                    <a:srgbClr val="002060"/>
+                  </a:solidFill>
+                  <a:effectLst/>
+                  <a:uLnTx/>
+                  <a:uFillTx/>
+                  <a:latin typeface="Trebuchet MS" panose="020B0603020202020204"/>
+                  <a:ea typeface="+mn-ea"/>
+                  <a:cs typeface="+mn-cs"/>
+                </a:rPr>
+                <a:t>Augment by</a:t>
+              </a:r>
+            </a:p>
+            <a:p>
+              <a:pPr marL="0" marR="0" lvl="0" indent="0" algn="ctr" defTabSz="457200" rtl="0" eaLnBrk="1" fontAlgn="auto" latinLnBrk="0" hangingPunct="1">
+                <a:lnSpc>
+                  <a:spcPct val="100000"/>
+                </a:lnSpc>
+                <a:spcBef>
+                  <a:spcPts val="0"/>
+                </a:spcBef>
+                <a:spcAft>
+                  <a:spcPts val="0"/>
+                </a:spcAft>
+                <a:buClrTx/>
+                <a:buSzTx/>
+                <a:buFontTx/>
+                <a:buNone/>
+                <a:tabLst/>
+                <a:defRPr/>
+              </a:pPr>
+              <a:r>
+                <a:rPr kumimoji="0" lang="en-US" sz="1800" b="0" i="0" u="none" strike="noStrike" kern="1200" cap="none" spc="0" normalizeH="0" baseline="0" noProof="0" dirty="0">
+                  <a:ln>
+                    <a:noFill/>
+                  </a:ln>
+                  <a:solidFill>
+                    <a:srgbClr val="002060"/>
+                  </a:solidFill>
+                  <a:effectLst/>
+                  <a:uLnTx/>
+                  <a:uFillTx/>
+                  <a:latin typeface="Trebuchet MS" panose="020B0603020202020204"/>
+                  <a:ea typeface="+mn-ea"/>
+                  <a:cs typeface="+mn-cs"/>
+                </a:rPr>
+                <a:t>1</a:t>
+              </a:r>
+            </a:p>
+          </p:txBody>
+        </p:sp>
+        <p:cxnSp>
+          <p:nvCxnSpPr>
+            <p:cNvPr id="57" name="Straight Arrow Connector 56">
+              <a:extLst>
+                <a:ext uri="{FF2B5EF4-FFF2-40B4-BE49-F238E27FC236}">
+                  <a16:creationId xmlns:a16="http://schemas.microsoft.com/office/drawing/2014/main" id="{9058E969-1448-4669-B4EF-CC6D1D032033}"/>
+                </a:ext>
+              </a:extLst>
+            </p:cNvPr>
+            <p:cNvCxnSpPr>
+              <a:cxnSpLocks/>
+            </p:cNvCxnSpPr>
+            <p:nvPr/>
+          </p:nvCxnSpPr>
+          <p:spPr>
+            <a:xfrm>
+              <a:off x="4954197" y="3543300"/>
+              <a:ext cx="847487" cy="1"/>
+            </a:xfrm>
+            <a:prstGeom prst="straightConnector1">
+              <a:avLst/>
+            </a:prstGeom>
+            <a:noFill/>
+            <a:ln w="76200">
+              <a:solidFill>
+                <a:srgbClr val="7030A0"/>
+              </a:solidFill>
+              <a:tailEnd type="triangle"/>
+            </a:ln>
+          </p:spPr>
+          <p:style>
+            <a:lnRef idx="2">
+              <a:schemeClr val="accent1">
+                <a:shade val="50000"/>
+              </a:schemeClr>
+            </a:lnRef>
+            <a:fillRef idx="1">
+              <a:schemeClr val="accent1"/>
+            </a:fillRef>
+            <a:effectRef idx="0">
+              <a:schemeClr val="accent1"/>
+            </a:effectRef>
+            <a:fontRef idx="minor">
+              <a:schemeClr val="lt1"/>
+            </a:fontRef>
+          </p:style>
+        </p:cxnSp>
+        <p:cxnSp>
+          <p:nvCxnSpPr>
+            <p:cNvPr id="60" name="Straight Arrow Connector 59">
+              <a:extLst>
+                <a:ext uri="{FF2B5EF4-FFF2-40B4-BE49-F238E27FC236}">
+                  <a16:creationId xmlns:a16="http://schemas.microsoft.com/office/drawing/2014/main" id="{CCEF68B6-DD0B-4D8C-AD6F-9F0A4DF35CFD}"/>
+                </a:ext>
+              </a:extLst>
+            </p:cNvPr>
+            <p:cNvCxnSpPr>
+              <a:cxnSpLocks/>
+            </p:cNvCxnSpPr>
+            <p:nvPr/>
+          </p:nvCxnSpPr>
+          <p:spPr>
+            <a:xfrm>
+              <a:off x="2271518" y="3543300"/>
+              <a:ext cx="847487" cy="1"/>
+            </a:xfrm>
+            <a:prstGeom prst="straightConnector1">
+              <a:avLst/>
+            </a:prstGeom>
+            <a:noFill/>
+            <a:ln w="76200">
+              <a:solidFill>
+                <a:srgbClr val="7030A0"/>
+              </a:solidFill>
+              <a:tailEnd type="triangle"/>
+            </a:ln>
+          </p:spPr>
+          <p:style>
+            <a:lnRef idx="2">
+              <a:schemeClr val="accent1">
+                <a:shade val="50000"/>
+              </a:schemeClr>
+            </a:lnRef>
+            <a:fillRef idx="1">
+              <a:schemeClr val="accent1"/>
+            </a:fillRef>
+            <a:effectRef idx="0">
+              <a:schemeClr val="accent1"/>
+            </a:effectRef>
+            <a:fontRef idx="minor">
+              <a:schemeClr val="lt1"/>
+            </a:fontRef>
+          </p:style>
+        </p:cxnSp>
+        <p:grpSp>
+          <p:nvGrpSpPr>
+            <p:cNvPr id="78" name="Group 77">
+              <a:extLst>
+                <a:ext uri="{FF2B5EF4-FFF2-40B4-BE49-F238E27FC236}">
+                  <a16:creationId xmlns:a16="http://schemas.microsoft.com/office/drawing/2014/main" id="{66B6B3CC-819B-4F73-BA1D-22E01B942256}"/>
+                </a:ext>
+              </a:extLst>
+            </p:cNvPr>
+            <p:cNvGrpSpPr/>
+            <p:nvPr/>
+          </p:nvGrpSpPr>
+          <p:grpSpPr>
+            <a:xfrm>
+              <a:off x="3062633" y="2281113"/>
+              <a:ext cx="3038982" cy="804988"/>
+              <a:chOff x="3062633" y="2281113"/>
+              <a:chExt cx="3038982" cy="804988"/>
+            </a:xfrm>
+          </p:grpSpPr>
+          <p:cxnSp>
+            <p:nvCxnSpPr>
+              <p:cNvPr id="73" name="Straight Arrow Connector 72">
+                <a:extLst>
+                  <a:ext uri="{FF2B5EF4-FFF2-40B4-BE49-F238E27FC236}">
+                    <a16:creationId xmlns:a16="http://schemas.microsoft.com/office/drawing/2014/main" id="{866CB804-F56C-4CBF-BA49-6A23B5E61E53}"/>
+                  </a:ext>
+                </a:extLst>
+              </p:cNvPr>
+              <p:cNvCxnSpPr>
+                <a:cxnSpLocks/>
+              </p:cNvCxnSpPr>
+              <p:nvPr/>
+            </p:nvCxnSpPr>
+            <p:spPr>
+              <a:xfrm flipH="1">
+                <a:off x="3062633" y="2343362"/>
+                <a:ext cx="1306067" cy="742739"/>
+              </a:xfrm>
+              <a:prstGeom prst="straightConnector1">
+                <a:avLst/>
+              </a:prstGeom>
+              <a:ln w="57150">
+                <a:solidFill>
+                  <a:srgbClr val="FF0000"/>
+                </a:solidFill>
+                <a:prstDash val="sysDash"/>
+                <a:tailEnd type="triangle"/>
+              </a:ln>
+            </p:spPr>
+            <p:style>
+              <a:lnRef idx="1">
+                <a:schemeClr val="accent1"/>
+              </a:lnRef>
+              <a:fillRef idx="0">
+                <a:schemeClr val="accent1"/>
+              </a:fillRef>
+              <a:effectRef idx="0">
+                <a:schemeClr val="accent1"/>
+              </a:effectRef>
+              <a:fontRef idx="minor">
+                <a:schemeClr val="tx1"/>
+              </a:fontRef>
+            </p:style>
+          </p:cxnSp>
+          <p:cxnSp>
+            <p:nvCxnSpPr>
+              <p:cNvPr id="74" name="Straight Arrow Connector 73">
+                <a:extLst>
+                  <a:ext uri="{FF2B5EF4-FFF2-40B4-BE49-F238E27FC236}">
+                    <a16:creationId xmlns:a16="http://schemas.microsoft.com/office/drawing/2014/main" id="{618D90D4-D9AB-4072-8F45-F029840952AC}"/>
+                  </a:ext>
+                </a:extLst>
+              </p:cNvPr>
+              <p:cNvCxnSpPr>
+                <a:cxnSpLocks/>
+              </p:cNvCxnSpPr>
+              <p:nvPr/>
+            </p:nvCxnSpPr>
+            <p:spPr>
+              <a:xfrm flipH="1">
+                <a:off x="4838700" y="2281113"/>
+                <a:ext cx="1262915" cy="690687"/>
+              </a:xfrm>
+              <a:prstGeom prst="straightConnector1">
+                <a:avLst/>
+              </a:prstGeom>
+              <a:ln w="57150">
+                <a:solidFill>
+                  <a:srgbClr val="FF0000"/>
+                </a:solidFill>
+                <a:prstDash val="sysDash"/>
+                <a:tailEnd type="triangle"/>
+              </a:ln>
+            </p:spPr>
+            <p:style>
+              <a:lnRef idx="1">
+                <a:schemeClr val="accent1"/>
+              </a:lnRef>
+              <a:fillRef idx="0">
+                <a:schemeClr val="accent1"/>
+              </a:fillRef>
+              <a:effectRef idx="0">
+                <a:schemeClr val="accent1"/>
+              </a:effectRef>
+              <a:fontRef idx="minor">
+                <a:schemeClr val="tx1"/>
+              </a:fontRef>
+            </p:style>
+          </p:cxnSp>
+        </p:grpSp>
+      </p:grpSp>
+      <p:sp>
+        <p:nvSpPr>
+          <p:cNvPr id="2" name="Slide Number Placeholder 1">
+            <a:extLst>
+              <a:ext uri="{FF2B5EF4-FFF2-40B4-BE49-F238E27FC236}">
+                <a16:creationId xmlns:a16="http://schemas.microsoft.com/office/drawing/2014/main" id="{39A4A61C-E614-40D0-A029-086975E3AEA9}"/>
+              </a:ext>
+            </a:extLst>
+          </p:cNvPr>
+          <p:cNvSpPr>
+            <a:spLocks noGrp="1"/>
+          </p:cNvSpPr>
+          <p:nvPr>
+            <p:ph type="sldNum" sz="quarter" idx="12"/>
+          </p:nvPr>
+        </p:nvSpPr>
+        <p:spPr/>
+        <p:txBody>
+          <a:bodyPr/>
+          <a:lstStyle/>
+          <a:p>
+            <a:fld id="{D57F1E4F-1CFF-5643-939E-217C01CDF565}" type="slidenum">
+              <a:rPr lang="en-US" smtClean="0"/>
+              <a:pPr/>
+              <a:t>4</a:t>
+            </a:fld>
+            <a:endParaRPr lang="en-US" dirty="0"/>
+          </a:p>
+        </p:txBody>
+      </p:sp>
+    </p:spTree>
+    <p:extLst>
+      <p:ext uri="{BB962C8B-B14F-4D97-AF65-F5344CB8AC3E}">
+        <p14:creationId xmlns:p14="http://schemas.microsoft.com/office/powerpoint/2010/main" val="3699460396"/>
+      </p:ext>
+    </p:extLst>
+  </p:cSld>
+  <p:clrMapOvr>
+    <a:masterClrMapping/>
+  </p:clrMapOvr>
+  <p:timing>
+    <p:tnLst>
+      <p:par>
+        <p:cTn id="1" dur="indefinite" restart="never" nodeType="tmRoot">
+          <p:childTnLst>
+            <p:seq concurrent="1" nextAc="seek">
+              <p:cTn id="2" dur="indefinite" nodeType="mainSeq">
+                <p:childTnLst>
+                  <p:par>
+                    <p:cTn id="3" fill="hold">
+                      <p:stCondLst>
+                        <p:cond delay="indefinite"/>
+                      </p:stCondLst>
+                      <p:childTnLst>
+                        <p:par>
+                          <p:cTn id="4" fill="hold">
+                            <p:stCondLst>
+                              <p:cond delay="0"/>
+                            </p:stCondLst>
+                            <p:childTnLst>
+                              <p:par>
+                                <p:cTn id="5" presetID="22" presetClass="entr" presetSubtype="1" fill="hold" nodeType="clickEffect">
+                                  <p:stCondLst>
+                                    <p:cond delay="0"/>
+                                  </p:stCondLst>
+                                  <p:childTnLst>
+                                    <p:set>
+                                      <p:cBhvr>
+                                        <p:cTn id="6" dur="1" fill="hold">
+                                          <p:stCondLst>
+                                            <p:cond delay="0"/>
+                                          </p:stCondLst>
+                                        </p:cTn>
+                                        <p:tgtEl>
+                                          <p:spTgt spid="6"/>
+                                        </p:tgtEl>
+                                        <p:attrNameLst>
+                                          <p:attrName>style.visibility</p:attrName>
+                                        </p:attrNameLst>
+                                      </p:cBhvr>
+                                      <p:to>
+                                        <p:strVal val="visible"/>
+                                      </p:to>
+                                    </p:set>
+                                    <p:animEffect transition="in" filter="wipe(up)">
+                                      <p:cBhvr>
+                                        <p:cTn id="7" dur="500"/>
+                                        <p:tgtEl>
+                                          <p:spTgt spid="6"/>
+                                        </p:tgtEl>
+                                      </p:cBhvr>
+                                    </p:animEffect>
+                                  </p:childTnLst>
+                                </p:cTn>
+                              </p:par>
+                            </p:childTnLst>
+                          </p:cTn>
+                        </p:par>
+                      </p:childTnLst>
+                    </p:cTn>
+                  </p:par>
+                  <p:par>
+                    <p:cTn id="8" fill="hold">
+                      <p:stCondLst>
+                        <p:cond delay="indefinite"/>
+                      </p:stCondLst>
+                      <p:childTnLst>
+                        <p:par>
+                          <p:cTn id="9" fill="hold">
+                            <p:stCondLst>
+                              <p:cond delay="0"/>
+                            </p:stCondLst>
+                            <p:childTnLst>
+                              <p:par>
+                                <p:cTn id="10" presetID="42" presetClass="entr" presetSubtype="0" fill="hold" grpId="0" nodeType="clickEffect">
+                                  <p:stCondLst>
+                                    <p:cond delay="0"/>
+                                  </p:stCondLst>
+                                  <p:childTnLst>
+                                    <p:set>
+                                      <p:cBhvr>
+                                        <p:cTn id="11" dur="1" fill="hold">
+                                          <p:stCondLst>
+                                            <p:cond delay="0"/>
+                                          </p:stCondLst>
+                                        </p:cTn>
+                                        <p:tgtEl>
+                                          <p:spTgt spid="44"/>
+                                        </p:tgtEl>
+                                        <p:attrNameLst>
+                                          <p:attrName>style.visibility</p:attrName>
+                                        </p:attrNameLst>
+                                      </p:cBhvr>
+                                      <p:to>
+                                        <p:strVal val="visible"/>
+                                      </p:to>
+                                    </p:set>
+                                    <p:animEffect transition="in" filter="fade">
+                                      <p:cBhvr>
+                                        <p:cTn id="12" dur="1000"/>
+                                        <p:tgtEl>
+                                          <p:spTgt spid="44"/>
+                                        </p:tgtEl>
+                                      </p:cBhvr>
+                                    </p:animEffect>
+                                    <p:anim calcmode="lin" valueType="num">
+                                      <p:cBhvr>
+                                        <p:cTn id="13" dur="1000" fill="hold"/>
+                                        <p:tgtEl>
+                                          <p:spTgt spid="44"/>
+                                        </p:tgtEl>
+                                        <p:attrNameLst>
+                                          <p:attrName>ppt_x</p:attrName>
+                                        </p:attrNameLst>
+                                      </p:cBhvr>
+                                      <p:tavLst>
+                                        <p:tav tm="0">
+                                          <p:val>
+                                            <p:strVal val="#ppt_x"/>
+                                          </p:val>
+                                        </p:tav>
+                                        <p:tav tm="100000">
+                                          <p:val>
+                                            <p:strVal val="#ppt_x"/>
+                                          </p:val>
+                                        </p:tav>
+                                      </p:tavLst>
+                                    </p:anim>
+                                    <p:anim calcmode="lin" valueType="num">
+                                      <p:cBhvr>
+                                        <p:cTn id="14" dur="1000" fill="hold"/>
+                                        <p:tgtEl>
+                                          <p:spTgt spid="44"/>
+                                        </p:tgtEl>
+                                        <p:attrNameLst>
+                                          <p:attrName>ppt_y</p:attrName>
+                                        </p:attrNameLst>
+                                      </p:cBhvr>
+                                      <p:tavLst>
+                                        <p:tav tm="0">
+                                          <p:val>
+                                            <p:strVal val="#ppt_y+.1"/>
+                                          </p:val>
+                                        </p:tav>
+                                        <p:tav tm="100000">
+                                          <p:val>
+                                            <p:strVal val="#ppt_y"/>
+                                          </p:val>
+                                        </p:tav>
+                                      </p:tavLst>
+                                    </p:anim>
+                                  </p:childTnLst>
+                                </p:cTn>
+                              </p:par>
+                            </p:childTnLst>
+                          </p:cTn>
+                        </p:par>
+                      </p:childTnLst>
+                    </p:cTn>
+                  </p:par>
+                  <p:par>
+                    <p:cTn id="15" fill="hold">
+                      <p:stCondLst>
+                        <p:cond delay="indefinite"/>
+                      </p:stCondLst>
+                      <p:childTnLst>
+                        <p:par>
+                          <p:cTn id="16" fill="hold">
+                            <p:stCondLst>
+                              <p:cond delay="0"/>
+                            </p:stCondLst>
+                            <p:childTnLst>
+                              <p:par>
+                                <p:cTn id="17" presetID="42" presetClass="entr" presetSubtype="0" fill="hold" grpId="0" nodeType="clickEffect">
+                                  <p:stCondLst>
+                                    <p:cond delay="0"/>
+                                  </p:stCondLst>
+                                  <p:childTnLst>
+                                    <p:set>
+                                      <p:cBhvr>
+                                        <p:cTn id="18" dur="1" fill="hold">
+                                          <p:stCondLst>
+                                            <p:cond delay="0"/>
+                                          </p:stCondLst>
+                                        </p:cTn>
+                                        <p:tgtEl>
+                                          <p:spTgt spid="62"/>
+                                        </p:tgtEl>
+                                        <p:attrNameLst>
+                                          <p:attrName>style.visibility</p:attrName>
+                                        </p:attrNameLst>
+                                      </p:cBhvr>
+                                      <p:to>
+                                        <p:strVal val="visible"/>
+                                      </p:to>
+                                    </p:set>
+                                    <p:animEffect transition="in" filter="fade">
+                                      <p:cBhvr>
+                                        <p:cTn id="19" dur="1000"/>
+                                        <p:tgtEl>
+                                          <p:spTgt spid="62"/>
+                                        </p:tgtEl>
+                                      </p:cBhvr>
+                                    </p:animEffect>
+                                    <p:anim calcmode="lin" valueType="num">
+                                      <p:cBhvr>
+                                        <p:cTn id="20" dur="1000" fill="hold"/>
+                                        <p:tgtEl>
+                                          <p:spTgt spid="62"/>
+                                        </p:tgtEl>
+                                        <p:attrNameLst>
+                                          <p:attrName>ppt_x</p:attrName>
+                                        </p:attrNameLst>
+                                      </p:cBhvr>
+                                      <p:tavLst>
+                                        <p:tav tm="0">
+                                          <p:val>
+                                            <p:strVal val="#ppt_x"/>
+                                          </p:val>
+                                        </p:tav>
+                                        <p:tav tm="100000">
+                                          <p:val>
+                                            <p:strVal val="#ppt_x"/>
+                                          </p:val>
+                                        </p:tav>
+                                      </p:tavLst>
+                                    </p:anim>
+                                    <p:anim calcmode="lin" valueType="num">
+                                      <p:cBhvr>
+                                        <p:cTn id="21" dur="1000" fill="hold"/>
+                                        <p:tgtEl>
+                                          <p:spTgt spid="62"/>
+                                        </p:tgtEl>
+                                        <p:attrNameLst>
+                                          <p:attrName>ppt_y</p:attrName>
+                                        </p:attrNameLst>
+                                      </p:cBhvr>
+                                      <p:tavLst>
+                                        <p:tav tm="0">
+                                          <p:val>
+                                            <p:strVal val="#ppt_y+.1"/>
+                                          </p:val>
+                                        </p:tav>
+                                        <p:tav tm="100000">
+                                          <p:val>
+                                            <p:strVal val="#ppt_y"/>
+                                          </p:val>
+                                        </p:tav>
+                                      </p:tavLst>
+                                    </p:anim>
+                                  </p:childTnLst>
+                                </p:cTn>
+                              </p:par>
+                            </p:childTnLst>
+                          </p:cTn>
+                        </p:par>
+                      </p:childTnLst>
+                    </p:cTn>
+                  </p:par>
+                </p:childTnLst>
+              </p:cTn>
+              <p:prevCondLst>
+                <p:cond evt="onPrev" delay="0">
+                  <p:tgtEl>
+                    <p:sldTgt/>
+                  </p:tgtEl>
+                </p:cond>
+              </p:prevCondLst>
+              <p:nextCondLst>
+                <p:cond evt="onNext" delay="0">
+                  <p:tgtEl>
+                    <p:sldTgt/>
+                  </p:tgtEl>
+                </p:cond>
+              </p:nextCondLst>
+            </p:seq>
+          </p:childTnLst>
+        </p:cTn>
+      </p:par>
+    </p:tnLst>
+    <p:bldLst>
+      <p:bldP spid="62" grpId="0"/>
+      <p:bldP spid="44" grpId="0"/>
+    </p:bldLst>
+  </p:timing>
+</p:sld>
+</file>
+
+<file path=ppt/slides/slide5.xml><?xml version="1.0" encoding="utf-8"?>
 <p:sld xmlns:a="http://schemas.openxmlformats.org/drawingml/2006/main" xmlns:r="http://schemas.openxmlformats.org/officeDocument/2006/relationships" xmlns:p="http://schemas.openxmlformats.org/presentationml/2006/main">
   <p:cSld>
     <p:spTree>
@@ -13447,6 +17602,48 @@
               <a:t>Linear Classifier</a:t>
             </a:r>
           </a:p>
+          <a:p>
+            <a:pPr marL="0" marR="0" lvl="0" indent="0" algn="ctr" defTabSz="457200" rtl="0" eaLnBrk="1" fontAlgn="auto" latinLnBrk="0" hangingPunct="1">
+              <a:lnSpc>
+                <a:spcPct val="100000"/>
+              </a:lnSpc>
+              <a:spcBef>
+                <a:spcPts val="0"/>
+              </a:spcBef>
+              <a:spcAft>
+                <a:spcPts val="0"/>
+              </a:spcAft>
+              <a:buClrTx/>
+              <a:buSzTx/>
+              <a:buFontTx/>
+              <a:buNone/>
+              <a:tabLst/>
+              <a:defRPr/>
+            </a:pPr>
+            <a:r>
+              <a:rPr lang="en-US" dirty="0">
+                <a:solidFill>
+                  <a:srgbClr val="002060"/>
+                </a:solidFill>
+                <a:latin typeface="Trebuchet MS" panose="020B0603020202020204"/>
+              </a:rPr>
+              <a:t>Backend</a:t>
+            </a:r>
+            <a:endParaRPr kumimoji="0" lang="en-US" sz="1800" b="0" i="0" u="none" strike="noStrike" kern="1200" cap="none" spc="0" normalizeH="0" baseline="0" noProof="0" dirty="0">
+              <a:ln>
+                <a:noFill/>
+              </a:ln>
+              <a:solidFill>
+                <a:srgbClr val="002060"/>
+              </a:solidFill>
+              <a:effectLst/>
+              <a:uLnTx/>
+              <a:uFillTx/>
+              <a:latin typeface="Trebuchet MS" panose="020B0603020202020204"/>
+              <a:ea typeface="+mn-ea"/>
+              <a:cs typeface="+mn-cs"/>
+            </a:endParaRPr>
+          </a:p>
         </p:txBody>
       </p:sp>
       <p:sp>
@@ -13663,8 +17860,8 @@
           </a:fontRef>
         </p:style>
       </p:cxnSp>
-      <mc:AlternateContent xmlns:mc="http://schemas.openxmlformats.org/markup-compatibility/2006" xmlns:a14="http://schemas.microsoft.com/office/drawing/2010/main">
-        <mc:Choice Requires="a14">
+      <mc:AlternateContent xmlns:mc="http://schemas.openxmlformats.org/markup-compatibility/2006">
+        <mc:Choice xmlns:a14="http://schemas.microsoft.com/office/drawing/2010/main" Requires="a14">
           <p:sp>
             <p:nvSpPr>
               <p:cNvPr id="18" name="TextBox 17">
@@ -13704,7 +17901,7 @@
                         <a:rPr lang="en-US" sz="3600" b="0" i="1" smtClean="0">
                           <a:latin typeface="Cambria Math" panose="02040503050406030204" pitchFamily="18" charset="0"/>
                         </a:rPr>
-                        <m:t>𝑋</m:t>
+                        <m:t>𝑥</m:t>
                       </m:r>
                     </m:oMath>
                   </m:oMathPara>
@@ -13714,7 +17911,7 @@
             </p:txBody>
           </p:sp>
         </mc:Choice>
-        <mc:Fallback xmlns="">
+        <mc:Fallback>
           <p:sp>
             <p:nvSpPr>
               <p:cNvPr id="18" name="TextBox 17">
@@ -13738,7 +17935,7 @@
                 <a:avLst/>
               </a:prstGeom>
               <a:blipFill>
-                <a:blip r:embed="rId2"/>
+                <a:blip r:embed="rId3"/>
                 <a:stretch>
                   <a:fillRect/>
                 </a:stretch>
@@ -13759,8 +17956,8 @@
           </p:sp>
         </mc:Fallback>
       </mc:AlternateContent>
-      <mc:AlternateContent xmlns:mc="http://schemas.openxmlformats.org/markup-compatibility/2006" xmlns:a14="http://schemas.microsoft.com/office/drawing/2010/main">
-        <mc:Choice Requires="a14">
+      <mc:AlternateContent xmlns:mc="http://schemas.openxmlformats.org/markup-compatibility/2006">
+        <mc:Choice xmlns:a14="http://schemas.microsoft.com/office/drawing/2010/main" Requires="a14">
           <p:sp>
             <p:nvSpPr>
               <p:cNvPr id="49" name="TextBox 48">
@@ -13813,7 +18010,7 @@
                             <a:rPr lang="en-US" sz="3600" b="0" i="1" smtClean="0">
                               <a:latin typeface="Cambria Math" panose="02040503050406030204" pitchFamily="18" charset="0"/>
                             </a:rPr>
-                            <m:t>𝑋</m:t>
+                            <m:t>𝑥</m:t>
                           </m:r>
                         </m:e>
                         <m:sub>
@@ -13833,7 +18030,7 @@
             </p:txBody>
           </p:sp>
         </mc:Choice>
-        <mc:Fallback xmlns="">
+        <mc:Fallback>
           <p:sp>
             <p:nvSpPr>
               <p:cNvPr id="49" name="TextBox 48">
@@ -13857,7 +18054,7 @@
                 <a:avLst/>
               </a:prstGeom>
               <a:blipFill>
-                <a:blip r:embed="rId3"/>
+                <a:blip r:embed="rId4"/>
                 <a:stretch>
                   <a:fillRect/>
                 </a:stretch>
@@ -14123,7 +18320,7 @@
                 <a:avLst/>
               </a:prstGeom>
               <a:blipFill>
-                <a:blip r:embed="rId4"/>
+                <a:blip r:embed="rId5"/>
                 <a:stretch>
                   <a:fillRect/>
                 </a:stretch>
@@ -14144,8 +18341,8 @@
           </p:sp>
         </mc:Fallback>
       </mc:AlternateContent>
-      <mc:AlternateContent xmlns:mc="http://schemas.openxmlformats.org/markup-compatibility/2006">
-        <mc:Choice xmlns:a14="http://schemas.microsoft.com/office/drawing/2010/main" Requires="a14">
+      <mc:AlternateContent xmlns:mc="http://schemas.openxmlformats.org/markup-compatibility/2006" xmlns:a14="http://schemas.microsoft.com/office/drawing/2010/main">
+        <mc:Choice Requires="a14">
           <p:sp>
             <p:nvSpPr>
               <p:cNvPr id="40" name="TextBox 39">
@@ -14734,7 +18931,7 @@
             </p:txBody>
           </p:sp>
         </mc:Choice>
-        <mc:Fallback>
+        <mc:Fallback xmlns="">
           <p:sp>
             <p:nvSpPr>
               <p:cNvPr id="40" name="TextBox 39">
@@ -14758,7 +18955,7 @@
                 <a:avLst/>
               </a:prstGeom>
               <a:blipFill>
-                <a:blip r:embed="rId5"/>
+                <a:blip r:embed="rId6"/>
                 <a:stretch>
                   <a:fillRect/>
                 </a:stretch>
@@ -14972,7 +19169,7 @@
                   <a:avLst/>
                 </a:prstGeom>
                 <a:blipFill>
-                  <a:blip r:embed="rId6"/>
+                  <a:blip r:embed="rId7"/>
                   <a:stretch>
                     <a:fillRect/>
                   </a:stretch>
@@ -15626,7 +19823,7 @@
                   <a:avLst/>
                 </a:prstGeom>
                 <a:blipFill>
-                  <a:blip r:embed="rId7"/>
+                  <a:blip r:embed="rId8"/>
                   <a:stretch>
                     <a:fillRect/>
                   </a:stretch>
@@ -15774,7 +19971,7 @@
                   <a:avLst/>
                 </a:prstGeom>
                 <a:blipFill>
-                  <a:blip r:embed="rId8"/>
+                  <a:blip r:embed="rId9"/>
                   <a:stretch>
                     <a:fillRect/>
                   </a:stretch>
@@ -15893,7 +20090,7 @@
                   <a:avLst/>
                 </a:prstGeom>
                 <a:blipFill>
-                  <a:blip r:embed="rId9"/>
+                  <a:blip r:embed="rId10"/>
                   <a:stretch>
                     <a:fillRect/>
                   </a:stretch>
@@ -16026,10 +20223,40 @@
           </p:style>
         </p:cxnSp>
       </p:grpSp>
+      <p:sp>
+        <p:nvSpPr>
+          <p:cNvPr id="2" name="Slide Number Placeholder 1">
+            <a:extLst>
+              <a:ext uri="{FF2B5EF4-FFF2-40B4-BE49-F238E27FC236}">
+                <a16:creationId xmlns:a16="http://schemas.microsoft.com/office/drawing/2014/main" id="{39A4A61C-E614-40D0-A029-086975E3AEA9}"/>
+              </a:ext>
+            </a:extLst>
+          </p:cNvPr>
+          <p:cNvSpPr>
+            <a:spLocks noGrp="1"/>
+          </p:cNvSpPr>
+          <p:nvPr>
+            <p:ph type="sldNum" sz="quarter" idx="12"/>
+          </p:nvPr>
+        </p:nvSpPr>
+        <p:spPr/>
+        <p:txBody>
+          <a:bodyPr/>
+          <a:lstStyle/>
+          <a:p>
+            <a:fld id="{D57F1E4F-1CFF-5643-939E-217C01CDF565}" type="slidenum">
+              <a:rPr lang="en-US" smtClean="0"/>
+              <a:pPr/>
+              <a:t>5</a:t>
+            </a:fld>
+            <a:endParaRPr lang="en-US" dirty="0"/>
+          </a:p>
+        </p:txBody>
+      </p:sp>
     </p:spTree>
     <p:extLst>
       <p:ext uri="{BB962C8B-B14F-4D97-AF65-F5344CB8AC3E}">
-        <p14:creationId xmlns:p14="http://schemas.microsoft.com/office/powerpoint/2010/main" val="3699460396"/>
+        <p14:creationId xmlns:p14="http://schemas.microsoft.com/office/powerpoint/2010/main" val="1248929214"/>
       </p:ext>
     </p:extLst>
   </p:cSld>
@@ -16422,188 +20649,6 @@
 </p:sld>
 </file>
 
-<file path=ppt/slides/slide5.xml><?xml version="1.0" encoding="utf-8"?>
-<p:sld xmlns:a="http://schemas.openxmlformats.org/drawingml/2006/main" xmlns:r="http://schemas.openxmlformats.org/officeDocument/2006/relationships" xmlns:p="http://schemas.openxmlformats.org/presentationml/2006/main">
-  <p:cSld>
-    <p:spTree>
-      <p:nvGrpSpPr>
-        <p:cNvPr id="1" name=""/>
-        <p:cNvGrpSpPr/>
-        <p:nvPr/>
-      </p:nvGrpSpPr>
-      <p:grpSpPr>
-        <a:xfrm>
-          <a:off x="0" y="0"/>
-          <a:ext cx="0" cy="0"/>
-          <a:chOff x="0" y="0"/>
-          <a:chExt cx="0" cy="0"/>
-        </a:xfrm>
-      </p:grpSpPr>
-      <p:sp>
-        <p:nvSpPr>
-          <p:cNvPr id="39" name="Title 1">
-            <a:extLst>
-              <a:ext uri="{FF2B5EF4-FFF2-40B4-BE49-F238E27FC236}">
-                <a16:creationId xmlns:a16="http://schemas.microsoft.com/office/drawing/2014/main" id="{A8100B3E-DBA4-4DE0-864F-F152EE250F6F}"/>
-              </a:ext>
-            </a:extLst>
-          </p:cNvPr>
-          <p:cNvSpPr>
-            <a:spLocks noGrp="1"/>
-          </p:cNvSpPr>
-          <p:nvPr>
-            <p:ph type="title"/>
-          </p:nvPr>
-        </p:nvSpPr>
-        <p:spPr>
-          <a:xfrm>
-            <a:off x="266700" y="181235"/>
-            <a:ext cx="11201400" cy="847465"/>
-          </a:xfrm>
-        </p:spPr>
-        <p:txBody>
-          <a:bodyPr>
-            <a:normAutofit/>
-          </a:bodyPr>
-          <a:lstStyle/>
-          <a:p>
-            <a:r>
-              <a:rPr lang="en-US" dirty="0">
-                <a:solidFill>
-                  <a:srgbClr val="002060"/>
-                </a:solidFill>
-              </a:rPr>
-              <a:t>One-vs-Rest Multiclass Classification with K Classes</a:t>
-            </a:r>
-          </a:p>
-        </p:txBody>
-      </p:sp>
-      <p:pic>
-        <p:nvPicPr>
-          <p:cNvPr id="5" name="Picture 4">
-            <a:extLst>
-              <a:ext uri="{FF2B5EF4-FFF2-40B4-BE49-F238E27FC236}">
-                <a16:creationId xmlns:a16="http://schemas.microsoft.com/office/drawing/2014/main" id="{4D1378B7-6BFA-49E8-A1A9-8E545C816AE6}"/>
-              </a:ext>
-            </a:extLst>
-          </p:cNvPr>
-          <p:cNvPicPr>
-            <a:picLocks noChangeAspect="1"/>
-          </p:cNvPicPr>
-          <p:nvPr/>
-        </p:nvPicPr>
-        <p:blipFill>
-          <a:blip r:embed="rId2"/>
-          <a:stretch>
-            <a:fillRect/>
-          </a:stretch>
-        </p:blipFill>
-        <p:spPr>
-          <a:xfrm>
-            <a:off x="3124200" y="1879600"/>
-            <a:ext cx="5254895" cy="2460751"/>
-          </a:xfrm>
-          <a:prstGeom prst="rect">
-            <a:avLst/>
-          </a:prstGeom>
-        </p:spPr>
-      </p:pic>
-      <p:sp>
-        <p:nvSpPr>
-          <p:cNvPr id="10" name="TextBox 9">
-            <a:extLst>
-              <a:ext uri="{FF2B5EF4-FFF2-40B4-BE49-F238E27FC236}">
-                <a16:creationId xmlns:a16="http://schemas.microsoft.com/office/drawing/2014/main" id="{2CC07CA0-CB3B-408F-BCA2-C72403DBEF1E}"/>
-              </a:ext>
-            </a:extLst>
-          </p:cNvPr>
-          <p:cNvSpPr txBox="1"/>
-          <p:nvPr/>
-        </p:nvSpPr>
-        <p:spPr>
-          <a:xfrm>
-            <a:off x="3695700" y="4800600"/>
-            <a:ext cx="6400800" cy="1569660"/>
-          </a:xfrm>
-          <a:prstGeom prst="rect">
-            <a:avLst/>
-          </a:prstGeom>
-          <a:noFill/>
-        </p:spPr>
-        <p:txBody>
-          <a:bodyPr wrap="square" rtlCol="0">
-            <a:spAutoFit/>
-          </a:bodyPr>
-          <a:lstStyle/>
-          <a:p>
-            <a:r>
-              <a:rPr lang="en-US" sz="2400" dirty="0">
-                <a:solidFill>
-                  <a:srgbClr val="002060"/>
-                </a:solidFill>
-              </a:rPr>
-              <a:t>Same as home work:</a:t>
-            </a:r>
-          </a:p>
-          <a:p>
-            <a:pPr marL="342900" indent="-342900">
-              <a:buFont typeface="Arial" panose="020B0604020202020204" pitchFamily="34" charset="0"/>
-              <a:buChar char="•"/>
-            </a:pPr>
-            <a:r>
-              <a:rPr lang="en-US" sz="2400" dirty="0">
-                <a:solidFill>
-                  <a:srgbClr val="002060"/>
-                </a:solidFill>
-              </a:rPr>
-              <a:t>K-classes linear classifiers with </a:t>
-            </a:r>
-            <a:r>
-              <a:rPr lang="en-US" sz="2400" dirty="0" err="1">
-                <a:solidFill>
-                  <a:srgbClr val="002060"/>
-                </a:solidFill>
-              </a:rPr>
-              <a:t>Kesler</a:t>
-            </a:r>
-            <a:r>
-              <a:rPr lang="en-US" sz="2400" dirty="0">
-                <a:solidFill>
-                  <a:srgbClr val="002060"/>
-                </a:solidFill>
-              </a:rPr>
-              <a:t> Construction</a:t>
-            </a:r>
-          </a:p>
-          <a:p>
-            <a:pPr marL="342900" indent="-342900">
-              <a:buFont typeface="Arial" panose="020B0604020202020204" pitchFamily="34" charset="0"/>
-              <a:buChar char="•"/>
-            </a:pPr>
-            <a:r>
-              <a:rPr lang="en-US" sz="2400" dirty="0">
-                <a:solidFill>
-                  <a:srgbClr val="002060"/>
-                </a:solidFill>
-              </a:rPr>
-              <a:t>K-classes  Bayesian classifiers</a:t>
-            </a:r>
-          </a:p>
-        </p:txBody>
-      </p:sp>
-    </p:spTree>
-    <p:extLst>
-      <p:ext uri="{BB962C8B-B14F-4D97-AF65-F5344CB8AC3E}">
-        <p14:creationId xmlns:p14="http://schemas.microsoft.com/office/powerpoint/2010/main" val="1138148908"/>
-      </p:ext>
-    </p:extLst>
-  </p:cSld>
-  <p:clrMapOvr>
-    <a:masterClrMapping/>
-  </p:clrMapOvr>
-</p:sld>
-</file>
-
 <file path=ppt/slides/slide6.xml><?xml version="1.0" encoding="utf-8"?>
 <p:sld xmlns:a="http://schemas.openxmlformats.org/drawingml/2006/main" xmlns:r="http://schemas.openxmlformats.org/officeDocument/2006/relationships" xmlns:p="http://schemas.openxmlformats.org/presentationml/2006/main">
   <p:cSld>
@@ -16655,6 +20700,265 @@
                   <a:srgbClr val="002060"/>
                 </a:solidFill>
               </a:rPr>
+              <a:t>One-vs-Rest Multiclass Classification with K Classes</a:t>
+            </a:r>
+          </a:p>
+        </p:txBody>
+      </p:sp>
+      <p:pic>
+        <p:nvPicPr>
+          <p:cNvPr id="5" name="Picture 4">
+            <a:extLst>
+              <a:ext uri="{FF2B5EF4-FFF2-40B4-BE49-F238E27FC236}">
+                <a16:creationId xmlns:a16="http://schemas.microsoft.com/office/drawing/2014/main" id="{4D1378B7-6BFA-49E8-A1A9-8E545C816AE6}"/>
+              </a:ext>
+            </a:extLst>
+          </p:cNvPr>
+          <p:cNvPicPr>
+            <a:picLocks noChangeAspect="1"/>
+          </p:cNvPicPr>
+          <p:nvPr/>
+        </p:nvPicPr>
+        <p:blipFill>
+          <a:blip r:embed="rId3"/>
+          <a:stretch>
+            <a:fillRect/>
+          </a:stretch>
+        </p:blipFill>
+        <p:spPr>
+          <a:xfrm>
+            <a:off x="3124200" y="1543050"/>
+            <a:ext cx="5254895" cy="2460751"/>
+          </a:xfrm>
+          <a:prstGeom prst="rect">
+            <a:avLst/>
+          </a:prstGeom>
+        </p:spPr>
+      </p:pic>
+      <p:sp>
+        <p:nvSpPr>
+          <p:cNvPr id="10" name="TextBox 9">
+            <a:extLst>
+              <a:ext uri="{FF2B5EF4-FFF2-40B4-BE49-F238E27FC236}">
+                <a16:creationId xmlns:a16="http://schemas.microsoft.com/office/drawing/2014/main" id="{2CC07CA0-CB3B-408F-BCA2-C72403DBEF1E}"/>
+              </a:ext>
+            </a:extLst>
+          </p:cNvPr>
+          <p:cNvSpPr txBox="1"/>
+          <p:nvPr/>
+        </p:nvSpPr>
+        <p:spPr>
+          <a:xfrm>
+            <a:off x="2781300" y="4114800"/>
+            <a:ext cx="7040880" cy="3046988"/>
+          </a:xfrm>
+          <a:prstGeom prst="rect">
+            <a:avLst/>
+          </a:prstGeom>
+          <a:noFill/>
+        </p:spPr>
+        <p:txBody>
+          <a:bodyPr wrap="square" rtlCol="0">
+            <a:spAutoFit/>
+          </a:bodyPr>
+          <a:lstStyle/>
+          <a:p>
+            <a:r>
+              <a:rPr lang="en-US" sz="2400" dirty="0">
+                <a:solidFill>
+                  <a:srgbClr val="002060"/>
+                </a:solidFill>
+              </a:rPr>
+              <a:t>Same as home work:</a:t>
+            </a:r>
+          </a:p>
+          <a:p>
+            <a:pPr marL="342900" indent="-342900">
+              <a:buFont typeface="Arial" panose="020B0604020202020204" pitchFamily="34" charset="0"/>
+              <a:buChar char="•"/>
+            </a:pPr>
+            <a:r>
+              <a:rPr lang="en-US" sz="2400" dirty="0">
+                <a:solidFill>
+                  <a:srgbClr val="002060"/>
+                </a:solidFill>
+              </a:rPr>
+              <a:t>K-classes linear classifiers with </a:t>
+            </a:r>
+            <a:r>
+              <a:rPr lang="en-US" sz="2400" dirty="0" err="1">
+                <a:solidFill>
+                  <a:srgbClr val="002060"/>
+                </a:solidFill>
+              </a:rPr>
+              <a:t>Kesler</a:t>
+            </a:r>
+            <a:r>
+              <a:rPr lang="en-US" sz="2400" dirty="0">
+                <a:solidFill>
+                  <a:srgbClr val="002060"/>
+                </a:solidFill>
+              </a:rPr>
+              <a:t> construction</a:t>
+            </a:r>
+          </a:p>
+          <a:p>
+            <a:pPr marL="342900" indent="-342900">
+              <a:buFont typeface="Arial" panose="020B0604020202020204" pitchFamily="34" charset="0"/>
+              <a:buChar char="•"/>
+            </a:pPr>
+            <a:r>
+              <a:rPr lang="en-US" sz="2400" dirty="0">
+                <a:solidFill>
+                  <a:srgbClr val="002060"/>
+                </a:solidFill>
+              </a:rPr>
+              <a:t>K-classes  Bayesian classifiers</a:t>
+            </a:r>
+          </a:p>
+          <a:p>
+            <a:r>
+              <a:rPr lang="en-US" sz="2400" dirty="0">
+                <a:solidFill>
+                  <a:srgbClr val="002060"/>
+                </a:solidFill>
+              </a:rPr>
+              <a:t>Addition:</a:t>
+            </a:r>
+          </a:p>
+          <a:p>
+            <a:pPr marL="342900" indent="-342900">
+              <a:buFont typeface="Arial" panose="020B0604020202020204" pitchFamily="34" charset="0"/>
+              <a:buChar char="•"/>
+            </a:pPr>
+            <a:r>
+              <a:rPr lang="en-US" sz="2400" dirty="0">
+                <a:solidFill>
+                  <a:srgbClr val="002060"/>
+                </a:solidFill>
+              </a:rPr>
+              <a:t>K-classes linear classifier with non-linear feature combination and </a:t>
+            </a:r>
+            <a:r>
+              <a:rPr lang="en-US" sz="2400" dirty="0" err="1">
+                <a:solidFill>
+                  <a:srgbClr val="002060"/>
+                </a:solidFill>
+              </a:rPr>
+              <a:t>Kesler</a:t>
+            </a:r>
+            <a:r>
+              <a:rPr lang="en-US" sz="2400" dirty="0">
+                <a:solidFill>
+                  <a:srgbClr val="002060"/>
+                </a:solidFill>
+              </a:rPr>
+              <a:t> construction</a:t>
+            </a:r>
+          </a:p>
+          <a:p>
+            <a:endParaRPr lang="en-US" sz="2400" dirty="0">
+              <a:solidFill>
+                <a:srgbClr val="002060"/>
+              </a:solidFill>
+            </a:endParaRPr>
+          </a:p>
+        </p:txBody>
+      </p:sp>
+      <p:sp>
+        <p:nvSpPr>
+          <p:cNvPr id="4" name="Slide Number Placeholder 3">
+            <a:extLst>
+              <a:ext uri="{FF2B5EF4-FFF2-40B4-BE49-F238E27FC236}">
+                <a16:creationId xmlns:a16="http://schemas.microsoft.com/office/drawing/2014/main" id="{DBB2CB64-79F8-4F5F-81B9-45283DB80F0B}"/>
+              </a:ext>
+            </a:extLst>
+          </p:cNvPr>
+          <p:cNvSpPr>
+            <a:spLocks noGrp="1"/>
+          </p:cNvSpPr>
+          <p:nvPr>
+            <p:ph type="sldNum" sz="quarter" idx="12"/>
+          </p:nvPr>
+        </p:nvSpPr>
+        <p:spPr/>
+        <p:txBody>
+          <a:bodyPr/>
+          <a:lstStyle/>
+          <a:p>
+            <a:fld id="{D57F1E4F-1CFF-5643-939E-217C01CDF565}" type="slidenum">
+              <a:rPr lang="en-US" smtClean="0"/>
+              <a:pPr/>
+              <a:t>6</a:t>
+            </a:fld>
+            <a:endParaRPr lang="en-US" dirty="0"/>
+          </a:p>
+        </p:txBody>
+      </p:sp>
+    </p:spTree>
+    <p:extLst>
+      <p:ext uri="{BB962C8B-B14F-4D97-AF65-F5344CB8AC3E}">
+        <p14:creationId xmlns:p14="http://schemas.microsoft.com/office/powerpoint/2010/main" val="1138148908"/>
+      </p:ext>
+    </p:extLst>
+  </p:cSld>
+  <p:clrMapOvr>
+    <a:masterClrMapping/>
+  </p:clrMapOvr>
+</p:sld>
+</file>
+
+<file path=ppt/slides/slide7.xml><?xml version="1.0" encoding="utf-8"?>
+<p:sld xmlns:a="http://schemas.openxmlformats.org/drawingml/2006/main" xmlns:r="http://schemas.openxmlformats.org/officeDocument/2006/relationships" xmlns:p="http://schemas.openxmlformats.org/presentationml/2006/main">
+  <p:cSld>
+    <p:spTree>
+      <p:nvGrpSpPr>
+        <p:cNvPr id="1" name=""/>
+        <p:cNvGrpSpPr/>
+        <p:nvPr/>
+      </p:nvGrpSpPr>
+      <p:grpSpPr>
+        <a:xfrm>
+          <a:off x="0" y="0"/>
+          <a:ext cx="0" cy="0"/>
+          <a:chOff x="0" y="0"/>
+          <a:chExt cx="0" cy="0"/>
+        </a:xfrm>
+      </p:grpSpPr>
+      <p:sp>
+        <p:nvSpPr>
+          <p:cNvPr id="39" name="Title 1">
+            <a:extLst>
+              <a:ext uri="{FF2B5EF4-FFF2-40B4-BE49-F238E27FC236}">
+                <a16:creationId xmlns:a16="http://schemas.microsoft.com/office/drawing/2014/main" id="{A8100B3E-DBA4-4DE0-864F-F152EE250F6F}"/>
+              </a:ext>
+            </a:extLst>
+          </p:cNvPr>
+          <p:cNvSpPr>
+            <a:spLocks noGrp="1"/>
+          </p:cNvSpPr>
+          <p:nvPr>
+            <p:ph type="title"/>
+          </p:nvPr>
+        </p:nvSpPr>
+        <p:spPr>
+          <a:xfrm>
+            <a:off x="266700" y="181235"/>
+            <a:ext cx="11201400" cy="847465"/>
+          </a:xfrm>
+        </p:spPr>
+        <p:txBody>
+          <a:bodyPr>
+            <a:normAutofit/>
+          </a:bodyPr>
+          <a:lstStyle/>
+          <a:p>
+            <a:r>
+              <a:rPr lang="en-US" dirty="0">
+                <a:solidFill>
+                  <a:srgbClr val="002060"/>
+                </a:solidFill>
+              </a:rPr>
               <a:t>One-vs-One Multiclass Classification with K Classes</a:t>
             </a:r>
           </a:p>
@@ -16675,14 +20979,14 @@
           <p:nvPr/>
         </p:nvPicPr>
         <p:blipFill>
-          <a:blip r:embed="rId2"/>
+          <a:blip r:embed="rId3"/>
           <a:stretch>
             <a:fillRect/>
           </a:stretch>
         </p:blipFill>
         <p:spPr>
           <a:xfrm>
-            <a:off x="9832" y="1714500"/>
+            <a:off x="9832" y="1657350"/>
             <a:ext cx="6086168" cy="2521294"/>
           </a:xfrm>
           <a:prstGeom prst="rect">
@@ -16706,7 +21010,7 @@
             </p:nvSpPr>
             <p:spPr>
               <a:xfrm>
-                <a:off x="495300" y="4572000"/>
+                <a:off x="495300" y="4486242"/>
                 <a:ext cx="5809283" cy="830997"/>
               </a:xfrm>
               <a:prstGeom prst="rect">
@@ -16780,14 +21084,14 @@
             </p:nvSpPr>
             <p:spPr>
               <a:xfrm>
-                <a:off x="495300" y="4572000"/>
+                <a:off x="495300" y="4486242"/>
                 <a:ext cx="5809283" cy="830997"/>
               </a:xfrm>
               <a:prstGeom prst="rect">
                 <a:avLst/>
               </a:prstGeom>
               <a:blipFill>
-                <a:blip r:embed="rId3"/>
+                <a:blip r:embed="rId4"/>
                 <a:stretch>
                   <a:fillRect l="-1574" t="-5882" r="-630" b="-16176"/>
                 </a:stretch>
@@ -16823,14 +21127,14 @@
           <p:nvPr/>
         </p:nvPicPr>
         <p:blipFill>
-          <a:blip r:embed="rId4"/>
+          <a:blip r:embed="rId5"/>
           <a:stretch>
             <a:fillRect/>
           </a:stretch>
         </p:blipFill>
         <p:spPr>
           <a:xfrm>
-            <a:off x="6725363" y="1828800"/>
+            <a:off x="6725363" y="1771650"/>
             <a:ext cx="5315223" cy="2400423"/>
           </a:xfrm>
           <a:prstGeom prst="rect">
@@ -16857,7 +21161,7 @@
             </p:nvSpPr>
             <p:spPr>
               <a:xfrm>
-                <a:off x="6553200" y="4429158"/>
+                <a:off x="6553200" y="4343400"/>
                 <a:ext cx="5549596" cy="2487412"/>
               </a:xfrm>
               <a:prstGeom prst="rect">
@@ -16999,7 +21303,7 @@
                       <a:srgbClr val="002060"/>
                     </a:solidFill>
                   </a:rPr>
-                  <a:t>The predicted  class label with the most votes win</a:t>
+                  <a:t>The predicted  class label with the most votes win.</a:t>
                 </a:r>
               </a:p>
             </p:txBody>
@@ -17022,16 +21326,16 @@
             </p:nvSpPr>
             <p:spPr>
               <a:xfrm>
-                <a:off x="6553200" y="4429158"/>
+                <a:off x="6553200" y="4343400"/>
                 <a:ext cx="5549596" cy="2487412"/>
               </a:xfrm>
               <a:prstGeom prst="rect">
                 <a:avLst/>
               </a:prstGeom>
               <a:blipFill>
-                <a:blip r:embed="rId5"/>
+                <a:blip r:embed="rId6"/>
                 <a:stretch>
-                  <a:fillRect l="-1648" b="-4657"/>
+                  <a:fillRect l="-1648" b="-4412"/>
                 </a:stretch>
               </a:blipFill>
             </p:spPr>
@@ -17066,7 +21370,7 @@
         </p:nvCxnSpPr>
         <p:spPr>
           <a:xfrm>
-            <a:off x="5557956" y="2971800"/>
+            <a:off x="5557956" y="2914650"/>
             <a:ext cx="995244" cy="0"/>
           </a:xfrm>
           <a:prstGeom prst="straightConnector1">
@@ -17113,7 +21417,7 @@
             </p:nvSpPr>
             <p:spPr>
               <a:xfrm>
-                <a:off x="7467600" y="1028700"/>
+                <a:off x="7467600" y="971550"/>
                 <a:ext cx="3941592" cy="731932"/>
               </a:xfrm>
               <a:prstGeom prst="rect">
@@ -17205,14 +21509,14 @@
             </p:nvSpPr>
             <p:spPr>
               <a:xfrm>
-                <a:off x="7467600" y="1028700"/>
+                <a:off x="7467600" y="971550"/>
                 <a:ext cx="3941592" cy="731932"/>
               </a:xfrm>
               <a:prstGeom prst="rect">
                 <a:avLst/>
               </a:prstGeom>
               <a:blipFill>
-                <a:blip r:embed="rId6"/>
+                <a:blip r:embed="rId7"/>
                 <a:stretch>
                   <a:fillRect r="-1700" b="-10000"/>
                 </a:stretch>
@@ -17247,7 +21551,7 @@
         </p:nvSpPr>
         <p:spPr>
           <a:xfrm>
-            <a:off x="8839200" y="2590363"/>
+            <a:off x="8839200" y="2533213"/>
             <a:ext cx="457200" cy="182468"/>
           </a:xfrm>
           <a:prstGeom prst="rect">
@@ -17303,7 +21607,7 @@
         </p:nvSpPr>
         <p:spPr>
           <a:xfrm>
-            <a:off x="7581900" y="3314700"/>
+            <a:off x="7581900" y="3257550"/>
             <a:ext cx="1028700" cy="571500"/>
           </a:xfrm>
           <a:prstGeom prst="wedgeRoundRectCallout">
@@ -17358,6 +21662,41 @@
               </a:rPr>
               <a:t>C or E ?</a:t>
             </a:r>
+          </a:p>
+        </p:txBody>
+      </p:sp>
+      <p:sp>
+        <p:nvSpPr>
+          <p:cNvPr id="5" name="Slide Number Placeholder 4">
+            <a:extLst>
+              <a:ext uri="{FF2B5EF4-FFF2-40B4-BE49-F238E27FC236}">
+                <a16:creationId xmlns:a16="http://schemas.microsoft.com/office/drawing/2014/main" id="{AFBCBA92-9C9D-4CE1-9E8C-B44A24A95188}"/>
+              </a:ext>
+            </a:extLst>
+          </p:cNvPr>
+          <p:cNvSpPr>
+            <a:spLocks noGrp="1"/>
+          </p:cNvSpPr>
+          <p:nvPr>
+            <p:ph type="sldNum" sz="quarter" idx="12"/>
+          </p:nvPr>
+        </p:nvSpPr>
+        <p:spPr>
+          <a:xfrm>
+            <a:off x="11318076" y="6320729"/>
+            <a:ext cx="683339" cy="365125"/>
+          </a:xfrm>
+        </p:spPr>
+        <p:txBody>
+          <a:bodyPr/>
+          <a:lstStyle/>
+          <a:p>
+            <a:fld id="{D57F1E4F-1CFF-5643-939E-217C01CDF565}" type="slidenum">
+              <a:rPr lang="en-US" smtClean="0"/>
+              <a:pPr/>
+              <a:t>7</a:t>
+            </a:fld>
+            <a:endParaRPr lang="en-US" dirty="0"/>
           </a:p>
         </p:txBody>
       </p:sp>
@@ -17847,7 +22186,7 @@
 </p:sld>
 </file>
 
-<file path=ppt/slides/slide7.xml><?xml version="1.0" encoding="utf-8"?>
+<file path=ppt/slides/slide8.xml><?xml version="1.0" encoding="utf-8"?>
 <p:sld xmlns:a="http://schemas.openxmlformats.org/drawingml/2006/main" xmlns:r="http://schemas.openxmlformats.org/officeDocument/2006/relationships" xmlns:p="http://schemas.openxmlformats.org/presentationml/2006/main">
   <p:cSld>
     <p:spTree>
@@ -17997,7 +22336,7 @@
           <p:nvPr/>
         </p:nvPicPr>
         <p:blipFill>
-          <a:blip r:embed="rId2"/>
+          <a:blip r:embed="rId3"/>
           <a:stretch>
             <a:fillRect/>
           </a:stretch>
@@ -18546,6 +22885,36 @@
           </p:txBody>
         </p:sp>
       </p:grpSp>
+      <p:sp>
+        <p:nvSpPr>
+          <p:cNvPr id="10" name="Slide Number Placeholder 9">
+            <a:extLst>
+              <a:ext uri="{FF2B5EF4-FFF2-40B4-BE49-F238E27FC236}">
+                <a16:creationId xmlns:a16="http://schemas.microsoft.com/office/drawing/2014/main" id="{E11656A2-85FD-401F-8228-B777A563C32E}"/>
+              </a:ext>
+            </a:extLst>
+          </p:cNvPr>
+          <p:cNvSpPr>
+            <a:spLocks noGrp="1"/>
+          </p:cNvSpPr>
+          <p:nvPr>
+            <p:ph type="sldNum" sz="quarter" idx="12"/>
+          </p:nvPr>
+        </p:nvSpPr>
+        <p:spPr/>
+        <p:txBody>
+          <a:bodyPr/>
+          <a:lstStyle/>
+          <a:p>
+            <a:fld id="{D57F1E4F-1CFF-5643-939E-217C01CDF565}" type="slidenum">
+              <a:rPr lang="en-US" smtClean="0"/>
+              <a:pPr/>
+              <a:t>8</a:t>
+            </a:fld>
+            <a:endParaRPr lang="en-US" dirty="0"/>
+          </a:p>
+        </p:txBody>
+      </p:sp>
     </p:spTree>
     <p:extLst>
       <p:ext uri="{BB962C8B-B14F-4D97-AF65-F5344CB8AC3E}">
@@ -19141,7 +23510,7 @@
 </p:sld>
 </file>
 
-<file path=ppt/slides/slide8.xml><?xml version="1.0" encoding="utf-8"?>
+<file path=ppt/slides/slide9.xml><?xml version="1.0" encoding="utf-8"?>
 <p:sld xmlns:a="http://schemas.openxmlformats.org/drawingml/2006/main" xmlns:r="http://schemas.openxmlformats.org/officeDocument/2006/relationships" xmlns:p="http://schemas.openxmlformats.org/presentationml/2006/main">
   <p:cSld>
     <p:spTree>
@@ -19175,7 +23544,7 @@
         <p:spPr>
           <a:xfrm>
             <a:off x="292001" y="181661"/>
-            <a:ext cx="11019366" cy="847465"/>
+            <a:ext cx="11709414" cy="847465"/>
           </a:xfrm>
           <a:prstGeom prst="rect">
             <a:avLst/>
@@ -19183,7 +23552,7 @@
         </p:spPr>
         <p:txBody>
           <a:bodyPr vert="horz" lIns="91440" tIns="45720" rIns="91440" bIns="45720" rtlCol="0" anchor="t">
-            <a:normAutofit fontScale="97500"/>
+            <a:normAutofit fontScale="90000"/>
           </a:bodyPr>
           <a:lstStyle>
             <a:lvl1pPr algn="l" defTabSz="457200" rtl="0" eaLnBrk="1" latinLnBrk="0" hangingPunct="1">
@@ -19264,7 +23633,7 @@
                   <a:srgbClr val="002060"/>
                 </a:solidFill>
               </a:rPr>
-              <a:t>Results: Metrics for 16 Principle Components</a:t>
+              <a:t>Results: Worse Case Performance for 16 Principle Components</a:t>
             </a:r>
           </a:p>
           <a:p>
@@ -19291,7 +23660,7 @@
           <p:nvPr/>
         </p:nvPicPr>
         <p:blipFill>
-          <a:blip r:embed="rId2"/>
+          <a:blip r:embed="rId3"/>
           <a:stretch>
             <a:fillRect/>
           </a:stretch>
@@ -19306,6 +23675,73 @@
           </a:prstGeom>
         </p:spPr>
       </p:pic>
+      <p:sp>
+        <p:nvSpPr>
+          <p:cNvPr id="5" name="Slide Number Placeholder 4">
+            <a:extLst>
+              <a:ext uri="{FF2B5EF4-FFF2-40B4-BE49-F238E27FC236}">
+                <a16:creationId xmlns:a16="http://schemas.microsoft.com/office/drawing/2014/main" id="{6C7AC4C2-311E-4220-AFEE-F95E8983AB3B}"/>
+              </a:ext>
+            </a:extLst>
+          </p:cNvPr>
+          <p:cNvSpPr>
+            <a:spLocks noGrp="1"/>
+          </p:cNvSpPr>
+          <p:nvPr>
+            <p:ph type="sldNum" sz="quarter" idx="12"/>
+          </p:nvPr>
+        </p:nvSpPr>
+        <p:spPr/>
+        <p:txBody>
+          <a:bodyPr/>
+          <a:lstStyle/>
+          <a:p>
+            <a:fld id="{D57F1E4F-1CFF-5643-939E-217C01CDF565}" type="slidenum">
+              <a:rPr lang="en-US" smtClean="0"/>
+              <a:pPr/>
+              <a:t>9</a:t>
+            </a:fld>
+            <a:endParaRPr lang="en-US" dirty="0"/>
+          </a:p>
+        </p:txBody>
+      </p:sp>
+      <p:sp>
+        <p:nvSpPr>
+          <p:cNvPr id="7" name="TextBox 6">
+            <a:extLst>
+              <a:ext uri="{FF2B5EF4-FFF2-40B4-BE49-F238E27FC236}">
+                <a16:creationId xmlns:a16="http://schemas.microsoft.com/office/drawing/2014/main" id="{A1CB4040-B930-4C77-85A7-14277601F045}"/>
+              </a:ext>
+            </a:extLst>
+          </p:cNvPr>
+          <p:cNvSpPr txBox="1"/>
+          <p:nvPr/>
+        </p:nvSpPr>
+        <p:spPr>
+          <a:xfrm flipH="1">
+            <a:off x="1809750" y="1002268"/>
+            <a:ext cx="8286750" cy="369332"/>
+          </a:xfrm>
+          <a:prstGeom prst="rect">
+            <a:avLst/>
+          </a:prstGeom>
+          <a:solidFill>
+            <a:schemeClr val="bg1"/>
+          </a:solidFill>
+        </p:spPr>
+        <p:txBody>
+          <a:bodyPr wrap="square" rtlCol="0">
+            <a:spAutoFit/>
+          </a:bodyPr>
+          <a:lstStyle/>
+          <a:p>
+            <a:r>
+              <a:rPr lang="en-US" dirty="0"/>
+              <a:t>Minimum value of metric among the 10 labels for 16 principle components</a:t>
+            </a:r>
+          </a:p>
+        </p:txBody>
+      </p:sp>
     </p:spTree>
     <p:extLst>
       <p:ext uri="{BB962C8B-B14F-4D97-AF65-F5344CB8AC3E}">
@@ -19316,374 +23752,6 @@
   <p:clrMapOvr>
     <a:masterClrMapping/>
   </p:clrMapOvr>
-</p:sld>
-</file>
-
-<file path=ppt/slides/slide9.xml><?xml version="1.0" encoding="utf-8"?>
-<p:sld xmlns:a="http://schemas.openxmlformats.org/drawingml/2006/main" xmlns:r="http://schemas.openxmlformats.org/officeDocument/2006/relationships" xmlns:p="http://schemas.openxmlformats.org/presentationml/2006/main">
-  <p:cSld>
-    <p:spTree>
-      <p:nvGrpSpPr>
-        <p:cNvPr id="1" name=""/>
-        <p:cNvGrpSpPr/>
-        <p:nvPr/>
-      </p:nvGrpSpPr>
-      <p:grpSpPr>
-        <a:xfrm>
-          <a:off x="0" y="0"/>
-          <a:ext cx="0" cy="0"/>
-          <a:chOff x="0" y="0"/>
-          <a:chExt cx="0" cy="0"/>
-        </a:xfrm>
-      </p:grpSpPr>
-      <p:pic>
-        <p:nvPicPr>
-          <p:cNvPr id="21" name="Picture 20">
-            <a:extLst>
-              <a:ext uri="{FF2B5EF4-FFF2-40B4-BE49-F238E27FC236}">
-                <a16:creationId xmlns:a16="http://schemas.microsoft.com/office/drawing/2014/main" id="{1F8EE730-898B-4039-BAC3-D603895B728D}"/>
-              </a:ext>
-            </a:extLst>
-          </p:cNvPr>
-          <p:cNvPicPr>
-            <a:picLocks noChangeAspect="1"/>
-          </p:cNvPicPr>
-          <p:nvPr/>
-        </p:nvPicPr>
-        <p:blipFill>
-          <a:blip r:embed="rId2"/>
-          <a:stretch>
-            <a:fillRect/>
-          </a:stretch>
-        </p:blipFill>
-        <p:spPr>
-          <a:xfrm>
-            <a:off x="1318985" y="863600"/>
-            <a:ext cx="9711858" cy="5994400"/>
-          </a:xfrm>
-          <a:prstGeom prst="rect">
-            <a:avLst/>
-          </a:prstGeom>
-        </p:spPr>
-      </p:pic>
-      <p:sp>
-        <p:nvSpPr>
-          <p:cNvPr id="5" name="Title 1">
-            <a:extLst>
-              <a:ext uri="{FF2B5EF4-FFF2-40B4-BE49-F238E27FC236}">
-                <a16:creationId xmlns:a16="http://schemas.microsoft.com/office/drawing/2014/main" id="{F11C875C-9CAA-4838-BBDD-43705F932F58}"/>
-              </a:ext>
-            </a:extLst>
-          </p:cNvPr>
-          <p:cNvSpPr txBox="1">
-            <a:spLocks/>
-          </p:cNvSpPr>
-          <p:nvPr/>
-        </p:nvSpPr>
-        <p:spPr>
-          <a:xfrm>
-            <a:off x="292001" y="181661"/>
-            <a:ext cx="11019366" cy="847465"/>
-          </a:xfrm>
-          <a:prstGeom prst="rect">
-            <a:avLst/>
-          </a:prstGeom>
-        </p:spPr>
-        <p:txBody>
-          <a:bodyPr vert="horz" lIns="91440" tIns="45720" rIns="91440" bIns="45720" rtlCol="0" anchor="t">
-            <a:normAutofit fontScale="97500"/>
-          </a:bodyPr>
-          <a:lstStyle>
-            <a:lvl1pPr algn="l" defTabSz="457200" rtl="0" eaLnBrk="1" latinLnBrk="0" hangingPunct="1">
-              <a:spcBef>
-                <a:spcPct val="0"/>
-              </a:spcBef>
-              <a:buNone/>
-              <a:defRPr sz="3600" kern="1200">
-                <a:solidFill>
-                  <a:schemeClr val="accent1"/>
-                </a:solidFill>
-                <a:latin typeface="+mj-lt"/>
-                <a:ea typeface="+mj-ea"/>
-                <a:cs typeface="+mj-cs"/>
-              </a:defRPr>
-            </a:lvl1pPr>
-            <a:lvl2pPr eaLnBrk="1" hangingPunct="1">
-              <a:defRPr>
-                <a:solidFill>
-                  <a:schemeClr val="tx2"/>
-                </a:solidFill>
-              </a:defRPr>
-            </a:lvl2pPr>
-            <a:lvl3pPr eaLnBrk="1" hangingPunct="1">
-              <a:defRPr>
-                <a:solidFill>
-                  <a:schemeClr val="tx2"/>
-                </a:solidFill>
-              </a:defRPr>
-            </a:lvl3pPr>
-            <a:lvl4pPr eaLnBrk="1" hangingPunct="1">
-              <a:defRPr>
-                <a:solidFill>
-                  <a:schemeClr val="tx2"/>
-                </a:solidFill>
-              </a:defRPr>
-            </a:lvl4pPr>
-            <a:lvl5pPr eaLnBrk="1" hangingPunct="1">
-              <a:defRPr>
-                <a:solidFill>
-                  <a:schemeClr val="tx2"/>
-                </a:solidFill>
-              </a:defRPr>
-            </a:lvl5pPr>
-            <a:lvl6pPr eaLnBrk="1" hangingPunct="1">
-              <a:defRPr>
-                <a:solidFill>
-                  <a:schemeClr val="tx2"/>
-                </a:solidFill>
-              </a:defRPr>
-            </a:lvl6pPr>
-            <a:lvl7pPr eaLnBrk="1" hangingPunct="1">
-              <a:defRPr>
-                <a:solidFill>
-                  <a:schemeClr val="tx2"/>
-                </a:solidFill>
-              </a:defRPr>
-            </a:lvl7pPr>
-            <a:lvl8pPr eaLnBrk="1" hangingPunct="1">
-              <a:defRPr>
-                <a:solidFill>
-                  <a:schemeClr val="tx2"/>
-                </a:solidFill>
-              </a:defRPr>
-            </a:lvl8pPr>
-            <a:lvl9pPr eaLnBrk="1" hangingPunct="1">
-              <a:defRPr>
-                <a:solidFill>
-                  <a:schemeClr val="tx2"/>
-                </a:solidFill>
-              </a:defRPr>
-            </a:lvl9pPr>
-          </a:lstStyle>
-          <a:p>
-            <a:r>
-              <a:rPr lang="en-US" dirty="0">
-                <a:solidFill>
-                  <a:srgbClr val="002060"/>
-                </a:solidFill>
-              </a:rPr>
-              <a:t>Results: Elapsed CPU Time vs Accuracy</a:t>
-            </a:r>
-          </a:p>
-          <a:p>
-            <a:endParaRPr lang="en-US" dirty="0">
-              <a:solidFill>
-                <a:srgbClr val="002060"/>
-              </a:solidFill>
-            </a:endParaRPr>
-          </a:p>
-        </p:txBody>
-      </p:sp>
-      <p:sp>
-        <p:nvSpPr>
-          <p:cNvPr id="19" name="Rectangle 18">
-            <a:extLst>
-              <a:ext uri="{FF2B5EF4-FFF2-40B4-BE49-F238E27FC236}">
-                <a16:creationId xmlns:a16="http://schemas.microsoft.com/office/drawing/2014/main" id="{BF98BCEA-D55A-4113-B873-849012A84EFC}"/>
-              </a:ext>
-            </a:extLst>
-          </p:cNvPr>
-          <p:cNvSpPr/>
-          <p:nvPr/>
-        </p:nvSpPr>
-        <p:spPr>
-          <a:xfrm>
-            <a:off x="8953500" y="1143000"/>
-            <a:ext cx="1828800" cy="5143500"/>
-          </a:xfrm>
-          <a:prstGeom prst="rect">
-            <a:avLst/>
-          </a:prstGeom>
-          <a:solidFill>
-            <a:srgbClr val="FFFF00">
-              <a:alpha val="20000"/>
-            </a:srgbClr>
-          </a:solidFill>
-        </p:spPr>
-        <p:style>
-          <a:lnRef idx="2">
-            <a:schemeClr val="accent1">
-              <a:shade val="50000"/>
-            </a:schemeClr>
-          </a:lnRef>
-          <a:fillRef idx="1">
-            <a:schemeClr val="accent1"/>
-          </a:fillRef>
-          <a:effectRef idx="0">
-            <a:schemeClr val="accent1"/>
-          </a:effectRef>
-          <a:fontRef idx="minor">
-            <a:schemeClr val="lt1"/>
-          </a:fontRef>
-        </p:style>
-        <p:txBody>
-          <a:bodyPr rtlCol="0" anchor="ctr"/>
-          <a:lstStyle/>
-          <a:p>
-            <a:pPr algn="ctr"/>
-            <a:r>
-              <a:rPr lang="en-US" sz="4800" dirty="0">
-                <a:solidFill>
-                  <a:srgbClr val="002060"/>
-                </a:solidFill>
-              </a:rPr>
-              <a:t>Zoom</a:t>
-            </a:r>
-          </a:p>
-        </p:txBody>
-      </p:sp>
-    </p:spTree>
-    <p:extLst>
-      <p:ext uri="{BB962C8B-B14F-4D97-AF65-F5344CB8AC3E}">
-        <p14:creationId xmlns:p14="http://schemas.microsoft.com/office/powerpoint/2010/main" val="71401296"/>
-      </p:ext>
-    </p:extLst>
-  </p:cSld>
-  <p:clrMapOvr>
-    <a:masterClrMapping/>
-  </p:clrMapOvr>
-  <p:timing>
-    <p:tnLst>
-      <p:par>
-        <p:cTn id="1" dur="indefinite" restart="never" nodeType="tmRoot">
-          <p:childTnLst>
-            <p:seq concurrent="1" nextAc="seek">
-              <p:cTn id="2" dur="indefinite" nodeType="mainSeq">
-                <p:childTnLst>
-                  <p:par>
-                    <p:cTn id="3" fill="hold">
-                      <p:stCondLst>
-                        <p:cond delay="indefinite"/>
-                      </p:stCondLst>
-                      <p:childTnLst>
-                        <p:par>
-                          <p:cTn id="4" fill="hold">
-                            <p:stCondLst>
-                              <p:cond delay="0"/>
-                            </p:stCondLst>
-                            <p:childTnLst>
-                              <p:par>
-                                <p:cTn id="5" presetID="53" presetClass="entr" presetSubtype="16" fill="hold" grpId="0" nodeType="clickEffect">
-                                  <p:stCondLst>
-                                    <p:cond delay="0"/>
-                                  </p:stCondLst>
-                                  <p:childTnLst>
-                                    <p:set>
-                                      <p:cBhvr>
-                                        <p:cTn id="6" dur="1" fill="hold">
-                                          <p:stCondLst>
-                                            <p:cond delay="0"/>
-                                          </p:stCondLst>
-                                        </p:cTn>
-                                        <p:tgtEl>
-                                          <p:spTgt spid="19"/>
-                                        </p:tgtEl>
-                                        <p:attrNameLst>
-                                          <p:attrName>style.visibility</p:attrName>
-                                        </p:attrNameLst>
-                                      </p:cBhvr>
-                                      <p:to>
-                                        <p:strVal val="visible"/>
-                                      </p:to>
-                                    </p:set>
-                                    <p:anim calcmode="lin" valueType="num">
-                                      <p:cBhvr>
-                                        <p:cTn id="7" dur="500" fill="hold"/>
-                                        <p:tgtEl>
-                                          <p:spTgt spid="19"/>
-                                        </p:tgtEl>
-                                        <p:attrNameLst>
-                                          <p:attrName>ppt_w</p:attrName>
-                                        </p:attrNameLst>
-                                      </p:cBhvr>
-                                      <p:tavLst>
-                                        <p:tav tm="0">
-                                          <p:val>
-                                            <p:fltVal val="0"/>
-                                          </p:val>
-                                        </p:tav>
-                                        <p:tav tm="100000">
-                                          <p:val>
-                                            <p:strVal val="#ppt_w"/>
-                                          </p:val>
-                                        </p:tav>
-                                      </p:tavLst>
-                                    </p:anim>
-                                    <p:anim calcmode="lin" valueType="num">
-                                      <p:cBhvr>
-                                        <p:cTn id="8" dur="500" fill="hold"/>
-                                        <p:tgtEl>
-                                          <p:spTgt spid="19"/>
-                                        </p:tgtEl>
-                                        <p:attrNameLst>
-                                          <p:attrName>ppt_h</p:attrName>
-                                        </p:attrNameLst>
-                                      </p:cBhvr>
-                                      <p:tavLst>
-                                        <p:tav tm="0">
-                                          <p:val>
-                                            <p:fltVal val="0"/>
-                                          </p:val>
-                                        </p:tav>
-                                        <p:tav tm="100000">
-                                          <p:val>
-                                            <p:strVal val="#ppt_h"/>
-                                          </p:val>
-                                        </p:tav>
-                                      </p:tavLst>
-                                    </p:anim>
-                                    <p:animEffect transition="in" filter="fade">
-                                      <p:cBhvr>
-                                        <p:cTn id="9" dur="500"/>
-                                        <p:tgtEl>
-                                          <p:spTgt spid="19"/>
-                                        </p:tgtEl>
-                                      </p:cBhvr>
-                                    </p:animEffect>
-                                  </p:childTnLst>
-                                </p:cTn>
-                              </p:par>
-                            </p:childTnLst>
-                          </p:cTn>
-                        </p:par>
-                      </p:childTnLst>
-                    </p:cTn>
-                  </p:par>
-                </p:childTnLst>
-              </p:cTn>
-              <p:prevCondLst>
-                <p:cond evt="onPrev" delay="0">
-                  <p:tgtEl>
-                    <p:sldTgt/>
-                  </p:tgtEl>
-                </p:cond>
-              </p:prevCondLst>
-              <p:nextCondLst>
-                <p:cond evt="onNext" delay="0">
-                  <p:tgtEl>
-                    <p:sldTgt/>
-                  </p:tgtEl>
-                </p:cond>
-              </p:nextCondLst>
-            </p:seq>
-          </p:childTnLst>
-        </p:cTn>
-      </p:par>
-    </p:tnLst>
-    <p:bldLst>
-      <p:bldP spid="19" grpId="0" animBg="1"/>
-    </p:bldLst>
-  </p:timing>
 </p:sld>
 </file>
 
@@ -19942,4 +24010,594 @@
     </a:ext>
   </a:extLst>
 </a:theme>
+</file>
+
+<file path=ppt/theme/theme2.xml><?xml version="1.0" encoding="utf-8"?>
+<a:theme xmlns:a="http://schemas.openxmlformats.org/drawingml/2006/main" name="Office Theme">
+  <a:themeElements>
+    <a:clrScheme name="Office">
+      <a:dk1>
+        <a:sysClr val="windowText" lastClr="000000"/>
+      </a:dk1>
+      <a:lt1>
+        <a:sysClr val="window" lastClr="FFFFFF"/>
+      </a:lt1>
+      <a:dk2>
+        <a:srgbClr val="44546A"/>
+      </a:dk2>
+      <a:lt2>
+        <a:srgbClr val="E7E6E6"/>
+      </a:lt2>
+      <a:accent1>
+        <a:srgbClr val="4472C4"/>
+      </a:accent1>
+      <a:accent2>
+        <a:srgbClr val="ED7D31"/>
+      </a:accent2>
+      <a:accent3>
+        <a:srgbClr val="A5A5A5"/>
+      </a:accent3>
+      <a:accent4>
+        <a:srgbClr val="FFC000"/>
+      </a:accent4>
+      <a:accent5>
+        <a:srgbClr val="5B9BD5"/>
+      </a:accent5>
+      <a:accent6>
+        <a:srgbClr val="70AD47"/>
+      </a:accent6>
+      <a:hlink>
+        <a:srgbClr val="0563C1"/>
+      </a:hlink>
+      <a:folHlink>
+        <a:srgbClr val="954F72"/>
+      </a:folHlink>
+    </a:clrScheme>
+    <a:fontScheme name="Office">
+      <a:majorFont>
+        <a:latin typeface="Calibri Light" panose="020F0302020204030204"/>
+        <a:ea typeface=""/>
+        <a:cs typeface=""/>
+        <a:font script="Jpan" typeface="游ゴシック Light"/>
+        <a:font script="Hang" typeface="맑은 고딕"/>
+        <a:font script="Hans" typeface="等线 Light"/>
+        <a:font script="Hant" typeface="新細明體"/>
+        <a:font script="Arab" typeface="Times New Roman"/>
+        <a:font script="Hebr" typeface="Times New Roman"/>
+        <a:font script="Thai" typeface="Angsana New"/>
+        <a:font script="Ethi" typeface="Nyala"/>
+        <a:font script="Beng" typeface="Vrinda"/>
+        <a:font script="Gujr" typeface="Shruti"/>
+        <a:font script="Khmr" typeface="MoolBoran"/>
+        <a:font script="Knda" typeface="Tunga"/>
+        <a:font script="Guru" typeface="Raavi"/>
+        <a:font script="Cans" typeface="Euphemia"/>
+        <a:font script="Cher" typeface="Plantagenet Cherokee"/>
+        <a:font script="Yiii" typeface="Microsoft Yi Baiti"/>
+        <a:font script="Tibt" typeface="Microsoft Himalaya"/>
+        <a:font script="Thaa" typeface="MV Boli"/>
+        <a:font script="Deva" typeface="Mangal"/>
+        <a:font script="Telu" typeface="Gautami"/>
+        <a:font script="Taml" typeface="Latha"/>
+        <a:font script="Syrc" typeface="Estrangelo Edessa"/>
+        <a:font script="Orya" typeface="Kalinga"/>
+        <a:font script="Mlym" typeface="Kartika"/>
+        <a:font script="Laoo" typeface="DokChampa"/>
+        <a:font script="Sinh" typeface="Iskoola Pota"/>
+        <a:font script="Mong" typeface="Mongolian Baiti"/>
+        <a:font script="Viet" typeface="Times New Roman"/>
+        <a:font script="Uigh" typeface="Microsoft Uighur"/>
+        <a:font script="Geor" typeface="Sylfaen"/>
+        <a:font script="Armn" typeface="Arial"/>
+        <a:font script="Bugi" typeface="Leelawadee UI"/>
+        <a:font script="Bopo" typeface="Microsoft JhengHei"/>
+        <a:font script="Java" typeface="Javanese Text"/>
+        <a:font script="Lisu" typeface="Segoe UI"/>
+        <a:font script="Mymr" typeface="Myanmar Text"/>
+        <a:font script="Nkoo" typeface="Ebrima"/>
+        <a:font script="Olck" typeface="Nirmala UI"/>
+        <a:font script="Osma" typeface="Ebrima"/>
+        <a:font script="Phag" typeface="Phagspa"/>
+        <a:font script="Syrn" typeface="Estrangelo Edessa"/>
+        <a:font script="Syrj" typeface="Estrangelo Edessa"/>
+        <a:font script="Syre" typeface="Estrangelo Edessa"/>
+        <a:font script="Sora" typeface="Nirmala UI"/>
+        <a:font script="Tale" typeface="Microsoft Tai Le"/>
+        <a:font script="Talu" typeface="Microsoft New Tai Lue"/>
+        <a:font script="Tfng" typeface="Ebrima"/>
+      </a:majorFont>
+      <a:minorFont>
+        <a:latin typeface="Calibri" panose="020F0502020204030204"/>
+        <a:ea typeface=""/>
+        <a:cs typeface=""/>
+        <a:font script="Jpan" typeface="游ゴシック"/>
+        <a:font script="Hang" typeface="맑은 고딕"/>
+        <a:font script="Hans" typeface="等线"/>
+        <a:font script="Hant" typeface="新細明體"/>
+        <a:font script="Arab" typeface="Arial"/>
+        <a:font script="Hebr" typeface="Arial"/>
+        <a:font script="Thai" typeface="Cordia New"/>
+        <a:font script="Ethi" typeface="Nyala"/>
+        <a:font script="Beng" typeface="Vrinda"/>
+        <a:font script="Gujr" typeface="Shruti"/>
+        <a:font script="Khmr" typeface="DaunPenh"/>
+        <a:font script="Knda" typeface="Tunga"/>
+        <a:font script="Guru" typeface="Raavi"/>
+        <a:font script="Cans" typeface="Euphemia"/>
+        <a:font script="Cher" typeface="Plantagenet Cherokee"/>
+        <a:font script="Yiii" typeface="Microsoft Yi Baiti"/>
+        <a:font script="Tibt" typeface="Microsoft Himalaya"/>
+        <a:font script="Thaa" typeface="MV Boli"/>
+        <a:font script="Deva" typeface="Mangal"/>
+        <a:font script="Telu" typeface="Gautami"/>
+        <a:font script="Taml" typeface="Latha"/>
+        <a:font script="Syrc" typeface="Estrangelo Edessa"/>
+        <a:font script="Orya" typeface="Kalinga"/>
+        <a:font script="Mlym" typeface="Kartika"/>
+        <a:font script="Laoo" typeface="DokChampa"/>
+        <a:font script="Sinh" typeface="Iskoola Pota"/>
+        <a:font script="Mong" typeface="Mongolian Baiti"/>
+        <a:font script="Viet" typeface="Arial"/>
+        <a:font script="Uigh" typeface="Microsoft Uighur"/>
+        <a:font script="Geor" typeface="Sylfaen"/>
+        <a:font script="Armn" typeface="Arial"/>
+        <a:font script="Bugi" typeface="Leelawadee UI"/>
+        <a:font script="Bopo" typeface="Microsoft JhengHei"/>
+        <a:font script="Java" typeface="Javanese Text"/>
+        <a:font script="Lisu" typeface="Segoe UI"/>
+        <a:font script="Mymr" typeface="Myanmar Text"/>
+        <a:font script="Nkoo" typeface="Ebrima"/>
+        <a:font script="Olck" typeface="Nirmala UI"/>
+        <a:font script="Osma" typeface="Ebrima"/>
+        <a:font script="Phag" typeface="Phagspa"/>
+        <a:font script="Syrn" typeface="Estrangelo Edessa"/>
+        <a:font script="Syrj" typeface="Estrangelo Edessa"/>
+        <a:font script="Syre" typeface="Estrangelo Edessa"/>
+        <a:font script="Sora" typeface="Nirmala UI"/>
+        <a:font script="Tale" typeface="Microsoft Tai Le"/>
+        <a:font script="Talu" typeface="Microsoft New Tai Lue"/>
+        <a:font script="Tfng" typeface="Ebrima"/>
+      </a:minorFont>
+    </a:fontScheme>
+    <a:fmtScheme name="Office">
+      <a:fillStyleLst>
+        <a:solidFill>
+          <a:schemeClr val="phClr"/>
+        </a:solidFill>
+        <a:gradFill rotWithShape="1">
+          <a:gsLst>
+            <a:gs pos="0">
+              <a:schemeClr val="phClr">
+                <a:lumMod val="110000"/>
+                <a:satMod val="105000"/>
+                <a:tint val="67000"/>
+              </a:schemeClr>
+            </a:gs>
+            <a:gs pos="50000">
+              <a:schemeClr val="phClr">
+                <a:lumMod val="105000"/>
+                <a:satMod val="103000"/>
+                <a:tint val="73000"/>
+              </a:schemeClr>
+            </a:gs>
+            <a:gs pos="100000">
+              <a:schemeClr val="phClr">
+                <a:lumMod val="105000"/>
+                <a:satMod val="109000"/>
+                <a:tint val="81000"/>
+              </a:schemeClr>
+            </a:gs>
+          </a:gsLst>
+          <a:lin ang="5400000" scaled="0"/>
+        </a:gradFill>
+        <a:gradFill rotWithShape="1">
+          <a:gsLst>
+            <a:gs pos="0">
+              <a:schemeClr val="phClr">
+                <a:satMod val="103000"/>
+                <a:lumMod val="102000"/>
+                <a:tint val="94000"/>
+              </a:schemeClr>
+            </a:gs>
+            <a:gs pos="50000">
+              <a:schemeClr val="phClr">
+                <a:satMod val="110000"/>
+                <a:lumMod val="100000"/>
+                <a:shade val="100000"/>
+              </a:schemeClr>
+            </a:gs>
+            <a:gs pos="100000">
+              <a:schemeClr val="phClr">
+                <a:lumMod val="99000"/>
+                <a:satMod val="120000"/>
+                <a:shade val="78000"/>
+              </a:schemeClr>
+            </a:gs>
+          </a:gsLst>
+          <a:lin ang="5400000" scaled="0"/>
+        </a:gradFill>
+      </a:fillStyleLst>
+      <a:lnStyleLst>
+        <a:ln w="6350" cap="flat" cmpd="sng" algn="ctr">
+          <a:solidFill>
+            <a:schemeClr val="phClr"/>
+          </a:solidFill>
+          <a:prstDash val="solid"/>
+          <a:miter lim="800000"/>
+        </a:ln>
+        <a:ln w="12700" cap="flat" cmpd="sng" algn="ctr">
+          <a:solidFill>
+            <a:schemeClr val="phClr"/>
+          </a:solidFill>
+          <a:prstDash val="solid"/>
+          <a:miter lim="800000"/>
+        </a:ln>
+        <a:ln w="19050" cap="flat" cmpd="sng" algn="ctr">
+          <a:solidFill>
+            <a:schemeClr val="phClr"/>
+          </a:solidFill>
+          <a:prstDash val="solid"/>
+          <a:miter lim="800000"/>
+        </a:ln>
+      </a:lnStyleLst>
+      <a:effectStyleLst>
+        <a:effectStyle>
+          <a:effectLst/>
+        </a:effectStyle>
+        <a:effectStyle>
+          <a:effectLst/>
+        </a:effectStyle>
+        <a:effectStyle>
+          <a:effectLst>
+            <a:outerShdw blurRad="57150" dist="19050" dir="5400000" algn="ctr" rotWithShape="0">
+              <a:srgbClr val="000000">
+                <a:alpha val="63000"/>
+              </a:srgbClr>
+            </a:outerShdw>
+          </a:effectLst>
+        </a:effectStyle>
+      </a:effectStyleLst>
+      <a:bgFillStyleLst>
+        <a:solidFill>
+          <a:schemeClr val="phClr"/>
+        </a:solidFill>
+        <a:solidFill>
+          <a:schemeClr val="phClr">
+            <a:tint val="95000"/>
+            <a:satMod val="170000"/>
+          </a:schemeClr>
+        </a:solidFill>
+        <a:gradFill rotWithShape="1">
+          <a:gsLst>
+            <a:gs pos="0">
+              <a:schemeClr val="phClr">
+                <a:tint val="93000"/>
+                <a:satMod val="150000"/>
+                <a:shade val="98000"/>
+                <a:lumMod val="102000"/>
+              </a:schemeClr>
+            </a:gs>
+            <a:gs pos="50000">
+              <a:schemeClr val="phClr">
+                <a:tint val="98000"/>
+                <a:satMod val="130000"/>
+                <a:shade val="90000"/>
+                <a:lumMod val="103000"/>
+              </a:schemeClr>
+            </a:gs>
+            <a:gs pos="100000">
+              <a:schemeClr val="phClr">
+                <a:shade val="63000"/>
+                <a:satMod val="120000"/>
+              </a:schemeClr>
+            </a:gs>
+          </a:gsLst>
+          <a:lin ang="5400000" scaled="0"/>
+        </a:gradFill>
+      </a:bgFillStyleLst>
+    </a:fmtScheme>
+  </a:themeElements>
+  <a:objectDefaults/>
+  <a:extraClrSchemeLst/>
+  <a:extLst>
+    <a:ext uri="{05A4C25C-085E-4340-85A3-A5531E510DB2}">
+      <thm15:themeFamily xmlns:thm15="http://schemas.microsoft.com/office/thememl/2012/main" name="Office Theme" id="{62F939B6-93AF-4DB8-9C6B-D6C7DFDC589F}" vid="{4A3C46E8-61CC-4603-A589-7422A47A8E4A}"/>
+    </a:ext>
+  </a:extLst>
+</a:theme>
+</file>
+
+<file path=ppt/theme/theme3.xml><?xml version="1.0" encoding="utf-8"?>
+<a:theme xmlns:a="http://schemas.openxmlformats.org/drawingml/2006/main" name="Office Theme">
+  <a:themeElements>
+    <a:clrScheme name="Office">
+      <a:dk1>
+        <a:sysClr val="windowText" lastClr="000000"/>
+      </a:dk1>
+      <a:lt1>
+        <a:sysClr val="window" lastClr="FFFFFF"/>
+      </a:lt1>
+      <a:dk2>
+        <a:srgbClr val="44546A"/>
+      </a:dk2>
+      <a:lt2>
+        <a:srgbClr val="E7E6E6"/>
+      </a:lt2>
+      <a:accent1>
+        <a:srgbClr val="4472C4"/>
+      </a:accent1>
+      <a:accent2>
+        <a:srgbClr val="ED7D31"/>
+      </a:accent2>
+      <a:accent3>
+        <a:srgbClr val="A5A5A5"/>
+      </a:accent3>
+      <a:accent4>
+        <a:srgbClr val="FFC000"/>
+      </a:accent4>
+      <a:accent5>
+        <a:srgbClr val="5B9BD5"/>
+      </a:accent5>
+      <a:accent6>
+        <a:srgbClr val="70AD47"/>
+      </a:accent6>
+      <a:hlink>
+        <a:srgbClr val="0563C1"/>
+      </a:hlink>
+      <a:folHlink>
+        <a:srgbClr val="954F72"/>
+      </a:folHlink>
+    </a:clrScheme>
+    <a:fontScheme name="Office">
+      <a:majorFont>
+        <a:latin typeface="Calibri Light" panose="020F0302020204030204"/>
+        <a:ea typeface=""/>
+        <a:cs typeface=""/>
+        <a:font script="Jpan" typeface="游ゴシック Light"/>
+        <a:font script="Hang" typeface="맑은 고딕"/>
+        <a:font script="Hans" typeface="等线 Light"/>
+        <a:font script="Hant" typeface="新細明體"/>
+        <a:font script="Arab" typeface="Times New Roman"/>
+        <a:font script="Hebr" typeface="Times New Roman"/>
+        <a:font script="Thai" typeface="Angsana New"/>
+        <a:font script="Ethi" typeface="Nyala"/>
+        <a:font script="Beng" typeface="Vrinda"/>
+        <a:font script="Gujr" typeface="Shruti"/>
+        <a:font script="Khmr" typeface="MoolBoran"/>
+        <a:font script="Knda" typeface="Tunga"/>
+        <a:font script="Guru" typeface="Raavi"/>
+        <a:font script="Cans" typeface="Euphemia"/>
+        <a:font script="Cher" typeface="Plantagenet Cherokee"/>
+        <a:font script="Yiii" typeface="Microsoft Yi Baiti"/>
+        <a:font script="Tibt" typeface="Microsoft Himalaya"/>
+        <a:font script="Thaa" typeface="MV Boli"/>
+        <a:font script="Deva" typeface="Mangal"/>
+        <a:font script="Telu" typeface="Gautami"/>
+        <a:font script="Taml" typeface="Latha"/>
+        <a:font script="Syrc" typeface="Estrangelo Edessa"/>
+        <a:font script="Orya" typeface="Kalinga"/>
+        <a:font script="Mlym" typeface="Kartika"/>
+        <a:font script="Laoo" typeface="DokChampa"/>
+        <a:font script="Sinh" typeface="Iskoola Pota"/>
+        <a:font script="Mong" typeface="Mongolian Baiti"/>
+        <a:font script="Viet" typeface="Times New Roman"/>
+        <a:font script="Uigh" typeface="Microsoft Uighur"/>
+        <a:font script="Geor" typeface="Sylfaen"/>
+        <a:font script="Armn" typeface="Arial"/>
+        <a:font script="Bugi" typeface="Leelawadee UI"/>
+        <a:font script="Bopo" typeface="Microsoft JhengHei"/>
+        <a:font script="Java" typeface="Javanese Text"/>
+        <a:font script="Lisu" typeface="Segoe UI"/>
+        <a:font script="Mymr" typeface="Myanmar Text"/>
+        <a:font script="Nkoo" typeface="Ebrima"/>
+        <a:font script="Olck" typeface="Nirmala UI"/>
+        <a:font script="Osma" typeface="Ebrima"/>
+        <a:font script="Phag" typeface="Phagspa"/>
+        <a:font script="Syrn" typeface="Estrangelo Edessa"/>
+        <a:font script="Syrj" typeface="Estrangelo Edessa"/>
+        <a:font script="Syre" typeface="Estrangelo Edessa"/>
+        <a:font script="Sora" typeface="Nirmala UI"/>
+        <a:font script="Tale" typeface="Microsoft Tai Le"/>
+        <a:font script="Talu" typeface="Microsoft New Tai Lue"/>
+        <a:font script="Tfng" typeface="Ebrima"/>
+      </a:majorFont>
+      <a:minorFont>
+        <a:latin typeface="Calibri" panose="020F0502020204030204"/>
+        <a:ea typeface=""/>
+        <a:cs typeface=""/>
+        <a:font script="Jpan" typeface="游ゴシック"/>
+        <a:font script="Hang" typeface="맑은 고딕"/>
+        <a:font script="Hans" typeface="等线"/>
+        <a:font script="Hant" typeface="新細明體"/>
+        <a:font script="Arab" typeface="Arial"/>
+        <a:font script="Hebr" typeface="Arial"/>
+        <a:font script="Thai" typeface="Cordia New"/>
+        <a:font script="Ethi" typeface="Nyala"/>
+        <a:font script="Beng" typeface="Vrinda"/>
+        <a:font script="Gujr" typeface="Shruti"/>
+        <a:font script="Khmr" typeface="DaunPenh"/>
+        <a:font script="Knda" typeface="Tunga"/>
+        <a:font script="Guru" typeface="Raavi"/>
+        <a:font script="Cans" typeface="Euphemia"/>
+        <a:font script="Cher" typeface="Plantagenet Cherokee"/>
+        <a:font script="Yiii" typeface="Microsoft Yi Baiti"/>
+        <a:font script="Tibt" typeface="Microsoft Himalaya"/>
+        <a:font script="Thaa" typeface="MV Boli"/>
+        <a:font script="Deva" typeface="Mangal"/>
+        <a:font script="Telu" typeface="Gautami"/>
+        <a:font script="Taml" typeface="Latha"/>
+        <a:font script="Syrc" typeface="Estrangelo Edessa"/>
+        <a:font script="Orya" typeface="Kalinga"/>
+        <a:font script="Mlym" typeface="Kartika"/>
+        <a:font script="Laoo" typeface="DokChampa"/>
+        <a:font script="Sinh" typeface="Iskoola Pota"/>
+        <a:font script="Mong" typeface="Mongolian Baiti"/>
+        <a:font script="Viet" typeface="Arial"/>
+        <a:font script="Uigh" typeface="Microsoft Uighur"/>
+        <a:font script="Geor" typeface="Sylfaen"/>
+        <a:font script="Armn" typeface="Arial"/>
+        <a:font script="Bugi" typeface="Leelawadee UI"/>
+        <a:font script="Bopo" typeface="Microsoft JhengHei"/>
+        <a:font script="Java" typeface="Javanese Text"/>
+        <a:font script="Lisu" typeface="Segoe UI"/>
+        <a:font script="Mymr" typeface="Myanmar Text"/>
+        <a:font script="Nkoo" typeface="Ebrima"/>
+        <a:font script="Olck" typeface="Nirmala UI"/>
+        <a:font script="Osma" typeface="Ebrima"/>
+        <a:font script="Phag" typeface="Phagspa"/>
+        <a:font script="Syrn" typeface="Estrangelo Edessa"/>
+        <a:font script="Syrj" typeface="Estrangelo Edessa"/>
+        <a:font script="Syre" typeface="Estrangelo Edessa"/>
+        <a:font script="Sora" typeface="Nirmala UI"/>
+        <a:font script="Tale" typeface="Microsoft Tai Le"/>
+        <a:font script="Talu" typeface="Microsoft New Tai Lue"/>
+        <a:font script="Tfng" typeface="Ebrima"/>
+      </a:minorFont>
+    </a:fontScheme>
+    <a:fmtScheme name="Office">
+      <a:fillStyleLst>
+        <a:solidFill>
+          <a:schemeClr val="phClr"/>
+        </a:solidFill>
+        <a:gradFill rotWithShape="1">
+          <a:gsLst>
+            <a:gs pos="0">
+              <a:schemeClr val="phClr">
+                <a:lumMod val="110000"/>
+                <a:satMod val="105000"/>
+                <a:tint val="67000"/>
+              </a:schemeClr>
+            </a:gs>
+            <a:gs pos="50000">
+              <a:schemeClr val="phClr">
+                <a:lumMod val="105000"/>
+                <a:satMod val="103000"/>
+                <a:tint val="73000"/>
+              </a:schemeClr>
+            </a:gs>
+            <a:gs pos="100000">
+              <a:schemeClr val="phClr">
+                <a:lumMod val="105000"/>
+                <a:satMod val="109000"/>
+                <a:tint val="81000"/>
+              </a:schemeClr>
+            </a:gs>
+          </a:gsLst>
+          <a:lin ang="5400000" scaled="0"/>
+        </a:gradFill>
+        <a:gradFill rotWithShape="1">
+          <a:gsLst>
+            <a:gs pos="0">
+              <a:schemeClr val="phClr">
+                <a:satMod val="103000"/>
+                <a:lumMod val="102000"/>
+                <a:tint val="94000"/>
+              </a:schemeClr>
+            </a:gs>
+            <a:gs pos="50000">
+              <a:schemeClr val="phClr">
+                <a:satMod val="110000"/>
+                <a:lumMod val="100000"/>
+                <a:shade val="100000"/>
+              </a:schemeClr>
+            </a:gs>
+            <a:gs pos="100000">
+              <a:schemeClr val="phClr">
+                <a:lumMod val="99000"/>
+                <a:satMod val="120000"/>
+                <a:shade val="78000"/>
+              </a:schemeClr>
+            </a:gs>
+          </a:gsLst>
+          <a:lin ang="5400000" scaled="0"/>
+        </a:gradFill>
+      </a:fillStyleLst>
+      <a:lnStyleLst>
+        <a:ln w="6350" cap="flat" cmpd="sng" algn="ctr">
+          <a:solidFill>
+            <a:schemeClr val="phClr"/>
+          </a:solidFill>
+          <a:prstDash val="solid"/>
+          <a:miter lim="800000"/>
+        </a:ln>
+        <a:ln w="12700" cap="flat" cmpd="sng" algn="ctr">
+          <a:solidFill>
+            <a:schemeClr val="phClr"/>
+          </a:solidFill>
+          <a:prstDash val="solid"/>
+          <a:miter lim="800000"/>
+        </a:ln>
+        <a:ln w="19050" cap="flat" cmpd="sng" algn="ctr">
+          <a:solidFill>
+            <a:schemeClr val="phClr"/>
+          </a:solidFill>
+          <a:prstDash val="solid"/>
+          <a:miter lim="800000"/>
+        </a:ln>
+      </a:lnStyleLst>
+      <a:effectStyleLst>
+        <a:effectStyle>
+          <a:effectLst/>
+        </a:effectStyle>
+        <a:effectStyle>
+          <a:effectLst/>
+        </a:effectStyle>
+        <a:effectStyle>
+          <a:effectLst>
+            <a:outerShdw blurRad="57150" dist="19050" dir="5400000" algn="ctr" rotWithShape="0">
+              <a:srgbClr val="000000">
+                <a:alpha val="63000"/>
+              </a:srgbClr>
+            </a:outerShdw>
+          </a:effectLst>
+        </a:effectStyle>
+      </a:effectStyleLst>
+      <a:bgFillStyleLst>
+        <a:solidFill>
+          <a:schemeClr val="phClr"/>
+        </a:solidFill>
+        <a:solidFill>
+          <a:schemeClr val="phClr">
+            <a:tint val="95000"/>
+            <a:satMod val="170000"/>
+          </a:schemeClr>
+        </a:solidFill>
+        <a:gradFill rotWithShape="1">
+          <a:gsLst>
+            <a:gs pos="0">
+              <a:schemeClr val="phClr">
+                <a:tint val="93000"/>
+                <a:satMod val="150000"/>
+                <a:shade val="98000"/>
+                <a:lumMod val="102000"/>
+              </a:schemeClr>
+            </a:gs>
+            <a:gs pos="50000">
+              <a:schemeClr val="phClr">
+                <a:tint val="98000"/>
+                <a:satMod val="130000"/>
+                <a:shade val="90000"/>
+                <a:lumMod val="103000"/>
+              </a:schemeClr>
+            </a:gs>
+            <a:gs pos="100000">
+              <a:schemeClr val="phClr">
+                <a:shade val="63000"/>
+                <a:satMod val="120000"/>
+              </a:schemeClr>
+            </a:gs>
+          </a:gsLst>
+          <a:lin ang="5400000" scaled="0"/>
+        </a:gradFill>
+      </a:bgFillStyleLst>
+    </a:fmtScheme>
+  </a:themeElements>
+  <a:objectDefaults/>
+  <a:extraClrSchemeLst/>
+  <a:extLst>
+    <a:ext uri="{05A4C25C-085E-4340-85A3-A5531E510DB2}">
+      <thm15:themeFamily xmlns:thm15="http://schemas.microsoft.com/office/thememl/2012/main" name="Office Theme" id="{62F939B6-93AF-4DB8-9C6B-D6C7DFDC589F}" vid="{4A3C46E8-61CC-4603-A589-7422A47A8E4A}"/>
+    </a:ext>
+  </a:extLst>
+</a:theme>
 </file>
--- a/FinalReport_Team_Bengio.pptx
+++ b/FinalReport_Team_Bengio.pptx
@@ -128,11 +128,6 @@
   <p:extLst>
     <p:ext uri="{EFAFB233-063F-42B5-8137-9DF3F51BA10A}">
       <p15:sldGuideLst xmlns:p15="http://schemas.microsoft.com/office/powerpoint/2012/main">
-        <p15:guide id="1" orient="horz" pos="1080" userDrawn="1">
-          <p15:clr>
-            <a:srgbClr val="A4A3A4"/>
-          </p15:clr>
-        </p15:guide>
         <p15:guide id="2" pos="5280" userDrawn="1">
           <p15:clr>
             <a:srgbClr val="A4A3A4"/>
@@ -256,7 +251,7 @@
           <a:p>
             <a:fld id="{8691FFE1-0C4A-4976-B4DD-704F9FCB903D}" type="datetimeFigureOut">
               <a:rPr lang="en-US" smtClean="0"/>
-              <a:t>6/19/2017</a:t>
+              <a:t>6/20/2017</a:t>
             </a:fld>
             <a:endParaRPr lang="en-US"/>
           </a:p>
@@ -433,7 +428,7 @@
           <a:p>
             <a:fld id="{5BDD007C-BA52-4E5D-A46A-23301A480D2B}" type="datetimeFigureOut">
               <a:rPr lang="en-US" smtClean="0"/>
-              <a:t>6/19/2017</a:t>
+              <a:t>6/20/2017</a:t>
             </a:fld>
             <a:endParaRPr lang="en-US"/>
           </a:p>
@@ -2508,7 +2503,7 @@
           <a:p>
             <a:fld id="{5584D41E-ECCD-469A-A688-027E915CB521}" type="datetime1">
               <a:rPr lang="en-US" smtClean="0"/>
-              <a:t>6/19/2017</a:t>
+              <a:t>6/20/2017</a:t>
             </a:fld>
             <a:endParaRPr lang="en-US" dirty="0"/>
           </a:p>
@@ -2818,7 +2813,7 @@
           <a:p>
             <a:fld id="{37FEC672-057D-467E-BA4C-CC8A47D984EF}" type="datetime1">
               <a:rPr lang="en-US" smtClean="0"/>
-              <a:t>6/19/2017</a:t>
+              <a:t>6/20/2017</a:t>
             </a:fld>
             <a:endParaRPr lang="en-US" dirty="0"/>
           </a:p>
@@ -3261,7 +3256,7 @@
           <a:p>
             <a:fld id="{29367DF6-E5E3-489A-B126-195C5069A6F3}" type="datetime1">
               <a:rPr lang="en-US" smtClean="0"/>
-              <a:t>6/19/2017</a:t>
+              <a:t>6/20/2017</a:t>
             </a:fld>
             <a:endParaRPr lang="en-US" dirty="0"/>
           </a:p>
@@ -3571,7 +3566,7 @@
           <a:p>
             <a:fld id="{9B31C6C6-9DE9-456B-AED9-726F033DF690}" type="datetime1">
               <a:rPr lang="en-US" smtClean="0"/>
-              <a:t>6/19/2017</a:t>
+              <a:t>6/20/2017</a:t>
             </a:fld>
             <a:endParaRPr lang="en-US" dirty="0"/>
           </a:p>
@@ -3960,7 +3955,7 @@
           <a:p>
             <a:fld id="{D5BEEA30-5A4A-4762-8F67-CF7471431EAC}" type="datetime1">
               <a:rPr lang="en-US" smtClean="0"/>
-              <a:t>6/19/2017</a:t>
+              <a:t>6/20/2017</a:t>
             </a:fld>
             <a:endParaRPr lang="en-US" dirty="0"/>
           </a:p>
@@ -4126,7 +4121,7 @@
           <a:p>
             <a:fld id="{383E5AC3-809B-4088-B8DA-0699C9AC2539}" type="datetime1">
               <a:rPr lang="en-US" smtClean="0"/>
-              <a:t>6/19/2017</a:t>
+              <a:t>6/20/2017</a:t>
             </a:fld>
             <a:endParaRPr lang="en-US" dirty="0"/>
           </a:p>
@@ -4301,7 +4296,7 @@
           <a:p>
             <a:fld id="{232710CB-3BDD-4633-BD7F-4610F5B446FE}" type="datetime1">
               <a:rPr lang="en-US" smtClean="0"/>
-              <a:t>6/19/2017</a:t>
+              <a:t>6/20/2017</a:t>
             </a:fld>
             <a:endParaRPr lang="en-US" dirty="0"/>
           </a:p>
@@ -4473,7 +4468,7 @@
           <a:p>
             <a:fld id="{D68BBBC4-48BB-40C7-8573-BE257AC89E63}" type="datetime1">
               <a:rPr lang="en-US" smtClean="0"/>
-              <a:t>6/19/2017</a:t>
+              <a:t>6/20/2017</a:t>
             </a:fld>
             <a:endParaRPr lang="en-US" dirty="0"/>
           </a:p>
@@ -4924,7 +4919,7 @@
           <a:p>
             <a:fld id="{02C7217F-CE63-45E6-8375-59B10C747384}" type="datetime1">
               <a:rPr lang="en-US" smtClean="0"/>
-              <a:t>6/19/2017</a:t>
+              <a:t>6/20/2017</a:t>
             </a:fld>
             <a:endParaRPr lang="en-US" dirty="0"/>
           </a:p>
@@ -5293,7 +5288,7 @@
           <a:p>
             <a:fld id="{31D10638-02D3-4D63-BF78-1DA4765062DA}" type="datetime1">
               <a:rPr lang="en-US" smtClean="0"/>
-              <a:t>6/19/2017</a:t>
+              <a:t>6/20/2017</a:t>
             </a:fld>
             <a:endParaRPr lang="en-US" dirty="0"/>
           </a:p>
@@ -5412,7 +5407,7 @@
           <a:p>
             <a:fld id="{41B9CB85-5CA8-4486-904C-0B697A1E77C0}" type="datetime1">
               <a:rPr lang="en-US" smtClean="0"/>
-              <a:t>6/19/2017</a:t>
+              <a:t>6/20/2017</a:t>
             </a:fld>
             <a:endParaRPr lang="en-US" dirty="0"/>
           </a:p>
@@ -5503,7 +5498,7 @@
           <a:p>
             <a:fld id="{FB853D0A-05D4-4C41-BFB2-5F79004EB7DD}" type="datetime1">
               <a:rPr lang="en-US" smtClean="0"/>
-              <a:t>6/19/2017</a:t>
+              <a:t>6/20/2017</a:t>
             </a:fld>
             <a:endParaRPr lang="en-US" dirty="0"/>
           </a:p>
@@ -5754,7 +5749,7 @@
           <a:p>
             <a:fld id="{C341C2EE-EBFF-49DF-8B0E-1582029F3458}" type="datetime1">
               <a:rPr lang="en-US" smtClean="0"/>
-              <a:t>6/19/2017</a:t>
+              <a:t>6/20/2017</a:t>
             </a:fld>
             <a:endParaRPr lang="en-US" dirty="0"/>
           </a:p>
@@ -6012,7 +6007,7 @@
           <a:p>
             <a:fld id="{EF2F2483-1DD5-49A6-8D3E-B45317D7588A}" type="datetime1">
               <a:rPr lang="en-US" smtClean="0"/>
-              <a:t>6/19/2017</a:t>
+              <a:t>6/20/2017</a:t>
             </a:fld>
             <a:endParaRPr lang="en-US" dirty="0"/>
           </a:p>
@@ -6758,7 +6753,7 @@
           <a:p>
             <a:fld id="{52767998-3159-4C71-ABFF-AA9298230A46}" type="datetime1">
               <a:rPr lang="en-US" smtClean="0"/>
-              <a:t>6/19/2017</a:t>
+              <a:t>6/20/2017</a:t>
             </a:fld>
             <a:endParaRPr lang="en-US" dirty="0"/>
           </a:p>
@@ -16031,8 +16026,8 @@
           </a:fontRef>
         </p:style>
       </p:cxnSp>
-      <mc:AlternateContent xmlns:mc="http://schemas.openxmlformats.org/markup-compatibility/2006">
-        <mc:Choice xmlns:a14="http://schemas.microsoft.com/office/drawing/2010/main" Requires="a14">
+      <mc:AlternateContent xmlns:mc="http://schemas.openxmlformats.org/markup-compatibility/2006" xmlns:a14="http://schemas.microsoft.com/office/drawing/2010/main">
+        <mc:Choice Requires="a14">
           <p:sp>
             <p:nvSpPr>
               <p:cNvPr id="18" name="TextBox 17">
@@ -16082,7 +16077,7 @@
             </p:txBody>
           </p:sp>
         </mc:Choice>
-        <mc:Fallback>
+        <mc:Fallback xmlns="">
           <p:sp>
             <p:nvSpPr>
               <p:cNvPr id="18" name="TextBox 17">
@@ -16127,8 +16122,8 @@
           </p:sp>
         </mc:Fallback>
       </mc:AlternateContent>
-      <mc:AlternateContent xmlns:mc="http://schemas.openxmlformats.org/markup-compatibility/2006">
-        <mc:Choice xmlns:a14="http://schemas.microsoft.com/office/drawing/2010/main" Requires="a14">
+      <mc:AlternateContent xmlns:mc="http://schemas.openxmlformats.org/markup-compatibility/2006" xmlns:a14="http://schemas.microsoft.com/office/drawing/2010/main">
+        <mc:Choice Requires="a14">
           <p:sp>
             <p:nvSpPr>
               <p:cNvPr id="49" name="TextBox 48">
@@ -16201,7 +16196,7 @@
             </p:txBody>
           </p:sp>
         </mc:Choice>
-        <mc:Fallback>
+        <mc:Fallback xmlns="">
           <p:sp>
             <p:nvSpPr>
               <p:cNvPr id="49" name="TextBox 48">
@@ -16293,8 +16288,8 @@
           </a:fontRef>
         </p:style>
       </p:cxnSp>
-      <mc:AlternateContent xmlns:mc="http://schemas.openxmlformats.org/markup-compatibility/2006">
-        <mc:Choice xmlns:a14="http://schemas.microsoft.com/office/drawing/2010/main" Requires="a14">
+      <mc:AlternateContent xmlns:mc="http://schemas.openxmlformats.org/markup-compatibility/2006" xmlns:a14="http://schemas.microsoft.com/office/drawing/2010/main">
+        <mc:Choice Requires="a14">
           <p:sp>
             <p:nvSpPr>
               <p:cNvPr id="62" name="TextBox 61">
@@ -16467,7 +16462,7 @@
             </p:txBody>
           </p:sp>
         </mc:Choice>
-        <mc:Fallback>
+        <mc:Fallback xmlns="">
           <p:sp>
             <p:nvSpPr>
               <p:cNvPr id="62" name="TextBox 61">
@@ -16512,8 +16507,8 @@
           </p:sp>
         </mc:Fallback>
       </mc:AlternateContent>
-      <mc:AlternateContent xmlns:mc="http://schemas.openxmlformats.org/markup-compatibility/2006">
-        <mc:Choice xmlns:a14="http://schemas.microsoft.com/office/drawing/2010/main" Requires="a14">
+      <mc:AlternateContent xmlns:mc="http://schemas.openxmlformats.org/markup-compatibility/2006" xmlns:a14="http://schemas.microsoft.com/office/drawing/2010/main">
+        <mc:Choice Requires="a14">
           <p:sp>
             <p:nvSpPr>
               <p:cNvPr id="44" name="TextBox 43">
@@ -16661,7 +16656,7 @@
             </p:txBody>
           </p:sp>
         </mc:Choice>
-        <mc:Fallback>
+        <mc:Fallback xmlns="">
           <p:sp>
             <p:nvSpPr>
               <p:cNvPr id="44" name="TextBox 43">
@@ -17860,8 +17855,8 @@
           </a:fontRef>
         </p:style>
       </p:cxnSp>
-      <mc:AlternateContent xmlns:mc="http://schemas.openxmlformats.org/markup-compatibility/2006">
-        <mc:Choice xmlns:a14="http://schemas.microsoft.com/office/drawing/2010/main" Requires="a14">
+      <mc:AlternateContent xmlns:mc="http://schemas.openxmlformats.org/markup-compatibility/2006" xmlns:a14="http://schemas.microsoft.com/office/drawing/2010/main">
+        <mc:Choice Requires="a14">
           <p:sp>
             <p:nvSpPr>
               <p:cNvPr id="18" name="TextBox 17">
@@ -17911,7 +17906,7 @@
             </p:txBody>
           </p:sp>
         </mc:Choice>
-        <mc:Fallback>
+        <mc:Fallback xmlns="">
           <p:sp>
             <p:nvSpPr>
               <p:cNvPr id="18" name="TextBox 17">
@@ -17956,8 +17951,8 @@
           </p:sp>
         </mc:Fallback>
       </mc:AlternateContent>
-      <mc:AlternateContent xmlns:mc="http://schemas.openxmlformats.org/markup-compatibility/2006">
-        <mc:Choice xmlns:a14="http://schemas.microsoft.com/office/drawing/2010/main" Requires="a14">
+      <mc:AlternateContent xmlns:mc="http://schemas.openxmlformats.org/markup-compatibility/2006" xmlns:a14="http://schemas.microsoft.com/office/drawing/2010/main">
+        <mc:Choice Requires="a14">
           <p:sp>
             <p:nvSpPr>
               <p:cNvPr id="49" name="TextBox 48">
@@ -18030,7 +18025,7 @@
             </p:txBody>
           </p:sp>
         </mc:Choice>
-        <mc:Fallback>
+        <mc:Fallback xmlns="">
           <p:sp>
             <p:nvSpPr>
               <p:cNvPr id="49" name="TextBox 48">
@@ -20994,8 +20989,8 @@
           </a:prstGeom>
         </p:spPr>
       </p:pic>
-      <mc:AlternateContent xmlns:mc="http://schemas.openxmlformats.org/markup-compatibility/2006">
-        <mc:Choice xmlns:a14="http://schemas.microsoft.com/office/drawing/2010/main" Requires="a14">
+      <mc:AlternateContent xmlns:mc="http://schemas.openxmlformats.org/markup-compatibility/2006" xmlns:a14="http://schemas.microsoft.com/office/drawing/2010/main">
+        <mc:Choice Requires="a14">
           <p:sp>
             <p:nvSpPr>
               <p:cNvPr id="19" name="TextBox 18">
@@ -21067,7 +21062,7 @@
             </p:txBody>
           </p:sp>
         </mc:Choice>
-        <mc:Fallback>
+        <mc:Fallback xmlns="">
           <p:sp>
             <p:nvSpPr>
               <p:cNvPr id="19" name="TextBox 18">
@@ -21145,8 +21140,8 @@
           </a:ln>
         </p:spPr>
       </p:pic>
-      <mc:AlternateContent xmlns:mc="http://schemas.openxmlformats.org/markup-compatibility/2006">
-        <mc:Choice xmlns:a14="http://schemas.microsoft.com/office/drawing/2010/main" Requires="a14">
+      <mc:AlternateContent xmlns:mc="http://schemas.openxmlformats.org/markup-compatibility/2006" xmlns:a14="http://schemas.microsoft.com/office/drawing/2010/main">
+        <mc:Choice Requires="a14">
           <p:sp>
             <p:nvSpPr>
               <p:cNvPr id="14" name="TextBox 13">
@@ -21309,7 +21304,7 @@
             </p:txBody>
           </p:sp>
         </mc:Choice>
-        <mc:Fallback>
+        <mc:Fallback xmlns="">
           <p:sp>
             <p:nvSpPr>
               <p:cNvPr id="14" name="TextBox 13">
@@ -21401,8 +21396,8 @@
           </a:fontRef>
         </p:style>
       </p:cxnSp>
-      <mc:AlternateContent xmlns:mc="http://schemas.openxmlformats.org/markup-compatibility/2006">
-        <mc:Choice xmlns:a14="http://schemas.microsoft.com/office/drawing/2010/main" Requires="a14">
+      <mc:AlternateContent xmlns:mc="http://schemas.openxmlformats.org/markup-compatibility/2006" xmlns:a14="http://schemas.microsoft.com/office/drawing/2010/main">
+        <mc:Choice Requires="a14">
           <p:sp>
             <p:nvSpPr>
               <p:cNvPr id="9" name="TextBox 8">
@@ -21492,7 +21487,7 @@
             </p:txBody>
           </p:sp>
         </mc:Choice>
-        <mc:Fallback>
+        <mc:Fallback xmlns="">
           <p:sp>
             <p:nvSpPr>
               <p:cNvPr id="9" name="TextBox 8">
@@ -23527,6 +23522,309 @@
           <a:chExt cx="0" cy="0"/>
         </a:xfrm>
       </p:grpSpPr>
+      <p:grpSp>
+        <p:nvGrpSpPr>
+          <p:cNvPr id="22" name="Group 21">
+            <a:extLst>
+              <a:ext uri="{FF2B5EF4-FFF2-40B4-BE49-F238E27FC236}">
+                <a16:creationId xmlns:a16="http://schemas.microsoft.com/office/drawing/2014/main" id="{04114C74-6EAB-4B12-ACD3-E53E5248AAA6}"/>
+              </a:ext>
+            </a:extLst>
+          </p:cNvPr>
+          <p:cNvGrpSpPr/>
+          <p:nvPr/>
+        </p:nvGrpSpPr>
+        <p:grpSpPr>
+          <a:xfrm>
+            <a:off x="552450" y="1002268"/>
+            <a:ext cx="10719616" cy="5855732"/>
+            <a:chOff x="769910" y="2187768"/>
+            <a:chExt cx="10719616" cy="5855732"/>
+          </a:xfrm>
+        </p:grpSpPr>
+        <p:pic>
+          <p:nvPicPr>
+            <p:cNvPr id="9" name="Picture 8">
+              <a:extLst>
+                <a:ext uri="{FF2B5EF4-FFF2-40B4-BE49-F238E27FC236}">
+                  <a16:creationId xmlns:a16="http://schemas.microsoft.com/office/drawing/2014/main" id="{76C4745A-B389-449C-92B2-1E10749E743C}"/>
+                </a:ext>
+              </a:extLst>
+            </p:cNvPr>
+            <p:cNvPicPr>
+              <a:picLocks noChangeAspect="1"/>
+            </p:cNvPicPr>
+            <p:nvPr/>
+          </p:nvPicPr>
+          <p:blipFill>
+            <a:blip r:embed="rId3"/>
+            <a:stretch>
+              <a:fillRect/>
+            </a:stretch>
+          </p:blipFill>
+          <p:spPr>
+            <a:xfrm>
+              <a:off x="769910" y="2316404"/>
+              <a:ext cx="10708476" cy="5727096"/>
+            </a:xfrm>
+            <a:prstGeom prst="rect">
+              <a:avLst/>
+            </a:prstGeom>
+          </p:spPr>
+        </p:pic>
+        <p:sp>
+          <p:nvSpPr>
+            <p:cNvPr id="7" name="TextBox 6">
+              <a:extLst>
+                <a:ext uri="{FF2B5EF4-FFF2-40B4-BE49-F238E27FC236}">
+                  <a16:creationId xmlns:a16="http://schemas.microsoft.com/office/drawing/2014/main" id="{A1CB4040-B930-4C77-85A7-14277601F045}"/>
+                </a:ext>
+              </a:extLst>
+            </p:cNvPr>
+            <p:cNvSpPr txBox="1"/>
+            <p:nvPr/>
+          </p:nvSpPr>
+          <p:spPr>
+            <a:xfrm flipH="1">
+              <a:off x="1428350" y="2187768"/>
+              <a:ext cx="10061176" cy="369332"/>
+            </a:xfrm>
+            <a:prstGeom prst="rect">
+              <a:avLst/>
+            </a:prstGeom>
+            <a:solidFill>
+              <a:schemeClr val="bg1"/>
+            </a:solidFill>
+          </p:spPr>
+          <p:txBody>
+            <a:bodyPr wrap="square" rtlCol="0">
+              <a:spAutoFit/>
+            </a:bodyPr>
+            <a:lstStyle/>
+            <a:p>
+              <a:pPr algn="ctr"/>
+              <a:r>
+                <a:rPr lang="en-US" dirty="0"/>
+                <a:t>Boxplot of metric for the 10 letters with 16 principle components</a:t>
+              </a:r>
+            </a:p>
+          </p:txBody>
+        </p:sp>
+        <p:cxnSp>
+          <p:nvCxnSpPr>
+            <p:cNvPr id="13" name="Straight Connector 12">
+              <a:extLst>
+                <a:ext uri="{FF2B5EF4-FFF2-40B4-BE49-F238E27FC236}">
+                  <a16:creationId xmlns:a16="http://schemas.microsoft.com/office/drawing/2014/main" id="{FAE9083E-9AE0-4ADB-A366-68C48294E971}"/>
+                </a:ext>
+              </a:extLst>
+            </p:cNvPr>
+            <p:cNvCxnSpPr/>
+            <p:nvPr/>
+          </p:nvCxnSpPr>
+          <p:spPr>
+            <a:xfrm>
+              <a:off x="6438900" y="2583532"/>
+              <a:ext cx="0" cy="4863863"/>
+            </a:xfrm>
+            <a:prstGeom prst="line">
+              <a:avLst/>
+            </a:prstGeom>
+            <a:noFill/>
+            <a:ln w="38100">
+              <a:solidFill>
+                <a:srgbClr val="0070C0"/>
+              </a:solidFill>
+            </a:ln>
+          </p:spPr>
+          <p:style>
+            <a:lnRef idx="2">
+              <a:schemeClr val="accent1">
+                <a:shade val="50000"/>
+              </a:schemeClr>
+            </a:lnRef>
+            <a:fillRef idx="1">
+              <a:schemeClr val="accent1"/>
+            </a:fillRef>
+            <a:effectRef idx="0">
+              <a:schemeClr val="accent1"/>
+            </a:effectRef>
+            <a:fontRef idx="minor">
+              <a:schemeClr val="lt1"/>
+            </a:fontRef>
+          </p:style>
+        </p:cxnSp>
+        <p:sp>
+          <p:nvSpPr>
+            <p:cNvPr id="10" name="Rectangle 9">
+              <a:extLst>
+                <a:ext uri="{FF2B5EF4-FFF2-40B4-BE49-F238E27FC236}">
+                  <a16:creationId xmlns:a16="http://schemas.microsoft.com/office/drawing/2014/main" id="{15F41219-5081-4320-AA15-A4523E7FD80A}"/>
+                </a:ext>
+              </a:extLst>
+            </p:cNvPr>
+            <p:cNvSpPr/>
+            <p:nvPr/>
+          </p:nvSpPr>
+          <p:spPr>
+            <a:xfrm>
+              <a:off x="1428350" y="2583532"/>
+              <a:ext cx="9925450" cy="4863863"/>
+            </a:xfrm>
+            <a:prstGeom prst="rect">
+              <a:avLst/>
+            </a:prstGeom>
+            <a:noFill/>
+            <a:ln w="38100">
+              <a:solidFill>
+                <a:srgbClr val="0070C0"/>
+              </a:solidFill>
+            </a:ln>
+          </p:spPr>
+          <p:style>
+            <a:lnRef idx="2">
+              <a:schemeClr val="accent1">
+                <a:shade val="50000"/>
+              </a:schemeClr>
+            </a:lnRef>
+            <a:fillRef idx="1">
+              <a:schemeClr val="accent1"/>
+            </a:fillRef>
+            <a:effectRef idx="0">
+              <a:schemeClr val="accent1"/>
+            </a:effectRef>
+            <a:fontRef idx="minor">
+              <a:schemeClr val="lt1"/>
+            </a:fontRef>
+          </p:style>
+          <p:txBody>
+            <a:bodyPr rtlCol="0" anchor="ctr"/>
+            <a:lstStyle/>
+            <a:p>
+              <a:pPr algn="ctr"/>
+              <a:endParaRPr lang="en-US"/>
+            </a:p>
+          </p:txBody>
+        </p:sp>
+        <p:cxnSp>
+          <p:nvCxnSpPr>
+            <p:cNvPr id="12" name="Straight Connector 11">
+              <a:extLst>
+                <a:ext uri="{FF2B5EF4-FFF2-40B4-BE49-F238E27FC236}">
+                  <a16:creationId xmlns:a16="http://schemas.microsoft.com/office/drawing/2014/main" id="{B83E3D3C-92F3-412F-822C-30C8140EA2D5}"/>
+                </a:ext>
+              </a:extLst>
+            </p:cNvPr>
+            <p:cNvCxnSpPr/>
+            <p:nvPr/>
+          </p:nvCxnSpPr>
+          <p:spPr>
+            <a:xfrm>
+              <a:off x="3924300" y="2583532"/>
+              <a:ext cx="0" cy="4863863"/>
+            </a:xfrm>
+            <a:prstGeom prst="line">
+              <a:avLst/>
+            </a:prstGeom>
+            <a:noFill/>
+            <a:ln w="38100">
+              <a:solidFill>
+                <a:srgbClr val="0070C0"/>
+              </a:solidFill>
+            </a:ln>
+          </p:spPr>
+          <p:style>
+            <a:lnRef idx="2">
+              <a:schemeClr val="accent1">
+                <a:shade val="50000"/>
+              </a:schemeClr>
+            </a:lnRef>
+            <a:fillRef idx="1">
+              <a:schemeClr val="accent1"/>
+            </a:fillRef>
+            <a:effectRef idx="0">
+              <a:schemeClr val="accent1"/>
+            </a:effectRef>
+            <a:fontRef idx="minor">
+              <a:schemeClr val="lt1"/>
+            </a:fontRef>
+          </p:style>
+        </p:cxnSp>
+        <p:cxnSp>
+          <p:nvCxnSpPr>
+            <p:cNvPr id="14" name="Straight Connector 13">
+              <a:extLst>
+                <a:ext uri="{FF2B5EF4-FFF2-40B4-BE49-F238E27FC236}">
+                  <a16:creationId xmlns:a16="http://schemas.microsoft.com/office/drawing/2014/main" id="{DA139436-6896-45B8-9AE8-1945DFAEACCF}"/>
+                </a:ext>
+              </a:extLst>
+            </p:cNvPr>
+            <p:cNvCxnSpPr/>
+            <p:nvPr/>
+          </p:nvCxnSpPr>
+          <p:spPr>
+            <a:xfrm>
+              <a:off x="8896350" y="2583532"/>
+              <a:ext cx="0" cy="4863863"/>
+            </a:xfrm>
+            <a:prstGeom prst="line">
+              <a:avLst/>
+            </a:prstGeom>
+            <a:noFill/>
+            <a:ln w="38100">
+              <a:solidFill>
+                <a:srgbClr val="0070C0"/>
+              </a:solidFill>
+            </a:ln>
+          </p:spPr>
+          <p:style>
+            <a:lnRef idx="2">
+              <a:schemeClr val="accent1">
+                <a:shade val="50000"/>
+              </a:schemeClr>
+            </a:lnRef>
+            <a:fillRef idx="1">
+              <a:schemeClr val="accent1"/>
+            </a:fillRef>
+            <a:effectRef idx="0">
+              <a:schemeClr val="accent1"/>
+            </a:effectRef>
+            <a:fontRef idx="minor">
+              <a:schemeClr val="lt1"/>
+            </a:fontRef>
+          </p:style>
+        </p:cxnSp>
+      </p:grpSp>
+      <p:pic>
+        <p:nvPicPr>
+          <p:cNvPr id="17" name="Picture 16">
+            <a:extLst>
+              <a:ext uri="{FF2B5EF4-FFF2-40B4-BE49-F238E27FC236}">
+                <a16:creationId xmlns:a16="http://schemas.microsoft.com/office/drawing/2014/main" id="{25C8FD40-B5E6-4183-9B2B-470B470CCE54}"/>
+              </a:ext>
+            </a:extLst>
+          </p:cNvPr>
+          <p:cNvPicPr>
+            <a:picLocks noChangeAspect="1"/>
+          </p:cNvPicPr>
+          <p:nvPr/>
+        </p:nvPicPr>
+        <p:blipFill>
+          <a:blip r:embed="rId4"/>
+          <a:stretch>
+            <a:fillRect/>
+          </a:stretch>
+        </p:blipFill>
+        <p:spPr>
+          <a:xfrm>
+            <a:off x="2813192" y="964892"/>
+            <a:ext cx="6190110" cy="5624157"/>
+          </a:xfrm>
+          <a:prstGeom prst="rect">
+            <a:avLst/>
+          </a:prstGeom>
+        </p:spPr>
+      </p:pic>
       <p:sp>
         <p:nvSpPr>
           <p:cNvPr id="2" name="Title 1">
@@ -23552,7 +23850,7 @@
         </p:spPr>
         <p:txBody>
           <a:bodyPr vert="horz" lIns="91440" tIns="45720" rIns="91440" bIns="45720" rtlCol="0" anchor="t">
-            <a:normAutofit fontScale="90000"/>
+            <a:normAutofit fontScale="97500"/>
           </a:bodyPr>
           <a:lstStyle>
             <a:lvl1pPr algn="l" defTabSz="457200" rtl="0" eaLnBrk="1" latinLnBrk="0" hangingPunct="1">
@@ -23633,48 +23931,27 @@
                   <a:srgbClr val="002060"/>
                 </a:solidFill>
               </a:rPr>
-              <a:t>Results: Worse Case Performance for 16 Principle Components</a:t>
+              <a:t>Results: </a:t>
             </a:r>
-          </a:p>
-          <a:p>
-            <a:endParaRPr lang="en-US" dirty="0">
-              <a:solidFill>
-                <a:srgbClr val="002060"/>
-              </a:solidFill>
-            </a:endParaRPr>
+            <a:r>
+              <a:rPr lang="en-US" dirty="0" err="1">
+                <a:solidFill>
+                  <a:srgbClr val="002060"/>
+                </a:solidFill>
+              </a:rPr>
+              <a:t>Measuement</a:t>
+            </a:r>
+            <a:r>
+              <a:rPr lang="en-US" dirty="0">
+                <a:solidFill>
+                  <a:srgbClr val="002060"/>
+                </a:solidFill>
+              </a:rPr>
+              <a:t> Comparison with Box Plot</a:t>
+            </a:r>
           </a:p>
         </p:txBody>
       </p:sp>
-      <p:pic>
-        <p:nvPicPr>
-          <p:cNvPr id="6" name="Picture 5">
-            <a:extLst>
-              <a:ext uri="{FF2B5EF4-FFF2-40B4-BE49-F238E27FC236}">
-                <a16:creationId xmlns:a16="http://schemas.microsoft.com/office/drawing/2014/main" id="{D2182FCA-0A45-4DDF-8AB2-4A00AAE7D739}"/>
-              </a:ext>
-            </a:extLst>
-          </p:cNvPr>
-          <p:cNvPicPr>
-            <a:picLocks noChangeAspect="1"/>
-          </p:cNvPicPr>
-          <p:nvPr/>
-        </p:nvPicPr>
-        <p:blipFill>
-          <a:blip r:embed="rId3"/>
-          <a:stretch>
-            <a:fillRect/>
-          </a:stretch>
-        </p:blipFill>
-        <p:spPr>
-          <a:xfrm>
-            <a:off x="1295400" y="1065605"/>
-            <a:ext cx="8801100" cy="5489648"/>
-          </a:xfrm>
-          <a:prstGeom prst="rect">
-            <a:avLst/>
-          </a:prstGeom>
-        </p:spPr>
-      </p:pic>
       <p:sp>
         <p:nvSpPr>
           <p:cNvPr id="5" name="Slide Number Placeholder 4">
@@ -23705,43 +23982,6 @@
           </a:p>
         </p:txBody>
       </p:sp>
-      <p:sp>
-        <p:nvSpPr>
-          <p:cNvPr id="7" name="TextBox 6">
-            <a:extLst>
-              <a:ext uri="{FF2B5EF4-FFF2-40B4-BE49-F238E27FC236}">
-                <a16:creationId xmlns:a16="http://schemas.microsoft.com/office/drawing/2014/main" id="{A1CB4040-B930-4C77-85A7-14277601F045}"/>
-              </a:ext>
-            </a:extLst>
-          </p:cNvPr>
-          <p:cNvSpPr txBox="1"/>
-          <p:nvPr/>
-        </p:nvSpPr>
-        <p:spPr>
-          <a:xfrm flipH="1">
-            <a:off x="1809750" y="1002268"/>
-            <a:ext cx="8286750" cy="369332"/>
-          </a:xfrm>
-          <a:prstGeom prst="rect">
-            <a:avLst/>
-          </a:prstGeom>
-          <a:solidFill>
-            <a:schemeClr val="bg1"/>
-          </a:solidFill>
-        </p:spPr>
-        <p:txBody>
-          <a:bodyPr wrap="square" rtlCol="0">
-            <a:spAutoFit/>
-          </a:bodyPr>
-          <a:lstStyle/>
-          <a:p>
-            <a:r>
-              <a:rPr lang="en-US" dirty="0"/>
-              <a:t>Minimum value of metric among the 10 labels for 16 principle components</a:t>
-            </a:r>
-          </a:p>
-        </p:txBody>
-      </p:sp>
     </p:spTree>
     <p:extLst>
       <p:ext uri="{BB962C8B-B14F-4D97-AF65-F5344CB8AC3E}">
@@ -23752,6 +23992,177 @@
   <p:clrMapOvr>
     <a:masterClrMapping/>
   </p:clrMapOvr>
+  <p:timing>
+    <p:tnLst>
+      <p:par>
+        <p:cTn id="1" dur="indefinite" restart="never" nodeType="tmRoot">
+          <p:childTnLst>
+            <p:seq concurrent="1" nextAc="seek">
+              <p:cTn id="2" dur="indefinite" nodeType="mainSeq">
+                <p:childTnLst>
+                  <p:par>
+                    <p:cTn id="3" fill="hold">
+                      <p:stCondLst>
+                        <p:cond delay="indefinite"/>
+                      </p:stCondLst>
+                      <p:childTnLst>
+                        <p:par>
+                          <p:cTn id="4" fill="hold">
+                            <p:stCondLst>
+                              <p:cond delay="0"/>
+                            </p:stCondLst>
+                            <p:childTnLst>
+                              <p:par>
+                                <p:cTn id="5" presetID="10" presetClass="entr" presetSubtype="0" fill="hold" nodeType="clickEffect">
+                                  <p:stCondLst>
+                                    <p:cond delay="0"/>
+                                  </p:stCondLst>
+                                  <p:childTnLst>
+                                    <p:set>
+                                      <p:cBhvr>
+                                        <p:cTn id="6" dur="1" fill="hold">
+                                          <p:stCondLst>
+                                            <p:cond delay="0"/>
+                                          </p:stCondLst>
+                                        </p:cTn>
+                                        <p:tgtEl>
+                                          <p:spTgt spid="17"/>
+                                        </p:tgtEl>
+                                        <p:attrNameLst>
+                                          <p:attrName>style.visibility</p:attrName>
+                                        </p:attrNameLst>
+                                      </p:cBhvr>
+                                      <p:to>
+                                        <p:strVal val="visible"/>
+                                      </p:to>
+                                    </p:set>
+                                    <p:animEffect transition="in" filter="fade">
+                                      <p:cBhvr>
+                                        <p:cTn id="7" dur="500"/>
+                                        <p:tgtEl>
+                                          <p:spTgt spid="17"/>
+                                        </p:tgtEl>
+                                      </p:cBhvr>
+                                    </p:animEffect>
+                                  </p:childTnLst>
+                                </p:cTn>
+                              </p:par>
+                            </p:childTnLst>
+                          </p:cTn>
+                        </p:par>
+                      </p:childTnLst>
+                    </p:cTn>
+                  </p:par>
+                  <p:par>
+                    <p:cTn id="8" fill="hold">
+                      <p:stCondLst>
+                        <p:cond delay="indefinite"/>
+                      </p:stCondLst>
+                      <p:childTnLst>
+                        <p:par>
+                          <p:cTn id="9" fill="hold">
+                            <p:stCondLst>
+                              <p:cond delay="0"/>
+                            </p:stCondLst>
+                            <p:childTnLst>
+                              <p:par>
+                                <p:cTn id="10" presetID="10" presetClass="entr" presetSubtype="0" fill="hold" nodeType="clickEffect">
+                                  <p:stCondLst>
+                                    <p:cond delay="0"/>
+                                  </p:stCondLst>
+                                  <p:childTnLst>
+                                    <p:set>
+                                      <p:cBhvr>
+                                        <p:cTn id="11" dur="1" fill="hold">
+                                          <p:stCondLst>
+                                            <p:cond delay="0"/>
+                                          </p:stCondLst>
+                                        </p:cTn>
+                                        <p:tgtEl>
+                                          <p:spTgt spid="22"/>
+                                        </p:tgtEl>
+                                        <p:attrNameLst>
+                                          <p:attrName>style.visibility</p:attrName>
+                                        </p:attrNameLst>
+                                      </p:cBhvr>
+                                      <p:to>
+                                        <p:strVal val="visible"/>
+                                      </p:to>
+                                    </p:set>
+                                    <p:animEffect transition="in" filter="fade">
+                                      <p:cBhvr>
+                                        <p:cTn id="12" dur="500"/>
+                                        <p:tgtEl>
+                                          <p:spTgt spid="22"/>
+                                        </p:tgtEl>
+                                      </p:cBhvr>
+                                    </p:animEffect>
+                                  </p:childTnLst>
+                                </p:cTn>
+                              </p:par>
+                              <p:par>
+                                <p:cTn id="13" presetID="10" presetClass="exit" presetSubtype="0" fill="hold" nodeType="withEffect">
+                                  <p:stCondLst>
+                                    <p:cond delay="0"/>
+                                  </p:stCondLst>
+                                  <p:childTnLst>
+                                    <p:animEffect transition="out" filter="fade">
+                                      <p:cBhvr>
+                                        <p:cTn id="14" dur="500"/>
+                                        <p:tgtEl>
+                                          <p:spTgt spid="17"/>
+                                        </p:tgtEl>
+                                      </p:cBhvr>
+                                    </p:animEffect>
+                                    <p:set>
+                                      <p:cBhvr>
+                                        <p:cTn id="15" dur="1" fill="hold">
+                                          <p:stCondLst>
+                                            <p:cond delay="499"/>
+                                          </p:stCondLst>
+                                        </p:cTn>
+                                        <p:tgtEl>
+                                          <p:spTgt spid="17"/>
+                                        </p:tgtEl>
+                                        <p:attrNameLst>
+                                          <p:attrName>style.visibility</p:attrName>
+                                        </p:attrNameLst>
+                                      </p:cBhvr>
+                                      <p:to>
+                                        <p:strVal val="hidden"/>
+                                      </p:to>
+                                    </p:set>
+                                  </p:childTnLst>
+                                </p:cTn>
+                              </p:par>
+                            </p:childTnLst>
+                          </p:cTn>
+                        </p:par>
+                      </p:childTnLst>
+                    </p:cTn>
+                  </p:par>
+                </p:childTnLst>
+              </p:cTn>
+              <p:prevCondLst>
+                <p:cond evt="onPrev" delay="0">
+                  <p:tgtEl>
+                    <p:sldTgt/>
+                  </p:tgtEl>
+                </p:cond>
+              </p:prevCondLst>
+              <p:nextCondLst>
+                <p:cond evt="onNext" delay="0">
+                  <p:tgtEl>
+                    <p:sldTgt/>
+                  </p:tgtEl>
+                </p:cond>
+              </p:nextCondLst>
+            </p:seq>
+          </p:childTnLst>
+        </p:cTn>
+      </p:par>
+    </p:tnLst>
+  </p:timing>
 </p:sld>
 </file>
 

--- a/FinalReport_Team_Bengio.pptx
+++ b/FinalReport_Team_Bengio.pptx
@@ -129,6 +129,11 @@
     <p:ext uri="{EFAFB233-063F-42B5-8137-9DF3F51BA10A}">
       <p15:sldGuideLst xmlns:p15="http://schemas.microsoft.com/office/powerpoint/2012/main">
         <p15:guide id="2" pos="5280" userDrawn="1">
+          <p15:clr>
+            <a:srgbClr val="A4A3A4"/>
+          </p15:clr>
+        </p15:guide>
+        <p15:guide id="3" orient="horz" pos="2160">
           <p15:clr>
             <a:srgbClr val="A4A3A4"/>
           </p15:clr>
@@ -23522,12 +23527,42 @@
           <a:chExt cx="0" cy="0"/>
         </a:xfrm>
       </p:grpSpPr>
+      <p:pic>
+        <p:nvPicPr>
+          <p:cNvPr id="16" name="Picture 15">
+            <a:extLst>
+              <a:ext uri="{FF2B5EF4-FFF2-40B4-BE49-F238E27FC236}">
+                <a16:creationId xmlns:a16="http://schemas.microsoft.com/office/drawing/2014/main" id="{75044DBC-9455-41CC-91D8-EA3508CC5869}"/>
+              </a:ext>
+            </a:extLst>
+          </p:cNvPr>
+          <p:cNvPicPr>
+            <a:picLocks noChangeAspect="1"/>
+          </p:cNvPicPr>
+          <p:nvPr/>
+        </p:nvPicPr>
+        <p:blipFill>
+          <a:blip r:embed="rId3"/>
+          <a:stretch>
+            <a:fillRect/>
+          </a:stretch>
+        </p:blipFill>
+        <p:spPr>
+          <a:xfrm>
+            <a:off x="3463432" y="993437"/>
+            <a:ext cx="5366551" cy="5455010"/>
+          </a:xfrm>
+          <a:prstGeom prst="rect">
+            <a:avLst/>
+          </a:prstGeom>
+        </p:spPr>
+      </p:pic>
       <p:grpSp>
         <p:nvGrpSpPr>
-          <p:cNvPr id="22" name="Group 21">
+          <p:cNvPr id="27" name="Group 26">
             <a:extLst>
               <a:ext uri="{FF2B5EF4-FFF2-40B4-BE49-F238E27FC236}">
-                <a16:creationId xmlns:a16="http://schemas.microsoft.com/office/drawing/2014/main" id="{04114C74-6EAB-4B12-ACD3-E53E5248AAA6}"/>
+                <a16:creationId xmlns:a16="http://schemas.microsoft.com/office/drawing/2014/main" id="{0649C811-8FC9-44B4-8F1D-013E85A748DD}"/>
               </a:ext>
             </a:extLst>
           </p:cNvPr>
@@ -23536,18 +23571,18 @@
         </p:nvGrpSpPr>
         <p:grpSpPr>
           <a:xfrm>
-            <a:off x="552450" y="1002268"/>
-            <a:ext cx="10719616" cy="5855732"/>
-            <a:chOff x="769910" y="2187768"/>
-            <a:chExt cx="10719616" cy="5855732"/>
+            <a:off x="552450" y="1085850"/>
+            <a:ext cx="10719616" cy="5733053"/>
+            <a:chOff x="552450" y="1085850"/>
+            <a:chExt cx="10719616" cy="5733053"/>
           </a:xfrm>
         </p:grpSpPr>
         <p:pic>
           <p:nvPicPr>
-            <p:cNvPr id="9" name="Picture 8">
+            <p:cNvPr id="4" name="Picture 3">
               <a:extLst>
                 <a:ext uri="{FF2B5EF4-FFF2-40B4-BE49-F238E27FC236}">
-                  <a16:creationId xmlns:a16="http://schemas.microsoft.com/office/drawing/2014/main" id="{76C4745A-B389-449C-92B2-1E10749E743C}"/>
+                  <a16:creationId xmlns:a16="http://schemas.microsoft.com/office/drawing/2014/main" id="{393BD330-B0D0-4624-977B-59F8F69B16B9}"/>
                 </a:ext>
               </a:extLst>
             </p:cNvPr>
@@ -23557,103 +23592,21 @@
             <p:nvPr/>
           </p:nvPicPr>
           <p:blipFill>
-            <a:blip r:embed="rId3"/>
+            <a:blip r:embed="rId4"/>
             <a:stretch>
               <a:fillRect/>
             </a:stretch>
           </p:blipFill>
           <p:spPr>
             <a:xfrm>
-              <a:off x="769910" y="2316404"/>
-              <a:ext cx="10708476" cy="5727096"/>
+              <a:off x="552450" y="1085850"/>
+              <a:ext cx="10719616" cy="5733053"/>
             </a:xfrm>
             <a:prstGeom prst="rect">
               <a:avLst/>
             </a:prstGeom>
           </p:spPr>
         </p:pic>
-        <p:sp>
-          <p:nvSpPr>
-            <p:cNvPr id="7" name="TextBox 6">
-              <a:extLst>
-                <a:ext uri="{FF2B5EF4-FFF2-40B4-BE49-F238E27FC236}">
-                  <a16:creationId xmlns:a16="http://schemas.microsoft.com/office/drawing/2014/main" id="{A1CB4040-B930-4C77-85A7-14277601F045}"/>
-                </a:ext>
-              </a:extLst>
-            </p:cNvPr>
-            <p:cNvSpPr txBox="1"/>
-            <p:nvPr/>
-          </p:nvSpPr>
-          <p:spPr>
-            <a:xfrm flipH="1">
-              <a:off x="1428350" y="2187768"/>
-              <a:ext cx="10061176" cy="369332"/>
-            </a:xfrm>
-            <a:prstGeom prst="rect">
-              <a:avLst/>
-            </a:prstGeom>
-            <a:solidFill>
-              <a:schemeClr val="bg1"/>
-            </a:solidFill>
-          </p:spPr>
-          <p:txBody>
-            <a:bodyPr wrap="square" rtlCol="0">
-              <a:spAutoFit/>
-            </a:bodyPr>
-            <a:lstStyle/>
-            <a:p>
-              <a:pPr algn="ctr"/>
-              <a:r>
-                <a:rPr lang="en-US" dirty="0"/>
-                <a:t>Boxplot of metric for the 10 letters with 16 principle components</a:t>
-              </a:r>
-            </a:p>
-          </p:txBody>
-        </p:sp>
-        <p:cxnSp>
-          <p:nvCxnSpPr>
-            <p:cNvPr id="13" name="Straight Connector 12">
-              <a:extLst>
-                <a:ext uri="{FF2B5EF4-FFF2-40B4-BE49-F238E27FC236}">
-                  <a16:creationId xmlns:a16="http://schemas.microsoft.com/office/drawing/2014/main" id="{FAE9083E-9AE0-4ADB-A366-68C48294E971}"/>
-                </a:ext>
-              </a:extLst>
-            </p:cNvPr>
-            <p:cNvCxnSpPr/>
-            <p:nvPr/>
-          </p:nvCxnSpPr>
-          <p:spPr>
-            <a:xfrm>
-              <a:off x="6438900" y="2583532"/>
-              <a:ext cx="0" cy="4863863"/>
-            </a:xfrm>
-            <a:prstGeom prst="line">
-              <a:avLst/>
-            </a:prstGeom>
-            <a:noFill/>
-            <a:ln w="38100">
-              <a:solidFill>
-                <a:srgbClr val="0070C0"/>
-              </a:solidFill>
-            </a:ln>
-          </p:spPr>
-          <p:style>
-            <a:lnRef idx="2">
-              <a:schemeClr val="accent1">
-                <a:shade val="50000"/>
-              </a:schemeClr>
-            </a:lnRef>
-            <a:fillRef idx="1">
-              <a:schemeClr val="accent1"/>
-            </a:fillRef>
-            <a:effectRef idx="0">
-              <a:schemeClr val="accent1"/>
-            </a:effectRef>
-            <a:fontRef idx="minor">
-              <a:schemeClr val="lt1"/>
-            </a:fontRef>
-          </p:style>
-        </p:cxnSp>
         <p:sp>
           <p:nvSpPr>
             <p:cNvPr id="10" name="Rectangle 9">
@@ -23668,7 +23621,7 @@
           </p:nvSpPr>
           <p:spPr>
             <a:xfrm>
-              <a:off x="1428350" y="2583532"/>
+              <a:off x="1210890" y="1398032"/>
               <a:ext cx="9925450" cy="4863863"/>
             </a:xfrm>
             <a:prstGeom prst="rect">
@@ -23706,125 +23659,7 @@
             </a:p>
           </p:txBody>
         </p:sp>
-        <p:cxnSp>
-          <p:nvCxnSpPr>
-            <p:cNvPr id="12" name="Straight Connector 11">
-              <a:extLst>
-                <a:ext uri="{FF2B5EF4-FFF2-40B4-BE49-F238E27FC236}">
-                  <a16:creationId xmlns:a16="http://schemas.microsoft.com/office/drawing/2014/main" id="{B83E3D3C-92F3-412F-822C-30C8140EA2D5}"/>
-                </a:ext>
-              </a:extLst>
-            </p:cNvPr>
-            <p:cNvCxnSpPr/>
-            <p:nvPr/>
-          </p:nvCxnSpPr>
-          <p:spPr>
-            <a:xfrm>
-              <a:off x="3924300" y="2583532"/>
-              <a:ext cx="0" cy="4863863"/>
-            </a:xfrm>
-            <a:prstGeom prst="line">
-              <a:avLst/>
-            </a:prstGeom>
-            <a:noFill/>
-            <a:ln w="38100">
-              <a:solidFill>
-                <a:srgbClr val="0070C0"/>
-              </a:solidFill>
-            </a:ln>
-          </p:spPr>
-          <p:style>
-            <a:lnRef idx="2">
-              <a:schemeClr val="accent1">
-                <a:shade val="50000"/>
-              </a:schemeClr>
-            </a:lnRef>
-            <a:fillRef idx="1">
-              <a:schemeClr val="accent1"/>
-            </a:fillRef>
-            <a:effectRef idx="0">
-              <a:schemeClr val="accent1"/>
-            </a:effectRef>
-            <a:fontRef idx="minor">
-              <a:schemeClr val="lt1"/>
-            </a:fontRef>
-          </p:style>
-        </p:cxnSp>
-        <p:cxnSp>
-          <p:nvCxnSpPr>
-            <p:cNvPr id="14" name="Straight Connector 13">
-              <a:extLst>
-                <a:ext uri="{FF2B5EF4-FFF2-40B4-BE49-F238E27FC236}">
-                  <a16:creationId xmlns:a16="http://schemas.microsoft.com/office/drawing/2014/main" id="{DA139436-6896-45B8-9AE8-1945DFAEACCF}"/>
-                </a:ext>
-              </a:extLst>
-            </p:cNvPr>
-            <p:cNvCxnSpPr/>
-            <p:nvPr/>
-          </p:nvCxnSpPr>
-          <p:spPr>
-            <a:xfrm>
-              <a:off x="8896350" y="2583532"/>
-              <a:ext cx="0" cy="4863863"/>
-            </a:xfrm>
-            <a:prstGeom prst="line">
-              <a:avLst/>
-            </a:prstGeom>
-            <a:noFill/>
-            <a:ln w="38100">
-              <a:solidFill>
-                <a:srgbClr val="0070C0"/>
-              </a:solidFill>
-            </a:ln>
-          </p:spPr>
-          <p:style>
-            <a:lnRef idx="2">
-              <a:schemeClr val="accent1">
-                <a:shade val="50000"/>
-              </a:schemeClr>
-            </a:lnRef>
-            <a:fillRef idx="1">
-              <a:schemeClr val="accent1"/>
-            </a:fillRef>
-            <a:effectRef idx="0">
-              <a:schemeClr val="accent1"/>
-            </a:effectRef>
-            <a:fontRef idx="minor">
-              <a:schemeClr val="lt1"/>
-            </a:fontRef>
-          </p:style>
-        </p:cxnSp>
       </p:grpSp>
-      <p:pic>
-        <p:nvPicPr>
-          <p:cNvPr id="17" name="Picture 16">
-            <a:extLst>
-              <a:ext uri="{FF2B5EF4-FFF2-40B4-BE49-F238E27FC236}">
-                <a16:creationId xmlns:a16="http://schemas.microsoft.com/office/drawing/2014/main" id="{25C8FD40-B5E6-4183-9B2B-470B470CCE54}"/>
-              </a:ext>
-            </a:extLst>
-          </p:cNvPr>
-          <p:cNvPicPr>
-            <a:picLocks noChangeAspect="1"/>
-          </p:cNvPicPr>
-          <p:nvPr/>
-        </p:nvPicPr>
-        <p:blipFill>
-          <a:blip r:embed="rId4"/>
-          <a:stretch>
-            <a:fillRect/>
-          </a:stretch>
-        </p:blipFill>
-        <p:spPr>
-          <a:xfrm>
-            <a:off x="2813192" y="964892"/>
-            <a:ext cx="6190110" cy="5624157"/>
-          </a:xfrm>
-          <a:prstGeom prst="rect">
-            <a:avLst/>
-          </a:prstGeom>
-        </p:spPr>
-      </p:pic>
       <p:sp>
         <p:nvSpPr>
           <p:cNvPr id="2" name="Title 1">
@@ -23931,23 +23766,7 @@
                   <a:srgbClr val="002060"/>
                 </a:solidFill>
               </a:rPr>
-              <a:t>Results: </a:t>
-            </a:r>
-            <a:r>
-              <a:rPr lang="en-US" dirty="0" err="1">
-                <a:solidFill>
-                  <a:srgbClr val="002060"/>
-                </a:solidFill>
-              </a:rPr>
-              <a:t>Measuement</a:t>
-            </a:r>
-            <a:r>
-              <a:rPr lang="en-US" dirty="0">
-                <a:solidFill>
-                  <a:srgbClr val="002060"/>
-                </a:solidFill>
-              </a:rPr>
-              <a:t> Comparison with Box Plot</a:t>
+              <a:t>Results: Performance Comparison with Box Plot at 16 PC</a:t>
             </a:r>
           </a:p>
         </p:txBody>
@@ -23982,6 +23801,197 @@
           </a:p>
         </p:txBody>
       </p:sp>
+      <p:grpSp>
+        <p:nvGrpSpPr>
+          <p:cNvPr id="28" name="Group 27">
+            <a:extLst>
+              <a:ext uri="{FF2B5EF4-FFF2-40B4-BE49-F238E27FC236}">
+                <a16:creationId xmlns:a16="http://schemas.microsoft.com/office/drawing/2014/main" id="{1AA134A0-7FAC-44C7-ADD1-1AB80686D524}"/>
+              </a:ext>
+            </a:extLst>
+          </p:cNvPr>
+          <p:cNvGrpSpPr/>
+          <p:nvPr/>
+        </p:nvGrpSpPr>
+        <p:grpSpPr>
+          <a:xfrm>
+            <a:off x="1242714" y="971550"/>
+            <a:ext cx="10061176" cy="5259627"/>
+            <a:chOff x="1242714" y="971550"/>
+            <a:chExt cx="10061176" cy="5259627"/>
+          </a:xfrm>
+        </p:grpSpPr>
+        <p:sp>
+          <p:nvSpPr>
+            <p:cNvPr id="7" name="TextBox 6">
+              <a:extLst>
+                <a:ext uri="{FF2B5EF4-FFF2-40B4-BE49-F238E27FC236}">
+                  <a16:creationId xmlns:a16="http://schemas.microsoft.com/office/drawing/2014/main" id="{A1CB4040-B930-4C77-85A7-14277601F045}"/>
+                </a:ext>
+              </a:extLst>
+            </p:cNvPr>
+            <p:cNvSpPr txBox="1"/>
+            <p:nvPr/>
+          </p:nvSpPr>
+          <p:spPr>
+            <a:xfrm flipH="1">
+              <a:off x="1242714" y="971550"/>
+              <a:ext cx="10061176" cy="369332"/>
+            </a:xfrm>
+            <a:prstGeom prst="rect">
+              <a:avLst/>
+            </a:prstGeom>
+            <a:solidFill>
+              <a:schemeClr val="bg1"/>
+            </a:solidFill>
+          </p:spPr>
+          <p:txBody>
+            <a:bodyPr wrap="square" rtlCol="0">
+              <a:spAutoFit/>
+            </a:bodyPr>
+            <a:lstStyle/>
+            <a:p>
+              <a:pPr algn="ctr"/>
+              <a:r>
+                <a:rPr lang="en-US" dirty="0"/>
+                <a:t>Boxplot of metric for the 10 letters with 16 principle components</a:t>
+              </a:r>
+            </a:p>
+          </p:txBody>
+        </p:sp>
+        <p:cxnSp>
+          <p:nvCxnSpPr>
+            <p:cNvPr id="13" name="Straight Connector 12">
+              <a:extLst>
+                <a:ext uri="{FF2B5EF4-FFF2-40B4-BE49-F238E27FC236}">
+                  <a16:creationId xmlns:a16="http://schemas.microsoft.com/office/drawing/2014/main" id="{FAE9083E-9AE0-4ADB-A366-68C48294E971}"/>
+                </a:ext>
+              </a:extLst>
+            </p:cNvPr>
+            <p:cNvCxnSpPr/>
+            <p:nvPr/>
+          </p:nvCxnSpPr>
+          <p:spPr>
+            <a:xfrm>
+              <a:off x="6253264" y="1367314"/>
+              <a:ext cx="0" cy="4863863"/>
+            </a:xfrm>
+            <a:prstGeom prst="line">
+              <a:avLst/>
+            </a:prstGeom>
+            <a:noFill/>
+            <a:ln w="38100">
+              <a:solidFill>
+                <a:srgbClr val="0070C0"/>
+              </a:solidFill>
+            </a:ln>
+          </p:spPr>
+          <p:style>
+            <a:lnRef idx="2">
+              <a:schemeClr val="accent1">
+                <a:shade val="50000"/>
+              </a:schemeClr>
+            </a:lnRef>
+            <a:fillRef idx="1">
+              <a:schemeClr val="accent1"/>
+            </a:fillRef>
+            <a:effectRef idx="0">
+              <a:schemeClr val="accent1"/>
+            </a:effectRef>
+            <a:fontRef idx="minor">
+              <a:schemeClr val="lt1"/>
+            </a:fontRef>
+          </p:style>
+        </p:cxnSp>
+        <p:cxnSp>
+          <p:nvCxnSpPr>
+            <p:cNvPr id="12" name="Straight Connector 11">
+              <a:extLst>
+                <a:ext uri="{FF2B5EF4-FFF2-40B4-BE49-F238E27FC236}">
+                  <a16:creationId xmlns:a16="http://schemas.microsoft.com/office/drawing/2014/main" id="{B83E3D3C-92F3-412F-822C-30C8140EA2D5}"/>
+                </a:ext>
+              </a:extLst>
+            </p:cNvPr>
+            <p:cNvCxnSpPr/>
+            <p:nvPr/>
+          </p:nvCxnSpPr>
+          <p:spPr>
+            <a:xfrm>
+              <a:off x="3738664" y="1367314"/>
+              <a:ext cx="0" cy="4863863"/>
+            </a:xfrm>
+            <a:prstGeom prst="line">
+              <a:avLst/>
+            </a:prstGeom>
+            <a:noFill/>
+            <a:ln w="38100">
+              <a:solidFill>
+                <a:srgbClr val="0070C0"/>
+              </a:solidFill>
+            </a:ln>
+          </p:spPr>
+          <p:style>
+            <a:lnRef idx="2">
+              <a:schemeClr val="accent1">
+                <a:shade val="50000"/>
+              </a:schemeClr>
+            </a:lnRef>
+            <a:fillRef idx="1">
+              <a:schemeClr val="accent1"/>
+            </a:fillRef>
+            <a:effectRef idx="0">
+              <a:schemeClr val="accent1"/>
+            </a:effectRef>
+            <a:fontRef idx="minor">
+              <a:schemeClr val="lt1"/>
+            </a:fontRef>
+          </p:style>
+        </p:cxnSp>
+        <p:cxnSp>
+          <p:nvCxnSpPr>
+            <p:cNvPr id="14" name="Straight Connector 13">
+              <a:extLst>
+                <a:ext uri="{FF2B5EF4-FFF2-40B4-BE49-F238E27FC236}">
+                  <a16:creationId xmlns:a16="http://schemas.microsoft.com/office/drawing/2014/main" id="{DA139436-6896-45B8-9AE8-1945DFAEACCF}"/>
+                </a:ext>
+              </a:extLst>
+            </p:cNvPr>
+            <p:cNvCxnSpPr/>
+            <p:nvPr/>
+          </p:nvCxnSpPr>
+          <p:spPr>
+            <a:xfrm>
+              <a:off x="8710714" y="1365487"/>
+              <a:ext cx="0" cy="4863863"/>
+            </a:xfrm>
+            <a:prstGeom prst="line">
+              <a:avLst/>
+            </a:prstGeom>
+            <a:noFill/>
+            <a:ln w="38100">
+              <a:solidFill>
+                <a:srgbClr val="0070C0"/>
+              </a:solidFill>
+            </a:ln>
+          </p:spPr>
+          <p:style>
+            <a:lnRef idx="2">
+              <a:schemeClr val="accent1">
+                <a:shade val="50000"/>
+              </a:schemeClr>
+            </a:lnRef>
+            <a:fillRef idx="1">
+              <a:schemeClr val="accent1"/>
+            </a:fillRef>
+            <a:effectRef idx="0">
+              <a:schemeClr val="accent1"/>
+            </a:effectRef>
+            <a:fontRef idx="minor">
+              <a:schemeClr val="lt1"/>
+            </a:fontRef>
+          </p:style>
+        </p:cxnSp>
+      </p:grpSp>
     </p:spTree>
     <p:extLst>
       <p:ext uri="{BB962C8B-B14F-4D97-AF65-F5344CB8AC3E}">
@@ -24026,7 +24036,7 @@
                                           </p:stCondLst>
                                         </p:cTn>
                                         <p:tgtEl>
-                                          <p:spTgt spid="17"/>
+                                          <p:spTgt spid="16"/>
                                         </p:tgtEl>
                                         <p:attrNameLst>
                                           <p:attrName>style.visibility</p:attrName>
@@ -24040,7 +24050,7 @@
                                       <p:cBhvr>
                                         <p:cTn id="7" dur="500"/>
                                         <p:tgtEl>
-                                          <p:spTgt spid="17"/>
+                                          <p:spTgt spid="16"/>
                                         </p:tgtEl>
                                       </p:cBhvr>
                                     </p:animEffect>
@@ -24066,20 +24076,55 @@
                             </p:stCondLst>
                             <p:childTnLst>
                               <p:par>
-                                <p:cTn id="10" presetID="10" presetClass="entr" presetSubtype="0" fill="hold" nodeType="clickEffect">
+                                <p:cTn id="10" presetID="10" presetClass="exit" presetSubtype="0" fill="hold" nodeType="clickEffect">
+                                  <p:stCondLst>
+                                    <p:cond delay="0"/>
+                                  </p:stCondLst>
+                                  <p:childTnLst>
+                                    <p:animEffect transition="out" filter="fade">
+                                      <p:cBhvr>
+                                        <p:cTn id="11" dur="500"/>
+                                        <p:tgtEl>
+                                          <p:spTgt spid="16"/>
+                                        </p:tgtEl>
+                                      </p:cBhvr>
+                                    </p:animEffect>
+                                    <p:set>
+                                      <p:cBhvr>
+                                        <p:cTn id="12" dur="1" fill="hold">
+                                          <p:stCondLst>
+                                            <p:cond delay="499"/>
+                                          </p:stCondLst>
+                                        </p:cTn>
+                                        <p:tgtEl>
+                                          <p:spTgt spid="16"/>
+                                        </p:tgtEl>
+                                        <p:attrNameLst>
+                                          <p:attrName>style.visibility</p:attrName>
+                                        </p:attrNameLst>
+                                      </p:cBhvr>
+                                      <p:to>
+                                        <p:strVal val="hidden"/>
+                                      </p:to>
+                                    </p:set>
+                                  </p:childTnLst>
+                                </p:cTn>
+                              </p:par>
+                              <p:par>
+                                <p:cTn id="13" presetID="10" presetClass="entr" presetSubtype="0" fill="hold" nodeType="withEffect">
                                   <p:stCondLst>
                                     <p:cond delay="0"/>
                                   </p:stCondLst>
                                   <p:childTnLst>
                                     <p:set>
                                       <p:cBhvr>
-                                        <p:cTn id="11" dur="1" fill="hold">
+                                        <p:cTn id="14" dur="1" fill="hold">
                                           <p:stCondLst>
                                             <p:cond delay="0"/>
                                           </p:stCondLst>
                                         </p:cTn>
                                         <p:tgtEl>
-                                          <p:spTgt spid="22"/>
+                                          <p:spTgt spid="27"/>
                                         </p:tgtEl>
                                         <p:attrNameLst>
                                           <p:attrName>style.visibility</p:attrName>
@@ -24091,9 +24136,9 @@
                                     </p:set>
                                     <p:animEffect transition="in" filter="fade">
                                       <p:cBhvr>
-                                        <p:cTn id="12" dur="500"/>
+                                        <p:cTn id="15" dur="500"/>
                                         <p:tgtEl>
-                                          <p:spTgt spid="22"/>
+                                          <p:spTgt spid="27"/>
                                         </p:tgtEl>
                                       </p:cBhvr>
                                     </p:animEffect>
@@ -24101,37 +24146,37 @@
                                 </p:cTn>
                               </p:par>
                               <p:par>
-                                <p:cTn id="13" presetID="10" presetClass="exit" presetSubtype="0" fill="hold" nodeType="withEffect">
+                                <p:cTn id="16" presetID="10" presetClass="entr" presetSubtype="0" fill="hold" nodeType="withEffect">
                                   <p:stCondLst>
                                     <p:cond delay="0"/>
                                   </p:stCondLst>
                                   <p:childTnLst>
-                                    <p:animEffect transition="out" filter="fade">
-                                      <p:cBhvr>
-                                        <p:cTn id="14" dur="500"/>
-                                        <p:tgtEl>
-                                          <p:spTgt spid="17"/>
-                                        </p:tgtEl>
-                                      </p:cBhvr>
-                                    </p:animEffect>
                                     <p:set>
                                       <p:cBhvr>
-                                        <p:cTn id="15" dur="1" fill="hold">
+                                        <p:cTn id="17" dur="1" fill="hold">
                                           <p:stCondLst>
-                                            <p:cond delay="499"/>
+                                            <p:cond delay="0"/>
                                           </p:stCondLst>
                                         </p:cTn>
                                         <p:tgtEl>
-                                          <p:spTgt spid="17"/>
+                                          <p:spTgt spid="28"/>
                                         </p:tgtEl>
                                         <p:attrNameLst>
                                           <p:attrName>style.visibility</p:attrName>
                                         </p:attrNameLst>
                                       </p:cBhvr>
                                       <p:to>
-                                        <p:strVal val="hidden"/>
+                                        <p:strVal val="visible"/>
                                       </p:to>
                                     </p:set>
+                                    <p:animEffect transition="in" filter="fade">
+                                      <p:cBhvr>
+                                        <p:cTn id="18" dur="500"/>
+                                        <p:tgtEl>
+                                          <p:spTgt spid="28"/>
+                                        </p:tgtEl>
+                                      </p:cBhvr>
+                                    </p:animEffect>
                                   </p:childTnLst>
                                 </p:cTn>
                               </p:par>

--- a/FinalReport_Team_Bengio.pptx
+++ b/FinalReport_Team_Bengio.pptx
@@ -189,7 +189,7 @@
           <p:cNvPr id="2" name="Header Placeholder 1">
             <a:extLst>
               <a:ext uri="{FF2B5EF4-FFF2-40B4-BE49-F238E27FC236}">
-                <a16:creationId xmlns:a16="http://schemas.microsoft.com/office/drawing/2014/main" id="{27EF4775-AD35-41B2-88B0-64A2DA4D7CC3}"/>
+                <a16:creationId xmlns:a16="http://schemas.microsoft.com/office/drawing/2014/main" xmlns="" id="{27EF4775-AD35-41B2-88B0-64A2DA4D7CC3}"/>
               </a:ext>
             </a:extLst>
           </p:cNvPr>
@@ -226,7 +226,7 @@
           <p:cNvPr id="3" name="Date Placeholder 2">
             <a:extLst>
               <a:ext uri="{FF2B5EF4-FFF2-40B4-BE49-F238E27FC236}">
-                <a16:creationId xmlns:a16="http://schemas.microsoft.com/office/drawing/2014/main" id="{2ADE11AC-244E-4519-A3F3-843E036AE852}"/>
+                <a16:creationId xmlns:a16="http://schemas.microsoft.com/office/drawing/2014/main" xmlns="" id="{2ADE11AC-244E-4519-A3F3-843E036AE852}"/>
               </a:ext>
             </a:extLst>
           </p:cNvPr>
@@ -256,7 +256,7 @@
           <a:p>
             <a:fld id="{8691FFE1-0C4A-4976-B4DD-704F9FCB903D}" type="datetimeFigureOut">
               <a:rPr lang="en-US" smtClean="0"/>
-              <a:t>6/20/2017</a:t>
+              <a:t>6/21/2017</a:t>
             </a:fld>
             <a:endParaRPr lang="en-US"/>
           </a:p>
@@ -267,7 +267,7 @@
           <p:cNvPr id="4" name="Footer Placeholder 3">
             <a:extLst>
               <a:ext uri="{FF2B5EF4-FFF2-40B4-BE49-F238E27FC236}">
-                <a16:creationId xmlns:a16="http://schemas.microsoft.com/office/drawing/2014/main" id="{7C4A3E00-1FC7-430B-B8C4-C511868F37E4}"/>
+                <a16:creationId xmlns:a16="http://schemas.microsoft.com/office/drawing/2014/main" xmlns="" id="{7C4A3E00-1FC7-430B-B8C4-C511868F37E4}"/>
               </a:ext>
             </a:extLst>
           </p:cNvPr>
@@ -304,7 +304,7 @@
           <p:cNvPr id="5" name="Slide Number Placeholder 4">
             <a:extLst>
               <a:ext uri="{FF2B5EF4-FFF2-40B4-BE49-F238E27FC236}">
-                <a16:creationId xmlns:a16="http://schemas.microsoft.com/office/drawing/2014/main" id="{E1FEDF45-CD80-47DE-88E6-F472D3ED7152}"/>
+                <a16:creationId xmlns:a16="http://schemas.microsoft.com/office/drawing/2014/main" xmlns="" id="{E1FEDF45-CD80-47DE-88E6-F472D3ED7152}"/>
               </a:ext>
             </a:extLst>
           </p:cNvPr>
@@ -433,7 +433,7 @@
           <a:p>
             <a:fld id="{5BDD007C-BA52-4E5D-A46A-23301A480D2B}" type="datetimeFigureOut">
               <a:rPr lang="en-US" smtClean="0"/>
-              <a:t>6/20/2017</a:t>
+              <a:t>6/21/2017</a:t>
             </a:fld>
             <a:endParaRPr lang="en-US"/>
           </a:p>
@@ -2269,7 +2269,7 @@
           <p:cNvPr id="18" name="Slide Number Placeholder 5">
             <a:extLst>
               <a:ext uri="{FF2B5EF4-FFF2-40B4-BE49-F238E27FC236}">
-                <a16:creationId xmlns:a16="http://schemas.microsoft.com/office/drawing/2014/main" id="{F7E597E2-118F-47DF-9A03-1F5A2C0A8857}"/>
+                <a16:creationId xmlns:a16="http://schemas.microsoft.com/office/drawing/2014/main" xmlns="" id="{F7E597E2-118F-47DF-9A03-1F5A2C0A8857}"/>
               </a:ext>
             </a:extLst>
           </p:cNvPr>
@@ -2508,7 +2508,7 @@
           <a:p>
             <a:fld id="{5584D41E-ECCD-469A-A688-027E915CB521}" type="datetime1">
               <a:rPr lang="en-US" smtClean="0"/>
-              <a:t>6/20/2017</a:t>
+              <a:t>6/21/2017</a:t>
             </a:fld>
             <a:endParaRPr lang="en-US" dirty="0"/>
           </a:p>
@@ -2818,7 +2818,7 @@
           <a:p>
             <a:fld id="{37FEC672-057D-467E-BA4C-CC8A47D984EF}" type="datetime1">
               <a:rPr lang="en-US" smtClean="0"/>
-              <a:t>6/20/2017</a:t>
+              <a:t>6/21/2017</a:t>
             </a:fld>
             <a:endParaRPr lang="en-US" dirty="0"/>
           </a:p>
@@ -2938,7 +2938,7 @@
           <p:cNvPr id="10" name="Slide Number Placeholder 5">
             <a:extLst>
               <a:ext uri="{FF2B5EF4-FFF2-40B4-BE49-F238E27FC236}">
-                <a16:creationId xmlns:a16="http://schemas.microsoft.com/office/drawing/2014/main" id="{E56CF6C3-1900-43CB-8E33-D8CBE7D39EDE}"/>
+                <a16:creationId xmlns:a16="http://schemas.microsoft.com/office/drawing/2014/main" xmlns="" id="{E56CF6C3-1900-43CB-8E33-D8CBE7D39EDE}"/>
               </a:ext>
             </a:extLst>
           </p:cNvPr>
@@ -3261,7 +3261,7 @@
           <a:p>
             <a:fld id="{29367DF6-E5E3-489A-B126-195C5069A6F3}" type="datetime1">
               <a:rPr lang="en-US" smtClean="0"/>
-              <a:t>6/20/2017</a:t>
+              <a:t>6/21/2017</a:t>
             </a:fld>
             <a:endParaRPr lang="en-US" dirty="0"/>
           </a:p>
@@ -3571,7 +3571,7 @@
           <a:p>
             <a:fld id="{9B31C6C6-9DE9-456B-AED9-726F033DF690}" type="datetime1">
               <a:rPr lang="en-US" smtClean="0"/>
-              <a:t>6/20/2017</a:t>
+              <a:t>6/21/2017</a:t>
             </a:fld>
             <a:endParaRPr lang="en-US" dirty="0"/>
           </a:p>
@@ -3960,7 +3960,7 @@
           <a:p>
             <a:fld id="{D5BEEA30-5A4A-4762-8F67-CF7471431EAC}" type="datetime1">
               <a:rPr lang="en-US" smtClean="0"/>
-              <a:t>6/20/2017</a:t>
+              <a:t>6/21/2017</a:t>
             </a:fld>
             <a:endParaRPr lang="en-US" dirty="0"/>
           </a:p>
@@ -4126,7 +4126,7 @@
           <a:p>
             <a:fld id="{383E5AC3-809B-4088-B8DA-0699C9AC2539}" type="datetime1">
               <a:rPr lang="en-US" smtClean="0"/>
-              <a:t>6/20/2017</a:t>
+              <a:t>6/21/2017</a:t>
             </a:fld>
             <a:endParaRPr lang="en-US" dirty="0"/>
           </a:p>
@@ -4301,7 +4301,7 @@
           <a:p>
             <a:fld id="{232710CB-3BDD-4633-BD7F-4610F5B446FE}" type="datetime1">
               <a:rPr lang="en-US" smtClean="0"/>
-              <a:t>6/20/2017</a:t>
+              <a:t>6/21/2017</a:t>
             </a:fld>
             <a:endParaRPr lang="en-US" dirty="0"/>
           </a:p>
@@ -4473,7 +4473,7 @@
           <a:p>
             <a:fld id="{D68BBBC4-48BB-40C7-8573-BE257AC89E63}" type="datetime1">
               <a:rPr lang="en-US" smtClean="0"/>
-              <a:t>6/20/2017</a:t>
+              <a:t>6/21/2017</a:t>
             </a:fld>
             <a:endParaRPr lang="en-US" dirty="0"/>
           </a:p>
@@ -4704,7 +4704,7 @@
           <p:cNvPr id="7" name="Slide Number Placeholder 5">
             <a:extLst>
               <a:ext uri="{FF2B5EF4-FFF2-40B4-BE49-F238E27FC236}">
-                <a16:creationId xmlns:a16="http://schemas.microsoft.com/office/drawing/2014/main" id="{EB3DD466-D729-4677-9DC7-EEFB05BF9FDC}"/>
+                <a16:creationId xmlns:a16="http://schemas.microsoft.com/office/drawing/2014/main" xmlns="" id="{EB3DD466-D729-4677-9DC7-EEFB05BF9FDC}"/>
               </a:ext>
             </a:extLst>
           </p:cNvPr>
@@ -4924,7 +4924,7 @@
           <a:p>
             <a:fld id="{02C7217F-CE63-45E6-8375-59B10C747384}" type="datetime1">
               <a:rPr lang="en-US" smtClean="0"/>
-              <a:t>6/20/2017</a:t>
+              <a:t>6/21/2017</a:t>
             </a:fld>
             <a:endParaRPr lang="en-US" dirty="0"/>
           </a:p>
@@ -5293,7 +5293,7 @@
           <a:p>
             <a:fld id="{31D10638-02D3-4D63-BF78-1DA4765062DA}" type="datetime1">
               <a:rPr lang="en-US" smtClean="0"/>
-              <a:t>6/20/2017</a:t>
+              <a:t>6/21/2017</a:t>
             </a:fld>
             <a:endParaRPr lang="en-US" dirty="0"/>
           </a:p>
@@ -5412,7 +5412,7 @@
           <a:p>
             <a:fld id="{41B9CB85-5CA8-4486-904C-0B697A1E77C0}" type="datetime1">
               <a:rPr lang="en-US" smtClean="0"/>
-              <a:t>6/20/2017</a:t>
+              <a:t>6/21/2017</a:t>
             </a:fld>
             <a:endParaRPr lang="en-US" dirty="0"/>
           </a:p>
@@ -5503,7 +5503,7 @@
           <a:p>
             <a:fld id="{FB853D0A-05D4-4C41-BFB2-5F79004EB7DD}" type="datetime1">
               <a:rPr lang="en-US" smtClean="0"/>
-              <a:t>6/20/2017</a:t>
+              <a:t>6/21/2017</a:t>
             </a:fld>
             <a:endParaRPr lang="en-US" dirty="0"/>
           </a:p>
@@ -5754,7 +5754,7 @@
           <a:p>
             <a:fld id="{C341C2EE-EBFF-49DF-8B0E-1582029F3458}" type="datetime1">
               <a:rPr lang="en-US" smtClean="0"/>
-              <a:t>6/20/2017</a:t>
+              <a:t>6/21/2017</a:t>
             </a:fld>
             <a:endParaRPr lang="en-US" dirty="0"/>
           </a:p>
@@ -6012,7 +6012,7 @@
           <a:p>
             <a:fld id="{EF2F2483-1DD5-49A6-8D3E-B45317D7588A}" type="datetime1">
               <a:rPr lang="en-US" smtClean="0"/>
-              <a:t>6/20/2017</a:t>
+              <a:t>6/21/2017</a:t>
             </a:fld>
             <a:endParaRPr lang="en-US" dirty="0"/>
           </a:p>
@@ -6758,7 +6758,7 @@
           <a:p>
             <a:fld id="{52767998-3159-4C71-ABFF-AA9298230A46}" type="datetime1">
               <a:rPr lang="en-US" smtClean="0"/>
-              <a:t>6/20/2017</a:t>
+              <a:t>6/21/2017</a:t>
             </a:fld>
             <a:endParaRPr lang="en-US" dirty="0"/>
           </a:p>
@@ -7284,7 +7284,7 @@
           <p:cNvPr id="2" name="Title 1">
             <a:extLst>
               <a:ext uri="{FF2B5EF4-FFF2-40B4-BE49-F238E27FC236}">
-                <a16:creationId xmlns:a16="http://schemas.microsoft.com/office/drawing/2014/main" id="{12C8D476-DF9A-440D-9445-5A222E615C18}"/>
+                <a16:creationId xmlns:a16="http://schemas.microsoft.com/office/drawing/2014/main" xmlns="" id="{12C8D476-DF9A-440D-9445-5A222E615C18}"/>
               </a:ext>
             </a:extLst>
           </p:cNvPr>
@@ -7337,7 +7337,7 @@
           <p:cNvPr id="3" name="Subtitle 2">
             <a:extLst>
               <a:ext uri="{FF2B5EF4-FFF2-40B4-BE49-F238E27FC236}">
-                <a16:creationId xmlns:a16="http://schemas.microsoft.com/office/drawing/2014/main" id="{A53D7FE4-8842-4712-A350-A365C67D161F}"/>
+                <a16:creationId xmlns:a16="http://schemas.microsoft.com/office/drawing/2014/main" xmlns="" id="{A53D7FE4-8842-4712-A350-A365C67D161F}"/>
               </a:ext>
             </a:extLst>
           </p:cNvPr>
@@ -7408,7 +7408,7 @@
           <p:cNvPr id="21" name="Picture 20">
             <a:extLst>
               <a:ext uri="{FF2B5EF4-FFF2-40B4-BE49-F238E27FC236}">
-                <a16:creationId xmlns:a16="http://schemas.microsoft.com/office/drawing/2014/main" id="{1F8EE730-898B-4039-BAC3-D603895B728D}"/>
+                <a16:creationId xmlns:a16="http://schemas.microsoft.com/office/drawing/2014/main" xmlns="" id="{1F8EE730-898B-4039-BAC3-D603895B728D}"/>
               </a:ext>
             </a:extLst>
           </p:cNvPr>
@@ -7438,7 +7438,7 @@
           <p:cNvPr id="5" name="Title 1">
             <a:extLst>
               <a:ext uri="{FF2B5EF4-FFF2-40B4-BE49-F238E27FC236}">
-                <a16:creationId xmlns:a16="http://schemas.microsoft.com/office/drawing/2014/main" id="{F11C875C-9CAA-4838-BBDD-43705F932F58}"/>
+                <a16:creationId xmlns:a16="http://schemas.microsoft.com/office/drawing/2014/main" xmlns="" id="{F11C875C-9CAA-4838-BBDD-43705F932F58}"/>
               </a:ext>
             </a:extLst>
           </p:cNvPr>
@@ -7556,7 +7556,7 @@
           <p:cNvPr id="19" name="Rectangle 18">
             <a:extLst>
               <a:ext uri="{FF2B5EF4-FFF2-40B4-BE49-F238E27FC236}">
-                <a16:creationId xmlns:a16="http://schemas.microsoft.com/office/drawing/2014/main" id="{BF98BCEA-D55A-4113-B873-849012A84EFC}"/>
+                <a16:creationId xmlns:a16="http://schemas.microsoft.com/office/drawing/2014/main" xmlns="" id="{BF98BCEA-D55A-4113-B873-849012A84EFC}"/>
               </a:ext>
             </a:extLst>
           </p:cNvPr>
@@ -7614,7 +7614,7 @@
           <p:cNvPr id="4" name="Slide Number Placeholder 3">
             <a:extLst>
               <a:ext uri="{FF2B5EF4-FFF2-40B4-BE49-F238E27FC236}">
-                <a16:creationId xmlns:a16="http://schemas.microsoft.com/office/drawing/2014/main" id="{F84FDF19-CDD8-49D9-8864-6D3392CDB04B}"/>
+                <a16:creationId xmlns:a16="http://schemas.microsoft.com/office/drawing/2014/main" xmlns="" id="{F84FDF19-CDD8-49D9-8864-6D3392CDB04B}"/>
               </a:ext>
             </a:extLst>
           </p:cNvPr>
@@ -7806,7 +7806,7 @@
           <p:cNvPr id="5" name="Title 1">
             <a:extLst>
               <a:ext uri="{FF2B5EF4-FFF2-40B4-BE49-F238E27FC236}">
-                <a16:creationId xmlns:a16="http://schemas.microsoft.com/office/drawing/2014/main" id="{F11C875C-9CAA-4838-BBDD-43705F932F58}"/>
+                <a16:creationId xmlns:a16="http://schemas.microsoft.com/office/drawing/2014/main" xmlns="" id="{F11C875C-9CAA-4838-BBDD-43705F932F58}"/>
               </a:ext>
             </a:extLst>
           </p:cNvPr>
@@ -7924,7 +7924,7 @@
           <p:cNvPr id="4" name="Picture 3">
             <a:extLst>
               <a:ext uri="{FF2B5EF4-FFF2-40B4-BE49-F238E27FC236}">
-                <a16:creationId xmlns:a16="http://schemas.microsoft.com/office/drawing/2014/main" id="{7B393A30-7610-4901-951C-32DBC3375DB3}"/>
+                <a16:creationId xmlns:a16="http://schemas.microsoft.com/office/drawing/2014/main" xmlns="" id="{7B393A30-7610-4901-951C-32DBC3375DB3}"/>
               </a:ext>
             </a:extLst>
           </p:cNvPr>
@@ -7954,7 +7954,7 @@
           <p:cNvPr id="13" name="Group 12">
             <a:extLst>
               <a:ext uri="{FF2B5EF4-FFF2-40B4-BE49-F238E27FC236}">
-                <a16:creationId xmlns:a16="http://schemas.microsoft.com/office/drawing/2014/main" id="{E7CC4D30-929F-40A5-A394-7A5DF51AE9F6}"/>
+                <a16:creationId xmlns:a16="http://schemas.microsoft.com/office/drawing/2014/main" xmlns="" id="{E7CC4D30-929F-40A5-A394-7A5DF51AE9F6}"/>
               </a:ext>
             </a:extLst>
           </p:cNvPr>
@@ -7974,7 +7974,7 @@
             <p:cNvPr id="10" name="Oval 9">
               <a:extLst>
                 <a:ext uri="{FF2B5EF4-FFF2-40B4-BE49-F238E27FC236}">
-                  <a16:creationId xmlns:a16="http://schemas.microsoft.com/office/drawing/2014/main" id="{A61665EE-7087-437A-ADDC-2A23001C1E19}"/>
+                  <a16:creationId xmlns:a16="http://schemas.microsoft.com/office/drawing/2014/main" xmlns="" id="{A61665EE-7087-437A-ADDC-2A23001C1E19}"/>
                 </a:ext>
               </a:extLst>
             </p:cNvPr>
@@ -8033,7 +8033,7 @@
             <p:cNvPr id="12" name="Speech Bubble: Rectangle with Corners Rounded 11">
               <a:extLst>
                 <a:ext uri="{FF2B5EF4-FFF2-40B4-BE49-F238E27FC236}">
-                  <a16:creationId xmlns:a16="http://schemas.microsoft.com/office/drawing/2014/main" id="{8E74D0FC-7C2F-49D1-BFC6-E151E676CD54}"/>
+                  <a16:creationId xmlns:a16="http://schemas.microsoft.com/office/drawing/2014/main" xmlns="" id="{8E74D0FC-7C2F-49D1-BFC6-E151E676CD54}"/>
                 </a:ext>
               </a:extLst>
             </p:cNvPr>
@@ -8094,7 +8094,7 @@
           <p:cNvPr id="21" name="Group 20">
             <a:extLst>
               <a:ext uri="{FF2B5EF4-FFF2-40B4-BE49-F238E27FC236}">
-                <a16:creationId xmlns:a16="http://schemas.microsoft.com/office/drawing/2014/main" id="{2016CB66-0B0E-4159-87DF-7177CC09E36B}"/>
+                <a16:creationId xmlns:a16="http://schemas.microsoft.com/office/drawing/2014/main" xmlns="" id="{2016CB66-0B0E-4159-87DF-7177CC09E36B}"/>
               </a:ext>
             </a:extLst>
           </p:cNvPr>
@@ -8114,7 +8114,7 @@
             <p:cNvPr id="15" name="Oval 14">
               <a:extLst>
                 <a:ext uri="{FF2B5EF4-FFF2-40B4-BE49-F238E27FC236}">
-                  <a16:creationId xmlns:a16="http://schemas.microsoft.com/office/drawing/2014/main" id="{6517D2BB-E709-4022-934B-2181AF478D1D}"/>
+                  <a16:creationId xmlns:a16="http://schemas.microsoft.com/office/drawing/2014/main" xmlns="" id="{6517D2BB-E709-4022-934B-2181AF478D1D}"/>
                 </a:ext>
               </a:extLst>
             </p:cNvPr>
@@ -8173,7 +8173,7 @@
             <p:cNvPr id="16" name="Speech Bubble: Rectangle with Corners Rounded 15">
               <a:extLst>
                 <a:ext uri="{FF2B5EF4-FFF2-40B4-BE49-F238E27FC236}">
-                  <a16:creationId xmlns:a16="http://schemas.microsoft.com/office/drawing/2014/main" id="{1F45A44D-462B-4E24-8C55-A55422487F8E}"/>
+                  <a16:creationId xmlns:a16="http://schemas.microsoft.com/office/drawing/2014/main" xmlns="" id="{1F45A44D-462B-4E24-8C55-A55422487F8E}"/>
                 </a:ext>
               </a:extLst>
             </p:cNvPr>
@@ -8234,7 +8234,7 @@
           <p:cNvPr id="22" name="Group 21">
             <a:extLst>
               <a:ext uri="{FF2B5EF4-FFF2-40B4-BE49-F238E27FC236}">
-                <a16:creationId xmlns:a16="http://schemas.microsoft.com/office/drawing/2014/main" id="{F8B6916F-E023-4EF3-BFC6-61AC5E4DABBE}"/>
+                <a16:creationId xmlns:a16="http://schemas.microsoft.com/office/drawing/2014/main" xmlns="" id="{F8B6916F-E023-4EF3-BFC6-61AC5E4DABBE}"/>
               </a:ext>
             </a:extLst>
           </p:cNvPr>
@@ -8254,7 +8254,7 @@
             <p:cNvPr id="17" name="Oval 16">
               <a:extLst>
                 <a:ext uri="{FF2B5EF4-FFF2-40B4-BE49-F238E27FC236}">
-                  <a16:creationId xmlns:a16="http://schemas.microsoft.com/office/drawing/2014/main" id="{63521CBF-F26F-4019-901A-ED7D225C4FC4}"/>
+                  <a16:creationId xmlns:a16="http://schemas.microsoft.com/office/drawing/2014/main" xmlns="" id="{63521CBF-F26F-4019-901A-ED7D225C4FC4}"/>
                 </a:ext>
               </a:extLst>
             </p:cNvPr>
@@ -8313,7 +8313,7 @@
             <p:cNvPr id="18" name="Speech Bubble: Rectangle with Corners Rounded 17">
               <a:extLst>
                 <a:ext uri="{FF2B5EF4-FFF2-40B4-BE49-F238E27FC236}">
-                  <a16:creationId xmlns:a16="http://schemas.microsoft.com/office/drawing/2014/main" id="{1ECADFA8-18A3-4F84-BB13-625E50AC8E45}"/>
+                  <a16:creationId xmlns:a16="http://schemas.microsoft.com/office/drawing/2014/main" xmlns="" id="{1ECADFA8-18A3-4F84-BB13-625E50AC8E45}"/>
                 </a:ext>
               </a:extLst>
             </p:cNvPr>
@@ -8382,7 +8382,7 @@
           <p:cNvPr id="23" name="Group 22">
             <a:extLst>
               <a:ext uri="{FF2B5EF4-FFF2-40B4-BE49-F238E27FC236}">
-                <a16:creationId xmlns:a16="http://schemas.microsoft.com/office/drawing/2014/main" id="{4054503E-1722-4A7A-A377-4F993D284459}"/>
+                <a16:creationId xmlns:a16="http://schemas.microsoft.com/office/drawing/2014/main" xmlns="" id="{4054503E-1722-4A7A-A377-4F993D284459}"/>
               </a:ext>
             </a:extLst>
           </p:cNvPr>
@@ -8402,7 +8402,7 @@
             <p:cNvPr id="19" name="Oval 18">
               <a:extLst>
                 <a:ext uri="{FF2B5EF4-FFF2-40B4-BE49-F238E27FC236}">
-                  <a16:creationId xmlns:a16="http://schemas.microsoft.com/office/drawing/2014/main" id="{2E0B18F7-FEAD-4032-A208-470DBB5AB3B5}"/>
+                  <a16:creationId xmlns:a16="http://schemas.microsoft.com/office/drawing/2014/main" xmlns="" id="{2E0B18F7-FEAD-4032-A208-470DBB5AB3B5}"/>
                 </a:ext>
               </a:extLst>
             </p:cNvPr>
@@ -8461,7 +8461,7 @@
             <p:cNvPr id="20" name="Speech Bubble: Rectangle with Corners Rounded 19">
               <a:extLst>
                 <a:ext uri="{FF2B5EF4-FFF2-40B4-BE49-F238E27FC236}">
-                  <a16:creationId xmlns:a16="http://schemas.microsoft.com/office/drawing/2014/main" id="{CED676FD-EBB7-4CA0-A69D-CBE1E899F856}"/>
+                  <a16:creationId xmlns:a16="http://schemas.microsoft.com/office/drawing/2014/main" xmlns="" id="{CED676FD-EBB7-4CA0-A69D-CBE1E899F856}"/>
                 </a:ext>
               </a:extLst>
             </p:cNvPr>
@@ -8538,7 +8538,7 @@
           <p:cNvPr id="6" name="Slide Number Placeholder 5">
             <a:extLst>
               <a:ext uri="{FF2B5EF4-FFF2-40B4-BE49-F238E27FC236}">
-                <a16:creationId xmlns:a16="http://schemas.microsoft.com/office/drawing/2014/main" id="{FF735714-8A59-42AC-9461-94886EC0B19B}"/>
+                <a16:creationId xmlns:a16="http://schemas.microsoft.com/office/drawing/2014/main" xmlns="" id="{FF735714-8A59-42AC-9461-94886EC0B19B}"/>
               </a:ext>
             </a:extLst>
           </p:cNvPr>
@@ -8886,7 +8886,7 @@
           <p:cNvPr id="4" name="Title 1">
             <a:extLst>
               <a:ext uri="{FF2B5EF4-FFF2-40B4-BE49-F238E27FC236}">
-                <a16:creationId xmlns:a16="http://schemas.microsoft.com/office/drawing/2014/main" id="{94B69BDE-2E3C-4D3D-ADDB-96B638AF3FF7}"/>
+                <a16:creationId xmlns:a16="http://schemas.microsoft.com/office/drawing/2014/main" xmlns="" id="{94B69BDE-2E3C-4D3D-ADDB-96B638AF3FF7}"/>
               </a:ext>
             </a:extLst>
           </p:cNvPr>
@@ -9004,7 +9004,7 @@
           <p:cNvPr id="6" name="Content Placeholder 5">
             <a:extLst>
               <a:ext uri="{FF2B5EF4-FFF2-40B4-BE49-F238E27FC236}">
-                <a16:creationId xmlns:a16="http://schemas.microsoft.com/office/drawing/2014/main" id="{8AC93AEF-1C0F-4B94-80B8-E9BCF056E8C3}"/>
+                <a16:creationId xmlns:a16="http://schemas.microsoft.com/office/drawing/2014/main" xmlns="" id="{8AC93AEF-1C0F-4B94-80B8-E9BCF056E8C3}"/>
               </a:ext>
             </a:extLst>
           </p:cNvPr>
@@ -9160,7 +9160,7 @@
           <p:cNvPr id="5" name="Slide Number Placeholder 4">
             <a:extLst>
               <a:ext uri="{FF2B5EF4-FFF2-40B4-BE49-F238E27FC236}">
-                <a16:creationId xmlns:a16="http://schemas.microsoft.com/office/drawing/2014/main" id="{DCDB03CD-D0F1-4CAC-AAF1-B8B2D0EE8164}"/>
+                <a16:creationId xmlns:a16="http://schemas.microsoft.com/office/drawing/2014/main" xmlns="" id="{DCDB03CD-D0F1-4CAC-AAF1-B8B2D0EE8164}"/>
               </a:ext>
             </a:extLst>
           </p:cNvPr>
@@ -9220,7 +9220,7 @@
           <p:cNvPr id="4" name="Title 3">
             <a:extLst>
               <a:ext uri="{FF2B5EF4-FFF2-40B4-BE49-F238E27FC236}">
-                <a16:creationId xmlns:a16="http://schemas.microsoft.com/office/drawing/2014/main" id="{2A23610F-3ED1-4163-9E2C-C143B76FA000}"/>
+                <a16:creationId xmlns:a16="http://schemas.microsoft.com/office/drawing/2014/main" xmlns="" id="{2A23610F-3ED1-4163-9E2C-C143B76FA000}"/>
               </a:ext>
             </a:extLst>
           </p:cNvPr>
@@ -9237,6 +9237,10 @@
           <a:lstStyle/>
           <a:p>
             <a:pPr algn="ctr"/>
+            <a:r>
+              <a:rPr lang="en-US" dirty="0"/>
+              <a:t/>
+            </a:r>
             <a:br>
               <a:rPr lang="en-US" dirty="0"/>
             </a:br>
@@ -9253,7 +9257,7 @@
           <p:cNvPr id="6" name="Slide Number Placeholder 5">
             <a:extLst>
               <a:ext uri="{FF2B5EF4-FFF2-40B4-BE49-F238E27FC236}">
-                <a16:creationId xmlns:a16="http://schemas.microsoft.com/office/drawing/2014/main" id="{B2C876A0-C60B-4A17-B217-A09108C31EE5}"/>
+                <a16:creationId xmlns:a16="http://schemas.microsoft.com/office/drawing/2014/main" xmlns="" id="{B2C876A0-C60B-4A17-B217-A09108C31EE5}"/>
               </a:ext>
             </a:extLst>
           </p:cNvPr>
@@ -9329,7 +9333,7 @@
           <p:cNvPr id="3" name="Title 1">
             <a:extLst>
               <a:ext uri="{FF2B5EF4-FFF2-40B4-BE49-F238E27FC236}">
-                <a16:creationId xmlns:a16="http://schemas.microsoft.com/office/drawing/2014/main" id="{022C0EF2-32B3-443D-804C-08EF1ADB4E25}"/>
+                <a16:creationId xmlns:a16="http://schemas.microsoft.com/office/drawing/2014/main" xmlns="" id="{022C0EF2-32B3-443D-804C-08EF1ADB4E25}"/>
               </a:ext>
             </a:extLst>
           </p:cNvPr>
@@ -9447,7 +9451,7 @@
           <p:cNvPr id="5" name="Picture 4">
             <a:extLst>
               <a:ext uri="{FF2B5EF4-FFF2-40B4-BE49-F238E27FC236}">
-                <a16:creationId xmlns:a16="http://schemas.microsoft.com/office/drawing/2014/main" id="{DA72E527-7FB9-4702-831C-15AB0A63E38E}"/>
+                <a16:creationId xmlns:a16="http://schemas.microsoft.com/office/drawing/2014/main" xmlns="" id="{DA72E527-7FB9-4702-831C-15AB0A63E38E}"/>
               </a:ext>
             </a:extLst>
           </p:cNvPr>
@@ -9477,7 +9481,7 @@
           <p:cNvPr id="7" name="Picture 6">
             <a:extLst>
               <a:ext uri="{FF2B5EF4-FFF2-40B4-BE49-F238E27FC236}">
-                <a16:creationId xmlns:a16="http://schemas.microsoft.com/office/drawing/2014/main" id="{7290D52D-29B7-42BC-8ABD-8494C1989189}"/>
+                <a16:creationId xmlns:a16="http://schemas.microsoft.com/office/drawing/2014/main" xmlns="" id="{7290D52D-29B7-42BC-8ABD-8494C1989189}"/>
               </a:ext>
             </a:extLst>
           </p:cNvPr>
@@ -9507,7 +9511,7 @@
           <p:cNvPr id="8" name="TextBox 7">
             <a:extLst>
               <a:ext uri="{FF2B5EF4-FFF2-40B4-BE49-F238E27FC236}">
-                <a16:creationId xmlns:a16="http://schemas.microsoft.com/office/drawing/2014/main" id="{79A5C341-84F7-4C44-9944-892AFCAB25F8}"/>
+                <a16:creationId xmlns:a16="http://schemas.microsoft.com/office/drawing/2014/main" xmlns="" id="{79A5C341-84F7-4C44-9944-892AFCAB25F8}"/>
               </a:ext>
             </a:extLst>
           </p:cNvPr>
@@ -9550,7 +9554,7 @@
           <p:cNvPr id="9" name="TextBox 8">
             <a:extLst>
               <a:ext uri="{FF2B5EF4-FFF2-40B4-BE49-F238E27FC236}">
-                <a16:creationId xmlns:a16="http://schemas.microsoft.com/office/drawing/2014/main" id="{CEF91413-B775-4086-85A8-CCA76A13B789}"/>
+                <a16:creationId xmlns:a16="http://schemas.microsoft.com/office/drawing/2014/main" xmlns="" id="{CEF91413-B775-4086-85A8-CCA76A13B789}"/>
               </a:ext>
             </a:extLst>
           </p:cNvPr>
@@ -9586,7 +9590,7 @@
           <p:cNvPr id="6" name="Slide Number Placeholder 5">
             <a:extLst>
               <a:ext uri="{FF2B5EF4-FFF2-40B4-BE49-F238E27FC236}">
-                <a16:creationId xmlns:a16="http://schemas.microsoft.com/office/drawing/2014/main" id="{A705F972-01FC-4B84-BD27-C892119BCFDE}"/>
+                <a16:creationId xmlns:a16="http://schemas.microsoft.com/office/drawing/2014/main" xmlns="" id="{A705F972-01FC-4B84-BD27-C892119BCFDE}"/>
               </a:ext>
             </a:extLst>
           </p:cNvPr>
@@ -9646,7 +9650,7 @@
           <p:cNvPr id="5" name="Title 1">
             <a:extLst>
               <a:ext uri="{FF2B5EF4-FFF2-40B4-BE49-F238E27FC236}">
-                <a16:creationId xmlns:a16="http://schemas.microsoft.com/office/drawing/2014/main" id="{F11C875C-9CAA-4838-BBDD-43705F932F58}"/>
+                <a16:creationId xmlns:a16="http://schemas.microsoft.com/office/drawing/2014/main" xmlns="" id="{F11C875C-9CAA-4838-BBDD-43705F932F58}"/>
               </a:ext>
             </a:extLst>
           </p:cNvPr>
@@ -9764,7 +9768,7 @@
           <p:cNvPr id="16" name="Picture 15">
             <a:extLst>
               <a:ext uri="{FF2B5EF4-FFF2-40B4-BE49-F238E27FC236}">
-                <a16:creationId xmlns:a16="http://schemas.microsoft.com/office/drawing/2014/main" id="{208B5D7F-598F-4998-ADF5-C24ACC061371}"/>
+                <a16:creationId xmlns:a16="http://schemas.microsoft.com/office/drawing/2014/main" xmlns="" id="{208B5D7F-598F-4998-ADF5-C24ACC061371}"/>
               </a:ext>
             </a:extLst>
           </p:cNvPr>
@@ -9794,7 +9798,7 @@
           <p:cNvPr id="3" name="Group 2">
             <a:extLst>
               <a:ext uri="{FF2B5EF4-FFF2-40B4-BE49-F238E27FC236}">
-                <a16:creationId xmlns:a16="http://schemas.microsoft.com/office/drawing/2014/main" id="{F52FCCD3-020A-456D-A0D4-9CFD872F8DC3}"/>
+                <a16:creationId xmlns:a16="http://schemas.microsoft.com/office/drawing/2014/main" xmlns="" id="{F52FCCD3-020A-456D-A0D4-9CFD872F8DC3}"/>
               </a:ext>
             </a:extLst>
           </p:cNvPr>
@@ -9814,7 +9818,7 @@
             <p:cNvPr id="2" name="Oval 1">
               <a:extLst>
                 <a:ext uri="{FF2B5EF4-FFF2-40B4-BE49-F238E27FC236}">
-                  <a16:creationId xmlns:a16="http://schemas.microsoft.com/office/drawing/2014/main" id="{9C50E7AF-0E94-412C-888A-58566B9C017F}"/>
+                  <a16:creationId xmlns:a16="http://schemas.microsoft.com/office/drawing/2014/main" xmlns="" id="{9C50E7AF-0E94-412C-888A-58566B9C017F}"/>
                 </a:ext>
               </a:extLst>
             </p:cNvPr>
@@ -9873,7 +9877,7 @@
             <p:cNvPr id="6" name="Speech Bubble: Rectangle with Corners Rounded 5">
               <a:extLst>
                 <a:ext uri="{FF2B5EF4-FFF2-40B4-BE49-F238E27FC236}">
-                  <a16:creationId xmlns:a16="http://schemas.microsoft.com/office/drawing/2014/main" id="{C2256BD9-C63F-432F-B3CA-2DACDEC582A5}"/>
+                  <a16:creationId xmlns:a16="http://schemas.microsoft.com/office/drawing/2014/main" xmlns="" id="{C2256BD9-C63F-432F-B3CA-2DACDEC582A5}"/>
                 </a:ext>
               </a:extLst>
             </p:cNvPr>
@@ -9945,7 +9949,7 @@
           <p:cNvPr id="8" name="Slide Number Placeholder 7">
             <a:extLst>
               <a:ext uri="{FF2B5EF4-FFF2-40B4-BE49-F238E27FC236}">
-                <a16:creationId xmlns:a16="http://schemas.microsoft.com/office/drawing/2014/main" id="{DF61D421-F17A-4953-A9D1-EDD58F6180A2}"/>
+                <a16:creationId xmlns:a16="http://schemas.microsoft.com/office/drawing/2014/main" xmlns="" id="{DF61D421-F17A-4953-A9D1-EDD58F6180A2}"/>
               </a:ext>
             </a:extLst>
           </p:cNvPr>
@@ -10134,7 +10138,7 @@
           <p:cNvPr id="5" name="Title 1">
             <a:extLst>
               <a:ext uri="{FF2B5EF4-FFF2-40B4-BE49-F238E27FC236}">
-                <a16:creationId xmlns:a16="http://schemas.microsoft.com/office/drawing/2014/main" id="{F11C875C-9CAA-4838-BBDD-43705F932F58}"/>
+                <a16:creationId xmlns:a16="http://schemas.microsoft.com/office/drawing/2014/main" xmlns="" id="{F11C875C-9CAA-4838-BBDD-43705F932F58}"/>
               </a:ext>
             </a:extLst>
           </p:cNvPr>
@@ -10252,7 +10256,7 @@
           <p:cNvPr id="9" name="Picture 8">
             <a:extLst>
               <a:ext uri="{FF2B5EF4-FFF2-40B4-BE49-F238E27FC236}">
-                <a16:creationId xmlns:a16="http://schemas.microsoft.com/office/drawing/2014/main" id="{E51B9CE8-A297-4A7D-ACA1-4C68ADEE4141}"/>
+                <a16:creationId xmlns:a16="http://schemas.microsoft.com/office/drawing/2014/main" xmlns="" id="{E51B9CE8-A297-4A7D-ACA1-4C68ADEE4141}"/>
               </a:ext>
             </a:extLst>
           </p:cNvPr>
@@ -10282,7 +10286,7 @@
           <p:cNvPr id="11" name="Picture 10">
             <a:extLst>
               <a:ext uri="{FF2B5EF4-FFF2-40B4-BE49-F238E27FC236}">
-                <a16:creationId xmlns:a16="http://schemas.microsoft.com/office/drawing/2014/main" id="{DFE758EF-F0C4-4FCF-9A39-B643F8D56430}"/>
+                <a16:creationId xmlns:a16="http://schemas.microsoft.com/office/drawing/2014/main" xmlns="" id="{DFE758EF-F0C4-4FCF-9A39-B643F8D56430}"/>
               </a:ext>
             </a:extLst>
           </p:cNvPr>
@@ -10312,7 +10316,7 @@
           <p:cNvPr id="12" name="Picture 11">
             <a:extLst>
               <a:ext uri="{FF2B5EF4-FFF2-40B4-BE49-F238E27FC236}">
-                <a16:creationId xmlns:a16="http://schemas.microsoft.com/office/drawing/2014/main" id="{34B71FC2-8BF2-4EB9-83F5-C1A563E448E9}"/>
+                <a16:creationId xmlns:a16="http://schemas.microsoft.com/office/drawing/2014/main" xmlns="" id="{34B71FC2-8BF2-4EB9-83F5-C1A563E448E9}"/>
               </a:ext>
             </a:extLst>
           </p:cNvPr>
@@ -10342,7 +10346,7 @@
           <p:cNvPr id="14" name="Straight Arrow Connector 13">
             <a:extLst>
               <a:ext uri="{FF2B5EF4-FFF2-40B4-BE49-F238E27FC236}">
-                <a16:creationId xmlns:a16="http://schemas.microsoft.com/office/drawing/2014/main" id="{CFD8C50A-38CC-44D7-8E6F-B0B0549AE5F6}"/>
+                <a16:creationId xmlns:a16="http://schemas.microsoft.com/office/drawing/2014/main" xmlns="" id="{CFD8C50A-38CC-44D7-8E6F-B0B0549AE5F6}"/>
               </a:ext>
             </a:extLst>
           </p:cNvPr>
@@ -10384,7 +10388,7 @@
           <p:cNvPr id="15" name="Straight Arrow Connector 14">
             <a:extLst>
               <a:ext uri="{FF2B5EF4-FFF2-40B4-BE49-F238E27FC236}">
-                <a16:creationId xmlns:a16="http://schemas.microsoft.com/office/drawing/2014/main" id="{1CBB9985-9373-4EAF-B868-461F569BF544}"/>
+                <a16:creationId xmlns:a16="http://schemas.microsoft.com/office/drawing/2014/main" xmlns="" id="{1CBB9985-9373-4EAF-B868-461F569BF544}"/>
               </a:ext>
             </a:extLst>
           </p:cNvPr>
@@ -10428,7 +10432,7 @@
           <p:cNvPr id="19" name="TextBox 18">
             <a:extLst>
               <a:ext uri="{FF2B5EF4-FFF2-40B4-BE49-F238E27FC236}">
-                <a16:creationId xmlns:a16="http://schemas.microsoft.com/office/drawing/2014/main" id="{B5A0735C-F1BD-4670-A50D-304C14AF5A46}"/>
+                <a16:creationId xmlns:a16="http://schemas.microsoft.com/office/drawing/2014/main" xmlns="" id="{B5A0735C-F1BD-4670-A50D-304C14AF5A46}"/>
               </a:ext>
             </a:extLst>
           </p:cNvPr>
@@ -10477,7 +10481,7 @@
           <p:cNvPr id="20" name="TextBox 19">
             <a:extLst>
               <a:ext uri="{FF2B5EF4-FFF2-40B4-BE49-F238E27FC236}">
-                <a16:creationId xmlns:a16="http://schemas.microsoft.com/office/drawing/2014/main" id="{5706364F-4934-4403-A28D-85C0C8BFF3B3}"/>
+                <a16:creationId xmlns:a16="http://schemas.microsoft.com/office/drawing/2014/main" xmlns="" id="{5706364F-4934-4403-A28D-85C0C8BFF3B3}"/>
               </a:ext>
             </a:extLst>
           </p:cNvPr>
@@ -10516,7 +10520,7 @@
           <p:cNvPr id="21" name="TextBox 20">
             <a:extLst>
               <a:ext uri="{FF2B5EF4-FFF2-40B4-BE49-F238E27FC236}">
-                <a16:creationId xmlns:a16="http://schemas.microsoft.com/office/drawing/2014/main" id="{441831B6-543C-4A52-8709-D1E6B1F79DF3}"/>
+                <a16:creationId xmlns:a16="http://schemas.microsoft.com/office/drawing/2014/main" xmlns="" id="{441831B6-543C-4A52-8709-D1E6B1F79DF3}"/>
               </a:ext>
             </a:extLst>
           </p:cNvPr>
@@ -10545,7 +10549,31 @@
                   <a:srgbClr val="002060"/>
                 </a:solidFill>
               </a:rPr>
-              <a:t>Evaluated Elapsed CPU time and accuracy trade-off from 1 to 50 principle components</a:t>
+              <a:t>Evaluated Elapsed CPU time and accuracy trade-off from 1 to </a:t>
+            </a:r>
+            <a:r>
+              <a:rPr lang="en-US" sz="3200">
+                <a:solidFill>
+                  <a:srgbClr val="002060"/>
+                </a:solidFill>
+              </a:rPr>
+              <a:t>50 </a:t>
+            </a:r>
+            <a:r>
+              <a:rPr lang="en-US" sz="3200" smtClean="0">
+                <a:solidFill>
+                  <a:srgbClr val="002060"/>
+                </a:solidFill>
+              </a:rPr>
+              <a:t>principal </a:t>
+            </a:r>
+            <a:r>
+              <a:rPr lang="en-US" sz="3200" dirty="0">
+                <a:solidFill>
+                  <a:srgbClr val="002060"/>
+                </a:solidFill>
+              </a:rPr>
+              <a:t>components</a:t>
             </a:r>
           </a:p>
         </p:txBody>
@@ -10555,7 +10583,7 @@
           <p:cNvPr id="4" name="Slide Number Placeholder 3">
             <a:extLst>
               <a:ext uri="{FF2B5EF4-FFF2-40B4-BE49-F238E27FC236}">
-                <a16:creationId xmlns:a16="http://schemas.microsoft.com/office/drawing/2014/main" id="{A25E451D-EFF0-4C7E-9194-591559E11F4F}"/>
+                <a16:creationId xmlns:a16="http://schemas.microsoft.com/office/drawing/2014/main" xmlns="" id="{A25E451D-EFF0-4C7E-9194-591559E11F4F}"/>
               </a:ext>
             </a:extLst>
           </p:cNvPr>
@@ -10615,7 +10643,7 @@
           <p:cNvPr id="5" name="Title 1">
             <a:extLst>
               <a:ext uri="{FF2B5EF4-FFF2-40B4-BE49-F238E27FC236}">
-                <a16:creationId xmlns:a16="http://schemas.microsoft.com/office/drawing/2014/main" id="{79722C87-A69B-4E73-87EC-6C6F8D15C4B0}"/>
+                <a16:creationId xmlns:a16="http://schemas.microsoft.com/office/drawing/2014/main" xmlns="" id="{79722C87-A69B-4E73-87EC-6C6F8D15C4B0}"/>
               </a:ext>
             </a:extLst>
           </p:cNvPr>
@@ -10652,7 +10680,7 @@
           <p:cNvPr id="8" name="Rectangle 7">
             <a:extLst>
               <a:ext uri="{FF2B5EF4-FFF2-40B4-BE49-F238E27FC236}">
-                <a16:creationId xmlns:a16="http://schemas.microsoft.com/office/drawing/2014/main" id="{43FAC0D6-D534-4F9A-9430-BDBBBED886EC}"/>
+                <a16:creationId xmlns:a16="http://schemas.microsoft.com/office/drawing/2014/main" xmlns="" id="{43FAC0D6-D534-4F9A-9430-BDBBBED886EC}"/>
               </a:ext>
             </a:extLst>
           </p:cNvPr>
@@ -10838,7 +10866,7 @@
           <p:cNvPr id="9" name="Rectangle 8">
             <a:extLst>
               <a:ext uri="{FF2B5EF4-FFF2-40B4-BE49-F238E27FC236}">
-                <a16:creationId xmlns:a16="http://schemas.microsoft.com/office/drawing/2014/main" id="{6D5A3AD8-1DA9-46C5-9172-18CC97FBB918}"/>
+                <a16:creationId xmlns:a16="http://schemas.microsoft.com/office/drawing/2014/main" xmlns="" id="{6D5A3AD8-1DA9-46C5-9172-18CC97FBB918}"/>
               </a:ext>
             </a:extLst>
           </p:cNvPr>
@@ -10920,7 +10948,7 @@
           <p:cNvPr id="10" name="Straight Arrow Connector 9">
             <a:extLst>
               <a:ext uri="{FF2B5EF4-FFF2-40B4-BE49-F238E27FC236}">
-                <a16:creationId xmlns:a16="http://schemas.microsoft.com/office/drawing/2014/main" id="{5C884956-0ABD-4C1F-B169-191EE90A9240}"/>
+                <a16:creationId xmlns:a16="http://schemas.microsoft.com/office/drawing/2014/main" xmlns="" id="{5C884956-0ABD-4C1F-B169-191EE90A9240}"/>
               </a:ext>
             </a:extLst>
           </p:cNvPr>
@@ -10967,7 +10995,7 @@
           <p:cNvPr id="11" name="Straight Arrow Connector 10">
             <a:extLst>
               <a:ext uri="{FF2B5EF4-FFF2-40B4-BE49-F238E27FC236}">
-                <a16:creationId xmlns:a16="http://schemas.microsoft.com/office/drawing/2014/main" id="{DCC33062-763C-4582-BA22-2F1D77AC32A0}"/>
+                <a16:creationId xmlns:a16="http://schemas.microsoft.com/office/drawing/2014/main" xmlns="" id="{DCC33062-763C-4582-BA22-2F1D77AC32A0}"/>
               </a:ext>
             </a:extLst>
           </p:cNvPr>
@@ -11015,7 +11043,7 @@
           <p:cNvPr id="12" name="Straight Arrow Connector 11">
             <a:extLst>
               <a:ext uri="{FF2B5EF4-FFF2-40B4-BE49-F238E27FC236}">
-                <a16:creationId xmlns:a16="http://schemas.microsoft.com/office/drawing/2014/main" id="{8609C124-D374-417A-9F43-2BC50B6C7C4C}"/>
+                <a16:creationId xmlns:a16="http://schemas.microsoft.com/office/drawing/2014/main" xmlns="" id="{8609C124-D374-417A-9F43-2BC50B6C7C4C}"/>
               </a:ext>
             </a:extLst>
           </p:cNvPr>
@@ -11062,7 +11090,7 @@
           <p:cNvPr id="14" name="Group 13">
             <a:extLst>
               <a:ext uri="{FF2B5EF4-FFF2-40B4-BE49-F238E27FC236}">
-                <a16:creationId xmlns:a16="http://schemas.microsoft.com/office/drawing/2014/main" id="{0635F6D7-A741-42C8-8CE5-A40A07460466}"/>
+                <a16:creationId xmlns:a16="http://schemas.microsoft.com/office/drawing/2014/main" xmlns="" id="{0635F6D7-A741-42C8-8CE5-A40A07460466}"/>
               </a:ext>
             </a:extLst>
           </p:cNvPr>
@@ -11082,7 +11110,7 @@
             <p:cNvPr id="15" name="Straight Arrow Connector 14">
               <a:extLst>
                 <a:ext uri="{FF2B5EF4-FFF2-40B4-BE49-F238E27FC236}">
-                  <a16:creationId xmlns:a16="http://schemas.microsoft.com/office/drawing/2014/main" id="{34B6FDFE-218E-4571-B69B-DD6A2005557C}"/>
+                  <a16:creationId xmlns:a16="http://schemas.microsoft.com/office/drawing/2014/main" xmlns="" id="{34B6FDFE-218E-4571-B69B-DD6A2005557C}"/>
                 </a:ext>
               </a:extLst>
             </p:cNvPr>
@@ -11127,7 +11155,7 @@
             <p:cNvPr id="16" name="TextBox 15">
               <a:extLst>
                 <a:ext uri="{FF2B5EF4-FFF2-40B4-BE49-F238E27FC236}">
-                  <a16:creationId xmlns:a16="http://schemas.microsoft.com/office/drawing/2014/main" id="{471F24B6-E904-403C-B1D3-98587279F277}"/>
+                  <a16:creationId xmlns:a16="http://schemas.microsoft.com/office/drawing/2014/main" xmlns="" id="{471F24B6-E904-403C-B1D3-98587279F277}"/>
                 </a:ext>
               </a:extLst>
             </p:cNvPr>
@@ -11193,7 +11221,7 @@
           <p:cNvPr id="17" name="TextBox 16">
             <a:extLst>
               <a:ext uri="{FF2B5EF4-FFF2-40B4-BE49-F238E27FC236}">
-                <a16:creationId xmlns:a16="http://schemas.microsoft.com/office/drawing/2014/main" id="{1142723A-FBA4-4B81-AE36-384A60A6D59D}"/>
+                <a16:creationId xmlns:a16="http://schemas.microsoft.com/office/drawing/2014/main" xmlns="" id="{1142723A-FBA4-4B81-AE36-384A60A6D59D}"/>
               </a:ext>
             </a:extLst>
           </p:cNvPr>
@@ -11277,7 +11305,7 @@
           <p:cNvPr id="18" name="Thought Bubble: Cloud 17">
             <a:extLst>
               <a:ext uri="{FF2B5EF4-FFF2-40B4-BE49-F238E27FC236}">
-                <a16:creationId xmlns:a16="http://schemas.microsoft.com/office/drawing/2014/main" id="{7220210C-4032-40E2-8C8F-4089B3148427}"/>
+                <a16:creationId xmlns:a16="http://schemas.microsoft.com/office/drawing/2014/main" xmlns="" id="{7220210C-4032-40E2-8C8F-4089B3148427}"/>
               </a:ext>
             </a:extLst>
           </p:cNvPr>
@@ -11336,7 +11364,7 @@
           <p:cNvPr id="19" name="Thought Bubble: Cloud 18">
             <a:extLst>
               <a:ext uri="{FF2B5EF4-FFF2-40B4-BE49-F238E27FC236}">
-                <a16:creationId xmlns:a16="http://schemas.microsoft.com/office/drawing/2014/main" id="{DAA3F5E9-9516-4B52-977E-B8915D516190}"/>
+                <a16:creationId xmlns:a16="http://schemas.microsoft.com/office/drawing/2014/main" xmlns="" id="{DAA3F5E9-9516-4B52-977E-B8915D516190}"/>
               </a:ext>
             </a:extLst>
           </p:cNvPr>
@@ -11395,7 +11423,7 @@
           <p:cNvPr id="20" name="Thought Bubble: Cloud 19">
             <a:extLst>
               <a:ext uri="{FF2B5EF4-FFF2-40B4-BE49-F238E27FC236}">
-                <a16:creationId xmlns:a16="http://schemas.microsoft.com/office/drawing/2014/main" id="{FCD1DD38-C3BC-4093-8D7B-56FEC0D4BE50}"/>
+                <a16:creationId xmlns:a16="http://schemas.microsoft.com/office/drawing/2014/main" xmlns="" id="{FCD1DD38-C3BC-4093-8D7B-56FEC0D4BE50}"/>
               </a:ext>
             </a:extLst>
           </p:cNvPr>
@@ -11454,7 +11482,7 @@
           <p:cNvPr id="21" name="Picture 20">
             <a:extLst>
               <a:ext uri="{FF2B5EF4-FFF2-40B4-BE49-F238E27FC236}">
-                <a16:creationId xmlns:a16="http://schemas.microsoft.com/office/drawing/2014/main" id="{2019D004-464C-4CD7-BE55-6A86597A7CB4}"/>
+                <a16:creationId xmlns:a16="http://schemas.microsoft.com/office/drawing/2014/main" xmlns="" id="{2019D004-464C-4CD7-BE55-6A86597A7CB4}"/>
               </a:ext>
             </a:extLst>
           </p:cNvPr>
@@ -11484,7 +11512,7 @@
           <p:cNvPr id="4" name="Slide Number Placeholder 3">
             <a:extLst>
               <a:ext uri="{FF2B5EF4-FFF2-40B4-BE49-F238E27FC236}">
-                <a16:creationId xmlns:a16="http://schemas.microsoft.com/office/drawing/2014/main" id="{8C0E9D76-D46F-47B4-A6C4-A6431BE6D82D}"/>
+                <a16:creationId xmlns:a16="http://schemas.microsoft.com/office/drawing/2014/main" xmlns="" id="{8C0E9D76-D46F-47B4-A6C4-A6431BE6D82D}"/>
               </a:ext>
             </a:extLst>
           </p:cNvPr>
@@ -12088,7 +12116,7 @@
           <p:cNvPr id="11" name="Rectangle 10">
             <a:extLst>
               <a:ext uri="{FF2B5EF4-FFF2-40B4-BE49-F238E27FC236}">
-                <a16:creationId xmlns:a16="http://schemas.microsoft.com/office/drawing/2014/main" id="{30C037EB-A097-4A95-A80A-5179B2C25D74}"/>
+                <a16:creationId xmlns:a16="http://schemas.microsoft.com/office/drawing/2014/main" xmlns="" id="{30C037EB-A097-4A95-A80A-5179B2C25D74}"/>
               </a:ext>
             </a:extLst>
           </p:cNvPr>
@@ -12171,7 +12199,7 @@
           <p:cNvPr id="16" name="TextBox 15">
             <a:extLst>
               <a:ext uri="{FF2B5EF4-FFF2-40B4-BE49-F238E27FC236}">
-                <a16:creationId xmlns:a16="http://schemas.microsoft.com/office/drawing/2014/main" id="{CF020DC6-F39F-424A-B0F5-95A58E404C95}"/>
+                <a16:creationId xmlns:a16="http://schemas.microsoft.com/office/drawing/2014/main" xmlns="" id="{CF020DC6-F39F-424A-B0F5-95A58E404C95}"/>
               </a:ext>
             </a:extLst>
           </p:cNvPr>
@@ -12236,7 +12264,7 @@
           <p:cNvPr id="17" name="Rectangle 16">
             <a:extLst>
               <a:ext uri="{FF2B5EF4-FFF2-40B4-BE49-F238E27FC236}">
-                <a16:creationId xmlns:a16="http://schemas.microsoft.com/office/drawing/2014/main" id="{B0CA323F-35CC-40FB-9A50-4349AB36032A}"/>
+                <a16:creationId xmlns:a16="http://schemas.microsoft.com/office/drawing/2014/main" xmlns="" id="{B0CA323F-35CC-40FB-9A50-4349AB36032A}"/>
               </a:ext>
             </a:extLst>
           </p:cNvPr>
@@ -12370,7 +12398,7 @@
           <p:cNvPr id="22" name="Straight Arrow Connector 21">
             <a:extLst>
               <a:ext uri="{FF2B5EF4-FFF2-40B4-BE49-F238E27FC236}">
-                <a16:creationId xmlns:a16="http://schemas.microsoft.com/office/drawing/2014/main" id="{E5AB3887-2964-41E1-BADC-78E22026A8D6}"/>
+                <a16:creationId xmlns:a16="http://schemas.microsoft.com/office/drawing/2014/main" xmlns="" id="{E5AB3887-2964-41E1-BADC-78E22026A8D6}"/>
               </a:ext>
             </a:extLst>
           </p:cNvPr>
@@ -12417,7 +12445,7 @@
           <p:cNvPr id="10" name="Group 9">
             <a:extLst>
               <a:ext uri="{FF2B5EF4-FFF2-40B4-BE49-F238E27FC236}">
-                <a16:creationId xmlns:a16="http://schemas.microsoft.com/office/drawing/2014/main" id="{798BE1D3-E32D-4231-A09D-A4E59BD9D54B}"/>
+                <a16:creationId xmlns:a16="http://schemas.microsoft.com/office/drawing/2014/main" xmlns="" id="{798BE1D3-E32D-4231-A09D-A4E59BD9D54B}"/>
               </a:ext>
             </a:extLst>
           </p:cNvPr>
@@ -12437,7 +12465,7 @@
             <p:cNvPr id="24" name="Straight Arrow Connector 23">
               <a:extLst>
                 <a:ext uri="{FF2B5EF4-FFF2-40B4-BE49-F238E27FC236}">
-                  <a16:creationId xmlns:a16="http://schemas.microsoft.com/office/drawing/2014/main" id="{AFD81C80-C338-4F84-A54D-FD8E931EF2D1}"/>
+                  <a16:creationId xmlns:a16="http://schemas.microsoft.com/office/drawing/2014/main" xmlns="" id="{AFD81C80-C338-4F84-A54D-FD8E931EF2D1}"/>
                 </a:ext>
               </a:extLst>
             </p:cNvPr>
@@ -12482,7 +12510,7 @@
             <p:cNvPr id="25" name="TextBox 24">
               <a:extLst>
                 <a:ext uri="{FF2B5EF4-FFF2-40B4-BE49-F238E27FC236}">
-                  <a16:creationId xmlns:a16="http://schemas.microsoft.com/office/drawing/2014/main" id="{C05F794F-BC43-4EF2-A4B8-6FE8D9702A8E}"/>
+                  <a16:creationId xmlns:a16="http://schemas.microsoft.com/office/drawing/2014/main" xmlns="" id="{C05F794F-BC43-4EF2-A4B8-6FE8D9702A8E}"/>
                 </a:ext>
               </a:extLst>
             </p:cNvPr>
@@ -12548,7 +12576,7 @@
           <p:cNvPr id="41" name="Straight Arrow Connector 40">
             <a:extLst>
               <a:ext uri="{FF2B5EF4-FFF2-40B4-BE49-F238E27FC236}">
-                <a16:creationId xmlns:a16="http://schemas.microsoft.com/office/drawing/2014/main" id="{2763003B-C8D4-4A25-9508-51A19B7A806D}"/>
+                <a16:creationId xmlns:a16="http://schemas.microsoft.com/office/drawing/2014/main" xmlns="" id="{2763003B-C8D4-4A25-9508-51A19B7A806D}"/>
               </a:ext>
             </a:extLst>
           </p:cNvPr>
@@ -12595,7 +12623,7 @@
           <p:cNvPr id="42" name="TextBox 41">
             <a:extLst>
               <a:ext uri="{FF2B5EF4-FFF2-40B4-BE49-F238E27FC236}">
-                <a16:creationId xmlns:a16="http://schemas.microsoft.com/office/drawing/2014/main" id="{A78B5645-1941-44FB-B01F-A7508D997D60}"/>
+                <a16:creationId xmlns:a16="http://schemas.microsoft.com/office/drawing/2014/main" xmlns="" id="{A78B5645-1941-44FB-B01F-A7508D997D60}"/>
               </a:ext>
             </a:extLst>
           </p:cNvPr>
@@ -12696,7 +12724,7 @@
           <p:cNvPr id="4" name="Group 3">
             <a:extLst>
               <a:ext uri="{FF2B5EF4-FFF2-40B4-BE49-F238E27FC236}">
-                <a16:creationId xmlns:a16="http://schemas.microsoft.com/office/drawing/2014/main" id="{EE44A6D8-2083-45B0-8477-F8B65439B817}"/>
+                <a16:creationId xmlns:a16="http://schemas.microsoft.com/office/drawing/2014/main" xmlns="" id="{EE44A6D8-2083-45B0-8477-F8B65439B817}"/>
               </a:ext>
             </a:extLst>
           </p:cNvPr>
@@ -12716,7 +12744,7 @@
             <p:cNvPr id="15" name="Straight Arrow Connector 14">
               <a:extLst>
                 <a:ext uri="{FF2B5EF4-FFF2-40B4-BE49-F238E27FC236}">
-                  <a16:creationId xmlns:a16="http://schemas.microsoft.com/office/drawing/2014/main" id="{C4FB8097-6879-4C4B-A52B-1027BBB0E4CA}"/>
+                  <a16:creationId xmlns:a16="http://schemas.microsoft.com/office/drawing/2014/main" xmlns="" id="{C4FB8097-6879-4C4B-A52B-1027BBB0E4CA}"/>
                 </a:ext>
               </a:extLst>
             </p:cNvPr>
@@ -12765,7 +12793,7 @@
                 <p:cNvPr id="43" name="TextBox 42">
                   <a:extLst>
                     <a:ext uri="{FF2B5EF4-FFF2-40B4-BE49-F238E27FC236}">
-                      <a16:creationId xmlns:a16="http://schemas.microsoft.com/office/drawing/2014/main" id="{597C41D0-63D0-4C54-9EC7-FD1505B86CB9}"/>
+                      <a16:creationId xmlns:a16="http://schemas.microsoft.com/office/drawing/2014/main" xmlns="" id="{597C41D0-63D0-4C54-9EC7-FD1505B86CB9}"/>
                     </a:ext>
                   </a:extLst>
                 </p:cNvPr>
@@ -12872,6 +12900,23 @@
                       </m:oMath>
                     </m:oMathPara>
                   </a14:m>
+                  <a:r>
+                    <a:rPr kumimoji="0" lang="en-US" sz="1800" b="0" i="0" u="none" strike="noStrike" kern="1200" cap="none" spc="0" normalizeH="0" baseline="0" noProof="0" dirty="0">
+                      <a:ln>
+                        <a:noFill/>
+                      </a:ln>
+                      <a:solidFill>
+                        <a:prstClr val="black"/>
+                      </a:solidFill>
+                      <a:effectLst/>
+                      <a:uLnTx/>
+                      <a:uFillTx/>
+                      <a:latin typeface="Trebuchet MS" panose="020B0603020202020204"/>
+                      <a:ea typeface="+mn-ea"/>
+                      <a:cs typeface="+mn-cs"/>
+                    </a:rPr>
+                    <a:t/>
+                  </a:r>
                   <a:br>
                     <a:rPr kumimoji="0" lang="en-US" sz="1800" b="0" i="0" u="none" strike="noStrike" kern="1200" cap="none" spc="0" normalizeH="0" baseline="0" noProof="0" dirty="0">
                       <a:ln>
@@ -12957,7 +13002,7 @@
           <p:cNvPr id="50" name="TextBox 49">
             <a:extLst>
               <a:ext uri="{FF2B5EF4-FFF2-40B4-BE49-F238E27FC236}">
-                <a16:creationId xmlns:a16="http://schemas.microsoft.com/office/drawing/2014/main" id="{9CA50C34-6502-4513-B1E5-17DB8E7693CD}"/>
+                <a16:creationId xmlns:a16="http://schemas.microsoft.com/office/drawing/2014/main" xmlns="" id="{9CA50C34-6502-4513-B1E5-17DB8E7693CD}"/>
               </a:ext>
             </a:extLst>
           </p:cNvPr>
@@ -13022,7 +13067,7 @@
           <p:cNvPr id="21" name="Group 20">
             <a:extLst>
               <a:ext uri="{FF2B5EF4-FFF2-40B4-BE49-F238E27FC236}">
-                <a16:creationId xmlns:a16="http://schemas.microsoft.com/office/drawing/2014/main" id="{00DB0BCD-709D-480B-B0FE-382B8E7C661B}"/>
+                <a16:creationId xmlns:a16="http://schemas.microsoft.com/office/drawing/2014/main" xmlns="" id="{00DB0BCD-709D-480B-B0FE-382B8E7C661B}"/>
               </a:ext>
             </a:extLst>
           </p:cNvPr>
@@ -13042,7 +13087,7 @@
             <p:cNvPr id="23" name="Straight Arrow Connector 22">
               <a:extLst>
                 <a:ext uri="{FF2B5EF4-FFF2-40B4-BE49-F238E27FC236}">
-                  <a16:creationId xmlns:a16="http://schemas.microsoft.com/office/drawing/2014/main" id="{E281DB7B-E8F3-4CA3-97BF-913C840B15D9}"/>
+                  <a16:creationId xmlns:a16="http://schemas.microsoft.com/office/drawing/2014/main" xmlns="" id="{E281DB7B-E8F3-4CA3-97BF-913C840B15D9}"/>
                 </a:ext>
               </a:extLst>
             </p:cNvPr>
@@ -13091,7 +13136,7 @@
                 <p:cNvPr id="27" name="TextBox 26">
                   <a:extLst>
                     <a:ext uri="{FF2B5EF4-FFF2-40B4-BE49-F238E27FC236}">
-                      <a16:creationId xmlns:a16="http://schemas.microsoft.com/office/drawing/2014/main" id="{FC17AA30-640B-44E7-B451-DB310F832CE9}"/>
+                      <a16:creationId xmlns:a16="http://schemas.microsoft.com/office/drawing/2014/main" xmlns="" id="{FC17AA30-640B-44E7-B451-DB310F832CE9}"/>
                     </a:ext>
                   </a:extLst>
                 </p:cNvPr>
@@ -13217,7 +13262,7 @@
           <p:cNvPr id="29" name="Straight Arrow Connector 28">
             <a:extLst>
               <a:ext uri="{FF2B5EF4-FFF2-40B4-BE49-F238E27FC236}">
-                <a16:creationId xmlns:a16="http://schemas.microsoft.com/office/drawing/2014/main" id="{4DE7095F-495E-4A0B-8F26-26F15D9FA628}"/>
+                <a16:creationId xmlns:a16="http://schemas.microsoft.com/office/drawing/2014/main" xmlns="" id="{4DE7095F-495E-4A0B-8F26-26F15D9FA628}"/>
               </a:ext>
             </a:extLst>
           </p:cNvPr>
@@ -13264,7 +13309,7 @@
           <p:cNvPr id="3" name="Group 2">
             <a:extLst>
               <a:ext uri="{FF2B5EF4-FFF2-40B4-BE49-F238E27FC236}">
-                <a16:creationId xmlns:a16="http://schemas.microsoft.com/office/drawing/2014/main" id="{29556DD3-8312-4BFA-AFE4-DFB2DC245782}"/>
+                <a16:creationId xmlns:a16="http://schemas.microsoft.com/office/drawing/2014/main" xmlns="" id="{29556DD3-8312-4BFA-AFE4-DFB2DC245782}"/>
               </a:ext>
             </a:extLst>
           </p:cNvPr>
@@ -13284,7 +13329,7 @@
             <p:cNvPr id="28" name="Straight Arrow Connector 27">
               <a:extLst>
                 <a:ext uri="{FF2B5EF4-FFF2-40B4-BE49-F238E27FC236}">
-                  <a16:creationId xmlns:a16="http://schemas.microsoft.com/office/drawing/2014/main" id="{2E3A63AB-DF64-4A41-BE55-3FAF84EF8B38}"/>
+                  <a16:creationId xmlns:a16="http://schemas.microsoft.com/office/drawing/2014/main" xmlns="" id="{2E3A63AB-DF64-4A41-BE55-3FAF84EF8B38}"/>
                 </a:ext>
               </a:extLst>
             </p:cNvPr>
@@ -13333,7 +13378,7 @@
                 <p:cNvPr id="30" name="TextBox 29">
                   <a:extLst>
                     <a:ext uri="{FF2B5EF4-FFF2-40B4-BE49-F238E27FC236}">
-                      <a16:creationId xmlns:a16="http://schemas.microsoft.com/office/drawing/2014/main" id="{1514DF8D-03A9-4ECD-9F0B-CDE76DE928BE}"/>
+                      <a16:creationId xmlns:a16="http://schemas.microsoft.com/office/drawing/2014/main" xmlns="" id="{1514DF8D-03A9-4ECD-9F0B-CDE76DE928BE}"/>
                     </a:ext>
                   </a:extLst>
                 </p:cNvPr>
@@ -13391,6 +13436,10 @@
                       </m:oMath>
                     </m:oMathPara>
                   </a14:m>
+                  <a:r>
+                    <a:rPr lang="en-US" b="0" dirty="0"/>
+                    <a:t/>
+                  </a:r>
                   <a:br>
                     <a:rPr lang="en-US" b="0" dirty="0"/>
                   </a:br>
@@ -13450,7 +13499,7 @@
           <p:cNvPr id="20" name="Group 19">
             <a:extLst>
               <a:ext uri="{FF2B5EF4-FFF2-40B4-BE49-F238E27FC236}">
-                <a16:creationId xmlns:a16="http://schemas.microsoft.com/office/drawing/2014/main" id="{B36E2083-FBA1-48DB-A513-BBAA0378893F}"/>
+                <a16:creationId xmlns:a16="http://schemas.microsoft.com/office/drawing/2014/main" xmlns="" id="{B36E2083-FBA1-48DB-A513-BBAA0378893F}"/>
               </a:ext>
             </a:extLst>
           </p:cNvPr>
@@ -13470,7 +13519,7 @@
             <p:cNvPr id="31" name="Straight Arrow Connector 30">
               <a:extLst>
                 <a:ext uri="{FF2B5EF4-FFF2-40B4-BE49-F238E27FC236}">
-                  <a16:creationId xmlns:a16="http://schemas.microsoft.com/office/drawing/2014/main" id="{C0B3468B-BE22-4163-994B-03ADD06384B6}"/>
+                  <a16:creationId xmlns:a16="http://schemas.microsoft.com/office/drawing/2014/main" xmlns="" id="{C0B3468B-BE22-4163-994B-03ADD06384B6}"/>
                 </a:ext>
               </a:extLst>
             </p:cNvPr>
@@ -13519,7 +13568,7 @@
                 <p:cNvPr id="32" name="TextBox 31">
                   <a:extLst>
                     <a:ext uri="{FF2B5EF4-FFF2-40B4-BE49-F238E27FC236}">
-                      <a16:creationId xmlns:a16="http://schemas.microsoft.com/office/drawing/2014/main" id="{12529FFD-A2D3-4C7D-8A5A-B9E5CC49CEC3}"/>
+                      <a16:creationId xmlns:a16="http://schemas.microsoft.com/office/drawing/2014/main" xmlns="" id="{12529FFD-A2D3-4C7D-8A5A-B9E5CC49CEC3}"/>
                     </a:ext>
                   </a:extLst>
                 </p:cNvPr>
@@ -13577,6 +13626,10 @@
                       </m:oMath>
                     </m:oMathPara>
                   </a14:m>
+                  <a:r>
+                    <a:rPr lang="en-US" b="0" dirty="0"/>
+                    <a:t/>
+                  </a:r>
                   <a:br>
                     <a:rPr lang="en-US" b="0" dirty="0"/>
                   </a:br>
@@ -13636,7 +13689,7 @@
           <p:cNvPr id="33" name="Straight Arrow Connector 32">
             <a:extLst>
               <a:ext uri="{FF2B5EF4-FFF2-40B4-BE49-F238E27FC236}">
-                <a16:creationId xmlns:a16="http://schemas.microsoft.com/office/drawing/2014/main" id="{4856276E-CBCA-47F9-93A0-FBDAF1BFF544}"/>
+                <a16:creationId xmlns:a16="http://schemas.microsoft.com/office/drawing/2014/main" xmlns="" id="{4856276E-CBCA-47F9-93A0-FBDAF1BFF544}"/>
               </a:ext>
             </a:extLst>
           </p:cNvPr>
@@ -13684,7 +13737,7 @@
           <p:cNvPr id="39" name="Title 1">
             <a:extLst>
               <a:ext uri="{FF2B5EF4-FFF2-40B4-BE49-F238E27FC236}">
-                <a16:creationId xmlns:a16="http://schemas.microsoft.com/office/drawing/2014/main" id="{A8100B3E-DBA4-4DE0-864F-F152EE250F6F}"/>
+                <a16:creationId xmlns:a16="http://schemas.microsoft.com/office/drawing/2014/main" xmlns="" id="{A8100B3E-DBA4-4DE0-864F-F152EE250F6F}"/>
               </a:ext>
             </a:extLst>
           </p:cNvPr>
@@ -13721,7 +13774,7 @@
           <p:cNvPr id="6" name="Slide Number Placeholder 5">
             <a:extLst>
               <a:ext uri="{FF2B5EF4-FFF2-40B4-BE49-F238E27FC236}">
-                <a16:creationId xmlns:a16="http://schemas.microsoft.com/office/drawing/2014/main" id="{B09A1548-527A-433B-9B4A-E8989CFB6B15}"/>
+                <a16:creationId xmlns:a16="http://schemas.microsoft.com/office/drawing/2014/main" xmlns="" id="{B09A1548-527A-433B-9B4A-E8989CFB6B15}"/>
               </a:ext>
             </a:extLst>
           </p:cNvPr>
@@ -13751,7 +13804,7 @@
           <p:cNvPr id="8" name="Group 7">
             <a:extLst>
               <a:ext uri="{FF2B5EF4-FFF2-40B4-BE49-F238E27FC236}">
-                <a16:creationId xmlns:a16="http://schemas.microsoft.com/office/drawing/2014/main" id="{EABDCBF1-6629-4261-8977-A400FB700610}"/>
+                <a16:creationId xmlns:a16="http://schemas.microsoft.com/office/drawing/2014/main" xmlns="" id="{EABDCBF1-6629-4261-8977-A400FB700610}"/>
               </a:ext>
             </a:extLst>
           </p:cNvPr>
@@ -13771,7 +13824,7 @@
             <p:cNvPr id="26" name="TextBox 25">
               <a:extLst>
                 <a:ext uri="{FF2B5EF4-FFF2-40B4-BE49-F238E27FC236}">
-                  <a16:creationId xmlns:a16="http://schemas.microsoft.com/office/drawing/2014/main" id="{194E6F51-B414-44B5-96BA-A80FC0864F4F}"/>
+                  <a16:creationId xmlns:a16="http://schemas.microsoft.com/office/drawing/2014/main" xmlns="" id="{194E6F51-B414-44B5-96BA-A80FC0864F4F}"/>
                 </a:ext>
               </a:extLst>
             </p:cNvPr>
@@ -13815,7 +13868,7 @@
             <p:cNvPr id="40" name="Group 39">
               <a:extLst>
                 <a:ext uri="{FF2B5EF4-FFF2-40B4-BE49-F238E27FC236}">
-                  <a16:creationId xmlns:a16="http://schemas.microsoft.com/office/drawing/2014/main" id="{70AE469F-6C2F-4084-858C-6FA02B66A2F3}"/>
+                  <a16:creationId xmlns:a16="http://schemas.microsoft.com/office/drawing/2014/main" xmlns="" id="{70AE469F-6C2F-4084-858C-6FA02B66A2F3}"/>
                 </a:ext>
               </a:extLst>
             </p:cNvPr>
@@ -13835,7 +13888,7 @@
               <p:cNvPr id="44" name="Rectangle 43">
                 <a:extLst>
                   <a:ext uri="{FF2B5EF4-FFF2-40B4-BE49-F238E27FC236}">
-                    <a16:creationId xmlns:a16="http://schemas.microsoft.com/office/drawing/2014/main" id="{558891A4-A660-4D63-887E-457B959EA9B6}"/>
+                    <a16:creationId xmlns:a16="http://schemas.microsoft.com/office/drawing/2014/main" xmlns="" id="{558891A4-A660-4D63-887E-457B959EA9B6}"/>
                   </a:ext>
                 </a:extLst>
               </p:cNvPr>
@@ -13915,7 +13968,7 @@
               <p:cNvPr id="45" name="Group 44">
                 <a:extLst>
                   <a:ext uri="{FF2B5EF4-FFF2-40B4-BE49-F238E27FC236}">
-                    <a16:creationId xmlns:a16="http://schemas.microsoft.com/office/drawing/2014/main" id="{1F370D1A-BCE0-4EEC-97CC-A8A009EDB468}"/>
+                    <a16:creationId xmlns:a16="http://schemas.microsoft.com/office/drawing/2014/main" xmlns="" id="{1F370D1A-BCE0-4EEC-97CC-A8A009EDB468}"/>
                   </a:ext>
                 </a:extLst>
               </p:cNvPr>
@@ -13935,7 +13988,7 @@
                 <p:cNvPr id="49" name="Rectangle 48">
                   <a:extLst>
                     <a:ext uri="{FF2B5EF4-FFF2-40B4-BE49-F238E27FC236}">
-                      <a16:creationId xmlns:a16="http://schemas.microsoft.com/office/drawing/2014/main" id="{4A79A2CA-9D54-4E73-BCDF-14EAB2A42A7B}"/>
+                      <a16:creationId xmlns:a16="http://schemas.microsoft.com/office/drawing/2014/main" xmlns="" id="{4A79A2CA-9D54-4E73-BCDF-14EAB2A42A7B}"/>
                     </a:ext>
                   </a:extLst>
                 </p:cNvPr>
@@ -14022,7 +14075,7 @@
                 <p:cNvPr id="51" name="Rectangle 50">
                   <a:extLst>
                     <a:ext uri="{FF2B5EF4-FFF2-40B4-BE49-F238E27FC236}">
-                      <a16:creationId xmlns:a16="http://schemas.microsoft.com/office/drawing/2014/main" id="{D0684D9D-0EFA-457A-8BC6-1606FC273FD9}"/>
+                      <a16:creationId xmlns:a16="http://schemas.microsoft.com/office/drawing/2014/main" xmlns="" id="{D0684D9D-0EFA-457A-8BC6-1606FC273FD9}"/>
                     </a:ext>
                   </a:extLst>
                 </p:cNvPr>
@@ -14153,7 +14206,7 @@
           <p:cNvPr id="7" name="Group 6">
             <a:extLst>
               <a:ext uri="{FF2B5EF4-FFF2-40B4-BE49-F238E27FC236}">
-                <a16:creationId xmlns:a16="http://schemas.microsoft.com/office/drawing/2014/main" id="{739A96B0-70B1-417A-80F2-363E64367A32}"/>
+                <a16:creationId xmlns:a16="http://schemas.microsoft.com/office/drawing/2014/main" xmlns="" id="{739A96B0-70B1-417A-80F2-363E64367A32}"/>
               </a:ext>
             </a:extLst>
           </p:cNvPr>
@@ -14173,7 +14226,7 @@
             <p:cNvPr id="5" name="Group 4">
               <a:extLst>
                 <a:ext uri="{FF2B5EF4-FFF2-40B4-BE49-F238E27FC236}">
-                  <a16:creationId xmlns:a16="http://schemas.microsoft.com/office/drawing/2014/main" id="{766600B2-43D6-426A-BF4F-E893A35FBE58}"/>
+                  <a16:creationId xmlns:a16="http://schemas.microsoft.com/office/drawing/2014/main" xmlns="" id="{766600B2-43D6-426A-BF4F-E893A35FBE58}"/>
                 </a:ext>
               </a:extLst>
             </p:cNvPr>
@@ -14193,7 +14246,7 @@
               <p:cNvPr id="36" name="Rectangle 35">
                 <a:extLst>
                   <a:ext uri="{FF2B5EF4-FFF2-40B4-BE49-F238E27FC236}">
-                    <a16:creationId xmlns:a16="http://schemas.microsoft.com/office/drawing/2014/main" id="{69ADB7BC-9BA6-4C17-9E6D-B422AED9DAEC}"/>
+                    <a16:creationId xmlns:a16="http://schemas.microsoft.com/office/drawing/2014/main" xmlns="" id="{69ADB7BC-9BA6-4C17-9E6D-B422AED9DAEC}"/>
                   </a:ext>
                 </a:extLst>
               </p:cNvPr>
@@ -14273,7 +14326,7 @@
               <p:cNvPr id="48" name="Rectangle 47">
                 <a:extLst>
                   <a:ext uri="{FF2B5EF4-FFF2-40B4-BE49-F238E27FC236}">
-                    <a16:creationId xmlns:a16="http://schemas.microsoft.com/office/drawing/2014/main" id="{443CF2E7-3344-4452-99A5-CAC1F527AF55}"/>
+                    <a16:creationId xmlns:a16="http://schemas.microsoft.com/office/drawing/2014/main" xmlns="" id="{443CF2E7-3344-4452-99A5-CAC1F527AF55}"/>
                   </a:ext>
                 </a:extLst>
               </p:cNvPr>
@@ -14402,7 +14455,7 @@
             <p:cNvPr id="52" name="Rectangle 51">
               <a:extLst>
                 <a:ext uri="{FF2B5EF4-FFF2-40B4-BE49-F238E27FC236}">
-                  <a16:creationId xmlns:a16="http://schemas.microsoft.com/office/drawing/2014/main" id="{1134DA3A-0540-4260-BAB4-7484BD13F541}"/>
+                  <a16:creationId xmlns:a16="http://schemas.microsoft.com/office/drawing/2014/main" xmlns="" id="{1134DA3A-0540-4260-BAB4-7484BD13F541}"/>
                 </a:ext>
               </a:extLst>
             </p:cNvPr>
@@ -14490,7 +14543,7 @@
           <p:cNvPr id="53" name="Rectangle 52">
             <a:extLst>
               <a:ext uri="{FF2B5EF4-FFF2-40B4-BE49-F238E27FC236}">
-                <a16:creationId xmlns:a16="http://schemas.microsoft.com/office/drawing/2014/main" id="{E9B56035-CA91-4D33-9DEA-9922173D2D5B}"/>
+                <a16:creationId xmlns:a16="http://schemas.microsoft.com/office/drawing/2014/main" xmlns="" id="{E9B56035-CA91-4D33-9DEA-9922173D2D5B}"/>
               </a:ext>
             </a:extLst>
           </p:cNvPr>
@@ -14569,7 +14622,7 @@
           <p:cNvPr id="54" name="TextBox 53">
             <a:extLst>
               <a:ext uri="{FF2B5EF4-FFF2-40B4-BE49-F238E27FC236}">
-                <a16:creationId xmlns:a16="http://schemas.microsoft.com/office/drawing/2014/main" id="{367C69FA-901B-4FBD-B9B8-F7AB6C777723}"/>
+                <a16:creationId xmlns:a16="http://schemas.microsoft.com/office/drawing/2014/main" xmlns="" id="{367C69FA-901B-4FBD-B9B8-F7AB6C777723}"/>
               </a:ext>
             </a:extLst>
           </p:cNvPr>
@@ -15692,7 +15745,7 @@
           <p:cNvPr id="47" name="Rectangle 46">
             <a:extLst>
               <a:ext uri="{FF2B5EF4-FFF2-40B4-BE49-F238E27FC236}">
-                <a16:creationId xmlns:a16="http://schemas.microsoft.com/office/drawing/2014/main" id="{E33E5640-3ED1-4A60-A2C1-88A47377BA0C}"/>
+                <a16:creationId xmlns:a16="http://schemas.microsoft.com/office/drawing/2014/main" xmlns="" id="{E33E5640-3ED1-4A60-A2C1-88A47377BA0C}"/>
               </a:ext>
             </a:extLst>
           </p:cNvPr>
@@ -15822,7 +15875,7 @@
           <p:cNvPr id="48" name="Rectangle 47">
             <a:extLst>
               <a:ext uri="{FF2B5EF4-FFF2-40B4-BE49-F238E27FC236}">
-                <a16:creationId xmlns:a16="http://schemas.microsoft.com/office/drawing/2014/main" id="{443CF2E7-3344-4452-99A5-CAC1F527AF55}"/>
+                <a16:creationId xmlns:a16="http://schemas.microsoft.com/office/drawing/2014/main" xmlns="" id="{443CF2E7-3344-4452-99A5-CAC1F527AF55}"/>
               </a:ext>
             </a:extLst>
           </p:cNvPr>
@@ -15949,7 +16002,7 @@
           <p:cNvPr id="39" name="Title 1">
             <a:extLst>
               <a:ext uri="{FF2B5EF4-FFF2-40B4-BE49-F238E27FC236}">
-                <a16:creationId xmlns:a16="http://schemas.microsoft.com/office/drawing/2014/main" id="{A8100B3E-DBA4-4DE0-864F-F152EE250F6F}"/>
+                <a16:creationId xmlns:a16="http://schemas.microsoft.com/office/drawing/2014/main" xmlns="" id="{A8100B3E-DBA4-4DE0-864F-F152EE250F6F}"/>
               </a:ext>
             </a:extLst>
           </p:cNvPr>
@@ -15988,7 +16041,7 @@
           <p:cNvPr id="37" name="Straight Arrow Connector 36">
             <a:extLst>
               <a:ext uri="{FF2B5EF4-FFF2-40B4-BE49-F238E27FC236}">
-                <a16:creationId xmlns:a16="http://schemas.microsoft.com/office/drawing/2014/main" id="{9830D0AB-E7C4-4A5F-AE4C-FF9BCADD29CB}"/>
+                <a16:creationId xmlns:a16="http://schemas.microsoft.com/office/drawing/2014/main" xmlns="" id="{9830D0AB-E7C4-4A5F-AE4C-FF9BCADD29CB}"/>
               </a:ext>
             </a:extLst>
           </p:cNvPr>
@@ -16038,7 +16091,7 @@
               <p:cNvPr id="18" name="TextBox 17">
                 <a:extLst>
                   <a:ext uri="{FF2B5EF4-FFF2-40B4-BE49-F238E27FC236}">
-                    <a16:creationId xmlns:a16="http://schemas.microsoft.com/office/drawing/2014/main" id="{DBC36B95-FD05-42EA-B8DB-4052D4B6088B}"/>
+                    <a16:creationId xmlns:a16="http://schemas.microsoft.com/office/drawing/2014/main" xmlns="" id="{DBC36B95-FD05-42EA-B8DB-4052D4B6088B}"/>
                   </a:ext>
                 </a:extLst>
               </p:cNvPr>
@@ -16134,7 +16187,7 @@
               <p:cNvPr id="49" name="TextBox 48">
                 <a:extLst>
                   <a:ext uri="{FF2B5EF4-FFF2-40B4-BE49-F238E27FC236}">
-                    <a16:creationId xmlns:a16="http://schemas.microsoft.com/office/drawing/2014/main" id="{B7F51AAA-655B-4D93-A1BE-A16A2F16B9C7}"/>
+                    <a16:creationId xmlns:a16="http://schemas.microsoft.com/office/drawing/2014/main" xmlns="" id="{B7F51AAA-655B-4D93-A1BE-A16A2F16B9C7}"/>
                   </a:ext>
                 </a:extLst>
               </p:cNvPr>
@@ -16251,7 +16304,7 @@
           <p:cNvPr id="61" name="Straight Arrow Connector 60">
             <a:extLst>
               <a:ext uri="{FF2B5EF4-FFF2-40B4-BE49-F238E27FC236}">
-                <a16:creationId xmlns:a16="http://schemas.microsoft.com/office/drawing/2014/main" id="{BB190311-64E6-41BA-8AC5-E1B36EE27BBC}"/>
+                <a16:creationId xmlns:a16="http://schemas.microsoft.com/office/drawing/2014/main" xmlns="" id="{BB190311-64E6-41BA-8AC5-E1B36EE27BBC}"/>
               </a:ext>
             </a:extLst>
           </p:cNvPr>
@@ -16300,7 +16353,7 @@
               <p:cNvPr id="62" name="TextBox 61">
                 <a:extLst>
                   <a:ext uri="{FF2B5EF4-FFF2-40B4-BE49-F238E27FC236}">
-                    <a16:creationId xmlns:a16="http://schemas.microsoft.com/office/drawing/2014/main" id="{DCB73AB5-1E79-4FA1-9E38-323F1C5A5A7E}"/>
+                    <a16:creationId xmlns:a16="http://schemas.microsoft.com/office/drawing/2014/main" xmlns="" id="{DCB73AB5-1E79-4FA1-9E38-323F1C5A5A7E}"/>
                   </a:ext>
                 </a:extLst>
               </p:cNvPr>
@@ -16457,6 +16510,12 @@
                     </m:oMath>
                   </m:oMathPara>
                 </a14:m>
+                <a:r>
+                  <a:rPr lang="en-US" sz="3600" b="0" i="1" dirty="0">
+                    <a:latin typeface="Cambria Math" panose="02040503050406030204" pitchFamily="18" charset="0"/>
+                  </a:rPr>
+                  <a:t/>
+                </a:r>
                 <a:br>
                   <a:rPr lang="en-US" sz="3600" b="0" i="1" dirty="0">
                     <a:latin typeface="Cambria Math" panose="02040503050406030204" pitchFamily="18" charset="0"/>
@@ -16519,7 +16578,7 @@
               <p:cNvPr id="44" name="TextBox 43">
                 <a:extLst>
                   <a:ext uri="{FF2B5EF4-FFF2-40B4-BE49-F238E27FC236}">
-                    <a16:creationId xmlns:a16="http://schemas.microsoft.com/office/drawing/2014/main" id="{96AEF92C-3820-4AD1-9DEF-96AAE9B6ECC4}"/>
+                    <a16:creationId xmlns:a16="http://schemas.microsoft.com/office/drawing/2014/main" xmlns="" id="{96AEF92C-3820-4AD1-9DEF-96AAE9B6ECC4}"/>
                   </a:ext>
                 </a:extLst>
               </p:cNvPr>
@@ -16651,6 +16710,12 @@
                     </m:oMath>
                   </m:oMathPara>
                 </a14:m>
+                <a:r>
+                  <a:rPr lang="en-US" sz="3600" b="0" i="1" dirty="0">
+                    <a:latin typeface="Cambria Math" panose="02040503050406030204" pitchFamily="18" charset="0"/>
+                  </a:rPr>
+                  <a:t/>
+                </a:r>
                 <a:br>
                   <a:rPr lang="en-US" sz="3600" b="0" i="1" dirty="0">
                     <a:latin typeface="Cambria Math" panose="02040503050406030204" pitchFamily="18" charset="0"/>
@@ -16711,7 +16776,7 @@
           <p:cNvPr id="6" name="Group 5">
             <a:extLst>
               <a:ext uri="{FF2B5EF4-FFF2-40B4-BE49-F238E27FC236}">
-                <a16:creationId xmlns:a16="http://schemas.microsoft.com/office/drawing/2014/main" id="{9C65EE93-1366-4529-AC02-C93EF0A2EAD8}"/>
+                <a16:creationId xmlns:a16="http://schemas.microsoft.com/office/drawing/2014/main" xmlns="" id="{9C65EE93-1366-4529-AC02-C93EF0A2EAD8}"/>
               </a:ext>
             </a:extLst>
           </p:cNvPr>
@@ -16731,7 +16796,7 @@
             <p:cNvPr id="52" name="Rectangle 51">
               <a:extLst>
                 <a:ext uri="{FF2B5EF4-FFF2-40B4-BE49-F238E27FC236}">
-                  <a16:creationId xmlns:a16="http://schemas.microsoft.com/office/drawing/2014/main" id="{91FC43B0-13BB-407B-9AD3-1C274931DD69}"/>
+                  <a16:creationId xmlns:a16="http://schemas.microsoft.com/office/drawing/2014/main" xmlns="" id="{91FC43B0-13BB-407B-9AD3-1C274931DD69}"/>
                 </a:ext>
               </a:extLst>
             </p:cNvPr>
@@ -16858,7 +16923,7 @@
             <p:cNvPr id="57" name="Straight Arrow Connector 56">
               <a:extLst>
                 <a:ext uri="{FF2B5EF4-FFF2-40B4-BE49-F238E27FC236}">
-                  <a16:creationId xmlns:a16="http://schemas.microsoft.com/office/drawing/2014/main" id="{9058E969-1448-4669-B4EF-CC6D1D032033}"/>
+                  <a16:creationId xmlns:a16="http://schemas.microsoft.com/office/drawing/2014/main" xmlns="" id="{9058E969-1448-4669-B4EF-CC6D1D032033}"/>
                 </a:ext>
               </a:extLst>
             </p:cNvPr>
@@ -16905,7 +16970,7 @@
             <p:cNvPr id="60" name="Straight Arrow Connector 59">
               <a:extLst>
                 <a:ext uri="{FF2B5EF4-FFF2-40B4-BE49-F238E27FC236}">
-                  <a16:creationId xmlns:a16="http://schemas.microsoft.com/office/drawing/2014/main" id="{CCEF68B6-DD0B-4D8C-AD6F-9F0A4DF35CFD}"/>
+                  <a16:creationId xmlns:a16="http://schemas.microsoft.com/office/drawing/2014/main" xmlns="" id="{CCEF68B6-DD0B-4D8C-AD6F-9F0A4DF35CFD}"/>
                 </a:ext>
               </a:extLst>
             </p:cNvPr>
@@ -16952,7 +17017,7 @@
             <p:cNvPr id="78" name="Group 77">
               <a:extLst>
                 <a:ext uri="{FF2B5EF4-FFF2-40B4-BE49-F238E27FC236}">
-                  <a16:creationId xmlns:a16="http://schemas.microsoft.com/office/drawing/2014/main" id="{66B6B3CC-819B-4F73-BA1D-22E01B942256}"/>
+                  <a16:creationId xmlns:a16="http://schemas.microsoft.com/office/drawing/2014/main" xmlns="" id="{66B6B3CC-819B-4F73-BA1D-22E01B942256}"/>
                 </a:ext>
               </a:extLst>
             </p:cNvPr>
@@ -16972,7 +17037,7 @@
               <p:cNvPr id="73" name="Straight Arrow Connector 72">
                 <a:extLst>
                   <a:ext uri="{FF2B5EF4-FFF2-40B4-BE49-F238E27FC236}">
-                    <a16:creationId xmlns:a16="http://schemas.microsoft.com/office/drawing/2014/main" id="{866CB804-F56C-4CBF-BA49-6A23B5E61E53}"/>
+                    <a16:creationId xmlns:a16="http://schemas.microsoft.com/office/drawing/2014/main" xmlns="" id="{866CB804-F56C-4CBF-BA49-6A23B5E61E53}"/>
                   </a:ext>
                 </a:extLst>
               </p:cNvPr>
@@ -17017,7 +17082,7 @@
               <p:cNvPr id="74" name="Straight Arrow Connector 73">
                 <a:extLst>
                   <a:ext uri="{FF2B5EF4-FFF2-40B4-BE49-F238E27FC236}">
-                    <a16:creationId xmlns:a16="http://schemas.microsoft.com/office/drawing/2014/main" id="{618D90D4-D9AB-4072-8F45-F029840952AC}"/>
+                    <a16:creationId xmlns:a16="http://schemas.microsoft.com/office/drawing/2014/main" xmlns="" id="{618D90D4-D9AB-4072-8F45-F029840952AC}"/>
                   </a:ext>
                 </a:extLst>
               </p:cNvPr>
@@ -17064,7 +17129,7 @@
           <p:cNvPr id="2" name="Slide Number Placeholder 1">
             <a:extLst>
               <a:ext uri="{FF2B5EF4-FFF2-40B4-BE49-F238E27FC236}">
-                <a16:creationId xmlns:a16="http://schemas.microsoft.com/office/drawing/2014/main" id="{39A4A61C-E614-40D0-A029-086975E3AEA9}"/>
+                <a16:creationId xmlns:a16="http://schemas.microsoft.com/office/drawing/2014/main" xmlns="" id="{39A4A61C-E614-40D0-A029-086975E3AEA9}"/>
               </a:ext>
             </a:extLst>
           </p:cNvPr>
@@ -17409,7 +17474,7 @@
           <p:cNvPr id="69" name="Freeform: Shape 68">
             <a:extLst>
               <a:ext uri="{FF2B5EF4-FFF2-40B4-BE49-F238E27FC236}">
-                <a16:creationId xmlns:a16="http://schemas.microsoft.com/office/drawing/2014/main" id="{A0D700E9-CDA7-4D60-99AF-492B4B66860D}"/>
+                <a16:creationId xmlns:a16="http://schemas.microsoft.com/office/drawing/2014/main" xmlns="" id="{A0D700E9-CDA7-4D60-99AF-492B4B66860D}"/>
               </a:ext>
             </a:extLst>
           </p:cNvPr>
@@ -17521,7 +17586,7 @@
           <p:cNvPr id="47" name="Rectangle 46">
             <a:extLst>
               <a:ext uri="{FF2B5EF4-FFF2-40B4-BE49-F238E27FC236}">
-                <a16:creationId xmlns:a16="http://schemas.microsoft.com/office/drawing/2014/main" id="{E33E5640-3ED1-4A60-A2C1-88A47377BA0C}"/>
+                <a16:creationId xmlns:a16="http://schemas.microsoft.com/office/drawing/2014/main" xmlns="" id="{E33E5640-3ED1-4A60-A2C1-88A47377BA0C}"/>
               </a:ext>
             </a:extLst>
           </p:cNvPr>
@@ -17651,7 +17716,7 @@
           <p:cNvPr id="48" name="Rectangle 47">
             <a:extLst>
               <a:ext uri="{FF2B5EF4-FFF2-40B4-BE49-F238E27FC236}">
-                <a16:creationId xmlns:a16="http://schemas.microsoft.com/office/drawing/2014/main" id="{443CF2E7-3344-4452-99A5-CAC1F527AF55}"/>
+                <a16:creationId xmlns:a16="http://schemas.microsoft.com/office/drawing/2014/main" xmlns="" id="{443CF2E7-3344-4452-99A5-CAC1F527AF55}"/>
               </a:ext>
             </a:extLst>
           </p:cNvPr>
@@ -17778,7 +17843,7 @@
           <p:cNvPr id="39" name="Title 1">
             <a:extLst>
               <a:ext uri="{FF2B5EF4-FFF2-40B4-BE49-F238E27FC236}">
-                <a16:creationId xmlns:a16="http://schemas.microsoft.com/office/drawing/2014/main" id="{A8100B3E-DBA4-4DE0-864F-F152EE250F6F}"/>
+                <a16:creationId xmlns:a16="http://schemas.microsoft.com/office/drawing/2014/main" xmlns="" id="{A8100B3E-DBA4-4DE0-864F-F152EE250F6F}"/>
               </a:ext>
             </a:extLst>
           </p:cNvPr>
@@ -17817,7 +17882,7 @@
           <p:cNvPr id="37" name="Straight Arrow Connector 36">
             <a:extLst>
               <a:ext uri="{FF2B5EF4-FFF2-40B4-BE49-F238E27FC236}">
-                <a16:creationId xmlns:a16="http://schemas.microsoft.com/office/drawing/2014/main" id="{9830D0AB-E7C4-4A5F-AE4C-FF9BCADD29CB}"/>
+                <a16:creationId xmlns:a16="http://schemas.microsoft.com/office/drawing/2014/main" xmlns="" id="{9830D0AB-E7C4-4A5F-AE4C-FF9BCADD29CB}"/>
               </a:ext>
             </a:extLst>
           </p:cNvPr>
@@ -17867,7 +17932,7 @@
               <p:cNvPr id="18" name="TextBox 17">
                 <a:extLst>
                   <a:ext uri="{FF2B5EF4-FFF2-40B4-BE49-F238E27FC236}">
-                    <a16:creationId xmlns:a16="http://schemas.microsoft.com/office/drawing/2014/main" id="{DBC36B95-FD05-42EA-B8DB-4052D4B6088B}"/>
+                    <a16:creationId xmlns:a16="http://schemas.microsoft.com/office/drawing/2014/main" xmlns="" id="{DBC36B95-FD05-42EA-B8DB-4052D4B6088B}"/>
                   </a:ext>
                 </a:extLst>
               </p:cNvPr>
@@ -17963,7 +18028,7 @@
               <p:cNvPr id="49" name="TextBox 48">
                 <a:extLst>
                   <a:ext uri="{FF2B5EF4-FFF2-40B4-BE49-F238E27FC236}">
-                    <a16:creationId xmlns:a16="http://schemas.microsoft.com/office/drawing/2014/main" id="{B7F51AAA-655B-4D93-A1BE-A16A2F16B9C7}"/>
+                    <a16:creationId xmlns:a16="http://schemas.microsoft.com/office/drawing/2014/main" xmlns="" id="{B7F51AAA-655B-4D93-A1BE-A16A2F16B9C7}"/>
                   </a:ext>
                 </a:extLst>
               </p:cNvPr>
@@ -18080,7 +18145,7 @@
           <p:cNvPr id="61" name="Straight Arrow Connector 60">
             <a:extLst>
               <a:ext uri="{FF2B5EF4-FFF2-40B4-BE49-F238E27FC236}">
-                <a16:creationId xmlns:a16="http://schemas.microsoft.com/office/drawing/2014/main" id="{BB190311-64E6-41BA-8AC5-E1B36EE27BBC}"/>
+                <a16:creationId xmlns:a16="http://schemas.microsoft.com/office/drawing/2014/main" xmlns="" id="{BB190311-64E6-41BA-8AC5-E1B36EE27BBC}"/>
               </a:ext>
             </a:extLst>
           </p:cNvPr>
@@ -18129,7 +18194,7 @@
               <p:cNvPr id="62" name="TextBox 61">
                 <a:extLst>
                   <a:ext uri="{FF2B5EF4-FFF2-40B4-BE49-F238E27FC236}">
-                    <a16:creationId xmlns:a16="http://schemas.microsoft.com/office/drawing/2014/main" id="{DCB73AB5-1E79-4FA1-9E38-323F1C5A5A7E}"/>
+                    <a16:creationId xmlns:a16="http://schemas.microsoft.com/office/drawing/2014/main" xmlns="" id="{DCB73AB5-1E79-4FA1-9E38-323F1C5A5A7E}"/>
                   </a:ext>
                 </a:extLst>
               </p:cNvPr>
@@ -18286,6 +18351,12 @@
                     </m:oMath>
                   </m:oMathPara>
                 </a14:m>
+                <a:r>
+                  <a:rPr lang="en-US" sz="3600" b="0" i="1" dirty="0">
+                    <a:latin typeface="Cambria Math" panose="02040503050406030204" pitchFamily="18" charset="0"/>
+                  </a:rPr>
+                  <a:t/>
+                </a:r>
                 <a:br>
                   <a:rPr lang="en-US" sz="3600" b="0" i="1" dirty="0">
                     <a:latin typeface="Cambria Math" panose="02040503050406030204" pitchFamily="18" charset="0"/>
@@ -18348,7 +18419,7 @@
               <p:cNvPr id="40" name="TextBox 39">
                 <a:extLst>
                   <a:ext uri="{FF2B5EF4-FFF2-40B4-BE49-F238E27FC236}">
-                    <a16:creationId xmlns:a16="http://schemas.microsoft.com/office/drawing/2014/main" id="{AD092996-4549-49D9-B160-337093B26E54}"/>
+                    <a16:creationId xmlns:a16="http://schemas.microsoft.com/office/drawing/2014/main" xmlns="" id="{AD092996-4549-49D9-B160-337093B26E54}"/>
                   </a:ext>
                 </a:extLst>
               </p:cNvPr>
@@ -18981,7 +19052,7 @@
           <p:cNvPr id="79" name="Group 78">
             <a:extLst>
               <a:ext uri="{FF2B5EF4-FFF2-40B4-BE49-F238E27FC236}">
-                <a16:creationId xmlns:a16="http://schemas.microsoft.com/office/drawing/2014/main" id="{FC1971F2-8FB3-42CE-8B72-D7EC76EBA8E1}"/>
+                <a16:creationId xmlns:a16="http://schemas.microsoft.com/office/drawing/2014/main" xmlns="" id="{FC1971F2-8FB3-42CE-8B72-D7EC76EBA8E1}"/>
               </a:ext>
             </a:extLst>
           </p:cNvPr>
@@ -19003,7 +19074,7 @@
                 <p:cNvPr id="44" name="TextBox 43">
                   <a:extLst>
                     <a:ext uri="{FF2B5EF4-FFF2-40B4-BE49-F238E27FC236}">
-                      <a16:creationId xmlns:a16="http://schemas.microsoft.com/office/drawing/2014/main" id="{96AEF92C-3820-4AD1-9DEF-96AAE9B6ECC4}"/>
+                      <a16:creationId xmlns:a16="http://schemas.microsoft.com/office/drawing/2014/main" xmlns="" id="{96AEF92C-3820-4AD1-9DEF-96AAE9B6ECC4}"/>
                     </a:ext>
                   </a:extLst>
                 </p:cNvPr>
@@ -19135,6 +19206,12 @@
                       </m:oMath>
                     </m:oMathPara>
                   </a14:m>
+                  <a:r>
+                    <a:rPr lang="en-US" sz="3600" b="0" i="1" dirty="0">
+                      <a:latin typeface="Cambria Math" panose="02040503050406030204" pitchFamily="18" charset="0"/>
+                    </a:rPr>
+                    <a:t/>
+                  </a:r>
                   <a:br>
                     <a:rPr lang="en-US" sz="3600" b="0" i="1" dirty="0">
                       <a:latin typeface="Cambria Math" panose="02040503050406030204" pitchFamily="18" charset="0"/>
@@ -19195,7 +19272,7 @@
             <p:cNvPr id="52" name="Rectangle 51">
               <a:extLst>
                 <a:ext uri="{FF2B5EF4-FFF2-40B4-BE49-F238E27FC236}">
-                  <a16:creationId xmlns:a16="http://schemas.microsoft.com/office/drawing/2014/main" id="{91FC43B0-13BB-407B-9AD3-1C274931DD69}"/>
+                  <a16:creationId xmlns:a16="http://schemas.microsoft.com/office/drawing/2014/main" xmlns="" id="{91FC43B0-13BB-407B-9AD3-1C274931DD69}"/>
                 </a:ext>
               </a:extLst>
             </p:cNvPr>
@@ -19322,7 +19399,7 @@
             <p:cNvPr id="53" name="Rectangle 52">
               <a:extLst>
                 <a:ext uri="{FF2B5EF4-FFF2-40B4-BE49-F238E27FC236}">
-                  <a16:creationId xmlns:a16="http://schemas.microsoft.com/office/drawing/2014/main" id="{6521DF2A-636A-4B52-B7B6-F07278A1ACE9}"/>
+                  <a16:creationId xmlns:a16="http://schemas.microsoft.com/office/drawing/2014/main" xmlns="" id="{6521DF2A-636A-4B52-B7B6-F07278A1ACE9}"/>
                 </a:ext>
               </a:extLst>
             </p:cNvPr>
@@ -19413,7 +19490,7 @@
             <p:cNvPr id="54" name="Rectangle 53">
               <a:extLst>
                 <a:ext uri="{FF2B5EF4-FFF2-40B4-BE49-F238E27FC236}">
-                  <a16:creationId xmlns:a16="http://schemas.microsoft.com/office/drawing/2014/main" id="{40B2407F-6ACD-4D0C-A691-ABAF372DF723}"/>
+                  <a16:creationId xmlns:a16="http://schemas.microsoft.com/office/drawing/2014/main" xmlns="" id="{40B2407F-6ACD-4D0C-A691-ABAF372DF723}"/>
                 </a:ext>
               </a:extLst>
             </p:cNvPr>
@@ -19546,7 +19623,7 @@
             <p:cNvPr id="57" name="Straight Arrow Connector 56">
               <a:extLst>
                 <a:ext uri="{FF2B5EF4-FFF2-40B4-BE49-F238E27FC236}">
-                  <a16:creationId xmlns:a16="http://schemas.microsoft.com/office/drawing/2014/main" id="{9058E969-1448-4669-B4EF-CC6D1D032033}"/>
+                  <a16:creationId xmlns:a16="http://schemas.microsoft.com/office/drawing/2014/main" xmlns="" id="{9058E969-1448-4669-B4EF-CC6D1D032033}"/>
                 </a:ext>
               </a:extLst>
             </p:cNvPr>
@@ -19593,7 +19670,7 @@
             <p:cNvPr id="58" name="Straight Arrow Connector 57">
               <a:extLst>
                 <a:ext uri="{FF2B5EF4-FFF2-40B4-BE49-F238E27FC236}">
-                  <a16:creationId xmlns:a16="http://schemas.microsoft.com/office/drawing/2014/main" id="{E51644D2-F391-4D0D-B60A-A41D84D1F911}"/>
+                  <a16:creationId xmlns:a16="http://schemas.microsoft.com/office/drawing/2014/main" xmlns="" id="{E51644D2-F391-4D0D-B60A-A41D84D1F911}"/>
                 </a:ext>
               </a:extLst>
             </p:cNvPr>
@@ -19640,7 +19717,7 @@
             <p:cNvPr id="59" name="Straight Arrow Connector 58">
               <a:extLst>
                 <a:ext uri="{FF2B5EF4-FFF2-40B4-BE49-F238E27FC236}">
-                  <a16:creationId xmlns:a16="http://schemas.microsoft.com/office/drawing/2014/main" id="{D8DFEF77-59D5-4A19-A93F-1C1F6A1657CE}"/>
+                  <a16:creationId xmlns:a16="http://schemas.microsoft.com/office/drawing/2014/main" xmlns="" id="{D8DFEF77-59D5-4A19-A93F-1C1F6A1657CE}"/>
                 </a:ext>
               </a:extLst>
             </p:cNvPr>
@@ -19687,7 +19764,7 @@
             <p:cNvPr id="60" name="Straight Arrow Connector 59">
               <a:extLst>
                 <a:ext uri="{FF2B5EF4-FFF2-40B4-BE49-F238E27FC236}">
-                  <a16:creationId xmlns:a16="http://schemas.microsoft.com/office/drawing/2014/main" id="{CCEF68B6-DD0B-4D8C-AD6F-9F0A4DF35CFD}"/>
+                  <a16:creationId xmlns:a16="http://schemas.microsoft.com/office/drawing/2014/main" xmlns="" id="{CCEF68B6-DD0B-4D8C-AD6F-9F0A4DF35CFD}"/>
                 </a:ext>
               </a:extLst>
             </p:cNvPr>
@@ -19736,7 +19813,7 @@
                 <p:cNvPr id="63" name="TextBox 62">
                   <a:extLst>
                     <a:ext uri="{FF2B5EF4-FFF2-40B4-BE49-F238E27FC236}">
-                      <a16:creationId xmlns:a16="http://schemas.microsoft.com/office/drawing/2014/main" id="{C02C4A60-181A-41E7-82B5-FF541B3DE4A9}"/>
+                      <a16:creationId xmlns:a16="http://schemas.microsoft.com/office/drawing/2014/main" xmlns="" id="{C02C4A60-181A-41E7-82B5-FF541B3DE4A9}"/>
                     </a:ext>
                   </a:extLst>
                 </p:cNvPr>
@@ -19851,7 +19928,7 @@
                 <p:cNvPr id="64" name="TextBox 63">
                   <a:extLst>
                     <a:ext uri="{FF2B5EF4-FFF2-40B4-BE49-F238E27FC236}">
-                      <a16:creationId xmlns:a16="http://schemas.microsoft.com/office/drawing/2014/main" id="{2FD9758A-D517-49FB-B655-871A9E2A56A0}"/>
+                      <a16:creationId xmlns:a16="http://schemas.microsoft.com/office/drawing/2014/main" xmlns="" id="{2FD9758A-D517-49FB-B655-871A9E2A56A0}"/>
                     </a:ext>
                   </a:extLst>
                 </p:cNvPr>
@@ -19999,7 +20076,7 @@
                 <p:cNvPr id="71" name="TextBox 70">
                   <a:extLst>
                     <a:ext uri="{FF2B5EF4-FFF2-40B4-BE49-F238E27FC236}">
-                      <a16:creationId xmlns:a16="http://schemas.microsoft.com/office/drawing/2014/main" id="{7FEFB8D8-31BE-476C-B2BB-DFA18E2476A4}"/>
+                      <a16:creationId xmlns:a16="http://schemas.microsoft.com/office/drawing/2014/main" xmlns="" id="{7FEFB8D8-31BE-476C-B2BB-DFA18E2476A4}"/>
                     </a:ext>
                   </a:extLst>
                 </p:cNvPr>
@@ -20117,7 +20194,7 @@
           <p:cNvPr id="78" name="Group 77">
             <a:extLst>
               <a:ext uri="{FF2B5EF4-FFF2-40B4-BE49-F238E27FC236}">
-                <a16:creationId xmlns:a16="http://schemas.microsoft.com/office/drawing/2014/main" id="{66B6B3CC-819B-4F73-BA1D-22E01B942256}"/>
+                <a16:creationId xmlns:a16="http://schemas.microsoft.com/office/drawing/2014/main" xmlns="" id="{66B6B3CC-819B-4F73-BA1D-22E01B942256}"/>
               </a:ext>
             </a:extLst>
           </p:cNvPr>
@@ -20137,7 +20214,7 @@
             <p:cNvPr id="73" name="Straight Arrow Connector 72">
               <a:extLst>
                 <a:ext uri="{FF2B5EF4-FFF2-40B4-BE49-F238E27FC236}">
-                  <a16:creationId xmlns:a16="http://schemas.microsoft.com/office/drawing/2014/main" id="{866CB804-F56C-4CBF-BA49-6A23B5E61E53}"/>
+                  <a16:creationId xmlns:a16="http://schemas.microsoft.com/office/drawing/2014/main" xmlns="" id="{866CB804-F56C-4CBF-BA49-6A23B5E61E53}"/>
                 </a:ext>
               </a:extLst>
             </p:cNvPr>
@@ -20182,7 +20259,7 @@
             <p:cNvPr id="74" name="Straight Arrow Connector 73">
               <a:extLst>
                 <a:ext uri="{FF2B5EF4-FFF2-40B4-BE49-F238E27FC236}">
-                  <a16:creationId xmlns:a16="http://schemas.microsoft.com/office/drawing/2014/main" id="{618D90D4-D9AB-4072-8F45-F029840952AC}"/>
+                  <a16:creationId xmlns:a16="http://schemas.microsoft.com/office/drawing/2014/main" xmlns="" id="{618D90D4-D9AB-4072-8F45-F029840952AC}"/>
                 </a:ext>
               </a:extLst>
             </p:cNvPr>
@@ -20228,7 +20305,7 @@
           <p:cNvPr id="2" name="Slide Number Placeholder 1">
             <a:extLst>
               <a:ext uri="{FF2B5EF4-FFF2-40B4-BE49-F238E27FC236}">
-                <a16:creationId xmlns:a16="http://schemas.microsoft.com/office/drawing/2014/main" id="{39A4A61C-E614-40D0-A029-086975E3AEA9}"/>
+                <a16:creationId xmlns:a16="http://schemas.microsoft.com/office/drawing/2014/main" xmlns="" id="{39A4A61C-E614-40D0-A029-086975E3AEA9}"/>
               </a:ext>
             </a:extLst>
           </p:cNvPr>
@@ -20671,7 +20748,7 @@
           <p:cNvPr id="39" name="Title 1">
             <a:extLst>
               <a:ext uri="{FF2B5EF4-FFF2-40B4-BE49-F238E27FC236}">
-                <a16:creationId xmlns:a16="http://schemas.microsoft.com/office/drawing/2014/main" id="{A8100B3E-DBA4-4DE0-864F-F152EE250F6F}"/>
+                <a16:creationId xmlns:a16="http://schemas.microsoft.com/office/drawing/2014/main" xmlns="" id="{A8100B3E-DBA4-4DE0-864F-F152EE250F6F}"/>
               </a:ext>
             </a:extLst>
           </p:cNvPr>
@@ -20710,7 +20787,7 @@
           <p:cNvPr id="5" name="Picture 4">
             <a:extLst>
               <a:ext uri="{FF2B5EF4-FFF2-40B4-BE49-F238E27FC236}">
-                <a16:creationId xmlns:a16="http://schemas.microsoft.com/office/drawing/2014/main" id="{4D1378B7-6BFA-49E8-A1A9-8E545C816AE6}"/>
+                <a16:creationId xmlns:a16="http://schemas.microsoft.com/office/drawing/2014/main" xmlns="" id="{4D1378B7-6BFA-49E8-A1A9-8E545C816AE6}"/>
               </a:ext>
             </a:extLst>
           </p:cNvPr>
@@ -20740,7 +20817,7 @@
           <p:cNvPr id="10" name="TextBox 9">
             <a:extLst>
               <a:ext uri="{FF2B5EF4-FFF2-40B4-BE49-F238E27FC236}">
-                <a16:creationId xmlns:a16="http://schemas.microsoft.com/office/drawing/2014/main" id="{2CC07CA0-CB3B-408F-BCA2-C72403DBEF1E}"/>
+                <a16:creationId xmlns:a16="http://schemas.microsoft.com/office/drawing/2014/main" xmlns="" id="{2CC07CA0-CB3B-408F-BCA2-C72403DBEF1E}"/>
               </a:ext>
             </a:extLst>
           </p:cNvPr>
@@ -20870,7 +20947,7 @@
           <p:cNvPr id="4" name="Slide Number Placeholder 3">
             <a:extLst>
               <a:ext uri="{FF2B5EF4-FFF2-40B4-BE49-F238E27FC236}">
-                <a16:creationId xmlns:a16="http://schemas.microsoft.com/office/drawing/2014/main" id="{DBB2CB64-79F8-4F5F-81B9-45283DB80F0B}"/>
+                <a16:creationId xmlns:a16="http://schemas.microsoft.com/office/drawing/2014/main" xmlns="" id="{DBB2CB64-79F8-4F5F-81B9-45283DB80F0B}"/>
               </a:ext>
             </a:extLst>
           </p:cNvPr>
@@ -20930,7 +21007,7 @@
           <p:cNvPr id="39" name="Title 1">
             <a:extLst>
               <a:ext uri="{FF2B5EF4-FFF2-40B4-BE49-F238E27FC236}">
-                <a16:creationId xmlns:a16="http://schemas.microsoft.com/office/drawing/2014/main" id="{A8100B3E-DBA4-4DE0-864F-F152EE250F6F}"/>
+                <a16:creationId xmlns:a16="http://schemas.microsoft.com/office/drawing/2014/main" xmlns="" id="{A8100B3E-DBA4-4DE0-864F-F152EE250F6F}"/>
               </a:ext>
             </a:extLst>
           </p:cNvPr>
@@ -20969,7 +21046,7 @@
           <p:cNvPr id="7" name="Picture 6">
             <a:extLst>
               <a:ext uri="{FF2B5EF4-FFF2-40B4-BE49-F238E27FC236}">
-                <a16:creationId xmlns:a16="http://schemas.microsoft.com/office/drawing/2014/main" id="{880130BA-E803-4AF9-84DE-FEC7D1B8465C}"/>
+                <a16:creationId xmlns:a16="http://schemas.microsoft.com/office/drawing/2014/main" xmlns="" id="{880130BA-E803-4AF9-84DE-FEC7D1B8465C}"/>
               </a:ext>
             </a:extLst>
           </p:cNvPr>
@@ -21001,7 +21078,7 @@
               <p:cNvPr id="19" name="TextBox 18">
                 <a:extLst>
                   <a:ext uri="{FF2B5EF4-FFF2-40B4-BE49-F238E27FC236}">
-                    <a16:creationId xmlns:a16="http://schemas.microsoft.com/office/drawing/2014/main" id="{D8D0DE4E-798E-48AC-B5F0-09A08252B1EA}"/>
+                    <a16:creationId xmlns:a16="http://schemas.microsoft.com/office/drawing/2014/main" xmlns="" id="{D8D0DE4E-798E-48AC-B5F0-09A08252B1EA}"/>
                   </a:ext>
                 </a:extLst>
               </p:cNvPr>
@@ -21117,7 +21194,7 @@
           <p:cNvPr id="4" name="Picture 3">
             <a:extLst>
               <a:ext uri="{FF2B5EF4-FFF2-40B4-BE49-F238E27FC236}">
-                <a16:creationId xmlns:a16="http://schemas.microsoft.com/office/drawing/2014/main" id="{356AFBDB-AE54-4D90-959E-3EA191380400}"/>
+                <a16:creationId xmlns:a16="http://schemas.microsoft.com/office/drawing/2014/main" xmlns="" id="{356AFBDB-AE54-4D90-959E-3EA191380400}"/>
               </a:ext>
             </a:extLst>
           </p:cNvPr>
@@ -21152,7 +21229,7 @@
               <p:cNvPr id="14" name="TextBox 13">
                 <a:extLst>
                   <a:ext uri="{FF2B5EF4-FFF2-40B4-BE49-F238E27FC236}">
-                    <a16:creationId xmlns:a16="http://schemas.microsoft.com/office/drawing/2014/main" id="{11386286-1DB9-48C0-B384-3982ECB152DC}"/>
+                    <a16:creationId xmlns:a16="http://schemas.microsoft.com/office/drawing/2014/main" xmlns="" id="{11386286-1DB9-48C0-B384-3982ECB152DC}"/>
                   </a:ext>
                 </a:extLst>
               </p:cNvPr>
@@ -21359,7 +21436,7 @@
           <p:cNvPr id="15" name="Straight Arrow Connector 14">
             <a:extLst>
               <a:ext uri="{FF2B5EF4-FFF2-40B4-BE49-F238E27FC236}">
-                <a16:creationId xmlns:a16="http://schemas.microsoft.com/office/drawing/2014/main" id="{DED34169-5224-478D-AC0E-AC722990B934}"/>
+                <a16:creationId xmlns:a16="http://schemas.microsoft.com/office/drawing/2014/main" xmlns="" id="{DED34169-5224-478D-AC0E-AC722990B934}"/>
               </a:ext>
             </a:extLst>
           </p:cNvPr>
@@ -21408,7 +21485,7 @@
               <p:cNvPr id="9" name="TextBox 8">
                 <a:extLst>
                   <a:ext uri="{FF2B5EF4-FFF2-40B4-BE49-F238E27FC236}">
-                    <a16:creationId xmlns:a16="http://schemas.microsoft.com/office/drawing/2014/main" id="{E61FDD08-D0F9-42EB-BB2D-C8273378B37C}"/>
+                    <a16:creationId xmlns:a16="http://schemas.microsoft.com/office/drawing/2014/main" xmlns="" id="{E61FDD08-D0F9-42EB-BB2D-C8273378B37C}"/>
                   </a:ext>
                 </a:extLst>
               </p:cNvPr>
@@ -21542,7 +21619,7 @@
           <p:cNvPr id="12" name="Rectangle 11">
             <a:extLst>
               <a:ext uri="{FF2B5EF4-FFF2-40B4-BE49-F238E27FC236}">
-                <a16:creationId xmlns:a16="http://schemas.microsoft.com/office/drawing/2014/main" id="{7BEC8890-3B6C-46BD-B8CD-C983AA8200F5}"/>
+                <a16:creationId xmlns:a16="http://schemas.microsoft.com/office/drawing/2014/main" xmlns="" id="{7BEC8890-3B6C-46BD-B8CD-C983AA8200F5}"/>
               </a:ext>
             </a:extLst>
           </p:cNvPr>
@@ -21598,7 +21675,7 @@
           <p:cNvPr id="16" name="Speech Bubble: Rectangle with Corners Rounded 15">
             <a:extLst>
               <a:ext uri="{FF2B5EF4-FFF2-40B4-BE49-F238E27FC236}">
-                <a16:creationId xmlns:a16="http://schemas.microsoft.com/office/drawing/2014/main" id="{99D61782-029C-4E3C-978F-66F996BC6628}"/>
+                <a16:creationId xmlns:a16="http://schemas.microsoft.com/office/drawing/2014/main" xmlns="" id="{99D61782-029C-4E3C-978F-66F996BC6628}"/>
               </a:ext>
             </a:extLst>
           </p:cNvPr>
@@ -21670,7 +21747,7 @@
           <p:cNvPr id="5" name="Slide Number Placeholder 4">
             <a:extLst>
               <a:ext uri="{FF2B5EF4-FFF2-40B4-BE49-F238E27FC236}">
-                <a16:creationId xmlns:a16="http://schemas.microsoft.com/office/drawing/2014/main" id="{AFBCBA92-9C9D-4CE1-9E8C-B44A24A95188}"/>
+                <a16:creationId xmlns:a16="http://schemas.microsoft.com/office/drawing/2014/main" xmlns="" id="{AFBCBA92-9C9D-4CE1-9E8C-B44A24A95188}"/>
               </a:ext>
             </a:extLst>
           </p:cNvPr>
@@ -22208,7 +22285,7 @@
           <p:cNvPr id="5" name="Title 1">
             <a:extLst>
               <a:ext uri="{FF2B5EF4-FFF2-40B4-BE49-F238E27FC236}">
-                <a16:creationId xmlns:a16="http://schemas.microsoft.com/office/drawing/2014/main" id="{F11C875C-9CAA-4838-BBDD-43705F932F58}"/>
+                <a16:creationId xmlns:a16="http://schemas.microsoft.com/office/drawing/2014/main" xmlns="" id="{F11C875C-9CAA-4838-BBDD-43705F932F58}"/>
               </a:ext>
             </a:extLst>
           </p:cNvPr>
@@ -22326,7 +22403,7 @@
           <p:cNvPr id="14" name="Picture 13">
             <a:extLst>
               <a:ext uri="{FF2B5EF4-FFF2-40B4-BE49-F238E27FC236}">
-                <a16:creationId xmlns:a16="http://schemas.microsoft.com/office/drawing/2014/main" id="{A5018CE7-28D9-4022-9A9E-B2B9B8CA48FE}"/>
+                <a16:creationId xmlns:a16="http://schemas.microsoft.com/office/drawing/2014/main" xmlns="" id="{A5018CE7-28D9-4022-9A9E-B2B9B8CA48FE}"/>
               </a:ext>
             </a:extLst>
           </p:cNvPr>
@@ -22356,7 +22433,7 @@
           <p:cNvPr id="23" name="Group 22">
             <a:extLst>
               <a:ext uri="{FF2B5EF4-FFF2-40B4-BE49-F238E27FC236}">
-                <a16:creationId xmlns:a16="http://schemas.microsoft.com/office/drawing/2014/main" id="{92AFB317-F39E-4D8D-BF6D-081F2F0B5691}"/>
+                <a16:creationId xmlns:a16="http://schemas.microsoft.com/office/drawing/2014/main" xmlns="" id="{92AFB317-F39E-4D8D-BF6D-081F2F0B5691}"/>
               </a:ext>
             </a:extLst>
           </p:cNvPr>
@@ -22376,7 +22453,7 @@
             <p:cNvPr id="17" name="Oval 16">
               <a:extLst>
                 <a:ext uri="{FF2B5EF4-FFF2-40B4-BE49-F238E27FC236}">
-                  <a16:creationId xmlns:a16="http://schemas.microsoft.com/office/drawing/2014/main" id="{520F6D53-68A7-4282-831D-E164F3C4C7C3}"/>
+                  <a16:creationId xmlns:a16="http://schemas.microsoft.com/office/drawing/2014/main" xmlns="" id="{520F6D53-68A7-4282-831D-E164F3C4C7C3}"/>
                 </a:ext>
               </a:extLst>
             </p:cNvPr>
@@ -22430,7 +22507,7 @@
             <p:cNvPr id="18" name="Speech Bubble: Rectangle with Corners Rounded 17">
               <a:extLst>
                 <a:ext uri="{FF2B5EF4-FFF2-40B4-BE49-F238E27FC236}">
-                  <a16:creationId xmlns:a16="http://schemas.microsoft.com/office/drawing/2014/main" id="{80EB8B5B-B3C1-44AB-99E3-63FF1DF8C61B}"/>
+                  <a16:creationId xmlns:a16="http://schemas.microsoft.com/office/drawing/2014/main" xmlns="" id="{80EB8B5B-B3C1-44AB-99E3-63FF1DF8C61B}"/>
                 </a:ext>
               </a:extLst>
             </p:cNvPr>
@@ -22496,7 +22573,7 @@
           <p:cNvPr id="3" name="Group 2">
             <a:extLst>
               <a:ext uri="{FF2B5EF4-FFF2-40B4-BE49-F238E27FC236}">
-                <a16:creationId xmlns:a16="http://schemas.microsoft.com/office/drawing/2014/main" id="{6752D4F8-081A-4556-8E37-2F42D8215138}"/>
+                <a16:creationId xmlns:a16="http://schemas.microsoft.com/office/drawing/2014/main" xmlns="" id="{6752D4F8-081A-4556-8E37-2F42D8215138}"/>
               </a:ext>
             </a:extLst>
           </p:cNvPr>
@@ -22516,7 +22593,7 @@
             <p:cNvPr id="19" name="Speech Bubble: Rectangle with Corners Rounded 18">
               <a:extLst>
                 <a:ext uri="{FF2B5EF4-FFF2-40B4-BE49-F238E27FC236}">
-                  <a16:creationId xmlns:a16="http://schemas.microsoft.com/office/drawing/2014/main" id="{52381E81-23BB-4204-8FD5-D26B6A1F5C7A}"/>
+                  <a16:creationId xmlns:a16="http://schemas.microsoft.com/office/drawing/2014/main" xmlns="" id="{52381E81-23BB-4204-8FD5-D26B6A1F5C7A}"/>
                 </a:ext>
               </a:extLst>
             </p:cNvPr>
@@ -22581,7 +22658,7 @@
             <p:cNvPr id="20" name="Oval 19">
               <a:extLst>
                 <a:ext uri="{FF2B5EF4-FFF2-40B4-BE49-F238E27FC236}">
-                  <a16:creationId xmlns:a16="http://schemas.microsoft.com/office/drawing/2014/main" id="{73B86C22-E865-4134-B8BA-7261808CE2CE}"/>
+                  <a16:creationId xmlns:a16="http://schemas.microsoft.com/office/drawing/2014/main" xmlns="" id="{73B86C22-E865-4134-B8BA-7261808CE2CE}"/>
                 </a:ext>
               </a:extLst>
             </p:cNvPr>
@@ -22636,7 +22713,7 @@
           <p:cNvPr id="21" name="TextBox 20">
             <a:extLst>
               <a:ext uri="{FF2B5EF4-FFF2-40B4-BE49-F238E27FC236}">
-                <a16:creationId xmlns:a16="http://schemas.microsoft.com/office/drawing/2014/main" id="{586A0C4C-167D-41C8-BC77-8C4E9A9D51FD}"/>
+                <a16:creationId xmlns:a16="http://schemas.microsoft.com/office/drawing/2014/main" xmlns="" id="{586A0C4C-167D-41C8-BC77-8C4E9A9D51FD}"/>
               </a:ext>
             </a:extLst>
           </p:cNvPr>
@@ -22713,7 +22790,7 @@
           <p:cNvPr id="2" name="Rectangle 1">
             <a:extLst>
               <a:ext uri="{FF2B5EF4-FFF2-40B4-BE49-F238E27FC236}">
-                <a16:creationId xmlns:a16="http://schemas.microsoft.com/office/drawing/2014/main" id="{3101410B-4D12-422F-B98B-D38CFF7D5334}"/>
+                <a16:creationId xmlns:a16="http://schemas.microsoft.com/office/drawing/2014/main" xmlns="" id="{3101410B-4D12-422F-B98B-D38CFF7D5334}"/>
               </a:ext>
             </a:extLst>
           </p:cNvPr>
@@ -22751,7 +22828,7 @@
           <p:cNvPr id="7" name="Group 6">
             <a:extLst>
               <a:ext uri="{FF2B5EF4-FFF2-40B4-BE49-F238E27FC236}">
-                <a16:creationId xmlns:a16="http://schemas.microsoft.com/office/drawing/2014/main" id="{D020B265-BF6B-40E4-B76C-77519FD68172}"/>
+                <a16:creationId xmlns:a16="http://schemas.microsoft.com/office/drawing/2014/main" xmlns="" id="{D020B265-BF6B-40E4-B76C-77519FD68172}"/>
               </a:ext>
             </a:extLst>
           </p:cNvPr>
@@ -22771,7 +22848,7 @@
             <p:cNvPr id="4" name="Oval 3">
               <a:extLst>
                 <a:ext uri="{FF2B5EF4-FFF2-40B4-BE49-F238E27FC236}">
-                  <a16:creationId xmlns:a16="http://schemas.microsoft.com/office/drawing/2014/main" id="{4D458EBB-5B35-4391-8BF2-99C410B5C56E}"/>
+                  <a16:creationId xmlns:a16="http://schemas.microsoft.com/office/drawing/2014/main" xmlns="" id="{4D458EBB-5B35-4391-8BF2-99C410B5C56E}"/>
                 </a:ext>
               </a:extLst>
             </p:cNvPr>
@@ -22829,7 +22906,7 @@
             <p:cNvPr id="6" name="Speech Bubble: Rectangle with Corners Rounded 5">
               <a:extLst>
                 <a:ext uri="{FF2B5EF4-FFF2-40B4-BE49-F238E27FC236}">
-                  <a16:creationId xmlns:a16="http://schemas.microsoft.com/office/drawing/2014/main" id="{36130E7F-235F-42D0-A9FA-86591749D944}"/>
+                  <a16:creationId xmlns:a16="http://schemas.microsoft.com/office/drawing/2014/main" xmlns="" id="{36130E7F-235F-42D0-A9FA-86591749D944}"/>
                 </a:ext>
               </a:extLst>
             </p:cNvPr>
@@ -22890,7 +22967,7 @@
           <p:cNvPr id="10" name="Slide Number Placeholder 9">
             <a:extLst>
               <a:ext uri="{FF2B5EF4-FFF2-40B4-BE49-F238E27FC236}">
-                <a16:creationId xmlns:a16="http://schemas.microsoft.com/office/drawing/2014/main" id="{E11656A2-85FD-401F-8228-B777A563C32E}"/>
+                <a16:creationId xmlns:a16="http://schemas.microsoft.com/office/drawing/2014/main" xmlns="" id="{E11656A2-85FD-401F-8228-B777A563C32E}"/>
               </a:ext>
             </a:extLst>
           </p:cNvPr>
@@ -23532,7 +23609,7 @@
           <p:cNvPr id="16" name="Picture 15">
             <a:extLst>
               <a:ext uri="{FF2B5EF4-FFF2-40B4-BE49-F238E27FC236}">
-                <a16:creationId xmlns:a16="http://schemas.microsoft.com/office/drawing/2014/main" id="{75044DBC-9455-41CC-91D8-EA3508CC5869}"/>
+                <a16:creationId xmlns:a16="http://schemas.microsoft.com/office/drawing/2014/main" xmlns="" id="{75044DBC-9455-41CC-91D8-EA3508CC5869}"/>
               </a:ext>
             </a:extLst>
           </p:cNvPr>
@@ -23562,7 +23639,7 @@
           <p:cNvPr id="27" name="Group 26">
             <a:extLst>
               <a:ext uri="{FF2B5EF4-FFF2-40B4-BE49-F238E27FC236}">
-                <a16:creationId xmlns:a16="http://schemas.microsoft.com/office/drawing/2014/main" id="{0649C811-8FC9-44B4-8F1D-013E85A748DD}"/>
+                <a16:creationId xmlns:a16="http://schemas.microsoft.com/office/drawing/2014/main" xmlns="" id="{0649C811-8FC9-44B4-8F1D-013E85A748DD}"/>
               </a:ext>
             </a:extLst>
           </p:cNvPr>
@@ -23582,7 +23659,7 @@
             <p:cNvPr id="4" name="Picture 3">
               <a:extLst>
                 <a:ext uri="{FF2B5EF4-FFF2-40B4-BE49-F238E27FC236}">
-                  <a16:creationId xmlns:a16="http://schemas.microsoft.com/office/drawing/2014/main" id="{393BD330-B0D0-4624-977B-59F8F69B16B9}"/>
+                  <a16:creationId xmlns:a16="http://schemas.microsoft.com/office/drawing/2014/main" xmlns="" id="{393BD330-B0D0-4624-977B-59F8F69B16B9}"/>
                 </a:ext>
               </a:extLst>
             </p:cNvPr>
@@ -23612,7 +23689,7 @@
             <p:cNvPr id="10" name="Rectangle 9">
               <a:extLst>
                 <a:ext uri="{FF2B5EF4-FFF2-40B4-BE49-F238E27FC236}">
-                  <a16:creationId xmlns:a16="http://schemas.microsoft.com/office/drawing/2014/main" id="{15F41219-5081-4320-AA15-A4523E7FD80A}"/>
+                  <a16:creationId xmlns:a16="http://schemas.microsoft.com/office/drawing/2014/main" xmlns="" id="{15F41219-5081-4320-AA15-A4523E7FD80A}"/>
                 </a:ext>
               </a:extLst>
             </p:cNvPr>
@@ -23665,7 +23742,7 @@
           <p:cNvPr id="2" name="Title 1">
             <a:extLst>
               <a:ext uri="{FF2B5EF4-FFF2-40B4-BE49-F238E27FC236}">
-                <a16:creationId xmlns:a16="http://schemas.microsoft.com/office/drawing/2014/main" id="{74BDEF2B-CF04-4FC7-B45D-7BFB4D26ED44}"/>
+                <a16:creationId xmlns:a16="http://schemas.microsoft.com/office/drawing/2014/main" xmlns="" id="{74BDEF2B-CF04-4FC7-B45D-7BFB4D26ED44}"/>
               </a:ext>
             </a:extLst>
           </p:cNvPr>
@@ -23776,7 +23853,7 @@
           <p:cNvPr id="5" name="Slide Number Placeholder 4">
             <a:extLst>
               <a:ext uri="{FF2B5EF4-FFF2-40B4-BE49-F238E27FC236}">
-                <a16:creationId xmlns:a16="http://schemas.microsoft.com/office/drawing/2014/main" id="{6C7AC4C2-311E-4220-AFEE-F95E8983AB3B}"/>
+                <a16:creationId xmlns:a16="http://schemas.microsoft.com/office/drawing/2014/main" xmlns="" id="{6C7AC4C2-311E-4220-AFEE-F95E8983AB3B}"/>
               </a:ext>
             </a:extLst>
           </p:cNvPr>
@@ -23806,7 +23883,7 @@
           <p:cNvPr id="28" name="Group 27">
             <a:extLst>
               <a:ext uri="{FF2B5EF4-FFF2-40B4-BE49-F238E27FC236}">
-                <a16:creationId xmlns:a16="http://schemas.microsoft.com/office/drawing/2014/main" id="{1AA134A0-7FAC-44C7-ADD1-1AB80686D524}"/>
+                <a16:creationId xmlns:a16="http://schemas.microsoft.com/office/drawing/2014/main" xmlns="" id="{1AA134A0-7FAC-44C7-ADD1-1AB80686D524}"/>
               </a:ext>
             </a:extLst>
           </p:cNvPr>
@@ -23826,7 +23903,7 @@
             <p:cNvPr id="7" name="TextBox 6">
               <a:extLst>
                 <a:ext uri="{FF2B5EF4-FFF2-40B4-BE49-F238E27FC236}">
-                  <a16:creationId xmlns:a16="http://schemas.microsoft.com/office/drawing/2014/main" id="{A1CB4040-B930-4C77-85A7-14277601F045}"/>
+                  <a16:creationId xmlns:a16="http://schemas.microsoft.com/office/drawing/2014/main" xmlns="" id="{A1CB4040-B930-4C77-85A7-14277601F045}"/>
                 </a:ext>
               </a:extLst>
             </p:cNvPr>
@@ -23854,7 +23931,15 @@
               <a:pPr algn="ctr"/>
               <a:r>
                 <a:rPr lang="en-US" dirty="0"/>
-                <a:t>Boxplot of metric for the 10 letters with 16 principle components</a:t>
+                <a:t>Boxplot of metric for the 10 letters with 16 </a:t>
+              </a:r>
+              <a:r>
+                <a:rPr lang="en-US" dirty="0" smtClean="0"/>
+                <a:t>principal </a:t>
+              </a:r>
+              <a:r>
+                <a:rPr lang="en-US" dirty="0"/>
+                <a:t>components</a:t>
               </a:r>
             </a:p>
           </p:txBody>
@@ -23864,7 +23949,7 @@
             <p:cNvPr id="13" name="Straight Connector 12">
               <a:extLst>
                 <a:ext uri="{FF2B5EF4-FFF2-40B4-BE49-F238E27FC236}">
-                  <a16:creationId xmlns:a16="http://schemas.microsoft.com/office/drawing/2014/main" id="{FAE9083E-9AE0-4ADB-A366-68C48294E971}"/>
+                  <a16:creationId xmlns:a16="http://schemas.microsoft.com/office/drawing/2014/main" xmlns="" id="{FAE9083E-9AE0-4ADB-A366-68C48294E971}"/>
                 </a:ext>
               </a:extLst>
             </p:cNvPr>
@@ -23908,7 +23993,7 @@
             <p:cNvPr id="12" name="Straight Connector 11">
               <a:extLst>
                 <a:ext uri="{FF2B5EF4-FFF2-40B4-BE49-F238E27FC236}">
-                  <a16:creationId xmlns:a16="http://schemas.microsoft.com/office/drawing/2014/main" id="{B83E3D3C-92F3-412F-822C-30C8140EA2D5}"/>
+                  <a16:creationId xmlns:a16="http://schemas.microsoft.com/office/drawing/2014/main" xmlns="" id="{B83E3D3C-92F3-412F-822C-30C8140EA2D5}"/>
                 </a:ext>
               </a:extLst>
             </p:cNvPr>
@@ -23952,7 +24037,7 @@
             <p:cNvPr id="14" name="Straight Connector 13">
               <a:extLst>
                 <a:ext uri="{FF2B5EF4-FFF2-40B4-BE49-F238E27FC236}">
-                  <a16:creationId xmlns:a16="http://schemas.microsoft.com/office/drawing/2014/main" id="{DA139436-6896-45B8-9AE8-1945DFAEACCF}"/>
+                  <a16:creationId xmlns:a16="http://schemas.microsoft.com/office/drawing/2014/main" xmlns="" id="{DA139436-6896-45B8-9AE8-1945DFAEACCF}"/>
                 </a:ext>
               </a:extLst>
             </p:cNvPr>

--- a/FinalReport_Team_Bengio.pptx
+++ b/FinalReport_Team_Bengio.pptx
@@ -128,7 +128,7 @@
   <p:extLst>
     <p:ext uri="{EFAFB233-063F-42B5-8137-9DF3F51BA10A}">
       <p15:sldGuideLst xmlns:p15="http://schemas.microsoft.com/office/powerpoint/2012/main">
-        <p15:guide id="2" pos="5280" userDrawn="1">
+        <p15:guide id="2" pos="5496" userDrawn="1">
           <p15:clr>
             <a:srgbClr val="A4A3A4"/>
           </p15:clr>
@@ -189,7 +189,7 @@
           <p:cNvPr id="2" name="Header Placeholder 1">
             <a:extLst>
               <a:ext uri="{FF2B5EF4-FFF2-40B4-BE49-F238E27FC236}">
-                <a16:creationId xmlns:a16="http://schemas.microsoft.com/office/drawing/2014/main" xmlns="" id="{27EF4775-AD35-41B2-88B0-64A2DA4D7CC3}"/>
+                <a16:creationId xmlns="" xmlns:a16="http://schemas.microsoft.com/office/drawing/2014/main" id="{27EF4775-AD35-41B2-88B0-64A2DA4D7CC3}"/>
               </a:ext>
             </a:extLst>
           </p:cNvPr>
@@ -226,7 +226,7 @@
           <p:cNvPr id="3" name="Date Placeholder 2">
             <a:extLst>
               <a:ext uri="{FF2B5EF4-FFF2-40B4-BE49-F238E27FC236}">
-                <a16:creationId xmlns:a16="http://schemas.microsoft.com/office/drawing/2014/main" xmlns="" id="{2ADE11AC-244E-4519-A3F3-843E036AE852}"/>
+                <a16:creationId xmlns="" xmlns:a16="http://schemas.microsoft.com/office/drawing/2014/main" id="{2ADE11AC-244E-4519-A3F3-843E036AE852}"/>
               </a:ext>
             </a:extLst>
           </p:cNvPr>
@@ -267,7 +267,7 @@
           <p:cNvPr id="4" name="Footer Placeholder 3">
             <a:extLst>
               <a:ext uri="{FF2B5EF4-FFF2-40B4-BE49-F238E27FC236}">
-                <a16:creationId xmlns:a16="http://schemas.microsoft.com/office/drawing/2014/main" xmlns="" id="{7C4A3E00-1FC7-430B-B8C4-C511868F37E4}"/>
+                <a16:creationId xmlns="" xmlns:a16="http://schemas.microsoft.com/office/drawing/2014/main" id="{7C4A3E00-1FC7-430B-B8C4-C511868F37E4}"/>
               </a:ext>
             </a:extLst>
           </p:cNvPr>
@@ -304,7 +304,7 @@
           <p:cNvPr id="5" name="Slide Number Placeholder 4">
             <a:extLst>
               <a:ext uri="{FF2B5EF4-FFF2-40B4-BE49-F238E27FC236}">
-                <a16:creationId xmlns:a16="http://schemas.microsoft.com/office/drawing/2014/main" xmlns="" id="{E1FEDF45-CD80-47DE-88E6-F472D3ED7152}"/>
+                <a16:creationId xmlns="" xmlns:a16="http://schemas.microsoft.com/office/drawing/2014/main" id="{E1FEDF45-CD80-47DE-88E6-F472D3ED7152}"/>
               </a:ext>
             </a:extLst>
           </p:cNvPr>
@@ -2269,7 +2269,7 @@
           <p:cNvPr id="18" name="Slide Number Placeholder 5">
             <a:extLst>
               <a:ext uri="{FF2B5EF4-FFF2-40B4-BE49-F238E27FC236}">
-                <a16:creationId xmlns:a16="http://schemas.microsoft.com/office/drawing/2014/main" xmlns="" id="{F7E597E2-118F-47DF-9A03-1F5A2C0A8857}"/>
+                <a16:creationId xmlns="" xmlns:a16="http://schemas.microsoft.com/office/drawing/2014/main" id="{F7E597E2-118F-47DF-9A03-1F5A2C0A8857}"/>
               </a:ext>
             </a:extLst>
           </p:cNvPr>
@@ -2938,7 +2938,7 @@
           <p:cNvPr id="10" name="Slide Number Placeholder 5">
             <a:extLst>
               <a:ext uri="{FF2B5EF4-FFF2-40B4-BE49-F238E27FC236}">
-                <a16:creationId xmlns:a16="http://schemas.microsoft.com/office/drawing/2014/main" xmlns="" id="{E56CF6C3-1900-43CB-8E33-D8CBE7D39EDE}"/>
+                <a16:creationId xmlns="" xmlns:a16="http://schemas.microsoft.com/office/drawing/2014/main" id="{E56CF6C3-1900-43CB-8E33-D8CBE7D39EDE}"/>
               </a:ext>
             </a:extLst>
           </p:cNvPr>
@@ -4704,7 +4704,7 @@
           <p:cNvPr id="7" name="Slide Number Placeholder 5">
             <a:extLst>
               <a:ext uri="{FF2B5EF4-FFF2-40B4-BE49-F238E27FC236}">
-                <a16:creationId xmlns:a16="http://schemas.microsoft.com/office/drawing/2014/main" xmlns="" id="{EB3DD466-D729-4677-9DC7-EEFB05BF9FDC}"/>
+                <a16:creationId xmlns="" xmlns:a16="http://schemas.microsoft.com/office/drawing/2014/main" id="{EB3DD466-D729-4677-9DC7-EEFB05BF9FDC}"/>
               </a:ext>
             </a:extLst>
           </p:cNvPr>
@@ -7284,7 +7284,7 @@
           <p:cNvPr id="2" name="Title 1">
             <a:extLst>
               <a:ext uri="{FF2B5EF4-FFF2-40B4-BE49-F238E27FC236}">
-                <a16:creationId xmlns:a16="http://schemas.microsoft.com/office/drawing/2014/main" xmlns="" id="{12C8D476-DF9A-440D-9445-5A222E615C18}"/>
+                <a16:creationId xmlns="" xmlns:a16="http://schemas.microsoft.com/office/drawing/2014/main" id="{12C8D476-DF9A-440D-9445-5A222E615C18}"/>
               </a:ext>
             </a:extLst>
           </p:cNvPr>
@@ -7337,7 +7337,7 @@
           <p:cNvPr id="3" name="Subtitle 2">
             <a:extLst>
               <a:ext uri="{FF2B5EF4-FFF2-40B4-BE49-F238E27FC236}">
-                <a16:creationId xmlns:a16="http://schemas.microsoft.com/office/drawing/2014/main" xmlns="" id="{A53D7FE4-8842-4712-A350-A365C67D161F}"/>
+                <a16:creationId xmlns="" xmlns:a16="http://schemas.microsoft.com/office/drawing/2014/main" id="{A53D7FE4-8842-4712-A350-A365C67D161F}"/>
               </a:ext>
             </a:extLst>
           </p:cNvPr>
@@ -7383,6 +7383,13 @@
   <p:clrMapOvr>
     <a:masterClrMapping/>
   </p:clrMapOvr>
+  <p:timing>
+    <p:tnLst>
+      <p:par>
+        <p:cTn id="1" dur="indefinite" restart="never" nodeType="tmRoot"/>
+      </p:par>
+    </p:tnLst>
+  </p:timing>
 </p:sld>
 </file>
 
@@ -7408,7 +7415,7 @@
           <p:cNvPr id="21" name="Picture 20">
             <a:extLst>
               <a:ext uri="{FF2B5EF4-FFF2-40B4-BE49-F238E27FC236}">
-                <a16:creationId xmlns:a16="http://schemas.microsoft.com/office/drawing/2014/main" xmlns="" id="{1F8EE730-898B-4039-BAC3-D603895B728D}"/>
+                <a16:creationId xmlns="" xmlns:a16="http://schemas.microsoft.com/office/drawing/2014/main" id="{1F8EE730-898B-4039-BAC3-D603895B728D}"/>
               </a:ext>
             </a:extLst>
           </p:cNvPr>
@@ -7438,7 +7445,7 @@
           <p:cNvPr id="5" name="Title 1">
             <a:extLst>
               <a:ext uri="{FF2B5EF4-FFF2-40B4-BE49-F238E27FC236}">
-                <a16:creationId xmlns:a16="http://schemas.microsoft.com/office/drawing/2014/main" xmlns="" id="{F11C875C-9CAA-4838-BBDD-43705F932F58}"/>
+                <a16:creationId xmlns="" xmlns:a16="http://schemas.microsoft.com/office/drawing/2014/main" id="{F11C875C-9CAA-4838-BBDD-43705F932F58}"/>
               </a:ext>
             </a:extLst>
           </p:cNvPr>
@@ -7556,7 +7563,7 @@
           <p:cNvPr id="19" name="Rectangle 18">
             <a:extLst>
               <a:ext uri="{FF2B5EF4-FFF2-40B4-BE49-F238E27FC236}">
-                <a16:creationId xmlns:a16="http://schemas.microsoft.com/office/drawing/2014/main" xmlns="" id="{BF98BCEA-D55A-4113-B873-849012A84EFC}"/>
+                <a16:creationId xmlns="" xmlns:a16="http://schemas.microsoft.com/office/drawing/2014/main" id="{BF98BCEA-D55A-4113-B873-849012A84EFC}"/>
               </a:ext>
             </a:extLst>
           </p:cNvPr>
@@ -7614,7 +7621,7 @@
           <p:cNvPr id="4" name="Slide Number Placeholder 3">
             <a:extLst>
               <a:ext uri="{FF2B5EF4-FFF2-40B4-BE49-F238E27FC236}">
-                <a16:creationId xmlns:a16="http://schemas.microsoft.com/office/drawing/2014/main" xmlns="" id="{F84FDF19-CDD8-49D9-8864-6D3392CDB04B}"/>
+                <a16:creationId xmlns="" xmlns:a16="http://schemas.microsoft.com/office/drawing/2014/main" id="{F84FDF19-CDD8-49D9-8864-6D3392CDB04B}"/>
               </a:ext>
             </a:extLst>
           </p:cNvPr>
@@ -7806,7 +7813,7 @@
           <p:cNvPr id="5" name="Title 1">
             <a:extLst>
               <a:ext uri="{FF2B5EF4-FFF2-40B4-BE49-F238E27FC236}">
-                <a16:creationId xmlns:a16="http://schemas.microsoft.com/office/drawing/2014/main" xmlns="" id="{F11C875C-9CAA-4838-BBDD-43705F932F58}"/>
+                <a16:creationId xmlns="" xmlns:a16="http://schemas.microsoft.com/office/drawing/2014/main" id="{F11C875C-9CAA-4838-BBDD-43705F932F58}"/>
               </a:ext>
             </a:extLst>
           </p:cNvPr>
@@ -7924,7 +7931,7 @@
           <p:cNvPr id="4" name="Picture 3">
             <a:extLst>
               <a:ext uri="{FF2B5EF4-FFF2-40B4-BE49-F238E27FC236}">
-                <a16:creationId xmlns:a16="http://schemas.microsoft.com/office/drawing/2014/main" xmlns="" id="{7B393A30-7610-4901-951C-32DBC3375DB3}"/>
+                <a16:creationId xmlns="" xmlns:a16="http://schemas.microsoft.com/office/drawing/2014/main" id="{7B393A30-7610-4901-951C-32DBC3375DB3}"/>
               </a:ext>
             </a:extLst>
           </p:cNvPr>
@@ -7954,7 +7961,7 @@
           <p:cNvPr id="13" name="Group 12">
             <a:extLst>
               <a:ext uri="{FF2B5EF4-FFF2-40B4-BE49-F238E27FC236}">
-                <a16:creationId xmlns:a16="http://schemas.microsoft.com/office/drawing/2014/main" xmlns="" id="{E7CC4D30-929F-40A5-A394-7A5DF51AE9F6}"/>
+                <a16:creationId xmlns="" xmlns:a16="http://schemas.microsoft.com/office/drawing/2014/main" id="{E7CC4D30-929F-40A5-A394-7A5DF51AE9F6}"/>
               </a:ext>
             </a:extLst>
           </p:cNvPr>
@@ -7974,7 +7981,7 @@
             <p:cNvPr id="10" name="Oval 9">
               <a:extLst>
                 <a:ext uri="{FF2B5EF4-FFF2-40B4-BE49-F238E27FC236}">
-                  <a16:creationId xmlns:a16="http://schemas.microsoft.com/office/drawing/2014/main" xmlns="" id="{A61665EE-7087-437A-ADDC-2A23001C1E19}"/>
+                  <a16:creationId xmlns="" xmlns:a16="http://schemas.microsoft.com/office/drawing/2014/main" id="{A61665EE-7087-437A-ADDC-2A23001C1E19}"/>
                 </a:ext>
               </a:extLst>
             </p:cNvPr>
@@ -8033,7 +8040,7 @@
             <p:cNvPr id="12" name="Speech Bubble: Rectangle with Corners Rounded 11">
               <a:extLst>
                 <a:ext uri="{FF2B5EF4-FFF2-40B4-BE49-F238E27FC236}">
-                  <a16:creationId xmlns:a16="http://schemas.microsoft.com/office/drawing/2014/main" xmlns="" id="{8E74D0FC-7C2F-49D1-BFC6-E151E676CD54}"/>
+                  <a16:creationId xmlns="" xmlns:a16="http://schemas.microsoft.com/office/drawing/2014/main" id="{8E74D0FC-7C2F-49D1-BFC6-E151E676CD54}"/>
                 </a:ext>
               </a:extLst>
             </p:cNvPr>
@@ -8094,7 +8101,7 @@
           <p:cNvPr id="21" name="Group 20">
             <a:extLst>
               <a:ext uri="{FF2B5EF4-FFF2-40B4-BE49-F238E27FC236}">
-                <a16:creationId xmlns:a16="http://schemas.microsoft.com/office/drawing/2014/main" xmlns="" id="{2016CB66-0B0E-4159-87DF-7177CC09E36B}"/>
+                <a16:creationId xmlns="" xmlns:a16="http://schemas.microsoft.com/office/drawing/2014/main" id="{2016CB66-0B0E-4159-87DF-7177CC09E36B}"/>
               </a:ext>
             </a:extLst>
           </p:cNvPr>
@@ -8114,7 +8121,7 @@
             <p:cNvPr id="15" name="Oval 14">
               <a:extLst>
                 <a:ext uri="{FF2B5EF4-FFF2-40B4-BE49-F238E27FC236}">
-                  <a16:creationId xmlns:a16="http://schemas.microsoft.com/office/drawing/2014/main" xmlns="" id="{6517D2BB-E709-4022-934B-2181AF478D1D}"/>
+                  <a16:creationId xmlns="" xmlns:a16="http://schemas.microsoft.com/office/drawing/2014/main" id="{6517D2BB-E709-4022-934B-2181AF478D1D}"/>
                 </a:ext>
               </a:extLst>
             </p:cNvPr>
@@ -8173,7 +8180,7 @@
             <p:cNvPr id="16" name="Speech Bubble: Rectangle with Corners Rounded 15">
               <a:extLst>
                 <a:ext uri="{FF2B5EF4-FFF2-40B4-BE49-F238E27FC236}">
-                  <a16:creationId xmlns:a16="http://schemas.microsoft.com/office/drawing/2014/main" xmlns="" id="{1F45A44D-462B-4E24-8C55-A55422487F8E}"/>
+                  <a16:creationId xmlns="" xmlns:a16="http://schemas.microsoft.com/office/drawing/2014/main" id="{1F45A44D-462B-4E24-8C55-A55422487F8E}"/>
                 </a:ext>
               </a:extLst>
             </p:cNvPr>
@@ -8234,7 +8241,7 @@
           <p:cNvPr id="22" name="Group 21">
             <a:extLst>
               <a:ext uri="{FF2B5EF4-FFF2-40B4-BE49-F238E27FC236}">
-                <a16:creationId xmlns:a16="http://schemas.microsoft.com/office/drawing/2014/main" xmlns="" id="{F8B6916F-E023-4EF3-BFC6-61AC5E4DABBE}"/>
+                <a16:creationId xmlns="" xmlns:a16="http://schemas.microsoft.com/office/drawing/2014/main" id="{F8B6916F-E023-4EF3-BFC6-61AC5E4DABBE}"/>
               </a:ext>
             </a:extLst>
           </p:cNvPr>
@@ -8254,7 +8261,7 @@
             <p:cNvPr id="17" name="Oval 16">
               <a:extLst>
                 <a:ext uri="{FF2B5EF4-FFF2-40B4-BE49-F238E27FC236}">
-                  <a16:creationId xmlns:a16="http://schemas.microsoft.com/office/drawing/2014/main" xmlns="" id="{63521CBF-F26F-4019-901A-ED7D225C4FC4}"/>
+                  <a16:creationId xmlns="" xmlns:a16="http://schemas.microsoft.com/office/drawing/2014/main" id="{63521CBF-F26F-4019-901A-ED7D225C4FC4}"/>
                 </a:ext>
               </a:extLst>
             </p:cNvPr>
@@ -8313,7 +8320,7 @@
             <p:cNvPr id="18" name="Speech Bubble: Rectangle with Corners Rounded 17">
               <a:extLst>
                 <a:ext uri="{FF2B5EF4-FFF2-40B4-BE49-F238E27FC236}">
-                  <a16:creationId xmlns:a16="http://schemas.microsoft.com/office/drawing/2014/main" xmlns="" id="{1ECADFA8-18A3-4F84-BB13-625E50AC8E45}"/>
+                  <a16:creationId xmlns="" xmlns:a16="http://schemas.microsoft.com/office/drawing/2014/main" id="{1ECADFA8-18A3-4F84-BB13-625E50AC8E45}"/>
                 </a:ext>
               </a:extLst>
             </p:cNvPr>
@@ -8382,7 +8389,7 @@
           <p:cNvPr id="23" name="Group 22">
             <a:extLst>
               <a:ext uri="{FF2B5EF4-FFF2-40B4-BE49-F238E27FC236}">
-                <a16:creationId xmlns:a16="http://schemas.microsoft.com/office/drawing/2014/main" xmlns="" id="{4054503E-1722-4A7A-A377-4F993D284459}"/>
+                <a16:creationId xmlns="" xmlns:a16="http://schemas.microsoft.com/office/drawing/2014/main" id="{4054503E-1722-4A7A-A377-4F993D284459}"/>
               </a:ext>
             </a:extLst>
           </p:cNvPr>
@@ -8402,7 +8409,7 @@
             <p:cNvPr id="19" name="Oval 18">
               <a:extLst>
                 <a:ext uri="{FF2B5EF4-FFF2-40B4-BE49-F238E27FC236}">
-                  <a16:creationId xmlns:a16="http://schemas.microsoft.com/office/drawing/2014/main" xmlns="" id="{2E0B18F7-FEAD-4032-A208-470DBB5AB3B5}"/>
+                  <a16:creationId xmlns="" xmlns:a16="http://schemas.microsoft.com/office/drawing/2014/main" id="{2E0B18F7-FEAD-4032-A208-470DBB5AB3B5}"/>
                 </a:ext>
               </a:extLst>
             </p:cNvPr>
@@ -8461,7 +8468,7 @@
             <p:cNvPr id="20" name="Speech Bubble: Rectangle with Corners Rounded 19">
               <a:extLst>
                 <a:ext uri="{FF2B5EF4-FFF2-40B4-BE49-F238E27FC236}">
-                  <a16:creationId xmlns:a16="http://schemas.microsoft.com/office/drawing/2014/main" xmlns="" id="{CED676FD-EBB7-4CA0-A69D-CBE1E899F856}"/>
+                  <a16:creationId xmlns="" xmlns:a16="http://schemas.microsoft.com/office/drawing/2014/main" id="{CED676FD-EBB7-4CA0-A69D-CBE1E899F856}"/>
                 </a:ext>
               </a:extLst>
             </p:cNvPr>
@@ -8538,7 +8545,7 @@
           <p:cNvPr id="6" name="Slide Number Placeholder 5">
             <a:extLst>
               <a:ext uri="{FF2B5EF4-FFF2-40B4-BE49-F238E27FC236}">
-                <a16:creationId xmlns:a16="http://schemas.microsoft.com/office/drawing/2014/main" xmlns="" id="{FF735714-8A59-42AC-9461-94886EC0B19B}"/>
+                <a16:creationId xmlns="" xmlns:a16="http://schemas.microsoft.com/office/drawing/2014/main" id="{FF735714-8A59-42AC-9461-94886EC0B19B}"/>
               </a:ext>
             </a:extLst>
           </p:cNvPr>
@@ -8886,7 +8893,7 @@
           <p:cNvPr id="4" name="Title 1">
             <a:extLst>
               <a:ext uri="{FF2B5EF4-FFF2-40B4-BE49-F238E27FC236}">
-                <a16:creationId xmlns:a16="http://schemas.microsoft.com/office/drawing/2014/main" xmlns="" id="{94B69BDE-2E3C-4D3D-ADDB-96B638AF3FF7}"/>
+                <a16:creationId xmlns="" xmlns:a16="http://schemas.microsoft.com/office/drawing/2014/main" id="{94B69BDE-2E3C-4D3D-ADDB-96B638AF3FF7}"/>
               </a:ext>
             </a:extLst>
           </p:cNvPr>
@@ -9004,7 +9011,7 @@
           <p:cNvPr id="6" name="Content Placeholder 5">
             <a:extLst>
               <a:ext uri="{FF2B5EF4-FFF2-40B4-BE49-F238E27FC236}">
-                <a16:creationId xmlns:a16="http://schemas.microsoft.com/office/drawing/2014/main" xmlns="" id="{8AC93AEF-1C0F-4B94-80B8-E9BCF056E8C3}"/>
+                <a16:creationId xmlns="" xmlns:a16="http://schemas.microsoft.com/office/drawing/2014/main" id="{8AC93AEF-1C0F-4B94-80B8-E9BCF056E8C3}"/>
               </a:ext>
             </a:extLst>
           </p:cNvPr>
@@ -9160,7 +9167,7 @@
           <p:cNvPr id="5" name="Slide Number Placeholder 4">
             <a:extLst>
               <a:ext uri="{FF2B5EF4-FFF2-40B4-BE49-F238E27FC236}">
-                <a16:creationId xmlns:a16="http://schemas.microsoft.com/office/drawing/2014/main" xmlns="" id="{DCDB03CD-D0F1-4CAC-AAF1-B8B2D0EE8164}"/>
+                <a16:creationId xmlns="" xmlns:a16="http://schemas.microsoft.com/office/drawing/2014/main" id="{DCDB03CD-D0F1-4CAC-AAF1-B8B2D0EE8164}"/>
               </a:ext>
             </a:extLst>
           </p:cNvPr>
@@ -9195,6 +9202,13 @@
   <p:clrMapOvr>
     <a:masterClrMapping/>
   </p:clrMapOvr>
+  <p:timing>
+    <p:tnLst>
+      <p:par>
+        <p:cTn id="1" dur="indefinite" restart="never" nodeType="tmRoot"/>
+      </p:par>
+    </p:tnLst>
+  </p:timing>
 </p:sld>
 </file>
 
@@ -9220,7 +9234,7 @@
           <p:cNvPr id="4" name="Title 3">
             <a:extLst>
               <a:ext uri="{FF2B5EF4-FFF2-40B4-BE49-F238E27FC236}">
-                <a16:creationId xmlns:a16="http://schemas.microsoft.com/office/drawing/2014/main" xmlns="" id="{2A23610F-3ED1-4163-9E2C-C143B76FA000}"/>
+                <a16:creationId xmlns="" xmlns:a16="http://schemas.microsoft.com/office/drawing/2014/main" id="{2A23610F-3ED1-4163-9E2C-C143B76FA000}"/>
               </a:ext>
             </a:extLst>
           </p:cNvPr>
@@ -9257,7 +9271,7 @@
           <p:cNvPr id="6" name="Slide Number Placeholder 5">
             <a:extLst>
               <a:ext uri="{FF2B5EF4-FFF2-40B4-BE49-F238E27FC236}">
-                <a16:creationId xmlns:a16="http://schemas.microsoft.com/office/drawing/2014/main" xmlns="" id="{B2C876A0-C60B-4A17-B217-A09108C31EE5}"/>
+                <a16:creationId xmlns="" xmlns:a16="http://schemas.microsoft.com/office/drawing/2014/main" id="{B2C876A0-C60B-4A17-B217-A09108C31EE5}"/>
               </a:ext>
             </a:extLst>
           </p:cNvPr>
@@ -9308,6 +9322,13 @@
   <p:clrMapOvr>
     <a:masterClrMapping/>
   </p:clrMapOvr>
+  <p:timing>
+    <p:tnLst>
+      <p:par>
+        <p:cTn id="1" dur="indefinite" restart="never" nodeType="tmRoot"/>
+      </p:par>
+    </p:tnLst>
+  </p:timing>
 </p:sld>
 </file>
 
@@ -9333,7 +9354,7 @@
           <p:cNvPr id="3" name="Title 1">
             <a:extLst>
               <a:ext uri="{FF2B5EF4-FFF2-40B4-BE49-F238E27FC236}">
-                <a16:creationId xmlns:a16="http://schemas.microsoft.com/office/drawing/2014/main" xmlns="" id="{022C0EF2-32B3-443D-804C-08EF1ADB4E25}"/>
+                <a16:creationId xmlns="" xmlns:a16="http://schemas.microsoft.com/office/drawing/2014/main" id="{022C0EF2-32B3-443D-804C-08EF1ADB4E25}"/>
               </a:ext>
             </a:extLst>
           </p:cNvPr>
@@ -9451,7 +9472,7 @@
           <p:cNvPr id="5" name="Picture 4">
             <a:extLst>
               <a:ext uri="{FF2B5EF4-FFF2-40B4-BE49-F238E27FC236}">
-                <a16:creationId xmlns:a16="http://schemas.microsoft.com/office/drawing/2014/main" xmlns="" id="{DA72E527-7FB9-4702-831C-15AB0A63E38E}"/>
+                <a16:creationId xmlns="" xmlns:a16="http://schemas.microsoft.com/office/drawing/2014/main" id="{DA72E527-7FB9-4702-831C-15AB0A63E38E}"/>
               </a:ext>
             </a:extLst>
           </p:cNvPr>
@@ -9481,7 +9502,7 @@
           <p:cNvPr id="7" name="Picture 6">
             <a:extLst>
               <a:ext uri="{FF2B5EF4-FFF2-40B4-BE49-F238E27FC236}">
-                <a16:creationId xmlns:a16="http://schemas.microsoft.com/office/drawing/2014/main" xmlns="" id="{7290D52D-29B7-42BC-8ABD-8494C1989189}"/>
+                <a16:creationId xmlns="" xmlns:a16="http://schemas.microsoft.com/office/drawing/2014/main" id="{7290D52D-29B7-42BC-8ABD-8494C1989189}"/>
               </a:ext>
             </a:extLst>
           </p:cNvPr>
@@ -9511,7 +9532,7 @@
           <p:cNvPr id="8" name="TextBox 7">
             <a:extLst>
               <a:ext uri="{FF2B5EF4-FFF2-40B4-BE49-F238E27FC236}">
-                <a16:creationId xmlns:a16="http://schemas.microsoft.com/office/drawing/2014/main" xmlns="" id="{79A5C341-84F7-4C44-9944-892AFCAB25F8}"/>
+                <a16:creationId xmlns="" xmlns:a16="http://schemas.microsoft.com/office/drawing/2014/main" id="{79A5C341-84F7-4C44-9944-892AFCAB25F8}"/>
               </a:ext>
             </a:extLst>
           </p:cNvPr>
@@ -9554,7 +9575,7 @@
           <p:cNvPr id="9" name="TextBox 8">
             <a:extLst>
               <a:ext uri="{FF2B5EF4-FFF2-40B4-BE49-F238E27FC236}">
-                <a16:creationId xmlns:a16="http://schemas.microsoft.com/office/drawing/2014/main" xmlns="" id="{CEF91413-B775-4086-85A8-CCA76A13B789}"/>
+                <a16:creationId xmlns="" xmlns:a16="http://schemas.microsoft.com/office/drawing/2014/main" id="{CEF91413-B775-4086-85A8-CCA76A13B789}"/>
               </a:ext>
             </a:extLst>
           </p:cNvPr>
@@ -9590,7 +9611,7 @@
           <p:cNvPr id="6" name="Slide Number Placeholder 5">
             <a:extLst>
               <a:ext uri="{FF2B5EF4-FFF2-40B4-BE49-F238E27FC236}">
-                <a16:creationId xmlns:a16="http://schemas.microsoft.com/office/drawing/2014/main" xmlns="" id="{A705F972-01FC-4B84-BD27-C892119BCFDE}"/>
+                <a16:creationId xmlns="" xmlns:a16="http://schemas.microsoft.com/office/drawing/2014/main" id="{A705F972-01FC-4B84-BD27-C892119BCFDE}"/>
               </a:ext>
             </a:extLst>
           </p:cNvPr>
@@ -9625,6 +9646,13 @@
   <p:clrMapOvr>
     <a:masterClrMapping/>
   </p:clrMapOvr>
+  <p:timing>
+    <p:tnLst>
+      <p:par>
+        <p:cTn id="1" dur="indefinite" restart="never" nodeType="tmRoot"/>
+      </p:par>
+    </p:tnLst>
+  </p:timing>
 </p:sld>
 </file>
 
@@ -9650,7 +9678,7 @@
           <p:cNvPr id="5" name="Title 1">
             <a:extLst>
               <a:ext uri="{FF2B5EF4-FFF2-40B4-BE49-F238E27FC236}">
-                <a16:creationId xmlns:a16="http://schemas.microsoft.com/office/drawing/2014/main" xmlns="" id="{F11C875C-9CAA-4838-BBDD-43705F932F58}"/>
+                <a16:creationId xmlns="" xmlns:a16="http://schemas.microsoft.com/office/drawing/2014/main" id="{F11C875C-9CAA-4838-BBDD-43705F932F58}"/>
               </a:ext>
             </a:extLst>
           </p:cNvPr>
@@ -9768,7 +9796,7 @@
           <p:cNvPr id="16" name="Picture 15">
             <a:extLst>
               <a:ext uri="{FF2B5EF4-FFF2-40B4-BE49-F238E27FC236}">
-                <a16:creationId xmlns:a16="http://schemas.microsoft.com/office/drawing/2014/main" xmlns="" id="{208B5D7F-598F-4998-ADF5-C24ACC061371}"/>
+                <a16:creationId xmlns="" xmlns:a16="http://schemas.microsoft.com/office/drawing/2014/main" id="{208B5D7F-598F-4998-ADF5-C24ACC061371}"/>
               </a:ext>
             </a:extLst>
           </p:cNvPr>
@@ -9798,7 +9826,7 @@
           <p:cNvPr id="3" name="Group 2">
             <a:extLst>
               <a:ext uri="{FF2B5EF4-FFF2-40B4-BE49-F238E27FC236}">
-                <a16:creationId xmlns:a16="http://schemas.microsoft.com/office/drawing/2014/main" xmlns="" id="{F52FCCD3-020A-456D-A0D4-9CFD872F8DC3}"/>
+                <a16:creationId xmlns="" xmlns:a16="http://schemas.microsoft.com/office/drawing/2014/main" id="{F52FCCD3-020A-456D-A0D4-9CFD872F8DC3}"/>
               </a:ext>
             </a:extLst>
           </p:cNvPr>
@@ -9818,7 +9846,7 @@
             <p:cNvPr id="2" name="Oval 1">
               <a:extLst>
                 <a:ext uri="{FF2B5EF4-FFF2-40B4-BE49-F238E27FC236}">
-                  <a16:creationId xmlns:a16="http://schemas.microsoft.com/office/drawing/2014/main" xmlns="" id="{9C50E7AF-0E94-412C-888A-58566B9C017F}"/>
+                  <a16:creationId xmlns="" xmlns:a16="http://schemas.microsoft.com/office/drawing/2014/main" id="{9C50E7AF-0E94-412C-888A-58566B9C017F}"/>
                 </a:ext>
               </a:extLst>
             </p:cNvPr>
@@ -9877,7 +9905,7 @@
             <p:cNvPr id="6" name="Speech Bubble: Rectangle with Corners Rounded 5">
               <a:extLst>
                 <a:ext uri="{FF2B5EF4-FFF2-40B4-BE49-F238E27FC236}">
-                  <a16:creationId xmlns:a16="http://schemas.microsoft.com/office/drawing/2014/main" xmlns="" id="{C2256BD9-C63F-432F-B3CA-2DACDEC582A5}"/>
+                  <a16:creationId xmlns="" xmlns:a16="http://schemas.microsoft.com/office/drawing/2014/main" id="{C2256BD9-C63F-432F-B3CA-2DACDEC582A5}"/>
                 </a:ext>
               </a:extLst>
             </p:cNvPr>
@@ -9949,7 +9977,7 @@
           <p:cNvPr id="8" name="Slide Number Placeholder 7">
             <a:extLst>
               <a:ext uri="{FF2B5EF4-FFF2-40B4-BE49-F238E27FC236}">
-                <a16:creationId xmlns:a16="http://schemas.microsoft.com/office/drawing/2014/main" xmlns="" id="{DF61D421-F17A-4953-A9D1-EDD58F6180A2}"/>
+                <a16:creationId xmlns="" xmlns:a16="http://schemas.microsoft.com/office/drawing/2014/main" id="{DF61D421-F17A-4953-A9D1-EDD58F6180A2}"/>
               </a:ext>
             </a:extLst>
           </p:cNvPr>
@@ -10138,7 +10166,7 @@
           <p:cNvPr id="5" name="Title 1">
             <a:extLst>
               <a:ext uri="{FF2B5EF4-FFF2-40B4-BE49-F238E27FC236}">
-                <a16:creationId xmlns:a16="http://schemas.microsoft.com/office/drawing/2014/main" xmlns="" id="{F11C875C-9CAA-4838-BBDD-43705F932F58}"/>
+                <a16:creationId xmlns="" xmlns:a16="http://schemas.microsoft.com/office/drawing/2014/main" id="{F11C875C-9CAA-4838-BBDD-43705F932F58}"/>
               </a:ext>
             </a:extLst>
           </p:cNvPr>
@@ -10256,7 +10284,7 @@
           <p:cNvPr id="9" name="Picture 8">
             <a:extLst>
               <a:ext uri="{FF2B5EF4-FFF2-40B4-BE49-F238E27FC236}">
-                <a16:creationId xmlns:a16="http://schemas.microsoft.com/office/drawing/2014/main" xmlns="" id="{E51B9CE8-A297-4A7D-ACA1-4C68ADEE4141}"/>
+                <a16:creationId xmlns="" xmlns:a16="http://schemas.microsoft.com/office/drawing/2014/main" id="{E51B9CE8-A297-4A7D-ACA1-4C68ADEE4141}"/>
               </a:ext>
             </a:extLst>
           </p:cNvPr>
@@ -10286,7 +10314,7 @@
           <p:cNvPr id="11" name="Picture 10">
             <a:extLst>
               <a:ext uri="{FF2B5EF4-FFF2-40B4-BE49-F238E27FC236}">
-                <a16:creationId xmlns:a16="http://schemas.microsoft.com/office/drawing/2014/main" xmlns="" id="{DFE758EF-F0C4-4FCF-9A39-B643F8D56430}"/>
+                <a16:creationId xmlns="" xmlns:a16="http://schemas.microsoft.com/office/drawing/2014/main" id="{DFE758EF-F0C4-4FCF-9A39-B643F8D56430}"/>
               </a:ext>
             </a:extLst>
           </p:cNvPr>
@@ -10316,7 +10344,7 @@
           <p:cNvPr id="12" name="Picture 11">
             <a:extLst>
               <a:ext uri="{FF2B5EF4-FFF2-40B4-BE49-F238E27FC236}">
-                <a16:creationId xmlns:a16="http://schemas.microsoft.com/office/drawing/2014/main" xmlns="" id="{34B71FC2-8BF2-4EB9-83F5-C1A563E448E9}"/>
+                <a16:creationId xmlns="" xmlns:a16="http://schemas.microsoft.com/office/drawing/2014/main" id="{34B71FC2-8BF2-4EB9-83F5-C1A563E448E9}"/>
               </a:ext>
             </a:extLst>
           </p:cNvPr>
@@ -10346,7 +10374,7 @@
           <p:cNvPr id="14" name="Straight Arrow Connector 13">
             <a:extLst>
               <a:ext uri="{FF2B5EF4-FFF2-40B4-BE49-F238E27FC236}">
-                <a16:creationId xmlns:a16="http://schemas.microsoft.com/office/drawing/2014/main" xmlns="" id="{CFD8C50A-38CC-44D7-8E6F-B0B0549AE5F6}"/>
+                <a16:creationId xmlns="" xmlns:a16="http://schemas.microsoft.com/office/drawing/2014/main" id="{CFD8C50A-38CC-44D7-8E6F-B0B0549AE5F6}"/>
               </a:ext>
             </a:extLst>
           </p:cNvPr>
@@ -10388,7 +10416,7 @@
           <p:cNvPr id="15" name="Straight Arrow Connector 14">
             <a:extLst>
               <a:ext uri="{FF2B5EF4-FFF2-40B4-BE49-F238E27FC236}">
-                <a16:creationId xmlns:a16="http://schemas.microsoft.com/office/drawing/2014/main" xmlns="" id="{1CBB9985-9373-4EAF-B868-461F569BF544}"/>
+                <a16:creationId xmlns="" xmlns:a16="http://schemas.microsoft.com/office/drawing/2014/main" id="{1CBB9985-9373-4EAF-B868-461F569BF544}"/>
               </a:ext>
             </a:extLst>
           </p:cNvPr>
@@ -10432,7 +10460,7 @@
           <p:cNvPr id="19" name="TextBox 18">
             <a:extLst>
               <a:ext uri="{FF2B5EF4-FFF2-40B4-BE49-F238E27FC236}">
-                <a16:creationId xmlns:a16="http://schemas.microsoft.com/office/drawing/2014/main" xmlns="" id="{B5A0735C-F1BD-4670-A50D-304C14AF5A46}"/>
+                <a16:creationId xmlns="" xmlns:a16="http://schemas.microsoft.com/office/drawing/2014/main" id="{B5A0735C-F1BD-4670-A50D-304C14AF5A46}"/>
               </a:ext>
             </a:extLst>
           </p:cNvPr>
@@ -10481,7 +10509,7 @@
           <p:cNvPr id="20" name="TextBox 19">
             <a:extLst>
               <a:ext uri="{FF2B5EF4-FFF2-40B4-BE49-F238E27FC236}">
-                <a16:creationId xmlns:a16="http://schemas.microsoft.com/office/drawing/2014/main" xmlns="" id="{5706364F-4934-4403-A28D-85C0C8BFF3B3}"/>
+                <a16:creationId xmlns="" xmlns:a16="http://schemas.microsoft.com/office/drawing/2014/main" id="{5706364F-4934-4403-A28D-85C0C8BFF3B3}"/>
               </a:ext>
             </a:extLst>
           </p:cNvPr>
@@ -10520,7 +10548,7 @@
           <p:cNvPr id="21" name="TextBox 20">
             <a:extLst>
               <a:ext uri="{FF2B5EF4-FFF2-40B4-BE49-F238E27FC236}">
-                <a16:creationId xmlns:a16="http://schemas.microsoft.com/office/drawing/2014/main" xmlns="" id="{441831B6-543C-4A52-8709-D1E6B1F79DF3}"/>
+                <a16:creationId xmlns="" xmlns:a16="http://schemas.microsoft.com/office/drawing/2014/main" id="{441831B6-543C-4A52-8709-D1E6B1F79DF3}"/>
               </a:ext>
             </a:extLst>
           </p:cNvPr>
@@ -10583,7 +10611,7 @@
           <p:cNvPr id="4" name="Slide Number Placeholder 3">
             <a:extLst>
               <a:ext uri="{FF2B5EF4-FFF2-40B4-BE49-F238E27FC236}">
-                <a16:creationId xmlns:a16="http://schemas.microsoft.com/office/drawing/2014/main" xmlns="" id="{A25E451D-EFF0-4C7E-9194-591559E11F4F}"/>
+                <a16:creationId xmlns="" xmlns:a16="http://schemas.microsoft.com/office/drawing/2014/main" id="{A25E451D-EFF0-4C7E-9194-591559E11F4F}"/>
               </a:ext>
             </a:extLst>
           </p:cNvPr>
@@ -10618,6 +10646,13 @@
   <p:clrMapOvr>
     <a:masterClrMapping/>
   </p:clrMapOvr>
+  <p:timing>
+    <p:tnLst>
+      <p:par>
+        <p:cTn id="1" dur="indefinite" restart="never" nodeType="tmRoot"/>
+      </p:par>
+    </p:tnLst>
+  </p:timing>
 </p:sld>
 </file>
 
@@ -10643,7 +10678,7 @@
           <p:cNvPr id="5" name="Title 1">
             <a:extLst>
               <a:ext uri="{FF2B5EF4-FFF2-40B4-BE49-F238E27FC236}">
-                <a16:creationId xmlns:a16="http://schemas.microsoft.com/office/drawing/2014/main" xmlns="" id="{79722C87-A69B-4E73-87EC-6C6F8D15C4B0}"/>
+                <a16:creationId xmlns="" xmlns:a16="http://schemas.microsoft.com/office/drawing/2014/main" id="{79722C87-A69B-4E73-87EC-6C6F8D15C4B0}"/>
               </a:ext>
             </a:extLst>
           </p:cNvPr>
@@ -10680,7 +10715,7 @@
           <p:cNvPr id="8" name="Rectangle 7">
             <a:extLst>
               <a:ext uri="{FF2B5EF4-FFF2-40B4-BE49-F238E27FC236}">
-                <a16:creationId xmlns:a16="http://schemas.microsoft.com/office/drawing/2014/main" xmlns="" id="{43FAC0D6-D534-4F9A-9430-BDBBBED886EC}"/>
+                <a16:creationId xmlns="" xmlns:a16="http://schemas.microsoft.com/office/drawing/2014/main" id="{43FAC0D6-D534-4F9A-9430-BDBBBED886EC}"/>
               </a:ext>
             </a:extLst>
           </p:cNvPr>
@@ -10866,7 +10901,7 @@
           <p:cNvPr id="9" name="Rectangle 8">
             <a:extLst>
               <a:ext uri="{FF2B5EF4-FFF2-40B4-BE49-F238E27FC236}">
-                <a16:creationId xmlns:a16="http://schemas.microsoft.com/office/drawing/2014/main" xmlns="" id="{6D5A3AD8-1DA9-46C5-9172-18CC97FBB918}"/>
+                <a16:creationId xmlns="" xmlns:a16="http://schemas.microsoft.com/office/drawing/2014/main" id="{6D5A3AD8-1DA9-46C5-9172-18CC97FBB918}"/>
               </a:ext>
             </a:extLst>
           </p:cNvPr>
@@ -10948,7 +10983,7 @@
           <p:cNvPr id="10" name="Straight Arrow Connector 9">
             <a:extLst>
               <a:ext uri="{FF2B5EF4-FFF2-40B4-BE49-F238E27FC236}">
-                <a16:creationId xmlns:a16="http://schemas.microsoft.com/office/drawing/2014/main" xmlns="" id="{5C884956-0ABD-4C1F-B169-191EE90A9240}"/>
+                <a16:creationId xmlns="" xmlns:a16="http://schemas.microsoft.com/office/drawing/2014/main" id="{5C884956-0ABD-4C1F-B169-191EE90A9240}"/>
               </a:ext>
             </a:extLst>
           </p:cNvPr>
@@ -10995,7 +11030,7 @@
           <p:cNvPr id="11" name="Straight Arrow Connector 10">
             <a:extLst>
               <a:ext uri="{FF2B5EF4-FFF2-40B4-BE49-F238E27FC236}">
-                <a16:creationId xmlns:a16="http://schemas.microsoft.com/office/drawing/2014/main" xmlns="" id="{DCC33062-763C-4582-BA22-2F1D77AC32A0}"/>
+                <a16:creationId xmlns="" xmlns:a16="http://schemas.microsoft.com/office/drawing/2014/main" id="{DCC33062-763C-4582-BA22-2F1D77AC32A0}"/>
               </a:ext>
             </a:extLst>
           </p:cNvPr>
@@ -11043,7 +11078,7 @@
           <p:cNvPr id="12" name="Straight Arrow Connector 11">
             <a:extLst>
               <a:ext uri="{FF2B5EF4-FFF2-40B4-BE49-F238E27FC236}">
-                <a16:creationId xmlns:a16="http://schemas.microsoft.com/office/drawing/2014/main" xmlns="" id="{8609C124-D374-417A-9F43-2BC50B6C7C4C}"/>
+                <a16:creationId xmlns="" xmlns:a16="http://schemas.microsoft.com/office/drawing/2014/main" id="{8609C124-D374-417A-9F43-2BC50B6C7C4C}"/>
               </a:ext>
             </a:extLst>
           </p:cNvPr>
@@ -11090,7 +11125,7 @@
           <p:cNvPr id="14" name="Group 13">
             <a:extLst>
               <a:ext uri="{FF2B5EF4-FFF2-40B4-BE49-F238E27FC236}">
-                <a16:creationId xmlns:a16="http://schemas.microsoft.com/office/drawing/2014/main" xmlns="" id="{0635F6D7-A741-42C8-8CE5-A40A07460466}"/>
+                <a16:creationId xmlns="" xmlns:a16="http://schemas.microsoft.com/office/drawing/2014/main" id="{0635F6D7-A741-42C8-8CE5-A40A07460466}"/>
               </a:ext>
             </a:extLst>
           </p:cNvPr>
@@ -11110,7 +11145,7 @@
             <p:cNvPr id="15" name="Straight Arrow Connector 14">
               <a:extLst>
                 <a:ext uri="{FF2B5EF4-FFF2-40B4-BE49-F238E27FC236}">
-                  <a16:creationId xmlns:a16="http://schemas.microsoft.com/office/drawing/2014/main" xmlns="" id="{34B6FDFE-218E-4571-B69B-DD6A2005557C}"/>
+                  <a16:creationId xmlns="" xmlns:a16="http://schemas.microsoft.com/office/drawing/2014/main" id="{34B6FDFE-218E-4571-B69B-DD6A2005557C}"/>
                 </a:ext>
               </a:extLst>
             </p:cNvPr>
@@ -11155,7 +11190,7 @@
             <p:cNvPr id="16" name="TextBox 15">
               <a:extLst>
                 <a:ext uri="{FF2B5EF4-FFF2-40B4-BE49-F238E27FC236}">
-                  <a16:creationId xmlns:a16="http://schemas.microsoft.com/office/drawing/2014/main" xmlns="" id="{471F24B6-E904-403C-B1D3-98587279F277}"/>
+                  <a16:creationId xmlns="" xmlns:a16="http://schemas.microsoft.com/office/drawing/2014/main" id="{471F24B6-E904-403C-B1D3-98587279F277}"/>
                 </a:ext>
               </a:extLst>
             </p:cNvPr>
@@ -11221,7 +11256,7 @@
           <p:cNvPr id="17" name="TextBox 16">
             <a:extLst>
               <a:ext uri="{FF2B5EF4-FFF2-40B4-BE49-F238E27FC236}">
-                <a16:creationId xmlns:a16="http://schemas.microsoft.com/office/drawing/2014/main" xmlns="" id="{1142723A-FBA4-4B81-AE36-384A60A6D59D}"/>
+                <a16:creationId xmlns="" xmlns:a16="http://schemas.microsoft.com/office/drawing/2014/main" id="{1142723A-FBA4-4B81-AE36-384A60A6D59D}"/>
               </a:ext>
             </a:extLst>
           </p:cNvPr>
@@ -11305,7 +11340,7 @@
           <p:cNvPr id="18" name="Thought Bubble: Cloud 17">
             <a:extLst>
               <a:ext uri="{FF2B5EF4-FFF2-40B4-BE49-F238E27FC236}">
-                <a16:creationId xmlns:a16="http://schemas.microsoft.com/office/drawing/2014/main" xmlns="" id="{7220210C-4032-40E2-8C8F-4089B3148427}"/>
+                <a16:creationId xmlns="" xmlns:a16="http://schemas.microsoft.com/office/drawing/2014/main" id="{7220210C-4032-40E2-8C8F-4089B3148427}"/>
               </a:ext>
             </a:extLst>
           </p:cNvPr>
@@ -11364,7 +11399,7 @@
           <p:cNvPr id="19" name="Thought Bubble: Cloud 18">
             <a:extLst>
               <a:ext uri="{FF2B5EF4-FFF2-40B4-BE49-F238E27FC236}">
-                <a16:creationId xmlns:a16="http://schemas.microsoft.com/office/drawing/2014/main" xmlns="" id="{DAA3F5E9-9516-4B52-977E-B8915D516190}"/>
+                <a16:creationId xmlns="" xmlns:a16="http://schemas.microsoft.com/office/drawing/2014/main" id="{DAA3F5E9-9516-4B52-977E-B8915D516190}"/>
               </a:ext>
             </a:extLst>
           </p:cNvPr>
@@ -11423,7 +11458,7 @@
           <p:cNvPr id="20" name="Thought Bubble: Cloud 19">
             <a:extLst>
               <a:ext uri="{FF2B5EF4-FFF2-40B4-BE49-F238E27FC236}">
-                <a16:creationId xmlns:a16="http://schemas.microsoft.com/office/drawing/2014/main" xmlns="" id="{FCD1DD38-C3BC-4093-8D7B-56FEC0D4BE50}"/>
+                <a16:creationId xmlns="" xmlns:a16="http://schemas.microsoft.com/office/drawing/2014/main" id="{FCD1DD38-C3BC-4093-8D7B-56FEC0D4BE50}"/>
               </a:ext>
             </a:extLst>
           </p:cNvPr>
@@ -11482,7 +11517,7 @@
           <p:cNvPr id="21" name="Picture 20">
             <a:extLst>
               <a:ext uri="{FF2B5EF4-FFF2-40B4-BE49-F238E27FC236}">
-                <a16:creationId xmlns:a16="http://schemas.microsoft.com/office/drawing/2014/main" xmlns="" id="{2019D004-464C-4CD7-BE55-6A86597A7CB4}"/>
+                <a16:creationId xmlns="" xmlns:a16="http://schemas.microsoft.com/office/drawing/2014/main" id="{2019D004-464C-4CD7-BE55-6A86597A7CB4}"/>
               </a:ext>
             </a:extLst>
           </p:cNvPr>
@@ -11512,7 +11547,7 @@
           <p:cNvPr id="4" name="Slide Number Placeholder 3">
             <a:extLst>
               <a:ext uri="{FF2B5EF4-FFF2-40B4-BE49-F238E27FC236}">
-                <a16:creationId xmlns:a16="http://schemas.microsoft.com/office/drawing/2014/main" xmlns="" id="{8C0E9D76-D46F-47B4-A6C4-A6431BE6D82D}"/>
+                <a16:creationId xmlns="" xmlns:a16="http://schemas.microsoft.com/office/drawing/2014/main" id="{8C0E9D76-D46F-47B4-A6C4-A6431BE6D82D}"/>
               </a:ext>
             </a:extLst>
           </p:cNvPr>
@@ -12116,7 +12151,7 @@
           <p:cNvPr id="11" name="Rectangle 10">
             <a:extLst>
               <a:ext uri="{FF2B5EF4-FFF2-40B4-BE49-F238E27FC236}">
-                <a16:creationId xmlns:a16="http://schemas.microsoft.com/office/drawing/2014/main" xmlns="" id="{30C037EB-A097-4A95-A80A-5179B2C25D74}"/>
+                <a16:creationId xmlns="" xmlns:a16="http://schemas.microsoft.com/office/drawing/2014/main" id="{30C037EB-A097-4A95-A80A-5179B2C25D74}"/>
               </a:ext>
             </a:extLst>
           </p:cNvPr>
@@ -12199,7 +12234,7 @@
           <p:cNvPr id="16" name="TextBox 15">
             <a:extLst>
               <a:ext uri="{FF2B5EF4-FFF2-40B4-BE49-F238E27FC236}">
-                <a16:creationId xmlns:a16="http://schemas.microsoft.com/office/drawing/2014/main" xmlns="" id="{CF020DC6-F39F-424A-B0F5-95A58E404C95}"/>
+                <a16:creationId xmlns="" xmlns:a16="http://schemas.microsoft.com/office/drawing/2014/main" id="{CF020DC6-F39F-424A-B0F5-95A58E404C95}"/>
               </a:ext>
             </a:extLst>
           </p:cNvPr>
@@ -12264,7 +12299,7 @@
           <p:cNvPr id="17" name="Rectangle 16">
             <a:extLst>
               <a:ext uri="{FF2B5EF4-FFF2-40B4-BE49-F238E27FC236}">
-                <a16:creationId xmlns:a16="http://schemas.microsoft.com/office/drawing/2014/main" xmlns="" id="{B0CA323F-35CC-40FB-9A50-4349AB36032A}"/>
+                <a16:creationId xmlns="" xmlns:a16="http://schemas.microsoft.com/office/drawing/2014/main" id="{B0CA323F-35CC-40FB-9A50-4349AB36032A}"/>
               </a:ext>
             </a:extLst>
           </p:cNvPr>
@@ -12398,7 +12433,7 @@
           <p:cNvPr id="22" name="Straight Arrow Connector 21">
             <a:extLst>
               <a:ext uri="{FF2B5EF4-FFF2-40B4-BE49-F238E27FC236}">
-                <a16:creationId xmlns:a16="http://schemas.microsoft.com/office/drawing/2014/main" xmlns="" id="{E5AB3887-2964-41E1-BADC-78E22026A8D6}"/>
+                <a16:creationId xmlns="" xmlns:a16="http://schemas.microsoft.com/office/drawing/2014/main" id="{E5AB3887-2964-41E1-BADC-78E22026A8D6}"/>
               </a:ext>
             </a:extLst>
           </p:cNvPr>
@@ -12445,7 +12480,7 @@
           <p:cNvPr id="10" name="Group 9">
             <a:extLst>
               <a:ext uri="{FF2B5EF4-FFF2-40B4-BE49-F238E27FC236}">
-                <a16:creationId xmlns:a16="http://schemas.microsoft.com/office/drawing/2014/main" xmlns="" id="{798BE1D3-E32D-4231-A09D-A4E59BD9D54B}"/>
+                <a16:creationId xmlns="" xmlns:a16="http://schemas.microsoft.com/office/drawing/2014/main" id="{798BE1D3-E32D-4231-A09D-A4E59BD9D54B}"/>
               </a:ext>
             </a:extLst>
           </p:cNvPr>
@@ -12465,7 +12500,7 @@
             <p:cNvPr id="24" name="Straight Arrow Connector 23">
               <a:extLst>
                 <a:ext uri="{FF2B5EF4-FFF2-40B4-BE49-F238E27FC236}">
-                  <a16:creationId xmlns:a16="http://schemas.microsoft.com/office/drawing/2014/main" xmlns="" id="{AFD81C80-C338-4F84-A54D-FD8E931EF2D1}"/>
+                  <a16:creationId xmlns="" xmlns:a16="http://schemas.microsoft.com/office/drawing/2014/main" id="{AFD81C80-C338-4F84-A54D-FD8E931EF2D1}"/>
                 </a:ext>
               </a:extLst>
             </p:cNvPr>
@@ -12510,7 +12545,7 @@
             <p:cNvPr id="25" name="TextBox 24">
               <a:extLst>
                 <a:ext uri="{FF2B5EF4-FFF2-40B4-BE49-F238E27FC236}">
-                  <a16:creationId xmlns:a16="http://schemas.microsoft.com/office/drawing/2014/main" xmlns="" id="{C05F794F-BC43-4EF2-A4B8-6FE8D9702A8E}"/>
+                  <a16:creationId xmlns="" xmlns:a16="http://schemas.microsoft.com/office/drawing/2014/main" id="{C05F794F-BC43-4EF2-A4B8-6FE8D9702A8E}"/>
                 </a:ext>
               </a:extLst>
             </p:cNvPr>
@@ -12576,7 +12611,7 @@
           <p:cNvPr id="41" name="Straight Arrow Connector 40">
             <a:extLst>
               <a:ext uri="{FF2B5EF4-FFF2-40B4-BE49-F238E27FC236}">
-                <a16:creationId xmlns:a16="http://schemas.microsoft.com/office/drawing/2014/main" xmlns="" id="{2763003B-C8D4-4A25-9508-51A19B7A806D}"/>
+                <a16:creationId xmlns="" xmlns:a16="http://schemas.microsoft.com/office/drawing/2014/main" id="{2763003B-C8D4-4A25-9508-51A19B7A806D}"/>
               </a:ext>
             </a:extLst>
           </p:cNvPr>
@@ -12623,7 +12658,7 @@
           <p:cNvPr id="42" name="TextBox 41">
             <a:extLst>
               <a:ext uri="{FF2B5EF4-FFF2-40B4-BE49-F238E27FC236}">
-                <a16:creationId xmlns:a16="http://schemas.microsoft.com/office/drawing/2014/main" xmlns="" id="{A78B5645-1941-44FB-B01F-A7508D997D60}"/>
+                <a16:creationId xmlns="" xmlns:a16="http://schemas.microsoft.com/office/drawing/2014/main" id="{A78B5645-1941-44FB-B01F-A7508D997D60}"/>
               </a:ext>
             </a:extLst>
           </p:cNvPr>
@@ -12724,7 +12759,7 @@
           <p:cNvPr id="4" name="Group 3">
             <a:extLst>
               <a:ext uri="{FF2B5EF4-FFF2-40B4-BE49-F238E27FC236}">
-                <a16:creationId xmlns:a16="http://schemas.microsoft.com/office/drawing/2014/main" xmlns="" id="{EE44A6D8-2083-45B0-8477-F8B65439B817}"/>
+                <a16:creationId xmlns="" xmlns:a16="http://schemas.microsoft.com/office/drawing/2014/main" id="{EE44A6D8-2083-45B0-8477-F8B65439B817}"/>
               </a:ext>
             </a:extLst>
           </p:cNvPr>
@@ -12744,7 +12779,7 @@
             <p:cNvPr id="15" name="Straight Arrow Connector 14">
               <a:extLst>
                 <a:ext uri="{FF2B5EF4-FFF2-40B4-BE49-F238E27FC236}">
-                  <a16:creationId xmlns:a16="http://schemas.microsoft.com/office/drawing/2014/main" xmlns="" id="{C4FB8097-6879-4C4B-A52B-1027BBB0E4CA}"/>
+                  <a16:creationId xmlns="" xmlns:a16="http://schemas.microsoft.com/office/drawing/2014/main" id="{C4FB8097-6879-4C4B-A52B-1027BBB0E4CA}"/>
                 </a:ext>
               </a:extLst>
             </p:cNvPr>
@@ -12793,7 +12828,7 @@
                 <p:cNvPr id="43" name="TextBox 42">
                   <a:extLst>
                     <a:ext uri="{FF2B5EF4-FFF2-40B4-BE49-F238E27FC236}">
-                      <a16:creationId xmlns:a16="http://schemas.microsoft.com/office/drawing/2014/main" xmlns="" id="{597C41D0-63D0-4C54-9EC7-FD1505B86CB9}"/>
+                      <a16:creationId xmlns="" xmlns:a16="http://schemas.microsoft.com/office/drawing/2014/main" id="{597C41D0-63D0-4C54-9EC7-FD1505B86CB9}"/>
                     </a:ext>
                   </a:extLst>
                 </p:cNvPr>
@@ -13002,7 +13037,7 @@
           <p:cNvPr id="50" name="TextBox 49">
             <a:extLst>
               <a:ext uri="{FF2B5EF4-FFF2-40B4-BE49-F238E27FC236}">
-                <a16:creationId xmlns:a16="http://schemas.microsoft.com/office/drawing/2014/main" xmlns="" id="{9CA50C34-6502-4513-B1E5-17DB8E7693CD}"/>
+                <a16:creationId xmlns="" xmlns:a16="http://schemas.microsoft.com/office/drawing/2014/main" id="{9CA50C34-6502-4513-B1E5-17DB8E7693CD}"/>
               </a:ext>
             </a:extLst>
           </p:cNvPr>
@@ -13067,7 +13102,7 @@
           <p:cNvPr id="21" name="Group 20">
             <a:extLst>
               <a:ext uri="{FF2B5EF4-FFF2-40B4-BE49-F238E27FC236}">
-                <a16:creationId xmlns:a16="http://schemas.microsoft.com/office/drawing/2014/main" xmlns="" id="{00DB0BCD-709D-480B-B0FE-382B8E7C661B}"/>
+                <a16:creationId xmlns="" xmlns:a16="http://schemas.microsoft.com/office/drawing/2014/main" id="{00DB0BCD-709D-480B-B0FE-382B8E7C661B}"/>
               </a:ext>
             </a:extLst>
           </p:cNvPr>
@@ -13087,7 +13122,7 @@
             <p:cNvPr id="23" name="Straight Arrow Connector 22">
               <a:extLst>
                 <a:ext uri="{FF2B5EF4-FFF2-40B4-BE49-F238E27FC236}">
-                  <a16:creationId xmlns:a16="http://schemas.microsoft.com/office/drawing/2014/main" xmlns="" id="{E281DB7B-E8F3-4CA3-97BF-913C840B15D9}"/>
+                  <a16:creationId xmlns="" xmlns:a16="http://schemas.microsoft.com/office/drawing/2014/main" id="{E281DB7B-E8F3-4CA3-97BF-913C840B15D9}"/>
                 </a:ext>
               </a:extLst>
             </p:cNvPr>
@@ -13136,7 +13171,7 @@
                 <p:cNvPr id="27" name="TextBox 26">
                   <a:extLst>
                     <a:ext uri="{FF2B5EF4-FFF2-40B4-BE49-F238E27FC236}">
-                      <a16:creationId xmlns:a16="http://schemas.microsoft.com/office/drawing/2014/main" xmlns="" id="{FC17AA30-640B-44E7-B451-DB310F832CE9}"/>
+                      <a16:creationId xmlns="" xmlns:a16="http://schemas.microsoft.com/office/drawing/2014/main" id="{FC17AA30-640B-44E7-B451-DB310F832CE9}"/>
                     </a:ext>
                   </a:extLst>
                 </p:cNvPr>
@@ -13262,7 +13297,7 @@
           <p:cNvPr id="29" name="Straight Arrow Connector 28">
             <a:extLst>
               <a:ext uri="{FF2B5EF4-FFF2-40B4-BE49-F238E27FC236}">
-                <a16:creationId xmlns:a16="http://schemas.microsoft.com/office/drawing/2014/main" xmlns="" id="{4DE7095F-495E-4A0B-8F26-26F15D9FA628}"/>
+                <a16:creationId xmlns="" xmlns:a16="http://schemas.microsoft.com/office/drawing/2014/main" id="{4DE7095F-495E-4A0B-8F26-26F15D9FA628}"/>
               </a:ext>
             </a:extLst>
           </p:cNvPr>
@@ -13309,7 +13344,7 @@
           <p:cNvPr id="3" name="Group 2">
             <a:extLst>
               <a:ext uri="{FF2B5EF4-FFF2-40B4-BE49-F238E27FC236}">
-                <a16:creationId xmlns:a16="http://schemas.microsoft.com/office/drawing/2014/main" xmlns="" id="{29556DD3-8312-4BFA-AFE4-DFB2DC245782}"/>
+                <a16:creationId xmlns="" xmlns:a16="http://schemas.microsoft.com/office/drawing/2014/main" id="{29556DD3-8312-4BFA-AFE4-DFB2DC245782}"/>
               </a:ext>
             </a:extLst>
           </p:cNvPr>
@@ -13329,7 +13364,7 @@
             <p:cNvPr id="28" name="Straight Arrow Connector 27">
               <a:extLst>
                 <a:ext uri="{FF2B5EF4-FFF2-40B4-BE49-F238E27FC236}">
-                  <a16:creationId xmlns:a16="http://schemas.microsoft.com/office/drawing/2014/main" xmlns="" id="{2E3A63AB-DF64-4A41-BE55-3FAF84EF8B38}"/>
+                  <a16:creationId xmlns="" xmlns:a16="http://schemas.microsoft.com/office/drawing/2014/main" id="{2E3A63AB-DF64-4A41-BE55-3FAF84EF8B38}"/>
                 </a:ext>
               </a:extLst>
             </p:cNvPr>
@@ -13378,7 +13413,7 @@
                 <p:cNvPr id="30" name="TextBox 29">
                   <a:extLst>
                     <a:ext uri="{FF2B5EF4-FFF2-40B4-BE49-F238E27FC236}">
-                      <a16:creationId xmlns:a16="http://schemas.microsoft.com/office/drawing/2014/main" xmlns="" id="{1514DF8D-03A9-4ECD-9F0B-CDE76DE928BE}"/>
+                      <a16:creationId xmlns="" xmlns:a16="http://schemas.microsoft.com/office/drawing/2014/main" id="{1514DF8D-03A9-4ECD-9F0B-CDE76DE928BE}"/>
                     </a:ext>
                   </a:extLst>
                 </p:cNvPr>
@@ -13499,7 +13534,7 @@
           <p:cNvPr id="20" name="Group 19">
             <a:extLst>
               <a:ext uri="{FF2B5EF4-FFF2-40B4-BE49-F238E27FC236}">
-                <a16:creationId xmlns:a16="http://schemas.microsoft.com/office/drawing/2014/main" xmlns="" id="{B36E2083-FBA1-48DB-A513-BBAA0378893F}"/>
+                <a16:creationId xmlns="" xmlns:a16="http://schemas.microsoft.com/office/drawing/2014/main" id="{B36E2083-FBA1-48DB-A513-BBAA0378893F}"/>
               </a:ext>
             </a:extLst>
           </p:cNvPr>
@@ -13519,7 +13554,7 @@
             <p:cNvPr id="31" name="Straight Arrow Connector 30">
               <a:extLst>
                 <a:ext uri="{FF2B5EF4-FFF2-40B4-BE49-F238E27FC236}">
-                  <a16:creationId xmlns:a16="http://schemas.microsoft.com/office/drawing/2014/main" xmlns="" id="{C0B3468B-BE22-4163-994B-03ADD06384B6}"/>
+                  <a16:creationId xmlns="" xmlns:a16="http://schemas.microsoft.com/office/drawing/2014/main" id="{C0B3468B-BE22-4163-994B-03ADD06384B6}"/>
                 </a:ext>
               </a:extLst>
             </p:cNvPr>
@@ -13568,7 +13603,7 @@
                 <p:cNvPr id="32" name="TextBox 31">
                   <a:extLst>
                     <a:ext uri="{FF2B5EF4-FFF2-40B4-BE49-F238E27FC236}">
-                      <a16:creationId xmlns:a16="http://schemas.microsoft.com/office/drawing/2014/main" xmlns="" id="{12529FFD-A2D3-4C7D-8A5A-B9E5CC49CEC3}"/>
+                      <a16:creationId xmlns="" xmlns:a16="http://schemas.microsoft.com/office/drawing/2014/main" id="{12529FFD-A2D3-4C7D-8A5A-B9E5CC49CEC3}"/>
                     </a:ext>
                   </a:extLst>
                 </p:cNvPr>
@@ -13689,7 +13724,7 @@
           <p:cNvPr id="33" name="Straight Arrow Connector 32">
             <a:extLst>
               <a:ext uri="{FF2B5EF4-FFF2-40B4-BE49-F238E27FC236}">
-                <a16:creationId xmlns:a16="http://schemas.microsoft.com/office/drawing/2014/main" xmlns="" id="{4856276E-CBCA-47F9-93A0-FBDAF1BFF544}"/>
+                <a16:creationId xmlns="" xmlns:a16="http://schemas.microsoft.com/office/drawing/2014/main" id="{4856276E-CBCA-47F9-93A0-FBDAF1BFF544}"/>
               </a:ext>
             </a:extLst>
           </p:cNvPr>
@@ -13737,7 +13772,7 @@
           <p:cNvPr id="39" name="Title 1">
             <a:extLst>
               <a:ext uri="{FF2B5EF4-FFF2-40B4-BE49-F238E27FC236}">
-                <a16:creationId xmlns:a16="http://schemas.microsoft.com/office/drawing/2014/main" xmlns="" id="{A8100B3E-DBA4-4DE0-864F-F152EE250F6F}"/>
+                <a16:creationId xmlns="" xmlns:a16="http://schemas.microsoft.com/office/drawing/2014/main" id="{A8100B3E-DBA4-4DE0-864F-F152EE250F6F}"/>
               </a:ext>
             </a:extLst>
           </p:cNvPr>
@@ -13774,7 +13809,7 @@
           <p:cNvPr id="6" name="Slide Number Placeholder 5">
             <a:extLst>
               <a:ext uri="{FF2B5EF4-FFF2-40B4-BE49-F238E27FC236}">
-                <a16:creationId xmlns:a16="http://schemas.microsoft.com/office/drawing/2014/main" xmlns="" id="{B09A1548-527A-433B-9B4A-E8989CFB6B15}"/>
+                <a16:creationId xmlns="" xmlns:a16="http://schemas.microsoft.com/office/drawing/2014/main" id="{B09A1548-527A-433B-9B4A-E8989CFB6B15}"/>
               </a:ext>
             </a:extLst>
           </p:cNvPr>
@@ -13804,7 +13839,7 @@
           <p:cNvPr id="8" name="Group 7">
             <a:extLst>
               <a:ext uri="{FF2B5EF4-FFF2-40B4-BE49-F238E27FC236}">
-                <a16:creationId xmlns:a16="http://schemas.microsoft.com/office/drawing/2014/main" xmlns="" id="{EABDCBF1-6629-4261-8977-A400FB700610}"/>
+                <a16:creationId xmlns="" xmlns:a16="http://schemas.microsoft.com/office/drawing/2014/main" id="{EABDCBF1-6629-4261-8977-A400FB700610}"/>
               </a:ext>
             </a:extLst>
           </p:cNvPr>
@@ -13824,7 +13859,7 @@
             <p:cNvPr id="26" name="TextBox 25">
               <a:extLst>
                 <a:ext uri="{FF2B5EF4-FFF2-40B4-BE49-F238E27FC236}">
-                  <a16:creationId xmlns:a16="http://schemas.microsoft.com/office/drawing/2014/main" xmlns="" id="{194E6F51-B414-44B5-96BA-A80FC0864F4F}"/>
+                  <a16:creationId xmlns="" xmlns:a16="http://schemas.microsoft.com/office/drawing/2014/main" id="{194E6F51-B414-44B5-96BA-A80FC0864F4F}"/>
                 </a:ext>
               </a:extLst>
             </p:cNvPr>
@@ -13868,7 +13903,7 @@
             <p:cNvPr id="40" name="Group 39">
               <a:extLst>
                 <a:ext uri="{FF2B5EF4-FFF2-40B4-BE49-F238E27FC236}">
-                  <a16:creationId xmlns:a16="http://schemas.microsoft.com/office/drawing/2014/main" xmlns="" id="{70AE469F-6C2F-4084-858C-6FA02B66A2F3}"/>
+                  <a16:creationId xmlns="" xmlns:a16="http://schemas.microsoft.com/office/drawing/2014/main" id="{70AE469F-6C2F-4084-858C-6FA02B66A2F3}"/>
                 </a:ext>
               </a:extLst>
             </p:cNvPr>
@@ -13888,7 +13923,7 @@
               <p:cNvPr id="44" name="Rectangle 43">
                 <a:extLst>
                   <a:ext uri="{FF2B5EF4-FFF2-40B4-BE49-F238E27FC236}">
-                    <a16:creationId xmlns:a16="http://schemas.microsoft.com/office/drawing/2014/main" xmlns="" id="{558891A4-A660-4D63-887E-457B959EA9B6}"/>
+                    <a16:creationId xmlns="" xmlns:a16="http://schemas.microsoft.com/office/drawing/2014/main" id="{558891A4-A660-4D63-887E-457B959EA9B6}"/>
                   </a:ext>
                 </a:extLst>
               </p:cNvPr>
@@ -13968,7 +14003,7 @@
               <p:cNvPr id="45" name="Group 44">
                 <a:extLst>
                   <a:ext uri="{FF2B5EF4-FFF2-40B4-BE49-F238E27FC236}">
-                    <a16:creationId xmlns:a16="http://schemas.microsoft.com/office/drawing/2014/main" xmlns="" id="{1F370D1A-BCE0-4EEC-97CC-A8A009EDB468}"/>
+                    <a16:creationId xmlns="" xmlns:a16="http://schemas.microsoft.com/office/drawing/2014/main" id="{1F370D1A-BCE0-4EEC-97CC-A8A009EDB468}"/>
                   </a:ext>
                 </a:extLst>
               </p:cNvPr>
@@ -13988,7 +14023,7 @@
                 <p:cNvPr id="49" name="Rectangle 48">
                   <a:extLst>
                     <a:ext uri="{FF2B5EF4-FFF2-40B4-BE49-F238E27FC236}">
-                      <a16:creationId xmlns:a16="http://schemas.microsoft.com/office/drawing/2014/main" xmlns="" id="{4A79A2CA-9D54-4E73-BCDF-14EAB2A42A7B}"/>
+                      <a16:creationId xmlns="" xmlns:a16="http://schemas.microsoft.com/office/drawing/2014/main" id="{4A79A2CA-9D54-4E73-BCDF-14EAB2A42A7B}"/>
                     </a:ext>
                   </a:extLst>
                 </p:cNvPr>
@@ -14075,7 +14110,7 @@
                 <p:cNvPr id="51" name="Rectangle 50">
                   <a:extLst>
                     <a:ext uri="{FF2B5EF4-FFF2-40B4-BE49-F238E27FC236}">
-                      <a16:creationId xmlns:a16="http://schemas.microsoft.com/office/drawing/2014/main" xmlns="" id="{D0684D9D-0EFA-457A-8BC6-1606FC273FD9}"/>
+                      <a16:creationId xmlns="" xmlns:a16="http://schemas.microsoft.com/office/drawing/2014/main" id="{D0684D9D-0EFA-457A-8BC6-1606FC273FD9}"/>
                     </a:ext>
                   </a:extLst>
                 </p:cNvPr>
@@ -14206,7 +14241,7 @@
           <p:cNvPr id="7" name="Group 6">
             <a:extLst>
               <a:ext uri="{FF2B5EF4-FFF2-40B4-BE49-F238E27FC236}">
-                <a16:creationId xmlns:a16="http://schemas.microsoft.com/office/drawing/2014/main" xmlns="" id="{739A96B0-70B1-417A-80F2-363E64367A32}"/>
+                <a16:creationId xmlns="" xmlns:a16="http://schemas.microsoft.com/office/drawing/2014/main" id="{739A96B0-70B1-417A-80F2-363E64367A32}"/>
               </a:ext>
             </a:extLst>
           </p:cNvPr>
@@ -14226,7 +14261,7 @@
             <p:cNvPr id="5" name="Group 4">
               <a:extLst>
                 <a:ext uri="{FF2B5EF4-FFF2-40B4-BE49-F238E27FC236}">
-                  <a16:creationId xmlns:a16="http://schemas.microsoft.com/office/drawing/2014/main" xmlns="" id="{766600B2-43D6-426A-BF4F-E893A35FBE58}"/>
+                  <a16:creationId xmlns="" xmlns:a16="http://schemas.microsoft.com/office/drawing/2014/main" id="{766600B2-43D6-426A-BF4F-E893A35FBE58}"/>
                 </a:ext>
               </a:extLst>
             </p:cNvPr>
@@ -14246,7 +14281,7 @@
               <p:cNvPr id="36" name="Rectangle 35">
                 <a:extLst>
                   <a:ext uri="{FF2B5EF4-FFF2-40B4-BE49-F238E27FC236}">
-                    <a16:creationId xmlns:a16="http://schemas.microsoft.com/office/drawing/2014/main" xmlns="" id="{69ADB7BC-9BA6-4C17-9E6D-B422AED9DAEC}"/>
+                    <a16:creationId xmlns="" xmlns:a16="http://schemas.microsoft.com/office/drawing/2014/main" id="{69ADB7BC-9BA6-4C17-9E6D-B422AED9DAEC}"/>
                   </a:ext>
                 </a:extLst>
               </p:cNvPr>
@@ -14326,7 +14361,7 @@
               <p:cNvPr id="48" name="Rectangle 47">
                 <a:extLst>
                   <a:ext uri="{FF2B5EF4-FFF2-40B4-BE49-F238E27FC236}">
-                    <a16:creationId xmlns:a16="http://schemas.microsoft.com/office/drawing/2014/main" xmlns="" id="{443CF2E7-3344-4452-99A5-CAC1F527AF55}"/>
+                    <a16:creationId xmlns="" xmlns:a16="http://schemas.microsoft.com/office/drawing/2014/main" id="{443CF2E7-3344-4452-99A5-CAC1F527AF55}"/>
                   </a:ext>
                 </a:extLst>
               </p:cNvPr>
@@ -14455,7 +14490,7 @@
             <p:cNvPr id="52" name="Rectangle 51">
               <a:extLst>
                 <a:ext uri="{FF2B5EF4-FFF2-40B4-BE49-F238E27FC236}">
-                  <a16:creationId xmlns:a16="http://schemas.microsoft.com/office/drawing/2014/main" xmlns="" id="{1134DA3A-0540-4260-BAB4-7484BD13F541}"/>
+                  <a16:creationId xmlns="" xmlns:a16="http://schemas.microsoft.com/office/drawing/2014/main" id="{1134DA3A-0540-4260-BAB4-7484BD13F541}"/>
                 </a:ext>
               </a:extLst>
             </p:cNvPr>
@@ -14543,7 +14578,7 @@
           <p:cNvPr id="53" name="Rectangle 52">
             <a:extLst>
               <a:ext uri="{FF2B5EF4-FFF2-40B4-BE49-F238E27FC236}">
-                <a16:creationId xmlns:a16="http://schemas.microsoft.com/office/drawing/2014/main" xmlns="" id="{E9B56035-CA91-4D33-9DEA-9922173D2D5B}"/>
+                <a16:creationId xmlns="" xmlns:a16="http://schemas.microsoft.com/office/drawing/2014/main" id="{E9B56035-CA91-4D33-9DEA-9922173D2D5B}"/>
               </a:ext>
             </a:extLst>
           </p:cNvPr>
@@ -14622,7 +14657,7 @@
           <p:cNvPr id="54" name="TextBox 53">
             <a:extLst>
               <a:ext uri="{FF2B5EF4-FFF2-40B4-BE49-F238E27FC236}">
-                <a16:creationId xmlns:a16="http://schemas.microsoft.com/office/drawing/2014/main" xmlns="" id="{367C69FA-901B-4FBD-B9B8-F7AB6C777723}"/>
+                <a16:creationId xmlns="" xmlns:a16="http://schemas.microsoft.com/office/drawing/2014/main" id="{367C69FA-901B-4FBD-B9B8-F7AB6C777723}"/>
               </a:ext>
             </a:extLst>
           </p:cNvPr>
@@ -15745,7 +15780,7 @@
           <p:cNvPr id="47" name="Rectangle 46">
             <a:extLst>
               <a:ext uri="{FF2B5EF4-FFF2-40B4-BE49-F238E27FC236}">
-                <a16:creationId xmlns:a16="http://schemas.microsoft.com/office/drawing/2014/main" xmlns="" id="{E33E5640-3ED1-4A60-A2C1-88A47377BA0C}"/>
+                <a16:creationId xmlns="" xmlns:a16="http://schemas.microsoft.com/office/drawing/2014/main" id="{E33E5640-3ED1-4A60-A2C1-88A47377BA0C}"/>
               </a:ext>
             </a:extLst>
           </p:cNvPr>
@@ -15875,7 +15910,7 @@
           <p:cNvPr id="48" name="Rectangle 47">
             <a:extLst>
               <a:ext uri="{FF2B5EF4-FFF2-40B4-BE49-F238E27FC236}">
-                <a16:creationId xmlns:a16="http://schemas.microsoft.com/office/drawing/2014/main" xmlns="" id="{443CF2E7-3344-4452-99A5-CAC1F527AF55}"/>
+                <a16:creationId xmlns="" xmlns:a16="http://schemas.microsoft.com/office/drawing/2014/main" id="{443CF2E7-3344-4452-99A5-CAC1F527AF55}"/>
               </a:ext>
             </a:extLst>
           </p:cNvPr>
@@ -16002,7 +16037,7 @@
           <p:cNvPr id="39" name="Title 1">
             <a:extLst>
               <a:ext uri="{FF2B5EF4-FFF2-40B4-BE49-F238E27FC236}">
-                <a16:creationId xmlns:a16="http://schemas.microsoft.com/office/drawing/2014/main" xmlns="" id="{A8100B3E-DBA4-4DE0-864F-F152EE250F6F}"/>
+                <a16:creationId xmlns="" xmlns:a16="http://schemas.microsoft.com/office/drawing/2014/main" id="{A8100B3E-DBA4-4DE0-864F-F152EE250F6F}"/>
               </a:ext>
             </a:extLst>
           </p:cNvPr>
@@ -16041,7 +16076,7 @@
           <p:cNvPr id="37" name="Straight Arrow Connector 36">
             <a:extLst>
               <a:ext uri="{FF2B5EF4-FFF2-40B4-BE49-F238E27FC236}">
-                <a16:creationId xmlns:a16="http://schemas.microsoft.com/office/drawing/2014/main" xmlns="" id="{9830D0AB-E7C4-4A5F-AE4C-FF9BCADD29CB}"/>
+                <a16:creationId xmlns="" xmlns:a16="http://schemas.microsoft.com/office/drawing/2014/main" id="{9830D0AB-E7C4-4A5F-AE4C-FF9BCADD29CB}"/>
               </a:ext>
             </a:extLst>
           </p:cNvPr>
@@ -16091,7 +16126,7 @@
               <p:cNvPr id="18" name="TextBox 17">
                 <a:extLst>
                   <a:ext uri="{FF2B5EF4-FFF2-40B4-BE49-F238E27FC236}">
-                    <a16:creationId xmlns:a16="http://schemas.microsoft.com/office/drawing/2014/main" xmlns="" id="{DBC36B95-FD05-42EA-B8DB-4052D4B6088B}"/>
+                    <a16:creationId xmlns="" xmlns:a16="http://schemas.microsoft.com/office/drawing/2014/main" id="{DBC36B95-FD05-42EA-B8DB-4052D4B6088B}"/>
                   </a:ext>
                 </a:extLst>
               </p:cNvPr>
@@ -16187,7 +16222,7 @@
               <p:cNvPr id="49" name="TextBox 48">
                 <a:extLst>
                   <a:ext uri="{FF2B5EF4-FFF2-40B4-BE49-F238E27FC236}">
-                    <a16:creationId xmlns:a16="http://schemas.microsoft.com/office/drawing/2014/main" xmlns="" id="{B7F51AAA-655B-4D93-A1BE-A16A2F16B9C7}"/>
+                    <a16:creationId xmlns="" xmlns:a16="http://schemas.microsoft.com/office/drawing/2014/main" id="{B7F51AAA-655B-4D93-A1BE-A16A2F16B9C7}"/>
                   </a:ext>
                 </a:extLst>
               </p:cNvPr>
@@ -16304,7 +16339,7 @@
           <p:cNvPr id="61" name="Straight Arrow Connector 60">
             <a:extLst>
               <a:ext uri="{FF2B5EF4-FFF2-40B4-BE49-F238E27FC236}">
-                <a16:creationId xmlns:a16="http://schemas.microsoft.com/office/drawing/2014/main" xmlns="" id="{BB190311-64E6-41BA-8AC5-E1B36EE27BBC}"/>
+                <a16:creationId xmlns="" xmlns:a16="http://schemas.microsoft.com/office/drawing/2014/main" id="{BB190311-64E6-41BA-8AC5-E1B36EE27BBC}"/>
               </a:ext>
             </a:extLst>
           </p:cNvPr>
@@ -16353,7 +16388,7 @@
               <p:cNvPr id="62" name="TextBox 61">
                 <a:extLst>
                   <a:ext uri="{FF2B5EF4-FFF2-40B4-BE49-F238E27FC236}">
-                    <a16:creationId xmlns:a16="http://schemas.microsoft.com/office/drawing/2014/main" xmlns="" id="{DCB73AB5-1E79-4FA1-9E38-323F1C5A5A7E}"/>
+                    <a16:creationId xmlns="" xmlns:a16="http://schemas.microsoft.com/office/drawing/2014/main" id="{DCB73AB5-1E79-4FA1-9E38-323F1C5A5A7E}"/>
                   </a:ext>
                 </a:extLst>
               </p:cNvPr>
@@ -16578,7 +16613,7 @@
               <p:cNvPr id="44" name="TextBox 43">
                 <a:extLst>
                   <a:ext uri="{FF2B5EF4-FFF2-40B4-BE49-F238E27FC236}">
-                    <a16:creationId xmlns:a16="http://schemas.microsoft.com/office/drawing/2014/main" xmlns="" id="{96AEF92C-3820-4AD1-9DEF-96AAE9B6ECC4}"/>
+                    <a16:creationId xmlns="" xmlns:a16="http://schemas.microsoft.com/office/drawing/2014/main" id="{96AEF92C-3820-4AD1-9DEF-96AAE9B6ECC4}"/>
                   </a:ext>
                 </a:extLst>
               </p:cNvPr>
@@ -16776,7 +16811,7 @@
           <p:cNvPr id="6" name="Group 5">
             <a:extLst>
               <a:ext uri="{FF2B5EF4-FFF2-40B4-BE49-F238E27FC236}">
-                <a16:creationId xmlns:a16="http://schemas.microsoft.com/office/drawing/2014/main" xmlns="" id="{9C65EE93-1366-4529-AC02-C93EF0A2EAD8}"/>
+                <a16:creationId xmlns="" xmlns:a16="http://schemas.microsoft.com/office/drawing/2014/main" id="{9C65EE93-1366-4529-AC02-C93EF0A2EAD8}"/>
               </a:ext>
             </a:extLst>
           </p:cNvPr>
@@ -16796,7 +16831,7 @@
             <p:cNvPr id="52" name="Rectangle 51">
               <a:extLst>
                 <a:ext uri="{FF2B5EF4-FFF2-40B4-BE49-F238E27FC236}">
-                  <a16:creationId xmlns:a16="http://schemas.microsoft.com/office/drawing/2014/main" xmlns="" id="{91FC43B0-13BB-407B-9AD3-1C274931DD69}"/>
+                  <a16:creationId xmlns="" xmlns:a16="http://schemas.microsoft.com/office/drawing/2014/main" id="{91FC43B0-13BB-407B-9AD3-1C274931DD69}"/>
                 </a:ext>
               </a:extLst>
             </p:cNvPr>
@@ -16923,7 +16958,7 @@
             <p:cNvPr id="57" name="Straight Arrow Connector 56">
               <a:extLst>
                 <a:ext uri="{FF2B5EF4-FFF2-40B4-BE49-F238E27FC236}">
-                  <a16:creationId xmlns:a16="http://schemas.microsoft.com/office/drawing/2014/main" xmlns="" id="{9058E969-1448-4669-B4EF-CC6D1D032033}"/>
+                  <a16:creationId xmlns="" xmlns:a16="http://schemas.microsoft.com/office/drawing/2014/main" id="{9058E969-1448-4669-B4EF-CC6D1D032033}"/>
                 </a:ext>
               </a:extLst>
             </p:cNvPr>
@@ -16970,7 +17005,7 @@
             <p:cNvPr id="60" name="Straight Arrow Connector 59">
               <a:extLst>
                 <a:ext uri="{FF2B5EF4-FFF2-40B4-BE49-F238E27FC236}">
-                  <a16:creationId xmlns:a16="http://schemas.microsoft.com/office/drawing/2014/main" xmlns="" id="{CCEF68B6-DD0B-4D8C-AD6F-9F0A4DF35CFD}"/>
+                  <a16:creationId xmlns="" xmlns:a16="http://schemas.microsoft.com/office/drawing/2014/main" id="{CCEF68B6-DD0B-4D8C-AD6F-9F0A4DF35CFD}"/>
                 </a:ext>
               </a:extLst>
             </p:cNvPr>
@@ -17017,7 +17052,7 @@
             <p:cNvPr id="78" name="Group 77">
               <a:extLst>
                 <a:ext uri="{FF2B5EF4-FFF2-40B4-BE49-F238E27FC236}">
-                  <a16:creationId xmlns:a16="http://schemas.microsoft.com/office/drawing/2014/main" xmlns="" id="{66B6B3CC-819B-4F73-BA1D-22E01B942256}"/>
+                  <a16:creationId xmlns="" xmlns:a16="http://schemas.microsoft.com/office/drawing/2014/main" id="{66B6B3CC-819B-4F73-BA1D-22E01B942256}"/>
                 </a:ext>
               </a:extLst>
             </p:cNvPr>
@@ -17037,7 +17072,7 @@
               <p:cNvPr id="73" name="Straight Arrow Connector 72">
                 <a:extLst>
                   <a:ext uri="{FF2B5EF4-FFF2-40B4-BE49-F238E27FC236}">
-                    <a16:creationId xmlns:a16="http://schemas.microsoft.com/office/drawing/2014/main" xmlns="" id="{866CB804-F56C-4CBF-BA49-6A23B5E61E53}"/>
+                    <a16:creationId xmlns="" xmlns:a16="http://schemas.microsoft.com/office/drawing/2014/main" id="{866CB804-F56C-4CBF-BA49-6A23B5E61E53}"/>
                   </a:ext>
                 </a:extLst>
               </p:cNvPr>
@@ -17082,7 +17117,7 @@
               <p:cNvPr id="74" name="Straight Arrow Connector 73">
                 <a:extLst>
                   <a:ext uri="{FF2B5EF4-FFF2-40B4-BE49-F238E27FC236}">
-                    <a16:creationId xmlns:a16="http://schemas.microsoft.com/office/drawing/2014/main" xmlns="" id="{618D90D4-D9AB-4072-8F45-F029840952AC}"/>
+                    <a16:creationId xmlns="" xmlns:a16="http://schemas.microsoft.com/office/drawing/2014/main" id="{618D90D4-D9AB-4072-8F45-F029840952AC}"/>
                   </a:ext>
                 </a:extLst>
               </p:cNvPr>
@@ -17129,7 +17164,7 @@
           <p:cNvPr id="2" name="Slide Number Placeholder 1">
             <a:extLst>
               <a:ext uri="{FF2B5EF4-FFF2-40B4-BE49-F238E27FC236}">
-                <a16:creationId xmlns:a16="http://schemas.microsoft.com/office/drawing/2014/main" xmlns="" id="{39A4A61C-E614-40D0-A029-086975E3AEA9}"/>
+                <a16:creationId xmlns="" xmlns:a16="http://schemas.microsoft.com/office/drawing/2014/main" id="{39A4A61C-E614-40D0-A029-086975E3AEA9}"/>
               </a:ext>
             </a:extLst>
           </p:cNvPr>
@@ -17474,7 +17509,7 @@
           <p:cNvPr id="69" name="Freeform: Shape 68">
             <a:extLst>
               <a:ext uri="{FF2B5EF4-FFF2-40B4-BE49-F238E27FC236}">
-                <a16:creationId xmlns:a16="http://schemas.microsoft.com/office/drawing/2014/main" xmlns="" id="{A0D700E9-CDA7-4D60-99AF-492B4B66860D}"/>
+                <a16:creationId xmlns="" xmlns:a16="http://schemas.microsoft.com/office/drawing/2014/main" id="{A0D700E9-CDA7-4D60-99AF-492B4B66860D}"/>
               </a:ext>
             </a:extLst>
           </p:cNvPr>
@@ -17586,7 +17621,7 @@
           <p:cNvPr id="47" name="Rectangle 46">
             <a:extLst>
               <a:ext uri="{FF2B5EF4-FFF2-40B4-BE49-F238E27FC236}">
-                <a16:creationId xmlns:a16="http://schemas.microsoft.com/office/drawing/2014/main" xmlns="" id="{E33E5640-3ED1-4A60-A2C1-88A47377BA0C}"/>
+                <a16:creationId xmlns="" xmlns:a16="http://schemas.microsoft.com/office/drawing/2014/main" id="{E33E5640-3ED1-4A60-A2C1-88A47377BA0C}"/>
               </a:ext>
             </a:extLst>
           </p:cNvPr>
@@ -17716,7 +17751,7 @@
           <p:cNvPr id="48" name="Rectangle 47">
             <a:extLst>
               <a:ext uri="{FF2B5EF4-FFF2-40B4-BE49-F238E27FC236}">
-                <a16:creationId xmlns:a16="http://schemas.microsoft.com/office/drawing/2014/main" xmlns="" id="{443CF2E7-3344-4452-99A5-CAC1F527AF55}"/>
+                <a16:creationId xmlns="" xmlns:a16="http://schemas.microsoft.com/office/drawing/2014/main" id="{443CF2E7-3344-4452-99A5-CAC1F527AF55}"/>
               </a:ext>
             </a:extLst>
           </p:cNvPr>
@@ -17843,7 +17878,7 @@
           <p:cNvPr id="39" name="Title 1">
             <a:extLst>
               <a:ext uri="{FF2B5EF4-FFF2-40B4-BE49-F238E27FC236}">
-                <a16:creationId xmlns:a16="http://schemas.microsoft.com/office/drawing/2014/main" xmlns="" id="{A8100B3E-DBA4-4DE0-864F-F152EE250F6F}"/>
+                <a16:creationId xmlns="" xmlns:a16="http://schemas.microsoft.com/office/drawing/2014/main" id="{A8100B3E-DBA4-4DE0-864F-F152EE250F6F}"/>
               </a:ext>
             </a:extLst>
           </p:cNvPr>
@@ -17882,7 +17917,7 @@
           <p:cNvPr id="37" name="Straight Arrow Connector 36">
             <a:extLst>
               <a:ext uri="{FF2B5EF4-FFF2-40B4-BE49-F238E27FC236}">
-                <a16:creationId xmlns:a16="http://schemas.microsoft.com/office/drawing/2014/main" xmlns="" id="{9830D0AB-E7C4-4A5F-AE4C-FF9BCADD29CB}"/>
+                <a16:creationId xmlns="" xmlns:a16="http://schemas.microsoft.com/office/drawing/2014/main" id="{9830D0AB-E7C4-4A5F-AE4C-FF9BCADD29CB}"/>
               </a:ext>
             </a:extLst>
           </p:cNvPr>
@@ -17932,7 +17967,7 @@
               <p:cNvPr id="18" name="TextBox 17">
                 <a:extLst>
                   <a:ext uri="{FF2B5EF4-FFF2-40B4-BE49-F238E27FC236}">
-                    <a16:creationId xmlns:a16="http://schemas.microsoft.com/office/drawing/2014/main" xmlns="" id="{DBC36B95-FD05-42EA-B8DB-4052D4B6088B}"/>
+                    <a16:creationId xmlns="" xmlns:a16="http://schemas.microsoft.com/office/drawing/2014/main" id="{DBC36B95-FD05-42EA-B8DB-4052D4B6088B}"/>
                   </a:ext>
                 </a:extLst>
               </p:cNvPr>
@@ -18028,7 +18063,7 @@
               <p:cNvPr id="49" name="TextBox 48">
                 <a:extLst>
                   <a:ext uri="{FF2B5EF4-FFF2-40B4-BE49-F238E27FC236}">
-                    <a16:creationId xmlns:a16="http://schemas.microsoft.com/office/drawing/2014/main" xmlns="" id="{B7F51AAA-655B-4D93-A1BE-A16A2F16B9C7}"/>
+                    <a16:creationId xmlns="" xmlns:a16="http://schemas.microsoft.com/office/drawing/2014/main" id="{B7F51AAA-655B-4D93-A1BE-A16A2F16B9C7}"/>
                   </a:ext>
                 </a:extLst>
               </p:cNvPr>
@@ -18145,7 +18180,7 @@
           <p:cNvPr id="61" name="Straight Arrow Connector 60">
             <a:extLst>
               <a:ext uri="{FF2B5EF4-FFF2-40B4-BE49-F238E27FC236}">
-                <a16:creationId xmlns:a16="http://schemas.microsoft.com/office/drawing/2014/main" xmlns="" id="{BB190311-64E6-41BA-8AC5-E1B36EE27BBC}"/>
+                <a16:creationId xmlns="" xmlns:a16="http://schemas.microsoft.com/office/drawing/2014/main" id="{BB190311-64E6-41BA-8AC5-E1B36EE27BBC}"/>
               </a:ext>
             </a:extLst>
           </p:cNvPr>
@@ -18194,7 +18229,7 @@
               <p:cNvPr id="62" name="TextBox 61">
                 <a:extLst>
                   <a:ext uri="{FF2B5EF4-FFF2-40B4-BE49-F238E27FC236}">
-                    <a16:creationId xmlns:a16="http://schemas.microsoft.com/office/drawing/2014/main" xmlns="" id="{DCB73AB5-1E79-4FA1-9E38-323F1C5A5A7E}"/>
+                    <a16:creationId xmlns="" xmlns:a16="http://schemas.microsoft.com/office/drawing/2014/main" id="{DCB73AB5-1E79-4FA1-9E38-323F1C5A5A7E}"/>
                   </a:ext>
                 </a:extLst>
               </p:cNvPr>
@@ -18419,7 +18454,7 @@
               <p:cNvPr id="40" name="TextBox 39">
                 <a:extLst>
                   <a:ext uri="{FF2B5EF4-FFF2-40B4-BE49-F238E27FC236}">
-                    <a16:creationId xmlns:a16="http://schemas.microsoft.com/office/drawing/2014/main" xmlns="" id="{AD092996-4549-49D9-B160-337093B26E54}"/>
+                    <a16:creationId xmlns="" xmlns:a16="http://schemas.microsoft.com/office/drawing/2014/main" id="{AD092996-4549-49D9-B160-337093B26E54}"/>
                   </a:ext>
                 </a:extLst>
               </p:cNvPr>
@@ -19052,7 +19087,7 @@
           <p:cNvPr id="79" name="Group 78">
             <a:extLst>
               <a:ext uri="{FF2B5EF4-FFF2-40B4-BE49-F238E27FC236}">
-                <a16:creationId xmlns:a16="http://schemas.microsoft.com/office/drawing/2014/main" xmlns="" id="{FC1971F2-8FB3-42CE-8B72-D7EC76EBA8E1}"/>
+                <a16:creationId xmlns="" xmlns:a16="http://schemas.microsoft.com/office/drawing/2014/main" id="{FC1971F2-8FB3-42CE-8B72-D7EC76EBA8E1}"/>
               </a:ext>
             </a:extLst>
           </p:cNvPr>
@@ -19074,7 +19109,7 @@
                 <p:cNvPr id="44" name="TextBox 43">
                   <a:extLst>
                     <a:ext uri="{FF2B5EF4-FFF2-40B4-BE49-F238E27FC236}">
-                      <a16:creationId xmlns:a16="http://schemas.microsoft.com/office/drawing/2014/main" xmlns="" id="{96AEF92C-3820-4AD1-9DEF-96AAE9B6ECC4}"/>
+                      <a16:creationId xmlns="" xmlns:a16="http://schemas.microsoft.com/office/drawing/2014/main" id="{96AEF92C-3820-4AD1-9DEF-96AAE9B6ECC4}"/>
                     </a:ext>
                   </a:extLst>
                 </p:cNvPr>
@@ -19272,7 +19307,7 @@
             <p:cNvPr id="52" name="Rectangle 51">
               <a:extLst>
                 <a:ext uri="{FF2B5EF4-FFF2-40B4-BE49-F238E27FC236}">
-                  <a16:creationId xmlns:a16="http://schemas.microsoft.com/office/drawing/2014/main" xmlns="" id="{91FC43B0-13BB-407B-9AD3-1C274931DD69}"/>
+                  <a16:creationId xmlns="" xmlns:a16="http://schemas.microsoft.com/office/drawing/2014/main" id="{91FC43B0-13BB-407B-9AD3-1C274931DD69}"/>
                 </a:ext>
               </a:extLst>
             </p:cNvPr>
@@ -19399,7 +19434,7 @@
             <p:cNvPr id="53" name="Rectangle 52">
               <a:extLst>
                 <a:ext uri="{FF2B5EF4-FFF2-40B4-BE49-F238E27FC236}">
-                  <a16:creationId xmlns:a16="http://schemas.microsoft.com/office/drawing/2014/main" xmlns="" id="{6521DF2A-636A-4B52-B7B6-F07278A1ACE9}"/>
+                  <a16:creationId xmlns="" xmlns:a16="http://schemas.microsoft.com/office/drawing/2014/main" id="{6521DF2A-636A-4B52-B7B6-F07278A1ACE9}"/>
                 </a:ext>
               </a:extLst>
             </p:cNvPr>
@@ -19490,7 +19525,7 @@
             <p:cNvPr id="54" name="Rectangle 53">
               <a:extLst>
                 <a:ext uri="{FF2B5EF4-FFF2-40B4-BE49-F238E27FC236}">
-                  <a16:creationId xmlns:a16="http://schemas.microsoft.com/office/drawing/2014/main" xmlns="" id="{40B2407F-6ACD-4D0C-A691-ABAF372DF723}"/>
+                  <a16:creationId xmlns="" xmlns:a16="http://schemas.microsoft.com/office/drawing/2014/main" id="{40B2407F-6ACD-4D0C-A691-ABAF372DF723}"/>
                 </a:ext>
               </a:extLst>
             </p:cNvPr>
@@ -19623,7 +19658,7 @@
             <p:cNvPr id="57" name="Straight Arrow Connector 56">
               <a:extLst>
                 <a:ext uri="{FF2B5EF4-FFF2-40B4-BE49-F238E27FC236}">
-                  <a16:creationId xmlns:a16="http://schemas.microsoft.com/office/drawing/2014/main" xmlns="" id="{9058E969-1448-4669-B4EF-CC6D1D032033}"/>
+                  <a16:creationId xmlns="" xmlns:a16="http://schemas.microsoft.com/office/drawing/2014/main" id="{9058E969-1448-4669-B4EF-CC6D1D032033}"/>
                 </a:ext>
               </a:extLst>
             </p:cNvPr>
@@ -19670,7 +19705,7 @@
             <p:cNvPr id="58" name="Straight Arrow Connector 57">
               <a:extLst>
                 <a:ext uri="{FF2B5EF4-FFF2-40B4-BE49-F238E27FC236}">
-                  <a16:creationId xmlns:a16="http://schemas.microsoft.com/office/drawing/2014/main" xmlns="" id="{E51644D2-F391-4D0D-B60A-A41D84D1F911}"/>
+                  <a16:creationId xmlns="" xmlns:a16="http://schemas.microsoft.com/office/drawing/2014/main" id="{E51644D2-F391-4D0D-B60A-A41D84D1F911}"/>
                 </a:ext>
               </a:extLst>
             </p:cNvPr>
@@ -19717,7 +19752,7 @@
             <p:cNvPr id="59" name="Straight Arrow Connector 58">
               <a:extLst>
                 <a:ext uri="{FF2B5EF4-FFF2-40B4-BE49-F238E27FC236}">
-                  <a16:creationId xmlns:a16="http://schemas.microsoft.com/office/drawing/2014/main" xmlns="" id="{D8DFEF77-59D5-4A19-A93F-1C1F6A1657CE}"/>
+                  <a16:creationId xmlns="" xmlns:a16="http://schemas.microsoft.com/office/drawing/2014/main" id="{D8DFEF77-59D5-4A19-A93F-1C1F6A1657CE}"/>
                 </a:ext>
               </a:extLst>
             </p:cNvPr>
@@ -19764,7 +19799,7 @@
             <p:cNvPr id="60" name="Straight Arrow Connector 59">
               <a:extLst>
                 <a:ext uri="{FF2B5EF4-FFF2-40B4-BE49-F238E27FC236}">
-                  <a16:creationId xmlns:a16="http://schemas.microsoft.com/office/drawing/2014/main" xmlns="" id="{CCEF68B6-DD0B-4D8C-AD6F-9F0A4DF35CFD}"/>
+                  <a16:creationId xmlns="" xmlns:a16="http://schemas.microsoft.com/office/drawing/2014/main" id="{CCEF68B6-DD0B-4D8C-AD6F-9F0A4DF35CFD}"/>
                 </a:ext>
               </a:extLst>
             </p:cNvPr>
@@ -19813,7 +19848,7 @@
                 <p:cNvPr id="63" name="TextBox 62">
                   <a:extLst>
                     <a:ext uri="{FF2B5EF4-FFF2-40B4-BE49-F238E27FC236}">
-                      <a16:creationId xmlns:a16="http://schemas.microsoft.com/office/drawing/2014/main" xmlns="" id="{C02C4A60-181A-41E7-82B5-FF541B3DE4A9}"/>
+                      <a16:creationId xmlns="" xmlns:a16="http://schemas.microsoft.com/office/drawing/2014/main" id="{C02C4A60-181A-41E7-82B5-FF541B3DE4A9}"/>
                     </a:ext>
                   </a:extLst>
                 </p:cNvPr>
@@ -19928,7 +19963,7 @@
                 <p:cNvPr id="64" name="TextBox 63">
                   <a:extLst>
                     <a:ext uri="{FF2B5EF4-FFF2-40B4-BE49-F238E27FC236}">
-                      <a16:creationId xmlns:a16="http://schemas.microsoft.com/office/drawing/2014/main" xmlns="" id="{2FD9758A-D517-49FB-B655-871A9E2A56A0}"/>
+                      <a16:creationId xmlns="" xmlns:a16="http://schemas.microsoft.com/office/drawing/2014/main" id="{2FD9758A-D517-49FB-B655-871A9E2A56A0}"/>
                     </a:ext>
                   </a:extLst>
                 </p:cNvPr>
@@ -20076,7 +20111,7 @@
                 <p:cNvPr id="71" name="TextBox 70">
                   <a:extLst>
                     <a:ext uri="{FF2B5EF4-FFF2-40B4-BE49-F238E27FC236}">
-                      <a16:creationId xmlns:a16="http://schemas.microsoft.com/office/drawing/2014/main" xmlns="" id="{7FEFB8D8-31BE-476C-B2BB-DFA18E2476A4}"/>
+                      <a16:creationId xmlns="" xmlns:a16="http://schemas.microsoft.com/office/drawing/2014/main" id="{7FEFB8D8-31BE-476C-B2BB-DFA18E2476A4}"/>
                     </a:ext>
                   </a:extLst>
                 </p:cNvPr>
@@ -20194,7 +20229,7 @@
           <p:cNvPr id="78" name="Group 77">
             <a:extLst>
               <a:ext uri="{FF2B5EF4-FFF2-40B4-BE49-F238E27FC236}">
-                <a16:creationId xmlns:a16="http://schemas.microsoft.com/office/drawing/2014/main" xmlns="" id="{66B6B3CC-819B-4F73-BA1D-22E01B942256}"/>
+                <a16:creationId xmlns="" xmlns:a16="http://schemas.microsoft.com/office/drawing/2014/main" id="{66B6B3CC-819B-4F73-BA1D-22E01B942256}"/>
               </a:ext>
             </a:extLst>
           </p:cNvPr>
@@ -20214,7 +20249,7 @@
             <p:cNvPr id="73" name="Straight Arrow Connector 72">
               <a:extLst>
                 <a:ext uri="{FF2B5EF4-FFF2-40B4-BE49-F238E27FC236}">
-                  <a16:creationId xmlns:a16="http://schemas.microsoft.com/office/drawing/2014/main" xmlns="" id="{866CB804-F56C-4CBF-BA49-6A23B5E61E53}"/>
+                  <a16:creationId xmlns="" xmlns:a16="http://schemas.microsoft.com/office/drawing/2014/main" id="{866CB804-F56C-4CBF-BA49-6A23B5E61E53}"/>
                 </a:ext>
               </a:extLst>
             </p:cNvPr>
@@ -20259,7 +20294,7 @@
             <p:cNvPr id="74" name="Straight Arrow Connector 73">
               <a:extLst>
                 <a:ext uri="{FF2B5EF4-FFF2-40B4-BE49-F238E27FC236}">
-                  <a16:creationId xmlns:a16="http://schemas.microsoft.com/office/drawing/2014/main" xmlns="" id="{618D90D4-D9AB-4072-8F45-F029840952AC}"/>
+                  <a16:creationId xmlns="" xmlns:a16="http://schemas.microsoft.com/office/drawing/2014/main" id="{618D90D4-D9AB-4072-8F45-F029840952AC}"/>
                 </a:ext>
               </a:extLst>
             </p:cNvPr>
@@ -20305,7 +20340,7 @@
           <p:cNvPr id="2" name="Slide Number Placeholder 1">
             <a:extLst>
               <a:ext uri="{FF2B5EF4-FFF2-40B4-BE49-F238E27FC236}">
-                <a16:creationId xmlns:a16="http://schemas.microsoft.com/office/drawing/2014/main" xmlns="" id="{39A4A61C-E614-40D0-A029-086975E3AEA9}"/>
+                <a16:creationId xmlns="" xmlns:a16="http://schemas.microsoft.com/office/drawing/2014/main" id="{39A4A61C-E614-40D0-A029-086975E3AEA9}"/>
               </a:ext>
             </a:extLst>
           </p:cNvPr>
@@ -20748,7 +20783,7 @@
           <p:cNvPr id="39" name="Title 1">
             <a:extLst>
               <a:ext uri="{FF2B5EF4-FFF2-40B4-BE49-F238E27FC236}">
-                <a16:creationId xmlns:a16="http://schemas.microsoft.com/office/drawing/2014/main" xmlns="" id="{A8100B3E-DBA4-4DE0-864F-F152EE250F6F}"/>
+                <a16:creationId xmlns="" xmlns:a16="http://schemas.microsoft.com/office/drawing/2014/main" id="{A8100B3E-DBA4-4DE0-864F-F152EE250F6F}"/>
               </a:ext>
             </a:extLst>
           </p:cNvPr>
@@ -20787,7 +20822,7 @@
           <p:cNvPr id="5" name="Picture 4">
             <a:extLst>
               <a:ext uri="{FF2B5EF4-FFF2-40B4-BE49-F238E27FC236}">
-                <a16:creationId xmlns:a16="http://schemas.microsoft.com/office/drawing/2014/main" xmlns="" id="{4D1378B7-6BFA-49E8-A1A9-8E545C816AE6}"/>
+                <a16:creationId xmlns="" xmlns:a16="http://schemas.microsoft.com/office/drawing/2014/main" id="{4D1378B7-6BFA-49E8-A1A9-8E545C816AE6}"/>
               </a:ext>
             </a:extLst>
           </p:cNvPr>
@@ -20817,7 +20852,7 @@
           <p:cNvPr id="10" name="TextBox 9">
             <a:extLst>
               <a:ext uri="{FF2B5EF4-FFF2-40B4-BE49-F238E27FC236}">
-                <a16:creationId xmlns:a16="http://schemas.microsoft.com/office/drawing/2014/main" xmlns="" id="{2CC07CA0-CB3B-408F-BCA2-C72403DBEF1E}"/>
+                <a16:creationId xmlns="" xmlns:a16="http://schemas.microsoft.com/office/drawing/2014/main" id="{2CC07CA0-CB3B-408F-BCA2-C72403DBEF1E}"/>
               </a:ext>
             </a:extLst>
           </p:cNvPr>
@@ -20947,7 +20982,7 @@
           <p:cNvPr id="4" name="Slide Number Placeholder 3">
             <a:extLst>
               <a:ext uri="{FF2B5EF4-FFF2-40B4-BE49-F238E27FC236}">
-                <a16:creationId xmlns:a16="http://schemas.microsoft.com/office/drawing/2014/main" xmlns="" id="{DBB2CB64-79F8-4F5F-81B9-45283DB80F0B}"/>
+                <a16:creationId xmlns="" xmlns:a16="http://schemas.microsoft.com/office/drawing/2014/main" id="{DBB2CB64-79F8-4F5F-81B9-45283DB80F0B}"/>
               </a:ext>
             </a:extLst>
           </p:cNvPr>
@@ -20982,6 +21017,13 @@
   <p:clrMapOvr>
     <a:masterClrMapping/>
   </p:clrMapOvr>
+  <p:timing>
+    <p:tnLst>
+      <p:par>
+        <p:cTn id="1" dur="indefinite" restart="never" nodeType="tmRoot"/>
+      </p:par>
+    </p:tnLst>
+  </p:timing>
 </p:sld>
 </file>
 
@@ -21007,7 +21049,7 @@
           <p:cNvPr id="39" name="Title 1">
             <a:extLst>
               <a:ext uri="{FF2B5EF4-FFF2-40B4-BE49-F238E27FC236}">
-                <a16:creationId xmlns:a16="http://schemas.microsoft.com/office/drawing/2014/main" xmlns="" id="{A8100B3E-DBA4-4DE0-864F-F152EE250F6F}"/>
+                <a16:creationId xmlns="" xmlns:a16="http://schemas.microsoft.com/office/drawing/2014/main" id="{A8100B3E-DBA4-4DE0-864F-F152EE250F6F}"/>
               </a:ext>
             </a:extLst>
           </p:cNvPr>
@@ -21046,7 +21088,7 @@
           <p:cNvPr id="7" name="Picture 6">
             <a:extLst>
               <a:ext uri="{FF2B5EF4-FFF2-40B4-BE49-F238E27FC236}">
-                <a16:creationId xmlns:a16="http://schemas.microsoft.com/office/drawing/2014/main" xmlns="" id="{880130BA-E803-4AF9-84DE-FEC7D1B8465C}"/>
+                <a16:creationId xmlns="" xmlns:a16="http://schemas.microsoft.com/office/drawing/2014/main" id="{880130BA-E803-4AF9-84DE-FEC7D1B8465C}"/>
               </a:ext>
             </a:extLst>
           </p:cNvPr>
@@ -21078,7 +21120,7 @@
               <p:cNvPr id="19" name="TextBox 18">
                 <a:extLst>
                   <a:ext uri="{FF2B5EF4-FFF2-40B4-BE49-F238E27FC236}">
-                    <a16:creationId xmlns:a16="http://schemas.microsoft.com/office/drawing/2014/main" xmlns="" id="{D8D0DE4E-798E-48AC-B5F0-09A08252B1EA}"/>
+                    <a16:creationId xmlns="" xmlns:a16="http://schemas.microsoft.com/office/drawing/2014/main" id="{D8D0DE4E-798E-48AC-B5F0-09A08252B1EA}"/>
                   </a:ext>
                 </a:extLst>
               </p:cNvPr>
@@ -21194,7 +21236,7 @@
           <p:cNvPr id="4" name="Picture 3">
             <a:extLst>
               <a:ext uri="{FF2B5EF4-FFF2-40B4-BE49-F238E27FC236}">
-                <a16:creationId xmlns:a16="http://schemas.microsoft.com/office/drawing/2014/main" xmlns="" id="{356AFBDB-AE54-4D90-959E-3EA191380400}"/>
+                <a16:creationId xmlns="" xmlns:a16="http://schemas.microsoft.com/office/drawing/2014/main" id="{356AFBDB-AE54-4D90-959E-3EA191380400}"/>
               </a:ext>
             </a:extLst>
           </p:cNvPr>
@@ -21229,7 +21271,7 @@
               <p:cNvPr id="14" name="TextBox 13">
                 <a:extLst>
                   <a:ext uri="{FF2B5EF4-FFF2-40B4-BE49-F238E27FC236}">
-                    <a16:creationId xmlns:a16="http://schemas.microsoft.com/office/drawing/2014/main" xmlns="" id="{11386286-1DB9-48C0-B384-3982ECB152DC}"/>
+                    <a16:creationId xmlns="" xmlns:a16="http://schemas.microsoft.com/office/drawing/2014/main" id="{11386286-1DB9-48C0-B384-3982ECB152DC}"/>
                   </a:ext>
                 </a:extLst>
               </p:cNvPr>
@@ -21436,7 +21478,7 @@
           <p:cNvPr id="15" name="Straight Arrow Connector 14">
             <a:extLst>
               <a:ext uri="{FF2B5EF4-FFF2-40B4-BE49-F238E27FC236}">
-                <a16:creationId xmlns:a16="http://schemas.microsoft.com/office/drawing/2014/main" xmlns="" id="{DED34169-5224-478D-AC0E-AC722990B934}"/>
+                <a16:creationId xmlns="" xmlns:a16="http://schemas.microsoft.com/office/drawing/2014/main" id="{DED34169-5224-478D-AC0E-AC722990B934}"/>
               </a:ext>
             </a:extLst>
           </p:cNvPr>
@@ -21485,7 +21527,7 @@
               <p:cNvPr id="9" name="TextBox 8">
                 <a:extLst>
                   <a:ext uri="{FF2B5EF4-FFF2-40B4-BE49-F238E27FC236}">
-                    <a16:creationId xmlns:a16="http://schemas.microsoft.com/office/drawing/2014/main" xmlns="" id="{E61FDD08-D0F9-42EB-BB2D-C8273378B37C}"/>
+                    <a16:creationId xmlns="" xmlns:a16="http://schemas.microsoft.com/office/drawing/2014/main" id="{E61FDD08-D0F9-42EB-BB2D-C8273378B37C}"/>
                   </a:ext>
                 </a:extLst>
               </p:cNvPr>
@@ -21619,7 +21661,7 @@
           <p:cNvPr id="12" name="Rectangle 11">
             <a:extLst>
               <a:ext uri="{FF2B5EF4-FFF2-40B4-BE49-F238E27FC236}">
-                <a16:creationId xmlns:a16="http://schemas.microsoft.com/office/drawing/2014/main" xmlns="" id="{7BEC8890-3B6C-46BD-B8CD-C983AA8200F5}"/>
+                <a16:creationId xmlns="" xmlns:a16="http://schemas.microsoft.com/office/drawing/2014/main" id="{7BEC8890-3B6C-46BD-B8CD-C983AA8200F5}"/>
               </a:ext>
             </a:extLst>
           </p:cNvPr>
@@ -21675,7 +21717,7 @@
           <p:cNvPr id="16" name="Speech Bubble: Rectangle with Corners Rounded 15">
             <a:extLst>
               <a:ext uri="{FF2B5EF4-FFF2-40B4-BE49-F238E27FC236}">
-                <a16:creationId xmlns:a16="http://schemas.microsoft.com/office/drawing/2014/main" xmlns="" id="{99D61782-029C-4E3C-978F-66F996BC6628}"/>
+                <a16:creationId xmlns="" xmlns:a16="http://schemas.microsoft.com/office/drawing/2014/main" id="{99D61782-029C-4E3C-978F-66F996BC6628}"/>
               </a:ext>
             </a:extLst>
           </p:cNvPr>
@@ -21747,7 +21789,7 @@
           <p:cNvPr id="5" name="Slide Number Placeholder 4">
             <a:extLst>
               <a:ext uri="{FF2B5EF4-FFF2-40B4-BE49-F238E27FC236}">
-                <a16:creationId xmlns:a16="http://schemas.microsoft.com/office/drawing/2014/main" xmlns="" id="{AFBCBA92-9C9D-4CE1-9E8C-B44A24A95188}"/>
+                <a16:creationId xmlns="" xmlns:a16="http://schemas.microsoft.com/office/drawing/2014/main" id="{AFBCBA92-9C9D-4CE1-9E8C-B44A24A95188}"/>
               </a:ext>
             </a:extLst>
           </p:cNvPr>
@@ -22285,7 +22327,7 @@
           <p:cNvPr id="5" name="Title 1">
             <a:extLst>
               <a:ext uri="{FF2B5EF4-FFF2-40B4-BE49-F238E27FC236}">
-                <a16:creationId xmlns:a16="http://schemas.microsoft.com/office/drawing/2014/main" xmlns="" id="{F11C875C-9CAA-4838-BBDD-43705F932F58}"/>
+                <a16:creationId xmlns="" xmlns:a16="http://schemas.microsoft.com/office/drawing/2014/main" id="{F11C875C-9CAA-4838-BBDD-43705F932F58}"/>
               </a:ext>
             </a:extLst>
           </p:cNvPr>
@@ -22403,7 +22445,7 @@
           <p:cNvPr id="14" name="Picture 13">
             <a:extLst>
               <a:ext uri="{FF2B5EF4-FFF2-40B4-BE49-F238E27FC236}">
-                <a16:creationId xmlns:a16="http://schemas.microsoft.com/office/drawing/2014/main" xmlns="" id="{A5018CE7-28D9-4022-9A9E-B2B9B8CA48FE}"/>
+                <a16:creationId xmlns="" xmlns:a16="http://schemas.microsoft.com/office/drawing/2014/main" id="{A5018CE7-28D9-4022-9A9E-B2B9B8CA48FE}"/>
               </a:ext>
             </a:extLst>
           </p:cNvPr>
@@ -22433,7 +22475,7 @@
           <p:cNvPr id="23" name="Group 22">
             <a:extLst>
               <a:ext uri="{FF2B5EF4-FFF2-40B4-BE49-F238E27FC236}">
-                <a16:creationId xmlns:a16="http://schemas.microsoft.com/office/drawing/2014/main" xmlns="" id="{92AFB317-F39E-4D8D-BF6D-081F2F0B5691}"/>
+                <a16:creationId xmlns="" xmlns:a16="http://schemas.microsoft.com/office/drawing/2014/main" id="{92AFB317-F39E-4D8D-BF6D-081F2F0B5691}"/>
               </a:ext>
             </a:extLst>
           </p:cNvPr>
@@ -22453,7 +22495,7 @@
             <p:cNvPr id="17" name="Oval 16">
               <a:extLst>
                 <a:ext uri="{FF2B5EF4-FFF2-40B4-BE49-F238E27FC236}">
-                  <a16:creationId xmlns:a16="http://schemas.microsoft.com/office/drawing/2014/main" xmlns="" id="{520F6D53-68A7-4282-831D-E164F3C4C7C3}"/>
+                  <a16:creationId xmlns="" xmlns:a16="http://schemas.microsoft.com/office/drawing/2014/main" id="{520F6D53-68A7-4282-831D-E164F3C4C7C3}"/>
                 </a:ext>
               </a:extLst>
             </p:cNvPr>
@@ -22507,7 +22549,7 @@
             <p:cNvPr id="18" name="Speech Bubble: Rectangle with Corners Rounded 17">
               <a:extLst>
                 <a:ext uri="{FF2B5EF4-FFF2-40B4-BE49-F238E27FC236}">
-                  <a16:creationId xmlns:a16="http://schemas.microsoft.com/office/drawing/2014/main" xmlns="" id="{80EB8B5B-B3C1-44AB-99E3-63FF1DF8C61B}"/>
+                  <a16:creationId xmlns="" xmlns:a16="http://schemas.microsoft.com/office/drawing/2014/main" id="{80EB8B5B-B3C1-44AB-99E3-63FF1DF8C61B}"/>
                 </a:ext>
               </a:extLst>
             </p:cNvPr>
@@ -22573,7 +22615,7 @@
           <p:cNvPr id="3" name="Group 2">
             <a:extLst>
               <a:ext uri="{FF2B5EF4-FFF2-40B4-BE49-F238E27FC236}">
-                <a16:creationId xmlns:a16="http://schemas.microsoft.com/office/drawing/2014/main" xmlns="" id="{6752D4F8-081A-4556-8E37-2F42D8215138}"/>
+                <a16:creationId xmlns="" xmlns:a16="http://schemas.microsoft.com/office/drawing/2014/main" id="{6752D4F8-081A-4556-8E37-2F42D8215138}"/>
               </a:ext>
             </a:extLst>
           </p:cNvPr>
@@ -22593,7 +22635,7 @@
             <p:cNvPr id="19" name="Speech Bubble: Rectangle with Corners Rounded 18">
               <a:extLst>
                 <a:ext uri="{FF2B5EF4-FFF2-40B4-BE49-F238E27FC236}">
-                  <a16:creationId xmlns:a16="http://schemas.microsoft.com/office/drawing/2014/main" xmlns="" id="{52381E81-23BB-4204-8FD5-D26B6A1F5C7A}"/>
+                  <a16:creationId xmlns="" xmlns:a16="http://schemas.microsoft.com/office/drawing/2014/main" id="{52381E81-23BB-4204-8FD5-D26B6A1F5C7A}"/>
                 </a:ext>
               </a:extLst>
             </p:cNvPr>
@@ -22658,7 +22700,7 @@
             <p:cNvPr id="20" name="Oval 19">
               <a:extLst>
                 <a:ext uri="{FF2B5EF4-FFF2-40B4-BE49-F238E27FC236}">
-                  <a16:creationId xmlns:a16="http://schemas.microsoft.com/office/drawing/2014/main" xmlns="" id="{73B86C22-E865-4134-B8BA-7261808CE2CE}"/>
+                  <a16:creationId xmlns="" xmlns:a16="http://schemas.microsoft.com/office/drawing/2014/main" id="{73B86C22-E865-4134-B8BA-7261808CE2CE}"/>
                 </a:ext>
               </a:extLst>
             </p:cNvPr>
@@ -22713,7 +22755,7 @@
           <p:cNvPr id="21" name="TextBox 20">
             <a:extLst>
               <a:ext uri="{FF2B5EF4-FFF2-40B4-BE49-F238E27FC236}">
-                <a16:creationId xmlns:a16="http://schemas.microsoft.com/office/drawing/2014/main" xmlns="" id="{586A0C4C-167D-41C8-BC77-8C4E9A9D51FD}"/>
+                <a16:creationId xmlns="" xmlns:a16="http://schemas.microsoft.com/office/drawing/2014/main" id="{586A0C4C-167D-41C8-BC77-8C4E9A9D51FD}"/>
               </a:ext>
             </a:extLst>
           </p:cNvPr>
@@ -22790,7 +22832,7 @@
           <p:cNvPr id="2" name="Rectangle 1">
             <a:extLst>
               <a:ext uri="{FF2B5EF4-FFF2-40B4-BE49-F238E27FC236}">
-                <a16:creationId xmlns:a16="http://schemas.microsoft.com/office/drawing/2014/main" xmlns="" id="{3101410B-4D12-422F-B98B-D38CFF7D5334}"/>
+                <a16:creationId xmlns="" xmlns:a16="http://schemas.microsoft.com/office/drawing/2014/main" id="{3101410B-4D12-422F-B98B-D38CFF7D5334}"/>
               </a:ext>
             </a:extLst>
           </p:cNvPr>
@@ -22828,7 +22870,7 @@
           <p:cNvPr id="7" name="Group 6">
             <a:extLst>
               <a:ext uri="{FF2B5EF4-FFF2-40B4-BE49-F238E27FC236}">
-                <a16:creationId xmlns:a16="http://schemas.microsoft.com/office/drawing/2014/main" xmlns="" id="{D020B265-BF6B-40E4-B76C-77519FD68172}"/>
+                <a16:creationId xmlns="" xmlns:a16="http://schemas.microsoft.com/office/drawing/2014/main" id="{D020B265-BF6B-40E4-B76C-77519FD68172}"/>
               </a:ext>
             </a:extLst>
           </p:cNvPr>
@@ -22848,7 +22890,7 @@
             <p:cNvPr id="4" name="Oval 3">
               <a:extLst>
                 <a:ext uri="{FF2B5EF4-FFF2-40B4-BE49-F238E27FC236}">
-                  <a16:creationId xmlns:a16="http://schemas.microsoft.com/office/drawing/2014/main" xmlns="" id="{4D458EBB-5B35-4391-8BF2-99C410B5C56E}"/>
+                  <a16:creationId xmlns="" xmlns:a16="http://schemas.microsoft.com/office/drawing/2014/main" id="{4D458EBB-5B35-4391-8BF2-99C410B5C56E}"/>
                 </a:ext>
               </a:extLst>
             </p:cNvPr>
@@ -22906,7 +22948,7 @@
             <p:cNvPr id="6" name="Speech Bubble: Rectangle with Corners Rounded 5">
               <a:extLst>
                 <a:ext uri="{FF2B5EF4-FFF2-40B4-BE49-F238E27FC236}">
-                  <a16:creationId xmlns:a16="http://schemas.microsoft.com/office/drawing/2014/main" xmlns="" id="{36130E7F-235F-42D0-A9FA-86591749D944}"/>
+                  <a16:creationId xmlns="" xmlns:a16="http://schemas.microsoft.com/office/drawing/2014/main" id="{36130E7F-235F-42D0-A9FA-86591749D944}"/>
                 </a:ext>
               </a:extLst>
             </p:cNvPr>
@@ -22967,7 +23009,7 @@
           <p:cNvPr id="10" name="Slide Number Placeholder 9">
             <a:extLst>
               <a:ext uri="{FF2B5EF4-FFF2-40B4-BE49-F238E27FC236}">
-                <a16:creationId xmlns:a16="http://schemas.microsoft.com/office/drawing/2014/main" xmlns="" id="{E11656A2-85FD-401F-8228-B777A563C32E}"/>
+                <a16:creationId xmlns="" xmlns:a16="http://schemas.microsoft.com/office/drawing/2014/main" id="{E11656A2-85FD-401F-8228-B777A563C32E}"/>
               </a:ext>
             </a:extLst>
           </p:cNvPr>
@@ -22992,6 +23034,79 @@
           </a:p>
         </p:txBody>
       </p:sp>
+      <p:grpSp>
+        <p:nvGrpSpPr>
+          <p:cNvPr id="11" name="Group 10"/>
+          <p:cNvGrpSpPr/>
+          <p:nvPr/>
+        </p:nvGrpSpPr>
+        <p:grpSpPr>
+          <a:xfrm>
+            <a:off x="4731271" y="6515100"/>
+            <a:ext cx="3073266" cy="307777"/>
+            <a:chOff x="4731271" y="6515100"/>
+            <a:chExt cx="3073266" cy="307777"/>
+          </a:xfrm>
+        </p:grpSpPr>
+        <p:sp>
+          <p:nvSpPr>
+            <p:cNvPr id="9" name="TextBox 8"/>
+            <p:cNvSpPr txBox="1"/>
+            <p:nvPr/>
+          </p:nvSpPr>
+          <p:spPr>
+            <a:xfrm>
+              <a:off x="5067300" y="6629400"/>
+              <a:ext cx="2628900" cy="142212"/>
+            </a:xfrm>
+            <a:prstGeom prst="rect">
+              <a:avLst/>
+            </a:prstGeom>
+            <a:solidFill>
+              <a:schemeClr val="bg1"/>
+            </a:solidFill>
+          </p:spPr>
+          <p:txBody>
+            <a:bodyPr wrap="square" rtlCol="0">
+              <a:spAutoFit/>
+            </a:bodyPr>
+            <a:lstStyle/>
+            <a:p>
+              <a:endParaRPr lang="en-US" dirty="0"/>
+            </a:p>
+          </p:txBody>
+        </p:sp>
+        <p:sp>
+          <p:nvSpPr>
+            <p:cNvPr id="8" name="TextBox 7"/>
+            <p:cNvSpPr txBox="1"/>
+            <p:nvPr/>
+          </p:nvSpPr>
+          <p:spPr>
+            <a:xfrm>
+              <a:off x="4731271" y="6515100"/>
+              <a:ext cx="3073266" cy="307777"/>
+            </a:xfrm>
+            <a:prstGeom prst="rect">
+              <a:avLst/>
+            </a:prstGeom>
+            <a:noFill/>
+          </p:spPr>
+          <p:txBody>
+            <a:bodyPr wrap="square" rtlCol="0">
+              <a:spAutoFit/>
+            </a:bodyPr>
+            <a:lstStyle/>
+            <a:p>
+              <a:r>
+                <a:rPr lang="en-US" sz="1400" dirty="0" smtClean="0"/>
+                <a:t>Number of principal components</a:t>
+              </a:r>
+              <a:endParaRPr lang="en-US" sz="1400" dirty="0"/>
+            </a:p>
+          </p:txBody>
+        </p:sp>
+      </p:grpSp>
     </p:spTree>
     <p:extLst>
       <p:ext uri="{BB962C8B-B14F-4D97-AF65-F5344CB8AC3E}">
@@ -23156,6 +23271,41 @@
                                   </p:childTnLst>
                                 </p:cTn>
                               </p:par>
+                              <p:par>
+                                <p:cTn id="15" presetID="10" presetClass="entr" presetSubtype="0" fill="hold" nodeType="withEffect">
+                                  <p:stCondLst>
+                                    <p:cond delay="0"/>
+                                  </p:stCondLst>
+                                  <p:childTnLst>
+                                    <p:set>
+                                      <p:cBhvr>
+                                        <p:cTn id="16" dur="1" fill="hold">
+                                          <p:stCondLst>
+                                            <p:cond delay="0"/>
+                                          </p:stCondLst>
+                                        </p:cTn>
+                                        <p:tgtEl>
+                                          <p:spTgt spid="11"/>
+                                        </p:tgtEl>
+                                        <p:attrNameLst>
+                                          <p:attrName>style.visibility</p:attrName>
+                                        </p:attrNameLst>
+                                      </p:cBhvr>
+                                      <p:to>
+                                        <p:strVal val="visible"/>
+                                      </p:to>
+                                    </p:set>
+                                    <p:animEffect transition="in" filter="fade">
+                                      <p:cBhvr>
+                                        <p:cTn id="17" dur="500"/>
+                                        <p:tgtEl>
+                                          <p:spTgt spid="11"/>
+                                        </p:tgtEl>
+                                      </p:cBhvr>
+                                    </p:animEffect>
+                                  </p:childTnLst>
+                                </p:cTn>
+                              </p:par>
                             </p:childTnLst>
                           </p:cTn>
                         </p:par>
@@ -23163,26 +23313,26 @@
                     </p:cTn>
                   </p:par>
                   <p:par>
-                    <p:cTn id="15" fill="hold">
+                    <p:cTn id="18" fill="hold">
                       <p:stCondLst>
                         <p:cond delay="indefinite"/>
                       </p:stCondLst>
                       <p:childTnLst>
                         <p:par>
-                          <p:cTn id="16" fill="hold">
+                          <p:cTn id="19" fill="hold">
                             <p:stCondLst>
                               <p:cond delay="0"/>
                             </p:stCondLst>
                             <p:childTnLst>
                               <p:par>
-                                <p:cTn id="17" presetID="42" presetClass="entr" presetSubtype="0" fill="hold" nodeType="clickEffect">
+                                <p:cTn id="20" presetID="42" presetClass="entr" presetSubtype="0" fill="hold" nodeType="clickEffect">
                                   <p:stCondLst>
                                     <p:cond delay="0"/>
                                   </p:stCondLst>
                                   <p:childTnLst>
                                     <p:set>
                                       <p:cBhvr>
-                                        <p:cTn id="18" dur="1" fill="hold">
+                                        <p:cTn id="21" dur="1" fill="hold">
                                           <p:stCondLst>
                                             <p:cond delay="0"/>
                                           </p:stCondLst>
@@ -23200,7 +23350,7 @@
                                     </p:set>
                                     <p:animEffect transition="in" filter="fade">
                                       <p:cBhvr>
-                                        <p:cTn id="19" dur="1000"/>
+                                        <p:cTn id="22" dur="1000"/>
                                         <p:tgtEl>
                                           <p:spTgt spid="3"/>
                                         </p:tgtEl>
@@ -23208,7 +23358,7 @@
                                     </p:animEffect>
                                     <p:anim calcmode="lin" valueType="num">
                                       <p:cBhvr>
-                                        <p:cTn id="20" dur="1000" fill="hold"/>
+                                        <p:cTn id="23" dur="1000" fill="hold"/>
                                         <p:tgtEl>
                                           <p:spTgt spid="3"/>
                                         </p:tgtEl>
@@ -23231,7 +23381,7 @@
                                     </p:anim>
                                     <p:anim calcmode="lin" valueType="num">
                                       <p:cBhvr>
-                                        <p:cTn id="21" dur="1000" fill="hold"/>
+                                        <p:cTn id="24" dur="1000" fill="hold"/>
                                         <p:tgtEl>
                                           <p:spTgt spid="3"/>
                                         </p:tgtEl>
@@ -23262,26 +23412,26 @@
                     </p:cTn>
                   </p:par>
                   <p:par>
-                    <p:cTn id="22" fill="hold">
+                    <p:cTn id="25" fill="hold">
                       <p:stCondLst>
                         <p:cond delay="indefinite"/>
                       </p:stCondLst>
                       <p:childTnLst>
                         <p:par>
-                          <p:cTn id="23" fill="hold">
+                          <p:cTn id="26" fill="hold">
                             <p:stCondLst>
                               <p:cond delay="0"/>
                             </p:stCondLst>
                             <p:childTnLst>
                               <p:par>
-                                <p:cTn id="24" presetID="42" presetClass="entr" presetSubtype="0" fill="hold" nodeType="clickEffect">
+                                <p:cTn id="27" presetID="42" presetClass="entr" presetSubtype="0" fill="hold" nodeType="clickEffect">
                                   <p:stCondLst>
                                     <p:cond delay="0"/>
                                   </p:stCondLst>
                                   <p:childTnLst>
                                     <p:set>
                                       <p:cBhvr>
-                                        <p:cTn id="25" dur="1" fill="hold">
+                                        <p:cTn id="28" dur="1" fill="hold">
                                           <p:stCondLst>
                                             <p:cond delay="0"/>
                                           </p:stCondLst>
@@ -23299,7 +23449,7 @@
                                     </p:set>
                                     <p:animEffect transition="in" filter="fade">
                                       <p:cBhvr>
-                                        <p:cTn id="26" dur="1000"/>
+                                        <p:cTn id="29" dur="1000"/>
                                         <p:tgtEl>
                                           <p:spTgt spid="23"/>
                                         </p:tgtEl>
@@ -23307,7 +23457,7 @@
                                     </p:animEffect>
                                     <p:anim calcmode="lin" valueType="num">
                                       <p:cBhvr>
-                                        <p:cTn id="27" dur="1000" fill="hold"/>
+                                        <p:cTn id="30" dur="1000" fill="hold"/>
                                         <p:tgtEl>
                                           <p:spTgt spid="23"/>
                                         </p:tgtEl>
@@ -23330,7 +23480,7 @@
                                     </p:anim>
                                     <p:anim calcmode="lin" valueType="num">
                                       <p:cBhvr>
-                                        <p:cTn id="28" dur="1000" fill="hold"/>
+                                        <p:cTn id="31" dur="1000" fill="hold"/>
                                         <p:tgtEl>
                                           <p:spTgt spid="23"/>
                                         </p:tgtEl>
@@ -23361,26 +23511,26 @@
                     </p:cTn>
                   </p:par>
                   <p:par>
-                    <p:cTn id="29" fill="hold">
+                    <p:cTn id="32" fill="hold">
                       <p:stCondLst>
                         <p:cond delay="indefinite"/>
                       </p:stCondLst>
                       <p:childTnLst>
                         <p:par>
-                          <p:cTn id="30" fill="hold">
+                          <p:cTn id="33" fill="hold">
                             <p:stCondLst>
                               <p:cond delay="0"/>
                             </p:stCondLst>
                             <p:childTnLst>
                               <p:par>
-                                <p:cTn id="31" presetID="42" presetClass="entr" presetSubtype="0" fill="hold" grpId="0" nodeType="clickEffect">
+                                <p:cTn id="34" presetID="42" presetClass="entr" presetSubtype="0" fill="hold" grpId="0" nodeType="clickEffect">
                                   <p:stCondLst>
                                     <p:cond delay="0"/>
                                   </p:stCondLst>
                                   <p:childTnLst>
                                     <p:set>
                                       <p:cBhvr>
-                                        <p:cTn id="32" dur="1" fill="hold">
+                                        <p:cTn id="35" dur="1" fill="hold">
                                           <p:stCondLst>
                                             <p:cond delay="0"/>
                                           </p:stCondLst>
@@ -23398,7 +23548,7 @@
                                     </p:set>
                                     <p:animEffect transition="in" filter="fade">
                                       <p:cBhvr>
-                                        <p:cTn id="33" dur="1000"/>
+                                        <p:cTn id="36" dur="1000"/>
                                         <p:tgtEl>
                                           <p:spTgt spid="21"/>
                                         </p:tgtEl>
@@ -23406,7 +23556,7 @@
                                     </p:animEffect>
                                     <p:anim calcmode="lin" valueType="num">
                                       <p:cBhvr>
-                                        <p:cTn id="34" dur="1000" fill="hold"/>
+                                        <p:cTn id="37" dur="1000" fill="hold"/>
                                         <p:tgtEl>
                                           <p:spTgt spid="21"/>
                                         </p:tgtEl>
@@ -23429,7 +23579,7 @@
                                     </p:anim>
                                     <p:anim calcmode="lin" valueType="num">
                                       <p:cBhvr>
-                                        <p:cTn id="35" dur="1000" fill="hold"/>
+                                        <p:cTn id="38" dur="1000" fill="hold"/>
                                         <p:tgtEl>
                                           <p:spTgt spid="21"/>
                                         </p:tgtEl>
@@ -23460,26 +23610,26 @@
                     </p:cTn>
                   </p:par>
                   <p:par>
-                    <p:cTn id="36" fill="hold">
+                    <p:cTn id="39" fill="hold">
                       <p:stCondLst>
                         <p:cond delay="indefinite"/>
                       </p:stCondLst>
                       <p:childTnLst>
                         <p:par>
-                          <p:cTn id="37" fill="hold">
+                          <p:cTn id="40" fill="hold">
                             <p:stCondLst>
                               <p:cond delay="0"/>
                             </p:stCondLst>
                             <p:childTnLst>
                               <p:par>
-                                <p:cTn id="38" presetID="42" presetClass="entr" presetSubtype="0" fill="hold" nodeType="clickEffect">
+                                <p:cTn id="41" presetID="42" presetClass="entr" presetSubtype="0" fill="hold" nodeType="clickEffect">
                                   <p:stCondLst>
                                     <p:cond delay="0"/>
                                   </p:stCondLst>
                                   <p:childTnLst>
                                     <p:set>
                                       <p:cBhvr>
-                                        <p:cTn id="39" dur="1" fill="hold">
+                                        <p:cTn id="42" dur="1" fill="hold">
                                           <p:stCondLst>
                                             <p:cond delay="0"/>
                                           </p:stCondLst>
@@ -23497,7 +23647,7 @@
                                     </p:set>
                                     <p:animEffect transition="in" filter="fade">
                                       <p:cBhvr>
-                                        <p:cTn id="40" dur="1000"/>
+                                        <p:cTn id="43" dur="1000"/>
                                         <p:tgtEl>
                                           <p:spTgt spid="7"/>
                                         </p:tgtEl>
@@ -23505,7 +23655,7 @@
                                     </p:animEffect>
                                     <p:anim calcmode="lin" valueType="num">
                                       <p:cBhvr>
-                                        <p:cTn id="41" dur="1000" fill="hold"/>
+                                        <p:cTn id="44" dur="1000" fill="hold"/>
                                         <p:tgtEl>
                                           <p:spTgt spid="7"/>
                                         </p:tgtEl>
@@ -23528,7 +23678,7 @@
                                     </p:anim>
                                     <p:anim calcmode="lin" valueType="num">
                                       <p:cBhvr>
-                                        <p:cTn id="42" dur="1000" fill="hold"/>
+                                        <p:cTn id="45" dur="1000" fill="hold"/>
                                         <p:tgtEl>
                                           <p:spTgt spid="7"/>
                                         </p:tgtEl>
@@ -23609,7 +23759,7 @@
           <p:cNvPr id="16" name="Picture 15">
             <a:extLst>
               <a:ext uri="{FF2B5EF4-FFF2-40B4-BE49-F238E27FC236}">
-                <a16:creationId xmlns:a16="http://schemas.microsoft.com/office/drawing/2014/main" xmlns="" id="{75044DBC-9455-41CC-91D8-EA3508CC5869}"/>
+                <a16:creationId xmlns="" xmlns:a16="http://schemas.microsoft.com/office/drawing/2014/main" id="{75044DBC-9455-41CC-91D8-EA3508CC5869}"/>
               </a:ext>
             </a:extLst>
           </p:cNvPr>
@@ -23639,7 +23789,7 @@
           <p:cNvPr id="27" name="Group 26">
             <a:extLst>
               <a:ext uri="{FF2B5EF4-FFF2-40B4-BE49-F238E27FC236}">
-                <a16:creationId xmlns:a16="http://schemas.microsoft.com/office/drawing/2014/main" xmlns="" id="{0649C811-8FC9-44B4-8F1D-013E85A748DD}"/>
+                <a16:creationId xmlns="" xmlns:a16="http://schemas.microsoft.com/office/drawing/2014/main" id="{0649C811-8FC9-44B4-8F1D-013E85A748DD}"/>
               </a:ext>
             </a:extLst>
           </p:cNvPr>
@@ -23659,7 +23809,7 @@
             <p:cNvPr id="4" name="Picture 3">
               <a:extLst>
                 <a:ext uri="{FF2B5EF4-FFF2-40B4-BE49-F238E27FC236}">
-                  <a16:creationId xmlns:a16="http://schemas.microsoft.com/office/drawing/2014/main" xmlns="" id="{393BD330-B0D0-4624-977B-59F8F69B16B9}"/>
+                  <a16:creationId xmlns="" xmlns:a16="http://schemas.microsoft.com/office/drawing/2014/main" id="{393BD330-B0D0-4624-977B-59F8F69B16B9}"/>
                 </a:ext>
               </a:extLst>
             </p:cNvPr>
@@ -23689,7 +23839,7 @@
             <p:cNvPr id="10" name="Rectangle 9">
               <a:extLst>
                 <a:ext uri="{FF2B5EF4-FFF2-40B4-BE49-F238E27FC236}">
-                  <a16:creationId xmlns:a16="http://schemas.microsoft.com/office/drawing/2014/main" xmlns="" id="{15F41219-5081-4320-AA15-A4523E7FD80A}"/>
+                  <a16:creationId xmlns="" xmlns:a16="http://schemas.microsoft.com/office/drawing/2014/main" id="{15F41219-5081-4320-AA15-A4523E7FD80A}"/>
                 </a:ext>
               </a:extLst>
             </p:cNvPr>
@@ -23742,7 +23892,7 @@
           <p:cNvPr id="2" name="Title 1">
             <a:extLst>
               <a:ext uri="{FF2B5EF4-FFF2-40B4-BE49-F238E27FC236}">
-                <a16:creationId xmlns:a16="http://schemas.microsoft.com/office/drawing/2014/main" xmlns="" id="{74BDEF2B-CF04-4FC7-B45D-7BFB4D26ED44}"/>
+                <a16:creationId xmlns="" xmlns:a16="http://schemas.microsoft.com/office/drawing/2014/main" id="{74BDEF2B-CF04-4FC7-B45D-7BFB4D26ED44}"/>
               </a:ext>
             </a:extLst>
           </p:cNvPr>
@@ -23853,7 +24003,7 @@
           <p:cNvPr id="5" name="Slide Number Placeholder 4">
             <a:extLst>
               <a:ext uri="{FF2B5EF4-FFF2-40B4-BE49-F238E27FC236}">
-                <a16:creationId xmlns:a16="http://schemas.microsoft.com/office/drawing/2014/main" xmlns="" id="{6C7AC4C2-311E-4220-AFEE-F95E8983AB3B}"/>
+                <a16:creationId xmlns="" xmlns:a16="http://schemas.microsoft.com/office/drawing/2014/main" id="{6C7AC4C2-311E-4220-AFEE-F95E8983AB3B}"/>
               </a:ext>
             </a:extLst>
           </p:cNvPr>
@@ -23883,7 +24033,7 @@
           <p:cNvPr id="28" name="Group 27">
             <a:extLst>
               <a:ext uri="{FF2B5EF4-FFF2-40B4-BE49-F238E27FC236}">
-                <a16:creationId xmlns:a16="http://schemas.microsoft.com/office/drawing/2014/main" xmlns="" id="{1AA134A0-7FAC-44C7-ADD1-1AB80686D524}"/>
+                <a16:creationId xmlns="" xmlns:a16="http://schemas.microsoft.com/office/drawing/2014/main" id="{1AA134A0-7FAC-44C7-ADD1-1AB80686D524}"/>
               </a:ext>
             </a:extLst>
           </p:cNvPr>
@@ -23903,7 +24053,7 @@
             <p:cNvPr id="7" name="TextBox 6">
               <a:extLst>
                 <a:ext uri="{FF2B5EF4-FFF2-40B4-BE49-F238E27FC236}">
-                  <a16:creationId xmlns:a16="http://schemas.microsoft.com/office/drawing/2014/main" xmlns="" id="{A1CB4040-B930-4C77-85A7-14277601F045}"/>
+                  <a16:creationId xmlns="" xmlns:a16="http://schemas.microsoft.com/office/drawing/2014/main" id="{A1CB4040-B930-4C77-85A7-14277601F045}"/>
                 </a:ext>
               </a:extLst>
             </p:cNvPr>
@@ -23949,7 +24099,7 @@
             <p:cNvPr id="13" name="Straight Connector 12">
               <a:extLst>
                 <a:ext uri="{FF2B5EF4-FFF2-40B4-BE49-F238E27FC236}">
-                  <a16:creationId xmlns:a16="http://schemas.microsoft.com/office/drawing/2014/main" xmlns="" id="{FAE9083E-9AE0-4ADB-A366-68C48294E971}"/>
+                  <a16:creationId xmlns="" xmlns:a16="http://schemas.microsoft.com/office/drawing/2014/main" id="{FAE9083E-9AE0-4ADB-A366-68C48294E971}"/>
                 </a:ext>
               </a:extLst>
             </p:cNvPr>
@@ -23993,7 +24143,7 @@
             <p:cNvPr id="12" name="Straight Connector 11">
               <a:extLst>
                 <a:ext uri="{FF2B5EF4-FFF2-40B4-BE49-F238E27FC236}">
-                  <a16:creationId xmlns:a16="http://schemas.microsoft.com/office/drawing/2014/main" xmlns="" id="{B83E3D3C-92F3-412F-822C-30C8140EA2D5}"/>
+                  <a16:creationId xmlns="" xmlns:a16="http://schemas.microsoft.com/office/drawing/2014/main" id="{B83E3D3C-92F3-412F-822C-30C8140EA2D5}"/>
                 </a:ext>
               </a:extLst>
             </p:cNvPr>
@@ -24037,7 +24187,7 @@
             <p:cNvPr id="14" name="Straight Connector 13">
               <a:extLst>
                 <a:ext uri="{FF2B5EF4-FFF2-40B4-BE49-F238E27FC236}">
-                  <a16:creationId xmlns:a16="http://schemas.microsoft.com/office/drawing/2014/main" xmlns="" id="{DA139436-6896-45B8-9AE8-1945DFAEACCF}"/>
+                  <a16:creationId xmlns="" xmlns:a16="http://schemas.microsoft.com/office/drawing/2014/main" id="{DA139436-6896-45B8-9AE8-1945DFAEACCF}"/>
                 </a:ext>
               </a:extLst>
             </p:cNvPr>

--- a/FinalReport_Team_Bengio.pptx
+++ b/FinalReport_Team_Bengio.pptx
@@ -189,7 +189,7 @@
           <p:cNvPr id="2" name="Header Placeholder 1">
             <a:extLst>
               <a:ext uri="{FF2B5EF4-FFF2-40B4-BE49-F238E27FC236}">
-                <a16:creationId xmlns="" xmlns:a16="http://schemas.microsoft.com/office/drawing/2014/main" id="{27EF4775-AD35-41B2-88B0-64A2DA4D7CC3}"/>
+                <a16:creationId xmlns:a16="http://schemas.microsoft.com/office/drawing/2014/main" xmlns="" id="{27EF4775-AD35-41B2-88B0-64A2DA4D7CC3}"/>
               </a:ext>
             </a:extLst>
           </p:cNvPr>
@@ -226,7 +226,7 @@
           <p:cNvPr id="3" name="Date Placeholder 2">
             <a:extLst>
               <a:ext uri="{FF2B5EF4-FFF2-40B4-BE49-F238E27FC236}">
-                <a16:creationId xmlns="" xmlns:a16="http://schemas.microsoft.com/office/drawing/2014/main" id="{2ADE11AC-244E-4519-A3F3-843E036AE852}"/>
+                <a16:creationId xmlns:a16="http://schemas.microsoft.com/office/drawing/2014/main" xmlns="" id="{2ADE11AC-244E-4519-A3F3-843E036AE852}"/>
               </a:ext>
             </a:extLst>
           </p:cNvPr>
@@ -267,7 +267,7 @@
           <p:cNvPr id="4" name="Footer Placeholder 3">
             <a:extLst>
               <a:ext uri="{FF2B5EF4-FFF2-40B4-BE49-F238E27FC236}">
-                <a16:creationId xmlns="" xmlns:a16="http://schemas.microsoft.com/office/drawing/2014/main" id="{7C4A3E00-1FC7-430B-B8C4-C511868F37E4}"/>
+                <a16:creationId xmlns:a16="http://schemas.microsoft.com/office/drawing/2014/main" xmlns="" id="{7C4A3E00-1FC7-430B-B8C4-C511868F37E4}"/>
               </a:ext>
             </a:extLst>
           </p:cNvPr>
@@ -304,7 +304,7 @@
           <p:cNvPr id="5" name="Slide Number Placeholder 4">
             <a:extLst>
               <a:ext uri="{FF2B5EF4-FFF2-40B4-BE49-F238E27FC236}">
-                <a16:creationId xmlns="" xmlns:a16="http://schemas.microsoft.com/office/drawing/2014/main" id="{E1FEDF45-CD80-47DE-88E6-F472D3ED7152}"/>
+                <a16:creationId xmlns:a16="http://schemas.microsoft.com/office/drawing/2014/main" xmlns="" id="{E1FEDF45-CD80-47DE-88E6-F472D3ED7152}"/>
               </a:ext>
             </a:extLst>
           </p:cNvPr>
@@ -2269,7 +2269,7 @@
           <p:cNvPr id="18" name="Slide Number Placeholder 5">
             <a:extLst>
               <a:ext uri="{FF2B5EF4-FFF2-40B4-BE49-F238E27FC236}">
-                <a16:creationId xmlns="" xmlns:a16="http://schemas.microsoft.com/office/drawing/2014/main" id="{F7E597E2-118F-47DF-9A03-1F5A2C0A8857}"/>
+                <a16:creationId xmlns:a16="http://schemas.microsoft.com/office/drawing/2014/main" xmlns="" id="{F7E597E2-118F-47DF-9A03-1F5A2C0A8857}"/>
               </a:ext>
             </a:extLst>
           </p:cNvPr>
@@ -2938,7 +2938,7 @@
           <p:cNvPr id="10" name="Slide Number Placeholder 5">
             <a:extLst>
               <a:ext uri="{FF2B5EF4-FFF2-40B4-BE49-F238E27FC236}">
-                <a16:creationId xmlns="" xmlns:a16="http://schemas.microsoft.com/office/drawing/2014/main" id="{E56CF6C3-1900-43CB-8E33-D8CBE7D39EDE}"/>
+                <a16:creationId xmlns:a16="http://schemas.microsoft.com/office/drawing/2014/main" xmlns="" id="{E56CF6C3-1900-43CB-8E33-D8CBE7D39EDE}"/>
               </a:ext>
             </a:extLst>
           </p:cNvPr>
@@ -4704,7 +4704,7 @@
           <p:cNvPr id="7" name="Slide Number Placeholder 5">
             <a:extLst>
               <a:ext uri="{FF2B5EF4-FFF2-40B4-BE49-F238E27FC236}">
-                <a16:creationId xmlns="" xmlns:a16="http://schemas.microsoft.com/office/drawing/2014/main" id="{EB3DD466-D729-4677-9DC7-EEFB05BF9FDC}"/>
+                <a16:creationId xmlns:a16="http://schemas.microsoft.com/office/drawing/2014/main" xmlns="" id="{EB3DD466-D729-4677-9DC7-EEFB05BF9FDC}"/>
               </a:ext>
             </a:extLst>
           </p:cNvPr>
@@ -7284,7 +7284,7 @@
           <p:cNvPr id="2" name="Title 1">
             <a:extLst>
               <a:ext uri="{FF2B5EF4-FFF2-40B4-BE49-F238E27FC236}">
-                <a16:creationId xmlns="" xmlns:a16="http://schemas.microsoft.com/office/drawing/2014/main" id="{12C8D476-DF9A-440D-9445-5A222E615C18}"/>
+                <a16:creationId xmlns:a16="http://schemas.microsoft.com/office/drawing/2014/main" xmlns="" id="{12C8D476-DF9A-440D-9445-5A222E615C18}"/>
               </a:ext>
             </a:extLst>
           </p:cNvPr>
@@ -7337,7 +7337,7 @@
           <p:cNvPr id="3" name="Subtitle 2">
             <a:extLst>
               <a:ext uri="{FF2B5EF4-FFF2-40B4-BE49-F238E27FC236}">
-                <a16:creationId xmlns="" xmlns:a16="http://schemas.microsoft.com/office/drawing/2014/main" id="{A53D7FE4-8842-4712-A350-A365C67D161F}"/>
+                <a16:creationId xmlns:a16="http://schemas.microsoft.com/office/drawing/2014/main" xmlns="" id="{A53D7FE4-8842-4712-A350-A365C67D161F}"/>
               </a:ext>
             </a:extLst>
           </p:cNvPr>
@@ -7415,7 +7415,7 @@
           <p:cNvPr id="21" name="Picture 20">
             <a:extLst>
               <a:ext uri="{FF2B5EF4-FFF2-40B4-BE49-F238E27FC236}">
-                <a16:creationId xmlns="" xmlns:a16="http://schemas.microsoft.com/office/drawing/2014/main" id="{1F8EE730-898B-4039-BAC3-D603895B728D}"/>
+                <a16:creationId xmlns:a16="http://schemas.microsoft.com/office/drawing/2014/main" xmlns="" id="{1F8EE730-898B-4039-BAC3-D603895B728D}"/>
               </a:ext>
             </a:extLst>
           </p:cNvPr>
@@ -7445,7 +7445,7 @@
           <p:cNvPr id="5" name="Title 1">
             <a:extLst>
               <a:ext uri="{FF2B5EF4-FFF2-40B4-BE49-F238E27FC236}">
-                <a16:creationId xmlns="" xmlns:a16="http://schemas.microsoft.com/office/drawing/2014/main" id="{F11C875C-9CAA-4838-BBDD-43705F932F58}"/>
+                <a16:creationId xmlns:a16="http://schemas.microsoft.com/office/drawing/2014/main" xmlns="" id="{F11C875C-9CAA-4838-BBDD-43705F932F58}"/>
               </a:ext>
             </a:extLst>
           </p:cNvPr>
@@ -7563,7 +7563,7 @@
           <p:cNvPr id="19" name="Rectangle 18">
             <a:extLst>
               <a:ext uri="{FF2B5EF4-FFF2-40B4-BE49-F238E27FC236}">
-                <a16:creationId xmlns="" xmlns:a16="http://schemas.microsoft.com/office/drawing/2014/main" id="{BF98BCEA-D55A-4113-B873-849012A84EFC}"/>
+                <a16:creationId xmlns:a16="http://schemas.microsoft.com/office/drawing/2014/main" xmlns="" id="{BF98BCEA-D55A-4113-B873-849012A84EFC}"/>
               </a:ext>
             </a:extLst>
           </p:cNvPr>
@@ -7621,7 +7621,7 @@
           <p:cNvPr id="4" name="Slide Number Placeholder 3">
             <a:extLst>
               <a:ext uri="{FF2B5EF4-FFF2-40B4-BE49-F238E27FC236}">
-                <a16:creationId xmlns="" xmlns:a16="http://schemas.microsoft.com/office/drawing/2014/main" id="{F84FDF19-CDD8-49D9-8864-6D3392CDB04B}"/>
+                <a16:creationId xmlns:a16="http://schemas.microsoft.com/office/drawing/2014/main" xmlns="" id="{F84FDF19-CDD8-49D9-8864-6D3392CDB04B}"/>
               </a:ext>
             </a:extLst>
           </p:cNvPr>
@@ -7813,7 +7813,7 @@
           <p:cNvPr id="5" name="Title 1">
             <a:extLst>
               <a:ext uri="{FF2B5EF4-FFF2-40B4-BE49-F238E27FC236}">
-                <a16:creationId xmlns="" xmlns:a16="http://schemas.microsoft.com/office/drawing/2014/main" id="{F11C875C-9CAA-4838-BBDD-43705F932F58}"/>
+                <a16:creationId xmlns:a16="http://schemas.microsoft.com/office/drawing/2014/main" xmlns="" id="{F11C875C-9CAA-4838-BBDD-43705F932F58}"/>
               </a:ext>
             </a:extLst>
           </p:cNvPr>
@@ -7931,7 +7931,7 @@
           <p:cNvPr id="4" name="Picture 3">
             <a:extLst>
               <a:ext uri="{FF2B5EF4-FFF2-40B4-BE49-F238E27FC236}">
-                <a16:creationId xmlns="" xmlns:a16="http://schemas.microsoft.com/office/drawing/2014/main" id="{7B393A30-7610-4901-951C-32DBC3375DB3}"/>
+                <a16:creationId xmlns:a16="http://schemas.microsoft.com/office/drawing/2014/main" xmlns="" id="{7B393A30-7610-4901-951C-32DBC3375DB3}"/>
               </a:ext>
             </a:extLst>
           </p:cNvPr>
@@ -7961,7 +7961,7 @@
           <p:cNvPr id="13" name="Group 12">
             <a:extLst>
               <a:ext uri="{FF2B5EF4-FFF2-40B4-BE49-F238E27FC236}">
-                <a16:creationId xmlns="" xmlns:a16="http://schemas.microsoft.com/office/drawing/2014/main" id="{E7CC4D30-929F-40A5-A394-7A5DF51AE9F6}"/>
+                <a16:creationId xmlns:a16="http://schemas.microsoft.com/office/drawing/2014/main" xmlns="" id="{E7CC4D30-929F-40A5-A394-7A5DF51AE9F6}"/>
               </a:ext>
             </a:extLst>
           </p:cNvPr>
@@ -7981,7 +7981,7 @@
             <p:cNvPr id="10" name="Oval 9">
               <a:extLst>
                 <a:ext uri="{FF2B5EF4-FFF2-40B4-BE49-F238E27FC236}">
-                  <a16:creationId xmlns="" xmlns:a16="http://schemas.microsoft.com/office/drawing/2014/main" id="{A61665EE-7087-437A-ADDC-2A23001C1E19}"/>
+                  <a16:creationId xmlns:a16="http://schemas.microsoft.com/office/drawing/2014/main" xmlns="" id="{A61665EE-7087-437A-ADDC-2A23001C1E19}"/>
                 </a:ext>
               </a:extLst>
             </p:cNvPr>
@@ -8040,7 +8040,7 @@
             <p:cNvPr id="12" name="Speech Bubble: Rectangle with Corners Rounded 11">
               <a:extLst>
                 <a:ext uri="{FF2B5EF4-FFF2-40B4-BE49-F238E27FC236}">
-                  <a16:creationId xmlns="" xmlns:a16="http://schemas.microsoft.com/office/drawing/2014/main" id="{8E74D0FC-7C2F-49D1-BFC6-E151E676CD54}"/>
+                  <a16:creationId xmlns:a16="http://schemas.microsoft.com/office/drawing/2014/main" xmlns="" id="{8E74D0FC-7C2F-49D1-BFC6-E151E676CD54}"/>
                 </a:ext>
               </a:extLst>
             </p:cNvPr>
@@ -8101,7 +8101,7 @@
           <p:cNvPr id="21" name="Group 20">
             <a:extLst>
               <a:ext uri="{FF2B5EF4-FFF2-40B4-BE49-F238E27FC236}">
-                <a16:creationId xmlns="" xmlns:a16="http://schemas.microsoft.com/office/drawing/2014/main" id="{2016CB66-0B0E-4159-87DF-7177CC09E36B}"/>
+                <a16:creationId xmlns:a16="http://schemas.microsoft.com/office/drawing/2014/main" xmlns="" id="{2016CB66-0B0E-4159-87DF-7177CC09E36B}"/>
               </a:ext>
             </a:extLst>
           </p:cNvPr>
@@ -8121,7 +8121,7 @@
             <p:cNvPr id="15" name="Oval 14">
               <a:extLst>
                 <a:ext uri="{FF2B5EF4-FFF2-40B4-BE49-F238E27FC236}">
-                  <a16:creationId xmlns="" xmlns:a16="http://schemas.microsoft.com/office/drawing/2014/main" id="{6517D2BB-E709-4022-934B-2181AF478D1D}"/>
+                  <a16:creationId xmlns:a16="http://schemas.microsoft.com/office/drawing/2014/main" xmlns="" id="{6517D2BB-E709-4022-934B-2181AF478D1D}"/>
                 </a:ext>
               </a:extLst>
             </p:cNvPr>
@@ -8180,7 +8180,7 @@
             <p:cNvPr id="16" name="Speech Bubble: Rectangle with Corners Rounded 15">
               <a:extLst>
                 <a:ext uri="{FF2B5EF4-FFF2-40B4-BE49-F238E27FC236}">
-                  <a16:creationId xmlns="" xmlns:a16="http://schemas.microsoft.com/office/drawing/2014/main" id="{1F45A44D-462B-4E24-8C55-A55422487F8E}"/>
+                  <a16:creationId xmlns:a16="http://schemas.microsoft.com/office/drawing/2014/main" xmlns="" id="{1F45A44D-462B-4E24-8C55-A55422487F8E}"/>
                 </a:ext>
               </a:extLst>
             </p:cNvPr>
@@ -8241,7 +8241,7 @@
           <p:cNvPr id="22" name="Group 21">
             <a:extLst>
               <a:ext uri="{FF2B5EF4-FFF2-40B4-BE49-F238E27FC236}">
-                <a16:creationId xmlns="" xmlns:a16="http://schemas.microsoft.com/office/drawing/2014/main" id="{F8B6916F-E023-4EF3-BFC6-61AC5E4DABBE}"/>
+                <a16:creationId xmlns:a16="http://schemas.microsoft.com/office/drawing/2014/main" xmlns="" id="{F8B6916F-E023-4EF3-BFC6-61AC5E4DABBE}"/>
               </a:ext>
             </a:extLst>
           </p:cNvPr>
@@ -8261,7 +8261,7 @@
             <p:cNvPr id="17" name="Oval 16">
               <a:extLst>
                 <a:ext uri="{FF2B5EF4-FFF2-40B4-BE49-F238E27FC236}">
-                  <a16:creationId xmlns="" xmlns:a16="http://schemas.microsoft.com/office/drawing/2014/main" id="{63521CBF-F26F-4019-901A-ED7D225C4FC4}"/>
+                  <a16:creationId xmlns:a16="http://schemas.microsoft.com/office/drawing/2014/main" xmlns="" id="{63521CBF-F26F-4019-901A-ED7D225C4FC4}"/>
                 </a:ext>
               </a:extLst>
             </p:cNvPr>
@@ -8320,7 +8320,7 @@
             <p:cNvPr id="18" name="Speech Bubble: Rectangle with Corners Rounded 17">
               <a:extLst>
                 <a:ext uri="{FF2B5EF4-FFF2-40B4-BE49-F238E27FC236}">
-                  <a16:creationId xmlns="" xmlns:a16="http://schemas.microsoft.com/office/drawing/2014/main" id="{1ECADFA8-18A3-4F84-BB13-625E50AC8E45}"/>
+                  <a16:creationId xmlns:a16="http://schemas.microsoft.com/office/drawing/2014/main" xmlns="" id="{1ECADFA8-18A3-4F84-BB13-625E50AC8E45}"/>
                 </a:ext>
               </a:extLst>
             </p:cNvPr>
@@ -8389,7 +8389,7 @@
           <p:cNvPr id="23" name="Group 22">
             <a:extLst>
               <a:ext uri="{FF2B5EF4-FFF2-40B4-BE49-F238E27FC236}">
-                <a16:creationId xmlns="" xmlns:a16="http://schemas.microsoft.com/office/drawing/2014/main" id="{4054503E-1722-4A7A-A377-4F993D284459}"/>
+                <a16:creationId xmlns:a16="http://schemas.microsoft.com/office/drawing/2014/main" xmlns="" id="{4054503E-1722-4A7A-A377-4F993D284459}"/>
               </a:ext>
             </a:extLst>
           </p:cNvPr>
@@ -8409,7 +8409,7 @@
             <p:cNvPr id="19" name="Oval 18">
               <a:extLst>
                 <a:ext uri="{FF2B5EF4-FFF2-40B4-BE49-F238E27FC236}">
-                  <a16:creationId xmlns="" xmlns:a16="http://schemas.microsoft.com/office/drawing/2014/main" id="{2E0B18F7-FEAD-4032-A208-470DBB5AB3B5}"/>
+                  <a16:creationId xmlns:a16="http://schemas.microsoft.com/office/drawing/2014/main" xmlns="" id="{2E0B18F7-FEAD-4032-A208-470DBB5AB3B5}"/>
                 </a:ext>
               </a:extLst>
             </p:cNvPr>
@@ -8468,7 +8468,7 @@
             <p:cNvPr id="20" name="Speech Bubble: Rectangle with Corners Rounded 19">
               <a:extLst>
                 <a:ext uri="{FF2B5EF4-FFF2-40B4-BE49-F238E27FC236}">
-                  <a16:creationId xmlns="" xmlns:a16="http://schemas.microsoft.com/office/drawing/2014/main" id="{CED676FD-EBB7-4CA0-A69D-CBE1E899F856}"/>
+                  <a16:creationId xmlns:a16="http://schemas.microsoft.com/office/drawing/2014/main" xmlns="" id="{CED676FD-EBB7-4CA0-A69D-CBE1E899F856}"/>
                 </a:ext>
               </a:extLst>
             </p:cNvPr>
@@ -8545,7 +8545,7 @@
           <p:cNvPr id="6" name="Slide Number Placeholder 5">
             <a:extLst>
               <a:ext uri="{FF2B5EF4-FFF2-40B4-BE49-F238E27FC236}">
-                <a16:creationId xmlns="" xmlns:a16="http://schemas.microsoft.com/office/drawing/2014/main" id="{FF735714-8A59-42AC-9461-94886EC0B19B}"/>
+                <a16:creationId xmlns:a16="http://schemas.microsoft.com/office/drawing/2014/main" xmlns="" id="{FF735714-8A59-42AC-9461-94886EC0B19B}"/>
               </a:ext>
             </a:extLst>
           </p:cNvPr>
@@ -8893,7 +8893,7 @@
           <p:cNvPr id="4" name="Title 1">
             <a:extLst>
               <a:ext uri="{FF2B5EF4-FFF2-40B4-BE49-F238E27FC236}">
-                <a16:creationId xmlns="" xmlns:a16="http://schemas.microsoft.com/office/drawing/2014/main" id="{94B69BDE-2E3C-4D3D-ADDB-96B638AF3FF7}"/>
+                <a16:creationId xmlns:a16="http://schemas.microsoft.com/office/drawing/2014/main" xmlns="" id="{94B69BDE-2E3C-4D3D-ADDB-96B638AF3FF7}"/>
               </a:ext>
             </a:extLst>
           </p:cNvPr>
@@ -9011,7 +9011,7 @@
           <p:cNvPr id="6" name="Content Placeholder 5">
             <a:extLst>
               <a:ext uri="{FF2B5EF4-FFF2-40B4-BE49-F238E27FC236}">
-                <a16:creationId xmlns="" xmlns:a16="http://schemas.microsoft.com/office/drawing/2014/main" id="{8AC93AEF-1C0F-4B94-80B8-E9BCF056E8C3}"/>
+                <a16:creationId xmlns:a16="http://schemas.microsoft.com/office/drawing/2014/main" xmlns="" id="{8AC93AEF-1C0F-4B94-80B8-E9BCF056E8C3}"/>
               </a:ext>
             </a:extLst>
           </p:cNvPr>
@@ -9167,7 +9167,7 @@
           <p:cNvPr id="5" name="Slide Number Placeholder 4">
             <a:extLst>
               <a:ext uri="{FF2B5EF4-FFF2-40B4-BE49-F238E27FC236}">
-                <a16:creationId xmlns="" xmlns:a16="http://schemas.microsoft.com/office/drawing/2014/main" id="{DCDB03CD-D0F1-4CAC-AAF1-B8B2D0EE8164}"/>
+                <a16:creationId xmlns:a16="http://schemas.microsoft.com/office/drawing/2014/main" xmlns="" id="{DCDB03CD-D0F1-4CAC-AAF1-B8B2D0EE8164}"/>
               </a:ext>
             </a:extLst>
           </p:cNvPr>
@@ -9234,7 +9234,7 @@
           <p:cNvPr id="4" name="Title 3">
             <a:extLst>
               <a:ext uri="{FF2B5EF4-FFF2-40B4-BE49-F238E27FC236}">
-                <a16:creationId xmlns="" xmlns:a16="http://schemas.microsoft.com/office/drawing/2014/main" id="{2A23610F-3ED1-4163-9E2C-C143B76FA000}"/>
+                <a16:creationId xmlns:a16="http://schemas.microsoft.com/office/drawing/2014/main" xmlns="" id="{2A23610F-3ED1-4163-9E2C-C143B76FA000}"/>
               </a:ext>
             </a:extLst>
           </p:cNvPr>
@@ -9271,7 +9271,7 @@
           <p:cNvPr id="6" name="Slide Number Placeholder 5">
             <a:extLst>
               <a:ext uri="{FF2B5EF4-FFF2-40B4-BE49-F238E27FC236}">
-                <a16:creationId xmlns="" xmlns:a16="http://schemas.microsoft.com/office/drawing/2014/main" id="{B2C876A0-C60B-4A17-B217-A09108C31EE5}"/>
+                <a16:creationId xmlns:a16="http://schemas.microsoft.com/office/drawing/2014/main" xmlns="" id="{B2C876A0-C60B-4A17-B217-A09108C31EE5}"/>
               </a:ext>
             </a:extLst>
           </p:cNvPr>
@@ -9354,7 +9354,7 @@
           <p:cNvPr id="3" name="Title 1">
             <a:extLst>
               <a:ext uri="{FF2B5EF4-FFF2-40B4-BE49-F238E27FC236}">
-                <a16:creationId xmlns="" xmlns:a16="http://schemas.microsoft.com/office/drawing/2014/main" id="{022C0EF2-32B3-443D-804C-08EF1ADB4E25}"/>
+                <a16:creationId xmlns:a16="http://schemas.microsoft.com/office/drawing/2014/main" xmlns="" id="{022C0EF2-32B3-443D-804C-08EF1ADB4E25}"/>
               </a:ext>
             </a:extLst>
           </p:cNvPr>
@@ -9472,7 +9472,7 @@
           <p:cNvPr id="5" name="Picture 4">
             <a:extLst>
               <a:ext uri="{FF2B5EF4-FFF2-40B4-BE49-F238E27FC236}">
-                <a16:creationId xmlns="" xmlns:a16="http://schemas.microsoft.com/office/drawing/2014/main" id="{DA72E527-7FB9-4702-831C-15AB0A63E38E}"/>
+                <a16:creationId xmlns:a16="http://schemas.microsoft.com/office/drawing/2014/main" xmlns="" id="{DA72E527-7FB9-4702-831C-15AB0A63E38E}"/>
               </a:ext>
             </a:extLst>
           </p:cNvPr>
@@ -9502,7 +9502,7 @@
           <p:cNvPr id="7" name="Picture 6">
             <a:extLst>
               <a:ext uri="{FF2B5EF4-FFF2-40B4-BE49-F238E27FC236}">
-                <a16:creationId xmlns="" xmlns:a16="http://schemas.microsoft.com/office/drawing/2014/main" id="{7290D52D-29B7-42BC-8ABD-8494C1989189}"/>
+                <a16:creationId xmlns:a16="http://schemas.microsoft.com/office/drawing/2014/main" xmlns="" id="{7290D52D-29B7-42BC-8ABD-8494C1989189}"/>
               </a:ext>
             </a:extLst>
           </p:cNvPr>
@@ -9532,7 +9532,7 @@
           <p:cNvPr id="8" name="TextBox 7">
             <a:extLst>
               <a:ext uri="{FF2B5EF4-FFF2-40B4-BE49-F238E27FC236}">
-                <a16:creationId xmlns="" xmlns:a16="http://schemas.microsoft.com/office/drawing/2014/main" id="{79A5C341-84F7-4C44-9944-892AFCAB25F8}"/>
+                <a16:creationId xmlns:a16="http://schemas.microsoft.com/office/drawing/2014/main" xmlns="" id="{79A5C341-84F7-4C44-9944-892AFCAB25F8}"/>
               </a:ext>
             </a:extLst>
           </p:cNvPr>
@@ -9575,7 +9575,7 @@
           <p:cNvPr id="9" name="TextBox 8">
             <a:extLst>
               <a:ext uri="{FF2B5EF4-FFF2-40B4-BE49-F238E27FC236}">
-                <a16:creationId xmlns="" xmlns:a16="http://schemas.microsoft.com/office/drawing/2014/main" id="{CEF91413-B775-4086-85A8-CCA76A13B789}"/>
+                <a16:creationId xmlns:a16="http://schemas.microsoft.com/office/drawing/2014/main" xmlns="" id="{CEF91413-B775-4086-85A8-CCA76A13B789}"/>
               </a:ext>
             </a:extLst>
           </p:cNvPr>
@@ -9611,7 +9611,7 @@
           <p:cNvPr id="6" name="Slide Number Placeholder 5">
             <a:extLst>
               <a:ext uri="{FF2B5EF4-FFF2-40B4-BE49-F238E27FC236}">
-                <a16:creationId xmlns="" xmlns:a16="http://schemas.microsoft.com/office/drawing/2014/main" id="{A705F972-01FC-4B84-BD27-C892119BCFDE}"/>
+                <a16:creationId xmlns:a16="http://schemas.microsoft.com/office/drawing/2014/main" xmlns="" id="{A705F972-01FC-4B84-BD27-C892119BCFDE}"/>
               </a:ext>
             </a:extLst>
           </p:cNvPr>
@@ -9678,7 +9678,7 @@
           <p:cNvPr id="5" name="Title 1">
             <a:extLst>
               <a:ext uri="{FF2B5EF4-FFF2-40B4-BE49-F238E27FC236}">
-                <a16:creationId xmlns="" xmlns:a16="http://schemas.microsoft.com/office/drawing/2014/main" id="{F11C875C-9CAA-4838-BBDD-43705F932F58}"/>
+                <a16:creationId xmlns:a16="http://schemas.microsoft.com/office/drawing/2014/main" xmlns="" id="{F11C875C-9CAA-4838-BBDD-43705F932F58}"/>
               </a:ext>
             </a:extLst>
           </p:cNvPr>
@@ -9796,7 +9796,7 @@
           <p:cNvPr id="16" name="Picture 15">
             <a:extLst>
               <a:ext uri="{FF2B5EF4-FFF2-40B4-BE49-F238E27FC236}">
-                <a16:creationId xmlns="" xmlns:a16="http://schemas.microsoft.com/office/drawing/2014/main" id="{208B5D7F-598F-4998-ADF5-C24ACC061371}"/>
+                <a16:creationId xmlns:a16="http://schemas.microsoft.com/office/drawing/2014/main" xmlns="" id="{208B5D7F-598F-4998-ADF5-C24ACC061371}"/>
               </a:ext>
             </a:extLst>
           </p:cNvPr>
@@ -9826,7 +9826,7 @@
           <p:cNvPr id="3" name="Group 2">
             <a:extLst>
               <a:ext uri="{FF2B5EF4-FFF2-40B4-BE49-F238E27FC236}">
-                <a16:creationId xmlns="" xmlns:a16="http://schemas.microsoft.com/office/drawing/2014/main" id="{F52FCCD3-020A-456D-A0D4-9CFD872F8DC3}"/>
+                <a16:creationId xmlns:a16="http://schemas.microsoft.com/office/drawing/2014/main" xmlns="" id="{F52FCCD3-020A-456D-A0D4-9CFD872F8DC3}"/>
               </a:ext>
             </a:extLst>
           </p:cNvPr>
@@ -9846,7 +9846,7 @@
             <p:cNvPr id="2" name="Oval 1">
               <a:extLst>
                 <a:ext uri="{FF2B5EF4-FFF2-40B4-BE49-F238E27FC236}">
-                  <a16:creationId xmlns="" xmlns:a16="http://schemas.microsoft.com/office/drawing/2014/main" id="{9C50E7AF-0E94-412C-888A-58566B9C017F}"/>
+                  <a16:creationId xmlns:a16="http://schemas.microsoft.com/office/drawing/2014/main" xmlns="" id="{9C50E7AF-0E94-412C-888A-58566B9C017F}"/>
                 </a:ext>
               </a:extLst>
             </p:cNvPr>
@@ -9905,7 +9905,7 @@
             <p:cNvPr id="6" name="Speech Bubble: Rectangle with Corners Rounded 5">
               <a:extLst>
                 <a:ext uri="{FF2B5EF4-FFF2-40B4-BE49-F238E27FC236}">
-                  <a16:creationId xmlns="" xmlns:a16="http://schemas.microsoft.com/office/drawing/2014/main" id="{C2256BD9-C63F-432F-B3CA-2DACDEC582A5}"/>
+                  <a16:creationId xmlns:a16="http://schemas.microsoft.com/office/drawing/2014/main" xmlns="" id="{C2256BD9-C63F-432F-B3CA-2DACDEC582A5}"/>
                 </a:ext>
               </a:extLst>
             </p:cNvPr>
@@ -9977,7 +9977,7 @@
           <p:cNvPr id="8" name="Slide Number Placeholder 7">
             <a:extLst>
               <a:ext uri="{FF2B5EF4-FFF2-40B4-BE49-F238E27FC236}">
-                <a16:creationId xmlns="" xmlns:a16="http://schemas.microsoft.com/office/drawing/2014/main" id="{DF61D421-F17A-4953-A9D1-EDD58F6180A2}"/>
+                <a16:creationId xmlns:a16="http://schemas.microsoft.com/office/drawing/2014/main" xmlns="" id="{DF61D421-F17A-4953-A9D1-EDD58F6180A2}"/>
               </a:ext>
             </a:extLst>
           </p:cNvPr>
@@ -10166,7 +10166,7 @@
           <p:cNvPr id="5" name="Title 1">
             <a:extLst>
               <a:ext uri="{FF2B5EF4-FFF2-40B4-BE49-F238E27FC236}">
-                <a16:creationId xmlns="" xmlns:a16="http://schemas.microsoft.com/office/drawing/2014/main" id="{F11C875C-9CAA-4838-BBDD-43705F932F58}"/>
+                <a16:creationId xmlns:a16="http://schemas.microsoft.com/office/drawing/2014/main" xmlns="" id="{F11C875C-9CAA-4838-BBDD-43705F932F58}"/>
               </a:ext>
             </a:extLst>
           </p:cNvPr>
@@ -10284,7 +10284,7 @@
           <p:cNvPr id="9" name="Picture 8">
             <a:extLst>
               <a:ext uri="{FF2B5EF4-FFF2-40B4-BE49-F238E27FC236}">
-                <a16:creationId xmlns="" xmlns:a16="http://schemas.microsoft.com/office/drawing/2014/main" id="{E51B9CE8-A297-4A7D-ACA1-4C68ADEE4141}"/>
+                <a16:creationId xmlns:a16="http://schemas.microsoft.com/office/drawing/2014/main" xmlns="" id="{E51B9CE8-A297-4A7D-ACA1-4C68ADEE4141}"/>
               </a:ext>
             </a:extLst>
           </p:cNvPr>
@@ -10314,7 +10314,7 @@
           <p:cNvPr id="11" name="Picture 10">
             <a:extLst>
               <a:ext uri="{FF2B5EF4-FFF2-40B4-BE49-F238E27FC236}">
-                <a16:creationId xmlns="" xmlns:a16="http://schemas.microsoft.com/office/drawing/2014/main" id="{DFE758EF-F0C4-4FCF-9A39-B643F8D56430}"/>
+                <a16:creationId xmlns:a16="http://schemas.microsoft.com/office/drawing/2014/main" xmlns="" id="{DFE758EF-F0C4-4FCF-9A39-B643F8D56430}"/>
               </a:ext>
             </a:extLst>
           </p:cNvPr>
@@ -10344,7 +10344,7 @@
           <p:cNvPr id="12" name="Picture 11">
             <a:extLst>
               <a:ext uri="{FF2B5EF4-FFF2-40B4-BE49-F238E27FC236}">
-                <a16:creationId xmlns="" xmlns:a16="http://schemas.microsoft.com/office/drawing/2014/main" id="{34B71FC2-8BF2-4EB9-83F5-C1A563E448E9}"/>
+                <a16:creationId xmlns:a16="http://schemas.microsoft.com/office/drawing/2014/main" xmlns="" id="{34B71FC2-8BF2-4EB9-83F5-C1A563E448E9}"/>
               </a:ext>
             </a:extLst>
           </p:cNvPr>
@@ -10374,7 +10374,7 @@
           <p:cNvPr id="14" name="Straight Arrow Connector 13">
             <a:extLst>
               <a:ext uri="{FF2B5EF4-FFF2-40B4-BE49-F238E27FC236}">
-                <a16:creationId xmlns="" xmlns:a16="http://schemas.microsoft.com/office/drawing/2014/main" id="{CFD8C50A-38CC-44D7-8E6F-B0B0549AE5F6}"/>
+                <a16:creationId xmlns:a16="http://schemas.microsoft.com/office/drawing/2014/main" xmlns="" id="{CFD8C50A-38CC-44D7-8E6F-B0B0549AE5F6}"/>
               </a:ext>
             </a:extLst>
           </p:cNvPr>
@@ -10416,7 +10416,7 @@
           <p:cNvPr id="15" name="Straight Arrow Connector 14">
             <a:extLst>
               <a:ext uri="{FF2B5EF4-FFF2-40B4-BE49-F238E27FC236}">
-                <a16:creationId xmlns="" xmlns:a16="http://schemas.microsoft.com/office/drawing/2014/main" id="{1CBB9985-9373-4EAF-B868-461F569BF544}"/>
+                <a16:creationId xmlns:a16="http://schemas.microsoft.com/office/drawing/2014/main" xmlns="" id="{1CBB9985-9373-4EAF-B868-461F569BF544}"/>
               </a:ext>
             </a:extLst>
           </p:cNvPr>
@@ -10460,7 +10460,7 @@
           <p:cNvPr id="19" name="TextBox 18">
             <a:extLst>
               <a:ext uri="{FF2B5EF4-FFF2-40B4-BE49-F238E27FC236}">
-                <a16:creationId xmlns="" xmlns:a16="http://schemas.microsoft.com/office/drawing/2014/main" id="{B5A0735C-F1BD-4670-A50D-304C14AF5A46}"/>
+                <a16:creationId xmlns:a16="http://schemas.microsoft.com/office/drawing/2014/main" xmlns="" id="{B5A0735C-F1BD-4670-A50D-304C14AF5A46}"/>
               </a:ext>
             </a:extLst>
           </p:cNvPr>
@@ -10509,7 +10509,7 @@
           <p:cNvPr id="20" name="TextBox 19">
             <a:extLst>
               <a:ext uri="{FF2B5EF4-FFF2-40B4-BE49-F238E27FC236}">
-                <a16:creationId xmlns="" xmlns:a16="http://schemas.microsoft.com/office/drawing/2014/main" id="{5706364F-4934-4403-A28D-85C0C8BFF3B3}"/>
+                <a16:creationId xmlns:a16="http://schemas.microsoft.com/office/drawing/2014/main" xmlns="" id="{5706364F-4934-4403-A28D-85C0C8BFF3B3}"/>
               </a:ext>
             </a:extLst>
           </p:cNvPr>
@@ -10548,7 +10548,7 @@
           <p:cNvPr id="21" name="TextBox 20">
             <a:extLst>
               <a:ext uri="{FF2B5EF4-FFF2-40B4-BE49-F238E27FC236}">
-                <a16:creationId xmlns="" xmlns:a16="http://schemas.microsoft.com/office/drawing/2014/main" id="{441831B6-543C-4A52-8709-D1E6B1F79DF3}"/>
+                <a16:creationId xmlns:a16="http://schemas.microsoft.com/office/drawing/2014/main" xmlns="" id="{441831B6-543C-4A52-8709-D1E6B1F79DF3}"/>
               </a:ext>
             </a:extLst>
           </p:cNvPr>
@@ -10611,7 +10611,7 @@
           <p:cNvPr id="4" name="Slide Number Placeholder 3">
             <a:extLst>
               <a:ext uri="{FF2B5EF4-FFF2-40B4-BE49-F238E27FC236}">
-                <a16:creationId xmlns="" xmlns:a16="http://schemas.microsoft.com/office/drawing/2014/main" id="{A25E451D-EFF0-4C7E-9194-591559E11F4F}"/>
+                <a16:creationId xmlns:a16="http://schemas.microsoft.com/office/drawing/2014/main" xmlns="" id="{A25E451D-EFF0-4C7E-9194-591559E11F4F}"/>
               </a:ext>
             </a:extLst>
           </p:cNvPr>
@@ -10678,7 +10678,7 @@
           <p:cNvPr id="5" name="Title 1">
             <a:extLst>
               <a:ext uri="{FF2B5EF4-FFF2-40B4-BE49-F238E27FC236}">
-                <a16:creationId xmlns="" xmlns:a16="http://schemas.microsoft.com/office/drawing/2014/main" id="{79722C87-A69B-4E73-87EC-6C6F8D15C4B0}"/>
+                <a16:creationId xmlns:a16="http://schemas.microsoft.com/office/drawing/2014/main" xmlns="" id="{79722C87-A69B-4E73-87EC-6C6F8D15C4B0}"/>
               </a:ext>
             </a:extLst>
           </p:cNvPr>
@@ -10715,7 +10715,7 @@
           <p:cNvPr id="8" name="Rectangle 7">
             <a:extLst>
               <a:ext uri="{FF2B5EF4-FFF2-40B4-BE49-F238E27FC236}">
-                <a16:creationId xmlns="" xmlns:a16="http://schemas.microsoft.com/office/drawing/2014/main" id="{43FAC0D6-D534-4F9A-9430-BDBBBED886EC}"/>
+                <a16:creationId xmlns:a16="http://schemas.microsoft.com/office/drawing/2014/main" xmlns="" id="{43FAC0D6-D534-4F9A-9430-BDBBBED886EC}"/>
               </a:ext>
             </a:extLst>
           </p:cNvPr>
@@ -10901,7 +10901,7 @@
           <p:cNvPr id="9" name="Rectangle 8">
             <a:extLst>
               <a:ext uri="{FF2B5EF4-FFF2-40B4-BE49-F238E27FC236}">
-                <a16:creationId xmlns="" xmlns:a16="http://schemas.microsoft.com/office/drawing/2014/main" id="{6D5A3AD8-1DA9-46C5-9172-18CC97FBB918}"/>
+                <a16:creationId xmlns:a16="http://schemas.microsoft.com/office/drawing/2014/main" xmlns="" id="{6D5A3AD8-1DA9-46C5-9172-18CC97FBB918}"/>
               </a:ext>
             </a:extLst>
           </p:cNvPr>
@@ -10983,7 +10983,7 @@
           <p:cNvPr id="10" name="Straight Arrow Connector 9">
             <a:extLst>
               <a:ext uri="{FF2B5EF4-FFF2-40B4-BE49-F238E27FC236}">
-                <a16:creationId xmlns="" xmlns:a16="http://schemas.microsoft.com/office/drawing/2014/main" id="{5C884956-0ABD-4C1F-B169-191EE90A9240}"/>
+                <a16:creationId xmlns:a16="http://schemas.microsoft.com/office/drawing/2014/main" xmlns="" id="{5C884956-0ABD-4C1F-B169-191EE90A9240}"/>
               </a:ext>
             </a:extLst>
           </p:cNvPr>
@@ -11030,7 +11030,7 @@
           <p:cNvPr id="11" name="Straight Arrow Connector 10">
             <a:extLst>
               <a:ext uri="{FF2B5EF4-FFF2-40B4-BE49-F238E27FC236}">
-                <a16:creationId xmlns="" xmlns:a16="http://schemas.microsoft.com/office/drawing/2014/main" id="{DCC33062-763C-4582-BA22-2F1D77AC32A0}"/>
+                <a16:creationId xmlns:a16="http://schemas.microsoft.com/office/drawing/2014/main" xmlns="" id="{DCC33062-763C-4582-BA22-2F1D77AC32A0}"/>
               </a:ext>
             </a:extLst>
           </p:cNvPr>
@@ -11078,7 +11078,7 @@
           <p:cNvPr id="12" name="Straight Arrow Connector 11">
             <a:extLst>
               <a:ext uri="{FF2B5EF4-FFF2-40B4-BE49-F238E27FC236}">
-                <a16:creationId xmlns="" xmlns:a16="http://schemas.microsoft.com/office/drawing/2014/main" id="{8609C124-D374-417A-9F43-2BC50B6C7C4C}"/>
+                <a16:creationId xmlns:a16="http://schemas.microsoft.com/office/drawing/2014/main" xmlns="" id="{8609C124-D374-417A-9F43-2BC50B6C7C4C}"/>
               </a:ext>
             </a:extLst>
           </p:cNvPr>
@@ -11125,7 +11125,7 @@
           <p:cNvPr id="14" name="Group 13">
             <a:extLst>
               <a:ext uri="{FF2B5EF4-FFF2-40B4-BE49-F238E27FC236}">
-                <a16:creationId xmlns="" xmlns:a16="http://schemas.microsoft.com/office/drawing/2014/main" id="{0635F6D7-A741-42C8-8CE5-A40A07460466}"/>
+                <a16:creationId xmlns:a16="http://schemas.microsoft.com/office/drawing/2014/main" xmlns="" id="{0635F6D7-A741-42C8-8CE5-A40A07460466}"/>
               </a:ext>
             </a:extLst>
           </p:cNvPr>
@@ -11145,7 +11145,7 @@
             <p:cNvPr id="15" name="Straight Arrow Connector 14">
               <a:extLst>
                 <a:ext uri="{FF2B5EF4-FFF2-40B4-BE49-F238E27FC236}">
-                  <a16:creationId xmlns="" xmlns:a16="http://schemas.microsoft.com/office/drawing/2014/main" id="{34B6FDFE-218E-4571-B69B-DD6A2005557C}"/>
+                  <a16:creationId xmlns:a16="http://schemas.microsoft.com/office/drawing/2014/main" xmlns="" id="{34B6FDFE-218E-4571-B69B-DD6A2005557C}"/>
                 </a:ext>
               </a:extLst>
             </p:cNvPr>
@@ -11190,7 +11190,7 @@
             <p:cNvPr id="16" name="TextBox 15">
               <a:extLst>
                 <a:ext uri="{FF2B5EF4-FFF2-40B4-BE49-F238E27FC236}">
-                  <a16:creationId xmlns="" xmlns:a16="http://schemas.microsoft.com/office/drawing/2014/main" id="{471F24B6-E904-403C-B1D3-98587279F277}"/>
+                  <a16:creationId xmlns:a16="http://schemas.microsoft.com/office/drawing/2014/main" xmlns="" id="{471F24B6-E904-403C-B1D3-98587279F277}"/>
                 </a:ext>
               </a:extLst>
             </p:cNvPr>
@@ -11256,7 +11256,7 @@
           <p:cNvPr id="17" name="TextBox 16">
             <a:extLst>
               <a:ext uri="{FF2B5EF4-FFF2-40B4-BE49-F238E27FC236}">
-                <a16:creationId xmlns="" xmlns:a16="http://schemas.microsoft.com/office/drawing/2014/main" id="{1142723A-FBA4-4B81-AE36-384A60A6D59D}"/>
+                <a16:creationId xmlns:a16="http://schemas.microsoft.com/office/drawing/2014/main" xmlns="" id="{1142723A-FBA4-4B81-AE36-384A60A6D59D}"/>
               </a:ext>
             </a:extLst>
           </p:cNvPr>
@@ -11340,7 +11340,7 @@
           <p:cNvPr id="18" name="Thought Bubble: Cloud 17">
             <a:extLst>
               <a:ext uri="{FF2B5EF4-FFF2-40B4-BE49-F238E27FC236}">
-                <a16:creationId xmlns="" xmlns:a16="http://schemas.microsoft.com/office/drawing/2014/main" id="{7220210C-4032-40E2-8C8F-4089B3148427}"/>
+                <a16:creationId xmlns:a16="http://schemas.microsoft.com/office/drawing/2014/main" xmlns="" id="{7220210C-4032-40E2-8C8F-4089B3148427}"/>
               </a:ext>
             </a:extLst>
           </p:cNvPr>
@@ -11399,7 +11399,7 @@
           <p:cNvPr id="19" name="Thought Bubble: Cloud 18">
             <a:extLst>
               <a:ext uri="{FF2B5EF4-FFF2-40B4-BE49-F238E27FC236}">
-                <a16:creationId xmlns="" xmlns:a16="http://schemas.microsoft.com/office/drawing/2014/main" id="{DAA3F5E9-9516-4B52-977E-B8915D516190}"/>
+                <a16:creationId xmlns:a16="http://schemas.microsoft.com/office/drawing/2014/main" xmlns="" id="{DAA3F5E9-9516-4B52-977E-B8915D516190}"/>
               </a:ext>
             </a:extLst>
           </p:cNvPr>
@@ -11458,7 +11458,7 @@
           <p:cNvPr id="20" name="Thought Bubble: Cloud 19">
             <a:extLst>
               <a:ext uri="{FF2B5EF4-FFF2-40B4-BE49-F238E27FC236}">
-                <a16:creationId xmlns="" xmlns:a16="http://schemas.microsoft.com/office/drawing/2014/main" id="{FCD1DD38-C3BC-4093-8D7B-56FEC0D4BE50}"/>
+                <a16:creationId xmlns:a16="http://schemas.microsoft.com/office/drawing/2014/main" xmlns="" id="{FCD1DD38-C3BC-4093-8D7B-56FEC0D4BE50}"/>
               </a:ext>
             </a:extLst>
           </p:cNvPr>
@@ -11517,7 +11517,7 @@
           <p:cNvPr id="21" name="Picture 20">
             <a:extLst>
               <a:ext uri="{FF2B5EF4-FFF2-40B4-BE49-F238E27FC236}">
-                <a16:creationId xmlns="" xmlns:a16="http://schemas.microsoft.com/office/drawing/2014/main" id="{2019D004-464C-4CD7-BE55-6A86597A7CB4}"/>
+                <a16:creationId xmlns:a16="http://schemas.microsoft.com/office/drawing/2014/main" xmlns="" id="{2019D004-464C-4CD7-BE55-6A86597A7CB4}"/>
               </a:ext>
             </a:extLst>
           </p:cNvPr>
@@ -11547,7 +11547,7 @@
           <p:cNvPr id="4" name="Slide Number Placeholder 3">
             <a:extLst>
               <a:ext uri="{FF2B5EF4-FFF2-40B4-BE49-F238E27FC236}">
-                <a16:creationId xmlns="" xmlns:a16="http://schemas.microsoft.com/office/drawing/2014/main" id="{8C0E9D76-D46F-47B4-A6C4-A6431BE6D82D}"/>
+                <a16:creationId xmlns:a16="http://schemas.microsoft.com/office/drawing/2014/main" xmlns="" id="{8C0E9D76-D46F-47B4-A6C4-A6431BE6D82D}"/>
               </a:ext>
             </a:extLst>
           </p:cNvPr>
@@ -12151,7 +12151,7 @@
           <p:cNvPr id="11" name="Rectangle 10">
             <a:extLst>
               <a:ext uri="{FF2B5EF4-FFF2-40B4-BE49-F238E27FC236}">
-                <a16:creationId xmlns="" xmlns:a16="http://schemas.microsoft.com/office/drawing/2014/main" id="{30C037EB-A097-4A95-A80A-5179B2C25D74}"/>
+                <a16:creationId xmlns:a16="http://schemas.microsoft.com/office/drawing/2014/main" xmlns="" id="{30C037EB-A097-4A95-A80A-5179B2C25D74}"/>
               </a:ext>
             </a:extLst>
           </p:cNvPr>
@@ -12234,7 +12234,7 @@
           <p:cNvPr id="16" name="TextBox 15">
             <a:extLst>
               <a:ext uri="{FF2B5EF4-FFF2-40B4-BE49-F238E27FC236}">
-                <a16:creationId xmlns="" xmlns:a16="http://schemas.microsoft.com/office/drawing/2014/main" id="{CF020DC6-F39F-424A-B0F5-95A58E404C95}"/>
+                <a16:creationId xmlns:a16="http://schemas.microsoft.com/office/drawing/2014/main" xmlns="" id="{CF020DC6-F39F-424A-B0F5-95A58E404C95}"/>
               </a:ext>
             </a:extLst>
           </p:cNvPr>
@@ -12299,7 +12299,7 @@
           <p:cNvPr id="17" name="Rectangle 16">
             <a:extLst>
               <a:ext uri="{FF2B5EF4-FFF2-40B4-BE49-F238E27FC236}">
-                <a16:creationId xmlns="" xmlns:a16="http://schemas.microsoft.com/office/drawing/2014/main" id="{B0CA323F-35CC-40FB-9A50-4349AB36032A}"/>
+                <a16:creationId xmlns:a16="http://schemas.microsoft.com/office/drawing/2014/main" xmlns="" id="{B0CA323F-35CC-40FB-9A50-4349AB36032A}"/>
               </a:ext>
             </a:extLst>
           </p:cNvPr>
@@ -12433,7 +12433,7 @@
           <p:cNvPr id="22" name="Straight Arrow Connector 21">
             <a:extLst>
               <a:ext uri="{FF2B5EF4-FFF2-40B4-BE49-F238E27FC236}">
-                <a16:creationId xmlns="" xmlns:a16="http://schemas.microsoft.com/office/drawing/2014/main" id="{E5AB3887-2964-41E1-BADC-78E22026A8D6}"/>
+                <a16:creationId xmlns:a16="http://schemas.microsoft.com/office/drawing/2014/main" xmlns="" id="{E5AB3887-2964-41E1-BADC-78E22026A8D6}"/>
               </a:ext>
             </a:extLst>
           </p:cNvPr>
@@ -12480,7 +12480,7 @@
           <p:cNvPr id="10" name="Group 9">
             <a:extLst>
               <a:ext uri="{FF2B5EF4-FFF2-40B4-BE49-F238E27FC236}">
-                <a16:creationId xmlns="" xmlns:a16="http://schemas.microsoft.com/office/drawing/2014/main" id="{798BE1D3-E32D-4231-A09D-A4E59BD9D54B}"/>
+                <a16:creationId xmlns:a16="http://schemas.microsoft.com/office/drawing/2014/main" xmlns="" id="{798BE1D3-E32D-4231-A09D-A4E59BD9D54B}"/>
               </a:ext>
             </a:extLst>
           </p:cNvPr>
@@ -12500,7 +12500,7 @@
             <p:cNvPr id="24" name="Straight Arrow Connector 23">
               <a:extLst>
                 <a:ext uri="{FF2B5EF4-FFF2-40B4-BE49-F238E27FC236}">
-                  <a16:creationId xmlns="" xmlns:a16="http://schemas.microsoft.com/office/drawing/2014/main" id="{AFD81C80-C338-4F84-A54D-FD8E931EF2D1}"/>
+                  <a16:creationId xmlns:a16="http://schemas.microsoft.com/office/drawing/2014/main" xmlns="" id="{AFD81C80-C338-4F84-A54D-FD8E931EF2D1}"/>
                 </a:ext>
               </a:extLst>
             </p:cNvPr>
@@ -12545,7 +12545,7 @@
             <p:cNvPr id="25" name="TextBox 24">
               <a:extLst>
                 <a:ext uri="{FF2B5EF4-FFF2-40B4-BE49-F238E27FC236}">
-                  <a16:creationId xmlns="" xmlns:a16="http://schemas.microsoft.com/office/drawing/2014/main" id="{C05F794F-BC43-4EF2-A4B8-6FE8D9702A8E}"/>
+                  <a16:creationId xmlns:a16="http://schemas.microsoft.com/office/drawing/2014/main" xmlns="" id="{C05F794F-BC43-4EF2-A4B8-6FE8D9702A8E}"/>
                 </a:ext>
               </a:extLst>
             </p:cNvPr>
@@ -12611,7 +12611,7 @@
           <p:cNvPr id="41" name="Straight Arrow Connector 40">
             <a:extLst>
               <a:ext uri="{FF2B5EF4-FFF2-40B4-BE49-F238E27FC236}">
-                <a16:creationId xmlns="" xmlns:a16="http://schemas.microsoft.com/office/drawing/2014/main" id="{2763003B-C8D4-4A25-9508-51A19B7A806D}"/>
+                <a16:creationId xmlns:a16="http://schemas.microsoft.com/office/drawing/2014/main" xmlns="" id="{2763003B-C8D4-4A25-9508-51A19B7A806D}"/>
               </a:ext>
             </a:extLst>
           </p:cNvPr>
@@ -12658,7 +12658,7 @@
           <p:cNvPr id="42" name="TextBox 41">
             <a:extLst>
               <a:ext uri="{FF2B5EF4-FFF2-40B4-BE49-F238E27FC236}">
-                <a16:creationId xmlns="" xmlns:a16="http://schemas.microsoft.com/office/drawing/2014/main" id="{A78B5645-1941-44FB-B01F-A7508D997D60}"/>
+                <a16:creationId xmlns:a16="http://schemas.microsoft.com/office/drawing/2014/main" xmlns="" id="{A78B5645-1941-44FB-B01F-A7508D997D60}"/>
               </a:ext>
             </a:extLst>
           </p:cNvPr>
@@ -12759,7 +12759,7 @@
           <p:cNvPr id="4" name="Group 3">
             <a:extLst>
               <a:ext uri="{FF2B5EF4-FFF2-40B4-BE49-F238E27FC236}">
-                <a16:creationId xmlns="" xmlns:a16="http://schemas.microsoft.com/office/drawing/2014/main" id="{EE44A6D8-2083-45B0-8477-F8B65439B817}"/>
+                <a16:creationId xmlns:a16="http://schemas.microsoft.com/office/drawing/2014/main" xmlns="" id="{EE44A6D8-2083-45B0-8477-F8B65439B817}"/>
               </a:ext>
             </a:extLst>
           </p:cNvPr>
@@ -12779,7 +12779,7 @@
             <p:cNvPr id="15" name="Straight Arrow Connector 14">
               <a:extLst>
                 <a:ext uri="{FF2B5EF4-FFF2-40B4-BE49-F238E27FC236}">
-                  <a16:creationId xmlns="" xmlns:a16="http://schemas.microsoft.com/office/drawing/2014/main" id="{C4FB8097-6879-4C4B-A52B-1027BBB0E4CA}"/>
+                  <a16:creationId xmlns:a16="http://schemas.microsoft.com/office/drawing/2014/main" xmlns="" id="{C4FB8097-6879-4C4B-A52B-1027BBB0E4CA}"/>
                 </a:ext>
               </a:extLst>
             </p:cNvPr>
@@ -12828,7 +12828,7 @@
                 <p:cNvPr id="43" name="TextBox 42">
                   <a:extLst>
                     <a:ext uri="{FF2B5EF4-FFF2-40B4-BE49-F238E27FC236}">
-                      <a16:creationId xmlns="" xmlns:a16="http://schemas.microsoft.com/office/drawing/2014/main" id="{597C41D0-63D0-4C54-9EC7-FD1505B86CB9}"/>
+                      <a16:creationId xmlns:a16="http://schemas.microsoft.com/office/drawing/2014/main" xmlns="" id="{597C41D0-63D0-4C54-9EC7-FD1505B86CB9}"/>
                     </a:ext>
                   </a:extLst>
                 </p:cNvPr>
@@ -13037,7 +13037,7 @@
           <p:cNvPr id="50" name="TextBox 49">
             <a:extLst>
               <a:ext uri="{FF2B5EF4-FFF2-40B4-BE49-F238E27FC236}">
-                <a16:creationId xmlns="" xmlns:a16="http://schemas.microsoft.com/office/drawing/2014/main" id="{9CA50C34-6502-4513-B1E5-17DB8E7693CD}"/>
+                <a16:creationId xmlns:a16="http://schemas.microsoft.com/office/drawing/2014/main" xmlns="" id="{9CA50C34-6502-4513-B1E5-17DB8E7693CD}"/>
               </a:ext>
             </a:extLst>
           </p:cNvPr>
@@ -13102,7 +13102,7 @@
           <p:cNvPr id="21" name="Group 20">
             <a:extLst>
               <a:ext uri="{FF2B5EF4-FFF2-40B4-BE49-F238E27FC236}">
-                <a16:creationId xmlns="" xmlns:a16="http://schemas.microsoft.com/office/drawing/2014/main" id="{00DB0BCD-709D-480B-B0FE-382B8E7C661B}"/>
+                <a16:creationId xmlns:a16="http://schemas.microsoft.com/office/drawing/2014/main" xmlns="" id="{00DB0BCD-709D-480B-B0FE-382B8E7C661B}"/>
               </a:ext>
             </a:extLst>
           </p:cNvPr>
@@ -13122,7 +13122,7 @@
             <p:cNvPr id="23" name="Straight Arrow Connector 22">
               <a:extLst>
                 <a:ext uri="{FF2B5EF4-FFF2-40B4-BE49-F238E27FC236}">
-                  <a16:creationId xmlns="" xmlns:a16="http://schemas.microsoft.com/office/drawing/2014/main" id="{E281DB7B-E8F3-4CA3-97BF-913C840B15D9}"/>
+                  <a16:creationId xmlns:a16="http://schemas.microsoft.com/office/drawing/2014/main" xmlns="" id="{E281DB7B-E8F3-4CA3-97BF-913C840B15D9}"/>
                 </a:ext>
               </a:extLst>
             </p:cNvPr>
@@ -13171,7 +13171,7 @@
                 <p:cNvPr id="27" name="TextBox 26">
                   <a:extLst>
                     <a:ext uri="{FF2B5EF4-FFF2-40B4-BE49-F238E27FC236}">
-                      <a16:creationId xmlns="" xmlns:a16="http://schemas.microsoft.com/office/drawing/2014/main" id="{FC17AA30-640B-44E7-B451-DB310F832CE9}"/>
+                      <a16:creationId xmlns:a16="http://schemas.microsoft.com/office/drawing/2014/main" xmlns="" id="{FC17AA30-640B-44E7-B451-DB310F832CE9}"/>
                     </a:ext>
                   </a:extLst>
                 </p:cNvPr>
@@ -13297,7 +13297,7 @@
           <p:cNvPr id="29" name="Straight Arrow Connector 28">
             <a:extLst>
               <a:ext uri="{FF2B5EF4-FFF2-40B4-BE49-F238E27FC236}">
-                <a16:creationId xmlns="" xmlns:a16="http://schemas.microsoft.com/office/drawing/2014/main" id="{4DE7095F-495E-4A0B-8F26-26F15D9FA628}"/>
+                <a16:creationId xmlns:a16="http://schemas.microsoft.com/office/drawing/2014/main" xmlns="" id="{4DE7095F-495E-4A0B-8F26-26F15D9FA628}"/>
               </a:ext>
             </a:extLst>
           </p:cNvPr>
@@ -13344,7 +13344,7 @@
           <p:cNvPr id="3" name="Group 2">
             <a:extLst>
               <a:ext uri="{FF2B5EF4-FFF2-40B4-BE49-F238E27FC236}">
-                <a16:creationId xmlns="" xmlns:a16="http://schemas.microsoft.com/office/drawing/2014/main" id="{29556DD3-8312-4BFA-AFE4-DFB2DC245782}"/>
+                <a16:creationId xmlns:a16="http://schemas.microsoft.com/office/drawing/2014/main" xmlns="" id="{29556DD3-8312-4BFA-AFE4-DFB2DC245782}"/>
               </a:ext>
             </a:extLst>
           </p:cNvPr>
@@ -13364,7 +13364,7 @@
             <p:cNvPr id="28" name="Straight Arrow Connector 27">
               <a:extLst>
                 <a:ext uri="{FF2B5EF4-FFF2-40B4-BE49-F238E27FC236}">
-                  <a16:creationId xmlns="" xmlns:a16="http://schemas.microsoft.com/office/drawing/2014/main" id="{2E3A63AB-DF64-4A41-BE55-3FAF84EF8B38}"/>
+                  <a16:creationId xmlns:a16="http://schemas.microsoft.com/office/drawing/2014/main" xmlns="" id="{2E3A63AB-DF64-4A41-BE55-3FAF84EF8B38}"/>
                 </a:ext>
               </a:extLst>
             </p:cNvPr>
@@ -13413,7 +13413,7 @@
                 <p:cNvPr id="30" name="TextBox 29">
                   <a:extLst>
                     <a:ext uri="{FF2B5EF4-FFF2-40B4-BE49-F238E27FC236}">
-                      <a16:creationId xmlns="" xmlns:a16="http://schemas.microsoft.com/office/drawing/2014/main" id="{1514DF8D-03A9-4ECD-9F0B-CDE76DE928BE}"/>
+                      <a16:creationId xmlns:a16="http://schemas.microsoft.com/office/drawing/2014/main" xmlns="" id="{1514DF8D-03A9-4ECD-9F0B-CDE76DE928BE}"/>
                     </a:ext>
                   </a:extLst>
                 </p:cNvPr>
@@ -13534,7 +13534,7 @@
           <p:cNvPr id="20" name="Group 19">
             <a:extLst>
               <a:ext uri="{FF2B5EF4-FFF2-40B4-BE49-F238E27FC236}">
-                <a16:creationId xmlns="" xmlns:a16="http://schemas.microsoft.com/office/drawing/2014/main" id="{B36E2083-FBA1-48DB-A513-BBAA0378893F}"/>
+                <a16:creationId xmlns:a16="http://schemas.microsoft.com/office/drawing/2014/main" xmlns="" id="{B36E2083-FBA1-48DB-A513-BBAA0378893F}"/>
               </a:ext>
             </a:extLst>
           </p:cNvPr>
@@ -13554,7 +13554,7 @@
             <p:cNvPr id="31" name="Straight Arrow Connector 30">
               <a:extLst>
                 <a:ext uri="{FF2B5EF4-FFF2-40B4-BE49-F238E27FC236}">
-                  <a16:creationId xmlns="" xmlns:a16="http://schemas.microsoft.com/office/drawing/2014/main" id="{C0B3468B-BE22-4163-994B-03ADD06384B6}"/>
+                  <a16:creationId xmlns:a16="http://schemas.microsoft.com/office/drawing/2014/main" xmlns="" id="{C0B3468B-BE22-4163-994B-03ADD06384B6}"/>
                 </a:ext>
               </a:extLst>
             </p:cNvPr>
@@ -13603,7 +13603,7 @@
                 <p:cNvPr id="32" name="TextBox 31">
                   <a:extLst>
                     <a:ext uri="{FF2B5EF4-FFF2-40B4-BE49-F238E27FC236}">
-                      <a16:creationId xmlns="" xmlns:a16="http://schemas.microsoft.com/office/drawing/2014/main" id="{12529FFD-A2D3-4C7D-8A5A-B9E5CC49CEC3}"/>
+                      <a16:creationId xmlns:a16="http://schemas.microsoft.com/office/drawing/2014/main" xmlns="" id="{12529FFD-A2D3-4C7D-8A5A-B9E5CC49CEC3}"/>
                     </a:ext>
                   </a:extLst>
                 </p:cNvPr>
@@ -13724,7 +13724,7 @@
           <p:cNvPr id="33" name="Straight Arrow Connector 32">
             <a:extLst>
               <a:ext uri="{FF2B5EF4-FFF2-40B4-BE49-F238E27FC236}">
-                <a16:creationId xmlns="" xmlns:a16="http://schemas.microsoft.com/office/drawing/2014/main" id="{4856276E-CBCA-47F9-93A0-FBDAF1BFF544}"/>
+                <a16:creationId xmlns:a16="http://schemas.microsoft.com/office/drawing/2014/main" xmlns="" id="{4856276E-CBCA-47F9-93A0-FBDAF1BFF544}"/>
               </a:ext>
             </a:extLst>
           </p:cNvPr>
@@ -13772,7 +13772,7 @@
           <p:cNvPr id="39" name="Title 1">
             <a:extLst>
               <a:ext uri="{FF2B5EF4-FFF2-40B4-BE49-F238E27FC236}">
-                <a16:creationId xmlns="" xmlns:a16="http://schemas.microsoft.com/office/drawing/2014/main" id="{A8100B3E-DBA4-4DE0-864F-F152EE250F6F}"/>
+                <a16:creationId xmlns:a16="http://schemas.microsoft.com/office/drawing/2014/main" xmlns="" id="{A8100B3E-DBA4-4DE0-864F-F152EE250F6F}"/>
               </a:ext>
             </a:extLst>
           </p:cNvPr>
@@ -13809,7 +13809,7 @@
           <p:cNvPr id="6" name="Slide Number Placeholder 5">
             <a:extLst>
               <a:ext uri="{FF2B5EF4-FFF2-40B4-BE49-F238E27FC236}">
-                <a16:creationId xmlns="" xmlns:a16="http://schemas.microsoft.com/office/drawing/2014/main" id="{B09A1548-527A-433B-9B4A-E8989CFB6B15}"/>
+                <a16:creationId xmlns:a16="http://schemas.microsoft.com/office/drawing/2014/main" xmlns="" id="{B09A1548-527A-433B-9B4A-E8989CFB6B15}"/>
               </a:ext>
             </a:extLst>
           </p:cNvPr>
@@ -13839,7 +13839,7 @@
           <p:cNvPr id="8" name="Group 7">
             <a:extLst>
               <a:ext uri="{FF2B5EF4-FFF2-40B4-BE49-F238E27FC236}">
-                <a16:creationId xmlns="" xmlns:a16="http://schemas.microsoft.com/office/drawing/2014/main" id="{EABDCBF1-6629-4261-8977-A400FB700610}"/>
+                <a16:creationId xmlns:a16="http://schemas.microsoft.com/office/drawing/2014/main" xmlns="" id="{EABDCBF1-6629-4261-8977-A400FB700610}"/>
               </a:ext>
             </a:extLst>
           </p:cNvPr>
@@ -13859,7 +13859,7 @@
             <p:cNvPr id="26" name="TextBox 25">
               <a:extLst>
                 <a:ext uri="{FF2B5EF4-FFF2-40B4-BE49-F238E27FC236}">
-                  <a16:creationId xmlns="" xmlns:a16="http://schemas.microsoft.com/office/drawing/2014/main" id="{194E6F51-B414-44B5-96BA-A80FC0864F4F}"/>
+                  <a16:creationId xmlns:a16="http://schemas.microsoft.com/office/drawing/2014/main" xmlns="" id="{194E6F51-B414-44B5-96BA-A80FC0864F4F}"/>
                 </a:ext>
               </a:extLst>
             </p:cNvPr>
@@ -13903,7 +13903,7 @@
             <p:cNvPr id="40" name="Group 39">
               <a:extLst>
                 <a:ext uri="{FF2B5EF4-FFF2-40B4-BE49-F238E27FC236}">
-                  <a16:creationId xmlns="" xmlns:a16="http://schemas.microsoft.com/office/drawing/2014/main" id="{70AE469F-6C2F-4084-858C-6FA02B66A2F3}"/>
+                  <a16:creationId xmlns:a16="http://schemas.microsoft.com/office/drawing/2014/main" xmlns="" id="{70AE469F-6C2F-4084-858C-6FA02B66A2F3}"/>
                 </a:ext>
               </a:extLst>
             </p:cNvPr>
@@ -13923,7 +13923,7 @@
               <p:cNvPr id="44" name="Rectangle 43">
                 <a:extLst>
                   <a:ext uri="{FF2B5EF4-FFF2-40B4-BE49-F238E27FC236}">
-                    <a16:creationId xmlns="" xmlns:a16="http://schemas.microsoft.com/office/drawing/2014/main" id="{558891A4-A660-4D63-887E-457B959EA9B6}"/>
+                    <a16:creationId xmlns:a16="http://schemas.microsoft.com/office/drawing/2014/main" xmlns="" id="{558891A4-A660-4D63-887E-457B959EA9B6}"/>
                   </a:ext>
                 </a:extLst>
               </p:cNvPr>
@@ -14003,7 +14003,7 @@
               <p:cNvPr id="45" name="Group 44">
                 <a:extLst>
                   <a:ext uri="{FF2B5EF4-FFF2-40B4-BE49-F238E27FC236}">
-                    <a16:creationId xmlns="" xmlns:a16="http://schemas.microsoft.com/office/drawing/2014/main" id="{1F370D1A-BCE0-4EEC-97CC-A8A009EDB468}"/>
+                    <a16:creationId xmlns:a16="http://schemas.microsoft.com/office/drawing/2014/main" xmlns="" id="{1F370D1A-BCE0-4EEC-97CC-A8A009EDB468}"/>
                   </a:ext>
                 </a:extLst>
               </p:cNvPr>
@@ -14023,7 +14023,7 @@
                 <p:cNvPr id="49" name="Rectangle 48">
                   <a:extLst>
                     <a:ext uri="{FF2B5EF4-FFF2-40B4-BE49-F238E27FC236}">
-                      <a16:creationId xmlns="" xmlns:a16="http://schemas.microsoft.com/office/drawing/2014/main" id="{4A79A2CA-9D54-4E73-BCDF-14EAB2A42A7B}"/>
+                      <a16:creationId xmlns:a16="http://schemas.microsoft.com/office/drawing/2014/main" xmlns="" id="{4A79A2CA-9D54-4E73-BCDF-14EAB2A42A7B}"/>
                     </a:ext>
                   </a:extLst>
                 </p:cNvPr>
@@ -14110,7 +14110,7 @@
                 <p:cNvPr id="51" name="Rectangle 50">
                   <a:extLst>
                     <a:ext uri="{FF2B5EF4-FFF2-40B4-BE49-F238E27FC236}">
-                      <a16:creationId xmlns="" xmlns:a16="http://schemas.microsoft.com/office/drawing/2014/main" id="{D0684D9D-0EFA-457A-8BC6-1606FC273FD9}"/>
+                      <a16:creationId xmlns:a16="http://schemas.microsoft.com/office/drawing/2014/main" xmlns="" id="{D0684D9D-0EFA-457A-8BC6-1606FC273FD9}"/>
                     </a:ext>
                   </a:extLst>
                 </p:cNvPr>
@@ -14241,7 +14241,7 @@
           <p:cNvPr id="7" name="Group 6">
             <a:extLst>
               <a:ext uri="{FF2B5EF4-FFF2-40B4-BE49-F238E27FC236}">
-                <a16:creationId xmlns="" xmlns:a16="http://schemas.microsoft.com/office/drawing/2014/main" id="{739A96B0-70B1-417A-80F2-363E64367A32}"/>
+                <a16:creationId xmlns:a16="http://schemas.microsoft.com/office/drawing/2014/main" xmlns="" id="{739A96B0-70B1-417A-80F2-363E64367A32}"/>
               </a:ext>
             </a:extLst>
           </p:cNvPr>
@@ -14261,7 +14261,7 @@
             <p:cNvPr id="5" name="Group 4">
               <a:extLst>
                 <a:ext uri="{FF2B5EF4-FFF2-40B4-BE49-F238E27FC236}">
-                  <a16:creationId xmlns="" xmlns:a16="http://schemas.microsoft.com/office/drawing/2014/main" id="{766600B2-43D6-426A-BF4F-E893A35FBE58}"/>
+                  <a16:creationId xmlns:a16="http://schemas.microsoft.com/office/drawing/2014/main" xmlns="" id="{766600B2-43D6-426A-BF4F-E893A35FBE58}"/>
                 </a:ext>
               </a:extLst>
             </p:cNvPr>
@@ -14281,7 +14281,7 @@
               <p:cNvPr id="36" name="Rectangle 35">
                 <a:extLst>
                   <a:ext uri="{FF2B5EF4-FFF2-40B4-BE49-F238E27FC236}">
-                    <a16:creationId xmlns="" xmlns:a16="http://schemas.microsoft.com/office/drawing/2014/main" id="{69ADB7BC-9BA6-4C17-9E6D-B422AED9DAEC}"/>
+                    <a16:creationId xmlns:a16="http://schemas.microsoft.com/office/drawing/2014/main" xmlns="" id="{69ADB7BC-9BA6-4C17-9E6D-B422AED9DAEC}"/>
                   </a:ext>
                 </a:extLst>
               </p:cNvPr>
@@ -14361,7 +14361,7 @@
               <p:cNvPr id="48" name="Rectangle 47">
                 <a:extLst>
                   <a:ext uri="{FF2B5EF4-FFF2-40B4-BE49-F238E27FC236}">
-                    <a16:creationId xmlns="" xmlns:a16="http://schemas.microsoft.com/office/drawing/2014/main" id="{443CF2E7-3344-4452-99A5-CAC1F527AF55}"/>
+                    <a16:creationId xmlns:a16="http://schemas.microsoft.com/office/drawing/2014/main" xmlns="" id="{443CF2E7-3344-4452-99A5-CAC1F527AF55}"/>
                   </a:ext>
                 </a:extLst>
               </p:cNvPr>
@@ -14490,7 +14490,7 @@
             <p:cNvPr id="52" name="Rectangle 51">
               <a:extLst>
                 <a:ext uri="{FF2B5EF4-FFF2-40B4-BE49-F238E27FC236}">
-                  <a16:creationId xmlns="" xmlns:a16="http://schemas.microsoft.com/office/drawing/2014/main" id="{1134DA3A-0540-4260-BAB4-7484BD13F541}"/>
+                  <a16:creationId xmlns:a16="http://schemas.microsoft.com/office/drawing/2014/main" xmlns="" id="{1134DA3A-0540-4260-BAB4-7484BD13F541}"/>
                 </a:ext>
               </a:extLst>
             </p:cNvPr>
@@ -14578,7 +14578,7 @@
           <p:cNvPr id="53" name="Rectangle 52">
             <a:extLst>
               <a:ext uri="{FF2B5EF4-FFF2-40B4-BE49-F238E27FC236}">
-                <a16:creationId xmlns="" xmlns:a16="http://schemas.microsoft.com/office/drawing/2014/main" id="{E9B56035-CA91-4D33-9DEA-9922173D2D5B}"/>
+                <a16:creationId xmlns:a16="http://schemas.microsoft.com/office/drawing/2014/main" xmlns="" id="{E9B56035-CA91-4D33-9DEA-9922173D2D5B}"/>
               </a:ext>
             </a:extLst>
           </p:cNvPr>
@@ -14657,7 +14657,7 @@
           <p:cNvPr id="54" name="TextBox 53">
             <a:extLst>
               <a:ext uri="{FF2B5EF4-FFF2-40B4-BE49-F238E27FC236}">
-                <a16:creationId xmlns="" xmlns:a16="http://schemas.microsoft.com/office/drawing/2014/main" id="{367C69FA-901B-4FBD-B9B8-F7AB6C777723}"/>
+                <a16:creationId xmlns:a16="http://schemas.microsoft.com/office/drawing/2014/main" xmlns="" id="{367C69FA-901B-4FBD-B9B8-F7AB6C777723}"/>
               </a:ext>
             </a:extLst>
           </p:cNvPr>
@@ -15780,7 +15780,7 @@
           <p:cNvPr id="47" name="Rectangle 46">
             <a:extLst>
               <a:ext uri="{FF2B5EF4-FFF2-40B4-BE49-F238E27FC236}">
-                <a16:creationId xmlns="" xmlns:a16="http://schemas.microsoft.com/office/drawing/2014/main" id="{E33E5640-3ED1-4A60-A2C1-88A47377BA0C}"/>
+                <a16:creationId xmlns:a16="http://schemas.microsoft.com/office/drawing/2014/main" xmlns="" id="{E33E5640-3ED1-4A60-A2C1-88A47377BA0C}"/>
               </a:ext>
             </a:extLst>
           </p:cNvPr>
@@ -15910,7 +15910,7 @@
           <p:cNvPr id="48" name="Rectangle 47">
             <a:extLst>
               <a:ext uri="{FF2B5EF4-FFF2-40B4-BE49-F238E27FC236}">
-                <a16:creationId xmlns="" xmlns:a16="http://schemas.microsoft.com/office/drawing/2014/main" id="{443CF2E7-3344-4452-99A5-CAC1F527AF55}"/>
+                <a16:creationId xmlns:a16="http://schemas.microsoft.com/office/drawing/2014/main" xmlns="" id="{443CF2E7-3344-4452-99A5-CAC1F527AF55}"/>
               </a:ext>
             </a:extLst>
           </p:cNvPr>
@@ -16037,7 +16037,7 @@
           <p:cNvPr id="39" name="Title 1">
             <a:extLst>
               <a:ext uri="{FF2B5EF4-FFF2-40B4-BE49-F238E27FC236}">
-                <a16:creationId xmlns="" xmlns:a16="http://schemas.microsoft.com/office/drawing/2014/main" id="{A8100B3E-DBA4-4DE0-864F-F152EE250F6F}"/>
+                <a16:creationId xmlns:a16="http://schemas.microsoft.com/office/drawing/2014/main" xmlns="" id="{A8100B3E-DBA4-4DE0-864F-F152EE250F6F}"/>
               </a:ext>
             </a:extLst>
           </p:cNvPr>
@@ -16076,7 +16076,7 @@
           <p:cNvPr id="37" name="Straight Arrow Connector 36">
             <a:extLst>
               <a:ext uri="{FF2B5EF4-FFF2-40B4-BE49-F238E27FC236}">
-                <a16:creationId xmlns="" xmlns:a16="http://schemas.microsoft.com/office/drawing/2014/main" id="{9830D0AB-E7C4-4A5F-AE4C-FF9BCADD29CB}"/>
+                <a16:creationId xmlns:a16="http://schemas.microsoft.com/office/drawing/2014/main" xmlns="" id="{9830D0AB-E7C4-4A5F-AE4C-FF9BCADD29CB}"/>
               </a:ext>
             </a:extLst>
           </p:cNvPr>
@@ -16126,7 +16126,7 @@
               <p:cNvPr id="18" name="TextBox 17">
                 <a:extLst>
                   <a:ext uri="{FF2B5EF4-FFF2-40B4-BE49-F238E27FC236}">
-                    <a16:creationId xmlns="" xmlns:a16="http://schemas.microsoft.com/office/drawing/2014/main" id="{DBC36B95-FD05-42EA-B8DB-4052D4B6088B}"/>
+                    <a16:creationId xmlns:a16="http://schemas.microsoft.com/office/drawing/2014/main" xmlns="" id="{DBC36B95-FD05-42EA-B8DB-4052D4B6088B}"/>
                   </a:ext>
                 </a:extLst>
               </p:cNvPr>
@@ -16222,7 +16222,7 @@
               <p:cNvPr id="49" name="TextBox 48">
                 <a:extLst>
                   <a:ext uri="{FF2B5EF4-FFF2-40B4-BE49-F238E27FC236}">
-                    <a16:creationId xmlns="" xmlns:a16="http://schemas.microsoft.com/office/drawing/2014/main" id="{B7F51AAA-655B-4D93-A1BE-A16A2F16B9C7}"/>
+                    <a16:creationId xmlns:a16="http://schemas.microsoft.com/office/drawing/2014/main" xmlns="" id="{B7F51AAA-655B-4D93-A1BE-A16A2F16B9C7}"/>
                   </a:ext>
                 </a:extLst>
               </p:cNvPr>
@@ -16339,7 +16339,7 @@
           <p:cNvPr id="61" name="Straight Arrow Connector 60">
             <a:extLst>
               <a:ext uri="{FF2B5EF4-FFF2-40B4-BE49-F238E27FC236}">
-                <a16:creationId xmlns="" xmlns:a16="http://schemas.microsoft.com/office/drawing/2014/main" id="{BB190311-64E6-41BA-8AC5-E1B36EE27BBC}"/>
+                <a16:creationId xmlns:a16="http://schemas.microsoft.com/office/drawing/2014/main" xmlns="" id="{BB190311-64E6-41BA-8AC5-E1B36EE27BBC}"/>
               </a:ext>
             </a:extLst>
           </p:cNvPr>
@@ -16388,7 +16388,7 @@
               <p:cNvPr id="62" name="TextBox 61">
                 <a:extLst>
                   <a:ext uri="{FF2B5EF4-FFF2-40B4-BE49-F238E27FC236}">
-                    <a16:creationId xmlns="" xmlns:a16="http://schemas.microsoft.com/office/drawing/2014/main" id="{DCB73AB5-1E79-4FA1-9E38-323F1C5A5A7E}"/>
+                    <a16:creationId xmlns:a16="http://schemas.microsoft.com/office/drawing/2014/main" xmlns="" id="{DCB73AB5-1E79-4FA1-9E38-323F1C5A5A7E}"/>
                   </a:ext>
                 </a:extLst>
               </p:cNvPr>
@@ -16613,7 +16613,7 @@
               <p:cNvPr id="44" name="TextBox 43">
                 <a:extLst>
                   <a:ext uri="{FF2B5EF4-FFF2-40B4-BE49-F238E27FC236}">
-                    <a16:creationId xmlns="" xmlns:a16="http://schemas.microsoft.com/office/drawing/2014/main" id="{96AEF92C-3820-4AD1-9DEF-96AAE9B6ECC4}"/>
+                    <a16:creationId xmlns:a16="http://schemas.microsoft.com/office/drawing/2014/main" xmlns="" id="{96AEF92C-3820-4AD1-9DEF-96AAE9B6ECC4}"/>
                   </a:ext>
                 </a:extLst>
               </p:cNvPr>
@@ -16811,7 +16811,7 @@
           <p:cNvPr id="6" name="Group 5">
             <a:extLst>
               <a:ext uri="{FF2B5EF4-FFF2-40B4-BE49-F238E27FC236}">
-                <a16:creationId xmlns="" xmlns:a16="http://schemas.microsoft.com/office/drawing/2014/main" id="{9C65EE93-1366-4529-AC02-C93EF0A2EAD8}"/>
+                <a16:creationId xmlns:a16="http://schemas.microsoft.com/office/drawing/2014/main" xmlns="" id="{9C65EE93-1366-4529-AC02-C93EF0A2EAD8}"/>
               </a:ext>
             </a:extLst>
           </p:cNvPr>
@@ -16831,7 +16831,7 @@
             <p:cNvPr id="52" name="Rectangle 51">
               <a:extLst>
                 <a:ext uri="{FF2B5EF4-FFF2-40B4-BE49-F238E27FC236}">
-                  <a16:creationId xmlns="" xmlns:a16="http://schemas.microsoft.com/office/drawing/2014/main" id="{91FC43B0-13BB-407B-9AD3-1C274931DD69}"/>
+                  <a16:creationId xmlns:a16="http://schemas.microsoft.com/office/drawing/2014/main" xmlns="" id="{91FC43B0-13BB-407B-9AD3-1C274931DD69}"/>
                 </a:ext>
               </a:extLst>
             </p:cNvPr>
@@ -16958,7 +16958,7 @@
             <p:cNvPr id="57" name="Straight Arrow Connector 56">
               <a:extLst>
                 <a:ext uri="{FF2B5EF4-FFF2-40B4-BE49-F238E27FC236}">
-                  <a16:creationId xmlns="" xmlns:a16="http://schemas.microsoft.com/office/drawing/2014/main" id="{9058E969-1448-4669-B4EF-CC6D1D032033}"/>
+                  <a16:creationId xmlns:a16="http://schemas.microsoft.com/office/drawing/2014/main" xmlns="" id="{9058E969-1448-4669-B4EF-CC6D1D032033}"/>
                 </a:ext>
               </a:extLst>
             </p:cNvPr>
@@ -17005,7 +17005,7 @@
             <p:cNvPr id="60" name="Straight Arrow Connector 59">
               <a:extLst>
                 <a:ext uri="{FF2B5EF4-FFF2-40B4-BE49-F238E27FC236}">
-                  <a16:creationId xmlns="" xmlns:a16="http://schemas.microsoft.com/office/drawing/2014/main" id="{CCEF68B6-DD0B-4D8C-AD6F-9F0A4DF35CFD}"/>
+                  <a16:creationId xmlns:a16="http://schemas.microsoft.com/office/drawing/2014/main" xmlns="" id="{CCEF68B6-DD0B-4D8C-AD6F-9F0A4DF35CFD}"/>
                 </a:ext>
               </a:extLst>
             </p:cNvPr>
@@ -17052,7 +17052,7 @@
             <p:cNvPr id="78" name="Group 77">
               <a:extLst>
                 <a:ext uri="{FF2B5EF4-FFF2-40B4-BE49-F238E27FC236}">
-                  <a16:creationId xmlns="" xmlns:a16="http://schemas.microsoft.com/office/drawing/2014/main" id="{66B6B3CC-819B-4F73-BA1D-22E01B942256}"/>
+                  <a16:creationId xmlns:a16="http://schemas.microsoft.com/office/drawing/2014/main" xmlns="" id="{66B6B3CC-819B-4F73-BA1D-22E01B942256}"/>
                 </a:ext>
               </a:extLst>
             </p:cNvPr>
@@ -17072,7 +17072,7 @@
               <p:cNvPr id="73" name="Straight Arrow Connector 72">
                 <a:extLst>
                   <a:ext uri="{FF2B5EF4-FFF2-40B4-BE49-F238E27FC236}">
-                    <a16:creationId xmlns="" xmlns:a16="http://schemas.microsoft.com/office/drawing/2014/main" id="{866CB804-F56C-4CBF-BA49-6A23B5E61E53}"/>
+                    <a16:creationId xmlns:a16="http://schemas.microsoft.com/office/drawing/2014/main" xmlns="" id="{866CB804-F56C-4CBF-BA49-6A23B5E61E53}"/>
                   </a:ext>
                 </a:extLst>
               </p:cNvPr>
@@ -17117,7 +17117,7 @@
               <p:cNvPr id="74" name="Straight Arrow Connector 73">
                 <a:extLst>
                   <a:ext uri="{FF2B5EF4-FFF2-40B4-BE49-F238E27FC236}">
-                    <a16:creationId xmlns="" xmlns:a16="http://schemas.microsoft.com/office/drawing/2014/main" id="{618D90D4-D9AB-4072-8F45-F029840952AC}"/>
+                    <a16:creationId xmlns:a16="http://schemas.microsoft.com/office/drawing/2014/main" xmlns="" id="{618D90D4-D9AB-4072-8F45-F029840952AC}"/>
                   </a:ext>
                 </a:extLst>
               </p:cNvPr>
@@ -17164,7 +17164,7 @@
           <p:cNvPr id="2" name="Slide Number Placeholder 1">
             <a:extLst>
               <a:ext uri="{FF2B5EF4-FFF2-40B4-BE49-F238E27FC236}">
-                <a16:creationId xmlns="" xmlns:a16="http://schemas.microsoft.com/office/drawing/2014/main" id="{39A4A61C-E614-40D0-A029-086975E3AEA9}"/>
+                <a16:creationId xmlns:a16="http://schemas.microsoft.com/office/drawing/2014/main" xmlns="" id="{39A4A61C-E614-40D0-A029-086975E3AEA9}"/>
               </a:ext>
             </a:extLst>
           </p:cNvPr>
@@ -17509,7 +17509,7 @@
           <p:cNvPr id="69" name="Freeform: Shape 68">
             <a:extLst>
               <a:ext uri="{FF2B5EF4-FFF2-40B4-BE49-F238E27FC236}">
-                <a16:creationId xmlns="" xmlns:a16="http://schemas.microsoft.com/office/drawing/2014/main" id="{A0D700E9-CDA7-4D60-99AF-492B4B66860D}"/>
+                <a16:creationId xmlns:a16="http://schemas.microsoft.com/office/drawing/2014/main" xmlns="" id="{A0D700E9-CDA7-4D60-99AF-492B4B66860D}"/>
               </a:ext>
             </a:extLst>
           </p:cNvPr>
@@ -17621,7 +17621,7 @@
           <p:cNvPr id="47" name="Rectangle 46">
             <a:extLst>
               <a:ext uri="{FF2B5EF4-FFF2-40B4-BE49-F238E27FC236}">
-                <a16:creationId xmlns="" xmlns:a16="http://schemas.microsoft.com/office/drawing/2014/main" id="{E33E5640-3ED1-4A60-A2C1-88A47377BA0C}"/>
+                <a16:creationId xmlns:a16="http://schemas.microsoft.com/office/drawing/2014/main" xmlns="" id="{E33E5640-3ED1-4A60-A2C1-88A47377BA0C}"/>
               </a:ext>
             </a:extLst>
           </p:cNvPr>
@@ -17751,7 +17751,7 @@
           <p:cNvPr id="48" name="Rectangle 47">
             <a:extLst>
               <a:ext uri="{FF2B5EF4-FFF2-40B4-BE49-F238E27FC236}">
-                <a16:creationId xmlns="" xmlns:a16="http://schemas.microsoft.com/office/drawing/2014/main" id="{443CF2E7-3344-4452-99A5-CAC1F527AF55}"/>
+                <a16:creationId xmlns:a16="http://schemas.microsoft.com/office/drawing/2014/main" xmlns="" id="{443CF2E7-3344-4452-99A5-CAC1F527AF55}"/>
               </a:ext>
             </a:extLst>
           </p:cNvPr>
@@ -17878,7 +17878,7 @@
           <p:cNvPr id="39" name="Title 1">
             <a:extLst>
               <a:ext uri="{FF2B5EF4-FFF2-40B4-BE49-F238E27FC236}">
-                <a16:creationId xmlns="" xmlns:a16="http://schemas.microsoft.com/office/drawing/2014/main" id="{A8100B3E-DBA4-4DE0-864F-F152EE250F6F}"/>
+                <a16:creationId xmlns:a16="http://schemas.microsoft.com/office/drawing/2014/main" xmlns="" id="{A8100B3E-DBA4-4DE0-864F-F152EE250F6F}"/>
               </a:ext>
             </a:extLst>
           </p:cNvPr>
@@ -17917,7 +17917,7 @@
           <p:cNvPr id="37" name="Straight Arrow Connector 36">
             <a:extLst>
               <a:ext uri="{FF2B5EF4-FFF2-40B4-BE49-F238E27FC236}">
-                <a16:creationId xmlns="" xmlns:a16="http://schemas.microsoft.com/office/drawing/2014/main" id="{9830D0AB-E7C4-4A5F-AE4C-FF9BCADD29CB}"/>
+                <a16:creationId xmlns:a16="http://schemas.microsoft.com/office/drawing/2014/main" xmlns="" id="{9830D0AB-E7C4-4A5F-AE4C-FF9BCADD29CB}"/>
               </a:ext>
             </a:extLst>
           </p:cNvPr>
@@ -17967,7 +17967,7 @@
               <p:cNvPr id="18" name="TextBox 17">
                 <a:extLst>
                   <a:ext uri="{FF2B5EF4-FFF2-40B4-BE49-F238E27FC236}">
-                    <a16:creationId xmlns="" xmlns:a16="http://schemas.microsoft.com/office/drawing/2014/main" id="{DBC36B95-FD05-42EA-B8DB-4052D4B6088B}"/>
+                    <a16:creationId xmlns:a16="http://schemas.microsoft.com/office/drawing/2014/main" xmlns="" id="{DBC36B95-FD05-42EA-B8DB-4052D4B6088B}"/>
                   </a:ext>
                 </a:extLst>
               </p:cNvPr>
@@ -18063,7 +18063,7 @@
               <p:cNvPr id="49" name="TextBox 48">
                 <a:extLst>
                   <a:ext uri="{FF2B5EF4-FFF2-40B4-BE49-F238E27FC236}">
-                    <a16:creationId xmlns="" xmlns:a16="http://schemas.microsoft.com/office/drawing/2014/main" id="{B7F51AAA-655B-4D93-A1BE-A16A2F16B9C7}"/>
+                    <a16:creationId xmlns:a16="http://schemas.microsoft.com/office/drawing/2014/main" xmlns="" id="{B7F51AAA-655B-4D93-A1BE-A16A2F16B9C7}"/>
                   </a:ext>
                 </a:extLst>
               </p:cNvPr>
@@ -18180,7 +18180,7 @@
           <p:cNvPr id="61" name="Straight Arrow Connector 60">
             <a:extLst>
               <a:ext uri="{FF2B5EF4-FFF2-40B4-BE49-F238E27FC236}">
-                <a16:creationId xmlns="" xmlns:a16="http://schemas.microsoft.com/office/drawing/2014/main" id="{BB190311-64E6-41BA-8AC5-E1B36EE27BBC}"/>
+                <a16:creationId xmlns:a16="http://schemas.microsoft.com/office/drawing/2014/main" xmlns="" id="{BB190311-64E6-41BA-8AC5-E1B36EE27BBC}"/>
               </a:ext>
             </a:extLst>
           </p:cNvPr>
@@ -18229,7 +18229,7 @@
               <p:cNvPr id="62" name="TextBox 61">
                 <a:extLst>
                   <a:ext uri="{FF2B5EF4-FFF2-40B4-BE49-F238E27FC236}">
-                    <a16:creationId xmlns="" xmlns:a16="http://schemas.microsoft.com/office/drawing/2014/main" id="{DCB73AB5-1E79-4FA1-9E38-323F1C5A5A7E}"/>
+                    <a16:creationId xmlns:a16="http://schemas.microsoft.com/office/drawing/2014/main" xmlns="" id="{DCB73AB5-1E79-4FA1-9E38-323F1C5A5A7E}"/>
                   </a:ext>
                 </a:extLst>
               </p:cNvPr>
@@ -18454,7 +18454,7 @@
               <p:cNvPr id="40" name="TextBox 39">
                 <a:extLst>
                   <a:ext uri="{FF2B5EF4-FFF2-40B4-BE49-F238E27FC236}">
-                    <a16:creationId xmlns="" xmlns:a16="http://schemas.microsoft.com/office/drawing/2014/main" id="{AD092996-4549-49D9-B160-337093B26E54}"/>
+                    <a16:creationId xmlns:a16="http://schemas.microsoft.com/office/drawing/2014/main" xmlns="" id="{AD092996-4549-49D9-B160-337093B26E54}"/>
                   </a:ext>
                 </a:extLst>
               </p:cNvPr>
@@ -19087,7 +19087,7 @@
           <p:cNvPr id="79" name="Group 78">
             <a:extLst>
               <a:ext uri="{FF2B5EF4-FFF2-40B4-BE49-F238E27FC236}">
-                <a16:creationId xmlns="" xmlns:a16="http://schemas.microsoft.com/office/drawing/2014/main" id="{FC1971F2-8FB3-42CE-8B72-D7EC76EBA8E1}"/>
+                <a16:creationId xmlns:a16="http://schemas.microsoft.com/office/drawing/2014/main" xmlns="" id="{FC1971F2-8FB3-42CE-8B72-D7EC76EBA8E1}"/>
               </a:ext>
             </a:extLst>
           </p:cNvPr>
@@ -19109,7 +19109,7 @@
                 <p:cNvPr id="44" name="TextBox 43">
                   <a:extLst>
                     <a:ext uri="{FF2B5EF4-FFF2-40B4-BE49-F238E27FC236}">
-                      <a16:creationId xmlns="" xmlns:a16="http://schemas.microsoft.com/office/drawing/2014/main" id="{96AEF92C-3820-4AD1-9DEF-96AAE9B6ECC4}"/>
+                      <a16:creationId xmlns:a16="http://schemas.microsoft.com/office/drawing/2014/main" xmlns="" id="{96AEF92C-3820-4AD1-9DEF-96AAE9B6ECC4}"/>
                     </a:ext>
                   </a:extLst>
                 </p:cNvPr>
@@ -19307,7 +19307,7 @@
             <p:cNvPr id="52" name="Rectangle 51">
               <a:extLst>
                 <a:ext uri="{FF2B5EF4-FFF2-40B4-BE49-F238E27FC236}">
-                  <a16:creationId xmlns="" xmlns:a16="http://schemas.microsoft.com/office/drawing/2014/main" id="{91FC43B0-13BB-407B-9AD3-1C274931DD69}"/>
+                  <a16:creationId xmlns:a16="http://schemas.microsoft.com/office/drawing/2014/main" xmlns="" id="{91FC43B0-13BB-407B-9AD3-1C274931DD69}"/>
                 </a:ext>
               </a:extLst>
             </p:cNvPr>
@@ -19434,7 +19434,7 @@
             <p:cNvPr id="53" name="Rectangle 52">
               <a:extLst>
                 <a:ext uri="{FF2B5EF4-FFF2-40B4-BE49-F238E27FC236}">
-                  <a16:creationId xmlns="" xmlns:a16="http://schemas.microsoft.com/office/drawing/2014/main" id="{6521DF2A-636A-4B52-B7B6-F07278A1ACE9}"/>
+                  <a16:creationId xmlns:a16="http://schemas.microsoft.com/office/drawing/2014/main" xmlns="" id="{6521DF2A-636A-4B52-B7B6-F07278A1ACE9}"/>
                 </a:ext>
               </a:extLst>
             </p:cNvPr>
@@ -19525,7 +19525,7 @@
             <p:cNvPr id="54" name="Rectangle 53">
               <a:extLst>
                 <a:ext uri="{FF2B5EF4-FFF2-40B4-BE49-F238E27FC236}">
-                  <a16:creationId xmlns="" xmlns:a16="http://schemas.microsoft.com/office/drawing/2014/main" id="{40B2407F-6ACD-4D0C-A691-ABAF372DF723}"/>
+                  <a16:creationId xmlns:a16="http://schemas.microsoft.com/office/drawing/2014/main" xmlns="" id="{40B2407F-6ACD-4D0C-A691-ABAF372DF723}"/>
                 </a:ext>
               </a:extLst>
             </p:cNvPr>
@@ -19658,7 +19658,7 @@
             <p:cNvPr id="57" name="Straight Arrow Connector 56">
               <a:extLst>
                 <a:ext uri="{FF2B5EF4-FFF2-40B4-BE49-F238E27FC236}">
-                  <a16:creationId xmlns="" xmlns:a16="http://schemas.microsoft.com/office/drawing/2014/main" id="{9058E969-1448-4669-B4EF-CC6D1D032033}"/>
+                  <a16:creationId xmlns:a16="http://schemas.microsoft.com/office/drawing/2014/main" xmlns="" id="{9058E969-1448-4669-B4EF-CC6D1D032033}"/>
                 </a:ext>
               </a:extLst>
             </p:cNvPr>
@@ -19705,7 +19705,7 @@
             <p:cNvPr id="58" name="Straight Arrow Connector 57">
               <a:extLst>
                 <a:ext uri="{FF2B5EF4-FFF2-40B4-BE49-F238E27FC236}">
-                  <a16:creationId xmlns="" xmlns:a16="http://schemas.microsoft.com/office/drawing/2014/main" id="{E51644D2-F391-4D0D-B60A-A41D84D1F911}"/>
+                  <a16:creationId xmlns:a16="http://schemas.microsoft.com/office/drawing/2014/main" xmlns="" id="{E51644D2-F391-4D0D-B60A-A41D84D1F911}"/>
                 </a:ext>
               </a:extLst>
             </p:cNvPr>
@@ -19752,7 +19752,7 @@
             <p:cNvPr id="59" name="Straight Arrow Connector 58">
               <a:extLst>
                 <a:ext uri="{FF2B5EF4-FFF2-40B4-BE49-F238E27FC236}">
-                  <a16:creationId xmlns="" xmlns:a16="http://schemas.microsoft.com/office/drawing/2014/main" id="{D8DFEF77-59D5-4A19-A93F-1C1F6A1657CE}"/>
+                  <a16:creationId xmlns:a16="http://schemas.microsoft.com/office/drawing/2014/main" xmlns="" id="{D8DFEF77-59D5-4A19-A93F-1C1F6A1657CE}"/>
                 </a:ext>
               </a:extLst>
             </p:cNvPr>
@@ -19799,7 +19799,7 @@
             <p:cNvPr id="60" name="Straight Arrow Connector 59">
               <a:extLst>
                 <a:ext uri="{FF2B5EF4-FFF2-40B4-BE49-F238E27FC236}">
-                  <a16:creationId xmlns="" xmlns:a16="http://schemas.microsoft.com/office/drawing/2014/main" id="{CCEF68B6-DD0B-4D8C-AD6F-9F0A4DF35CFD}"/>
+                  <a16:creationId xmlns:a16="http://schemas.microsoft.com/office/drawing/2014/main" xmlns="" id="{CCEF68B6-DD0B-4D8C-AD6F-9F0A4DF35CFD}"/>
                 </a:ext>
               </a:extLst>
             </p:cNvPr>
@@ -19848,7 +19848,7 @@
                 <p:cNvPr id="63" name="TextBox 62">
                   <a:extLst>
                     <a:ext uri="{FF2B5EF4-FFF2-40B4-BE49-F238E27FC236}">
-                      <a16:creationId xmlns="" xmlns:a16="http://schemas.microsoft.com/office/drawing/2014/main" id="{C02C4A60-181A-41E7-82B5-FF541B3DE4A9}"/>
+                      <a16:creationId xmlns:a16="http://schemas.microsoft.com/office/drawing/2014/main" xmlns="" id="{C02C4A60-181A-41E7-82B5-FF541B3DE4A9}"/>
                     </a:ext>
                   </a:extLst>
                 </p:cNvPr>
@@ -19963,7 +19963,7 @@
                 <p:cNvPr id="64" name="TextBox 63">
                   <a:extLst>
                     <a:ext uri="{FF2B5EF4-FFF2-40B4-BE49-F238E27FC236}">
-                      <a16:creationId xmlns="" xmlns:a16="http://schemas.microsoft.com/office/drawing/2014/main" id="{2FD9758A-D517-49FB-B655-871A9E2A56A0}"/>
+                      <a16:creationId xmlns:a16="http://schemas.microsoft.com/office/drawing/2014/main" xmlns="" id="{2FD9758A-D517-49FB-B655-871A9E2A56A0}"/>
                     </a:ext>
                   </a:extLst>
                 </p:cNvPr>
@@ -20111,7 +20111,7 @@
                 <p:cNvPr id="71" name="TextBox 70">
                   <a:extLst>
                     <a:ext uri="{FF2B5EF4-FFF2-40B4-BE49-F238E27FC236}">
-                      <a16:creationId xmlns="" xmlns:a16="http://schemas.microsoft.com/office/drawing/2014/main" id="{7FEFB8D8-31BE-476C-B2BB-DFA18E2476A4}"/>
+                      <a16:creationId xmlns:a16="http://schemas.microsoft.com/office/drawing/2014/main" xmlns="" id="{7FEFB8D8-31BE-476C-B2BB-DFA18E2476A4}"/>
                     </a:ext>
                   </a:extLst>
                 </p:cNvPr>
@@ -20229,7 +20229,7 @@
           <p:cNvPr id="78" name="Group 77">
             <a:extLst>
               <a:ext uri="{FF2B5EF4-FFF2-40B4-BE49-F238E27FC236}">
-                <a16:creationId xmlns="" xmlns:a16="http://schemas.microsoft.com/office/drawing/2014/main" id="{66B6B3CC-819B-4F73-BA1D-22E01B942256}"/>
+                <a16:creationId xmlns:a16="http://schemas.microsoft.com/office/drawing/2014/main" xmlns="" id="{66B6B3CC-819B-4F73-BA1D-22E01B942256}"/>
               </a:ext>
             </a:extLst>
           </p:cNvPr>
@@ -20249,7 +20249,7 @@
             <p:cNvPr id="73" name="Straight Arrow Connector 72">
               <a:extLst>
                 <a:ext uri="{FF2B5EF4-FFF2-40B4-BE49-F238E27FC236}">
-                  <a16:creationId xmlns="" xmlns:a16="http://schemas.microsoft.com/office/drawing/2014/main" id="{866CB804-F56C-4CBF-BA49-6A23B5E61E53}"/>
+                  <a16:creationId xmlns:a16="http://schemas.microsoft.com/office/drawing/2014/main" xmlns="" id="{866CB804-F56C-4CBF-BA49-6A23B5E61E53}"/>
                 </a:ext>
               </a:extLst>
             </p:cNvPr>
@@ -20294,7 +20294,7 @@
             <p:cNvPr id="74" name="Straight Arrow Connector 73">
               <a:extLst>
                 <a:ext uri="{FF2B5EF4-FFF2-40B4-BE49-F238E27FC236}">
-                  <a16:creationId xmlns="" xmlns:a16="http://schemas.microsoft.com/office/drawing/2014/main" id="{618D90D4-D9AB-4072-8F45-F029840952AC}"/>
+                  <a16:creationId xmlns:a16="http://schemas.microsoft.com/office/drawing/2014/main" xmlns="" id="{618D90D4-D9AB-4072-8F45-F029840952AC}"/>
                 </a:ext>
               </a:extLst>
             </p:cNvPr>
@@ -20340,7 +20340,7 @@
           <p:cNvPr id="2" name="Slide Number Placeholder 1">
             <a:extLst>
               <a:ext uri="{FF2B5EF4-FFF2-40B4-BE49-F238E27FC236}">
-                <a16:creationId xmlns="" xmlns:a16="http://schemas.microsoft.com/office/drawing/2014/main" id="{39A4A61C-E614-40D0-A029-086975E3AEA9}"/>
+                <a16:creationId xmlns:a16="http://schemas.microsoft.com/office/drawing/2014/main" xmlns="" id="{39A4A61C-E614-40D0-A029-086975E3AEA9}"/>
               </a:ext>
             </a:extLst>
           </p:cNvPr>
@@ -20783,7 +20783,7 @@
           <p:cNvPr id="39" name="Title 1">
             <a:extLst>
               <a:ext uri="{FF2B5EF4-FFF2-40B4-BE49-F238E27FC236}">
-                <a16:creationId xmlns="" xmlns:a16="http://schemas.microsoft.com/office/drawing/2014/main" id="{A8100B3E-DBA4-4DE0-864F-F152EE250F6F}"/>
+                <a16:creationId xmlns:a16="http://schemas.microsoft.com/office/drawing/2014/main" xmlns="" id="{A8100B3E-DBA4-4DE0-864F-F152EE250F6F}"/>
               </a:ext>
             </a:extLst>
           </p:cNvPr>
@@ -20822,7 +20822,7 @@
           <p:cNvPr id="5" name="Picture 4">
             <a:extLst>
               <a:ext uri="{FF2B5EF4-FFF2-40B4-BE49-F238E27FC236}">
-                <a16:creationId xmlns="" xmlns:a16="http://schemas.microsoft.com/office/drawing/2014/main" id="{4D1378B7-6BFA-49E8-A1A9-8E545C816AE6}"/>
+                <a16:creationId xmlns:a16="http://schemas.microsoft.com/office/drawing/2014/main" xmlns="" id="{4D1378B7-6BFA-49E8-A1A9-8E545C816AE6}"/>
               </a:ext>
             </a:extLst>
           </p:cNvPr>
@@ -20852,7 +20852,7 @@
           <p:cNvPr id="10" name="TextBox 9">
             <a:extLst>
               <a:ext uri="{FF2B5EF4-FFF2-40B4-BE49-F238E27FC236}">
-                <a16:creationId xmlns="" xmlns:a16="http://schemas.microsoft.com/office/drawing/2014/main" id="{2CC07CA0-CB3B-408F-BCA2-C72403DBEF1E}"/>
+                <a16:creationId xmlns:a16="http://schemas.microsoft.com/office/drawing/2014/main" xmlns="" id="{2CC07CA0-CB3B-408F-BCA2-C72403DBEF1E}"/>
               </a:ext>
             </a:extLst>
           </p:cNvPr>
@@ -20982,7 +20982,7 @@
           <p:cNvPr id="4" name="Slide Number Placeholder 3">
             <a:extLst>
               <a:ext uri="{FF2B5EF4-FFF2-40B4-BE49-F238E27FC236}">
-                <a16:creationId xmlns="" xmlns:a16="http://schemas.microsoft.com/office/drawing/2014/main" id="{DBB2CB64-79F8-4F5F-81B9-45283DB80F0B}"/>
+                <a16:creationId xmlns:a16="http://schemas.microsoft.com/office/drawing/2014/main" xmlns="" id="{DBB2CB64-79F8-4F5F-81B9-45283DB80F0B}"/>
               </a:ext>
             </a:extLst>
           </p:cNvPr>
@@ -21049,7 +21049,7 @@
           <p:cNvPr id="39" name="Title 1">
             <a:extLst>
               <a:ext uri="{FF2B5EF4-FFF2-40B4-BE49-F238E27FC236}">
-                <a16:creationId xmlns="" xmlns:a16="http://schemas.microsoft.com/office/drawing/2014/main" id="{A8100B3E-DBA4-4DE0-864F-F152EE250F6F}"/>
+                <a16:creationId xmlns:a16="http://schemas.microsoft.com/office/drawing/2014/main" xmlns="" id="{A8100B3E-DBA4-4DE0-864F-F152EE250F6F}"/>
               </a:ext>
             </a:extLst>
           </p:cNvPr>
@@ -21088,7 +21088,7 @@
           <p:cNvPr id="7" name="Picture 6">
             <a:extLst>
               <a:ext uri="{FF2B5EF4-FFF2-40B4-BE49-F238E27FC236}">
-                <a16:creationId xmlns="" xmlns:a16="http://schemas.microsoft.com/office/drawing/2014/main" id="{880130BA-E803-4AF9-84DE-FEC7D1B8465C}"/>
+                <a16:creationId xmlns:a16="http://schemas.microsoft.com/office/drawing/2014/main" xmlns="" id="{880130BA-E803-4AF9-84DE-FEC7D1B8465C}"/>
               </a:ext>
             </a:extLst>
           </p:cNvPr>
@@ -21120,7 +21120,7 @@
               <p:cNvPr id="19" name="TextBox 18">
                 <a:extLst>
                   <a:ext uri="{FF2B5EF4-FFF2-40B4-BE49-F238E27FC236}">
-                    <a16:creationId xmlns="" xmlns:a16="http://schemas.microsoft.com/office/drawing/2014/main" id="{D8D0DE4E-798E-48AC-B5F0-09A08252B1EA}"/>
+                    <a16:creationId xmlns:a16="http://schemas.microsoft.com/office/drawing/2014/main" xmlns="" id="{D8D0DE4E-798E-48AC-B5F0-09A08252B1EA}"/>
                   </a:ext>
                 </a:extLst>
               </p:cNvPr>
@@ -21236,7 +21236,7 @@
           <p:cNvPr id="4" name="Picture 3">
             <a:extLst>
               <a:ext uri="{FF2B5EF4-FFF2-40B4-BE49-F238E27FC236}">
-                <a16:creationId xmlns="" xmlns:a16="http://schemas.microsoft.com/office/drawing/2014/main" id="{356AFBDB-AE54-4D90-959E-3EA191380400}"/>
+                <a16:creationId xmlns:a16="http://schemas.microsoft.com/office/drawing/2014/main" xmlns="" id="{356AFBDB-AE54-4D90-959E-3EA191380400}"/>
               </a:ext>
             </a:extLst>
           </p:cNvPr>
@@ -21264,14 +21264,14 @@
           </a:ln>
         </p:spPr>
       </p:pic>
-      <mc:AlternateContent xmlns:mc="http://schemas.openxmlformats.org/markup-compatibility/2006" xmlns:a14="http://schemas.microsoft.com/office/drawing/2010/main">
-        <mc:Choice Requires="a14">
+      <mc:AlternateContent xmlns:mc="http://schemas.openxmlformats.org/markup-compatibility/2006">
+        <mc:Choice xmlns:a14="http://schemas.microsoft.com/office/drawing/2010/main" Requires="a14">
           <p:sp>
             <p:nvSpPr>
               <p:cNvPr id="14" name="TextBox 13">
                 <a:extLst>
                   <a:ext uri="{FF2B5EF4-FFF2-40B4-BE49-F238E27FC236}">
-                    <a16:creationId xmlns="" xmlns:a16="http://schemas.microsoft.com/office/drawing/2014/main" id="{11386286-1DB9-48C0-B384-3982ECB152DC}"/>
+                    <a16:creationId xmlns:a16="http://schemas.microsoft.com/office/drawing/2014/main" xmlns="" id="{11386286-1DB9-48C0-B384-3982ECB152DC}"/>
                   </a:ext>
                 </a:extLst>
               </p:cNvPr>
@@ -21295,7 +21295,7 @@
               <a:lstStyle/>
               <a:p>
                 <a:r>
-                  <a:rPr lang="en-US" sz="2400" dirty="0">
+                  <a:rPr lang="en-US" sz="2400" dirty="0" smtClean="0">
                     <a:solidFill>
                       <a:srgbClr val="002060"/>
                     </a:solidFill>
@@ -21338,13 +21338,22 @@
                               <m:t>𝐾</m:t>
                             </m:r>
                             <m:r>
+                              <a:rPr lang="en-US" sz="2400" b="0" i="1" smtClean="0">
+                                <a:solidFill>
+                                  <a:srgbClr val="002060"/>
+                                </a:solidFill>
+                                <a:latin typeface="Cambria Math" panose="02040503050406030204" pitchFamily="18" charset="0"/>
+                              </a:rPr>
+                              <m:t>−</m:t>
+                            </m:r>
+                            <m:r>
                               <a:rPr lang="en-US" sz="2400" i="1">
                                 <a:solidFill>
                                   <a:srgbClr val="002060"/>
                                 </a:solidFill>
                                 <a:latin typeface="Cambria Math" panose="02040503050406030204" pitchFamily="18" charset="0"/>
                               </a:rPr>
-                              <m:t>+1</m:t>
+                              <m:t>1</m:t>
                             </m:r>
                           </m:e>
                         </m:d>
@@ -21428,13 +21437,13 @@
             </p:txBody>
           </p:sp>
         </mc:Choice>
-        <mc:Fallback xmlns="">
+        <mc:Fallback>
           <p:sp>
             <p:nvSpPr>
               <p:cNvPr id="14" name="TextBox 13">
                 <a:extLst>
                   <a:ext uri="{FF2B5EF4-FFF2-40B4-BE49-F238E27FC236}">
-                    <a16:creationId xmlns:a16="http://schemas.microsoft.com/office/drawing/2014/main" id="{11386286-1DB9-48C0-B384-3982ECB152DC}"/>
+                    <a16:creationId xmlns:a16="http://schemas.microsoft.com/office/drawing/2014/main" xmlns="" xmlns:a14="http://schemas.microsoft.com/office/drawing/2010/main" id="{11386286-1DB9-48C0-B384-3982ECB152DC}"/>
                   </a:ext>
                 </a:extLst>
               </p:cNvPr>
@@ -21451,7 +21460,7 @@
               <a:prstGeom prst="rect">
                 <a:avLst/>
               </a:prstGeom>
-              <a:blipFill>
+              <a:blipFill rotWithShape="0">
                 <a:blip r:embed="rId6"/>
                 <a:stretch>
                   <a:fillRect l="-1648" b="-4412"/>
@@ -21478,7 +21487,7 @@
           <p:cNvPr id="15" name="Straight Arrow Connector 14">
             <a:extLst>
               <a:ext uri="{FF2B5EF4-FFF2-40B4-BE49-F238E27FC236}">
-                <a16:creationId xmlns="" xmlns:a16="http://schemas.microsoft.com/office/drawing/2014/main" id="{DED34169-5224-478D-AC0E-AC722990B934}"/>
+                <a16:creationId xmlns:a16="http://schemas.microsoft.com/office/drawing/2014/main" xmlns="" id="{DED34169-5224-478D-AC0E-AC722990B934}"/>
               </a:ext>
             </a:extLst>
           </p:cNvPr>
@@ -21520,14 +21529,14 @@
           </a:fontRef>
         </p:style>
       </p:cxnSp>
-      <mc:AlternateContent xmlns:mc="http://schemas.openxmlformats.org/markup-compatibility/2006" xmlns:a14="http://schemas.microsoft.com/office/drawing/2010/main">
-        <mc:Choice Requires="a14">
+      <mc:AlternateContent xmlns:mc="http://schemas.openxmlformats.org/markup-compatibility/2006">
+        <mc:Choice xmlns:a14="http://schemas.microsoft.com/office/drawing/2010/main" Requires="a14">
           <p:sp>
             <p:nvSpPr>
               <p:cNvPr id="9" name="TextBox 8">
                 <a:extLst>
                   <a:ext uri="{FF2B5EF4-FFF2-40B4-BE49-F238E27FC236}">
-                    <a16:creationId xmlns="" xmlns:a16="http://schemas.microsoft.com/office/drawing/2014/main" id="{E61FDD08-D0F9-42EB-BB2D-C8273378B37C}"/>
+                    <a16:creationId xmlns:a16="http://schemas.microsoft.com/office/drawing/2014/main" xmlns="" id="{E61FDD08-D0F9-42EB-BB2D-C8273378B37C}"/>
                   </a:ext>
                 </a:extLst>
               </p:cNvPr>
@@ -21555,7 +21564,7 @@
                     <m:f>
                       <m:fPr>
                         <m:ctrlPr>
-                          <a:rPr lang="en-US" sz="2800" i="1">
+                          <a:rPr lang="en-US" sz="2800" i="1" smtClean="0">
                             <a:latin typeface="Cambria Math" panose="02040503050406030204" pitchFamily="18" charset="0"/>
                           </a:rPr>
                         </m:ctrlPr>
@@ -21577,10 +21586,16 @@
                               <m:t>𝐾</m:t>
                             </m:r>
                             <m:r>
+                              <a:rPr lang="en-US" sz="2800" b="0" i="1" smtClean="0">
+                                <a:latin typeface="Cambria Math" panose="02040503050406030204" pitchFamily="18" charset="0"/>
+                              </a:rPr>
+                              <m:t>−</m:t>
+                            </m:r>
+                            <m:r>
                               <a:rPr lang="en-US" sz="2800" i="1">
                                 <a:latin typeface="Cambria Math" panose="02040503050406030204" pitchFamily="18" charset="0"/>
                               </a:rPr>
-                              <m:t>+1</m:t>
+                              <m:t>1</m:t>
                             </m:r>
                           </m:e>
                         </m:d>
@@ -21611,13 +21626,13 @@
             </p:txBody>
           </p:sp>
         </mc:Choice>
-        <mc:Fallback xmlns="">
+        <mc:Fallback>
           <p:sp>
             <p:nvSpPr>
               <p:cNvPr id="9" name="TextBox 8">
                 <a:extLst>
                   <a:ext uri="{FF2B5EF4-FFF2-40B4-BE49-F238E27FC236}">
-                    <a16:creationId xmlns:a16="http://schemas.microsoft.com/office/drawing/2014/main" id="{E61FDD08-D0F9-42EB-BB2D-C8273378B37C}"/>
+                    <a16:creationId xmlns:a16="http://schemas.microsoft.com/office/drawing/2014/main" xmlns="" xmlns:a14="http://schemas.microsoft.com/office/drawing/2010/main" id="{E61FDD08-D0F9-42EB-BB2D-C8273378B37C}"/>
                   </a:ext>
                 </a:extLst>
               </p:cNvPr>
@@ -21634,7 +21649,7 @@
               <a:prstGeom prst="rect">
                 <a:avLst/>
               </a:prstGeom>
-              <a:blipFill>
+              <a:blipFill rotWithShape="0">
                 <a:blip r:embed="rId7"/>
                 <a:stretch>
                   <a:fillRect r="-1700" b="-10000"/>
@@ -21661,7 +21676,7 @@
           <p:cNvPr id="12" name="Rectangle 11">
             <a:extLst>
               <a:ext uri="{FF2B5EF4-FFF2-40B4-BE49-F238E27FC236}">
-                <a16:creationId xmlns="" xmlns:a16="http://schemas.microsoft.com/office/drawing/2014/main" id="{7BEC8890-3B6C-46BD-B8CD-C983AA8200F5}"/>
+                <a16:creationId xmlns:a16="http://schemas.microsoft.com/office/drawing/2014/main" xmlns="" id="{7BEC8890-3B6C-46BD-B8CD-C983AA8200F5}"/>
               </a:ext>
             </a:extLst>
           </p:cNvPr>
@@ -21717,7 +21732,7 @@
           <p:cNvPr id="16" name="Speech Bubble: Rectangle with Corners Rounded 15">
             <a:extLst>
               <a:ext uri="{FF2B5EF4-FFF2-40B4-BE49-F238E27FC236}">
-                <a16:creationId xmlns="" xmlns:a16="http://schemas.microsoft.com/office/drawing/2014/main" id="{99D61782-029C-4E3C-978F-66F996BC6628}"/>
+                <a16:creationId xmlns:a16="http://schemas.microsoft.com/office/drawing/2014/main" xmlns="" id="{99D61782-029C-4E3C-978F-66F996BC6628}"/>
               </a:ext>
             </a:extLst>
           </p:cNvPr>
@@ -21789,7 +21804,7 @@
           <p:cNvPr id="5" name="Slide Number Placeholder 4">
             <a:extLst>
               <a:ext uri="{FF2B5EF4-FFF2-40B4-BE49-F238E27FC236}">
-                <a16:creationId xmlns="" xmlns:a16="http://schemas.microsoft.com/office/drawing/2014/main" id="{AFBCBA92-9C9D-4CE1-9E8C-B44A24A95188}"/>
+                <a16:creationId xmlns:a16="http://schemas.microsoft.com/office/drawing/2014/main" xmlns="" id="{AFBCBA92-9C9D-4CE1-9E8C-B44A24A95188}"/>
               </a:ext>
             </a:extLst>
           </p:cNvPr>
@@ -22327,7 +22342,7 @@
           <p:cNvPr id="5" name="Title 1">
             <a:extLst>
               <a:ext uri="{FF2B5EF4-FFF2-40B4-BE49-F238E27FC236}">
-                <a16:creationId xmlns="" xmlns:a16="http://schemas.microsoft.com/office/drawing/2014/main" id="{F11C875C-9CAA-4838-BBDD-43705F932F58}"/>
+                <a16:creationId xmlns:a16="http://schemas.microsoft.com/office/drawing/2014/main" xmlns="" id="{F11C875C-9CAA-4838-BBDD-43705F932F58}"/>
               </a:ext>
             </a:extLst>
           </p:cNvPr>
@@ -22445,7 +22460,7 @@
           <p:cNvPr id="14" name="Picture 13">
             <a:extLst>
               <a:ext uri="{FF2B5EF4-FFF2-40B4-BE49-F238E27FC236}">
-                <a16:creationId xmlns="" xmlns:a16="http://schemas.microsoft.com/office/drawing/2014/main" id="{A5018CE7-28D9-4022-9A9E-B2B9B8CA48FE}"/>
+                <a16:creationId xmlns:a16="http://schemas.microsoft.com/office/drawing/2014/main" xmlns="" id="{A5018CE7-28D9-4022-9A9E-B2B9B8CA48FE}"/>
               </a:ext>
             </a:extLst>
           </p:cNvPr>
@@ -22475,7 +22490,7 @@
           <p:cNvPr id="23" name="Group 22">
             <a:extLst>
               <a:ext uri="{FF2B5EF4-FFF2-40B4-BE49-F238E27FC236}">
-                <a16:creationId xmlns="" xmlns:a16="http://schemas.microsoft.com/office/drawing/2014/main" id="{92AFB317-F39E-4D8D-BF6D-081F2F0B5691}"/>
+                <a16:creationId xmlns:a16="http://schemas.microsoft.com/office/drawing/2014/main" xmlns="" id="{92AFB317-F39E-4D8D-BF6D-081F2F0B5691}"/>
               </a:ext>
             </a:extLst>
           </p:cNvPr>
@@ -22495,7 +22510,7 @@
             <p:cNvPr id="17" name="Oval 16">
               <a:extLst>
                 <a:ext uri="{FF2B5EF4-FFF2-40B4-BE49-F238E27FC236}">
-                  <a16:creationId xmlns="" xmlns:a16="http://schemas.microsoft.com/office/drawing/2014/main" id="{520F6D53-68A7-4282-831D-E164F3C4C7C3}"/>
+                  <a16:creationId xmlns:a16="http://schemas.microsoft.com/office/drawing/2014/main" xmlns="" id="{520F6D53-68A7-4282-831D-E164F3C4C7C3}"/>
                 </a:ext>
               </a:extLst>
             </p:cNvPr>
@@ -22549,7 +22564,7 @@
             <p:cNvPr id="18" name="Speech Bubble: Rectangle with Corners Rounded 17">
               <a:extLst>
                 <a:ext uri="{FF2B5EF4-FFF2-40B4-BE49-F238E27FC236}">
-                  <a16:creationId xmlns="" xmlns:a16="http://schemas.microsoft.com/office/drawing/2014/main" id="{80EB8B5B-B3C1-44AB-99E3-63FF1DF8C61B}"/>
+                  <a16:creationId xmlns:a16="http://schemas.microsoft.com/office/drawing/2014/main" xmlns="" id="{80EB8B5B-B3C1-44AB-99E3-63FF1DF8C61B}"/>
                 </a:ext>
               </a:extLst>
             </p:cNvPr>
@@ -22615,7 +22630,7 @@
           <p:cNvPr id="3" name="Group 2">
             <a:extLst>
               <a:ext uri="{FF2B5EF4-FFF2-40B4-BE49-F238E27FC236}">
-                <a16:creationId xmlns="" xmlns:a16="http://schemas.microsoft.com/office/drawing/2014/main" id="{6752D4F8-081A-4556-8E37-2F42D8215138}"/>
+                <a16:creationId xmlns:a16="http://schemas.microsoft.com/office/drawing/2014/main" xmlns="" id="{6752D4F8-081A-4556-8E37-2F42D8215138}"/>
               </a:ext>
             </a:extLst>
           </p:cNvPr>
@@ -22635,7 +22650,7 @@
             <p:cNvPr id="19" name="Speech Bubble: Rectangle with Corners Rounded 18">
               <a:extLst>
                 <a:ext uri="{FF2B5EF4-FFF2-40B4-BE49-F238E27FC236}">
-                  <a16:creationId xmlns="" xmlns:a16="http://schemas.microsoft.com/office/drawing/2014/main" id="{52381E81-23BB-4204-8FD5-D26B6A1F5C7A}"/>
+                  <a16:creationId xmlns:a16="http://schemas.microsoft.com/office/drawing/2014/main" xmlns="" id="{52381E81-23BB-4204-8FD5-D26B6A1F5C7A}"/>
                 </a:ext>
               </a:extLst>
             </p:cNvPr>
@@ -22700,7 +22715,7 @@
             <p:cNvPr id="20" name="Oval 19">
               <a:extLst>
                 <a:ext uri="{FF2B5EF4-FFF2-40B4-BE49-F238E27FC236}">
-                  <a16:creationId xmlns="" xmlns:a16="http://schemas.microsoft.com/office/drawing/2014/main" id="{73B86C22-E865-4134-B8BA-7261808CE2CE}"/>
+                  <a16:creationId xmlns:a16="http://schemas.microsoft.com/office/drawing/2014/main" xmlns="" id="{73B86C22-E865-4134-B8BA-7261808CE2CE}"/>
                 </a:ext>
               </a:extLst>
             </p:cNvPr>
@@ -22755,7 +22770,7 @@
           <p:cNvPr id="21" name="TextBox 20">
             <a:extLst>
               <a:ext uri="{FF2B5EF4-FFF2-40B4-BE49-F238E27FC236}">
-                <a16:creationId xmlns="" xmlns:a16="http://schemas.microsoft.com/office/drawing/2014/main" id="{586A0C4C-167D-41C8-BC77-8C4E9A9D51FD}"/>
+                <a16:creationId xmlns:a16="http://schemas.microsoft.com/office/drawing/2014/main" xmlns="" id="{586A0C4C-167D-41C8-BC77-8C4E9A9D51FD}"/>
               </a:ext>
             </a:extLst>
           </p:cNvPr>
@@ -22832,7 +22847,7 @@
           <p:cNvPr id="2" name="Rectangle 1">
             <a:extLst>
               <a:ext uri="{FF2B5EF4-FFF2-40B4-BE49-F238E27FC236}">
-                <a16:creationId xmlns="" xmlns:a16="http://schemas.microsoft.com/office/drawing/2014/main" id="{3101410B-4D12-422F-B98B-D38CFF7D5334}"/>
+                <a16:creationId xmlns:a16="http://schemas.microsoft.com/office/drawing/2014/main" xmlns="" id="{3101410B-4D12-422F-B98B-D38CFF7D5334}"/>
               </a:ext>
             </a:extLst>
           </p:cNvPr>
@@ -22870,7 +22885,7 @@
           <p:cNvPr id="7" name="Group 6">
             <a:extLst>
               <a:ext uri="{FF2B5EF4-FFF2-40B4-BE49-F238E27FC236}">
-                <a16:creationId xmlns="" xmlns:a16="http://schemas.microsoft.com/office/drawing/2014/main" id="{D020B265-BF6B-40E4-B76C-77519FD68172}"/>
+                <a16:creationId xmlns:a16="http://schemas.microsoft.com/office/drawing/2014/main" xmlns="" id="{D020B265-BF6B-40E4-B76C-77519FD68172}"/>
               </a:ext>
             </a:extLst>
           </p:cNvPr>
@@ -22890,7 +22905,7 @@
             <p:cNvPr id="4" name="Oval 3">
               <a:extLst>
                 <a:ext uri="{FF2B5EF4-FFF2-40B4-BE49-F238E27FC236}">
-                  <a16:creationId xmlns="" xmlns:a16="http://schemas.microsoft.com/office/drawing/2014/main" id="{4D458EBB-5B35-4391-8BF2-99C410B5C56E}"/>
+                  <a16:creationId xmlns:a16="http://schemas.microsoft.com/office/drawing/2014/main" xmlns="" id="{4D458EBB-5B35-4391-8BF2-99C410B5C56E}"/>
                 </a:ext>
               </a:extLst>
             </p:cNvPr>
@@ -22948,7 +22963,7 @@
             <p:cNvPr id="6" name="Speech Bubble: Rectangle with Corners Rounded 5">
               <a:extLst>
                 <a:ext uri="{FF2B5EF4-FFF2-40B4-BE49-F238E27FC236}">
-                  <a16:creationId xmlns="" xmlns:a16="http://schemas.microsoft.com/office/drawing/2014/main" id="{36130E7F-235F-42D0-A9FA-86591749D944}"/>
+                  <a16:creationId xmlns:a16="http://schemas.microsoft.com/office/drawing/2014/main" xmlns="" id="{36130E7F-235F-42D0-A9FA-86591749D944}"/>
                 </a:ext>
               </a:extLst>
             </p:cNvPr>
@@ -23009,7 +23024,7 @@
           <p:cNvPr id="10" name="Slide Number Placeholder 9">
             <a:extLst>
               <a:ext uri="{FF2B5EF4-FFF2-40B4-BE49-F238E27FC236}">
-                <a16:creationId xmlns="" xmlns:a16="http://schemas.microsoft.com/office/drawing/2014/main" id="{E11656A2-85FD-401F-8228-B777A563C32E}"/>
+                <a16:creationId xmlns:a16="http://schemas.microsoft.com/office/drawing/2014/main" xmlns="" id="{E11656A2-85FD-401F-8228-B777A563C32E}"/>
               </a:ext>
             </a:extLst>
           </p:cNvPr>
@@ -23759,7 +23774,7 @@
           <p:cNvPr id="16" name="Picture 15">
             <a:extLst>
               <a:ext uri="{FF2B5EF4-FFF2-40B4-BE49-F238E27FC236}">
-                <a16:creationId xmlns="" xmlns:a16="http://schemas.microsoft.com/office/drawing/2014/main" id="{75044DBC-9455-41CC-91D8-EA3508CC5869}"/>
+                <a16:creationId xmlns:a16="http://schemas.microsoft.com/office/drawing/2014/main" xmlns="" id="{75044DBC-9455-41CC-91D8-EA3508CC5869}"/>
               </a:ext>
             </a:extLst>
           </p:cNvPr>
@@ -23789,7 +23804,7 @@
           <p:cNvPr id="27" name="Group 26">
             <a:extLst>
               <a:ext uri="{FF2B5EF4-FFF2-40B4-BE49-F238E27FC236}">
-                <a16:creationId xmlns="" xmlns:a16="http://schemas.microsoft.com/office/drawing/2014/main" id="{0649C811-8FC9-44B4-8F1D-013E85A748DD}"/>
+                <a16:creationId xmlns:a16="http://schemas.microsoft.com/office/drawing/2014/main" xmlns="" id="{0649C811-8FC9-44B4-8F1D-013E85A748DD}"/>
               </a:ext>
             </a:extLst>
           </p:cNvPr>
@@ -23809,7 +23824,7 @@
             <p:cNvPr id="4" name="Picture 3">
               <a:extLst>
                 <a:ext uri="{FF2B5EF4-FFF2-40B4-BE49-F238E27FC236}">
-                  <a16:creationId xmlns="" xmlns:a16="http://schemas.microsoft.com/office/drawing/2014/main" id="{393BD330-B0D0-4624-977B-59F8F69B16B9}"/>
+                  <a16:creationId xmlns:a16="http://schemas.microsoft.com/office/drawing/2014/main" xmlns="" id="{393BD330-B0D0-4624-977B-59F8F69B16B9}"/>
                 </a:ext>
               </a:extLst>
             </p:cNvPr>
@@ -23839,7 +23854,7 @@
             <p:cNvPr id="10" name="Rectangle 9">
               <a:extLst>
                 <a:ext uri="{FF2B5EF4-FFF2-40B4-BE49-F238E27FC236}">
-                  <a16:creationId xmlns="" xmlns:a16="http://schemas.microsoft.com/office/drawing/2014/main" id="{15F41219-5081-4320-AA15-A4523E7FD80A}"/>
+                  <a16:creationId xmlns:a16="http://schemas.microsoft.com/office/drawing/2014/main" xmlns="" id="{15F41219-5081-4320-AA15-A4523E7FD80A}"/>
                 </a:ext>
               </a:extLst>
             </p:cNvPr>
@@ -23892,7 +23907,7 @@
           <p:cNvPr id="2" name="Title 1">
             <a:extLst>
               <a:ext uri="{FF2B5EF4-FFF2-40B4-BE49-F238E27FC236}">
-                <a16:creationId xmlns="" xmlns:a16="http://schemas.microsoft.com/office/drawing/2014/main" id="{74BDEF2B-CF04-4FC7-B45D-7BFB4D26ED44}"/>
+                <a16:creationId xmlns:a16="http://schemas.microsoft.com/office/drawing/2014/main" xmlns="" id="{74BDEF2B-CF04-4FC7-B45D-7BFB4D26ED44}"/>
               </a:ext>
             </a:extLst>
           </p:cNvPr>
@@ -24003,7 +24018,7 @@
           <p:cNvPr id="5" name="Slide Number Placeholder 4">
             <a:extLst>
               <a:ext uri="{FF2B5EF4-FFF2-40B4-BE49-F238E27FC236}">
-                <a16:creationId xmlns="" xmlns:a16="http://schemas.microsoft.com/office/drawing/2014/main" id="{6C7AC4C2-311E-4220-AFEE-F95E8983AB3B}"/>
+                <a16:creationId xmlns:a16="http://schemas.microsoft.com/office/drawing/2014/main" xmlns="" id="{6C7AC4C2-311E-4220-AFEE-F95E8983AB3B}"/>
               </a:ext>
             </a:extLst>
           </p:cNvPr>
@@ -24033,7 +24048,7 @@
           <p:cNvPr id="28" name="Group 27">
             <a:extLst>
               <a:ext uri="{FF2B5EF4-FFF2-40B4-BE49-F238E27FC236}">
-                <a16:creationId xmlns="" xmlns:a16="http://schemas.microsoft.com/office/drawing/2014/main" id="{1AA134A0-7FAC-44C7-ADD1-1AB80686D524}"/>
+                <a16:creationId xmlns:a16="http://schemas.microsoft.com/office/drawing/2014/main" xmlns="" id="{1AA134A0-7FAC-44C7-ADD1-1AB80686D524}"/>
               </a:ext>
             </a:extLst>
           </p:cNvPr>
@@ -24053,7 +24068,7 @@
             <p:cNvPr id="7" name="TextBox 6">
               <a:extLst>
                 <a:ext uri="{FF2B5EF4-FFF2-40B4-BE49-F238E27FC236}">
-                  <a16:creationId xmlns="" xmlns:a16="http://schemas.microsoft.com/office/drawing/2014/main" id="{A1CB4040-B930-4C77-85A7-14277601F045}"/>
+                  <a16:creationId xmlns:a16="http://schemas.microsoft.com/office/drawing/2014/main" xmlns="" id="{A1CB4040-B930-4C77-85A7-14277601F045}"/>
                 </a:ext>
               </a:extLst>
             </p:cNvPr>
@@ -24099,7 +24114,7 @@
             <p:cNvPr id="13" name="Straight Connector 12">
               <a:extLst>
                 <a:ext uri="{FF2B5EF4-FFF2-40B4-BE49-F238E27FC236}">
-                  <a16:creationId xmlns="" xmlns:a16="http://schemas.microsoft.com/office/drawing/2014/main" id="{FAE9083E-9AE0-4ADB-A366-68C48294E971}"/>
+                  <a16:creationId xmlns:a16="http://schemas.microsoft.com/office/drawing/2014/main" xmlns="" id="{FAE9083E-9AE0-4ADB-A366-68C48294E971}"/>
                 </a:ext>
               </a:extLst>
             </p:cNvPr>
@@ -24143,7 +24158,7 @@
             <p:cNvPr id="12" name="Straight Connector 11">
               <a:extLst>
                 <a:ext uri="{FF2B5EF4-FFF2-40B4-BE49-F238E27FC236}">
-                  <a16:creationId xmlns="" xmlns:a16="http://schemas.microsoft.com/office/drawing/2014/main" id="{B83E3D3C-92F3-412F-822C-30C8140EA2D5}"/>
+                  <a16:creationId xmlns:a16="http://schemas.microsoft.com/office/drawing/2014/main" xmlns="" id="{B83E3D3C-92F3-412F-822C-30C8140EA2D5}"/>
                 </a:ext>
               </a:extLst>
             </p:cNvPr>
@@ -24187,7 +24202,7 @@
             <p:cNvPr id="14" name="Straight Connector 13">
               <a:extLst>
                 <a:ext uri="{FF2B5EF4-FFF2-40B4-BE49-F238E27FC236}">
-                  <a16:creationId xmlns="" xmlns:a16="http://schemas.microsoft.com/office/drawing/2014/main" id="{DA139436-6896-45B8-9AE8-1945DFAEACCF}"/>
+                  <a16:creationId xmlns:a16="http://schemas.microsoft.com/office/drawing/2014/main" xmlns="" id="{DA139436-6896-45B8-9AE8-1945DFAEACCF}"/>
                 </a:ext>
               </a:extLst>
             </p:cNvPr>
